--- a/Courses/Software-Sciences/Module-4-Information-Systems-New/05-Connecting-Windows-Forms-with-database/05-Connecting-Windows-Forms-with-database.pptx
+++ b/Courses/Software-Sciences/Module-4-Information-Systems-New/05-Connecting-Windows-Forms-with-database/05-Connecting-Windows-Forms-with-database.pptx
@@ -5,10 +5,10 @@
     <p:sldMasterId id="2147483675" r:id="rId1"/>
   </p:sldMasterIdLst>
   <p:notesMasterIdLst>
-    <p:notesMasterId r:id="rId32"/>
+    <p:notesMasterId r:id="rId33"/>
   </p:notesMasterIdLst>
   <p:handoutMasterIdLst>
-    <p:handoutMasterId r:id="rId33"/>
+    <p:handoutMasterId r:id="rId34"/>
   </p:handoutMasterIdLst>
   <p:sldIdLst>
     <p:sldId id="503" r:id="rId2"/>
@@ -32,15 +32,16 @@
     <p:sldId id="721" r:id="rId20"/>
     <p:sldId id="726" r:id="rId21"/>
     <p:sldId id="723" r:id="rId22"/>
-    <p:sldId id="724" r:id="rId23"/>
-    <p:sldId id="725" r:id="rId24"/>
-    <p:sldId id="731" r:id="rId25"/>
-    <p:sldId id="729" r:id="rId26"/>
-    <p:sldId id="728" r:id="rId27"/>
-    <p:sldId id="722" r:id="rId28"/>
-    <p:sldId id="633" r:id="rId29"/>
-    <p:sldId id="504" r:id="rId30"/>
-    <p:sldId id="505" r:id="rId31"/>
+    <p:sldId id="740" r:id="rId23"/>
+    <p:sldId id="724" r:id="rId24"/>
+    <p:sldId id="725" r:id="rId25"/>
+    <p:sldId id="731" r:id="rId26"/>
+    <p:sldId id="729" r:id="rId27"/>
+    <p:sldId id="728" r:id="rId28"/>
+    <p:sldId id="722" r:id="rId29"/>
+    <p:sldId id="633" r:id="rId30"/>
+    <p:sldId id="504" r:id="rId31"/>
+    <p:sldId id="505" r:id="rId32"/>
   </p:sldIdLst>
   <p:sldSz cx="12192000" cy="6858000"/>
   <p:notesSz cx="6858000" cy="9144000"/>
@@ -177,6 +178,7 @@
             <p14:sldId id="721"/>
             <p14:sldId id="726"/>
             <p14:sldId id="723"/>
+            <p14:sldId id="740"/>
             <p14:sldId id="724"/>
             <p14:sldId id="725"/>
             <p14:sldId id="731"/>
@@ -309,7 +311,7 @@
           <a:p>
             <a:fld id="{4E087215-0C8F-4762-A664-737A353EC9A4}" type="datetimeFigureOut">
               <a:rPr lang="bg-BG" smtClean="0"/>
-              <a:t>29.04.24 г.</a:t>
+              <a:t>30.04.24 г.</a:t>
             </a:fld>
             <a:endParaRPr lang="bg-BG"/>
           </a:p>
@@ -505,7 +507,7 @@
           <a:p>
             <a:fld id="{72D84649-876A-46C9-8472-14CB09C070D8}" type="datetimeFigureOut">
               <a:rPr lang="en-US" smtClean="0"/>
-              <a:t>4/29/24</a:t>
+              <a:t>4/30/24</a:t>
             </a:fld>
             <a:endParaRPr lang="en-US"/>
           </a:p>
@@ -2158,7 +2160,7 @@
             <a:fld id="{3EBA5BD7-F043-4D1B-AA17-CD412FC534DE}" type="slidenum">
               <a:rPr lang="en-US" smtClean="0"/>
               <a:pPr/>
-              <a:t>28</a:t>
+              <a:t>29</a:t>
             </a:fld>
             <a:endParaRPr lang="en-US" dirty="0"/>
           </a:p>
@@ -2404,7 +2406,7 @@
             <a:fld id="{3EBA5BD7-F043-4D1B-AA17-CD412FC534DE}" type="slidenum">
               <a:rPr lang="en-US" smtClean="0"/>
               <a:pPr/>
-              <a:t>29</a:t>
+              <a:t>30</a:t>
             </a:fld>
             <a:endParaRPr lang="en-US" dirty="0"/>
           </a:p>
@@ -2634,7 +2636,7 @@
             <a:fld id="{3EBA5BD7-F043-4D1B-AA17-CD412FC534DE}" type="slidenum">
               <a:rPr lang="en-US" smtClean="0"/>
               <a:pPr/>
-              <a:t>30</a:t>
+              <a:t>31</a:t>
             </a:fld>
             <a:endParaRPr lang="en-US" dirty="0"/>
           </a:p>
@@ -7910,16 +7912,13 @@
           <a:p>
             <a:r>
               <a:rPr lang="bg-BG" dirty="0"/>
-              <a:t>Свързване на </a:t>
+              <a:t>Визуализация на данни, </a:t>
             </a:r>
             <a:r>
               <a:rPr lang="en-US" dirty="0"/>
-              <a:t>Windows Forms </a:t>
-            </a:r>
-            <a:r>
-              <a:rPr lang="bg-BG" dirty="0"/>
-              <a:t>с база данни</a:t>
-            </a:r>
+              <a:t>Data Binding, DataGridView</a:t>
+            </a:r>
+            <a:endParaRPr lang="bg-BG" dirty="0"/>
           </a:p>
         </p:txBody>
       </p:sp>
@@ -7947,19 +7946,22 @@
         </p:spPr>
         <p:txBody>
           <a:bodyPr>
-            <a:normAutofit/>
+            <a:noAutofit/>
           </a:bodyPr>
           <a:lstStyle/>
           <a:p>
             <a:r>
-              <a:rPr lang="en-US" dirty="0"/>
+              <a:rPr lang="bg-BG" sz="4400" dirty="0"/>
+              <a:t>Свързване на </a:t>
+            </a:r>
+            <a:r>
+              <a:rPr lang="en-US" sz="4400" dirty="0"/>
               <a:t>Windows Forms </a:t>
             </a:r>
             <a:r>
-              <a:rPr lang="bg-BG" dirty="0"/>
-              <a:t>и бази данни</a:t>
-            </a:r>
-            <a:endParaRPr lang="en-US" dirty="0"/>
+              <a:rPr lang="bg-BG" sz="4400" dirty="0"/>
+              <a:t>с база данни</a:t>
+            </a:r>
           </a:p>
         </p:txBody>
       </p:sp>
@@ -14606,6 +14608,23 @@
               <a:rPr lang="bg-BG" sz="3200" dirty="0"/>
               <a:t> проекта</a:t>
             </a:r>
+            <a:r>
+              <a:rPr lang="en-US" sz="3200" dirty="0"/>
+              <a:t> </a:t>
+            </a:r>
+            <a:r>
+              <a:rPr lang="en-US" sz="3200" b="1" dirty="0">
+                <a:solidFill>
+                  <a:schemeClr val="bg1"/>
+                </a:solidFill>
+              </a:rPr>
+              <a:t>[Ctrl + Shift + B]</a:t>
+            </a:r>
+            <a:endParaRPr lang="bg-BG" sz="3200" b="1" dirty="0">
+              <a:solidFill>
+                <a:schemeClr val="bg1"/>
+              </a:solidFill>
+            </a:endParaRPr>
           </a:p>
           <a:p>
             <a:r>
@@ -15469,7 +15488,7 @@
           <p:cNvPr id="2" name="Slide Number Placeholder 1">
             <a:extLst>
               <a:ext uri="{FF2B5EF4-FFF2-40B4-BE49-F238E27FC236}">
-                <a16:creationId xmlns:a16="http://schemas.microsoft.com/office/drawing/2014/main" id="{F3AF87FF-1318-696E-CC00-2C2B6621789F}"/>
+                <a16:creationId xmlns:a16="http://schemas.microsoft.com/office/drawing/2014/main" id="{4F7AF4FB-251F-E329-A800-EB49216A7496}"/>
               </a:ext>
             </a:extLst>
           </p:cNvPr>
@@ -15489,6 +15508,128 @@
               <a:rPr lang="en-US" noProof="0" smtClean="0"/>
               <a:pPr/>
               <a:t>22</a:t>
+            </a:fld>
+            <a:endParaRPr lang="en-US" noProof="0" dirty="0"/>
+          </a:p>
+        </p:txBody>
+      </p:sp>
+      <p:sp>
+        <p:nvSpPr>
+          <p:cNvPr id="3" name="Text Placeholder 2">
+            <a:extLst>
+              <a:ext uri="{FF2B5EF4-FFF2-40B4-BE49-F238E27FC236}">
+                <a16:creationId xmlns:a16="http://schemas.microsoft.com/office/drawing/2014/main" id="{762B4C8C-42AA-8361-48E6-89A3CE9CEBED}"/>
+              </a:ext>
+            </a:extLst>
+          </p:cNvPr>
+          <p:cNvSpPr>
+            <a:spLocks noGrp="1"/>
+          </p:cNvSpPr>
+          <p:nvPr>
+            <p:ph type="body" sz="quarter" idx="10"/>
+          </p:nvPr>
+        </p:nvSpPr>
+        <p:spPr/>
+        <p:txBody>
+          <a:bodyPr/>
+          <a:lstStyle/>
+          <a:p>
+            <a:r>
+              <a:rPr lang="bg-BG" dirty="0"/>
+              <a:t>От падащото меню избираме модела</a:t>
+            </a:r>
+            <a:endParaRPr lang="en-BG" dirty="0"/>
+          </a:p>
+        </p:txBody>
+      </p:sp>
+      <p:sp>
+        <p:nvSpPr>
+          <p:cNvPr id="4" name="Title 3">
+            <a:extLst>
+              <a:ext uri="{FF2B5EF4-FFF2-40B4-BE49-F238E27FC236}">
+                <a16:creationId xmlns:a16="http://schemas.microsoft.com/office/drawing/2014/main" id="{C6F62D87-B587-AF7F-CF15-F3E1EF571835}"/>
+              </a:ext>
+            </a:extLst>
+          </p:cNvPr>
+          <p:cNvSpPr>
+            <a:spLocks noGrp="1"/>
+          </p:cNvSpPr>
+          <p:nvPr>
+            <p:ph type="title"/>
+          </p:nvPr>
+        </p:nvSpPr>
+        <p:spPr/>
+        <p:txBody>
+          <a:bodyPr/>
+          <a:lstStyle/>
+          <a:p>
+            <a:endParaRPr lang="en-BG"/>
+          </a:p>
+        </p:txBody>
+      </p:sp>
+    </p:spTree>
+    <p:extLst>
+      <p:ext uri="{BB962C8B-B14F-4D97-AF65-F5344CB8AC3E}">
+        <p14:creationId xmlns:p14="http://schemas.microsoft.com/office/powerpoint/2010/main" val="1932625137"/>
+      </p:ext>
+    </p:extLst>
+  </p:cSld>
+  <p:clrMapOvr>
+    <a:masterClrMapping/>
+  </p:clrMapOvr>
+  <mc:AlternateContent xmlns:mc="http://schemas.openxmlformats.org/markup-compatibility/2006" xmlns:p14="http://schemas.microsoft.com/office/powerpoint/2010/main">
+    <mc:Choice Requires="p14">
+      <p:transition spd="slow" p14:dur="2000" advClick="0" advTm="5000"/>
+    </mc:Choice>
+    <mc:Fallback xmlns="">
+      <p:transition spd="slow" advClick="0" advTm="5000"/>
+    </mc:Fallback>
+  </mc:AlternateContent>
+</p:sld>
+</file>
+
+<file path=ppt/slides/slide23.xml><?xml version="1.0" encoding="utf-8"?>
+<p:sld xmlns:a="http://schemas.openxmlformats.org/drawingml/2006/main" xmlns:r="http://schemas.openxmlformats.org/officeDocument/2006/relationships" xmlns:p="http://schemas.openxmlformats.org/presentationml/2006/main">
+  <p:cSld>
+    <p:spTree>
+      <p:nvGrpSpPr>
+        <p:cNvPr id="1" name=""/>
+        <p:cNvGrpSpPr/>
+        <p:nvPr/>
+      </p:nvGrpSpPr>
+      <p:grpSpPr>
+        <a:xfrm>
+          <a:off x="0" y="0"/>
+          <a:ext cx="0" cy="0"/>
+          <a:chOff x="0" y="0"/>
+          <a:chExt cx="0" cy="0"/>
+        </a:xfrm>
+      </p:grpSpPr>
+      <p:sp>
+        <p:nvSpPr>
+          <p:cNvPr id="2" name="Slide Number Placeholder 1">
+            <a:extLst>
+              <a:ext uri="{FF2B5EF4-FFF2-40B4-BE49-F238E27FC236}">
+                <a16:creationId xmlns:a16="http://schemas.microsoft.com/office/drawing/2014/main" id="{F3AF87FF-1318-696E-CC00-2C2B6621789F}"/>
+              </a:ext>
+            </a:extLst>
+          </p:cNvPr>
+          <p:cNvSpPr>
+            <a:spLocks noGrp="1"/>
+          </p:cNvSpPr>
+          <p:nvPr>
+            <p:ph type="sldNum" sz="quarter" idx="5"/>
+          </p:nvPr>
+        </p:nvSpPr>
+        <p:spPr/>
+        <p:txBody>
+          <a:bodyPr/>
+          <a:lstStyle/>
+          <a:p>
+            <a:fld id="{2BF067CD-8E6B-4360-9AA8-C5DF2A48A6D1}" type="slidenum">
+              <a:rPr lang="en-US" noProof="0" smtClean="0"/>
+              <a:pPr/>
+              <a:t>23</a:t>
             </a:fld>
             <a:endParaRPr lang="en-US" noProof="0" dirty="0"/>
           </a:p>
@@ -16083,7 +16224,7 @@
 </p:sld>
 </file>
 
-<file path=ppt/slides/slide23.xml><?xml version="1.0" encoding="utf-8"?>
+<file path=ppt/slides/slide24.xml><?xml version="1.0" encoding="utf-8"?>
 <p:sld xmlns:a="http://schemas.openxmlformats.org/drawingml/2006/main" xmlns:r="http://schemas.openxmlformats.org/officeDocument/2006/relationships" xmlns:p="http://schemas.openxmlformats.org/presentationml/2006/main">
   <p:cSld>
     <p:spTree>
@@ -16124,7 +16265,7 @@
             <a:fld id="{2BF067CD-8E6B-4360-9AA8-C5DF2A48A6D1}" type="slidenum">
               <a:rPr lang="en-US" noProof="0" smtClean="0"/>
               <a:pPr/>
-              <a:t>23</a:t>
+              <a:t>24</a:t>
             </a:fld>
             <a:endParaRPr lang="en-US" noProof="0" dirty="0"/>
           </a:p>
@@ -16730,7 +16871,7 @@
 </p:sld>
 </file>
 
-<file path=ppt/slides/slide24.xml><?xml version="1.0" encoding="utf-8"?>
+<file path=ppt/slides/slide25.xml><?xml version="1.0" encoding="utf-8"?>
 <p:sld xmlns:a="http://schemas.openxmlformats.org/drawingml/2006/main" xmlns:r="http://schemas.openxmlformats.org/officeDocument/2006/relationships" xmlns:p="http://schemas.openxmlformats.org/presentationml/2006/main">
   <p:cSld>
     <p:spTree>
@@ -16771,7 +16912,7 @@
             <a:fld id="{2BF067CD-8E6B-4360-9AA8-C5DF2A48A6D1}" type="slidenum">
               <a:rPr lang="en-US" noProof="0" smtClean="0"/>
               <a:pPr/>
-              <a:t>24</a:t>
+              <a:t>25</a:t>
             </a:fld>
             <a:endParaRPr lang="en-US" noProof="0" dirty="0"/>
           </a:p>
@@ -17693,7 +17834,7 @@
 </p:sld>
 </file>
 
-<file path=ppt/slides/slide25.xml><?xml version="1.0" encoding="utf-8"?>
+<file path=ppt/slides/slide26.xml><?xml version="1.0" encoding="utf-8"?>
 <p:sld xmlns:a="http://schemas.openxmlformats.org/drawingml/2006/main" xmlns:r="http://schemas.openxmlformats.org/officeDocument/2006/relationships" xmlns:p="http://schemas.openxmlformats.org/presentationml/2006/main">
   <p:cSld>
     <p:spTree>
@@ -17734,7 +17875,7 @@
             <a:fld id="{2BF067CD-8E6B-4360-9AA8-C5DF2A48A6D1}" type="slidenum">
               <a:rPr lang="en-US" noProof="0" smtClean="0"/>
               <a:pPr/>
-              <a:t>25</a:t>
+              <a:t>26</a:t>
             </a:fld>
             <a:endParaRPr lang="en-US" noProof="0" dirty="0"/>
           </a:p>
@@ -18625,7 +18766,7 @@
 </p:sld>
 </file>
 
-<file path=ppt/slides/slide26.xml><?xml version="1.0" encoding="utf-8"?>
+<file path=ppt/slides/slide27.xml><?xml version="1.0" encoding="utf-8"?>
 <p:sld xmlns:a="http://schemas.openxmlformats.org/drawingml/2006/main" xmlns:r="http://schemas.openxmlformats.org/officeDocument/2006/relationships" xmlns:p="http://schemas.openxmlformats.org/presentationml/2006/main">
   <p:cSld>
     <p:spTree>
@@ -18666,7 +18807,7 @@
             <a:fld id="{2BF067CD-8E6B-4360-9AA8-C5DF2A48A6D1}" type="slidenum">
               <a:rPr lang="en-US" noProof="0" smtClean="0"/>
               <a:pPr/>
-              <a:t>26</a:t>
+              <a:t>27</a:t>
             </a:fld>
             <a:endParaRPr lang="en-US" noProof="0" dirty="0"/>
           </a:p>
@@ -19428,7 +19569,7 @@
 </p:sld>
 </file>
 
-<file path=ppt/slides/slide27.xml><?xml version="1.0" encoding="utf-8"?>
+<file path=ppt/slides/slide28.xml><?xml version="1.0" encoding="utf-8"?>
 <p:sld xmlns:a="http://schemas.openxmlformats.org/drawingml/2006/main" xmlns:r="http://schemas.openxmlformats.org/officeDocument/2006/relationships" xmlns:p="http://schemas.openxmlformats.org/presentationml/2006/main">
   <p:cSld>
     <p:spTree>
@@ -19469,7 +19610,7 @@
             <a:fld id="{2BF067CD-8E6B-4360-9AA8-C5DF2A48A6D1}" type="slidenum">
               <a:rPr lang="en-US" noProof="0" smtClean="0"/>
               <a:pPr/>
-              <a:t>27</a:t>
+              <a:t>28</a:t>
             </a:fld>
             <a:endParaRPr lang="en-US" noProof="0" dirty="0"/>
           </a:p>
@@ -19918,7 +20059,7 @@
 </p:sld>
 </file>
 
-<file path=ppt/slides/slide28.xml><?xml version="1.0" encoding="utf-8"?>
+<file path=ppt/slides/slide29.xml><?xml version="1.0" encoding="utf-8"?>
 <p:sld xmlns:a="http://schemas.openxmlformats.org/drawingml/2006/main" xmlns:r="http://schemas.openxmlformats.org/officeDocument/2006/relationships" xmlns:p="http://schemas.openxmlformats.org/presentationml/2006/main">
   <p:cSld>
     <p:spTree>
@@ -20638,7 +20779,7 @@
             <a:fld id="{2BF067CD-8E6B-4360-9AA8-C5DF2A48A6D1}" type="slidenum">
               <a:rPr lang="en-US" noProof="0" smtClean="0"/>
               <a:pPr/>
-              <a:t>28</a:t>
+              <a:t>29</a:t>
             </a:fld>
             <a:endParaRPr lang="en-US" noProof="0" dirty="0"/>
           </a:p>
@@ -21080,196 +21221,6 @@
 </p:sld>
 </file>
 
-<file path=ppt/slides/slide29.xml><?xml version="1.0" encoding="utf-8"?>
-<p:sld xmlns:a="http://schemas.openxmlformats.org/drawingml/2006/main" xmlns:r="http://schemas.openxmlformats.org/officeDocument/2006/relationships" xmlns:p="http://schemas.openxmlformats.org/presentationml/2006/main">
-  <p:cSld>
-    <p:spTree>
-      <p:nvGrpSpPr>
-        <p:cNvPr id="1" name=""/>
-        <p:cNvGrpSpPr/>
-        <p:nvPr/>
-      </p:nvGrpSpPr>
-      <p:grpSpPr>
-        <a:xfrm>
-          <a:off x="0" y="0"/>
-          <a:ext cx="0" cy="0"/>
-          <a:chOff x="0" y="0"/>
-          <a:chExt cx="0" cy="0"/>
-        </a:xfrm>
-      </p:grpSpPr>
-      <p:sp>
-        <p:nvSpPr>
-          <p:cNvPr id="5" name="Slide Title">
-            <a:extLst>
-              <a:ext uri="{FF2B5EF4-FFF2-40B4-BE49-F238E27FC236}">
-                <a16:creationId xmlns:a16="http://schemas.microsoft.com/office/drawing/2014/main" id="{FA0703FC-0F8F-4C80-A615-E4B381EC0E0C}"/>
-              </a:ext>
-            </a:extLst>
-          </p:cNvPr>
-          <p:cNvSpPr>
-            <a:spLocks noGrp="1"/>
-          </p:cNvSpPr>
-          <p:nvPr>
-            <p:ph type="title"/>
-          </p:nvPr>
-        </p:nvSpPr>
-        <p:spPr/>
-        <p:txBody>
-          <a:bodyPr/>
-          <a:lstStyle/>
-          <a:p>
-            <a:r>
-              <a:rPr lang="bg-BG" dirty="0"/>
-              <a:t>Въпроси</a:t>
-            </a:r>
-            <a:r>
-              <a:rPr lang="en-US" dirty="0"/>
-              <a:t>?</a:t>
-            </a:r>
-          </a:p>
-        </p:txBody>
-      </p:sp>
-      <p:sp>
-        <p:nvSpPr>
-          <p:cNvPr id="2" name="Rectangle Bottom Copyright">
-            <a:extLst>
-              <a:ext uri="{FF2B5EF4-FFF2-40B4-BE49-F238E27FC236}">
-                <a16:creationId xmlns:a16="http://schemas.microsoft.com/office/drawing/2014/main" id="{664812A4-2991-44D1-BFE9-32E55AADF8A5}"/>
-              </a:ext>
-            </a:extLst>
-          </p:cNvPr>
-          <p:cNvSpPr/>
-          <p:nvPr/>
-        </p:nvSpPr>
-        <p:spPr>
-          <a:xfrm>
-            <a:off x="111000" y="6454758"/>
-            <a:ext cx="11970000" cy="304242"/>
-          </a:xfrm>
-          <a:prstGeom prst="rect">
-            <a:avLst/>
-          </a:prstGeom>
-        </p:spPr>
-        <p:txBody>
-          <a:bodyPr wrap="square">
-            <a:noAutofit/>
-          </a:bodyPr>
-          <a:lstStyle/>
-          <a:p>
-            <a:pPr algn="ctr">
-              <a:lnSpc>
-                <a:spcPct val="100000"/>
-              </a:lnSpc>
-              <a:spcBef>
-                <a:spcPts val="0"/>
-              </a:spcBef>
-              <a:spcAft>
-                <a:spcPts val="0"/>
-              </a:spcAft>
-            </a:pPr>
-            <a:r>
-              <a:rPr lang="bg-BG" sz="1600" dirty="0">
-                <a:solidFill>
-                  <a:schemeClr val="bg2"/>
-                </a:solidFill>
-                <a:effectLst/>
-                <a:latin typeface="Calibri" panose="020F0502020204030204" pitchFamily="34" charset="0"/>
-                <a:ea typeface="Calibri" panose="020F0502020204030204" pitchFamily="34" charset="0"/>
-                <a:cs typeface="Arial" panose="020B0604020202020204" pitchFamily="34" charset="0"/>
-              </a:rPr>
-              <a:t>Проект "</a:t>
-            </a:r>
-            <a:r>
-              <a:rPr lang="bg-BG" sz="1600" dirty="0">
-                <a:solidFill>
-                  <a:schemeClr val="bg1">
-                    <a:lumMod val="20000"/>
-                    <a:lumOff val="80000"/>
-                  </a:schemeClr>
-                </a:solidFill>
-                <a:effectLst/>
-                <a:latin typeface="Calibri" panose="020F0502020204030204" pitchFamily="34" charset="0"/>
-                <a:ea typeface="Calibri" panose="020F0502020204030204" pitchFamily="34" charset="0"/>
-                <a:cs typeface="Arial" panose="020B0604020202020204" pitchFamily="34" charset="0"/>
-                <a:hlinkClick r:id="rId3">
-                  <a:extLst>
-                    <a:ext uri="{A12FA001-AC4F-418D-AE19-62706E023703}">
-                      <ahyp:hlinkClr xmlns:ahyp="http://schemas.microsoft.com/office/drawing/2018/hyperlinkcolor" val="tx"/>
-                    </a:ext>
-                  </a:extLst>
-                </a:hlinkClick>
-              </a:rPr>
-              <a:t>Отворено учебно съдържание по програмиране и ИТ</a:t>
-            </a:r>
-            <a:r>
-              <a:rPr lang="bg-BG" sz="1600" dirty="0">
-                <a:solidFill>
-                  <a:schemeClr val="bg2"/>
-                </a:solidFill>
-                <a:effectLst/>
-                <a:latin typeface="Calibri" panose="020F0502020204030204" pitchFamily="34" charset="0"/>
-                <a:ea typeface="Calibri" panose="020F0502020204030204" pitchFamily="34" charset="0"/>
-                <a:cs typeface="Arial" panose="020B0604020202020204" pitchFamily="34" charset="0"/>
-              </a:rPr>
-              <a:t>", СофтУни Фондация (лиценз </a:t>
-            </a:r>
-            <a:r>
-              <a:rPr lang="en-US" sz="1600" dirty="0">
-                <a:solidFill>
-                  <a:schemeClr val="bg2"/>
-                </a:solidFill>
-                <a:effectLst/>
-                <a:latin typeface="Calibri" panose="020F0502020204030204" pitchFamily="34" charset="0"/>
-                <a:ea typeface="Calibri" panose="020F0502020204030204" pitchFamily="34" charset="0"/>
-                <a:cs typeface="Arial" panose="020B0604020202020204" pitchFamily="34" charset="0"/>
-              </a:rPr>
-              <a:t>CC-BY-NC-SA</a:t>
-            </a:r>
-            <a:r>
-              <a:rPr lang="bg-BG" sz="1600" dirty="0">
-                <a:solidFill>
-                  <a:schemeClr val="bg2"/>
-                </a:solidFill>
-                <a:effectLst/>
-                <a:latin typeface="Calibri" panose="020F0502020204030204" pitchFamily="34" charset="0"/>
-                <a:ea typeface="Calibri" panose="020F0502020204030204" pitchFamily="34" charset="0"/>
-                <a:cs typeface="Arial" panose="020B0604020202020204" pitchFamily="34" charset="0"/>
-              </a:rPr>
-              <a:t>)</a:t>
-            </a:r>
-            <a:endParaRPr lang="bg-BG" sz="2400" dirty="0">
-              <a:solidFill>
-                <a:schemeClr val="bg2"/>
-              </a:solidFill>
-              <a:effectLst/>
-              <a:latin typeface="Calibri" panose="020F0502020204030204" pitchFamily="34" charset="0"/>
-              <a:ea typeface="Calibri" panose="020F0502020204030204" pitchFamily="34" charset="0"/>
-              <a:cs typeface="Arial" panose="020B0604020202020204" pitchFamily="34" charset="0"/>
-            </a:endParaRPr>
-          </a:p>
-        </p:txBody>
-      </p:sp>
-    </p:spTree>
-    <p:extLst>
-      <p:ext uri="{BB962C8B-B14F-4D97-AF65-F5344CB8AC3E}">
-        <p14:creationId xmlns:p14="http://schemas.microsoft.com/office/powerpoint/2010/main" val="1472534970"/>
-      </p:ext>
-    </p:extLst>
-  </p:cSld>
-  <p:clrMapOvr>
-    <a:masterClrMapping/>
-  </p:clrMapOvr>
-  <mc:AlternateContent xmlns:mc="http://schemas.openxmlformats.org/markup-compatibility/2006" xmlns:p14="http://schemas.microsoft.com/office/powerpoint/2010/main">
-    <mc:Choice Requires="p14">
-      <p:transition spd="slow" p14:dur="2000" advClick="0" advTm="5000"/>
-    </mc:Choice>
-    <mc:Fallback xmlns="">
-      <p:transition spd="slow" advClick="0" advTm="5000"/>
-    </mc:Fallback>
-  </mc:AlternateContent>
-</p:sld>
-</file>
-
 <file path=ppt/slides/slide3.xml><?xml version="1.0" encoding="utf-8"?>
 <p:sld xmlns:a="http://schemas.openxmlformats.org/drawingml/2006/main" xmlns:r="http://schemas.openxmlformats.org/officeDocument/2006/relationships" xmlns:p="http://schemas.openxmlformats.org/presentationml/2006/main">
   <p:cSld>
@@ -21423,6 +21374,196 @@
       </p:grpSpPr>
       <p:sp>
         <p:nvSpPr>
+          <p:cNvPr id="5" name="Slide Title">
+            <a:extLst>
+              <a:ext uri="{FF2B5EF4-FFF2-40B4-BE49-F238E27FC236}">
+                <a16:creationId xmlns:a16="http://schemas.microsoft.com/office/drawing/2014/main" id="{FA0703FC-0F8F-4C80-A615-E4B381EC0E0C}"/>
+              </a:ext>
+            </a:extLst>
+          </p:cNvPr>
+          <p:cNvSpPr>
+            <a:spLocks noGrp="1"/>
+          </p:cNvSpPr>
+          <p:nvPr>
+            <p:ph type="title"/>
+          </p:nvPr>
+        </p:nvSpPr>
+        <p:spPr/>
+        <p:txBody>
+          <a:bodyPr/>
+          <a:lstStyle/>
+          <a:p>
+            <a:r>
+              <a:rPr lang="bg-BG" dirty="0"/>
+              <a:t>Въпроси</a:t>
+            </a:r>
+            <a:r>
+              <a:rPr lang="en-US" dirty="0"/>
+              <a:t>?</a:t>
+            </a:r>
+          </a:p>
+        </p:txBody>
+      </p:sp>
+      <p:sp>
+        <p:nvSpPr>
+          <p:cNvPr id="2" name="Rectangle Bottom Copyright">
+            <a:extLst>
+              <a:ext uri="{FF2B5EF4-FFF2-40B4-BE49-F238E27FC236}">
+                <a16:creationId xmlns:a16="http://schemas.microsoft.com/office/drawing/2014/main" id="{664812A4-2991-44D1-BFE9-32E55AADF8A5}"/>
+              </a:ext>
+            </a:extLst>
+          </p:cNvPr>
+          <p:cNvSpPr/>
+          <p:nvPr/>
+        </p:nvSpPr>
+        <p:spPr>
+          <a:xfrm>
+            <a:off x="111000" y="6454758"/>
+            <a:ext cx="11970000" cy="304242"/>
+          </a:xfrm>
+          <a:prstGeom prst="rect">
+            <a:avLst/>
+          </a:prstGeom>
+        </p:spPr>
+        <p:txBody>
+          <a:bodyPr wrap="square">
+            <a:noAutofit/>
+          </a:bodyPr>
+          <a:lstStyle/>
+          <a:p>
+            <a:pPr algn="ctr">
+              <a:lnSpc>
+                <a:spcPct val="100000"/>
+              </a:lnSpc>
+              <a:spcBef>
+                <a:spcPts val="0"/>
+              </a:spcBef>
+              <a:spcAft>
+                <a:spcPts val="0"/>
+              </a:spcAft>
+            </a:pPr>
+            <a:r>
+              <a:rPr lang="bg-BG" sz="1600" dirty="0">
+                <a:solidFill>
+                  <a:schemeClr val="bg2"/>
+                </a:solidFill>
+                <a:effectLst/>
+                <a:latin typeface="Calibri" panose="020F0502020204030204" pitchFamily="34" charset="0"/>
+                <a:ea typeface="Calibri" panose="020F0502020204030204" pitchFamily="34" charset="0"/>
+                <a:cs typeface="Arial" panose="020B0604020202020204" pitchFamily="34" charset="0"/>
+              </a:rPr>
+              <a:t>Проект "</a:t>
+            </a:r>
+            <a:r>
+              <a:rPr lang="bg-BG" sz="1600" dirty="0">
+                <a:solidFill>
+                  <a:schemeClr val="bg1">
+                    <a:lumMod val="20000"/>
+                    <a:lumOff val="80000"/>
+                  </a:schemeClr>
+                </a:solidFill>
+                <a:effectLst/>
+                <a:latin typeface="Calibri" panose="020F0502020204030204" pitchFamily="34" charset="0"/>
+                <a:ea typeface="Calibri" panose="020F0502020204030204" pitchFamily="34" charset="0"/>
+                <a:cs typeface="Arial" panose="020B0604020202020204" pitchFamily="34" charset="0"/>
+                <a:hlinkClick r:id="rId3">
+                  <a:extLst>
+                    <a:ext uri="{A12FA001-AC4F-418D-AE19-62706E023703}">
+                      <ahyp:hlinkClr xmlns:ahyp="http://schemas.microsoft.com/office/drawing/2018/hyperlinkcolor" val="tx"/>
+                    </a:ext>
+                  </a:extLst>
+                </a:hlinkClick>
+              </a:rPr>
+              <a:t>Отворено учебно съдържание по програмиране и ИТ</a:t>
+            </a:r>
+            <a:r>
+              <a:rPr lang="bg-BG" sz="1600" dirty="0">
+                <a:solidFill>
+                  <a:schemeClr val="bg2"/>
+                </a:solidFill>
+                <a:effectLst/>
+                <a:latin typeface="Calibri" panose="020F0502020204030204" pitchFamily="34" charset="0"/>
+                <a:ea typeface="Calibri" panose="020F0502020204030204" pitchFamily="34" charset="0"/>
+                <a:cs typeface="Arial" panose="020B0604020202020204" pitchFamily="34" charset="0"/>
+              </a:rPr>
+              <a:t>", СофтУни Фондация (лиценз </a:t>
+            </a:r>
+            <a:r>
+              <a:rPr lang="en-US" sz="1600" dirty="0">
+                <a:solidFill>
+                  <a:schemeClr val="bg2"/>
+                </a:solidFill>
+                <a:effectLst/>
+                <a:latin typeface="Calibri" panose="020F0502020204030204" pitchFamily="34" charset="0"/>
+                <a:ea typeface="Calibri" panose="020F0502020204030204" pitchFamily="34" charset="0"/>
+                <a:cs typeface="Arial" panose="020B0604020202020204" pitchFamily="34" charset="0"/>
+              </a:rPr>
+              <a:t>CC-BY-NC-SA</a:t>
+            </a:r>
+            <a:r>
+              <a:rPr lang="bg-BG" sz="1600" dirty="0">
+                <a:solidFill>
+                  <a:schemeClr val="bg2"/>
+                </a:solidFill>
+                <a:effectLst/>
+                <a:latin typeface="Calibri" panose="020F0502020204030204" pitchFamily="34" charset="0"/>
+                <a:ea typeface="Calibri" panose="020F0502020204030204" pitchFamily="34" charset="0"/>
+                <a:cs typeface="Arial" panose="020B0604020202020204" pitchFamily="34" charset="0"/>
+              </a:rPr>
+              <a:t>)</a:t>
+            </a:r>
+            <a:endParaRPr lang="bg-BG" sz="2400" dirty="0">
+              <a:solidFill>
+                <a:schemeClr val="bg2"/>
+              </a:solidFill>
+              <a:effectLst/>
+              <a:latin typeface="Calibri" panose="020F0502020204030204" pitchFamily="34" charset="0"/>
+              <a:ea typeface="Calibri" panose="020F0502020204030204" pitchFamily="34" charset="0"/>
+              <a:cs typeface="Arial" panose="020B0604020202020204" pitchFamily="34" charset="0"/>
+            </a:endParaRPr>
+          </a:p>
+        </p:txBody>
+      </p:sp>
+    </p:spTree>
+    <p:extLst>
+      <p:ext uri="{BB962C8B-B14F-4D97-AF65-F5344CB8AC3E}">
+        <p14:creationId xmlns:p14="http://schemas.microsoft.com/office/powerpoint/2010/main" val="1472534970"/>
+      </p:ext>
+    </p:extLst>
+  </p:cSld>
+  <p:clrMapOvr>
+    <a:masterClrMapping/>
+  </p:clrMapOvr>
+  <mc:AlternateContent xmlns:mc="http://schemas.openxmlformats.org/markup-compatibility/2006" xmlns:p14="http://schemas.microsoft.com/office/powerpoint/2010/main">
+    <mc:Choice Requires="p14">
+      <p:transition spd="slow" p14:dur="2000" advClick="0" advTm="5000"/>
+    </mc:Choice>
+    <mc:Fallback xmlns="">
+      <p:transition spd="slow" advClick="0" advTm="5000"/>
+    </mc:Fallback>
+  </mc:AlternateContent>
+</p:sld>
+</file>
+
+<file path=ppt/slides/slide31.xml><?xml version="1.0" encoding="utf-8"?>
+<p:sld xmlns:a="http://schemas.openxmlformats.org/drawingml/2006/main" xmlns:r="http://schemas.openxmlformats.org/officeDocument/2006/relationships" xmlns:p="http://schemas.openxmlformats.org/presentationml/2006/main">
+  <p:cSld>
+    <p:spTree>
+      <p:nvGrpSpPr>
+        <p:cNvPr id="1" name=""/>
+        <p:cNvGrpSpPr/>
+        <p:nvPr/>
+      </p:nvGrpSpPr>
+      <p:grpSpPr>
+        <a:xfrm>
+          <a:off x="0" y="0"/>
+          <a:ext cx="0" cy="0"/>
+          <a:chOff x="0" y="0"/>
+          <a:chExt cx="0" cy="0"/>
+        </a:xfrm>
+      </p:grpSpPr>
+      <p:sp>
+        <p:nvSpPr>
           <p:cNvPr id="5" name="Slide Number">
             <a:extLst>
               <a:ext uri="{FF2B5EF4-FFF2-40B4-BE49-F238E27FC236}">
@@ -21457,7 +21598,7 @@
             <a:fld id="{2BF067CD-8E6B-4360-9AA8-C5DF2A48A6D1}" type="slidenum">
               <a:rPr lang="en-US" smtClean="0"/>
               <a:pPr/>
-              <a:t>30</a:t>
+              <a:t>31</a:t>
             </a:fld>
             <a:endParaRPr lang="en-US" dirty="0"/>
           </a:p>

--- a/Courses/Software-Sciences/Module-4-Information-Systems-New/05-Connecting-Windows-Forms-with-database/05-Connecting-Windows-Forms-with-database.pptx
+++ b/Courses/Software-Sciences/Module-4-Information-Systems-New/05-Connecting-Windows-Forms-with-database/05-Connecting-Windows-Forms-with-database.pptx
@@ -5,10 +5,10 @@
     <p:sldMasterId id="2147483675" r:id="rId1"/>
   </p:sldMasterIdLst>
   <p:notesMasterIdLst>
-    <p:notesMasterId r:id="rId33"/>
+    <p:notesMasterId r:id="rId32"/>
   </p:notesMasterIdLst>
   <p:handoutMasterIdLst>
-    <p:handoutMasterId r:id="rId34"/>
+    <p:handoutMasterId r:id="rId33"/>
   </p:handoutMasterIdLst>
   <p:sldIdLst>
     <p:sldId id="503" r:id="rId2"/>
@@ -32,16 +32,15 @@
     <p:sldId id="721" r:id="rId20"/>
     <p:sldId id="726" r:id="rId21"/>
     <p:sldId id="723" r:id="rId22"/>
-    <p:sldId id="740" r:id="rId23"/>
-    <p:sldId id="724" r:id="rId24"/>
-    <p:sldId id="725" r:id="rId25"/>
-    <p:sldId id="731" r:id="rId26"/>
-    <p:sldId id="729" r:id="rId27"/>
-    <p:sldId id="728" r:id="rId28"/>
-    <p:sldId id="722" r:id="rId29"/>
-    <p:sldId id="633" r:id="rId30"/>
-    <p:sldId id="504" r:id="rId31"/>
-    <p:sldId id="505" r:id="rId32"/>
+    <p:sldId id="724" r:id="rId23"/>
+    <p:sldId id="725" r:id="rId24"/>
+    <p:sldId id="731" r:id="rId25"/>
+    <p:sldId id="729" r:id="rId26"/>
+    <p:sldId id="728" r:id="rId27"/>
+    <p:sldId id="722" r:id="rId28"/>
+    <p:sldId id="633" r:id="rId29"/>
+    <p:sldId id="504" r:id="rId30"/>
+    <p:sldId id="505" r:id="rId31"/>
   </p:sldIdLst>
   <p:sldSz cx="12192000" cy="6858000"/>
   <p:notesSz cx="6858000" cy="9144000"/>
@@ -178,7 +177,6 @@
             <p14:sldId id="721"/>
             <p14:sldId id="726"/>
             <p14:sldId id="723"/>
-            <p14:sldId id="740"/>
             <p14:sldId id="724"/>
             <p14:sldId id="725"/>
             <p14:sldId id="731"/>
@@ -311,7 +309,7 @@
           <a:p>
             <a:fld id="{4E087215-0C8F-4762-A664-737A353EC9A4}" type="datetimeFigureOut">
               <a:rPr lang="bg-BG" smtClean="0"/>
-              <a:t>30.04.24 г.</a:t>
+              <a:t>21.05.24 г.</a:t>
             </a:fld>
             <a:endParaRPr lang="bg-BG"/>
           </a:p>
@@ -507,7 +505,7 @@
           <a:p>
             <a:fld id="{72D84649-876A-46C9-8472-14CB09C070D8}" type="datetimeFigureOut">
               <a:rPr lang="en-US" smtClean="0"/>
-              <a:t>4/30/24</a:t>
+              <a:t>5/21/24</a:t>
             </a:fld>
             <a:endParaRPr lang="en-US"/>
           </a:p>
@@ -2160,7 +2158,7 @@
             <a:fld id="{3EBA5BD7-F043-4D1B-AA17-CD412FC534DE}" type="slidenum">
               <a:rPr lang="en-US" smtClean="0"/>
               <a:pPr/>
-              <a:t>29</a:t>
+              <a:t>28</a:t>
             </a:fld>
             <a:endParaRPr lang="en-US" dirty="0"/>
           </a:p>
@@ -2406,7 +2404,7 @@
             <a:fld id="{3EBA5BD7-F043-4D1B-AA17-CD412FC534DE}" type="slidenum">
               <a:rPr lang="en-US" smtClean="0"/>
               <a:pPr/>
-              <a:t>30</a:t>
+              <a:t>29</a:t>
             </a:fld>
             <a:endParaRPr lang="en-US" dirty="0"/>
           </a:p>
@@ -2636,7 +2634,7 @@
             <a:fld id="{3EBA5BD7-F043-4D1B-AA17-CD412FC534DE}" type="slidenum">
               <a:rPr lang="en-US" smtClean="0"/>
               <a:pPr/>
-              <a:t>31</a:t>
+              <a:t>30</a:t>
             </a:fld>
             <a:endParaRPr lang="en-US" dirty="0"/>
           </a:p>
@@ -9584,7 +9582,7 @@
         <p:spPr>
           <a:xfrm>
             <a:off x="190402" y="1196125"/>
-            <a:ext cx="7165598" cy="5528766"/>
+            <a:ext cx="11665598" cy="5528766"/>
           </a:xfrm>
         </p:spPr>
         <p:txBody>
@@ -9743,8 +9741,8 @@
         </p:blipFill>
         <p:spPr>
           <a:xfrm>
-            <a:off x="8211000" y="1314000"/>
-            <a:ext cx="2738571" cy="2430000"/>
+            <a:off x="1725701" y="3758396"/>
+            <a:ext cx="3105000" cy="2755141"/>
           </a:xfrm>
           <a:prstGeom prst="rect">
             <a:avLst/>
@@ -9785,8 +9783,8 @@
         </p:blipFill>
         <p:spPr>
           <a:xfrm>
-            <a:off x="6543856" y="3956721"/>
-            <a:ext cx="4411652" cy="2441279"/>
+            <a:off x="5648417" y="3758397"/>
+            <a:ext cx="4978832" cy="2755140"/>
           </a:xfrm>
           <a:prstGeom prst="rect">
             <a:avLst/>
@@ -13973,11 +13971,11 @@
               <a:t>​</a:t>
             </a:r>
             <a:r>
-              <a:rPr lang="bg-BG" sz="3200" b="1" dirty="0"/>
+              <a:rPr lang="bg-BG" sz="3400" b="1" dirty="0"/>
               <a:t>Визуализация</a:t>
             </a:r>
             <a:r>
-              <a:rPr lang="bg-BG" sz="3200" b="1" dirty="0">
+              <a:rPr lang="bg-BG" sz="3400" b="1" dirty="0">
                 <a:solidFill>
                   <a:schemeClr val="bg1"/>
                 </a:solidFill>
@@ -13985,26 +13983,26 @@
               <a:t> </a:t>
             </a:r>
             <a:r>
-              <a:rPr lang="bg-BG" sz="3200" dirty="0"/>
+              <a:rPr lang="bg-BG" sz="3400" dirty="0"/>
               <a:t>на </a:t>
             </a:r>
             <a:r>
-              <a:rPr lang="bg-BG" sz="3200" b="1" dirty="0"/>
+              <a:rPr lang="bg-BG" sz="3400" b="1" dirty="0"/>
               <a:t>данни</a:t>
             </a:r>
             <a:r>
-              <a:rPr lang="bg-BG" sz="3200" dirty="0"/>
+              <a:rPr lang="bg-BG" sz="3400" dirty="0"/>
               <a:t> в </a:t>
             </a:r>
             <a:r>
-              <a:rPr lang="en-US" sz="3200" b="1" dirty="0">
+              <a:rPr lang="en-US" sz="3400" b="1" dirty="0">
                 <a:solidFill>
                   <a:schemeClr val="bg1"/>
                 </a:solidFill>
               </a:rPr>
               <a:t>Windows Forms</a:t>
             </a:r>
-            <a:endParaRPr lang="bg-BG" sz="3200" b="1" dirty="0">
+            <a:endParaRPr lang="bg-BG" sz="3400" b="1" dirty="0">
               <a:solidFill>
                 <a:schemeClr val="bg1"/>
               </a:solidFill>
@@ -14013,19 +14011,19 @@
           <a:p>
             <a:pPr lvl="1"/>
             <a:r>
-              <a:rPr lang="bg-BG" sz="2800" b="1" dirty="0"/>
+              <a:rPr lang="bg-BG" sz="3200" b="1" dirty="0"/>
               <a:t>Свързване</a:t>
             </a:r>
             <a:r>
-              <a:rPr lang="bg-BG" sz="2800" dirty="0"/>
+              <a:rPr lang="bg-BG" sz="3200" dirty="0"/>
               <a:t> на данни </a:t>
             </a:r>
             <a:r>
-              <a:rPr lang="en-US" sz="2800" dirty="0"/>
+              <a:rPr lang="en-US" sz="3200" dirty="0"/>
               <a:t>(</a:t>
             </a:r>
             <a:r>
-              <a:rPr lang="en-US" sz="2800" b="1" dirty="0">
+              <a:rPr lang="en-US" sz="3200" b="1" dirty="0">
                 <a:solidFill>
                   <a:schemeClr val="bg1"/>
                 </a:solidFill>
@@ -14033,49 +14031,49 @@
               <a:t>Data Binding</a:t>
             </a:r>
             <a:r>
-              <a:rPr lang="en-US" sz="2800" dirty="0"/>
+              <a:rPr lang="en-US" sz="3200" dirty="0"/>
               <a:t>)</a:t>
             </a:r>
           </a:p>
           <a:p>
             <a:pPr lvl="1"/>
             <a:r>
-              <a:rPr lang="bg-BG" sz="2800" b="1" dirty="0"/>
+              <a:rPr lang="bg-BG" sz="3200" b="1" dirty="0"/>
               <a:t>Източници</a:t>
             </a:r>
             <a:r>
-              <a:rPr lang="bg-BG" sz="2800" dirty="0"/>
+              <a:rPr lang="bg-BG" sz="3200" dirty="0"/>
               <a:t> на данни</a:t>
             </a:r>
-            <a:endParaRPr lang="en-US" sz="2800" dirty="0"/>
+            <a:endParaRPr lang="en-US" sz="3200" dirty="0"/>
           </a:p>
           <a:p>
             <a:pPr lvl="1"/>
             <a:r>
-              <a:rPr lang="bg-BG" sz="2800" b="1" dirty="0"/>
+              <a:rPr lang="bg-BG" sz="3200" b="1" dirty="0"/>
               <a:t>Видове</a:t>
             </a:r>
             <a:r>
-              <a:rPr lang="bg-BG" sz="2800" dirty="0"/>
+              <a:rPr lang="bg-BG" sz="3200" dirty="0"/>
               <a:t> </a:t>
             </a:r>
             <a:r>
-              <a:rPr lang="en-US" sz="2800" dirty="0"/>
+              <a:rPr lang="en-US" sz="3200" dirty="0"/>
               <a:t>Data Binding</a:t>
             </a:r>
-            <a:endParaRPr lang="bg-BG" sz="2800" dirty="0"/>
-          </a:p>
-          <a:p>
-            <a:r>
-              <a:rPr lang="bg-BG" sz="3200" dirty="0"/>
+            <a:endParaRPr lang="bg-BG" sz="3200" dirty="0"/>
+          </a:p>
+          <a:p>
+            <a:r>
+              <a:rPr lang="bg-BG" sz="3400" dirty="0"/>
               <a:t>Какво е </a:t>
             </a:r>
             <a:r>
-              <a:rPr lang="en-US" sz="3200" dirty="0"/>
+              <a:rPr lang="en-US" sz="3400" dirty="0"/>
               <a:t>​</a:t>
             </a:r>
             <a:r>
-              <a:rPr lang="en-US" sz="3200" b="1" dirty="0">
+              <a:rPr lang="en-US" sz="3400" b="1" dirty="0">
                 <a:solidFill>
                   <a:schemeClr val="bg1"/>
                 </a:solidFill>
@@ -14083,30 +14081,30 @@
               <a:t>DataGridView</a:t>
             </a:r>
             <a:r>
+              <a:rPr lang="bg-BG" sz="3400" dirty="0"/>
+              <a:t>?</a:t>
+            </a:r>
+          </a:p>
+          <a:p>
+            <a:pPr lvl="1"/>
+            <a:r>
+              <a:rPr lang="bg-BG" sz="3200" b="1" dirty="0"/>
+              <a:t>Описание</a:t>
+            </a:r>
+            <a:r>
               <a:rPr lang="bg-BG" sz="3200" dirty="0"/>
-              <a:t>?</a:t>
-            </a:r>
-          </a:p>
-          <a:p>
-            <a:pPr lvl="1"/>
-            <a:r>
-              <a:rPr lang="bg-BG" sz="3000" b="1" dirty="0"/>
-              <a:t>Описание</a:t>
-            </a:r>
-            <a:r>
-              <a:rPr lang="bg-BG" sz="3000" dirty="0"/>
               <a:t>, </a:t>
             </a:r>
             <a:r>
-              <a:rPr lang="bg-BG" sz="3000" b="1" dirty="0"/>
+              <a:rPr lang="bg-BG" sz="3200" b="1" dirty="0"/>
               <a:t>свойства</a:t>
             </a:r>
             <a:r>
-              <a:rPr lang="bg-BG" sz="3000" dirty="0"/>
+              <a:rPr lang="bg-BG" sz="3200" dirty="0"/>
               <a:t> и </a:t>
             </a:r>
             <a:r>
-              <a:rPr lang="bg-BG" sz="3000" b="1" dirty="0"/>
+              <a:rPr lang="bg-BG" sz="3200" b="1" dirty="0"/>
               <a:t>използване</a:t>
             </a:r>
           </a:p>
@@ -14121,18 +14119,18 @@
               <a:t>​</a:t>
             </a:r>
             <a:r>
-              <a:rPr lang="bg-BG" sz="3200" dirty="0"/>
+              <a:rPr lang="bg-BG" sz="3400" dirty="0"/>
               <a:t>Примерно приложение</a:t>
             </a:r>
             <a:r>
-              <a:rPr lang="en-US" sz="3200" dirty="0"/>
+              <a:rPr lang="en-US" sz="3400" dirty="0"/>
               <a:t>: </a:t>
             </a:r>
             <a:r>
-              <a:rPr lang="bg-BG" sz="3200" dirty="0"/>
+              <a:rPr lang="bg-BG" sz="3400" dirty="0"/>
               <a:t>Магазин с продукти</a:t>
             </a:r>
-            <a:endParaRPr lang="en-GB" sz="3200" dirty="0"/>
+            <a:endParaRPr lang="en-GB" sz="3400" dirty="0"/>
           </a:p>
           <a:p>
             <a:endParaRPr lang="bg-BG" sz="3200" dirty="0"/>
@@ -15488,7 +15486,7 @@
           <p:cNvPr id="2" name="Slide Number Placeholder 1">
             <a:extLst>
               <a:ext uri="{FF2B5EF4-FFF2-40B4-BE49-F238E27FC236}">
-                <a16:creationId xmlns:a16="http://schemas.microsoft.com/office/drawing/2014/main" id="{4F7AF4FB-251F-E329-A800-EB49216A7496}"/>
+                <a16:creationId xmlns:a16="http://schemas.microsoft.com/office/drawing/2014/main" id="{F3AF87FF-1318-696E-CC00-2C2B6621789F}"/>
               </a:ext>
             </a:extLst>
           </p:cNvPr>
@@ -15508,128 +15506,6 @@
               <a:rPr lang="en-US" noProof="0" smtClean="0"/>
               <a:pPr/>
               <a:t>22</a:t>
-            </a:fld>
-            <a:endParaRPr lang="en-US" noProof="0" dirty="0"/>
-          </a:p>
-        </p:txBody>
-      </p:sp>
-      <p:sp>
-        <p:nvSpPr>
-          <p:cNvPr id="3" name="Text Placeholder 2">
-            <a:extLst>
-              <a:ext uri="{FF2B5EF4-FFF2-40B4-BE49-F238E27FC236}">
-                <a16:creationId xmlns:a16="http://schemas.microsoft.com/office/drawing/2014/main" id="{762B4C8C-42AA-8361-48E6-89A3CE9CEBED}"/>
-              </a:ext>
-            </a:extLst>
-          </p:cNvPr>
-          <p:cNvSpPr>
-            <a:spLocks noGrp="1"/>
-          </p:cNvSpPr>
-          <p:nvPr>
-            <p:ph type="body" sz="quarter" idx="10"/>
-          </p:nvPr>
-        </p:nvSpPr>
-        <p:spPr/>
-        <p:txBody>
-          <a:bodyPr/>
-          <a:lstStyle/>
-          <a:p>
-            <a:r>
-              <a:rPr lang="bg-BG" dirty="0"/>
-              <a:t>От падащото меню избираме модела</a:t>
-            </a:r>
-            <a:endParaRPr lang="en-BG" dirty="0"/>
-          </a:p>
-        </p:txBody>
-      </p:sp>
-      <p:sp>
-        <p:nvSpPr>
-          <p:cNvPr id="4" name="Title 3">
-            <a:extLst>
-              <a:ext uri="{FF2B5EF4-FFF2-40B4-BE49-F238E27FC236}">
-                <a16:creationId xmlns:a16="http://schemas.microsoft.com/office/drawing/2014/main" id="{C6F62D87-B587-AF7F-CF15-F3E1EF571835}"/>
-              </a:ext>
-            </a:extLst>
-          </p:cNvPr>
-          <p:cNvSpPr>
-            <a:spLocks noGrp="1"/>
-          </p:cNvSpPr>
-          <p:nvPr>
-            <p:ph type="title"/>
-          </p:nvPr>
-        </p:nvSpPr>
-        <p:spPr/>
-        <p:txBody>
-          <a:bodyPr/>
-          <a:lstStyle/>
-          <a:p>
-            <a:endParaRPr lang="en-BG"/>
-          </a:p>
-        </p:txBody>
-      </p:sp>
-    </p:spTree>
-    <p:extLst>
-      <p:ext uri="{BB962C8B-B14F-4D97-AF65-F5344CB8AC3E}">
-        <p14:creationId xmlns:p14="http://schemas.microsoft.com/office/powerpoint/2010/main" val="1932625137"/>
-      </p:ext>
-    </p:extLst>
-  </p:cSld>
-  <p:clrMapOvr>
-    <a:masterClrMapping/>
-  </p:clrMapOvr>
-  <mc:AlternateContent xmlns:mc="http://schemas.openxmlformats.org/markup-compatibility/2006" xmlns:p14="http://schemas.microsoft.com/office/powerpoint/2010/main">
-    <mc:Choice Requires="p14">
-      <p:transition spd="slow" p14:dur="2000" advClick="0" advTm="5000"/>
-    </mc:Choice>
-    <mc:Fallback xmlns="">
-      <p:transition spd="slow" advClick="0" advTm="5000"/>
-    </mc:Fallback>
-  </mc:AlternateContent>
-</p:sld>
-</file>
-
-<file path=ppt/slides/slide23.xml><?xml version="1.0" encoding="utf-8"?>
-<p:sld xmlns:a="http://schemas.openxmlformats.org/drawingml/2006/main" xmlns:r="http://schemas.openxmlformats.org/officeDocument/2006/relationships" xmlns:p="http://schemas.openxmlformats.org/presentationml/2006/main">
-  <p:cSld>
-    <p:spTree>
-      <p:nvGrpSpPr>
-        <p:cNvPr id="1" name=""/>
-        <p:cNvGrpSpPr/>
-        <p:nvPr/>
-      </p:nvGrpSpPr>
-      <p:grpSpPr>
-        <a:xfrm>
-          <a:off x="0" y="0"/>
-          <a:ext cx="0" cy="0"/>
-          <a:chOff x="0" y="0"/>
-          <a:chExt cx="0" cy="0"/>
-        </a:xfrm>
-      </p:grpSpPr>
-      <p:sp>
-        <p:nvSpPr>
-          <p:cNvPr id="2" name="Slide Number Placeholder 1">
-            <a:extLst>
-              <a:ext uri="{FF2B5EF4-FFF2-40B4-BE49-F238E27FC236}">
-                <a16:creationId xmlns:a16="http://schemas.microsoft.com/office/drawing/2014/main" id="{F3AF87FF-1318-696E-CC00-2C2B6621789F}"/>
-              </a:ext>
-            </a:extLst>
-          </p:cNvPr>
-          <p:cNvSpPr>
-            <a:spLocks noGrp="1"/>
-          </p:cNvSpPr>
-          <p:nvPr>
-            <p:ph type="sldNum" sz="quarter" idx="5"/>
-          </p:nvPr>
-        </p:nvSpPr>
-        <p:spPr/>
-        <p:txBody>
-          <a:bodyPr/>
-          <a:lstStyle/>
-          <a:p>
-            <a:fld id="{2BF067CD-8E6B-4360-9AA8-C5DF2A48A6D1}" type="slidenum">
-              <a:rPr lang="en-US" noProof="0" smtClean="0"/>
-              <a:pPr/>
-              <a:t>23</a:t>
             </a:fld>
             <a:endParaRPr lang="en-US" noProof="0" dirty="0"/>
           </a:p>
@@ -16224,7 +16100,7 @@
 </p:sld>
 </file>
 
-<file path=ppt/slides/slide24.xml><?xml version="1.0" encoding="utf-8"?>
+<file path=ppt/slides/slide23.xml><?xml version="1.0" encoding="utf-8"?>
 <p:sld xmlns:a="http://schemas.openxmlformats.org/drawingml/2006/main" xmlns:r="http://schemas.openxmlformats.org/officeDocument/2006/relationships" xmlns:p="http://schemas.openxmlformats.org/presentationml/2006/main">
   <p:cSld>
     <p:spTree>
@@ -16265,7 +16141,7 @@
             <a:fld id="{2BF067CD-8E6B-4360-9AA8-C5DF2A48A6D1}" type="slidenum">
               <a:rPr lang="en-US" noProof="0" smtClean="0"/>
               <a:pPr/>
-              <a:t>24</a:t>
+              <a:t>23</a:t>
             </a:fld>
             <a:endParaRPr lang="en-US" noProof="0" dirty="0"/>
           </a:p>
@@ -16871,7 +16747,7 @@
 </p:sld>
 </file>
 
-<file path=ppt/slides/slide25.xml><?xml version="1.0" encoding="utf-8"?>
+<file path=ppt/slides/slide24.xml><?xml version="1.0" encoding="utf-8"?>
 <p:sld xmlns:a="http://schemas.openxmlformats.org/drawingml/2006/main" xmlns:r="http://schemas.openxmlformats.org/officeDocument/2006/relationships" xmlns:p="http://schemas.openxmlformats.org/presentationml/2006/main">
   <p:cSld>
     <p:spTree>
@@ -16912,7 +16788,7 @@
             <a:fld id="{2BF067CD-8E6B-4360-9AA8-C5DF2A48A6D1}" type="slidenum">
               <a:rPr lang="en-US" noProof="0" smtClean="0"/>
               <a:pPr/>
-              <a:t>25</a:t>
+              <a:t>24</a:t>
             </a:fld>
             <a:endParaRPr lang="en-US" noProof="0" dirty="0"/>
           </a:p>
@@ -17834,7 +17710,7 @@
 </p:sld>
 </file>
 
-<file path=ppt/slides/slide26.xml><?xml version="1.0" encoding="utf-8"?>
+<file path=ppt/slides/slide25.xml><?xml version="1.0" encoding="utf-8"?>
 <p:sld xmlns:a="http://schemas.openxmlformats.org/drawingml/2006/main" xmlns:r="http://schemas.openxmlformats.org/officeDocument/2006/relationships" xmlns:p="http://schemas.openxmlformats.org/presentationml/2006/main">
   <p:cSld>
     <p:spTree>
@@ -17875,7 +17751,7 @@
             <a:fld id="{2BF067CD-8E6B-4360-9AA8-C5DF2A48A6D1}" type="slidenum">
               <a:rPr lang="en-US" noProof="0" smtClean="0"/>
               <a:pPr/>
-              <a:t>26</a:t>
+              <a:t>25</a:t>
             </a:fld>
             <a:endParaRPr lang="en-US" noProof="0" dirty="0"/>
           </a:p>
@@ -18381,7 +18257,7 @@
         <p:spPr>
           <a:xfrm>
             <a:off x="572953" y="3894687"/>
-            <a:ext cx="11025000" cy="2862322"/>
+            <a:ext cx="11025000" cy="2585323"/>
           </a:xfrm>
           <a:prstGeom prst="rect">
             <a:avLst/>
@@ -18445,13 +18321,6 @@
               </a:rPr>
               <a:t>     base.OnLoad(e);</a:t>
             </a:r>
-          </a:p>
-          <a:p>
-            <a:pPr>
-              <a:lnSpc>
-                <a:spcPct val="100000"/>
-              </a:lnSpc>
-            </a:pPr>
             <a:br>
               <a:rPr lang="en-US" b="1" noProof="1">
                 <a:latin typeface="Consolas" panose="020B0609020204030204" pitchFamily="49" charset="0"/>
@@ -18471,7 +18340,22 @@
               <a:rPr lang="en-US" b="1" noProof="1">
                 <a:latin typeface="Consolas" panose="020B0609020204030204" pitchFamily="49" charset="0"/>
               </a:rPr>
-              <a:t>     this.dbContext = new StoreDbContext();</a:t>
+              <a:t>     this.dbContext = </a:t>
+            </a:r>
+            <a:r>
+              <a:rPr lang="en-US" b="1" noProof="1">
+                <a:solidFill>
+                  <a:schemeClr val="bg1"/>
+                </a:solidFill>
+                <a:latin typeface="Consolas" panose="020B0609020204030204" pitchFamily="49" charset="0"/>
+              </a:rPr>
+              <a:t>new StoreDbContext()</a:t>
+            </a:r>
+            <a:r>
+              <a:rPr lang="en-US" b="1" noProof="1">
+                <a:latin typeface="Consolas" panose="020B0609020204030204" pitchFamily="49" charset="0"/>
+              </a:rPr>
+              <a:t>;</a:t>
             </a:r>
           </a:p>
           <a:p>
@@ -18484,7 +18368,22 @@
               <a:rPr lang="en-US" b="1" noProof="1">
                 <a:latin typeface="Consolas" panose="020B0609020204030204" pitchFamily="49" charset="0"/>
               </a:rPr>
-              <a:t>     this.dbContext.Database.EnsureCreated();</a:t>
+              <a:t>     this.dbContext.Database.</a:t>
+            </a:r>
+            <a:r>
+              <a:rPr lang="en-US" b="1" noProof="1">
+                <a:solidFill>
+                  <a:schemeClr val="bg1"/>
+                </a:solidFill>
+                <a:latin typeface="Consolas" panose="020B0609020204030204" pitchFamily="49" charset="0"/>
+              </a:rPr>
+              <a:t>EnsureCreated()</a:t>
+            </a:r>
+            <a:r>
+              <a:rPr lang="en-US" b="1" noProof="1">
+                <a:latin typeface="Consolas" panose="020B0609020204030204" pitchFamily="49" charset="0"/>
+              </a:rPr>
+              <a:t>;</a:t>
             </a:r>
           </a:p>
           <a:p>
@@ -18497,7 +18396,22 @@
               <a:rPr lang="en-US" b="1" noProof="1">
                 <a:latin typeface="Consolas" panose="020B0609020204030204" pitchFamily="49" charset="0"/>
               </a:rPr>
-              <a:t>     this.dbContext.Products.Load();</a:t>
+              <a:t>     this.dbContext.Products.</a:t>
+            </a:r>
+            <a:r>
+              <a:rPr lang="en-US" b="1" noProof="1">
+                <a:solidFill>
+                  <a:schemeClr val="bg1"/>
+                </a:solidFill>
+                <a:latin typeface="Consolas" panose="020B0609020204030204" pitchFamily="49" charset="0"/>
+              </a:rPr>
+              <a:t>Load()</a:t>
+            </a:r>
+            <a:r>
+              <a:rPr lang="en-US" b="1" noProof="1">
+                <a:latin typeface="Consolas" panose="020B0609020204030204" pitchFamily="49" charset="0"/>
+              </a:rPr>
+              <a:t>;</a:t>
             </a:r>
           </a:p>
           <a:p>
@@ -18510,7 +18424,22 @@
               <a:rPr lang="en-US" b="1" noProof="1">
                 <a:latin typeface="Consolas" panose="020B0609020204030204" pitchFamily="49" charset="0"/>
               </a:rPr>
-              <a:t>     this.productBindingSource.DataSource = dbContext.Products.Local.ToBindingList();</a:t>
+              <a:t>     this.productBindingSource.DataSource = </a:t>
+            </a:r>
+            <a:r>
+              <a:rPr lang="en-US" b="1" noProof="1">
+                <a:solidFill>
+                  <a:schemeClr val="bg1"/>
+                </a:solidFill>
+                <a:latin typeface="Consolas" panose="020B0609020204030204" pitchFamily="49" charset="0"/>
+              </a:rPr>
+              <a:t>dbContext.Products.Local.ToBindingList()</a:t>
+            </a:r>
+            <a:r>
+              <a:rPr lang="en-US" b="1" noProof="1">
+                <a:latin typeface="Consolas" panose="020B0609020204030204" pitchFamily="49" charset="0"/>
+              </a:rPr>
+              <a:t>;</a:t>
             </a:r>
           </a:p>
           <a:p>
@@ -18766,7 +18695,7 @@
 </p:sld>
 </file>
 
-<file path=ppt/slides/slide27.xml><?xml version="1.0" encoding="utf-8"?>
+<file path=ppt/slides/slide26.xml><?xml version="1.0" encoding="utf-8"?>
 <p:sld xmlns:a="http://schemas.openxmlformats.org/drawingml/2006/main" xmlns:r="http://schemas.openxmlformats.org/officeDocument/2006/relationships" xmlns:p="http://schemas.openxmlformats.org/presentationml/2006/main">
   <p:cSld>
     <p:spTree>
@@ -18807,7 +18736,7 @@
             <a:fld id="{2BF067CD-8E6B-4360-9AA8-C5DF2A48A6D1}" type="slidenum">
               <a:rPr lang="en-US" noProof="0" smtClean="0"/>
               <a:pPr/>
-              <a:t>27</a:t>
+              <a:t>26</a:t>
             </a:fld>
             <a:endParaRPr lang="en-US" noProof="0" dirty="0"/>
           </a:p>
@@ -18899,8 +18828,8 @@
         </p:nvSpPr>
         <p:spPr>
           <a:xfrm>
-            <a:off x="450414" y="3237463"/>
-            <a:ext cx="11311114" cy="3045962"/>
+            <a:off x="471000" y="3237463"/>
+            <a:ext cx="11290528" cy="2676758"/>
           </a:xfrm>
           <a:prstGeom prst="rect">
             <a:avLst/>
@@ -18971,11 +18900,6 @@
                 <a:spcPct val="100000"/>
               </a:lnSpc>
             </a:pPr>
-            <a:br>
-              <a:rPr lang="en-US" sz="2399" b="1" noProof="1">
-                <a:latin typeface="Consolas" panose="020B0609020204030204" pitchFamily="49" charset="0"/>
-              </a:rPr>
-            </a:br>
             <a:endParaRPr lang="en-US" sz="2399" b="1" noProof="1">
               <a:latin typeface="Consolas" panose="020B0609020204030204" pitchFamily="49" charset="0"/>
             </a:endParaRPr>
@@ -18990,7 +18914,22 @@
               <a:rPr lang="en-US" sz="2399" b="1" noProof="1">
                 <a:latin typeface="Consolas" panose="020B0609020204030204" pitchFamily="49" charset="0"/>
               </a:rPr>
-              <a:t>     this.dbContext?.Dispose();</a:t>
+              <a:t>     this.dbContext?.</a:t>
+            </a:r>
+            <a:r>
+              <a:rPr lang="en-US" sz="2399" b="1" noProof="1">
+                <a:solidFill>
+                  <a:schemeClr val="bg1"/>
+                </a:solidFill>
+                <a:latin typeface="Consolas" panose="020B0609020204030204" pitchFamily="49" charset="0"/>
+              </a:rPr>
+              <a:t>Dispose()</a:t>
+            </a:r>
+            <a:r>
+              <a:rPr lang="en-US" sz="2399" b="1" noProof="1">
+                <a:latin typeface="Consolas" panose="020B0609020204030204" pitchFamily="49" charset="0"/>
+              </a:rPr>
+              <a:t>;</a:t>
             </a:r>
           </a:p>
           <a:p>
@@ -19003,7 +18942,22 @@
               <a:rPr lang="en-US" sz="2399" b="1" noProof="1">
                 <a:latin typeface="Consolas" panose="020B0609020204030204" pitchFamily="49" charset="0"/>
               </a:rPr>
-              <a:t>     this.dbContext = null;</a:t>
+              <a:t>     this.dbContext = </a:t>
+            </a:r>
+            <a:r>
+              <a:rPr lang="en-US" sz="2399" b="1" noProof="1">
+                <a:solidFill>
+                  <a:schemeClr val="bg1"/>
+                </a:solidFill>
+                <a:latin typeface="Consolas" panose="020B0609020204030204" pitchFamily="49" charset="0"/>
+              </a:rPr>
+              <a:t>null</a:t>
+            </a:r>
+            <a:r>
+              <a:rPr lang="en-US" sz="2399" b="1" noProof="1">
+                <a:latin typeface="Consolas" panose="020B0609020204030204" pitchFamily="49" charset="0"/>
+              </a:rPr>
+              <a:t>;</a:t>
             </a:r>
           </a:p>
           <a:p>
@@ -19569,7 +19523,7 @@
 </p:sld>
 </file>
 
-<file path=ppt/slides/slide28.xml><?xml version="1.0" encoding="utf-8"?>
+<file path=ppt/slides/slide27.xml><?xml version="1.0" encoding="utf-8"?>
 <p:sld xmlns:a="http://schemas.openxmlformats.org/drawingml/2006/main" xmlns:r="http://schemas.openxmlformats.org/officeDocument/2006/relationships" xmlns:p="http://schemas.openxmlformats.org/presentationml/2006/main">
   <p:cSld>
     <p:spTree>
@@ -19610,7 +19564,7 @@
             <a:fld id="{2BF067CD-8E6B-4360-9AA8-C5DF2A48A6D1}" type="slidenum">
               <a:rPr lang="en-US" noProof="0" smtClean="0"/>
               <a:pPr/>
-              <a:t>28</a:t>
+              <a:t>27</a:t>
             </a:fld>
             <a:endParaRPr lang="en-US" noProof="0" dirty="0"/>
           </a:p>
@@ -20059,7 +20013,7 @@
 </p:sld>
 </file>
 
-<file path=ppt/slides/slide29.xml><?xml version="1.0" encoding="utf-8"?>
+<file path=ppt/slides/slide28.xml><?xml version="1.0" encoding="utf-8"?>
 <p:sld xmlns:a="http://schemas.openxmlformats.org/drawingml/2006/main" xmlns:r="http://schemas.openxmlformats.org/officeDocument/2006/relationships" xmlns:p="http://schemas.openxmlformats.org/presentationml/2006/main">
   <p:cSld>
     <p:spTree>
@@ -20779,7 +20733,7 @@
             <a:fld id="{2BF067CD-8E6B-4360-9AA8-C5DF2A48A6D1}" type="slidenum">
               <a:rPr lang="en-US" noProof="0" smtClean="0"/>
               <a:pPr/>
-              <a:t>29</a:t>
+              <a:t>28</a:t>
             </a:fld>
             <a:endParaRPr lang="en-US" noProof="0" dirty="0"/>
           </a:p>
@@ -21221,6 +21175,196 @@
 </p:sld>
 </file>
 
+<file path=ppt/slides/slide29.xml><?xml version="1.0" encoding="utf-8"?>
+<p:sld xmlns:a="http://schemas.openxmlformats.org/drawingml/2006/main" xmlns:r="http://schemas.openxmlformats.org/officeDocument/2006/relationships" xmlns:p="http://schemas.openxmlformats.org/presentationml/2006/main">
+  <p:cSld>
+    <p:spTree>
+      <p:nvGrpSpPr>
+        <p:cNvPr id="1" name=""/>
+        <p:cNvGrpSpPr/>
+        <p:nvPr/>
+      </p:nvGrpSpPr>
+      <p:grpSpPr>
+        <a:xfrm>
+          <a:off x="0" y="0"/>
+          <a:ext cx="0" cy="0"/>
+          <a:chOff x="0" y="0"/>
+          <a:chExt cx="0" cy="0"/>
+        </a:xfrm>
+      </p:grpSpPr>
+      <p:sp>
+        <p:nvSpPr>
+          <p:cNvPr id="5" name="Slide Title">
+            <a:extLst>
+              <a:ext uri="{FF2B5EF4-FFF2-40B4-BE49-F238E27FC236}">
+                <a16:creationId xmlns:a16="http://schemas.microsoft.com/office/drawing/2014/main" id="{FA0703FC-0F8F-4C80-A615-E4B381EC0E0C}"/>
+              </a:ext>
+            </a:extLst>
+          </p:cNvPr>
+          <p:cNvSpPr>
+            <a:spLocks noGrp="1"/>
+          </p:cNvSpPr>
+          <p:nvPr>
+            <p:ph type="title"/>
+          </p:nvPr>
+        </p:nvSpPr>
+        <p:spPr/>
+        <p:txBody>
+          <a:bodyPr/>
+          <a:lstStyle/>
+          <a:p>
+            <a:r>
+              <a:rPr lang="bg-BG" dirty="0"/>
+              <a:t>Въпроси</a:t>
+            </a:r>
+            <a:r>
+              <a:rPr lang="en-US" dirty="0"/>
+              <a:t>?</a:t>
+            </a:r>
+          </a:p>
+        </p:txBody>
+      </p:sp>
+      <p:sp>
+        <p:nvSpPr>
+          <p:cNvPr id="2" name="Rectangle Bottom Copyright">
+            <a:extLst>
+              <a:ext uri="{FF2B5EF4-FFF2-40B4-BE49-F238E27FC236}">
+                <a16:creationId xmlns:a16="http://schemas.microsoft.com/office/drawing/2014/main" id="{664812A4-2991-44D1-BFE9-32E55AADF8A5}"/>
+              </a:ext>
+            </a:extLst>
+          </p:cNvPr>
+          <p:cNvSpPr/>
+          <p:nvPr/>
+        </p:nvSpPr>
+        <p:spPr>
+          <a:xfrm>
+            <a:off x="111000" y="6454758"/>
+            <a:ext cx="11970000" cy="304242"/>
+          </a:xfrm>
+          <a:prstGeom prst="rect">
+            <a:avLst/>
+          </a:prstGeom>
+        </p:spPr>
+        <p:txBody>
+          <a:bodyPr wrap="square">
+            <a:noAutofit/>
+          </a:bodyPr>
+          <a:lstStyle/>
+          <a:p>
+            <a:pPr algn="ctr">
+              <a:lnSpc>
+                <a:spcPct val="100000"/>
+              </a:lnSpc>
+              <a:spcBef>
+                <a:spcPts val="0"/>
+              </a:spcBef>
+              <a:spcAft>
+                <a:spcPts val="0"/>
+              </a:spcAft>
+            </a:pPr>
+            <a:r>
+              <a:rPr lang="bg-BG" sz="1600" dirty="0">
+                <a:solidFill>
+                  <a:schemeClr val="bg2"/>
+                </a:solidFill>
+                <a:effectLst/>
+                <a:latin typeface="Calibri" panose="020F0502020204030204" pitchFamily="34" charset="0"/>
+                <a:ea typeface="Calibri" panose="020F0502020204030204" pitchFamily="34" charset="0"/>
+                <a:cs typeface="Arial" panose="020B0604020202020204" pitchFamily="34" charset="0"/>
+              </a:rPr>
+              <a:t>Проект "</a:t>
+            </a:r>
+            <a:r>
+              <a:rPr lang="bg-BG" sz="1600" dirty="0">
+                <a:solidFill>
+                  <a:schemeClr val="bg1">
+                    <a:lumMod val="20000"/>
+                    <a:lumOff val="80000"/>
+                  </a:schemeClr>
+                </a:solidFill>
+                <a:effectLst/>
+                <a:latin typeface="Calibri" panose="020F0502020204030204" pitchFamily="34" charset="0"/>
+                <a:ea typeface="Calibri" panose="020F0502020204030204" pitchFamily="34" charset="0"/>
+                <a:cs typeface="Arial" panose="020B0604020202020204" pitchFamily="34" charset="0"/>
+                <a:hlinkClick r:id="rId3">
+                  <a:extLst>
+                    <a:ext uri="{A12FA001-AC4F-418D-AE19-62706E023703}">
+                      <ahyp:hlinkClr xmlns:ahyp="http://schemas.microsoft.com/office/drawing/2018/hyperlinkcolor" val="tx"/>
+                    </a:ext>
+                  </a:extLst>
+                </a:hlinkClick>
+              </a:rPr>
+              <a:t>Отворено учебно съдържание по програмиране и ИТ</a:t>
+            </a:r>
+            <a:r>
+              <a:rPr lang="bg-BG" sz="1600" dirty="0">
+                <a:solidFill>
+                  <a:schemeClr val="bg2"/>
+                </a:solidFill>
+                <a:effectLst/>
+                <a:latin typeface="Calibri" panose="020F0502020204030204" pitchFamily="34" charset="0"/>
+                <a:ea typeface="Calibri" panose="020F0502020204030204" pitchFamily="34" charset="0"/>
+                <a:cs typeface="Arial" panose="020B0604020202020204" pitchFamily="34" charset="0"/>
+              </a:rPr>
+              <a:t>", СофтУни Фондация (лиценз </a:t>
+            </a:r>
+            <a:r>
+              <a:rPr lang="en-US" sz="1600" dirty="0">
+                <a:solidFill>
+                  <a:schemeClr val="bg2"/>
+                </a:solidFill>
+                <a:effectLst/>
+                <a:latin typeface="Calibri" panose="020F0502020204030204" pitchFamily="34" charset="0"/>
+                <a:ea typeface="Calibri" panose="020F0502020204030204" pitchFamily="34" charset="0"/>
+                <a:cs typeface="Arial" panose="020B0604020202020204" pitchFamily="34" charset="0"/>
+              </a:rPr>
+              <a:t>CC-BY-NC-SA</a:t>
+            </a:r>
+            <a:r>
+              <a:rPr lang="bg-BG" sz="1600" dirty="0">
+                <a:solidFill>
+                  <a:schemeClr val="bg2"/>
+                </a:solidFill>
+                <a:effectLst/>
+                <a:latin typeface="Calibri" panose="020F0502020204030204" pitchFamily="34" charset="0"/>
+                <a:ea typeface="Calibri" panose="020F0502020204030204" pitchFamily="34" charset="0"/>
+                <a:cs typeface="Arial" panose="020B0604020202020204" pitchFamily="34" charset="0"/>
+              </a:rPr>
+              <a:t>)</a:t>
+            </a:r>
+            <a:endParaRPr lang="bg-BG" sz="2400" dirty="0">
+              <a:solidFill>
+                <a:schemeClr val="bg2"/>
+              </a:solidFill>
+              <a:effectLst/>
+              <a:latin typeface="Calibri" panose="020F0502020204030204" pitchFamily="34" charset="0"/>
+              <a:ea typeface="Calibri" panose="020F0502020204030204" pitchFamily="34" charset="0"/>
+              <a:cs typeface="Arial" panose="020B0604020202020204" pitchFamily="34" charset="0"/>
+            </a:endParaRPr>
+          </a:p>
+        </p:txBody>
+      </p:sp>
+    </p:spTree>
+    <p:extLst>
+      <p:ext uri="{BB962C8B-B14F-4D97-AF65-F5344CB8AC3E}">
+        <p14:creationId xmlns:p14="http://schemas.microsoft.com/office/powerpoint/2010/main" val="1472534970"/>
+      </p:ext>
+    </p:extLst>
+  </p:cSld>
+  <p:clrMapOvr>
+    <a:masterClrMapping/>
+  </p:clrMapOvr>
+  <mc:AlternateContent xmlns:mc="http://schemas.openxmlformats.org/markup-compatibility/2006" xmlns:p14="http://schemas.microsoft.com/office/powerpoint/2010/main">
+    <mc:Choice Requires="p14">
+      <p:transition spd="slow" p14:dur="2000" advClick="0" advTm="5000"/>
+    </mc:Choice>
+    <mc:Fallback xmlns="">
+      <p:transition spd="slow" advClick="0" advTm="5000"/>
+    </mc:Fallback>
+  </mc:AlternateContent>
+</p:sld>
+</file>
+
 <file path=ppt/slides/slide3.xml><?xml version="1.0" encoding="utf-8"?>
 <p:sld xmlns:a="http://schemas.openxmlformats.org/drawingml/2006/main" xmlns:r="http://schemas.openxmlformats.org/officeDocument/2006/relationships" xmlns:p="http://schemas.openxmlformats.org/presentationml/2006/main">
   <p:cSld>
@@ -21374,196 +21518,6 @@
       </p:grpSpPr>
       <p:sp>
         <p:nvSpPr>
-          <p:cNvPr id="5" name="Slide Title">
-            <a:extLst>
-              <a:ext uri="{FF2B5EF4-FFF2-40B4-BE49-F238E27FC236}">
-                <a16:creationId xmlns:a16="http://schemas.microsoft.com/office/drawing/2014/main" id="{FA0703FC-0F8F-4C80-A615-E4B381EC0E0C}"/>
-              </a:ext>
-            </a:extLst>
-          </p:cNvPr>
-          <p:cNvSpPr>
-            <a:spLocks noGrp="1"/>
-          </p:cNvSpPr>
-          <p:nvPr>
-            <p:ph type="title"/>
-          </p:nvPr>
-        </p:nvSpPr>
-        <p:spPr/>
-        <p:txBody>
-          <a:bodyPr/>
-          <a:lstStyle/>
-          <a:p>
-            <a:r>
-              <a:rPr lang="bg-BG" dirty="0"/>
-              <a:t>Въпроси</a:t>
-            </a:r>
-            <a:r>
-              <a:rPr lang="en-US" dirty="0"/>
-              <a:t>?</a:t>
-            </a:r>
-          </a:p>
-        </p:txBody>
-      </p:sp>
-      <p:sp>
-        <p:nvSpPr>
-          <p:cNvPr id="2" name="Rectangle Bottom Copyright">
-            <a:extLst>
-              <a:ext uri="{FF2B5EF4-FFF2-40B4-BE49-F238E27FC236}">
-                <a16:creationId xmlns:a16="http://schemas.microsoft.com/office/drawing/2014/main" id="{664812A4-2991-44D1-BFE9-32E55AADF8A5}"/>
-              </a:ext>
-            </a:extLst>
-          </p:cNvPr>
-          <p:cNvSpPr/>
-          <p:nvPr/>
-        </p:nvSpPr>
-        <p:spPr>
-          <a:xfrm>
-            <a:off x="111000" y="6454758"/>
-            <a:ext cx="11970000" cy="304242"/>
-          </a:xfrm>
-          <a:prstGeom prst="rect">
-            <a:avLst/>
-          </a:prstGeom>
-        </p:spPr>
-        <p:txBody>
-          <a:bodyPr wrap="square">
-            <a:noAutofit/>
-          </a:bodyPr>
-          <a:lstStyle/>
-          <a:p>
-            <a:pPr algn="ctr">
-              <a:lnSpc>
-                <a:spcPct val="100000"/>
-              </a:lnSpc>
-              <a:spcBef>
-                <a:spcPts val="0"/>
-              </a:spcBef>
-              <a:spcAft>
-                <a:spcPts val="0"/>
-              </a:spcAft>
-            </a:pPr>
-            <a:r>
-              <a:rPr lang="bg-BG" sz="1600" dirty="0">
-                <a:solidFill>
-                  <a:schemeClr val="bg2"/>
-                </a:solidFill>
-                <a:effectLst/>
-                <a:latin typeface="Calibri" panose="020F0502020204030204" pitchFamily="34" charset="0"/>
-                <a:ea typeface="Calibri" panose="020F0502020204030204" pitchFamily="34" charset="0"/>
-                <a:cs typeface="Arial" panose="020B0604020202020204" pitchFamily="34" charset="0"/>
-              </a:rPr>
-              <a:t>Проект "</a:t>
-            </a:r>
-            <a:r>
-              <a:rPr lang="bg-BG" sz="1600" dirty="0">
-                <a:solidFill>
-                  <a:schemeClr val="bg1">
-                    <a:lumMod val="20000"/>
-                    <a:lumOff val="80000"/>
-                  </a:schemeClr>
-                </a:solidFill>
-                <a:effectLst/>
-                <a:latin typeface="Calibri" panose="020F0502020204030204" pitchFamily="34" charset="0"/>
-                <a:ea typeface="Calibri" panose="020F0502020204030204" pitchFamily="34" charset="0"/>
-                <a:cs typeface="Arial" panose="020B0604020202020204" pitchFamily="34" charset="0"/>
-                <a:hlinkClick r:id="rId3">
-                  <a:extLst>
-                    <a:ext uri="{A12FA001-AC4F-418D-AE19-62706E023703}">
-                      <ahyp:hlinkClr xmlns:ahyp="http://schemas.microsoft.com/office/drawing/2018/hyperlinkcolor" val="tx"/>
-                    </a:ext>
-                  </a:extLst>
-                </a:hlinkClick>
-              </a:rPr>
-              <a:t>Отворено учебно съдържание по програмиране и ИТ</a:t>
-            </a:r>
-            <a:r>
-              <a:rPr lang="bg-BG" sz="1600" dirty="0">
-                <a:solidFill>
-                  <a:schemeClr val="bg2"/>
-                </a:solidFill>
-                <a:effectLst/>
-                <a:latin typeface="Calibri" panose="020F0502020204030204" pitchFamily="34" charset="0"/>
-                <a:ea typeface="Calibri" panose="020F0502020204030204" pitchFamily="34" charset="0"/>
-                <a:cs typeface="Arial" panose="020B0604020202020204" pitchFamily="34" charset="0"/>
-              </a:rPr>
-              <a:t>", СофтУни Фондация (лиценз </a:t>
-            </a:r>
-            <a:r>
-              <a:rPr lang="en-US" sz="1600" dirty="0">
-                <a:solidFill>
-                  <a:schemeClr val="bg2"/>
-                </a:solidFill>
-                <a:effectLst/>
-                <a:latin typeface="Calibri" panose="020F0502020204030204" pitchFamily="34" charset="0"/>
-                <a:ea typeface="Calibri" panose="020F0502020204030204" pitchFamily="34" charset="0"/>
-                <a:cs typeface="Arial" panose="020B0604020202020204" pitchFamily="34" charset="0"/>
-              </a:rPr>
-              <a:t>CC-BY-NC-SA</a:t>
-            </a:r>
-            <a:r>
-              <a:rPr lang="bg-BG" sz="1600" dirty="0">
-                <a:solidFill>
-                  <a:schemeClr val="bg2"/>
-                </a:solidFill>
-                <a:effectLst/>
-                <a:latin typeface="Calibri" panose="020F0502020204030204" pitchFamily="34" charset="0"/>
-                <a:ea typeface="Calibri" panose="020F0502020204030204" pitchFamily="34" charset="0"/>
-                <a:cs typeface="Arial" panose="020B0604020202020204" pitchFamily="34" charset="0"/>
-              </a:rPr>
-              <a:t>)</a:t>
-            </a:r>
-            <a:endParaRPr lang="bg-BG" sz="2400" dirty="0">
-              <a:solidFill>
-                <a:schemeClr val="bg2"/>
-              </a:solidFill>
-              <a:effectLst/>
-              <a:latin typeface="Calibri" panose="020F0502020204030204" pitchFamily="34" charset="0"/>
-              <a:ea typeface="Calibri" panose="020F0502020204030204" pitchFamily="34" charset="0"/>
-              <a:cs typeface="Arial" panose="020B0604020202020204" pitchFamily="34" charset="0"/>
-            </a:endParaRPr>
-          </a:p>
-        </p:txBody>
-      </p:sp>
-    </p:spTree>
-    <p:extLst>
-      <p:ext uri="{BB962C8B-B14F-4D97-AF65-F5344CB8AC3E}">
-        <p14:creationId xmlns:p14="http://schemas.microsoft.com/office/powerpoint/2010/main" val="1472534970"/>
-      </p:ext>
-    </p:extLst>
-  </p:cSld>
-  <p:clrMapOvr>
-    <a:masterClrMapping/>
-  </p:clrMapOvr>
-  <mc:AlternateContent xmlns:mc="http://schemas.openxmlformats.org/markup-compatibility/2006" xmlns:p14="http://schemas.microsoft.com/office/powerpoint/2010/main">
-    <mc:Choice Requires="p14">
-      <p:transition spd="slow" p14:dur="2000" advClick="0" advTm="5000"/>
-    </mc:Choice>
-    <mc:Fallback xmlns="">
-      <p:transition spd="slow" advClick="0" advTm="5000"/>
-    </mc:Fallback>
-  </mc:AlternateContent>
-</p:sld>
-</file>
-
-<file path=ppt/slides/slide31.xml><?xml version="1.0" encoding="utf-8"?>
-<p:sld xmlns:a="http://schemas.openxmlformats.org/drawingml/2006/main" xmlns:r="http://schemas.openxmlformats.org/officeDocument/2006/relationships" xmlns:p="http://schemas.openxmlformats.org/presentationml/2006/main">
-  <p:cSld>
-    <p:spTree>
-      <p:nvGrpSpPr>
-        <p:cNvPr id="1" name=""/>
-        <p:cNvGrpSpPr/>
-        <p:nvPr/>
-      </p:nvGrpSpPr>
-      <p:grpSpPr>
-        <a:xfrm>
-          <a:off x="0" y="0"/>
-          <a:ext cx="0" cy="0"/>
-          <a:chOff x="0" y="0"/>
-          <a:chExt cx="0" cy="0"/>
-        </a:xfrm>
-      </p:grpSpPr>
-      <p:sp>
-        <p:nvSpPr>
           <p:cNvPr id="5" name="Slide Number">
             <a:extLst>
               <a:ext uri="{FF2B5EF4-FFF2-40B4-BE49-F238E27FC236}">
@@ -21598,7 +21552,7 @@
             <a:fld id="{2BF067CD-8E6B-4360-9AA8-C5DF2A48A6D1}" type="slidenum">
               <a:rPr lang="en-US" smtClean="0"/>
               <a:pPr/>
-              <a:t>31</a:t>
+              <a:t>30</a:t>
             </a:fld>
             <a:endParaRPr lang="en-US" dirty="0"/>
           </a:p>

--- a/Courses/Software-Sciences/Module-4-Information-Systems-New/05-Connecting-Windows-Forms-with-database/05-Connecting-Windows-Forms-with-database.pptx
+++ b/Courses/Software-Sciences/Module-4-Information-Systems-New/05-Connecting-Windows-Forms-with-database/05-Connecting-Windows-Forms-with-database.pptx
@@ -309,7 +309,7 @@
           <a:p>
             <a:fld id="{4E087215-0C8F-4762-A664-737A353EC9A4}" type="datetimeFigureOut">
               <a:rPr lang="bg-BG" smtClean="0"/>
-              <a:t>21.05.24 г.</a:t>
+              <a:t>22.05.24 г.</a:t>
             </a:fld>
             <a:endParaRPr lang="bg-BG"/>
           </a:p>
@@ -505,7 +505,7 @@
           <a:p>
             <a:fld id="{72D84649-876A-46C9-8472-14CB09C070D8}" type="datetimeFigureOut">
               <a:rPr lang="en-US" smtClean="0"/>
-              <a:t>5/21/24</a:t>
+              <a:t>5/22/24</a:t>
             </a:fld>
             <a:endParaRPr lang="en-US"/>
           </a:p>
@@ -15074,6 +15074,37 @@
               </a:rPr>
               <a:t>Product</a:t>
             </a:r>
+          </a:p>
+          <a:p>
+            <a:r>
+              <a:rPr lang="bg-BG" dirty="0"/>
+              <a:t>От </a:t>
+            </a:r>
+            <a:r>
+              <a:rPr lang="bg-BG" b="1" dirty="0"/>
+              <a:t>падащото меню</a:t>
+            </a:r>
+            <a:r>
+              <a:rPr lang="bg-BG" dirty="0"/>
+              <a:t>, избираме модела </a:t>
+            </a:r>
+            <a:r>
+              <a:rPr lang="en-US" b="1" dirty="0">
+                <a:solidFill>
+                  <a:schemeClr val="bg1"/>
+                </a:solidFill>
+              </a:rPr>
+              <a:t>Product</a:t>
+            </a:r>
+            <a:endParaRPr lang="bg-BG" b="1" dirty="0">
+              <a:solidFill>
+                <a:schemeClr val="bg1"/>
+              </a:solidFill>
+              <a:latin typeface="Consolas" panose="020B0609020204030204" pitchFamily="49" charset="0"/>
+              <a:cs typeface="Consolas" panose="020B0609020204030204" pitchFamily="49" charset="0"/>
+            </a:endParaRPr>
+          </a:p>
+          <a:p>
             <a:endParaRPr lang="bg-BG" b="1" dirty="0">
               <a:solidFill>
                 <a:schemeClr val="bg1"/>
@@ -15148,8 +15179,8 @@
         </p:blipFill>
         <p:spPr>
           <a:xfrm>
-            <a:off x="7193137" y="2505371"/>
-            <a:ext cx="4611663" cy="2910273"/>
+            <a:off x="4928960" y="3078968"/>
+            <a:ext cx="2793803" cy="1763080"/>
           </a:xfrm>
           <a:prstGeom prst="rect">
             <a:avLst/>
@@ -15190,8 +15221,8 @@
         </p:blipFill>
         <p:spPr>
           <a:xfrm>
-            <a:off x="626644" y="1899000"/>
-            <a:ext cx="5746497" cy="4384022"/>
+            <a:off x="190402" y="2619769"/>
+            <a:ext cx="3814733" cy="2910273"/>
           </a:xfrm>
           <a:prstGeom prst="rect">
             <a:avLst/>
@@ -15219,7 +15250,104 @@
         </p:nvSpPr>
         <p:spPr>
           <a:xfrm>
-            <a:off x="6474990" y="3711970"/>
+            <a:off x="4158898" y="3755303"/>
+            <a:ext cx="616298" cy="362936"/>
+          </a:xfrm>
+          <a:prstGeom prst="rightArrow">
+            <a:avLst/>
+          </a:prstGeom>
+          <a:solidFill>
+            <a:schemeClr val="tx1"/>
+          </a:solidFill>
+          <a:ln>
+            <a:solidFill>
+              <a:schemeClr val="tx1"/>
+            </a:solidFill>
+          </a:ln>
+        </p:spPr>
+        <p:style>
+          <a:lnRef idx="2">
+            <a:schemeClr val="accent1">
+              <a:shade val="50000"/>
+            </a:schemeClr>
+          </a:lnRef>
+          <a:fillRef idx="1">
+            <a:schemeClr val="accent1"/>
+          </a:fillRef>
+          <a:effectRef idx="0">
+            <a:schemeClr val="accent1"/>
+          </a:effectRef>
+          <a:fontRef idx="minor">
+            <a:schemeClr val="lt1"/>
+          </a:fontRef>
+        </p:style>
+        <p:txBody>
+          <a:bodyPr rtlCol="0" anchor="ctr"/>
+          <a:lstStyle/>
+          <a:p>
+            <a:pPr algn="ctr"/>
+            <a:endParaRPr lang="en-US" sz="2799"/>
+          </a:p>
+        </p:txBody>
+      </p:sp>
+      <p:pic>
+        <p:nvPicPr>
+          <p:cNvPr id="6" name="Picture 5">
+            <a:extLst>
+              <a:ext uri="{FF2B5EF4-FFF2-40B4-BE49-F238E27FC236}">
+                <a16:creationId xmlns:a16="http://schemas.microsoft.com/office/drawing/2014/main" id="{D3464928-3DB1-C962-DB43-E704DD2D8C17}"/>
+              </a:ext>
+            </a:extLst>
+          </p:cNvPr>
+          <p:cNvPicPr>
+            <a:picLocks noChangeAspect="1"/>
+          </p:cNvPicPr>
+          <p:nvPr/>
+        </p:nvPicPr>
+        <p:blipFill>
+          <a:blip r:embed="rId4">
+            <a:extLst>
+              <a:ext uri="{28A0092B-C50C-407E-A947-70E740481C1C}">
+                <a14:useLocalDpi xmlns:a14="http://schemas.microsoft.com/office/drawing/2010/main" val="0"/>
+              </a:ext>
+            </a:extLst>
+          </a:blip>
+          <a:stretch>
+            <a:fillRect/>
+          </a:stretch>
+        </p:blipFill>
+        <p:spPr>
+          <a:xfrm>
+            <a:off x="8841000" y="3059517"/>
+            <a:ext cx="3090574" cy="1763079"/>
+          </a:xfrm>
+          <a:prstGeom prst="rect">
+            <a:avLst/>
+          </a:prstGeom>
+          <a:ln>
+            <a:solidFill>
+              <a:schemeClr val="bg2">
+                <a:lumMod val="75000"/>
+              </a:schemeClr>
+            </a:solidFill>
+          </a:ln>
+        </p:spPr>
+      </p:pic>
+      <p:sp>
+        <p:nvSpPr>
+          <p:cNvPr id="8" name="Arrow: Right 10">
+            <a:extLst>
+              <a:ext uri="{FF2B5EF4-FFF2-40B4-BE49-F238E27FC236}">
+                <a16:creationId xmlns:a16="http://schemas.microsoft.com/office/drawing/2014/main" id="{5FA2853C-039E-ECAA-3905-04D7688FCDF9}"/>
+              </a:ext>
+            </a:extLst>
+          </p:cNvPr>
+          <p:cNvSpPr/>
+          <p:nvPr/>
+        </p:nvSpPr>
+        <p:spPr>
+          <a:xfrm>
+            <a:off x="7973732" y="3755303"/>
             <a:ext cx="616298" cy="362936"/>
           </a:xfrm>
           <a:prstGeom prst="rightArrow">
@@ -15436,6 +15564,109 @@
                       </p:childTnLst>
                     </p:cTn>
                   </p:par>
+                  <p:par>
+                    <p:cTn id="15" fill="hold">
+                      <p:stCondLst>
+                        <p:cond delay="indefinite"/>
+                      </p:stCondLst>
+                      <p:childTnLst>
+                        <p:par>
+                          <p:cTn id="16" fill="hold">
+                            <p:stCondLst>
+                              <p:cond delay="0"/>
+                            </p:stCondLst>
+                            <p:childTnLst>
+                              <p:par>
+                                <p:cTn id="17" presetID="1" presetClass="entr" presetSubtype="0" fill="hold" nodeType="clickEffect">
+                                  <p:stCondLst>
+                                    <p:cond delay="0"/>
+                                  </p:stCondLst>
+                                  <p:childTnLst>
+                                    <p:set>
+                                      <p:cBhvr>
+                                        <p:cTn id="18" dur="1" fill="hold">
+                                          <p:stCondLst>
+                                            <p:cond delay="0"/>
+                                          </p:stCondLst>
+                                        </p:cTn>
+                                        <p:tgtEl>
+                                          <p:spTgt spid="3">
+                                            <p:txEl>
+                                              <p:pRg st="1" end="1"/>
+                                            </p:txEl>
+                                          </p:spTgt>
+                                        </p:tgtEl>
+                                        <p:attrNameLst>
+                                          <p:attrName>style.visibility</p:attrName>
+                                        </p:attrNameLst>
+                                      </p:cBhvr>
+                                      <p:to>
+                                        <p:strVal val="visible"/>
+                                      </p:to>
+                                    </p:set>
+                                  </p:childTnLst>
+                                </p:cTn>
+                              </p:par>
+                              <p:par>
+                                <p:cTn id="19" presetID="1" presetClass="entr" presetSubtype="0" fill="hold" grpId="0" nodeType="withEffect">
+                                  <p:stCondLst>
+                                    <p:cond delay="0"/>
+                                  </p:stCondLst>
+                                  <p:childTnLst>
+                                    <p:set>
+                                      <p:cBhvr>
+                                        <p:cTn id="20" dur="1" fill="hold">
+                                          <p:stCondLst>
+                                            <p:cond delay="0"/>
+                                          </p:stCondLst>
+                                        </p:cTn>
+                                        <p:tgtEl>
+                                          <p:spTgt spid="8"/>
+                                        </p:tgtEl>
+                                        <p:attrNameLst>
+                                          <p:attrName>style.visibility</p:attrName>
+                                        </p:attrNameLst>
+                                      </p:cBhvr>
+                                      <p:to>
+                                        <p:strVal val="visible"/>
+                                      </p:to>
+                                    </p:set>
+                                  </p:childTnLst>
+                                </p:cTn>
+                              </p:par>
+                              <p:par>
+                                <p:cTn id="21" presetID="1" presetClass="entr" presetSubtype="0" fill="hold" nodeType="withEffect">
+                                  <p:stCondLst>
+                                    <p:cond delay="0"/>
+                                  </p:stCondLst>
+                                  <p:childTnLst>
+                                    <p:set>
+                                      <p:cBhvr>
+                                        <p:cTn id="22" dur="1" fill="hold">
+                                          <p:stCondLst>
+                                            <p:cond delay="0"/>
+                                          </p:stCondLst>
+                                        </p:cTn>
+                                        <p:tgtEl>
+                                          <p:spTgt spid="6"/>
+                                        </p:tgtEl>
+                                        <p:attrNameLst>
+                                          <p:attrName>style.visibility</p:attrName>
+                                        </p:attrNameLst>
+                                      </p:cBhvr>
+                                      <p:to>
+                                        <p:strVal val="visible"/>
+                                      </p:to>
+                                    </p:set>
+                                  </p:childTnLst>
+                                </p:cTn>
+                              </p:par>
+                            </p:childTnLst>
+                          </p:cTn>
+                        </p:par>
+                      </p:childTnLst>
+                    </p:cTn>
+                  </p:par>
                 </p:childTnLst>
               </p:cTn>
               <p:prevCondLst>
@@ -15459,6 +15690,7 @@
     </p:tnLst>
     <p:bldLst>
       <p:bldP spid="12" grpId="0" animBg="1"/>
+      <p:bldP spid="8" grpId="0" animBg="1"/>
     </p:bldLst>
   </p:timing>
 </p:sld>

--- a/Courses/Software-Sciences/Module-4-Information-Systems-New/05-Connecting-Windows-Forms-with-database/05-Connecting-Windows-Forms-with-database.pptx
+++ b/Courses/Software-Sciences/Module-4-Information-Systems-New/05-Connecting-Windows-Forms-with-database/05-Connecting-Windows-Forms-with-database.pptx
@@ -215,6 +215,84 @@
 </p:presentation>
 </file>
 
+<file path=ppt/authors.xml><?xml version="1.0" encoding="utf-8"?>
+<p188:authorLst xmlns:a="http://schemas.openxmlformats.org/drawingml/2006/main" xmlns:r="http://schemas.openxmlformats.org/officeDocument/2006/relationships" xmlns:p188="http://schemas.microsoft.com/office/powerpoint/2018/8/main">
+  <p188:author id="{61328A60-1351-1658-BC09-0F9214BEF0FD}" name="Александрина Ю. Механджийска" initials="АМ" userId="S::am43953203@edu.mon.bg::60a33b73-667f-441e-9a53-8ce9df28dca4" providerId="AD"/>
+</p188:authorLst>
+</file>
+
+<file path=ppt/comments/modernComment_2D0_C266D877.xml><?xml version="1.0" encoding="utf-8"?>
+<p188:cmLst xmlns:a="http://schemas.openxmlformats.org/drawingml/2006/main" xmlns:r="http://schemas.openxmlformats.org/officeDocument/2006/relationships" xmlns:p188="http://schemas.microsoft.com/office/powerpoint/2018/8/main">
+  <p188:cm id="{4890F825-849F-B34B-8A7F-0733C134D3DC}" authorId="{61328A60-1351-1658-BC09-0F9214BEF0FD}" created="2024-05-27T11:44:35.585">
+    <ac:txMkLst xmlns:ac="http://schemas.microsoft.com/office/drawing/2013/main/command">
+      <pc:docMk xmlns:pc="http://schemas.microsoft.com/office/powerpoint/2013/main/command"/>
+      <pc:sldMk xmlns:pc="http://schemas.microsoft.com/office/powerpoint/2013/main/command" cId="3261519991" sldId="720"/>
+      <ac:spMk id="3" creationId="{70810851-4790-2FC0-3F9D-A1CF7D2C9A2E}"/>
+      <ac:txMk cp="57" len="52">
+        <ac:context len="110" hash="3623045640"/>
+      </ac:txMk>
+    </ac:txMkLst>
+    <p188:pos x="7162898" y="1762975"/>
+    <p188:txBody>
+      <a:bodyPr/>
+      <a:lstStyle/>
+      <a:p>
+        <a:r>
+          <a:rPr lang="bg-BG"/>
+          <a:t>TODO: да се добави скрийншот с обновеното заглавие (с анимация)</a:t>
+        </a:r>
+      </a:p>
+    </p188:txBody>
+  </p188:cm>
+</p188:cmLst>
+</file>
+
+<file path=ppt/comments/modernComment_2E0_892EA049.xml><?xml version="1.0" encoding="utf-8"?>
+<p188:cmLst xmlns:a="http://schemas.openxmlformats.org/drawingml/2006/main" xmlns:r="http://schemas.openxmlformats.org/officeDocument/2006/relationships" xmlns:p188="http://schemas.microsoft.com/office/powerpoint/2018/8/main">
+  <p188:cm id="{7AB1A59D-41D9-9847-9012-47258490D765}" authorId="{61328A60-1351-1658-BC09-0F9214BEF0FD}" created="2024-05-27T11:34:27.357">
+    <ac:deMkLst xmlns:ac="http://schemas.microsoft.com/office/drawing/2013/main/command">
+      <pc:docMk xmlns:pc="http://schemas.microsoft.com/office/powerpoint/2013/main/command"/>
+      <pc:sldMk xmlns:pc="http://schemas.microsoft.com/office/powerpoint/2013/main/command" cId="2301534281" sldId="736"/>
+      <ac:picMk id="6" creationId="{419C4793-13E9-32AD-9023-662E4966161D}"/>
+    </ac:deMkLst>
+    <p188:txBody>
+      <a:bodyPr/>
+      <a:lstStyle/>
+      <a:p>
+        <a:r>
+          <a:rPr lang="bg-BG"/>
+          <a:t>В папа да има само:
+1. Продукт - ListBox
+2. Количество - TextBox</a:t>
+        </a:r>
+      </a:p>
+    </p188:txBody>
+  </p188:cm>
+</p188:cmLst>
+</file>
+
+<file path=ppt/comments/modernComment_2E3_568CD61.xml><?xml version="1.0" encoding="utf-8"?>
+<p188:cmLst xmlns:a="http://schemas.openxmlformats.org/drawingml/2006/main" xmlns:r="http://schemas.openxmlformats.org/officeDocument/2006/relationships" xmlns:p188="http://schemas.microsoft.com/office/powerpoint/2018/8/main">
+  <p188:cm id="{B0703912-1320-FC44-A737-6F2449F4F063}" authorId="{61328A60-1351-1658-BC09-0F9214BEF0FD}" created="2024-05-27T11:35:22.682">
+    <ac:deMkLst xmlns:ac="http://schemas.microsoft.com/office/drawing/2013/main/command">
+      <pc:docMk xmlns:pc="http://schemas.microsoft.com/office/powerpoint/2013/main/command"/>
+      <pc:sldMk xmlns:pc="http://schemas.microsoft.com/office/powerpoint/2013/main/command" cId="90754401" sldId="739"/>
+      <ac:picMk id="6" creationId="{ED5D60A6-0690-7D20-9A2E-60F26F6905E0}"/>
+    </ac:deMkLst>
+    <p188:txBody>
+      <a:bodyPr/>
+      <a:lstStyle/>
+      <a:p>
+        <a:r>
+          <a:rPr lang="bg-BG"/>
+          <a:t>TODO: update screenshot</a:t>
+        </a:r>
+      </a:p>
+    </p188:txBody>
+  </p188:cm>
+</p188:cmLst>
+</file>
+
 <file path=ppt/handoutMasters/handoutMaster1.xml><?xml version="1.0" encoding="utf-8"?>
 <p:handoutMaster xmlns:a="http://schemas.openxmlformats.org/drawingml/2006/main" xmlns:r="http://schemas.openxmlformats.org/officeDocument/2006/relationships" xmlns:p="http://schemas.openxmlformats.org/presentationml/2006/main">
   <p:cSld>
@@ -309,7 +387,7 @@
           <a:p>
             <a:fld id="{4E087215-0C8F-4762-A664-737A353EC9A4}" type="datetimeFigureOut">
               <a:rPr lang="bg-BG" smtClean="0"/>
-              <a:t>22.05.24 г.</a:t>
+              <a:t>27.05.24 г.</a:t>
             </a:fld>
             <a:endParaRPr lang="bg-BG"/>
           </a:p>
@@ -505,7 +583,7 @@
           <a:p>
             <a:fld id="{72D84649-876A-46C9-8472-14CB09C070D8}" type="datetimeFigureOut">
               <a:rPr lang="en-US" smtClean="0"/>
-              <a:t>5/22/24</a:t>
+              <a:t>5/27/24</a:t>
             </a:fld>
             <a:endParaRPr lang="en-US"/>
           </a:p>
@@ -8135,10 +8213,12 @@
           <a:lstStyle/>
           <a:p>
             <a:r>
-              <a:rPr lang="en-US" sz="3200" b="1" dirty="0">
+              <a:rPr lang="en-US" sz="3200" b="1" dirty="0" err="1">
                 <a:solidFill>
                   <a:schemeClr val="bg1"/>
                 </a:solidFill>
+                <a:latin typeface="Consolas" panose="020B0609020204030204" pitchFamily="49" charset="0"/>
+                <a:cs typeface="Consolas" panose="020B0609020204030204" pitchFamily="49" charset="0"/>
               </a:rPr>
               <a:t>DataSource</a:t>
             </a:r>
@@ -8146,6 +8226,8 @@
               <a:solidFill>
                 <a:schemeClr val="bg1"/>
               </a:solidFill>
+              <a:latin typeface="Consolas" panose="020B0609020204030204" pitchFamily="49" charset="0"/>
+              <a:cs typeface="Consolas" panose="020B0609020204030204" pitchFamily="49" charset="0"/>
             </a:endParaRPr>
           </a:p>
           <a:p>
@@ -8174,8 +8256,8 @@
           <a:p>
             <a:pPr lvl="1"/>
             <a:r>
-              <a:rPr lang="en-US" sz="3000" b="1" dirty="0"/>
-              <a:t>Data Binding </a:t>
+              <a:rPr lang="bg-BG" sz="3000" b="1" dirty="0"/>
+              <a:t>Свързването на данни </a:t>
             </a:r>
             <a:r>
               <a:rPr lang="bg-BG" sz="3000" dirty="0"/>
@@ -8200,6 +8282,8 @@
                 <a:solidFill>
                   <a:schemeClr val="bg1"/>
                 </a:solidFill>
+                <a:latin typeface="Consolas" panose="020B0609020204030204" pitchFamily="49" charset="0"/>
+                <a:cs typeface="Consolas" panose="020B0609020204030204" pitchFamily="49" charset="0"/>
               </a:rPr>
               <a:t>ReadOnly</a:t>
             </a:r>
@@ -8207,6 +8291,8 @@
               <a:solidFill>
                 <a:schemeClr val="bg1"/>
               </a:solidFill>
+              <a:latin typeface="Consolas" panose="020B0609020204030204" pitchFamily="49" charset="0"/>
+              <a:cs typeface="Consolas" panose="020B0609020204030204" pitchFamily="49" charset="0"/>
             </a:endParaRPr>
           </a:p>
           <a:p>
@@ -8290,6 +8376,8 @@
                 <a:solidFill>
                   <a:schemeClr val="bg1"/>
                 </a:solidFill>
+                <a:latin typeface="Consolas" panose="020B0609020204030204" pitchFamily="49" charset="0"/>
+                <a:cs typeface="Consolas" panose="020B0609020204030204" pitchFamily="49" charset="0"/>
               </a:rPr>
               <a:t>TableStyles</a:t>
             </a:r>
@@ -8297,6 +8385,8 @@
               <a:solidFill>
                 <a:schemeClr val="bg1"/>
               </a:solidFill>
+              <a:latin typeface="Consolas" panose="020B0609020204030204" pitchFamily="49" charset="0"/>
+              <a:cs typeface="Consolas" panose="020B0609020204030204" pitchFamily="49" charset="0"/>
             </a:endParaRPr>
           </a:p>
           <a:p>
@@ -9071,7 +9161,7 @@
           </p:cNvPicPr>
           <p:nvPr/>
         </p:nvPicPr>
-        <p:blipFill>
+        <p:blipFill rotWithShape="1">
           <a:blip r:embed="rId4">
             <a:extLst>
               <a:ext uri="{28A0092B-C50C-407E-A947-70E740481C1C}">
@@ -9079,13 +9169,13 @@
               </a:ext>
             </a:extLst>
           </a:blip>
-          <a:srcRect/>
+          <a:srcRect l="33719"/>
           <a:stretch/>
         </p:blipFill>
         <p:spPr>
           <a:xfrm>
-            <a:off x="336000" y="3827980"/>
-            <a:ext cx="4137173" cy="1393178"/>
+            <a:off x="259350" y="3458986"/>
+            <a:ext cx="4213823" cy="2140859"/>
           </a:xfrm>
           <a:prstGeom prst="rect">
             <a:avLst/>
@@ -9598,6 +9688,8 @@
                 <a:solidFill>
                   <a:schemeClr val="bg1"/>
                 </a:solidFill>
+                <a:latin typeface="Consolas" panose="020B0609020204030204" pitchFamily="49" charset="0"/>
+                <a:cs typeface="Consolas" panose="020B0609020204030204" pitchFamily="49" charset="0"/>
               </a:rPr>
               <a:t>DataSource</a:t>
             </a:r>
@@ -9605,6 +9697,8 @@
               <a:solidFill>
                 <a:schemeClr val="bg1"/>
               </a:solidFill>
+              <a:latin typeface="Consolas" panose="020B0609020204030204" pitchFamily="49" charset="0"/>
+              <a:cs typeface="Consolas" panose="020B0609020204030204" pitchFamily="49" charset="0"/>
             </a:endParaRPr>
           </a:p>
           <a:p>
@@ -9668,7 +9762,7 @@
             </a:r>
             <a:r>
               <a:rPr lang="en-US" sz="3000" dirty="0"/>
-              <a:t> </a:t>
+              <a:t> [</a:t>
             </a:r>
             <a:r>
               <a:rPr lang="en-US" sz="3000" b="1" dirty="0">
@@ -9677,6 +9771,10 @@
                 </a:solidFill>
               </a:rPr>
               <a:t>Edit Columns</a:t>
+            </a:r>
+            <a:r>
+              <a:rPr lang="en-US" sz="3000" dirty="0"/>
+              <a:t>]</a:t>
             </a:r>
           </a:p>
         </p:txBody>
@@ -10099,7 +10197,12 @@
             <p:ph type="subTitle" sz="quarter" idx="11"/>
           </p:nvPr>
         </p:nvSpPr>
-        <p:spPr/>
+        <p:spPr>
+          <a:xfrm>
+            <a:off x="615108" y="5727084"/>
+            <a:ext cx="10961783" cy="768084"/>
+          </a:xfrm>
+        </p:spPr>
         <p:txBody>
           <a:bodyPr/>
           <a:lstStyle/>
@@ -10127,7 +10230,12 @@
             <p:ph type="title" sz="quarter" idx="10"/>
           </p:nvPr>
         </p:nvSpPr>
-        <p:spPr/>
+        <p:spPr>
+          <a:xfrm>
+            <a:off x="615108" y="4959000"/>
+            <a:ext cx="10961783" cy="768084"/>
+          </a:xfrm>
+        </p:spPr>
         <p:txBody>
           <a:bodyPr/>
           <a:lstStyle/>
@@ -10311,10 +10419,10 @@
             </a:r>
             <a:r>
               <a:rPr lang="bg-BG" sz="3200" dirty="0"/>
-              <a:t>, например ”</a:t>
-            </a:r>
-            <a:r>
-              <a:rPr lang="en-US" sz="3200" b="1" dirty="0">
+              <a:t>, например "</a:t>
+            </a:r>
+            <a:r>
+              <a:rPr lang="en-US" sz="3200" b="1" dirty="0" err="1">
                 <a:solidFill>
                   <a:schemeClr val="bg1"/>
                 </a:solidFill>
@@ -10386,7 +10494,7 @@
           </p:cNvPicPr>
           <p:nvPr/>
         </p:nvPicPr>
-        <p:blipFill>
+        <p:blipFill rotWithShape="1">
           <a:blip r:embed="rId2">
             <a:extLst>
               <a:ext uri="{28A0092B-C50C-407E-A947-70E740481C1C}">
@@ -10394,13 +10502,13 @@
               </a:ext>
             </a:extLst>
           </a:blip>
-          <a:srcRect/>
+          <a:srcRect l="34642"/>
           <a:stretch/>
         </p:blipFill>
         <p:spPr>
           <a:xfrm>
-            <a:off x="537184" y="2986585"/>
-            <a:ext cx="5784311" cy="1947845"/>
+            <a:off x="726752" y="2922010"/>
+            <a:ext cx="5206910" cy="2682784"/>
           </a:xfrm>
           <a:prstGeom prst="rect">
             <a:avLst/>
@@ -10441,7 +10549,7 @@
         </p:blipFill>
         <p:spPr>
           <a:xfrm>
-            <a:off x="7011656" y="1870023"/>
+            <a:off x="7011656" y="2173033"/>
             <a:ext cx="4309459" cy="4180967"/>
           </a:xfrm>
           <a:prstGeom prst="rect">
@@ -10470,7 +10578,7 @@
         </p:nvSpPr>
         <p:spPr>
           <a:xfrm>
-            <a:off x="6258339" y="3651063"/>
+            <a:off x="6086015" y="3953959"/>
             <a:ext cx="813695" cy="618886"/>
           </a:xfrm>
           <a:prstGeom prst="rightArrow">
@@ -10794,7 +10902,11 @@
             </a:r>
           </a:p>
           <a:p>
-            <a:pPr lvl="1"/>
+            <a:pPr lvl="1">
+              <a:tabLst>
+                <a:tab pos="4483100" algn="l"/>
+              </a:tabLst>
+            </a:pPr>
             <a:r>
               <a:rPr lang="en-US" sz="2800" b="1" dirty="0">
                 <a:solidFill>
@@ -10805,7 +10917,7 @@
             </a:r>
             <a:r>
               <a:rPr lang="en-US" sz="2800" dirty="0"/>
-              <a:t> -&gt; </a:t>
+              <a:t> → [</a:t>
             </a:r>
             <a:r>
               <a:rPr lang="en-US" sz="2800" b="1" dirty="0">
@@ -10814,6 +10926,10 @@
                 </a:solidFill>
               </a:rPr>
               <a:t>Connect to Database</a:t>
+            </a:r>
+            <a:r>
+              <a:rPr lang="en-US" sz="2800" dirty="0"/>
+              <a:t>]</a:t>
             </a:r>
             <a:endParaRPr lang="bg-BG" sz="2800" dirty="0"/>
           </a:p>
@@ -11408,15 +11524,11 @@
               <a:t> </a:t>
             </a:r>
             <a:r>
-              <a:rPr lang="bg-BG" sz="2800" dirty="0"/>
-              <a:t>-</a:t>
-            </a:r>
-            <a:r>
               <a:rPr lang="en-US" sz="2800" dirty="0"/>
-              <a:t>&gt; </a:t>
-            </a:r>
-            <a:r>
-              <a:rPr lang="en-US" sz="2800" b="1" dirty="0">
+              <a:t>→ </a:t>
+            </a:r>
+            <a:r>
+              <a:rPr lang="en-US" sz="2800" b="1" dirty="0" err="1">
                 <a:solidFill>
                   <a:schemeClr val="bg1"/>
                 </a:solidFill>
@@ -11425,7 +11537,7 @@
             </a:r>
             <a:r>
               <a:rPr lang="en-US" sz="2800" dirty="0"/>
-              <a:t> -&gt;</a:t>
+              <a:t> →</a:t>
             </a:r>
             <a:r>
               <a:rPr lang="en-US" sz="2800" b="1" dirty="0">
@@ -11433,8 +11545,25 @@
                   <a:schemeClr val="bg1"/>
                 </a:solidFill>
               </a:rPr>
-              <a:t> New Query</a:t>
-            </a:r>
+              <a:t> </a:t>
+            </a:r>
+            <a:r>
+              <a:rPr lang="en-US" sz="2800" dirty="0"/>
+              <a:t>[</a:t>
+            </a:r>
+            <a:r>
+              <a:rPr lang="en-US" sz="2800" b="1" dirty="0">
+                <a:solidFill>
+                  <a:schemeClr val="bg1"/>
+                </a:solidFill>
+              </a:rPr>
+              <a:t>New Query</a:t>
+            </a:r>
+            <a:r>
+              <a:rPr lang="en-US" sz="2800" dirty="0"/>
+              <a:t>]</a:t>
+            </a:r>
+            <a:endParaRPr lang="en-US" sz="2800" b="1" dirty="0"/>
           </a:p>
           <a:p>
             <a:r>
@@ -11506,7 +11635,7 @@
         <p:spPr>
           <a:xfrm>
             <a:off x="595027" y="3073817"/>
-            <a:ext cx="11001946" cy="3416320"/>
+            <a:ext cx="5500973" cy="3416320"/>
           </a:xfrm>
           <a:prstGeom prst="rect">
             <a:avLst/>
@@ -11670,8 +11799,8 @@
         </p:blipFill>
         <p:spPr>
           <a:xfrm>
-            <a:off x="8283755" y="1302228"/>
-            <a:ext cx="3313218" cy="5316559"/>
+            <a:off x="7843586" y="1269000"/>
+            <a:ext cx="3385973" cy="5433305"/>
           </a:xfrm>
           <a:prstGeom prst="rect">
             <a:avLst/>
@@ -11757,35 +11886,26 @@
                                   </p:childTnLst>
                                 </p:cTn>
                               </p:par>
+                            </p:childTnLst>
+                          </p:cTn>
+                        </p:par>
+                      </p:childTnLst>
+                    </p:cTn>
+                  </p:par>
+                  <p:par>
+                    <p:cTn id="7" fill="hold">
+                      <p:stCondLst>
+                        <p:cond delay="indefinite"/>
+                      </p:stCondLst>
+                      <p:childTnLst>
+                        <p:par>
+                          <p:cTn id="8" fill="hold">
+                            <p:stCondLst>
+                              <p:cond delay="0"/>
+                            </p:stCondLst>
+                            <p:childTnLst>
                               <p:par>
-                                <p:cTn id="7" presetID="1" presetClass="entr" presetSubtype="0" fill="hold" nodeType="withEffect">
-                                  <p:stCondLst>
-                                    <p:cond delay="0"/>
-                                  </p:stCondLst>
-                                  <p:childTnLst>
-                                    <p:set>
-                                      <p:cBhvr>
-                                        <p:cTn id="8" dur="1" fill="hold">
-                                          <p:stCondLst>
-                                            <p:cond delay="0"/>
-                                          </p:stCondLst>
-                                        </p:cTn>
-                                        <p:tgtEl>
-                                          <p:spTgt spid="7"/>
-                                        </p:tgtEl>
-                                        <p:attrNameLst>
-                                          <p:attrName>style.visibility</p:attrName>
-                                        </p:attrNameLst>
-                                      </p:cBhvr>
-                                      <p:to>
-                                        <p:strVal val="visible"/>
-                                      </p:to>
-                                    </p:set>
-                                  </p:childTnLst>
-                                </p:cTn>
-                              </p:par>
-                              <p:par>
-                                <p:cTn id="9" presetID="1" presetClass="entr" presetSubtype="0" fill="hold" grpId="0" nodeType="withEffect">
+                                <p:cTn id="9" presetID="1" presetClass="entr" presetSubtype="0" fill="hold" nodeType="clickEffect">
                                   <p:stCondLst>
                                     <p:cond delay="0"/>
                                   </p:stCondLst>
@@ -11798,7 +11918,11 @@
                                           </p:stCondLst>
                                         </p:cTn>
                                         <p:tgtEl>
-                                          <p:spTgt spid="5"/>
+                                          <p:spTgt spid="3">
+                                            <p:txEl>
+                                              <p:pRg st="1" end="1"/>
+                                            </p:txEl>
+                                          </p:spTgt>
                                         </p:tgtEl>
                                         <p:attrNameLst>
                                           <p:attrName>style.visibility</p:attrName>
@@ -11845,7 +11969,7 @@
                                         <p:tgtEl>
                                           <p:spTgt spid="3">
                                             <p:txEl>
-                                              <p:pRg st="1" end="1"/>
+                                              <p:pRg st="2" end="2"/>
                                             </p:txEl>
                                           </p:spTgt>
                                         </p:tgtEl>
@@ -11879,7 +12003,7 @@
                             </p:stCondLst>
                             <p:childTnLst>
                               <p:par>
-                                <p:cTn id="17" presetID="1" presetClass="entr" presetSubtype="0" fill="hold" nodeType="clickEffect">
+                                <p:cTn id="17" presetID="1" presetClass="entr" presetSubtype="0" fill="hold" grpId="0" nodeType="clickEffect">
                                   <p:stCondLst>
                                     <p:cond delay="0"/>
                                   </p:stCondLst>
@@ -11892,11 +12016,34 @@
                                           </p:stCondLst>
                                         </p:cTn>
                                         <p:tgtEl>
-                                          <p:spTgt spid="3">
-                                            <p:txEl>
-                                              <p:pRg st="2" end="2"/>
-                                            </p:txEl>
-                                          </p:spTgt>
+                                          <p:spTgt spid="5"/>
+                                        </p:tgtEl>
+                                        <p:attrNameLst>
+                                          <p:attrName>style.visibility</p:attrName>
+                                        </p:attrNameLst>
+                                      </p:cBhvr>
+                                      <p:to>
+                                        <p:strVal val="visible"/>
+                                      </p:to>
+                                    </p:set>
+                                  </p:childTnLst>
+                                </p:cTn>
+                              </p:par>
+                              <p:par>
+                                <p:cTn id="19" presetID="1" presetClass="entr" presetSubtype="0" fill="hold" nodeType="withEffect">
+                                  <p:stCondLst>
+                                    <p:cond delay="0"/>
+                                  </p:stCondLst>
+                                  <p:childTnLst>
+                                    <p:set>
+                                      <p:cBhvr>
+                                        <p:cTn id="20" dur="1" fill="hold">
+                                          <p:stCondLst>
+                                            <p:cond delay="0"/>
+                                          </p:stCondLst>
+                                        </p:cTn>
+                                        <p:tgtEl>
+                                          <p:spTgt spid="7"/>
                                         </p:tgtEl>
                                         <p:attrNameLst>
                                           <p:attrName>style.visibility</p:attrName>
@@ -12045,7 +12192,7 @@
             </a:r>
             <a:r>
               <a:rPr lang="en-US" sz="3200" dirty="0"/>
-              <a:t> -&gt; </a:t>
+              <a:t> → </a:t>
             </a:r>
             <a:r>
               <a:rPr lang="en-US" sz="3200" b="1" dirty="0">
@@ -12057,7 +12204,7 @@
             </a:r>
             <a:r>
               <a:rPr lang="en-US" sz="3200" dirty="0"/>
-              <a:t>-&gt; </a:t>
+              <a:t>→ </a:t>
             </a:r>
             <a:r>
               <a:rPr lang="en-US" sz="3200" b="1" dirty="0">
@@ -12798,17 +12945,6 @@
           <a:lstStyle/>
           <a:p>
             <a:r>
-              <a:rPr lang="bg-BG" sz="3400" b="1" dirty="0"/>
-              <a:t>Структурираме</a:t>
-            </a:r>
-            <a:r>
-              <a:rPr lang="bg-BG" sz="3400" dirty="0"/>
-              <a:t> проекта</a:t>
-            </a:r>
-            <a:endParaRPr lang="en-US" sz="3400" dirty="0"/>
-          </a:p>
-          <a:p>
-            <a:r>
               <a:rPr lang="bg-BG" sz="3400" dirty="0"/>
               <a:t>Променяме </a:t>
             </a:r>
@@ -12940,7 +13076,7 @@
               <a:rPr lang="bg-BG" sz="3200" dirty="0">
                 <a:sym typeface="Wingdings" panose="05000000000000000000" pitchFamily="2" charset="2"/>
               </a:rPr>
-              <a:t>“</a:t>
+              <a:t>"</a:t>
             </a:r>
             <a:r>
               <a:rPr lang="bg-BG" sz="3200" b="1" dirty="0">
@@ -13011,7 +13147,7 @@
           <p:nvPr/>
         </p:nvPicPr>
         <p:blipFill>
-          <a:blip r:embed="rId2">
+          <a:blip r:embed="rId3">
             <a:extLst>
               <a:ext uri="{28A0092B-C50C-407E-A947-70E740481C1C}">
                 <a14:useLocalDpi xmlns:a14="http://schemas.microsoft.com/office/drawing/2010/main" val="0"/>
@@ -13124,7 +13260,11 @@
                                           </p:stCondLst>
                                         </p:cTn>
                                         <p:tgtEl>
-                                          <p:spTgt spid="6"/>
+                                          <p:spTgt spid="3">
+                                            <p:txEl>
+                                              <p:pRg st="1" end="1"/>
+                                            </p:txEl>
+                                          </p:spTgt>
                                         </p:tgtEl>
                                         <p:attrNameLst>
                                           <p:attrName>style.visibility</p:attrName>
@@ -13169,11 +13309,7 @@
                                           </p:stCondLst>
                                         </p:cTn>
                                         <p:tgtEl>
-                                          <p:spTgt spid="3">
-                                            <p:txEl>
-                                              <p:pRg st="1" end="1"/>
-                                            </p:txEl>
-                                          </p:spTgt>
+                                          <p:spTgt spid="6"/>
                                         </p:tgtEl>
                                         <p:attrNameLst>
                                           <p:attrName>style.visibility</p:attrName>
@@ -13186,15 +13322,33 @@
                                   </p:childTnLst>
                                 </p:cTn>
                               </p:par>
+                            </p:childTnLst>
+                          </p:cTn>
+                        </p:par>
+                      </p:childTnLst>
+                    </p:cTn>
+                  </p:par>
+                  <p:par>
+                    <p:cTn id="13" fill="hold">
+                      <p:stCondLst>
+                        <p:cond delay="indefinite"/>
+                      </p:stCondLst>
+                      <p:childTnLst>
+                        <p:par>
+                          <p:cTn id="14" fill="hold">
+                            <p:stCondLst>
+                              <p:cond delay="0"/>
+                            </p:stCondLst>
+                            <p:childTnLst>
                               <p:par>
-                                <p:cTn id="13" presetID="1" presetClass="entr" presetSubtype="0" fill="hold" nodeType="withEffect">
+                                <p:cTn id="15" presetID="1" presetClass="entr" presetSubtype="0" fill="hold" nodeType="clickEffect">
                                   <p:stCondLst>
                                     <p:cond delay="0"/>
                                   </p:stCondLst>
                                   <p:childTnLst>
                                     <p:set>
                                       <p:cBhvr>
-                                        <p:cTn id="14" dur="1" fill="hold">
+                                        <p:cTn id="16" dur="1" fill="hold">
                                           <p:stCondLst>
                                             <p:cond delay="0"/>
                                           </p:stCondLst>
@@ -13217,26 +13371,8 @@
                                   </p:childTnLst>
                                 </p:cTn>
                               </p:par>
-                            </p:childTnLst>
-                          </p:cTn>
-                        </p:par>
-                      </p:childTnLst>
-                    </p:cTn>
-                  </p:par>
-                  <p:par>
-                    <p:cTn id="15" fill="hold">
-                      <p:stCondLst>
-                        <p:cond delay="indefinite"/>
-                      </p:stCondLst>
-                      <p:childTnLst>
-                        <p:par>
-                          <p:cTn id="16" fill="hold">
-                            <p:stCondLst>
-                              <p:cond delay="0"/>
-                            </p:stCondLst>
-                            <p:childTnLst>
                               <p:par>
-                                <p:cTn id="17" presetID="1" presetClass="entr" presetSubtype="0" fill="hold" nodeType="clickEffect">
+                                <p:cTn id="17" presetID="1" presetClass="entr" presetSubtype="0" fill="hold" nodeType="withEffect">
                                   <p:stCondLst>
                                     <p:cond delay="0"/>
                                   </p:stCondLst>
@@ -13252,37 +13388,6 @@
                                           <p:spTgt spid="3">
                                             <p:txEl>
                                               <p:pRg st="3" end="3"/>
-                                            </p:txEl>
-                                          </p:spTgt>
-                                        </p:tgtEl>
-                                        <p:attrNameLst>
-                                          <p:attrName>style.visibility</p:attrName>
-                                        </p:attrNameLst>
-                                      </p:cBhvr>
-                                      <p:to>
-                                        <p:strVal val="visible"/>
-                                      </p:to>
-                                    </p:set>
-                                  </p:childTnLst>
-                                </p:cTn>
-                              </p:par>
-                              <p:par>
-                                <p:cTn id="19" presetID="1" presetClass="entr" presetSubtype="0" fill="hold" nodeType="withEffect">
-                                  <p:stCondLst>
-                                    <p:cond delay="0"/>
-                                  </p:stCondLst>
-                                  <p:childTnLst>
-                                    <p:set>
-                                      <p:cBhvr>
-                                        <p:cTn id="20" dur="1" fill="hold">
-                                          <p:stCondLst>
-                                            <p:cond delay="0"/>
-                                          </p:stCondLst>
-                                        </p:cTn>
-                                        <p:tgtEl>
-                                          <p:spTgt spid="3">
-                                            <p:txEl>
-                                              <p:pRg st="4" end="4"/>
                                             </p:txEl>
                                           </p:spTgt>
                                         </p:tgtEl>
@@ -13325,6 +13430,11 @@
       </p:par>
     </p:tnLst>
   </p:timing>
+  <p:extLst>
+    <p:ext uri="{6950BFC3-D8DA-4A85-94F7-54DA5524770B}">
+      <p188:commentRel xmlns:p188="http://schemas.microsoft.com/office/powerpoint/2018/8/main" r:id="rId2"/>
+    </p:ext>
+  </p:extLst>
 </p:sld>
 </file>
 
@@ -13412,6 +13522,8 @@
                 <a:solidFill>
                   <a:schemeClr val="bg1"/>
                 </a:solidFill>
+                <a:latin typeface="Consolas" panose="020B0609020204030204" pitchFamily="49" charset="0"/>
+                <a:cs typeface="Consolas" panose="020B0609020204030204" pitchFamily="49" charset="0"/>
               </a:rPr>
               <a:t>DataGridView</a:t>
             </a:r>
@@ -13558,7 +13670,7 @@
           </p:cNvPicPr>
           <p:nvPr/>
         </p:nvPicPr>
-        <p:blipFill>
+        <p:blipFill rotWithShape="1">
           <a:blip r:embed="rId2">
             <a:extLst>
               <a:ext uri="{28A0092B-C50C-407E-A947-70E740481C1C}">
@@ -13566,14 +13678,55 @@
               </a:ext>
             </a:extLst>
           </a:blip>
-          <a:stretch>
-            <a:fillRect/>
-          </a:stretch>
+          <a:srcRect r="37727" b="37337"/>
+          <a:stretch/>
         </p:blipFill>
         <p:spPr>
           <a:xfrm>
-            <a:off x="5020642" y="1489419"/>
-            <a:ext cx="7002052" cy="4172456"/>
+            <a:off x="5326759" y="1192474"/>
+            <a:ext cx="6247256" cy="3746012"/>
+          </a:xfrm>
+          <a:prstGeom prst="rect">
+            <a:avLst/>
+          </a:prstGeom>
+          <a:ln>
+            <a:solidFill>
+              <a:schemeClr val="bg2">
+                <a:lumMod val="75000"/>
+              </a:schemeClr>
+            </a:solidFill>
+          </a:ln>
+        </p:spPr>
+      </p:pic>
+      <p:pic>
+        <p:nvPicPr>
+          <p:cNvPr id="9" name="Picture 8">
+            <a:extLst>
+              <a:ext uri="{FF2B5EF4-FFF2-40B4-BE49-F238E27FC236}">
+                <a16:creationId xmlns:a16="http://schemas.microsoft.com/office/drawing/2014/main" id="{6746230B-5F37-7DDD-CD7D-B70C19213492}"/>
+              </a:ext>
+            </a:extLst>
+          </p:cNvPr>
+          <p:cNvPicPr>
+            <a:picLocks noChangeAspect="1"/>
+          </p:cNvPicPr>
+          <p:nvPr/>
+        </p:nvPicPr>
+        <p:blipFill rotWithShape="1">
+          <a:blip r:embed="rId2">
+            <a:extLst>
+              <a:ext uri="{28A0092B-C50C-407E-A947-70E740481C1C}">
+                <a14:useLocalDpi xmlns:a14="http://schemas.microsoft.com/office/drawing/2010/main" val="0"/>
+              </a:ext>
+            </a:extLst>
+          </a:blip>
+          <a:srcRect l="63624" t="48628" b="5030"/>
+          <a:stretch/>
+        </p:blipFill>
+        <p:spPr>
+          <a:xfrm>
+            <a:off x="741000" y="3765350"/>
+            <a:ext cx="3807052" cy="2890150"/>
           </a:xfrm>
           <a:prstGeom prst="rect">
             <a:avLst/>
@@ -13766,6 +13919,33 @@
                                   </p:childTnLst>
                                 </p:cTn>
                               </p:par>
+                              <p:par>
+                                <p:cTn id="15" presetID="1" presetClass="entr" presetSubtype="0" fill="hold" nodeType="withEffect">
+                                  <p:stCondLst>
+                                    <p:cond delay="0"/>
+                                  </p:stCondLst>
+                                  <p:childTnLst>
+                                    <p:set>
+                                      <p:cBhvr>
+                                        <p:cTn id="16" dur="1" fill="hold">
+                                          <p:stCondLst>
+                                            <p:cond delay="0"/>
+                                          </p:stCondLst>
+                                        </p:cTn>
+                                        <p:tgtEl>
+                                          <p:spTgt spid="9"/>
+                                        </p:tgtEl>
+                                        <p:attrNameLst>
+                                          <p:attrName>style.visibility</p:attrName>
+                                        </p:attrNameLst>
+                                      </p:cBhvr>
+                                      <p:to>
+                                        <p:strVal val="visible"/>
+                                      </p:to>
+                                    </p:set>
+                                  </p:childTnLst>
+                                </p:cTn>
+                              </p:par>
                             </p:childTnLst>
                           </p:cTn>
                         </p:par>
@@ -14119,7 +14299,7 @@
               <a:t>​</a:t>
             </a:r>
             <a:r>
-              <a:rPr lang="bg-BG" sz="3400" dirty="0"/>
+              <a:rPr lang="bg-BG" sz="3400" b="1" dirty="0"/>
               <a:t>Примерно приложение</a:t>
             </a:r>
             <a:r>
@@ -14618,67 +14798,92 @@
               </a:rPr>
               <a:t>[Ctrl + Shift + B]</a:t>
             </a:r>
-            <a:endParaRPr lang="bg-BG" sz="3200" b="1" dirty="0">
+            <a:r>
+              <a:rPr lang="en-US" sz="3200" dirty="0"/>
+              <a:t>,</a:t>
+            </a:r>
+            <a:r>
+              <a:rPr lang="en-US" sz="3200" dirty="0">
+                <a:solidFill>
+                  <a:schemeClr val="bg1"/>
+                </a:solidFill>
+              </a:rPr>
+              <a:t> </a:t>
+            </a:r>
+            <a:r>
+              <a:rPr lang="bg-BG" sz="3200" dirty="0"/>
+              <a:t>за да заредим моделите</a:t>
+            </a:r>
+            <a:endParaRPr lang="bg-BG" sz="3200" b="1" dirty="0"/>
+          </a:p>
+          <a:p>
+            <a:r>
+              <a:rPr lang="bg-BG" sz="3200" dirty="0"/>
+              <a:t>Кликаме на </a:t>
+            </a:r>
+            <a:r>
+              <a:rPr lang="en-US" sz="3200" b="1" dirty="0">
+                <a:solidFill>
+                  <a:schemeClr val="bg1"/>
+                </a:solidFill>
+              </a:rPr>
+              <a:t>action</a:t>
+            </a:r>
+            <a:r>
+              <a:rPr lang="en-US" sz="3200" dirty="0"/>
+              <a:t> </a:t>
+            </a:r>
+            <a:r>
+              <a:rPr lang="bg-BG" sz="3200" dirty="0"/>
+              <a:t>бутона в </a:t>
+            </a:r>
+            <a:r>
+              <a:rPr lang="bg-BG" sz="3200" b="1" dirty="0"/>
+              <a:t>горния десен ъгъл </a:t>
+            </a:r>
+            <a:r>
+              <a:rPr lang="bg-BG" sz="3200" dirty="0"/>
+              <a:t>на </a:t>
+            </a:r>
+            <a:r>
+              <a:rPr lang="bg-BG" sz="3200" b="1" dirty="0"/>
+              <a:t>контролата</a:t>
+            </a:r>
+          </a:p>
+          <a:p>
+            <a:r>
+              <a:rPr lang="en-BG" sz="3200" b="1" dirty="0">
+                <a:solidFill>
+                  <a:schemeClr val="bg1"/>
+                </a:solidFill>
+              </a:rPr>
+              <a:t>Choose Data Source </a:t>
+            </a:r>
+            <a:r>
+              <a:rPr lang="en-BG" sz="3200" dirty="0"/>
+              <a:t>→ </a:t>
+            </a:r>
+            <a:r>
+              <a:rPr lang="en-US" sz="3200" dirty="0"/>
+              <a:t>[</a:t>
+            </a:r>
+            <a:r>
+              <a:rPr lang="en-BG" sz="3200" b="1" dirty="0">
+                <a:solidFill>
+                  <a:schemeClr val="bg1"/>
+                </a:solidFill>
+              </a:rPr>
+              <a:t>Add new Object</a:t>
+            </a:r>
+            <a:r>
+              <a:rPr lang="en-US" sz="3200" dirty="0"/>
+              <a:t>]</a:t>
+            </a:r>
+            <a:endParaRPr lang="en-BG" sz="3200" b="1" dirty="0">
               <a:solidFill>
                 <a:schemeClr val="bg1"/>
               </a:solidFill>
             </a:endParaRPr>
-          </a:p>
-          <a:p>
-            <a:r>
-              <a:rPr lang="bg-BG" sz="3200" dirty="0"/>
-              <a:t>Кликаме на </a:t>
-            </a:r>
-            <a:r>
-              <a:rPr lang="en-US" sz="3200" b="1" dirty="0">
-                <a:solidFill>
-                  <a:schemeClr val="bg1"/>
-                </a:solidFill>
-              </a:rPr>
-              <a:t>action</a:t>
-            </a:r>
-            <a:r>
-              <a:rPr lang="en-US" sz="3200" dirty="0"/>
-              <a:t> </a:t>
-            </a:r>
-            <a:r>
-              <a:rPr lang="bg-BG" sz="3200" dirty="0"/>
-              <a:t>бутона в </a:t>
-            </a:r>
-            <a:r>
-              <a:rPr lang="bg-BG" sz="3200" b="1" dirty="0"/>
-              <a:t>горния десен ъгъл </a:t>
-            </a:r>
-            <a:r>
-              <a:rPr lang="bg-BG" sz="3200" dirty="0"/>
-              <a:t>на </a:t>
-            </a:r>
-            <a:r>
-              <a:rPr lang="bg-BG" sz="3200" b="1" dirty="0"/>
-              <a:t>контролата</a:t>
-            </a:r>
-          </a:p>
-          <a:p>
-            <a:r>
-              <a:rPr lang="en-BG" sz="3200" b="1" dirty="0">
-                <a:solidFill>
-                  <a:schemeClr val="bg1"/>
-                </a:solidFill>
-              </a:rPr>
-              <a:t>Choose Data Source </a:t>
-            </a:r>
-            <a:r>
-              <a:rPr lang="en-BG" sz="3200" dirty="0"/>
-              <a:t>-&gt; </a:t>
-            </a:r>
-            <a:r>
-              <a:rPr lang="en-BG" sz="3200" b="1" dirty="0">
-                <a:solidFill>
-                  <a:schemeClr val="bg1"/>
-                </a:solidFill>
-              </a:rPr>
-              <a:t>Add new Object</a:t>
-            </a:r>
           </a:p>
           <a:p>
             <a:endParaRPr lang="en-BG" dirty="0"/>
@@ -14756,6 +14961,122 @@
           </a:ln>
         </p:spPr>
       </p:pic>
+      <p:sp>
+        <p:nvSpPr>
+          <p:cNvPr id="6" name="Rounded Rectangular Callout 5">
+            <a:extLst>
+              <a:ext uri="{FF2B5EF4-FFF2-40B4-BE49-F238E27FC236}">
+                <a16:creationId xmlns:a16="http://schemas.microsoft.com/office/drawing/2014/main" id="{07180124-D3C2-DE23-6937-253BFBE91744}"/>
+              </a:ext>
+            </a:extLst>
+          </p:cNvPr>
+          <p:cNvSpPr/>
+          <p:nvPr/>
+        </p:nvSpPr>
+        <p:spPr bwMode="auto">
+          <a:xfrm>
+            <a:off x="7878275" y="2549305"/>
+            <a:ext cx="2925000" cy="719008"/>
+          </a:xfrm>
+          <a:prstGeom prst="wedgeRoundRectCallout">
+            <a:avLst>
+              <a:gd name="adj1" fmla="val -84249"/>
+              <a:gd name="adj2" fmla="val 149920"/>
+              <a:gd name="adj3" fmla="val 16667"/>
+            </a:avLst>
+          </a:prstGeom>
+          <a:solidFill>
+            <a:schemeClr val="dk2">
+              <a:alpha val="80000"/>
+            </a:schemeClr>
+          </a:solidFill>
+          <a:ln w="19050">
+            <a:solidFill>
+              <a:schemeClr val="tx1">
+                <a:lumMod val="75000"/>
+                <a:alpha val="80000"/>
+              </a:schemeClr>
+            </a:solidFill>
+          </a:ln>
+          <a:effectLst/>
+        </p:spPr>
+        <p:style>
+          <a:lnRef idx="2">
+            <a:schemeClr val="accent1">
+              <a:shade val="50000"/>
+            </a:schemeClr>
+          </a:lnRef>
+          <a:fillRef idx="1001">
+            <a:schemeClr val="dk2"/>
+          </a:fillRef>
+          <a:effectRef idx="0">
+            <a:schemeClr val="accent1"/>
+          </a:effectRef>
+          <a:fontRef idx="minor">
+            <a:schemeClr val="lt1"/>
+          </a:fontRef>
+        </p:style>
+        <p:txBody>
+          <a:bodyPr rot="0" spcFirstLastPara="0" vertOverflow="overflow" horzOverflow="overflow" vert="horz" wrap="square" lIns="91440" tIns="45720" rIns="91440" bIns="45720" numCol="1" spcCol="0" rtlCol="0" fromWordArt="0" anchor="ctr" anchorCtr="0" forceAA="0" compatLnSpc="1">
+            <a:prstTxWarp prst="textNoShape">
+              <a:avLst/>
+            </a:prstTxWarp>
+            <a:noAutofit/>
+          </a:bodyPr>
+          <a:lstStyle/>
+          <a:p>
+            <a:pPr algn="ctr"/>
+            <a:r>
+              <a:rPr lang="en-US" sz="2800" b="1" dirty="0">
+                <a:solidFill>
+                  <a:schemeClr val="accent1">
+                    <a:lumMod val="60000"/>
+                    <a:lumOff val="40000"/>
+                  </a:schemeClr>
+                </a:solidFill>
+                <a:effectLst>
+                  <a:outerShdw blurRad="38100" dist="38100" dir="2700000" algn="tl">
+                    <a:srgbClr val="000000">
+                      <a:alpha val="43137"/>
+                    </a:srgbClr>
+                  </a:outerShdw>
+                </a:effectLst>
+              </a:rPr>
+              <a:t>Action</a:t>
+            </a:r>
+            <a:r>
+              <a:rPr lang="en-US" sz="2800" b="1" dirty="0">
+                <a:solidFill>
+                  <a:srgbClr val="FFFFFF"/>
+                </a:solidFill>
+                <a:effectLst>
+                  <a:outerShdw blurRad="38100" dist="38100" dir="2700000" algn="tl">
+                    <a:srgbClr val="000000">
+                      <a:alpha val="43137"/>
+                    </a:srgbClr>
+                  </a:outerShdw>
+                </a:effectLst>
+              </a:rPr>
+              <a:t> </a:t>
+            </a:r>
+            <a:r>
+              <a:rPr lang="bg-BG" sz="2800" b="1" dirty="0">
+                <a:solidFill>
+                  <a:srgbClr val="FFFFFF"/>
+                </a:solidFill>
+                <a:effectLst>
+                  <a:outerShdw blurRad="38100" dist="38100" dir="2700000" algn="tl">
+                    <a:srgbClr val="000000">
+                      <a:alpha val="43137"/>
+                    </a:srgbClr>
+                  </a:outerShdw>
+                </a:effectLst>
+              </a:rPr>
+              <a:t>бутон</a:t>
+            </a:r>
+          </a:p>
+        </p:txBody>
+      </p:sp>
     </p:spTree>
     <p:extLst>
       <p:ext uri="{BB962C8B-B14F-4D97-AF65-F5344CB8AC3E}">
@@ -14923,7 +15244,7 @@
                             </p:stCondLst>
                             <p:childTnLst>
                               <p:par>
-                                <p:cTn id="15" presetID="1" presetClass="entr" presetSubtype="0" fill="hold" nodeType="clickEffect">
+                                <p:cTn id="15" presetID="1" presetClass="entr" presetSubtype="0" fill="hold" grpId="0" nodeType="clickEffect">
                                   <p:stCondLst>
                                     <p:cond delay="0"/>
                                   </p:stCondLst>
@@ -14931,6 +15252,51 @@
                                     <p:set>
                                       <p:cBhvr>
                                         <p:cTn id="16" dur="1" fill="hold">
+                                          <p:stCondLst>
+                                            <p:cond delay="0"/>
+                                          </p:stCondLst>
+                                        </p:cTn>
+                                        <p:tgtEl>
+                                          <p:spTgt spid="6"/>
+                                        </p:tgtEl>
+                                        <p:attrNameLst>
+                                          <p:attrName>style.visibility</p:attrName>
+                                        </p:attrNameLst>
+                                      </p:cBhvr>
+                                      <p:to>
+                                        <p:strVal val="visible"/>
+                                      </p:to>
+                                    </p:set>
+                                  </p:childTnLst>
+                                </p:cTn>
+                              </p:par>
+                            </p:childTnLst>
+                          </p:cTn>
+                        </p:par>
+                      </p:childTnLst>
+                    </p:cTn>
+                  </p:par>
+                  <p:par>
+                    <p:cTn id="17" fill="hold">
+                      <p:stCondLst>
+                        <p:cond delay="indefinite"/>
+                      </p:stCondLst>
+                      <p:childTnLst>
+                        <p:par>
+                          <p:cTn id="18" fill="hold">
+                            <p:stCondLst>
+                              <p:cond delay="0"/>
+                            </p:stCondLst>
+                            <p:childTnLst>
+                              <p:par>
+                                <p:cTn id="19" presetID="1" presetClass="entr" presetSubtype="0" fill="hold" nodeType="clickEffect">
+                                  <p:stCondLst>
+                                    <p:cond delay="0"/>
+                                  </p:stCondLst>
+                                  <p:childTnLst>
+                                    <p:set>
+                                      <p:cBhvr>
+                                        <p:cTn id="20" dur="1" fill="hold">
                                           <p:stCondLst>
                                             <p:cond delay="0"/>
                                           </p:stCondLst>
@@ -14980,6 +15346,9 @@
         </p:cTn>
       </p:par>
     </p:tnLst>
+    <p:bldLst>
+      <p:bldP spid="6" grpId="0" animBg="1"/>
+    </p:bldLst>
   </p:timing>
 </p:sld>
 </file>
@@ -15049,23 +15418,25 @@
         </p:nvSpPr>
         <p:spPr/>
         <p:txBody>
-          <a:bodyPr/>
+          <a:bodyPr>
+            <a:normAutofit/>
+          </a:bodyPr>
           <a:lstStyle/>
           <a:p>
             <a:r>
-              <a:rPr lang="bg-BG" dirty="0"/>
+              <a:rPr lang="bg-BG" sz="3000" dirty="0"/>
               <a:t>Избираме </a:t>
             </a:r>
             <a:r>
-              <a:rPr lang="bg-BG" b="1" dirty="0"/>
-              <a:t>моделът</a:t>
-            </a:r>
-            <a:r>
-              <a:rPr lang="bg-BG" dirty="0"/>
+              <a:rPr lang="bg-BG" sz="3000" b="1" dirty="0"/>
+              <a:t>модела</a:t>
+            </a:r>
+            <a:r>
+              <a:rPr lang="bg-BG" sz="3000" dirty="0"/>
               <a:t> ни </a:t>
             </a:r>
             <a:r>
-              <a:rPr lang="en-US" b="1" dirty="0">
+              <a:rPr lang="en-US" sz="3000" b="1" dirty="0">
                 <a:solidFill>
                   <a:schemeClr val="bg1"/>
                 </a:solidFill>
@@ -15074,29 +15445,27 @@
               </a:rPr>
               <a:t>Product</a:t>
             </a:r>
-          </a:p>
-          <a:p>
-            <a:r>
-              <a:rPr lang="bg-BG" dirty="0"/>
-              <a:t>От </a:t>
-            </a:r>
-            <a:r>
-              <a:rPr lang="bg-BG" b="1" dirty="0"/>
-              <a:t>падащото меню</a:t>
-            </a:r>
-            <a:r>
-              <a:rPr lang="bg-BG" dirty="0"/>
-              <a:t>, избираме модела </a:t>
-            </a:r>
-            <a:r>
-              <a:rPr lang="en-US" b="1" dirty="0">
-                <a:solidFill>
-                  <a:schemeClr val="bg1"/>
-                </a:solidFill>
-              </a:rPr>
-              <a:t>Product</a:t>
-            </a:r>
-            <a:endParaRPr lang="bg-BG" b="1" dirty="0">
+            <a:r>
+              <a:rPr lang="bg-BG" sz="3000" dirty="0"/>
+              <a:t> и </a:t>
+            </a:r>
+            <a:r>
+              <a:rPr lang="bg-BG" sz="3000" dirty="0" err="1"/>
+              <a:t>кликаме</a:t>
+            </a:r>
+            <a:r>
+              <a:rPr lang="bg-BG" sz="3000" dirty="0"/>
+              <a:t> </a:t>
+            </a:r>
+            <a:r>
+              <a:rPr lang="en-US" sz="3000" dirty="0"/>
+              <a:t>[OK]</a:t>
+            </a:r>
+            <a:r>
+              <a:rPr lang="bg-BG" sz="3000" dirty="0"/>
+              <a:t>, за да го включим</a:t>
+            </a:r>
+            <a:endParaRPr lang="en-US" sz="3000" b="1" dirty="0">
               <a:solidFill>
                 <a:schemeClr val="bg1"/>
               </a:solidFill>
@@ -15105,7 +15474,37 @@
             </a:endParaRPr>
           </a:p>
           <a:p>
-            <a:endParaRPr lang="bg-BG" b="1" dirty="0">
+            <a:r>
+              <a:rPr lang="bg-BG" sz="3000" dirty="0"/>
+              <a:t>За да изберем модела, трябва отново да кликнем </a:t>
+            </a:r>
+            <a:r>
+              <a:rPr lang="en-US" sz="3000" b="1" dirty="0">
+                <a:solidFill>
+                  <a:schemeClr val="bg1"/>
+                </a:solidFill>
+              </a:rPr>
+              <a:t>action</a:t>
+            </a:r>
+            <a:r>
+              <a:rPr lang="en-US" sz="3000" dirty="0"/>
+              <a:t> </a:t>
+            </a:r>
+            <a:r>
+              <a:rPr lang="bg-BG" sz="3000" dirty="0"/>
+              <a:t>бутона и избираме </a:t>
+            </a:r>
+            <a:r>
+              <a:rPr lang="en-US" sz="3000" b="1" dirty="0">
+                <a:solidFill>
+                  <a:schemeClr val="bg1"/>
+                </a:solidFill>
+                <a:latin typeface="Consolas" panose="020B0609020204030204" pitchFamily="49" charset="0"/>
+                <a:cs typeface="Consolas" panose="020B0609020204030204" pitchFamily="49" charset="0"/>
+              </a:rPr>
+              <a:t>Product</a:t>
+            </a:r>
+            <a:endParaRPr lang="bg-BG" sz="3000" b="1" dirty="0">
               <a:solidFill>
                 <a:schemeClr val="bg1"/>
               </a:solidFill>
@@ -15114,7 +15513,7 @@
             </a:endParaRPr>
           </a:p>
           <a:p>
-            <a:endParaRPr lang="en-BG" dirty="0"/>
+            <a:endParaRPr lang="en-BG" sz="3000" dirty="0"/>
           </a:p>
         </p:txBody>
       </p:sp>
@@ -15179,8 +15578,8 @@
         </p:blipFill>
         <p:spPr>
           <a:xfrm>
-            <a:off x="4928960" y="3078968"/>
-            <a:ext cx="2793803" cy="1763080"/>
+            <a:off x="4724561" y="3624037"/>
+            <a:ext cx="3473487" cy="2192007"/>
           </a:xfrm>
           <a:prstGeom prst="rect">
             <a:avLst/>
@@ -15221,8 +15620,8 @@
         </p:blipFill>
         <p:spPr>
           <a:xfrm>
-            <a:off x="190402" y="2619769"/>
-            <a:ext cx="3814733" cy="2910273"/>
+            <a:off x="332869" y="3149791"/>
+            <a:ext cx="4116512" cy="3140501"/>
           </a:xfrm>
           <a:prstGeom prst="rect">
             <a:avLst/>
@@ -15250,8 +15649,8 @@
         </p:nvSpPr>
         <p:spPr>
           <a:xfrm>
-            <a:off x="4158898" y="3755303"/>
-            <a:ext cx="616298" cy="362936"/>
+            <a:off x="4265023" y="4538574"/>
+            <a:ext cx="695166" cy="362936"/>
           </a:xfrm>
           <a:prstGeom prst="rightArrow">
             <a:avLst/>
@@ -15318,8 +15717,8 @@
         </p:blipFill>
         <p:spPr>
           <a:xfrm>
-            <a:off x="8841000" y="3059517"/>
-            <a:ext cx="3090574" cy="1763079"/>
+            <a:off x="8601672" y="3759321"/>
+            <a:ext cx="3335065" cy="1902554"/>
           </a:xfrm>
           <a:prstGeom prst="rect">
             <a:avLst/>
@@ -15347,7 +15746,7 @@
         </p:nvSpPr>
         <p:spPr>
           <a:xfrm>
-            <a:off x="7973732" y="3755303"/>
+            <a:off x="8073386" y="4529130"/>
             <a:ext cx="616298" cy="362936"/>
           </a:xfrm>
           <a:prstGeom prst="rightArrow">
@@ -15764,6 +16163,11 @@
           <a:bodyPr/>
           <a:lstStyle/>
           <a:p>
+            <a:pPr>
+              <a:tabLst>
+                <a:tab pos="5991225" algn="l"/>
+              </a:tabLst>
+            </a:pPr>
             <a:r>
               <a:rPr lang="bg-BG" sz="3200" dirty="0"/>
               <a:t>С </a:t>
@@ -15782,11 +16186,11 @@
             </a:r>
             <a:r>
               <a:rPr lang="bg-BG" sz="3200" dirty="0"/>
-              <a:t> -</a:t>
+              <a:t> →</a:t>
             </a:r>
             <a:r>
               <a:rPr lang="en-US" sz="3200" dirty="0"/>
-              <a:t>&gt; </a:t>
+              <a:t> </a:t>
             </a:r>
             <a:r>
               <a:rPr lang="en-US" sz="3200" b="1" dirty="0">
@@ -15815,6 +16219,8 @@
                 <a:solidFill>
                   <a:schemeClr val="bg1"/>
                 </a:solidFill>
+                <a:latin typeface="Consolas" panose="020B0609020204030204" pitchFamily="49" charset="0"/>
+                <a:cs typeface="Consolas" panose="020B0609020204030204" pitchFamily="49" charset="0"/>
               </a:rPr>
               <a:t>Id</a:t>
             </a:r>
@@ -15837,6 +16243,8 @@
                 <a:solidFill>
                   <a:schemeClr val="bg1"/>
                 </a:solidFill>
+                <a:latin typeface="Consolas" panose="020B0609020204030204" pitchFamily="49" charset="0"/>
+                <a:cs typeface="Consolas" panose="020B0609020204030204" pitchFamily="49" charset="0"/>
               </a:rPr>
               <a:t>ReadOnly</a:t>
             </a:r>
@@ -15853,6 +16261,8 @@
                 <a:solidFill>
                   <a:schemeClr val="bg1"/>
                 </a:solidFill>
+                <a:latin typeface="Consolas" panose="020B0609020204030204" pitchFamily="49" charset="0"/>
+                <a:cs typeface="Consolas" panose="020B0609020204030204" pitchFamily="49" charset="0"/>
               </a:rPr>
               <a:t>True</a:t>
             </a:r>
@@ -16425,7 +16835,7 @@
               <a:t>С десен бутон на </a:t>
             </a:r>
             <a:r>
-              <a:rPr lang="en-US" sz="3000" b="1" dirty="0">
+              <a:rPr lang="en-US" sz="3000" b="1" dirty="0" err="1">
                 <a:solidFill>
                   <a:schemeClr val="bg1"/>
                 </a:solidFill>
@@ -16434,7 +16844,7 @@
             </a:r>
             <a:r>
               <a:rPr lang="en-US" sz="3000" dirty="0"/>
-              <a:t> -&gt; </a:t>
+              <a:t> → [</a:t>
             </a:r>
             <a:r>
               <a:rPr lang="en-US" sz="3000" b="1" dirty="0">
@@ -16443,6 +16853,10 @@
                 </a:solidFill>
               </a:rPr>
               <a:t>View Code</a:t>
+            </a:r>
+            <a:r>
+              <a:rPr lang="en-US" sz="3000" dirty="0"/>
+              <a:t>]</a:t>
             </a:r>
             <a:endParaRPr lang="bg-BG" sz="3000" b="1" dirty="0">
               <a:solidFill>
@@ -19971,8 +20385,8 @@
         </p:blipFill>
         <p:spPr>
           <a:xfrm>
-            <a:off x="619724" y="2304000"/>
-            <a:ext cx="6542554" cy="3521048"/>
+            <a:off x="287733" y="2259000"/>
+            <a:ext cx="7023720" cy="3780000"/>
           </a:xfrm>
           <a:prstGeom prst="rect">
             <a:avLst/>
@@ -20276,7 +20690,7 @@
         </p:nvGrpSpPr>
         <p:grpSpPr>
           <a:xfrm>
-            <a:off x="192628" y="1362922"/>
+            <a:off x="192628" y="1409672"/>
             <a:ext cx="11560402" cy="5394328"/>
             <a:chOff x="472011" y="1508786"/>
             <a:chExt cx="3799787" cy="4865561"/>
@@ -20540,7 +20954,10 @@
             <a:r>
               <a:rPr lang="bg-BG" sz="3200" b="1" dirty="0">
                 <a:solidFill>
-                  <a:schemeClr val="accent1"/>
+                  <a:schemeClr val="accent1">
+                    <a:lumMod val="60000"/>
+                    <a:lumOff val="40000"/>
+                  </a:schemeClr>
                 </a:solidFill>
               </a:rPr>
               <a:t>Визуализация</a:t>
@@ -20556,7 +20973,10 @@
             <a:r>
               <a:rPr lang="bg-BG" sz="3200" b="1" dirty="0">
                 <a:solidFill>
-                  <a:schemeClr val="accent1"/>
+                  <a:schemeClr val="accent1">
+                    <a:lumMod val="60000"/>
+                    <a:lumOff val="40000"/>
+                  </a:schemeClr>
                 </a:solidFill>
               </a:rPr>
               <a:t>данни</a:t>
@@ -20583,14 +21003,20 @@
             <a:r>
               <a:rPr lang="en-US" sz="3000" b="1" dirty="0">
                 <a:solidFill>
-                  <a:schemeClr val="accent1"/>
+                  <a:schemeClr val="accent1">
+                    <a:lumMod val="60000"/>
+                    <a:lumOff val="40000"/>
+                  </a:schemeClr>
                 </a:solidFill>
               </a:rPr>
               <a:t>Data Binding</a:t>
             </a:r>
             <a:endParaRPr lang="bg-BG" sz="3000" b="1" dirty="0">
               <a:solidFill>
-                <a:schemeClr val="accent1"/>
+                <a:schemeClr val="accent1">
+                  <a:lumMod val="60000"/>
+                  <a:lumOff val="40000"/>
+                </a:schemeClr>
               </a:solidFill>
             </a:endParaRPr>
           </a:p>
@@ -20650,7 +21076,10 @@
             <a:r>
               <a:rPr lang="bg-BG" sz="3000" b="1" dirty="0">
                 <a:solidFill>
-                  <a:schemeClr val="accent1"/>
+                  <a:schemeClr val="accent1">
+                    <a:lumMod val="60000"/>
+                    <a:lumOff val="40000"/>
+                  </a:schemeClr>
                 </a:solidFill>
               </a:rPr>
               <a:t>Източници</a:t>
@@ -20734,31 +21163,51 @@
             <a:r>
               <a:rPr lang="en-US" sz="2800" b="1" dirty="0">
                 <a:solidFill>
-                  <a:schemeClr val="accent1"/>
-                </a:solidFill>
+                  <a:schemeClr val="accent1">
+                    <a:lumMod val="60000"/>
+                    <a:lumOff val="40000"/>
+                  </a:schemeClr>
+                </a:solidFill>
+                <a:latin typeface="Consolas" panose="020B0609020204030204" pitchFamily="49" charset="0"/>
+                <a:cs typeface="Consolas" panose="020B0609020204030204" pitchFamily="49" charset="0"/>
               </a:rPr>
               <a:t>I</a:t>
             </a:r>
             <a:r>
               <a:rPr lang="bg-BG" sz="2800" b="1" dirty="0">
                 <a:solidFill>
-                  <a:schemeClr val="accent1"/>
-                </a:solidFill>
+                  <a:schemeClr val="accent1">
+                    <a:lumMod val="60000"/>
+                    <a:lumOff val="40000"/>
+                  </a:schemeClr>
+                </a:solidFill>
+                <a:latin typeface="Consolas" panose="020B0609020204030204" pitchFamily="49" charset="0"/>
+                <a:cs typeface="Consolas" panose="020B0609020204030204" pitchFamily="49" charset="0"/>
               </a:rPr>
               <a:t>C</a:t>
             </a:r>
             <a:r>
               <a:rPr lang="en-US" sz="2800" b="1" dirty="0">
                 <a:solidFill>
-                  <a:schemeClr val="accent1"/>
-                </a:solidFill>
+                  <a:schemeClr val="accent1">
+                    <a:lumMod val="60000"/>
+                    <a:lumOff val="40000"/>
+                  </a:schemeClr>
+                </a:solidFill>
+                <a:latin typeface="Consolas" panose="020B0609020204030204" pitchFamily="49" charset="0"/>
+                <a:cs typeface="Consolas" panose="020B0609020204030204" pitchFamily="49" charset="0"/>
               </a:rPr>
               <a:t>ollection</a:t>
             </a:r>
             <a:endParaRPr lang="bg-BG" sz="2800" b="1" dirty="0">
               <a:solidFill>
-                <a:schemeClr val="accent1"/>
+                <a:schemeClr val="accent1">
+                  <a:lumMod val="60000"/>
+                  <a:lumOff val="40000"/>
+                </a:schemeClr>
               </a:solidFill>
+              <a:latin typeface="Consolas" panose="020B0609020204030204" pitchFamily="49" charset="0"/>
+              <a:cs typeface="Consolas" panose="020B0609020204030204" pitchFamily="49" charset="0"/>
             </a:endParaRPr>
           </a:p>
           <a:p>
@@ -20770,7 +21219,10 @@
             <a:r>
               <a:rPr lang="bg-BG" sz="3000" b="1" dirty="0">
                 <a:solidFill>
-                  <a:schemeClr val="accent1"/>
+                  <a:schemeClr val="accent1">
+                    <a:lumMod val="60000"/>
+                    <a:lumOff val="40000"/>
+                  </a:schemeClr>
                 </a:solidFill>
               </a:rPr>
               <a:t>Видове</a:t>
@@ -20801,7 +21253,10 @@
             <a:r>
               <a:rPr lang="bg-BG" sz="2800" b="1" dirty="0">
                 <a:solidFill>
-                  <a:schemeClr val="accent1"/>
+                  <a:schemeClr val="accent1">
+                    <a:lumMod val="60000"/>
+                    <a:lumOff val="40000"/>
+                  </a:schemeClr>
                 </a:solidFill>
               </a:rPr>
               <a:t>Просто</a:t>
@@ -20824,7 +21279,10 @@
             <a:r>
               <a:rPr lang="bg-BG" sz="2800" b="1" dirty="0">
                 <a:solidFill>
-                  <a:schemeClr val="accent1"/>
+                  <a:schemeClr val="accent1">
+                    <a:lumMod val="60000"/>
+                    <a:lumOff val="40000"/>
+                  </a:schemeClr>
                 </a:solidFill>
               </a:rPr>
               <a:t>Сложно</a:t>
@@ -20852,14 +21310,20 @@
             <a:r>
               <a:rPr lang="en-US" sz="3200" b="1" dirty="0">
                 <a:solidFill>
-                  <a:schemeClr val="accent1"/>
+                  <a:schemeClr val="accent1">
+                    <a:lumMod val="60000"/>
+                    <a:lumOff val="40000"/>
+                  </a:schemeClr>
                 </a:solidFill>
               </a:rPr>
               <a:t>DataGridView</a:t>
             </a:r>
             <a:endParaRPr lang="bg-BG" sz="3200" b="1" dirty="0">
               <a:solidFill>
-                <a:schemeClr val="accent1"/>
+                <a:schemeClr val="accent1">
+                  <a:lumMod val="60000"/>
+                  <a:lumOff val="40000"/>
+                </a:schemeClr>
               </a:solidFill>
             </a:endParaRPr>
           </a:p>
@@ -20896,7 +21360,10 @@
             <a:r>
               <a:rPr lang="bg-BG" sz="3000" b="1" dirty="0">
                 <a:solidFill>
-                  <a:schemeClr val="accent1"/>
+                  <a:schemeClr val="accent1">
+                    <a:lumMod val="60000"/>
+                    <a:lumOff val="40000"/>
+                  </a:schemeClr>
                 </a:solidFill>
               </a:rPr>
               <a:t>таблични данни</a:t>
@@ -21658,17 +22125,22 @@
             <p:ph type="title" sz="quarter" idx="10"/>
           </p:nvPr>
         </p:nvSpPr>
-        <p:spPr/>
+        <p:spPr>
+          <a:xfrm>
+            <a:off x="475553" y="4734000"/>
+            <a:ext cx="11240891" cy="768084"/>
+          </a:xfrm>
+        </p:spPr>
         <p:txBody>
           <a:bodyPr/>
           <a:lstStyle/>
           <a:p>
             <a:r>
-              <a:rPr lang="bg-BG" sz="4400" dirty="0"/>
+              <a:rPr lang="bg-BG" sz="4800" dirty="0"/>
               <a:t>Визуализация на данни в </a:t>
             </a:r>
             <a:r>
-              <a:rPr lang="en-US" sz="4400" dirty="0"/>
+              <a:rPr lang="en-US" sz="4800" dirty="0"/>
               <a:t>Windows Forms</a:t>
             </a:r>
           </a:p>
@@ -22588,6 +23060,11 @@
               <a:rPr lang="bg-BG" sz="3000" b="1" dirty="0"/>
               <a:t>свойства</a:t>
             </a:r>
+            <a:r>
+              <a:rPr lang="en-US" sz="3000" dirty="0"/>
+              <a:t>:</a:t>
+            </a:r>
+            <a:endParaRPr lang="bg-BG" sz="3000" dirty="0"/>
           </a:p>
           <a:p>
             <a:pPr lvl="1"/>
@@ -22596,6 +23073,8 @@
                 <a:solidFill>
                   <a:schemeClr val="bg1"/>
                 </a:solidFill>
+                <a:latin typeface="Consolas" panose="020B0609020204030204" pitchFamily="49" charset="0"/>
+                <a:cs typeface="Consolas" panose="020B0609020204030204" pitchFamily="49" charset="0"/>
               </a:rPr>
               <a:t>Text</a:t>
             </a:r>
@@ -22608,6 +23087,8 @@
                 <a:solidFill>
                   <a:schemeClr val="bg1"/>
                 </a:solidFill>
+                <a:latin typeface="Consolas" panose="020B0609020204030204" pitchFamily="49" charset="0"/>
+                <a:cs typeface="Consolas" panose="020B0609020204030204" pitchFamily="49" charset="0"/>
               </a:rPr>
               <a:t>DataSource</a:t>
             </a:r>
@@ -22620,6 +23101,8 @@
                 <a:solidFill>
                   <a:schemeClr val="bg1"/>
                 </a:solidFill>
+                <a:latin typeface="Consolas" panose="020B0609020204030204" pitchFamily="49" charset="0"/>
+                <a:cs typeface="Consolas" panose="020B0609020204030204" pitchFamily="49" charset="0"/>
               </a:rPr>
               <a:t>DataTextField</a:t>
             </a:r>
@@ -22674,6 +23157,8 @@
                 <a:solidFill>
                   <a:schemeClr val="bg1"/>
                 </a:solidFill>
+                <a:latin typeface="Consolas" panose="020B0609020204030204" pitchFamily="49" charset="0"/>
+                <a:cs typeface="Consolas" panose="020B0609020204030204" pitchFamily="49" charset="0"/>
               </a:rPr>
               <a:t>ICollection</a:t>
             </a:r>
@@ -22681,6 +23166,8 @@
               <a:solidFill>
                 <a:schemeClr val="bg1"/>
               </a:solidFill>
+              <a:latin typeface="Consolas" panose="020B0609020204030204" pitchFamily="49" charset="0"/>
+              <a:cs typeface="Consolas" panose="020B0609020204030204" pitchFamily="49" charset="0"/>
             </a:endParaRPr>
           </a:p>
           <a:p>
@@ -22732,7 +23219,7 @@
           <p:nvPr/>
         </p:nvPicPr>
         <p:blipFill>
-          <a:blip r:embed="rId2">
+          <a:blip r:embed="rId3">
             <a:extLst>
               <a:ext uri="{28A0092B-C50C-407E-A947-70E740481C1C}">
                 <a14:useLocalDpi xmlns:a14="http://schemas.microsoft.com/office/drawing/2010/main" val="0"/>
@@ -22745,8 +23232,8 @@
         </p:blipFill>
         <p:spPr>
           <a:xfrm>
-            <a:off x="3736683" y="3429000"/>
-            <a:ext cx="4470067" cy="3230841"/>
+            <a:off x="5241000" y="3106909"/>
+            <a:ext cx="4905000" cy="3545198"/>
           </a:xfrm>
           <a:prstGeom prst="rect">
             <a:avLst/>
@@ -22764,535 +23251,6 @@
     <p:extLst>
       <p:ext uri="{BB962C8B-B14F-4D97-AF65-F5344CB8AC3E}">
         <p14:creationId xmlns:p14="http://schemas.microsoft.com/office/powerpoint/2010/main" val="2301534281"/>
-      </p:ext>
-    </p:extLst>
-  </p:cSld>
-  <p:clrMapOvr>
-    <a:masterClrMapping/>
-  </p:clrMapOvr>
-  <mc:AlternateContent xmlns:mc="http://schemas.openxmlformats.org/markup-compatibility/2006" xmlns:p14="http://schemas.microsoft.com/office/powerpoint/2010/main">
-    <mc:Choice Requires="p14">
-      <p:transition spd="slow" p14:dur="2000" advClick="0" advTm="5000"/>
-    </mc:Choice>
-    <mc:Fallback xmlns="">
-      <p:transition spd="slow" advClick="0" advTm="5000"/>
-    </mc:Fallback>
-  </mc:AlternateContent>
-  <p:timing>
-    <p:tnLst>
-      <p:par>
-        <p:cTn id="1" dur="indefinite" restart="never" nodeType="tmRoot">
-          <p:childTnLst>
-            <p:seq concurrent="1" nextAc="seek">
-              <p:cTn id="2" dur="indefinite" nodeType="mainSeq">
-                <p:childTnLst>
-                  <p:par>
-                    <p:cTn id="3" fill="hold">
-                      <p:stCondLst>
-                        <p:cond delay="indefinite"/>
-                        <p:cond evt="onBegin" delay="0">
-                          <p:tn val="2"/>
-                        </p:cond>
-                      </p:stCondLst>
-                      <p:childTnLst>
-                        <p:par>
-                          <p:cTn id="4" fill="hold">
-                            <p:stCondLst>
-                              <p:cond delay="0"/>
-                            </p:stCondLst>
-                            <p:childTnLst>
-                              <p:par>
-                                <p:cTn id="5" presetID="1" presetClass="entr" presetSubtype="0" fill="hold" nodeType="withEffect">
-                                  <p:stCondLst>
-                                    <p:cond delay="0"/>
-                                  </p:stCondLst>
-                                  <p:childTnLst>
-                                    <p:set>
-                                      <p:cBhvr>
-                                        <p:cTn id="6" dur="1" fill="hold">
-                                          <p:stCondLst>
-                                            <p:cond delay="0"/>
-                                          </p:stCondLst>
-                                        </p:cTn>
-                                        <p:tgtEl>
-                                          <p:spTgt spid="3">
-                                            <p:txEl>
-                                              <p:pRg st="0" end="0"/>
-                                            </p:txEl>
-                                          </p:spTgt>
-                                        </p:tgtEl>
-                                        <p:attrNameLst>
-                                          <p:attrName>style.visibility</p:attrName>
-                                        </p:attrNameLst>
-                                      </p:cBhvr>
-                                      <p:to>
-                                        <p:strVal val="visible"/>
-                                      </p:to>
-                                    </p:set>
-                                  </p:childTnLst>
-                                </p:cTn>
-                              </p:par>
-                              <p:par>
-                                <p:cTn id="7" presetID="1" presetClass="entr" presetSubtype="0" fill="hold" nodeType="withEffect">
-                                  <p:stCondLst>
-                                    <p:cond delay="0"/>
-                                  </p:stCondLst>
-                                  <p:childTnLst>
-                                    <p:set>
-                                      <p:cBhvr>
-                                        <p:cTn id="8" dur="1" fill="hold">
-                                          <p:stCondLst>
-                                            <p:cond delay="0"/>
-                                          </p:stCondLst>
-                                        </p:cTn>
-                                        <p:tgtEl>
-                                          <p:spTgt spid="3">
-                                            <p:txEl>
-                                              <p:pRg st="1" end="1"/>
-                                            </p:txEl>
-                                          </p:spTgt>
-                                        </p:tgtEl>
-                                        <p:attrNameLst>
-                                          <p:attrName>style.visibility</p:attrName>
-                                        </p:attrNameLst>
-                                      </p:cBhvr>
-                                      <p:to>
-                                        <p:strVal val="visible"/>
-                                      </p:to>
-                                    </p:set>
-                                  </p:childTnLst>
-                                </p:cTn>
-                              </p:par>
-                              <p:par>
-                                <p:cTn id="9" presetID="1" presetClass="entr" presetSubtype="0" fill="hold" nodeType="withEffect">
-                                  <p:stCondLst>
-                                    <p:cond delay="0"/>
-                                  </p:stCondLst>
-                                  <p:childTnLst>
-                                    <p:set>
-                                      <p:cBhvr>
-                                        <p:cTn id="10" dur="1" fill="hold">
-                                          <p:stCondLst>
-                                            <p:cond delay="0"/>
-                                          </p:stCondLst>
-                                        </p:cTn>
-                                        <p:tgtEl>
-                                          <p:spTgt spid="6"/>
-                                        </p:tgtEl>
-                                        <p:attrNameLst>
-                                          <p:attrName>style.visibility</p:attrName>
-                                        </p:attrNameLst>
-                                      </p:cBhvr>
-                                      <p:to>
-                                        <p:strVal val="visible"/>
-                                      </p:to>
-                                    </p:set>
-                                  </p:childTnLst>
-                                </p:cTn>
-                              </p:par>
-                            </p:childTnLst>
-                          </p:cTn>
-                        </p:par>
-                      </p:childTnLst>
-                    </p:cTn>
-                  </p:par>
-                  <p:par>
-                    <p:cTn id="11" fill="hold">
-                      <p:stCondLst>
-                        <p:cond delay="indefinite"/>
-                      </p:stCondLst>
-                      <p:childTnLst>
-                        <p:par>
-                          <p:cTn id="12" fill="hold">
-                            <p:stCondLst>
-                              <p:cond delay="0"/>
-                            </p:stCondLst>
-                            <p:childTnLst>
-                              <p:par>
-                                <p:cTn id="13" presetID="1" presetClass="entr" presetSubtype="0" fill="hold" nodeType="clickEffect">
-                                  <p:stCondLst>
-                                    <p:cond delay="0"/>
-                                  </p:stCondLst>
-                                  <p:childTnLst>
-                                    <p:set>
-                                      <p:cBhvr>
-                                        <p:cTn id="14" dur="1" fill="hold">
-                                          <p:stCondLst>
-                                            <p:cond delay="0"/>
-                                          </p:stCondLst>
-                                        </p:cTn>
-                                        <p:tgtEl>
-                                          <p:spTgt spid="3">
-                                            <p:txEl>
-                                              <p:pRg st="2" end="2"/>
-                                            </p:txEl>
-                                          </p:spTgt>
-                                        </p:tgtEl>
-                                        <p:attrNameLst>
-                                          <p:attrName>style.visibility</p:attrName>
-                                        </p:attrNameLst>
-                                      </p:cBhvr>
-                                      <p:to>
-                                        <p:strVal val="visible"/>
-                                      </p:to>
-                                    </p:set>
-                                  </p:childTnLst>
-                                </p:cTn>
-                              </p:par>
-                            </p:childTnLst>
-                          </p:cTn>
-                        </p:par>
-                      </p:childTnLst>
-                    </p:cTn>
-                  </p:par>
-                </p:childTnLst>
-              </p:cTn>
-              <p:prevCondLst>
-                <p:cond evt="onPrev" delay="0">
-                  <p:tgtEl>
-                    <p:sldTgt/>
-                  </p:tgtEl>
-                </p:cond>
-              </p:prevCondLst>
-              <p:nextCondLst>
-                <p:cond evt="onNext" delay="0">
-                  <p:tgtEl>
-                    <p:sldTgt/>
-                  </p:tgtEl>
-                </p:cond>
-              </p:nextCondLst>
-            </p:seq>
-          </p:childTnLst>
-        </p:cTn>
-      </p:par>
-    </p:tnLst>
-  </p:timing>
-</p:sld>
-</file>
-
-<file path=ppt/slides/slide6.xml><?xml version="1.0" encoding="utf-8"?>
-<p:sld xmlns:a="http://schemas.openxmlformats.org/drawingml/2006/main" xmlns:r="http://schemas.openxmlformats.org/officeDocument/2006/relationships" xmlns:p="http://schemas.openxmlformats.org/presentationml/2006/main">
-  <p:cSld>
-    <p:spTree>
-      <p:nvGrpSpPr>
-        <p:cNvPr id="1" name=""/>
-        <p:cNvGrpSpPr/>
-        <p:nvPr/>
-      </p:nvGrpSpPr>
-      <p:grpSpPr>
-        <a:xfrm>
-          <a:off x="0" y="0"/>
-          <a:ext cx="0" cy="0"/>
-          <a:chOff x="0" y="0"/>
-          <a:chExt cx="0" cy="0"/>
-        </a:xfrm>
-      </p:grpSpPr>
-      <p:sp>
-        <p:nvSpPr>
-          <p:cNvPr id="2" name="Slide Number Placeholder 1">
-            <a:extLst>
-              <a:ext uri="{FF2B5EF4-FFF2-40B4-BE49-F238E27FC236}">
-                <a16:creationId xmlns:a16="http://schemas.microsoft.com/office/drawing/2014/main" id="{43D9961D-8D49-D3B8-10AA-62DF897668F9}"/>
-              </a:ext>
-            </a:extLst>
-          </p:cNvPr>
-          <p:cNvSpPr>
-            <a:spLocks noGrp="1"/>
-          </p:cNvSpPr>
-          <p:nvPr>
-            <p:ph type="sldNum" sz="quarter" idx="5"/>
-          </p:nvPr>
-        </p:nvSpPr>
-        <p:spPr/>
-        <p:txBody>
-          <a:bodyPr/>
-          <a:lstStyle/>
-          <a:p>
-            <a:fld id="{2BF067CD-8E6B-4360-9AA8-C5DF2A48A6D1}" type="slidenum">
-              <a:rPr lang="en-US" noProof="0" smtClean="0"/>
-              <a:pPr/>
-              <a:t>6</a:t>
-            </a:fld>
-            <a:endParaRPr lang="en-US" noProof="0" dirty="0"/>
-          </a:p>
-        </p:txBody>
-      </p:sp>
-      <p:sp>
-        <p:nvSpPr>
-          <p:cNvPr id="3" name="Text Placeholder 2">
-            <a:extLst>
-              <a:ext uri="{FF2B5EF4-FFF2-40B4-BE49-F238E27FC236}">
-                <a16:creationId xmlns:a16="http://schemas.microsoft.com/office/drawing/2014/main" id="{67B84AD4-994B-E119-9A9B-737D5B8FF13D}"/>
-              </a:ext>
-            </a:extLst>
-          </p:cNvPr>
-          <p:cNvSpPr>
-            <a:spLocks noGrp="1"/>
-          </p:cNvSpPr>
-          <p:nvPr>
-            <p:ph type="body" sz="quarter" idx="10"/>
-          </p:nvPr>
-        </p:nvSpPr>
-        <p:spPr/>
-        <p:txBody>
-          <a:bodyPr>
-            <a:normAutofit lnSpcReduction="10000"/>
-          </a:bodyPr>
-          <a:lstStyle/>
-          <a:p>
-            <a:r>
-              <a:rPr lang="bg-BG" b="1" dirty="0">
-                <a:solidFill>
-                  <a:schemeClr val="bg1"/>
-                </a:solidFill>
-              </a:rPr>
-              <a:t>Просто свързване</a:t>
-            </a:r>
-          </a:p>
-          <a:p>
-            <a:pPr lvl="1"/>
-            <a:r>
-              <a:rPr lang="bg-BG" dirty="0"/>
-              <a:t>Указва </a:t>
-            </a:r>
-            <a:r>
-              <a:rPr lang="bg-BG" b="1" dirty="0">
-                <a:solidFill>
-                  <a:schemeClr val="bg1"/>
-                </a:solidFill>
-              </a:rPr>
-              <a:t>връзка</a:t>
-            </a:r>
-            <a:r>
-              <a:rPr lang="bg-BG" dirty="0"/>
-              <a:t> между </a:t>
-            </a:r>
-            <a:r>
-              <a:rPr lang="bg-BG" b="1" dirty="0"/>
-              <a:t>данни</a:t>
-            </a:r>
-            <a:r>
-              <a:rPr lang="bg-BG" dirty="0"/>
-              <a:t> и </a:t>
-            </a:r>
-            <a:r>
-              <a:rPr lang="bg-BG" b="1" dirty="0"/>
-              <a:t>свойство</a:t>
-            </a:r>
-            <a:r>
-              <a:rPr lang="bg-BG" dirty="0"/>
-              <a:t> на </a:t>
-            </a:r>
-            <a:r>
-              <a:rPr lang="bg-BG" b="1" dirty="0"/>
-              <a:t>контрола</a:t>
-            </a:r>
-          </a:p>
-          <a:p>
-            <a:pPr lvl="1"/>
-            <a:r>
-              <a:rPr lang="bg-BG" dirty="0"/>
-              <a:t>Задейства се при </a:t>
-            </a:r>
-            <a:r>
-              <a:rPr lang="bg-BG" b="1" dirty="0"/>
-              <a:t>извикване</a:t>
-            </a:r>
-            <a:r>
-              <a:rPr lang="bg-BG" dirty="0"/>
-              <a:t> на </a:t>
-            </a:r>
-            <a:r>
-              <a:rPr lang="bg-BG" b="1" dirty="0">
-                <a:solidFill>
-                  <a:schemeClr val="bg1"/>
-                </a:solidFill>
-              </a:rPr>
-              <a:t>метод</a:t>
-            </a:r>
-            <a:r>
-              <a:rPr lang="bg-BG" dirty="0"/>
-              <a:t> на </a:t>
-            </a:r>
-            <a:r>
-              <a:rPr lang="bg-BG" b="1" dirty="0"/>
-              <a:t>форма</a:t>
-            </a:r>
-            <a:r>
-              <a:rPr lang="bg-BG" dirty="0"/>
-              <a:t> или </a:t>
-            </a:r>
-            <a:r>
-              <a:rPr lang="bg-BG" b="1" dirty="0"/>
-              <a:t>контрола</a:t>
-            </a:r>
-          </a:p>
-          <a:p>
-            <a:r>
-              <a:rPr lang="bg-BG" b="1" dirty="0">
-                <a:solidFill>
-                  <a:schemeClr val="bg1"/>
-                </a:solidFill>
-              </a:rPr>
-              <a:t>Сложно свързване</a:t>
-            </a:r>
-          </a:p>
-          <a:p>
-            <a:pPr lvl="1"/>
-            <a:r>
-              <a:rPr lang="bg-BG" dirty="0"/>
-              <a:t>Указва </a:t>
-            </a:r>
-            <a:r>
-              <a:rPr lang="bg-BG" b="1" dirty="0">
-                <a:solidFill>
-                  <a:schemeClr val="bg1"/>
-                </a:solidFill>
-              </a:rPr>
-              <a:t>връзка</a:t>
-            </a:r>
-            <a:r>
-              <a:rPr lang="bg-BG" dirty="0"/>
-              <a:t> на </a:t>
-            </a:r>
-            <a:r>
-              <a:rPr lang="bg-BG" b="1" dirty="0"/>
-              <a:t>множество</a:t>
-            </a:r>
-            <a:r>
-              <a:rPr lang="bg-BG" dirty="0"/>
-              <a:t> </a:t>
-            </a:r>
-            <a:r>
-              <a:rPr lang="bg-BG" b="1" dirty="0"/>
-              <a:t>редове</a:t>
-            </a:r>
-            <a:r>
-              <a:rPr lang="en-US" dirty="0"/>
-              <a:t>/</a:t>
-            </a:r>
-            <a:r>
-              <a:rPr lang="bg-BG" b="1" dirty="0"/>
-              <a:t>свойства</a:t>
-            </a:r>
-            <a:r>
-              <a:rPr lang="bg-BG" dirty="0"/>
-              <a:t> с една </a:t>
-            </a:r>
-            <a:r>
-              <a:rPr lang="bg-BG" b="1" dirty="0"/>
-              <a:t>контрола</a:t>
-            </a:r>
-          </a:p>
-          <a:p>
-            <a:pPr lvl="1"/>
-            <a:r>
-              <a:rPr lang="bg-BG" dirty="0"/>
-              <a:t>Използва се в </a:t>
-            </a:r>
-            <a:r>
-              <a:rPr lang="bg-BG" b="1" dirty="0">
-                <a:solidFill>
-                  <a:schemeClr val="bg1"/>
-                </a:solidFill>
-              </a:rPr>
-              <a:t>списъчни</a:t>
-            </a:r>
-            <a:r>
-              <a:rPr lang="bg-BG" dirty="0"/>
-              <a:t> и </a:t>
-            </a:r>
-            <a:r>
-              <a:rPr lang="bg-BG" b="1" dirty="0">
-                <a:solidFill>
-                  <a:schemeClr val="bg1"/>
-                </a:solidFill>
-              </a:rPr>
-              <a:t>итериращи</a:t>
-            </a:r>
-            <a:r>
-              <a:rPr lang="bg-BG" dirty="0"/>
-              <a:t> контроли</a:t>
-            </a:r>
-          </a:p>
-          <a:p>
-            <a:pPr lvl="2"/>
-            <a:r>
-              <a:rPr lang="en-US" b="1" dirty="0"/>
-              <a:t>ListBox</a:t>
-            </a:r>
-            <a:r>
-              <a:rPr lang="en-US" dirty="0"/>
-              <a:t>, </a:t>
-            </a:r>
-            <a:r>
-              <a:rPr lang="en-US" b="1" dirty="0"/>
-              <a:t>ComboBox</a:t>
-            </a:r>
-            <a:r>
-              <a:rPr lang="en-US" dirty="0"/>
-              <a:t>, </a:t>
-            </a:r>
-            <a:r>
-              <a:rPr lang="en-US" b="1" dirty="0"/>
-              <a:t>CheckedListBox</a:t>
-            </a:r>
-            <a:r>
-              <a:rPr lang="bg-BG" b="1" dirty="0"/>
-              <a:t> </a:t>
-            </a:r>
-            <a:r>
-              <a:rPr lang="bg-BG" dirty="0"/>
-              <a:t>и други</a:t>
-            </a:r>
-            <a:endParaRPr lang="en-US" dirty="0"/>
-          </a:p>
-          <a:p>
-            <a:pPr lvl="2"/>
-            <a:endParaRPr lang="bg-BG" dirty="0"/>
-          </a:p>
-          <a:p>
-            <a:endParaRPr lang="en-BG" dirty="0"/>
-          </a:p>
-        </p:txBody>
-      </p:sp>
-      <p:sp>
-        <p:nvSpPr>
-          <p:cNvPr id="4" name="Title 3">
-            <a:extLst>
-              <a:ext uri="{FF2B5EF4-FFF2-40B4-BE49-F238E27FC236}">
-                <a16:creationId xmlns:a16="http://schemas.microsoft.com/office/drawing/2014/main" id="{E4E8930B-FFA6-DB7E-FFC0-6E4DBA0097D4}"/>
-              </a:ext>
-            </a:extLst>
-          </p:cNvPr>
-          <p:cNvSpPr>
-            <a:spLocks noGrp="1"/>
-          </p:cNvSpPr>
-          <p:nvPr>
-            <p:ph type="title"/>
-          </p:nvPr>
-        </p:nvSpPr>
-        <p:spPr/>
-        <p:txBody>
-          <a:bodyPr/>
-          <a:lstStyle/>
-          <a:p>
-            <a:r>
-              <a:rPr lang="bg-BG" dirty="0"/>
-              <a:t>Видове </a:t>
-            </a:r>
-            <a:r>
-              <a:rPr lang="en-US" dirty="0"/>
-              <a:t>Data Binding (1)</a:t>
-            </a:r>
-            <a:endParaRPr lang="en-BG" dirty="0"/>
-          </a:p>
-        </p:txBody>
-      </p:sp>
-    </p:spTree>
-    <p:extLst>
-      <p:ext uri="{BB962C8B-B14F-4D97-AF65-F5344CB8AC3E}">
-        <p14:creationId xmlns:p14="http://schemas.microsoft.com/office/powerpoint/2010/main" val="2710847587"/>
       </p:ext>
     </p:extLst>
   </p:cSld>
@@ -23343,7 +23301,7 @@
                                         <p:tgtEl>
                                           <p:spTgt spid="3">
                                             <p:txEl>
-                                              <p:pRg st="0" end="0"/>
+                                              <p:pRg st="1" end="1"/>
                                             </p:txEl>
                                           </p:spTgt>
                                         </p:tgtEl>
@@ -23372,11 +23330,7 @@
                                           </p:stCondLst>
                                         </p:cTn>
                                         <p:tgtEl>
-                                          <p:spTgt spid="3">
-                                            <p:txEl>
-                                              <p:pRg st="1" end="1"/>
-                                            </p:txEl>
-                                          </p:spTgt>
+                                          <p:spTgt spid="6"/>
                                         </p:tgtEl>
                                         <p:attrNameLst>
                                           <p:attrName>style.visibility</p:attrName>
@@ -23444,27 +23398,460 @@
                       </p:childTnLst>
                     </p:cTn>
                   </p:par>
+                </p:childTnLst>
+              </p:cTn>
+              <p:prevCondLst>
+                <p:cond evt="onPrev" delay="0">
+                  <p:tgtEl>
+                    <p:sldTgt/>
+                  </p:tgtEl>
+                </p:cond>
+              </p:prevCondLst>
+              <p:nextCondLst>
+                <p:cond evt="onNext" delay="0">
+                  <p:tgtEl>
+                    <p:sldTgt/>
+                  </p:tgtEl>
+                </p:cond>
+              </p:nextCondLst>
+            </p:seq>
+          </p:childTnLst>
+        </p:cTn>
+      </p:par>
+    </p:tnLst>
+  </p:timing>
+  <p:extLst>
+    <p:ext uri="{6950BFC3-D8DA-4A85-94F7-54DA5524770B}">
+      <p188:commentRel xmlns:p188="http://schemas.microsoft.com/office/powerpoint/2018/8/main" r:id="rId2"/>
+    </p:ext>
+  </p:extLst>
+</p:sld>
+</file>
+
+<file path=ppt/slides/slide6.xml><?xml version="1.0" encoding="utf-8"?>
+<p:sld xmlns:a="http://schemas.openxmlformats.org/drawingml/2006/main" xmlns:r="http://schemas.openxmlformats.org/officeDocument/2006/relationships" xmlns:p="http://schemas.openxmlformats.org/presentationml/2006/main">
+  <p:cSld>
+    <p:spTree>
+      <p:nvGrpSpPr>
+        <p:cNvPr id="1" name=""/>
+        <p:cNvGrpSpPr/>
+        <p:nvPr/>
+      </p:nvGrpSpPr>
+      <p:grpSpPr>
+        <a:xfrm>
+          <a:off x="0" y="0"/>
+          <a:ext cx="0" cy="0"/>
+          <a:chOff x="0" y="0"/>
+          <a:chExt cx="0" cy="0"/>
+        </a:xfrm>
+      </p:grpSpPr>
+      <p:sp>
+        <p:nvSpPr>
+          <p:cNvPr id="2" name="Slide Number Placeholder 1">
+            <a:extLst>
+              <a:ext uri="{FF2B5EF4-FFF2-40B4-BE49-F238E27FC236}">
+                <a16:creationId xmlns:a16="http://schemas.microsoft.com/office/drawing/2014/main" id="{43D9961D-8D49-D3B8-10AA-62DF897668F9}"/>
+              </a:ext>
+            </a:extLst>
+          </p:cNvPr>
+          <p:cNvSpPr>
+            <a:spLocks noGrp="1"/>
+          </p:cNvSpPr>
+          <p:nvPr>
+            <p:ph type="sldNum" sz="quarter" idx="5"/>
+          </p:nvPr>
+        </p:nvSpPr>
+        <p:spPr/>
+        <p:txBody>
+          <a:bodyPr/>
+          <a:lstStyle/>
+          <a:p>
+            <a:fld id="{2BF067CD-8E6B-4360-9AA8-C5DF2A48A6D1}" type="slidenum">
+              <a:rPr lang="en-US" noProof="0" smtClean="0"/>
+              <a:pPr/>
+              <a:t>6</a:t>
+            </a:fld>
+            <a:endParaRPr lang="en-US" noProof="0" dirty="0"/>
+          </a:p>
+        </p:txBody>
+      </p:sp>
+      <p:sp>
+        <p:nvSpPr>
+          <p:cNvPr id="3" name="Text Placeholder 2">
+            <a:extLst>
+              <a:ext uri="{FF2B5EF4-FFF2-40B4-BE49-F238E27FC236}">
+                <a16:creationId xmlns:a16="http://schemas.microsoft.com/office/drawing/2014/main" id="{67B84AD4-994B-E119-9A9B-737D5B8FF13D}"/>
+              </a:ext>
+            </a:extLst>
+          </p:cNvPr>
+          <p:cNvSpPr>
+            <a:spLocks noGrp="1"/>
+          </p:cNvSpPr>
+          <p:nvPr>
+            <p:ph type="body" sz="quarter" idx="10"/>
+          </p:nvPr>
+        </p:nvSpPr>
+        <p:spPr/>
+        <p:txBody>
+          <a:bodyPr>
+            <a:normAutofit lnSpcReduction="10000"/>
+          </a:bodyPr>
+          <a:lstStyle/>
+          <a:p>
+            <a:r>
+              <a:rPr lang="bg-BG" b="1" dirty="0">
+                <a:solidFill>
+                  <a:schemeClr val="bg1"/>
+                </a:solidFill>
+              </a:rPr>
+              <a:t>Просто свързване</a:t>
+            </a:r>
+          </a:p>
+          <a:p>
+            <a:pPr lvl="1"/>
+            <a:r>
+              <a:rPr lang="bg-BG" dirty="0"/>
+              <a:t>Указва </a:t>
+            </a:r>
+            <a:r>
+              <a:rPr lang="bg-BG" b="1" dirty="0">
+                <a:solidFill>
+                  <a:schemeClr val="bg1"/>
+                </a:solidFill>
+              </a:rPr>
+              <a:t>връзка</a:t>
+            </a:r>
+            <a:r>
+              <a:rPr lang="bg-BG" dirty="0"/>
+              <a:t> между </a:t>
+            </a:r>
+            <a:r>
+              <a:rPr lang="bg-BG" b="1" dirty="0"/>
+              <a:t>данни</a:t>
+            </a:r>
+            <a:r>
+              <a:rPr lang="bg-BG" dirty="0"/>
+              <a:t> и </a:t>
+            </a:r>
+            <a:r>
+              <a:rPr lang="bg-BG" b="1" dirty="0"/>
+              <a:t>свойство</a:t>
+            </a:r>
+            <a:r>
+              <a:rPr lang="bg-BG" dirty="0"/>
+              <a:t> на </a:t>
+            </a:r>
+            <a:r>
+              <a:rPr lang="bg-BG" b="1" dirty="0"/>
+              <a:t>контрола</a:t>
+            </a:r>
+          </a:p>
+          <a:p>
+            <a:pPr lvl="1"/>
+            <a:r>
+              <a:rPr lang="bg-BG" dirty="0"/>
+              <a:t>Задейства се при </a:t>
+            </a:r>
+            <a:r>
+              <a:rPr lang="bg-BG" b="1" dirty="0"/>
+              <a:t>извикване</a:t>
+            </a:r>
+            <a:r>
+              <a:rPr lang="bg-BG" dirty="0"/>
+              <a:t> на </a:t>
+            </a:r>
+            <a:r>
+              <a:rPr lang="bg-BG" b="1" dirty="0">
+                <a:solidFill>
+                  <a:schemeClr val="bg1"/>
+                </a:solidFill>
+              </a:rPr>
+              <a:t>метод</a:t>
+            </a:r>
+            <a:r>
+              <a:rPr lang="bg-BG" dirty="0"/>
+              <a:t> на </a:t>
+            </a:r>
+            <a:r>
+              <a:rPr lang="bg-BG" b="1" dirty="0"/>
+              <a:t>форма</a:t>
+            </a:r>
+            <a:r>
+              <a:rPr lang="bg-BG" dirty="0"/>
+              <a:t> или </a:t>
+            </a:r>
+            <a:r>
+              <a:rPr lang="bg-BG" b="1" dirty="0"/>
+              <a:t>контрола</a:t>
+            </a:r>
+          </a:p>
+          <a:p>
+            <a:r>
+              <a:rPr lang="bg-BG" b="1" dirty="0">
+                <a:solidFill>
+                  <a:schemeClr val="bg1"/>
+                </a:solidFill>
+              </a:rPr>
+              <a:t>Сложно свързване</a:t>
+            </a:r>
+          </a:p>
+          <a:p>
+            <a:pPr lvl="1"/>
+            <a:r>
+              <a:rPr lang="bg-BG" dirty="0"/>
+              <a:t>Указва </a:t>
+            </a:r>
+            <a:r>
+              <a:rPr lang="bg-BG" b="1" dirty="0">
+                <a:solidFill>
+                  <a:schemeClr val="bg1"/>
+                </a:solidFill>
+              </a:rPr>
+              <a:t>връзка</a:t>
+            </a:r>
+            <a:r>
+              <a:rPr lang="bg-BG" dirty="0"/>
+              <a:t> на </a:t>
+            </a:r>
+            <a:r>
+              <a:rPr lang="bg-BG" b="1" dirty="0"/>
+              <a:t>множество</a:t>
+            </a:r>
+            <a:r>
+              <a:rPr lang="bg-BG" dirty="0"/>
+              <a:t> </a:t>
+            </a:r>
+            <a:r>
+              <a:rPr lang="bg-BG" b="1" dirty="0"/>
+              <a:t>редове</a:t>
+            </a:r>
+            <a:r>
+              <a:rPr lang="en-US" dirty="0"/>
+              <a:t>/</a:t>
+            </a:r>
+            <a:r>
+              <a:rPr lang="bg-BG" b="1" dirty="0"/>
+              <a:t>свойства</a:t>
+            </a:r>
+            <a:r>
+              <a:rPr lang="bg-BG" dirty="0"/>
+              <a:t> с една </a:t>
+            </a:r>
+            <a:r>
+              <a:rPr lang="bg-BG" b="1" dirty="0"/>
+              <a:t>контрола</a:t>
+            </a:r>
+          </a:p>
+          <a:p>
+            <a:pPr lvl="1"/>
+            <a:r>
+              <a:rPr lang="bg-BG" dirty="0"/>
+              <a:t>Използва се в </a:t>
+            </a:r>
+            <a:r>
+              <a:rPr lang="bg-BG" b="1" dirty="0">
+                <a:solidFill>
+                  <a:schemeClr val="bg1"/>
+                </a:solidFill>
+              </a:rPr>
+              <a:t>списъчни</a:t>
+            </a:r>
+            <a:r>
+              <a:rPr lang="bg-BG" dirty="0"/>
+              <a:t> и </a:t>
+            </a:r>
+            <a:r>
+              <a:rPr lang="bg-BG" b="1" dirty="0">
+                <a:solidFill>
+                  <a:schemeClr val="bg1"/>
+                </a:solidFill>
+              </a:rPr>
+              <a:t>итериращи</a:t>
+            </a:r>
+            <a:r>
+              <a:rPr lang="bg-BG" dirty="0"/>
+              <a:t> контроли</a:t>
+            </a:r>
+          </a:p>
+          <a:p>
+            <a:pPr lvl="2"/>
+            <a:r>
+              <a:rPr lang="en-US" b="1" dirty="0">
+                <a:latin typeface="Consolas" panose="020B0609020204030204" pitchFamily="49" charset="0"/>
+                <a:cs typeface="Consolas" panose="020B0609020204030204" pitchFamily="49" charset="0"/>
+              </a:rPr>
+              <a:t>ListBox</a:t>
+            </a:r>
+            <a:r>
+              <a:rPr lang="en-US" dirty="0"/>
+              <a:t>, </a:t>
+            </a:r>
+            <a:r>
+              <a:rPr lang="en-US" b="1" dirty="0">
+                <a:latin typeface="Consolas" panose="020B0609020204030204" pitchFamily="49" charset="0"/>
+                <a:cs typeface="Consolas" panose="020B0609020204030204" pitchFamily="49" charset="0"/>
+              </a:rPr>
+              <a:t>ComboBox</a:t>
+            </a:r>
+            <a:r>
+              <a:rPr lang="en-US" dirty="0"/>
+              <a:t>, </a:t>
+            </a:r>
+            <a:r>
+              <a:rPr lang="en-US" b="1" dirty="0">
+                <a:latin typeface="Consolas" panose="020B0609020204030204" pitchFamily="49" charset="0"/>
+                <a:cs typeface="Consolas" panose="020B0609020204030204" pitchFamily="49" charset="0"/>
+              </a:rPr>
+              <a:t>CheckedListBox</a:t>
+            </a:r>
+            <a:r>
+              <a:rPr lang="bg-BG" b="1" dirty="0"/>
+              <a:t> </a:t>
+            </a:r>
+            <a:r>
+              <a:rPr lang="bg-BG" dirty="0"/>
+              <a:t>и други</a:t>
+            </a:r>
+            <a:endParaRPr lang="en-US" dirty="0"/>
+          </a:p>
+          <a:p>
+            <a:pPr lvl="2"/>
+            <a:endParaRPr lang="bg-BG" dirty="0"/>
+          </a:p>
+          <a:p>
+            <a:endParaRPr lang="en-BG" dirty="0"/>
+          </a:p>
+        </p:txBody>
+      </p:sp>
+      <p:sp>
+        <p:nvSpPr>
+          <p:cNvPr id="4" name="Title 3">
+            <a:extLst>
+              <a:ext uri="{FF2B5EF4-FFF2-40B4-BE49-F238E27FC236}">
+                <a16:creationId xmlns:a16="http://schemas.microsoft.com/office/drawing/2014/main" id="{E4E8930B-FFA6-DB7E-FFC0-6E4DBA0097D4}"/>
+              </a:ext>
+            </a:extLst>
+          </p:cNvPr>
+          <p:cNvSpPr>
+            <a:spLocks noGrp="1"/>
+          </p:cNvSpPr>
+          <p:nvPr>
+            <p:ph type="title"/>
+          </p:nvPr>
+        </p:nvSpPr>
+        <p:spPr/>
+        <p:txBody>
+          <a:bodyPr/>
+          <a:lstStyle/>
+          <a:p>
+            <a:r>
+              <a:rPr lang="bg-BG" dirty="0"/>
+              <a:t>Видове </a:t>
+            </a:r>
+            <a:r>
+              <a:rPr lang="en-US" dirty="0"/>
+              <a:t>Data Binding (1)</a:t>
+            </a:r>
+            <a:endParaRPr lang="en-BG" dirty="0"/>
+          </a:p>
+        </p:txBody>
+      </p:sp>
+    </p:spTree>
+    <p:extLst>
+      <p:ext uri="{BB962C8B-B14F-4D97-AF65-F5344CB8AC3E}">
+        <p14:creationId xmlns:p14="http://schemas.microsoft.com/office/powerpoint/2010/main" val="2710847587"/>
+      </p:ext>
+    </p:extLst>
+  </p:cSld>
+  <p:clrMapOvr>
+    <a:masterClrMapping/>
+  </p:clrMapOvr>
+  <mc:AlternateContent xmlns:mc="http://schemas.openxmlformats.org/markup-compatibility/2006" xmlns:p14="http://schemas.microsoft.com/office/powerpoint/2010/main">
+    <mc:Choice Requires="p14">
+      <p:transition spd="slow" p14:dur="2000" advClick="0" advTm="5000"/>
+    </mc:Choice>
+    <mc:Fallback xmlns="">
+      <p:transition spd="slow" advClick="0" advTm="5000"/>
+    </mc:Fallback>
+  </mc:AlternateContent>
+  <p:timing>
+    <p:tnLst>
+      <p:par>
+        <p:cTn id="1" dur="indefinite" restart="never" nodeType="tmRoot">
+          <p:childTnLst>
+            <p:seq concurrent="1" nextAc="seek">
+              <p:cTn id="2" dur="indefinite" nodeType="mainSeq">
+                <p:childTnLst>
                   <p:par>
-                    <p:cTn id="13" fill="hold">
+                    <p:cTn id="3" fill="hold">
                       <p:stCondLst>
                         <p:cond delay="indefinite"/>
                       </p:stCondLst>
                       <p:childTnLst>
                         <p:par>
-                          <p:cTn id="14" fill="hold">
+                          <p:cTn id="4" fill="hold">
                             <p:stCondLst>
                               <p:cond delay="0"/>
                             </p:stCondLst>
                             <p:childTnLst>
                               <p:par>
-                                <p:cTn id="15" presetID="1" presetClass="entr" presetSubtype="0" fill="hold" nodeType="clickEffect">
+                                <p:cTn id="5" presetID="1" presetClass="entr" presetSubtype="0" fill="hold" nodeType="clickEffect">
                                   <p:stCondLst>
                                     <p:cond delay="0"/>
                                   </p:stCondLst>
                                   <p:childTnLst>
                                     <p:set>
                                       <p:cBhvr>
-                                        <p:cTn id="16" dur="1" fill="hold">
+                                        <p:cTn id="6" dur="1" fill="hold">
+                                          <p:stCondLst>
+                                            <p:cond delay="0"/>
+                                          </p:stCondLst>
+                                        </p:cTn>
+                                        <p:tgtEl>
+                                          <p:spTgt spid="3">
+                                            <p:txEl>
+                                              <p:pRg st="2" end="2"/>
+                                            </p:txEl>
+                                          </p:spTgt>
+                                        </p:tgtEl>
+                                        <p:attrNameLst>
+                                          <p:attrName>style.visibility</p:attrName>
+                                        </p:attrNameLst>
+                                      </p:cBhvr>
+                                      <p:to>
+                                        <p:strVal val="visible"/>
+                                      </p:to>
+                                    </p:set>
+                                  </p:childTnLst>
+                                </p:cTn>
+                              </p:par>
+                            </p:childTnLst>
+                          </p:cTn>
+                        </p:par>
+                      </p:childTnLst>
+                    </p:cTn>
+                  </p:par>
+                  <p:par>
+                    <p:cTn id="7" fill="hold">
+                      <p:stCondLst>
+                        <p:cond delay="indefinite"/>
+                      </p:stCondLst>
+                      <p:childTnLst>
+                        <p:par>
+                          <p:cTn id="8" fill="hold">
+                            <p:stCondLst>
+                              <p:cond delay="0"/>
+                            </p:stCondLst>
+                            <p:childTnLst>
+                              <p:par>
+                                <p:cTn id="9" presetID="1" presetClass="entr" presetSubtype="0" fill="hold" nodeType="clickEffect">
+                                  <p:stCondLst>
+                                    <p:cond delay="0"/>
+                                  </p:stCondLst>
+                                  <p:childTnLst>
+                                    <p:set>
+                                      <p:cBhvr>
+                                        <p:cTn id="10" dur="1" fill="hold">
                                           <p:stCondLst>
                                             <p:cond delay="0"/>
                                           </p:stCondLst>
@@ -23488,14 +23875,14 @@
                                 </p:cTn>
                               </p:par>
                               <p:par>
-                                <p:cTn id="17" presetID="1" presetClass="entr" presetSubtype="0" fill="hold" nodeType="withEffect">
+                                <p:cTn id="11" presetID="1" presetClass="entr" presetSubtype="0" fill="hold" nodeType="withEffect">
                                   <p:stCondLst>
                                     <p:cond delay="0"/>
                                   </p:stCondLst>
                                   <p:childTnLst>
                                     <p:set>
                                       <p:cBhvr>
-                                        <p:cTn id="18" dur="1" fill="hold">
+                                        <p:cTn id="12" dur="1" fill="hold">
                                           <p:stCondLst>
                                             <p:cond delay="0"/>
                                           </p:stCondLst>
@@ -23525,26 +23912,26 @@
                     </p:cTn>
                   </p:par>
                   <p:par>
-                    <p:cTn id="19" fill="hold">
+                    <p:cTn id="13" fill="hold">
                       <p:stCondLst>
                         <p:cond delay="indefinite"/>
                       </p:stCondLst>
                       <p:childTnLst>
                         <p:par>
-                          <p:cTn id="20" fill="hold">
+                          <p:cTn id="14" fill="hold">
                             <p:stCondLst>
                               <p:cond delay="0"/>
                             </p:stCondLst>
                             <p:childTnLst>
                               <p:par>
-                                <p:cTn id="21" presetID="1" presetClass="entr" presetSubtype="0" fill="hold" nodeType="clickEffect">
+                                <p:cTn id="15" presetID="1" presetClass="entr" presetSubtype="0" fill="hold" nodeType="clickEffect">
                                   <p:stCondLst>
                                     <p:cond delay="0"/>
                                   </p:stCondLst>
                                   <p:childTnLst>
                                     <p:set>
                                       <p:cBhvr>
-                                        <p:cTn id="22" dur="1" fill="hold">
+                                        <p:cTn id="16" dur="1" fill="hold">
                                           <p:stCondLst>
                                             <p:cond delay="0"/>
                                           </p:stCondLst>
@@ -23568,14 +23955,14 @@
                                 </p:cTn>
                               </p:par>
                               <p:par>
-                                <p:cTn id="23" presetID="1" presetClass="entr" presetSubtype="0" fill="hold" nodeType="withEffect">
+                                <p:cTn id="17" presetID="1" presetClass="entr" presetSubtype="0" fill="hold" nodeType="withEffect">
                                   <p:stCondLst>
                                     <p:cond delay="0"/>
                                   </p:stCondLst>
                                   <p:childTnLst>
                                     <p:set>
                                       <p:cBhvr>
-                                        <p:cTn id="24" dur="1" fill="hold">
+                                        <p:cTn id="18" dur="1" fill="hold">
                                           <p:stCondLst>
                                             <p:cond delay="0"/>
                                           </p:stCondLst>
@@ -23678,37 +24065,6 @@
       </p:sp>
       <p:sp>
         <p:nvSpPr>
-          <p:cNvPr id="3" name="Text Placeholder 2">
-            <a:extLst>
-              <a:ext uri="{FF2B5EF4-FFF2-40B4-BE49-F238E27FC236}">
-                <a16:creationId xmlns:a16="http://schemas.microsoft.com/office/drawing/2014/main" id="{67B84AD4-994B-E119-9A9B-737D5B8FF13D}"/>
-              </a:ext>
-            </a:extLst>
-          </p:cNvPr>
-          <p:cNvSpPr>
-            <a:spLocks noGrp="1"/>
-          </p:cNvSpPr>
-          <p:nvPr>
-            <p:ph type="body" sz="quarter" idx="10"/>
-          </p:nvPr>
-        </p:nvSpPr>
-        <p:spPr/>
-        <p:txBody>
-          <a:bodyPr>
-            <a:normAutofit/>
-          </a:bodyPr>
-          <a:lstStyle/>
-          <a:p>
-            <a:pPr lvl="2"/>
-            <a:endParaRPr lang="bg-BG" dirty="0"/>
-          </a:p>
-          <a:p>
-            <a:endParaRPr lang="en-BG" dirty="0"/>
-          </a:p>
-        </p:txBody>
-      </p:sp>
-      <p:sp>
-        <p:nvSpPr>
           <p:cNvPr id="4" name="Title 3">
             <a:extLst>
               <a:ext uri="{FF2B5EF4-FFF2-40B4-BE49-F238E27FC236}">
@@ -23763,7 +24119,7 @@
           <p:nvPr/>
         </p:nvPicPr>
         <p:blipFill>
-          <a:blip r:embed="rId2">
+          <a:blip r:embed="rId3">
             <a:extLst>
               <a:ext uri="{28A0092B-C50C-407E-A947-70E740481C1C}">
                 <a14:useLocalDpi xmlns:a14="http://schemas.microsoft.com/office/drawing/2010/main" val="0"/>
@@ -23859,7 +24215,10 @@
             <a:r>
               <a:rPr lang="bg-BG" sz="2600" b="1" dirty="0">
                 <a:solidFill>
-                  <a:schemeClr val="accent1"/>
+                  <a:schemeClr val="accent1">
+                    <a:lumMod val="60000"/>
+                    <a:lumOff val="40000"/>
+                  </a:schemeClr>
                 </a:solidFill>
                 <a:effectLst>
                   <a:outerShdw blurRad="38100" dist="38100" dir="2700000" algn="tl">
@@ -23969,7 +24328,10 @@
             <a:r>
               <a:rPr lang="bg-BG" sz="2600" b="1" dirty="0">
                 <a:solidFill>
-                  <a:schemeClr val="accent1"/>
+                  <a:schemeClr val="accent1">
+                    <a:lumMod val="60000"/>
+                    <a:lumOff val="40000"/>
+                  </a:schemeClr>
                 </a:solidFill>
                 <a:effectLst>
                   <a:outerShdw blurRad="38100" dist="38100" dir="2700000" algn="tl">
@@ -24053,7 +24415,7 @@
                             </p:stCondLst>
                             <p:childTnLst>
                               <p:par>
-                                <p:cTn id="5" presetID="1" presetClass="entr" presetSubtype="0" fill="hold" grpId="0" nodeType="withEffect">
+                                <p:cTn id="5" presetID="1" presetClass="entr" presetSubtype="0" fill="hold" nodeType="withEffect">
                                   <p:stCondLst>
                                     <p:cond delay="0"/>
                                   </p:stCondLst>
@@ -24066,7 +24428,7 @@
                                           </p:stCondLst>
                                         </p:cTn>
                                         <p:tgtEl>
-                                          <p:spTgt spid="7"/>
+                                          <p:spTgt spid="6"/>
                                         </p:tgtEl>
                                         <p:attrNameLst>
                                           <p:attrName>style.visibility</p:attrName>
@@ -24079,15 +24441,33 @@
                                   </p:childTnLst>
                                 </p:cTn>
                               </p:par>
+                            </p:childTnLst>
+                          </p:cTn>
+                        </p:par>
+                      </p:childTnLst>
+                    </p:cTn>
+                  </p:par>
+                  <p:par>
+                    <p:cTn id="7" fill="hold">
+                      <p:stCondLst>
+                        <p:cond delay="indefinite"/>
+                      </p:stCondLst>
+                      <p:childTnLst>
+                        <p:par>
+                          <p:cTn id="8" fill="hold">
+                            <p:stCondLst>
+                              <p:cond delay="0"/>
+                            </p:stCondLst>
+                            <p:childTnLst>
                               <p:par>
-                                <p:cTn id="7" presetID="1" presetClass="entr" presetSubtype="0" fill="hold" grpId="0" nodeType="withEffect">
+                                <p:cTn id="9" presetID="1" presetClass="entr" presetSubtype="0" fill="hold" grpId="0" nodeType="clickEffect">
                                   <p:stCondLst>
                                     <p:cond delay="0"/>
                                   </p:stCondLst>
                                   <p:childTnLst>
                                     <p:set>
                                       <p:cBhvr>
-                                        <p:cTn id="8" dur="1" fill="hold">
+                                        <p:cTn id="10" dur="1" fill="hold">
                                           <p:stCondLst>
                                             <p:cond delay="0"/>
                                           </p:stCondLst>
@@ -24106,21 +24486,39 @@
                                   </p:childTnLst>
                                 </p:cTn>
                               </p:par>
+                            </p:childTnLst>
+                          </p:cTn>
+                        </p:par>
+                      </p:childTnLst>
+                    </p:cTn>
+                  </p:par>
+                  <p:par>
+                    <p:cTn id="11" fill="hold">
+                      <p:stCondLst>
+                        <p:cond delay="indefinite"/>
+                      </p:stCondLst>
+                      <p:childTnLst>
+                        <p:par>
+                          <p:cTn id="12" fill="hold">
+                            <p:stCondLst>
+                              <p:cond delay="0"/>
+                            </p:stCondLst>
+                            <p:childTnLst>
                               <p:par>
-                                <p:cTn id="9" presetID="1" presetClass="entr" presetSubtype="0" fill="hold" nodeType="withEffect">
+                                <p:cTn id="13" presetID="1" presetClass="entr" presetSubtype="0" fill="hold" grpId="0" nodeType="clickEffect">
                                   <p:stCondLst>
                                     <p:cond delay="0"/>
                                   </p:stCondLst>
                                   <p:childTnLst>
                                     <p:set>
                                       <p:cBhvr>
-                                        <p:cTn id="10" dur="1" fill="hold">
+                                        <p:cTn id="14" dur="1" fill="hold">
                                           <p:stCondLst>
                                             <p:cond delay="0"/>
                                           </p:stCondLst>
                                         </p:cTn>
                                         <p:tgtEl>
-                                          <p:spTgt spid="6"/>
+                                          <p:spTgt spid="7"/>
                                         </p:tgtEl>
                                         <p:attrNameLst>
                                           <p:attrName>style.visibility</p:attrName>
@@ -24165,6 +24563,11 @@
       <p:bldP spid="9" grpId="0" animBg="1"/>
     </p:bldLst>
   </p:timing>
+  <p:extLst>
+    <p:ext uri="{6950BFC3-D8DA-4A85-94F7-54DA5524770B}">
+      <p188:commentRel xmlns:p188="http://schemas.microsoft.com/office/powerpoint/2018/8/main" r:id="rId2"/>
+    </p:ext>
+  </p:extLst>
 </p:sld>
 </file>
 

--- a/Courses/Software-Sciences/Module-4-Information-Systems-New/05-Connecting-Windows-Forms-with-database/05-Connecting-Windows-Forms-with-database.pptx
+++ b/Courses/Software-Sciences/Module-4-Information-Systems-New/05-Connecting-Windows-Forms-with-database/05-Connecting-Windows-Forms-with-database.pptx
@@ -217,6 +217,7 @@
 
 <file path=ppt/authors.xml><?xml version="1.0" encoding="utf-8"?>
 <p188:authorLst xmlns:a="http://schemas.openxmlformats.org/drawingml/2006/main" xmlns:r="http://schemas.openxmlformats.org/officeDocument/2006/relationships" xmlns:p188="http://schemas.microsoft.com/office/powerpoint/2018/8/main">
+  <p188:author id="{B24AAD53-8AA6-8321-73F3-FE25FD6B3B5A}" name="Mirela Damyanova" initials="MD" userId="Mirela Damyanova" providerId="None"/>
   <p188:author id="{61328A60-1351-1658-BC09-0F9214BEF0FD}" name="Александрина Ю. Механджийска" initials="АМ" userId="S::am43953203@edu.mon.bg::60a33b73-667f-441e-9a53-8ce9df28dca4" providerId="AD"/>
 </p188:authorLst>
 </file>
@@ -233,6 +234,20 @@
       </ac:txMk>
     </ac:txMkLst>
     <p188:pos x="7162898" y="1762975"/>
+    <p188:replyLst>
+      <p188:reply id="{0B1A9695-0033-904C-8E31-BCA69A6C1B6C}" authorId="{B24AAD53-8AA6-8321-73F3-FE25FD6B3B5A}" created="2024-06-12T07:04:59.083">
+        <p188:txBody>
+          <a:bodyPr/>
+          <a:lstStyle/>
+          <a:p>
+            <a:r>
+              <a:rPr lang="en-BG"/>
+              <a:t>Done</a:t>
+            </a:r>
+          </a:p>
+        </p188:txBody>
+      </p188:reply>
+    </p188:replyLst>
     <p188:txBody>
       <a:bodyPr/>
       <a:lstStyle/>
@@ -255,6 +270,21 @@
       <pc:sldMk xmlns:pc="http://schemas.microsoft.com/office/powerpoint/2013/main/command" cId="2301534281" sldId="736"/>
       <ac:picMk id="6" creationId="{419C4793-13E9-32AD-9023-662E4966161D}"/>
     </ac:deMkLst>
+    <p188:pos x="4668725" y="74223"/>
+    <p188:replyLst>
+      <p188:reply id="{63718DF2-09D7-CF47-9050-7D38CB73F6F7}" authorId="{B24AAD53-8AA6-8321-73F3-FE25FD6B3B5A}" created="2024-06-12T06:54:04.693">
+        <p188:txBody>
+          <a:bodyPr/>
+          <a:lstStyle/>
+          <a:p>
+            <a:r>
+              <a:rPr lang="en-BG"/>
+              <a:t>Done</a:t>
+            </a:r>
+          </a:p>
+        </p188:txBody>
+      </p188:reply>
+    </p188:replyLst>
     <p188:txBody>
       <a:bodyPr/>
       <a:lstStyle/>
@@ -279,6 +309,21 @@
       <pc:sldMk xmlns:pc="http://schemas.microsoft.com/office/powerpoint/2013/main/command" cId="90754401" sldId="739"/>
       <ac:picMk id="6" creationId="{ED5D60A6-0690-7D20-9A2E-60F26F6905E0}"/>
     </ac:deMkLst>
+    <p188:replyLst>
+      <p188:reply id="{37DA1E3A-EB66-CF4F-A050-E2FED7C49796}" authorId="{B24AAD53-8AA6-8321-73F3-FE25FD6B3B5A}" created="2024-06-12T06:56:01.974">
+        <p188:txBody>
+          <a:bodyPr/>
+          <a:lstStyle/>
+          <a:p>
+            <a:r>
+              <a:rPr lang="en-BG"/>
+              <a:t>Done
+</a:t>
+            </a:r>
+          </a:p>
+        </p188:txBody>
+      </p188:reply>
+    </p188:replyLst>
     <p188:txBody>
       <a:bodyPr/>
       <a:lstStyle/>
@@ -387,7 +432,7 @@
           <a:p>
             <a:fld id="{4E087215-0C8F-4762-A664-737A353EC9A4}" type="datetimeFigureOut">
               <a:rPr lang="bg-BG" smtClean="0"/>
-              <a:t>27.05.24 г.</a:t>
+              <a:t>11.06.24 г.</a:t>
             </a:fld>
             <a:endParaRPr lang="bg-BG"/>
           </a:p>
@@ -583,7 +628,7 @@
           <a:p>
             <a:fld id="{72D84649-876A-46C9-8472-14CB09C070D8}" type="datetimeFigureOut">
               <a:rPr lang="en-US" smtClean="0"/>
-              <a:t>5/27/24</a:t>
+              <a:t>6/11/24</a:t>
             </a:fld>
             <a:endParaRPr lang="en-US"/>
           </a:p>
@@ -8068,8 +8113,8 @@
         </p:blipFill>
         <p:spPr>
           <a:xfrm>
-            <a:off x="607097" y="3054314"/>
-            <a:ext cx="1827780" cy="852701"/>
+            <a:off x="607097" y="3070787"/>
+            <a:ext cx="1827780" cy="819755"/>
           </a:xfrm>
           <a:prstGeom prst="rect">
             <a:avLst/>
@@ -9758,7 +9803,13 @@
             </a:r>
             <a:r>
               <a:rPr lang="bg-BG" sz="3000" dirty="0"/>
-              <a:t> -&gt;</a:t>
+              <a:t> </a:t>
+            </a:r>
+            <a:r>
+              <a:rPr lang="en-US" sz="2400" dirty="0">
+                <a:sym typeface="Wingdings" panose="05000000000000000000" pitchFamily="2" charset="2"/>
+              </a:rPr>
+              <a:t></a:t>
             </a:r>
             <a:r>
               <a:rPr lang="en-US" sz="3000" dirty="0"/>
@@ -13134,10 +13185,10 @@
       </p:sp>
       <p:pic>
         <p:nvPicPr>
-          <p:cNvPr id="6" name="Picture 5">
+          <p:cNvPr id="7" name="Picture 6">
             <a:extLst>
               <a:ext uri="{FF2B5EF4-FFF2-40B4-BE49-F238E27FC236}">
-                <a16:creationId xmlns:a16="http://schemas.microsoft.com/office/drawing/2014/main" id="{E34C1B73-3810-F2E4-598E-BEDC5084B3D2}"/>
+                <a16:creationId xmlns:a16="http://schemas.microsoft.com/office/drawing/2014/main" id="{B849A842-4594-9B88-46EC-1B8A990E7165}"/>
               </a:ext>
             </a:extLst>
           </p:cNvPr>
@@ -13159,8 +13210,8 @@
         </p:blipFill>
         <p:spPr>
           <a:xfrm>
-            <a:off x="7581000" y="1200672"/>
-            <a:ext cx="4005000" cy="4740901"/>
+            <a:off x="696001" y="4023463"/>
+            <a:ext cx="4545000" cy="2169205"/>
           </a:xfrm>
           <a:prstGeom prst="rect">
             <a:avLst/>
@@ -13174,6 +13225,102 @@
           </a:ln>
         </p:spPr>
       </p:pic>
+      <p:pic>
+        <p:nvPicPr>
+          <p:cNvPr id="9" name="Picture 8">
+            <a:extLst>
+              <a:ext uri="{FF2B5EF4-FFF2-40B4-BE49-F238E27FC236}">
+                <a16:creationId xmlns:a16="http://schemas.microsoft.com/office/drawing/2014/main" id="{7458D44D-8FB1-B9AC-4BD2-B014BCFECF9E}"/>
+              </a:ext>
+            </a:extLst>
+          </p:cNvPr>
+          <p:cNvPicPr>
+            <a:picLocks noChangeAspect="1"/>
+          </p:cNvPicPr>
+          <p:nvPr/>
+        </p:nvPicPr>
+        <p:blipFill>
+          <a:blip r:embed="rId4">
+            <a:extLst>
+              <a:ext uri="{28A0092B-C50C-407E-A947-70E740481C1C}">
+                <a14:useLocalDpi xmlns:a14="http://schemas.microsoft.com/office/drawing/2010/main" val="0"/>
+              </a:ext>
+            </a:extLst>
+          </a:blip>
+          <a:srcRect/>
+          <a:stretch/>
+        </p:blipFill>
+        <p:spPr>
+          <a:xfrm>
+            <a:off x="6949253" y="4023462"/>
+            <a:ext cx="4545001" cy="2169205"/>
+          </a:xfrm>
+          <a:prstGeom prst="rect">
+            <a:avLst/>
+          </a:prstGeom>
+          <a:ln>
+            <a:solidFill>
+              <a:schemeClr val="bg2">
+                <a:lumMod val="75000"/>
+              </a:schemeClr>
+            </a:solidFill>
+          </a:ln>
+        </p:spPr>
+      </p:pic>
+      <p:sp>
+        <p:nvSpPr>
+          <p:cNvPr id="10" name="Arrow: Right 10">
+            <a:extLst>
+              <a:ext uri="{FF2B5EF4-FFF2-40B4-BE49-F238E27FC236}">
+                <a16:creationId xmlns:a16="http://schemas.microsoft.com/office/drawing/2014/main" id="{37BE1655-7A86-C9DE-468F-86B2D76EB6DB}"/>
+              </a:ext>
+            </a:extLst>
+          </p:cNvPr>
+          <p:cNvSpPr/>
+          <p:nvPr/>
+        </p:nvSpPr>
+        <p:spPr>
+          <a:xfrm>
+            <a:off x="5508533" y="4673531"/>
+            <a:ext cx="1173187" cy="869066"/>
+          </a:xfrm>
+          <a:prstGeom prst="rightArrow">
+            <a:avLst/>
+          </a:prstGeom>
+          <a:solidFill>
+            <a:schemeClr val="tx1"/>
+          </a:solidFill>
+          <a:ln>
+            <a:solidFill>
+              <a:schemeClr val="tx1"/>
+            </a:solidFill>
+          </a:ln>
+        </p:spPr>
+        <p:style>
+          <a:lnRef idx="2">
+            <a:schemeClr val="accent1">
+              <a:shade val="50000"/>
+            </a:schemeClr>
+          </a:lnRef>
+          <a:fillRef idx="1">
+            <a:schemeClr val="accent1"/>
+          </a:fillRef>
+          <a:effectRef idx="0">
+            <a:schemeClr val="accent1"/>
+          </a:effectRef>
+          <a:fontRef idx="minor">
+            <a:schemeClr val="lt1"/>
+          </a:fontRef>
+        </p:style>
+        <p:txBody>
+          <a:bodyPr rtlCol="0" anchor="ctr"/>
+          <a:lstStyle/>
+          <a:p>
+            <a:pPr algn="ctr"/>
+            <a:endParaRPr lang="en-US" sz="2799"/>
+          </a:p>
+        </p:txBody>
+      </p:sp>
     </p:spTree>
     <p:extLst>
       <p:ext uri="{BB962C8B-B14F-4D97-AF65-F5344CB8AC3E}">
@@ -13277,39 +13424,21 @@
                                   </p:childTnLst>
                                 </p:cTn>
                               </p:par>
-                            </p:childTnLst>
-                          </p:cTn>
-                        </p:par>
-                      </p:childTnLst>
-                    </p:cTn>
-                  </p:par>
-                  <p:par>
-                    <p:cTn id="9" fill="hold">
-                      <p:stCondLst>
-                        <p:cond delay="indefinite"/>
-                      </p:stCondLst>
-                      <p:childTnLst>
-                        <p:par>
-                          <p:cTn id="10" fill="hold">
-                            <p:stCondLst>
-                              <p:cond delay="0"/>
-                            </p:stCondLst>
-                            <p:childTnLst>
                               <p:par>
-                                <p:cTn id="11" presetID="1" presetClass="entr" presetSubtype="0" fill="hold" nodeType="clickEffect">
+                                <p:cTn id="9" presetID="1" presetClass="entr" presetSubtype="0" fill="hold" nodeType="withEffect">
                                   <p:stCondLst>
                                     <p:cond delay="0"/>
                                   </p:stCondLst>
                                   <p:childTnLst>
                                     <p:set>
                                       <p:cBhvr>
-                                        <p:cTn id="12" dur="1" fill="hold">
+                                        <p:cTn id="10" dur="1" fill="hold">
                                           <p:stCondLst>
                                             <p:cond delay="0"/>
                                           </p:stCondLst>
                                         </p:cTn>
                                         <p:tgtEl>
-                                          <p:spTgt spid="6"/>
+                                          <p:spTgt spid="7"/>
                                         </p:tgtEl>
                                         <p:attrNameLst>
                                           <p:attrName>style.visibility</p:attrName>
@@ -13329,26 +13458,26 @@
                     </p:cTn>
                   </p:par>
                   <p:par>
-                    <p:cTn id="13" fill="hold">
+                    <p:cTn id="11" fill="hold">
                       <p:stCondLst>
                         <p:cond delay="indefinite"/>
                       </p:stCondLst>
                       <p:childTnLst>
                         <p:par>
-                          <p:cTn id="14" fill="hold">
+                          <p:cTn id="12" fill="hold">
                             <p:stCondLst>
                               <p:cond delay="0"/>
                             </p:stCondLst>
                             <p:childTnLst>
                               <p:par>
-                                <p:cTn id="15" presetID="1" presetClass="entr" presetSubtype="0" fill="hold" nodeType="clickEffect">
+                                <p:cTn id="13" presetID="1" presetClass="entr" presetSubtype="0" fill="hold" nodeType="clickEffect">
                                   <p:stCondLst>
                                     <p:cond delay="0"/>
                                   </p:stCondLst>
                                   <p:childTnLst>
                                     <p:set>
                                       <p:cBhvr>
-                                        <p:cTn id="16" dur="1" fill="hold">
+                                        <p:cTn id="14" dur="1" fill="hold">
                                           <p:stCondLst>
                                             <p:cond delay="0"/>
                                           </p:stCondLst>
@@ -13372,7 +13501,38 @@
                                 </p:cTn>
                               </p:par>
                               <p:par>
-                                <p:cTn id="17" presetID="1" presetClass="entr" presetSubtype="0" fill="hold" nodeType="withEffect">
+                                <p:cTn id="15" presetID="1" presetClass="entr" presetSubtype="0" fill="hold" nodeType="withEffect">
+                                  <p:stCondLst>
+                                    <p:cond delay="0"/>
+                                  </p:stCondLst>
+                                  <p:childTnLst>
+                                    <p:set>
+                                      <p:cBhvr>
+                                        <p:cTn id="16" dur="1" fill="hold">
+                                          <p:stCondLst>
+                                            <p:cond delay="0"/>
+                                          </p:stCondLst>
+                                        </p:cTn>
+                                        <p:tgtEl>
+                                          <p:spTgt spid="3">
+                                            <p:txEl>
+                                              <p:pRg st="3" end="3"/>
+                                            </p:txEl>
+                                          </p:spTgt>
+                                        </p:tgtEl>
+                                        <p:attrNameLst>
+                                          <p:attrName>style.visibility</p:attrName>
+                                        </p:attrNameLst>
+                                      </p:cBhvr>
+                                      <p:to>
+                                        <p:strVal val="visible"/>
+                                      </p:to>
+                                    </p:set>
+                                  </p:childTnLst>
+                                </p:cTn>
+                              </p:par>
+                              <p:par>
+                                <p:cTn id="17" presetID="1" presetClass="entr" presetSubtype="0" fill="hold" grpId="0" nodeType="withEffect">
                                   <p:stCondLst>
                                     <p:cond delay="0"/>
                                   </p:stCondLst>
@@ -13385,11 +13545,34 @@
                                           </p:stCondLst>
                                         </p:cTn>
                                         <p:tgtEl>
-                                          <p:spTgt spid="3">
-                                            <p:txEl>
-                                              <p:pRg st="3" end="3"/>
-                                            </p:txEl>
-                                          </p:spTgt>
+                                          <p:spTgt spid="10"/>
+                                        </p:tgtEl>
+                                        <p:attrNameLst>
+                                          <p:attrName>style.visibility</p:attrName>
+                                        </p:attrNameLst>
+                                      </p:cBhvr>
+                                      <p:to>
+                                        <p:strVal val="visible"/>
+                                      </p:to>
+                                    </p:set>
+                                  </p:childTnLst>
+                                </p:cTn>
+                              </p:par>
+                              <p:par>
+                                <p:cTn id="19" presetID="1" presetClass="entr" presetSubtype="0" fill="hold" nodeType="withEffect">
+                                  <p:stCondLst>
+                                    <p:cond delay="0"/>
+                                  </p:stCondLst>
+                                  <p:childTnLst>
+                                    <p:set>
+                                      <p:cBhvr>
+                                        <p:cTn id="20" dur="1" fill="hold">
+                                          <p:stCondLst>
+                                            <p:cond delay="0"/>
+                                          </p:stCondLst>
+                                        </p:cTn>
+                                        <p:tgtEl>
+                                          <p:spTgt spid="9"/>
                                         </p:tgtEl>
                                         <p:attrNameLst>
                                           <p:attrName>style.visibility</p:attrName>
@@ -13429,6 +13612,9 @@
         </p:cTn>
       </p:par>
     </p:tnLst>
+    <p:bldLst>
+      <p:bldP spid="10" grpId="0" animBg="1"/>
+    </p:bldLst>
   </p:timing>
   <p:extLst>
     <p:ext uri="{6950BFC3-D8DA-4A85-94F7-54DA5524770B}">
@@ -23047,7 +23233,12 @@
             <p:ph type="body" sz="quarter" idx="10"/>
           </p:nvPr>
         </p:nvSpPr>
-        <p:spPr/>
+        <p:spPr>
+          <a:xfrm>
+            <a:off x="190402" y="1196125"/>
+            <a:ext cx="5590598" cy="5528766"/>
+          </a:xfrm>
+        </p:spPr>
         <p:txBody>
           <a:bodyPr/>
           <a:lstStyle/>
@@ -23226,14 +23417,13 @@
               </a:ext>
             </a:extLst>
           </a:blip>
-          <a:stretch>
-            <a:fillRect/>
-          </a:stretch>
+          <a:srcRect/>
+          <a:stretch/>
         </p:blipFill>
         <p:spPr>
           <a:xfrm>
-            <a:off x="5241000" y="3106909"/>
-            <a:ext cx="4905000" cy="3545198"/>
+            <a:off x="5768030" y="1404000"/>
+            <a:ext cx="5985000" cy="3436254"/>
           </a:xfrm>
           <a:prstGeom prst="rect">
             <a:avLst/>
@@ -24126,14 +24316,13 @@
               </a:ext>
             </a:extLst>
           </a:blip>
-          <a:stretch>
-            <a:fillRect/>
-          </a:stretch>
+          <a:srcRect/>
+          <a:stretch/>
         </p:blipFill>
         <p:spPr>
           <a:xfrm>
-            <a:off x="2790545" y="1954692"/>
-            <a:ext cx="6610910" cy="3420000"/>
+            <a:off x="2686580" y="1765306"/>
+            <a:ext cx="6818839" cy="3915000"/>
           </a:xfrm>
           <a:prstGeom prst="rect">
             <a:avLst/>
@@ -24161,13 +24350,13 @@
         </p:nvSpPr>
         <p:spPr bwMode="auto">
           <a:xfrm>
-            <a:off x="9591767" y="1978308"/>
-            <a:ext cx="2160000" cy="1450692"/>
+            <a:off x="7609599" y="2484000"/>
+            <a:ext cx="4510845" cy="530182"/>
           </a:xfrm>
           <a:prstGeom prst="wedgeRoundRectCallout">
             <a:avLst>
-              <a:gd name="adj1" fmla="val -94027"/>
-              <a:gd name="adj2" fmla="val 38374"/>
+              <a:gd name="adj1" fmla="val -49062"/>
+              <a:gd name="adj2" fmla="val 138719"/>
               <a:gd name="adj3" fmla="val 16667"/>
             </a:avLst>
           </a:prstGeom>
@@ -24274,13 +24463,13 @@
         </p:nvSpPr>
         <p:spPr bwMode="auto">
           <a:xfrm>
-            <a:off x="291000" y="4734000"/>
-            <a:ext cx="2099474" cy="1439220"/>
+            <a:off x="190406" y="5929640"/>
+            <a:ext cx="4396551" cy="533648"/>
           </a:xfrm>
           <a:prstGeom prst="wedgeRoundRectCallout">
             <a:avLst>
-              <a:gd name="adj1" fmla="val 138853"/>
-              <a:gd name="adj2" fmla="val -60782"/>
+              <a:gd name="adj1" fmla="val 76458"/>
+              <a:gd name="adj2" fmla="val -156092"/>
               <a:gd name="adj3" fmla="val 16667"/>
             </a:avLst>
           </a:prstGeom>

--- a/Courses/Software-Sciences/Module-4-Information-Systems-New/05-Connecting-Windows-Forms-with-database/05-Connecting-Windows-Forms-with-database.pptx
+++ b/Courses/Software-Sciences/Module-4-Information-Systems-New/05-Connecting-Windows-Forms-with-database/05-Connecting-Windows-Forms-with-database.pptx
@@ -5,10 +5,10 @@
     <p:sldMasterId id="2147483675" r:id="rId1"/>
   </p:sldMasterIdLst>
   <p:notesMasterIdLst>
-    <p:notesMasterId r:id="rId32"/>
+    <p:notesMasterId r:id="rId33"/>
   </p:notesMasterIdLst>
   <p:handoutMasterIdLst>
-    <p:handoutMasterId r:id="rId33"/>
+    <p:handoutMasterId r:id="rId34"/>
   </p:handoutMasterIdLst>
   <p:sldIdLst>
     <p:sldId id="503" r:id="rId2"/>
@@ -33,14 +33,15 @@
     <p:sldId id="726" r:id="rId21"/>
     <p:sldId id="723" r:id="rId22"/>
     <p:sldId id="724" r:id="rId23"/>
-    <p:sldId id="725" r:id="rId24"/>
-    <p:sldId id="731" r:id="rId25"/>
-    <p:sldId id="729" r:id="rId26"/>
-    <p:sldId id="728" r:id="rId27"/>
-    <p:sldId id="722" r:id="rId28"/>
-    <p:sldId id="633" r:id="rId29"/>
-    <p:sldId id="504" r:id="rId30"/>
-    <p:sldId id="505" r:id="rId31"/>
+    <p:sldId id="740" r:id="rId24"/>
+    <p:sldId id="725" r:id="rId25"/>
+    <p:sldId id="731" r:id="rId26"/>
+    <p:sldId id="729" r:id="rId27"/>
+    <p:sldId id="728" r:id="rId28"/>
+    <p:sldId id="722" r:id="rId29"/>
+    <p:sldId id="633" r:id="rId30"/>
+    <p:sldId id="504" r:id="rId31"/>
+    <p:sldId id="505" r:id="rId32"/>
   </p:sldIdLst>
   <p:sldSz cx="12192000" cy="6858000"/>
   <p:notesSz cx="6858000" cy="9144000"/>
@@ -178,6 +179,7 @@
             <p14:sldId id="726"/>
             <p14:sldId id="723"/>
             <p14:sldId id="724"/>
+            <p14:sldId id="740"/>
             <p14:sldId id="725"/>
             <p14:sldId id="731"/>
             <p14:sldId id="729"/>
@@ -432,7 +434,7 @@
           <a:p>
             <a:fld id="{4E087215-0C8F-4762-A664-737A353EC9A4}" type="datetimeFigureOut">
               <a:rPr lang="bg-BG" smtClean="0"/>
-              <a:t>11.06.24 г.</a:t>
+              <a:t>12.06.24 г.</a:t>
             </a:fld>
             <a:endParaRPr lang="bg-BG"/>
           </a:p>
@@ -628,7 +630,7 @@
           <a:p>
             <a:fld id="{72D84649-876A-46C9-8472-14CB09C070D8}" type="datetimeFigureOut">
               <a:rPr lang="en-US" smtClean="0"/>
-              <a:t>6/11/24</a:t>
+              <a:t>6/12/24</a:t>
             </a:fld>
             <a:endParaRPr lang="en-US"/>
           </a:p>
@@ -2281,7 +2283,7 @@
             <a:fld id="{3EBA5BD7-F043-4D1B-AA17-CD412FC534DE}" type="slidenum">
               <a:rPr lang="en-US" smtClean="0"/>
               <a:pPr/>
-              <a:t>28</a:t>
+              <a:t>29</a:t>
             </a:fld>
             <a:endParaRPr lang="en-US" dirty="0"/>
           </a:p>
@@ -2527,7 +2529,7 @@
             <a:fld id="{3EBA5BD7-F043-4D1B-AA17-CD412FC534DE}" type="slidenum">
               <a:rPr lang="en-US" smtClean="0"/>
               <a:pPr/>
-              <a:t>29</a:t>
+              <a:t>30</a:t>
             </a:fld>
             <a:endParaRPr lang="en-US" dirty="0"/>
           </a:p>
@@ -2757,7 +2759,7 @@
             <a:fld id="{3EBA5BD7-F043-4D1B-AA17-CD412FC534DE}" type="slidenum">
               <a:rPr lang="en-US" smtClean="0"/>
               <a:pPr/>
-              <a:t>30</a:t>
+              <a:t>31</a:t>
             </a:fld>
             <a:endParaRPr lang="en-US" dirty="0"/>
           </a:p>
@@ -10321,14 +10323,13 @@
               </a:ext>
             </a:extLst>
           </a:blip>
-          <a:stretch>
-            <a:fillRect/>
-          </a:stretch>
+          <a:srcRect/>
+          <a:stretch/>
         </p:blipFill>
         <p:spPr>
           <a:xfrm>
-            <a:off x="2209800" y="465400"/>
-            <a:ext cx="7772400" cy="4182922"/>
+            <a:off x="2547455" y="465400"/>
+            <a:ext cx="7097090" cy="4182922"/>
           </a:xfrm>
           <a:prstGeom prst="rect">
             <a:avLst/>
@@ -10473,7 +10474,7 @@
               <a:t>, например "</a:t>
             </a:r>
             <a:r>
-              <a:rPr lang="en-US" sz="3200" b="1" dirty="0" err="1">
+              <a:rPr lang="en-US" sz="3200" b="1" dirty="0">
                 <a:solidFill>
                   <a:schemeClr val="bg1"/>
                 </a:solidFill>
@@ -11579,7 +11580,7 @@
               <a:t>→ </a:t>
             </a:r>
             <a:r>
-              <a:rPr lang="en-US" sz="2800" b="1" dirty="0" err="1">
+              <a:rPr lang="en-US" sz="2800" b="1" dirty="0">
                 <a:solidFill>
                   <a:schemeClr val="bg1"/>
                 </a:solidFill>
@@ -11791,25 +11792,123 @@
                 <a:latin typeface="Consolas" panose="020B0609020204030204" pitchFamily="49" charset="0"/>
                 <a:cs typeface="Consolas" panose="020B0609020204030204" pitchFamily="49" charset="0"/>
               </a:rPr>
-              <a:t>    (1, 'Laptop', 'Electronics'),</a:t>
-            </a:r>
-          </a:p>
-          <a:p>
+              <a:t>    (1, N'</a:t>
+            </a:r>
+            <a:r>
+              <a:rPr lang="bg-BG" b="1" dirty="0">
+                <a:latin typeface="Consolas" panose="020B0609020204030204" pitchFamily="49" charset="0"/>
+                <a:cs typeface="Consolas" panose="020B0609020204030204" pitchFamily="49" charset="0"/>
+              </a:rPr>
+              <a:t>Лаптоп', </a:t>
+            </a:r>
             <a:r>
               <a:rPr lang="en-GB" b="1" dirty="0">
                 <a:latin typeface="Consolas" panose="020B0609020204030204" pitchFamily="49" charset="0"/>
                 <a:cs typeface="Consolas" panose="020B0609020204030204" pitchFamily="49" charset="0"/>
               </a:rPr>
-              <a:t>    (2, 'Smartphone', 'Electronics'),</a:t>
-            </a:r>
-          </a:p>
-          <a:p>
+              <a:t>N'</a:t>
+            </a:r>
+            <a:r>
+              <a:rPr lang="bg-BG" b="1" dirty="0">
+                <a:latin typeface="Consolas" panose="020B0609020204030204" pitchFamily="49" charset="0"/>
+                <a:cs typeface="Consolas" panose="020B0609020204030204" pitchFamily="49" charset="0"/>
+              </a:rPr>
+              <a:t>Електроника’),</a:t>
+            </a:r>
+          </a:p>
+          <a:p>
+            <a:r>
+              <a:rPr lang="en-US" b="1" dirty="0">
+                <a:latin typeface="Consolas" panose="020B0609020204030204" pitchFamily="49" charset="0"/>
+                <a:cs typeface="Consolas" panose="020B0609020204030204" pitchFamily="49" charset="0"/>
+              </a:rPr>
+              <a:t>    </a:t>
+            </a:r>
+            <a:r>
+              <a:rPr lang="bg-BG" b="1" dirty="0">
+                <a:latin typeface="Consolas" panose="020B0609020204030204" pitchFamily="49" charset="0"/>
+                <a:cs typeface="Consolas" panose="020B0609020204030204" pitchFamily="49" charset="0"/>
+              </a:rPr>
+              <a:t>(2, </a:t>
+            </a:r>
             <a:r>
               <a:rPr lang="en-GB" b="1" dirty="0">
                 <a:latin typeface="Consolas" panose="020B0609020204030204" pitchFamily="49" charset="0"/>
                 <a:cs typeface="Consolas" panose="020B0609020204030204" pitchFamily="49" charset="0"/>
               </a:rPr>
-              <a:t>    (3, 'Desk', 'Furniture’),</a:t>
+              <a:t>N'</a:t>
+            </a:r>
+            <a:r>
+              <a:rPr lang="bg-BG" b="1" dirty="0">
+                <a:latin typeface="Consolas" panose="020B0609020204030204" pitchFamily="49" charset="0"/>
+                <a:cs typeface="Consolas" panose="020B0609020204030204" pitchFamily="49" charset="0"/>
+              </a:rPr>
+              <a:t>Смартфон', </a:t>
+            </a:r>
+            <a:r>
+              <a:rPr lang="en-GB" b="1" dirty="0">
+                <a:latin typeface="Consolas" panose="020B0609020204030204" pitchFamily="49" charset="0"/>
+                <a:cs typeface="Consolas" panose="020B0609020204030204" pitchFamily="49" charset="0"/>
+              </a:rPr>
+              <a:t>N'</a:t>
+            </a:r>
+            <a:r>
+              <a:rPr lang="bg-BG" b="1" dirty="0">
+                <a:latin typeface="Consolas" panose="020B0609020204030204" pitchFamily="49" charset="0"/>
+                <a:cs typeface="Consolas" panose="020B0609020204030204" pitchFamily="49" charset="0"/>
+              </a:rPr>
+              <a:t>Електроника'),</a:t>
+            </a:r>
+          </a:p>
+          <a:p>
+            <a:r>
+              <a:rPr lang="bg-BG" b="1" dirty="0">
+                <a:latin typeface="Consolas" panose="020B0609020204030204" pitchFamily="49" charset="0"/>
+                <a:cs typeface="Consolas" panose="020B0609020204030204" pitchFamily="49" charset="0"/>
+              </a:rPr>
+              <a:t> </a:t>
+            </a:r>
+            <a:r>
+              <a:rPr lang="en-US" b="1" dirty="0">
+                <a:latin typeface="Consolas" panose="020B0609020204030204" pitchFamily="49" charset="0"/>
+                <a:cs typeface="Consolas" panose="020B0609020204030204" pitchFamily="49" charset="0"/>
+              </a:rPr>
+              <a:t>   </a:t>
+            </a:r>
+            <a:r>
+              <a:rPr lang="bg-BG" b="1" dirty="0">
+                <a:latin typeface="Consolas" panose="020B0609020204030204" pitchFamily="49" charset="0"/>
+                <a:cs typeface="Consolas" panose="020B0609020204030204" pitchFamily="49" charset="0"/>
+              </a:rPr>
+              <a:t>(3, </a:t>
+            </a:r>
+            <a:r>
+              <a:rPr lang="en-GB" b="1" dirty="0">
+                <a:latin typeface="Consolas" panose="020B0609020204030204" pitchFamily="49" charset="0"/>
+                <a:cs typeface="Consolas" panose="020B0609020204030204" pitchFamily="49" charset="0"/>
+              </a:rPr>
+              <a:t>N'</a:t>
+            </a:r>
+            <a:r>
+              <a:rPr lang="bg-BG" b="1" dirty="0">
+                <a:latin typeface="Consolas" panose="020B0609020204030204" pitchFamily="49" charset="0"/>
+                <a:cs typeface="Consolas" panose="020B0609020204030204" pitchFamily="49" charset="0"/>
+              </a:rPr>
+              <a:t>Бюро', </a:t>
+            </a:r>
+            <a:r>
+              <a:rPr lang="en-GB" b="1" dirty="0">
+                <a:latin typeface="Consolas" panose="020B0609020204030204" pitchFamily="49" charset="0"/>
+                <a:cs typeface="Consolas" panose="020B0609020204030204" pitchFamily="49" charset="0"/>
+              </a:rPr>
+              <a:t>N'</a:t>
+            </a:r>
+            <a:r>
+              <a:rPr lang="bg-BG" b="1" dirty="0">
+                <a:latin typeface="Consolas" panose="020B0609020204030204" pitchFamily="49" charset="0"/>
+                <a:cs typeface="Consolas" panose="020B0609020204030204" pitchFamily="49" charset="0"/>
+              </a:rPr>
+              <a:t>Мебели'),</a:t>
             </a:r>
           </a:p>
           <a:p>
@@ -11850,8 +11949,8 @@
         </p:blipFill>
         <p:spPr>
           <a:xfrm>
-            <a:off x="7843586" y="1269000"/>
-            <a:ext cx="3385973" cy="5433305"/>
+            <a:off x="7882958" y="1269000"/>
+            <a:ext cx="3307229" cy="5433305"/>
           </a:xfrm>
           <a:prstGeom prst="rect">
             <a:avLst/>
@@ -16376,7 +16475,7 @@
             </a:r>
             <a:r>
               <a:rPr lang="en-US" sz="3200" dirty="0"/>
-              <a:t> </a:t>
+              <a:t> [</a:t>
             </a:r>
             <a:r>
               <a:rPr lang="en-US" sz="3200" b="1" dirty="0">
@@ -16385,6 +16484,10 @@
                 </a:solidFill>
               </a:rPr>
               <a:t>Edit Columns</a:t>
+            </a:r>
+            <a:r>
+              <a:rPr lang="en-US" sz="3200" dirty="0"/>
+              <a:t>]</a:t>
             </a:r>
           </a:p>
           <a:p>
@@ -16970,6 +17073,399 @@
               <a:rPr lang="en-US" noProof="0" smtClean="0"/>
               <a:pPr/>
               <a:t>23</a:t>
+            </a:fld>
+            <a:endParaRPr lang="en-US" noProof="0" dirty="0"/>
+          </a:p>
+        </p:txBody>
+      </p:sp>
+      <p:sp>
+        <p:nvSpPr>
+          <p:cNvPr id="3" name="Text Placeholder 2">
+            <a:extLst>
+              <a:ext uri="{FF2B5EF4-FFF2-40B4-BE49-F238E27FC236}">
+                <a16:creationId xmlns:a16="http://schemas.microsoft.com/office/drawing/2014/main" id="{70810851-4790-2FC0-3F9D-A1CF7D2C9A2E}"/>
+              </a:ext>
+            </a:extLst>
+          </p:cNvPr>
+          <p:cNvSpPr>
+            <a:spLocks noGrp="1"/>
+          </p:cNvSpPr>
+          <p:nvPr>
+            <p:ph type="body" sz="quarter" idx="10"/>
+          </p:nvPr>
+        </p:nvSpPr>
+        <p:spPr/>
+        <p:txBody>
+          <a:bodyPr/>
+          <a:lstStyle/>
+          <a:p>
+            <a:pPr>
+              <a:tabLst>
+                <a:tab pos="5991225" algn="l"/>
+              </a:tabLst>
+            </a:pPr>
+            <a:r>
+              <a:rPr lang="bg-BG" sz="3200" dirty="0"/>
+              <a:t>Променяме </a:t>
+            </a:r>
+            <a:r>
+              <a:rPr lang="bg-BG" sz="3200" b="1" dirty="0">
+                <a:solidFill>
+                  <a:schemeClr val="bg1"/>
+                </a:solidFill>
+              </a:rPr>
+              <a:t>имената</a:t>
+            </a:r>
+            <a:r>
+              <a:rPr lang="bg-BG" sz="3200" dirty="0"/>
+              <a:t> на </a:t>
+            </a:r>
+            <a:r>
+              <a:rPr lang="bg-BG" sz="3200" b="1" dirty="0"/>
+              <a:t>колоните</a:t>
+            </a:r>
+          </a:p>
+          <a:p>
+            <a:endParaRPr lang="bg-BG" dirty="0"/>
+          </a:p>
+          <a:p>
+            <a:endParaRPr lang="bg-BG" dirty="0"/>
+          </a:p>
+          <a:p>
+            <a:endParaRPr lang="en-BG" dirty="0"/>
+          </a:p>
+        </p:txBody>
+      </p:sp>
+      <p:sp>
+        <p:nvSpPr>
+          <p:cNvPr id="4" name="Title 3">
+            <a:extLst>
+              <a:ext uri="{FF2B5EF4-FFF2-40B4-BE49-F238E27FC236}">
+                <a16:creationId xmlns:a16="http://schemas.microsoft.com/office/drawing/2014/main" id="{A68D83C9-FB5D-2A19-030C-321D25436A47}"/>
+              </a:ext>
+            </a:extLst>
+          </p:cNvPr>
+          <p:cNvSpPr>
+            <a:spLocks noGrp="1"/>
+          </p:cNvSpPr>
+          <p:nvPr>
+            <p:ph type="title"/>
+          </p:nvPr>
+        </p:nvSpPr>
+        <p:spPr/>
+        <p:txBody>
+          <a:bodyPr/>
+          <a:lstStyle/>
+          <a:p>
+            <a:r>
+              <a:rPr lang="bg-BG" dirty="0"/>
+              <a:t>Преименуване на колони</a:t>
+            </a:r>
+            <a:endParaRPr lang="en-BG" dirty="0"/>
+          </a:p>
+        </p:txBody>
+      </p:sp>
+      <p:pic>
+        <p:nvPicPr>
+          <p:cNvPr id="6" name="Picture 5">
+            <a:extLst>
+              <a:ext uri="{FF2B5EF4-FFF2-40B4-BE49-F238E27FC236}">
+                <a16:creationId xmlns:a16="http://schemas.microsoft.com/office/drawing/2014/main" id="{1FE81A79-9D72-CA80-D4D2-58B9C3FF7394}"/>
+              </a:ext>
+            </a:extLst>
+          </p:cNvPr>
+          <p:cNvPicPr>
+            <a:picLocks noChangeAspect="1"/>
+          </p:cNvPicPr>
+          <p:nvPr/>
+        </p:nvPicPr>
+        <p:blipFill>
+          <a:blip r:embed="rId2">
+            <a:extLst>
+              <a:ext uri="{28A0092B-C50C-407E-A947-70E740481C1C}">
+                <a14:useLocalDpi xmlns:a14="http://schemas.microsoft.com/office/drawing/2010/main" val="0"/>
+              </a:ext>
+            </a:extLst>
+          </a:blip>
+          <a:srcRect/>
+          <a:stretch/>
+        </p:blipFill>
+        <p:spPr>
+          <a:xfrm>
+            <a:off x="6236443" y="1946003"/>
+            <a:ext cx="5259647" cy="3575321"/>
+          </a:xfrm>
+          <a:prstGeom prst="rect">
+            <a:avLst/>
+          </a:prstGeom>
+          <a:ln>
+            <a:solidFill>
+              <a:schemeClr val="bg2">
+                <a:lumMod val="75000"/>
+              </a:schemeClr>
+            </a:solidFill>
+          </a:ln>
+        </p:spPr>
+      </p:pic>
+      <p:pic>
+        <p:nvPicPr>
+          <p:cNvPr id="10" name="Picture 9">
+            <a:extLst>
+              <a:ext uri="{FF2B5EF4-FFF2-40B4-BE49-F238E27FC236}">
+                <a16:creationId xmlns:a16="http://schemas.microsoft.com/office/drawing/2014/main" id="{A0AC17E6-51BA-BA8C-4200-252ABB9CCB82}"/>
+              </a:ext>
+            </a:extLst>
+          </p:cNvPr>
+          <p:cNvPicPr>
+            <a:picLocks noChangeAspect="1"/>
+          </p:cNvPicPr>
+          <p:nvPr/>
+        </p:nvPicPr>
+        <p:blipFill>
+          <a:blip r:embed="rId3">
+            <a:extLst>
+              <a:ext uri="{28A0092B-C50C-407E-A947-70E740481C1C}">
+                <a14:useLocalDpi xmlns:a14="http://schemas.microsoft.com/office/drawing/2010/main" val="0"/>
+              </a:ext>
+            </a:extLst>
+          </a:blip>
+          <a:srcRect/>
+          <a:stretch/>
+        </p:blipFill>
+        <p:spPr>
+          <a:xfrm>
+            <a:off x="696000" y="1944000"/>
+            <a:ext cx="5259559" cy="3575259"/>
+          </a:xfrm>
+          <a:prstGeom prst="rect">
+            <a:avLst/>
+          </a:prstGeom>
+          <a:ln>
+            <a:solidFill>
+              <a:schemeClr val="bg2">
+                <a:lumMod val="75000"/>
+              </a:schemeClr>
+            </a:solidFill>
+          </a:ln>
+        </p:spPr>
+      </p:pic>
+    </p:spTree>
+    <p:extLst>
+      <p:ext uri="{BB962C8B-B14F-4D97-AF65-F5344CB8AC3E}">
+        <p14:creationId xmlns:p14="http://schemas.microsoft.com/office/powerpoint/2010/main" val="1704167151"/>
+      </p:ext>
+    </p:extLst>
+  </p:cSld>
+  <p:clrMapOvr>
+    <a:masterClrMapping/>
+  </p:clrMapOvr>
+  <mc:AlternateContent xmlns:mc="http://schemas.openxmlformats.org/markup-compatibility/2006" xmlns:p14="http://schemas.microsoft.com/office/powerpoint/2010/main">
+    <mc:Choice Requires="p14">
+      <p:transition spd="slow" p14:dur="2000" advClick="0" advTm="5000"/>
+    </mc:Choice>
+    <mc:Fallback xmlns="">
+      <p:transition spd="slow" advClick="0" advTm="5000"/>
+    </mc:Fallback>
+  </mc:AlternateContent>
+  <p:timing>
+    <p:tnLst>
+      <p:par>
+        <p:cTn id="1" dur="indefinite" restart="never" nodeType="tmRoot">
+          <p:childTnLst>
+            <p:seq concurrent="1" nextAc="seek">
+              <p:cTn id="2" dur="indefinite" nodeType="mainSeq">
+                <p:childTnLst>
+                  <p:par>
+                    <p:cTn id="3" fill="hold">
+                      <p:stCondLst>
+                        <p:cond delay="indefinite"/>
+                        <p:cond evt="onBegin" delay="0">
+                          <p:tn val="2"/>
+                        </p:cond>
+                      </p:stCondLst>
+                      <p:childTnLst>
+                        <p:par>
+                          <p:cTn id="4" fill="hold">
+                            <p:stCondLst>
+                              <p:cond delay="0"/>
+                            </p:stCondLst>
+                            <p:childTnLst>
+                              <p:par>
+                                <p:cTn id="5" presetID="1" presetClass="entr" presetSubtype="0" fill="hold" nodeType="withEffect">
+                                  <p:stCondLst>
+                                    <p:cond delay="0"/>
+                                  </p:stCondLst>
+                                  <p:childTnLst>
+                                    <p:set>
+                                      <p:cBhvr>
+                                        <p:cTn id="6" dur="1" fill="hold">
+                                          <p:stCondLst>
+                                            <p:cond delay="0"/>
+                                          </p:stCondLst>
+                                        </p:cTn>
+                                        <p:tgtEl>
+                                          <p:spTgt spid="6"/>
+                                        </p:tgtEl>
+                                        <p:attrNameLst>
+                                          <p:attrName>style.visibility</p:attrName>
+                                        </p:attrNameLst>
+                                      </p:cBhvr>
+                                      <p:to>
+                                        <p:strVal val="visible"/>
+                                      </p:to>
+                                    </p:set>
+                                  </p:childTnLst>
+                                </p:cTn>
+                              </p:par>
+                              <p:par>
+                                <p:cTn id="7" presetID="1" presetClass="entr" presetSubtype="0" fill="hold" nodeType="withEffect">
+                                  <p:stCondLst>
+                                    <p:cond delay="0"/>
+                                  </p:stCondLst>
+                                  <p:childTnLst>
+                                    <p:set>
+                                      <p:cBhvr>
+                                        <p:cTn id="8" dur="1" fill="hold">
+                                          <p:stCondLst>
+                                            <p:cond delay="0"/>
+                                          </p:stCondLst>
+                                        </p:cTn>
+                                        <p:tgtEl>
+                                          <p:spTgt spid="10"/>
+                                        </p:tgtEl>
+                                        <p:attrNameLst>
+                                          <p:attrName>style.visibility</p:attrName>
+                                        </p:attrNameLst>
+                                      </p:cBhvr>
+                                      <p:to>
+                                        <p:strVal val="visible"/>
+                                      </p:to>
+                                    </p:set>
+                                  </p:childTnLst>
+                                </p:cTn>
+                              </p:par>
+                            </p:childTnLst>
+                          </p:cTn>
+                        </p:par>
+                      </p:childTnLst>
+                    </p:cTn>
+                  </p:par>
+                  <p:par>
+                    <p:cTn id="9" fill="hold">
+                      <p:stCondLst>
+                        <p:cond delay="indefinite"/>
+                      </p:stCondLst>
+                      <p:childTnLst>
+                        <p:par>
+                          <p:cTn id="10" fill="hold">
+                            <p:stCondLst>
+                              <p:cond delay="0"/>
+                            </p:stCondLst>
+                            <p:childTnLst>
+                              <p:par>
+                                <p:cTn id="11" presetID="1" presetClass="entr" presetSubtype="0" fill="hold" nodeType="clickEffect">
+                                  <p:stCondLst>
+                                    <p:cond delay="0"/>
+                                  </p:stCondLst>
+                                  <p:childTnLst>
+                                    <p:set>
+                                      <p:cBhvr>
+                                        <p:cTn id="12" dur="1" fill="hold">
+                                          <p:stCondLst>
+                                            <p:cond delay="0"/>
+                                          </p:stCondLst>
+                                        </p:cTn>
+                                        <p:tgtEl>
+                                          <p:spTgt spid="3">
+                                            <p:txEl>
+                                              <p:pRg st="0" end="0"/>
+                                            </p:txEl>
+                                          </p:spTgt>
+                                        </p:tgtEl>
+                                        <p:attrNameLst>
+                                          <p:attrName>style.visibility</p:attrName>
+                                        </p:attrNameLst>
+                                      </p:cBhvr>
+                                      <p:to>
+                                        <p:strVal val="visible"/>
+                                      </p:to>
+                                    </p:set>
+                                  </p:childTnLst>
+                                </p:cTn>
+                              </p:par>
+                            </p:childTnLst>
+                          </p:cTn>
+                        </p:par>
+                      </p:childTnLst>
+                    </p:cTn>
+                  </p:par>
+                </p:childTnLst>
+              </p:cTn>
+              <p:prevCondLst>
+                <p:cond evt="onPrev" delay="0">
+                  <p:tgtEl>
+                    <p:sldTgt/>
+                  </p:tgtEl>
+                </p:cond>
+              </p:prevCondLst>
+              <p:nextCondLst>
+                <p:cond evt="onNext" delay="0">
+                  <p:tgtEl>
+                    <p:sldTgt/>
+                  </p:tgtEl>
+                </p:cond>
+              </p:nextCondLst>
+            </p:seq>
+          </p:childTnLst>
+        </p:cTn>
+      </p:par>
+    </p:tnLst>
+  </p:timing>
+</p:sld>
+</file>
+
+<file path=ppt/slides/slide24.xml><?xml version="1.0" encoding="utf-8"?>
+<p:sld xmlns:a="http://schemas.openxmlformats.org/drawingml/2006/main" xmlns:r="http://schemas.openxmlformats.org/officeDocument/2006/relationships" xmlns:p="http://schemas.openxmlformats.org/presentationml/2006/main">
+  <p:cSld>
+    <p:spTree>
+      <p:nvGrpSpPr>
+        <p:cNvPr id="1" name=""/>
+        <p:cNvGrpSpPr/>
+        <p:nvPr/>
+      </p:nvGrpSpPr>
+      <p:grpSpPr>
+        <a:xfrm>
+          <a:off x="0" y="0"/>
+          <a:ext cx="0" cy="0"/>
+          <a:chOff x="0" y="0"/>
+          <a:chExt cx="0" cy="0"/>
+        </a:xfrm>
+      </p:grpSpPr>
+      <p:sp>
+        <p:nvSpPr>
+          <p:cNvPr id="2" name="Slide Number Placeholder 1">
+            <a:extLst>
+              <a:ext uri="{FF2B5EF4-FFF2-40B4-BE49-F238E27FC236}">
+                <a16:creationId xmlns:a16="http://schemas.microsoft.com/office/drawing/2014/main" id="{F3AF87FF-1318-696E-CC00-2C2B6621789F}"/>
+              </a:ext>
+            </a:extLst>
+          </p:cNvPr>
+          <p:cNvSpPr>
+            <a:spLocks noGrp="1"/>
+          </p:cNvSpPr>
+          <p:nvPr>
+            <p:ph type="sldNum" sz="quarter" idx="5"/>
+          </p:nvPr>
+        </p:nvSpPr>
+        <p:spPr/>
+        <p:txBody>
+          <a:bodyPr/>
+          <a:lstStyle/>
+          <a:p>
+            <a:fld id="{2BF067CD-8E6B-4360-9AA8-C5DF2A48A6D1}" type="slidenum">
+              <a:rPr lang="en-US" noProof="0" smtClean="0"/>
+              <a:pPr/>
+              <a:t>24</a:t>
             </a:fld>
             <a:endParaRPr lang="en-US" noProof="0" dirty="0"/>
           </a:p>
@@ -17579,7 +18075,7 @@
 </p:sld>
 </file>
 
-<file path=ppt/slides/slide24.xml><?xml version="1.0" encoding="utf-8"?>
+<file path=ppt/slides/slide25.xml><?xml version="1.0" encoding="utf-8"?>
 <p:sld xmlns:a="http://schemas.openxmlformats.org/drawingml/2006/main" xmlns:r="http://schemas.openxmlformats.org/officeDocument/2006/relationships" xmlns:p="http://schemas.openxmlformats.org/presentationml/2006/main">
   <p:cSld>
     <p:spTree>
@@ -17620,7 +18116,7 @@
             <a:fld id="{2BF067CD-8E6B-4360-9AA8-C5DF2A48A6D1}" type="slidenum">
               <a:rPr lang="en-US" noProof="0" smtClean="0"/>
               <a:pPr/>
-              <a:t>24</a:t>
+              <a:t>25</a:t>
             </a:fld>
             <a:endParaRPr lang="en-US" noProof="0" dirty="0"/>
           </a:p>
@@ -18542,7 +19038,7 @@
 </p:sld>
 </file>
 
-<file path=ppt/slides/slide25.xml><?xml version="1.0" encoding="utf-8"?>
+<file path=ppt/slides/slide26.xml><?xml version="1.0" encoding="utf-8"?>
 <p:sld xmlns:a="http://schemas.openxmlformats.org/drawingml/2006/main" xmlns:r="http://schemas.openxmlformats.org/officeDocument/2006/relationships" xmlns:p="http://schemas.openxmlformats.org/presentationml/2006/main">
   <p:cSld>
     <p:spTree>
@@ -18583,7 +19079,7 @@
             <a:fld id="{2BF067CD-8E6B-4360-9AA8-C5DF2A48A6D1}" type="slidenum">
               <a:rPr lang="en-US" noProof="0" smtClean="0"/>
               <a:pPr/>
-              <a:t>25</a:t>
+              <a:t>26</a:t>
             </a:fld>
             <a:endParaRPr lang="en-US" noProof="0" dirty="0"/>
           </a:p>
@@ -19527,7 +20023,7 @@
 </p:sld>
 </file>
 
-<file path=ppt/slides/slide26.xml><?xml version="1.0" encoding="utf-8"?>
+<file path=ppt/slides/slide27.xml><?xml version="1.0" encoding="utf-8"?>
 <p:sld xmlns:a="http://schemas.openxmlformats.org/drawingml/2006/main" xmlns:r="http://schemas.openxmlformats.org/officeDocument/2006/relationships" xmlns:p="http://schemas.openxmlformats.org/presentationml/2006/main">
   <p:cSld>
     <p:spTree>
@@ -19568,7 +20064,7 @@
             <a:fld id="{2BF067CD-8E6B-4360-9AA8-C5DF2A48A6D1}" type="slidenum">
               <a:rPr lang="en-US" noProof="0" smtClean="0"/>
               <a:pPr/>
-              <a:t>26</a:t>
+              <a:t>27</a:t>
             </a:fld>
             <a:endParaRPr lang="en-US" noProof="0" dirty="0"/>
           </a:p>
@@ -20355,7 +20851,7 @@
 </p:sld>
 </file>
 
-<file path=ppt/slides/slide27.xml><?xml version="1.0" encoding="utf-8"?>
+<file path=ppt/slides/slide28.xml><?xml version="1.0" encoding="utf-8"?>
 <p:sld xmlns:a="http://schemas.openxmlformats.org/drawingml/2006/main" xmlns:r="http://schemas.openxmlformats.org/officeDocument/2006/relationships" xmlns:p="http://schemas.openxmlformats.org/presentationml/2006/main">
   <p:cSld>
     <p:spTree>
@@ -20396,7 +20892,7 @@
             <a:fld id="{2BF067CD-8E6B-4360-9AA8-C5DF2A48A6D1}" type="slidenum">
               <a:rPr lang="en-US" noProof="0" smtClean="0"/>
               <a:pPr/>
-              <a:t>27</a:t>
+              <a:t>28</a:t>
             </a:fld>
             <a:endParaRPr lang="en-US" noProof="0" dirty="0"/>
           </a:p>
@@ -20522,14 +21018,13 @@
               </a:ext>
             </a:extLst>
           </a:blip>
-          <a:stretch>
-            <a:fillRect/>
-          </a:stretch>
+          <a:srcRect/>
+          <a:stretch/>
         </p:blipFill>
         <p:spPr>
           <a:xfrm>
-            <a:off x="8301000" y="1633230"/>
-            <a:ext cx="2863968" cy="4873770"/>
+            <a:off x="8301000" y="1245143"/>
+            <a:ext cx="3098620" cy="5252206"/>
           </a:xfrm>
           <a:prstGeom prst="rect">
             <a:avLst/>
@@ -20565,14 +21060,13 @@
               </a:ext>
             </a:extLst>
           </a:blip>
-          <a:stretch>
-            <a:fillRect/>
-          </a:stretch>
+          <a:srcRect/>
+          <a:stretch/>
         </p:blipFill>
         <p:spPr>
           <a:xfrm>
-            <a:off x="287733" y="2259000"/>
-            <a:ext cx="7023720" cy="3780000"/>
+            <a:off x="667963" y="1976844"/>
+            <a:ext cx="6643489" cy="4175360"/>
           </a:xfrm>
           <a:prstGeom prst="rect">
             <a:avLst/>
@@ -20845,7 +21339,7 @@
 </p:sld>
 </file>
 
-<file path=ppt/slides/slide28.xml><?xml version="1.0" encoding="utf-8"?>
+<file path=ppt/slides/slide29.xml><?xml version="1.0" encoding="utf-8"?>
 <p:sld xmlns:a="http://schemas.openxmlformats.org/drawingml/2006/main" xmlns:r="http://schemas.openxmlformats.org/officeDocument/2006/relationships" xmlns:p="http://schemas.openxmlformats.org/presentationml/2006/main">
   <p:cSld>
     <p:spTree>
@@ -21618,7 +22112,7 @@
             <a:fld id="{2BF067CD-8E6B-4360-9AA8-C5DF2A48A6D1}" type="slidenum">
               <a:rPr lang="en-US" noProof="0" smtClean="0"/>
               <a:pPr/>
-              <a:t>28</a:t>
+              <a:t>29</a:t>
             </a:fld>
             <a:endParaRPr lang="en-US" noProof="0" dirty="0"/>
           </a:p>
@@ -22060,196 +22554,6 @@
 </p:sld>
 </file>
 
-<file path=ppt/slides/slide29.xml><?xml version="1.0" encoding="utf-8"?>
-<p:sld xmlns:a="http://schemas.openxmlformats.org/drawingml/2006/main" xmlns:r="http://schemas.openxmlformats.org/officeDocument/2006/relationships" xmlns:p="http://schemas.openxmlformats.org/presentationml/2006/main">
-  <p:cSld>
-    <p:spTree>
-      <p:nvGrpSpPr>
-        <p:cNvPr id="1" name=""/>
-        <p:cNvGrpSpPr/>
-        <p:nvPr/>
-      </p:nvGrpSpPr>
-      <p:grpSpPr>
-        <a:xfrm>
-          <a:off x="0" y="0"/>
-          <a:ext cx="0" cy="0"/>
-          <a:chOff x="0" y="0"/>
-          <a:chExt cx="0" cy="0"/>
-        </a:xfrm>
-      </p:grpSpPr>
-      <p:sp>
-        <p:nvSpPr>
-          <p:cNvPr id="5" name="Slide Title">
-            <a:extLst>
-              <a:ext uri="{FF2B5EF4-FFF2-40B4-BE49-F238E27FC236}">
-                <a16:creationId xmlns:a16="http://schemas.microsoft.com/office/drawing/2014/main" id="{FA0703FC-0F8F-4C80-A615-E4B381EC0E0C}"/>
-              </a:ext>
-            </a:extLst>
-          </p:cNvPr>
-          <p:cNvSpPr>
-            <a:spLocks noGrp="1"/>
-          </p:cNvSpPr>
-          <p:nvPr>
-            <p:ph type="title"/>
-          </p:nvPr>
-        </p:nvSpPr>
-        <p:spPr/>
-        <p:txBody>
-          <a:bodyPr/>
-          <a:lstStyle/>
-          <a:p>
-            <a:r>
-              <a:rPr lang="bg-BG" dirty="0"/>
-              <a:t>Въпроси</a:t>
-            </a:r>
-            <a:r>
-              <a:rPr lang="en-US" dirty="0"/>
-              <a:t>?</a:t>
-            </a:r>
-          </a:p>
-        </p:txBody>
-      </p:sp>
-      <p:sp>
-        <p:nvSpPr>
-          <p:cNvPr id="2" name="Rectangle Bottom Copyright">
-            <a:extLst>
-              <a:ext uri="{FF2B5EF4-FFF2-40B4-BE49-F238E27FC236}">
-                <a16:creationId xmlns:a16="http://schemas.microsoft.com/office/drawing/2014/main" id="{664812A4-2991-44D1-BFE9-32E55AADF8A5}"/>
-              </a:ext>
-            </a:extLst>
-          </p:cNvPr>
-          <p:cNvSpPr/>
-          <p:nvPr/>
-        </p:nvSpPr>
-        <p:spPr>
-          <a:xfrm>
-            <a:off x="111000" y="6454758"/>
-            <a:ext cx="11970000" cy="304242"/>
-          </a:xfrm>
-          <a:prstGeom prst="rect">
-            <a:avLst/>
-          </a:prstGeom>
-        </p:spPr>
-        <p:txBody>
-          <a:bodyPr wrap="square">
-            <a:noAutofit/>
-          </a:bodyPr>
-          <a:lstStyle/>
-          <a:p>
-            <a:pPr algn="ctr">
-              <a:lnSpc>
-                <a:spcPct val="100000"/>
-              </a:lnSpc>
-              <a:spcBef>
-                <a:spcPts val="0"/>
-              </a:spcBef>
-              <a:spcAft>
-                <a:spcPts val="0"/>
-              </a:spcAft>
-            </a:pPr>
-            <a:r>
-              <a:rPr lang="bg-BG" sz="1600" dirty="0">
-                <a:solidFill>
-                  <a:schemeClr val="bg2"/>
-                </a:solidFill>
-                <a:effectLst/>
-                <a:latin typeface="Calibri" panose="020F0502020204030204" pitchFamily="34" charset="0"/>
-                <a:ea typeface="Calibri" panose="020F0502020204030204" pitchFamily="34" charset="0"/>
-                <a:cs typeface="Arial" panose="020B0604020202020204" pitchFamily="34" charset="0"/>
-              </a:rPr>
-              <a:t>Проект "</a:t>
-            </a:r>
-            <a:r>
-              <a:rPr lang="bg-BG" sz="1600" dirty="0">
-                <a:solidFill>
-                  <a:schemeClr val="bg1">
-                    <a:lumMod val="20000"/>
-                    <a:lumOff val="80000"/>
-                  </a:schemeClr>
-                </a:solidFill>
-                <a:effectLst/>
-                <a:latin typeface="Calibri" panose="020F0502020204030204" pitchFamily="34" charset="0"/>
-                <a:ea typeface="Calibri" panose="020F0502020204030204" pitchFamily="34" charset="0"/>
-                <a:cs typeface="Arial" panose="020B0604020202020204" pitchFamily="34" charset="0"/>
-                <a:hlinkClick r:id="rId3">
-                  <a:extLst>
-                    <a:ext uri="{A12FA001-AC4F-418D-AE19-62706E023703}">
-                      <ahyp:hlinkClr xmlns:ahyp="http://schemas.microsoft.com/office/drawing/2018/hyperlinkcolor" val="tx"/>
-                    </a:ext>
-                  </a:extLst>
-                </a:hlinkClick>
-              </a:rPr>
-              <a:t>Отворено учебно съдържание по програмиране и ИТ</a:t>
-            </a:r>
-            <a:r>
-              <a:rPr lang="bg-BG" sz="1600" dirty="0">
-                <a:solidFill>
-                  <a:schemeClr val="bg2"/>
-                </a:solidFill>
-                <a:effectLst/>
-                <a:latin typeface="Calibri" panose="020F0502020204030204" pitchFamily="34" charset="0"/>
-                <a:ea typeface="Calibri" panose="020F0502020204030204" pitchFamily="34" charset="0"/>
-                <a:cs typeface="Arial" panose="020B0604020202020204" pitchFamily="34" charset="0"/>
-              </a:rPr>
-              <a:t>", СофтУни Фондация (лиценз </a:t>
-            </a:r>
-            <a:r>
-              <a:rPr lang="en-US" sz="1600" dirty="0">
-                <a:solidFill>
-                  <a:schemeClr val="bg2"/>
-                </a:solidFill>
-                <a:effectLst/>
-                <a:latin typeface="Calibri" panose="020F0502020204030204" pitchFamily="34" charset="0"/>
-                <a:ea typeface="Calibri" panose="020F0502020204030204" pitchFamily="34" charset="0"/>
-                <a:cs typeface="Arial" panose="020B0604020202020204" pitchFamily="34" charset="0"/>
-              </a:rPr>
-              <a:t>CC-BY-NC-SA</a:t>
-            </a:r>
-            <a:r>
-              <a:rPr lang="bg-BG" sz="1600" dirty="0">
-                <a:solidFill>
-                  <a:schemeClr val="bg2"/>
-                </a:solidFill>
-                <a:effectLst/>
-                <a:latin typeface="Calibri" panose="020F0502020204030204" pitchFamily="34" charset="0"/>
-                <a:ea typeface="Calibri" panose="020F0502020204030204" pitchFamily="34" charset="0"/>
-                <a:cs typeface="Arial" panose="020B0604020202020204" pitchFamily="34" charset="0"/>
-              </a:rPr>
-              <a:t>)</a:t>
-            </a:r>
-            <a:endParaRPr lang="bg-BG" sz="2400" dirty="0">
-              <a:solidFill>
-                <a:schemeClr val="bg2"/>
-              </a:solidFill>
-              <a:effectLst/>
-              <a:latin typeface="Calibri" panose="020F0502020204030204" pitchFamily="34" charset="0"/>
-              <a:ea typeface="Calibri" panose="020F0502020204030204" pitchFamily="34" charset="0"/>
-              <a:cs typeface="Arial" panose="020B0604020202020204" pitchFamily="34" charset="0"/>
-            </a:endParaRPr>
-          </a:p>
-        </p:txBody>
-      </p:sp>
-    </p:spTree>
-    <p:extLst>
-      <p:ext uri="{BB962C8B-B14F-4D97-AF65-F5344CB8AC3E}">
-        <p14:creationId xmlns:p14="http://schemas.microsoft.com/office/powerpoint/2010/main" val="1472534970"/>
-      </p:ext>
-    </p:extLst>
-  </p:cSld>
-  <p:clrMapOvr>
-    <a:masterClrMapping/>
-  </p:clrMapOvr>
-  <mc:AlternateContent xmlns:mc="http://schemas.openxmlformats.org/markup-compatibility/2006" xmlns:p14="http://schemas.microsoft.com/office/powerpoint/2010/main">
-    <mc:Choice Requires="p14">
-      <p:transition spd="slow" p14:dur="2000" advClick="0" advTm="5000"/>
-    </mc:Choice>
-    <mc:Fallback xmlns="">
-      <p:transition spd="slow" advClick="0" advTm="5000"/>
-    </mc:Fallback>
-  </mc:AlternateContent>
-</p:sld>
-</file>
-
 <file path=ppt/slides/slide3.xml><?xml version="1.0" encoding="utf-8"?>
 <p:sld xmlns:a="http://schemas.openxmlformats.org/drawingml/2006/main" xmlns:r="http://schemas.openxmlformats.org/officeDocument/2006/relationships" xmlns:p="http://schemas.openxmlformats.org/presentationml/2006/main">
   <p:cSld>
@@ -22408,6 +22712,196 @@
       </p:grpSpPr>
       <p:sp>
         <p:nvSpPr>
+          <p:cNvPr id="5" name="Slide Title">
+            <a:extLst>
+              <a:ext uri="{FF2B5EF4-FFF2-40B4-BE49-F238E27FC236}">
+                <a16:creationId xmlns:a16="http://schemas.microsoft.com/office/drawing/2014/main" id="{FA0703FC-0F8F-4C80-A615-E4B381EC0E0C}"/>
+              </a:ext>
+            </a:extLst>
+          </p:cNvPr>
+          <p:cNvSpPr>
+            <a:spLocks noGrp="1"/>
+          </p:cNvSpPr>
+          <p:nvPr>
+            <p:ph type="title"/>
+          </p:nvPr>
+        </p:nvSpPr>
+        <p:spPr/>
+        <p:txBody>
+          <a:bodyPr/>
+          <a:lstStyle/>
+          <a:p>
+            <a:r>
+              <a:rPr lang="bg-BG" dirty="0"/>
+              <a:t>Въпроси</a:t>
+            </a:r>
+            <a:r>
+              <a:rPr lang="en-US" dirty="0"/>
+              <a:t>?</a:t>
+            </a:r>
+          </a:p>
+        </p:txBody>
+      </p:sp>
+      <p:sp>
+        <p:nvSpPr>
+          <p:cNvPr id="2" name="Rectangle Bottom Copyright">
+            <a:extLst>
+              <a:ext uri="{FF2B5EF4-FFF2-40B4-BE49-F238E27FC236}">
+                <a16:creationId xmlns:a16="http://schemas.microsoft.com/office/drawing/2014/main" id="{664812A4-2991-44D1-BFE9-32E55AADF8A5}"/>
+              </a:ext>
+            </a:extLst>
+          </p:cNvPr>
+          <p:cNvSpPr/>
+          <p:nvPr/>
+        </p:nvSpPr>
+        <p:spPr>
+          <a:xfrm>
+            <a:off x="111000" y="6454758"/>
+            <a:ext cx="11970000" cy="304242"/>
+          </a:xfrm>
+          <a:prstGeom prst="rect">
+            <a:avLst/>
+          </a:prstGeom>
+        </p:spPr>
+        <p:txBody>
+          <a:bodyPr wrap="square">
+            <a:noAutofit/>
+          </a:bodyPr>
+          <a:lstStyle/>
+          <a:p>
+            <a:pPr algn="ctr">
+              <a:lnSpc>
+                <a:spcPct val="100000"/>
+              </a:lnSpc>
+              <a:spcBef>
+                <a:spcPts val="0"/>
+              </a:spcBef>
+              <a:spcAft>
+                <a:spcPts val="0"/>
+              </a:spcAft>
+            </a:pPr>
+            <a:r>
+              <a:rPr lang="bg-BG" sz="1600" dirty="0">
+                <a:solidFill>
+                  <a:schemeClr val="bg2"/>
+                </a:solidFill>
+                <a:effectLst/>
+                <a:latin typeface="Calibri" panose="020F0502020204030204" pitchFamily="34" charset="0"/>
+                <a:ea typeface="Calibri" panose="020F0502020204030204" pitchFamily="34" charset="0"/>
+                <a:cs typeface="Arial" panose="020B0604020202020204" pitchFamily="34" charset="0"/>
+              </a:rPr>
+              <a:t>Проект "</a:t>
+            </a:r>
+            <a:r>
+              <a:rPr lang="bg-BG" sz="1600" dirty="0">
+                <a:solidFill>
+                  <a:schemeClr val="bg1">
+                    <a:lumMod val="20000"/>
+                    <a:lumOff val="80000"/>
+                  </a:schemeClr>
+                </a:solidFill>
+                <a:effectLst/>
+                <a:latin typeface="Calibri" panose="020F0502020204030204" pitchFamily="34" charset="0"/>
+                <a:ea typeface="Calibri" panose="020F0502020204030204" pitchFamily="34" charset="0"/>
+                <a:cs typeface="Arial" panose="020B0604020202020204" pitchFamily="34" charset="0"/>
+                <a:hlinkClick r:id="rId3">
+                  <a:extLst>
+                    <a:ext uri="{A12FA001-AC4F-418D-AE19-62706E023703}">
+                      <ahyp:hlinkClr xmlns:ahyp="http://schemas.microsoft.com/office/drawing/2018/hyperlinkcolor" val="tx"/>
+                    </a:ext>
+                  </a:extLst>
+                </a:hlinkClick>
+              </a:rPr>
+              <a:t>Отворено учебно съдържание по програмиране и ИТ</a:t>
+            </a:r>
+            <a:r>
+              <a:rPr lang="bg-BG" sz="1600" dirty="0">
+                <a:solidFill>
+                  <a:schemeClr val="bg2"/>
+                </a:solidFill>
+                <a:effectLst/>
+                <a:latin typeface="Calibri" panose="020F0502020204030204" pitchFamily="34" charset="0"/>
+                <a:ea typeface="Calibri" panose="020F0502020204030204" pitchFamily="34" charset="0"/>
+                <a:cs typeface="Arial" panose="020B0604020202020204" pitchFamily="34" charset="0"/>
+              </a:rPr>
+              <a:t>", СофтУни Фондация (лиценз </a:t>
+            </a:r>
+            <a:r>
+              <a:rPr lang="en-US" sz="1600" dirty="0">
+                <a:solidFill>
+                  <a:schemeClr val="bg2"/>
+                </a:solidFill>
+                <a:effectLst/>
+                <a:latin typeface="Calibri" panose="020F0502020204030204" pitchFamily="34" charset="0"/>
+                <a:ea typeface="Calibri" panose="020F0502020204030204" pitchFamily="34" charset="0"/>
+                <a:cs typeface="Arial" panose="020B0604020202020204" pitchFamily="34" charset="0"/>
+              </a:rPr>
+              <a:t>CC-BY-NC-SA</a:t>
+            </a:r>
+            <a:r>
+              <a:rPr lang="bg-BG" sz="1600" dirty="0">
+                <a:solidFill>
+                  <a:schemeClr val="bg2"/>
+                </a:solidFill>
+                <a:effectLst/>
+                <a:latin typeface="Calibri" panose="020F0502020204030204" pitchFamily="34" charset="0"/>
+                <a:ea typeface="Calibri" panose="020F0502020204030204" pitchFamily="34" charset="0"/>
+                <a:cs typeface="Arial" panose="020B0604020202020204" pitchFamily="34" charset="0"/>
+              </a:rPr>
+              <a:t>)</a:t>
+            </a:r>
+            <a:endParaRPr lang="bg-BG" sz="2400" dirty="0">
+              <a:solidFill>
+                <a:schemeClr val="bg2"/>
+              </a:solidFill>
+              <a:effectLst/>
+              <a:latin typeface="Calibri" panose="020F0502020204030204" pitchFamily="34" charset="0"/>
+              <a:ea typeface="Calibri" panose="020F0502020204030204" pitchFamily="34" charset="0"/>
+              <a:cs typeface="Arial" panose="020B0604020202020204" pitchFamily="34" charset="0"/>
+            </a:endParaRPr>
+          </a:p>
+        </p:txBody>
+      </p:sp>
+    </p:spTree>
+    <p:extLst>
+      <p:ext uri="{BB962C8B-B14F-4D97-AF65-F5344CB8AC3E}">
+        <p14:creationId xmlns:p14="http://schemas.microsoft.com/office/powerpoint/2010/main" val="1472534970"/>
+      </p:ext>
+    </p:extLst>
+  </p:cSld>
+  <p:clrMapOvr>
+    <a:masterClrMapping/>
+  </p:clrMapOvr>
+  <mc:AlternateContent xmlns:mc="http://schemas.openxmlformats.org/markup-compatibility/2006" xmlns:p14="http://schemas.microsoft.com/office/powerpoint/2010/main">
+    <mc:Choice Requires="p14">
+      <p:transition spd="slow" p14:dur="2000" advClick="0" advTm="5000"/>
+    </mc:Choice>
+    <mc:Fallback xmlns="">
+      <p:transition spd="slow" advClick="0" advTm="5000"/>
+    </mc:Fallback>
+  </mc:AlternateContent>
+</p:sld>
+</file>
+
+<file path=ppt/slides/slide31.xml><?xml version="1.0" encoding="utf-8"?>
+<p:sld xmlns:a="http://schemas.openxmlformats.org/drawingml/2006/main" xmlns:r="http://schemas.openxmlformats.org/officeDocument/2006/relationships" xmlns:p="http://schemas.openxmlformats.org/presentationml/2006/main">
+  <p:cSld>
+    <p:spTree>
+      <p:nvGrpSpPr>
+        <p:cNvPr id="1" name=""/>
+        <p:cNvGrpSpPr/>
+        <p:nvPr/>
+      </p:nvGrpSpPr>
+      <p:grpSpPr>
+        <a:xfrm>
+          <a:off x="0" y="0"/>
+          <a:ext cx="0" cy="0"/>
+          <a:chOff x="0" y="0"/>
+          <a:chExt cx="0" cy="0"/>
+        </a:xfrm>
+      </p:grpSpPr>
+      <p:sp>
+        <p:nvSpPr>
           <p:cNvPr id="5" name="Slide Number">
             <a:extLst>
               <a:ext uri="{FF2B5EF4-FFF2-40B4-BE49-F238E27FC236}">
@@ -22442,7 +22936,7 @@
             <a:fld id="{2BF067CD-8E6B-4360-9AA8-C5DF2A48A6D1}" type="slidenum">
               <a:rPr lang="en-US" smtClean="0"/>
               <a:pPr/>
-              <a:t>30</a:t>
+              <a:t>31</a:t>
             </a:fld>
             <a:endParaRPr lang="en-US" dirty="0"/>
           </a:p>
@@ -25090,14 +25584,13 @@
               </a:ext>
             </a:extLst>
           </a:blip>
-          <a:stretch>
-            <a:fillRect/>
-          </a:stretch>
+          <a:srcRect/>
+          <a:stretch/>
         </p:blipFill>
         <p:spPr>
           <a:xfrm>
-            <a:off x="3278201" y="3429000"/>
-            <a:ext cx="5635598" cy="2850756"/>
+            <a:off x="3278201" y="3673736"/>
+            <a:ext cx="5635598" cy="2361284"/>
           </a:xfrm>
           <a:prstGeom prst="rect">
             <a:avLst/>

--- a/Courses/Software-Sciences/Module-4-Information-Systems-New/05-Connecting-Windows-Forms-with-database/05-Connecting-Windows-Forms-with-database.pptx
+++ b/Courses/Software-Sciences/Module-4-Information-Systems-New/05-Connecting-Windows-Forms-with-database/05-Connecting-Windows-Forms-with-database.pptx
@@ -434,7 +434,7 @@
           <a:p>
             <a:fld id="{4E087215-0C8F-4762-A664-737A353EC9A4}" type="datetimeFigureOut">
               <a:rPr lang="bg-BG" smtClean="0"/>
-              <a:t>12.06.24 г.</a:t>
+              <a:t>17.06.24 г.</a:t>
             </a:fld>
             <a:endParaRPr lang="bg-BG"/>
           </a:p>
@@ -630,7 +630,7 @@
           <a:p>
             <a:fld id="{72D84649-876A-46C9-8472-14CB09C070D8}" type="datetimeFigureOut">
               <a:rPr lang="en-US" smtClean="0"/>
-              <a:t>6/12/24</a:t>
+              <a:t>6/17/24</a:t>
             </a:fld>
             <a:endParaRPr lang="en-US"/>
           </a:p>
@@ -7926,7 +7926,7 @@
           <a:p>
             <a:r>
               <a:rPr lang="bg-BG" dirty="0"/>
-              <a:t>Курс “Информационни системи"</a:t>
+              <a:t>Курс "Информационни системи"</a:t>
             </a:r>
             <a:endParaRPr lang="en-US" dirty="0"/>
           </a:p>
@@ -8260,7 +8260,7 @@
           <a:lstStyle/>
           <a:p>
             <a:r>
-              <a:rPr lang="en-US" sz="3200" b="1" dirty="0" err="1">
+              <a:rPr lang="en-US" sz="3200" b="1" dirty="0">
                 <a:solidFill>
                   <a:schemeClr val="bg1"/>
                 </a:solidFill>
@@ -8349,8 +8349,12 @@
               <a:t>Разрешава</a:t>
             </a:r>
             <a:r>
+              <a:rPr lang="en-US" sz="3000" b="1" dirty="0"/>
+              <a:t> </a:t>
+            </a:r>
+            <a:r>
               <a:rPr lang="en-US" sz="3000" dirty="0"/>
-              <a:t>/</a:t>
+              <a:t>/ </a:t>
             </a:r>
             <a:r>
               <a:rPr lang="bg-BG" sz="3000" b="1" dirty="0"/>
@@ -9815,7 +9819,7 @@
             </a:r>
             <a:r>
               <a:rPr lang="en-US" sz="3000" dirty="0"/>
-              <a:t> [</a:t>
+              <a:t> </a:t>
             </a:r>
             <a:r>
               <a:rPr lang="en-US" sz="3000" b="1" dirty="0">
@@ -9823,11 +9827,7 @@
                   <a:schemeClr val="bg1"/>
                 </a:solidFill>
               </a:rPr>
-              <a:t>Edit Columns</a:t>
-            </a:r>
-            <a:r>
-              <a:rPr lang="en-US" sz="3000" dirty="0"/>
-              <a:t>]</a:t>
+              <a:t>[Edit Columns]</a:t>
             </a:r>
           </a:p>
         </p:txBody>
@@ -10969,7 +10969,7 @@
             </a:r>
             <a:r>
               <a:rPr lang="en-US" sz="2800" dirty="0"/>
-              <a:t> → [</a:t>
+              <a:t> → </a:t>
             </a:r>
             <a:r>
               <a:rPr lang="en-US" sz="2800" b="1" dirty="0">
@@ -10977,13 +10977,13 @@
                   <a:schemeClr val="bg1"/>
                 </a:solidFill>
               </a:rPr>
-              <a:t>Connect to Database</a:t>
-            </a:r>
-            <a:r>
-              <a:rPr lang="en-US" sz="2800" dirty="0"/>
-              <a:t>]</a:t>
-            </a:r>
-            <a:endParaRPr lang="bg-BG" sz="2800" dirty="0"/>
+              <a:t>[Connect to Database]</a:t>
+            </a:r>
+            <a:endParaRPr lang="bg-BG" sz="2800" b="1" dirty="0">
+              <a:solidFill>
+                <a:schemeClr val="bg1"/>
+              </a:solidFill>
+            </a:endParaRPr>
           </a:p>
           <a:p>
             <a:r>
@@ -11597,25 +11597,8 @@
                   <a:schemeClr val="bg1"/>
                 </a:solidFill>
               </a:rPr>
-              <a:t> </a:t>
-            </a:r>
-            <a:r>
-              <a:rPr lang="en-US" sz="2800" dirty="0"/>
-              <a:t>[</a:t>
-            </a:r>
-            <a:r>
-              <a:rPr lang="en-US" sz="2800" b="1" dirty="0">
-                <a:solidFill>
-                  <a:schemeClr val="bg1"/>
-                </a:solidFill>
-              </a:rPr>
-              <a:t>New Query</a:t>
-            </a:r>
-            <a:r>
-              <a:rPr lang="en-US" sz="2800" dirty="0"/>
-              <a:t>]</a:t>
-            </a:r>
-            <a:endParaRPr lang="en-US" sz="2800" b="1" dirty="0"/>
+              <a:t> [New Query]</a:t>
+            </a:r>
           </a:p>
           <a:p>
             <a:r>
@@ -15149,7 +15132,11 @@
               <a:t>→ </a:t>
             </a:r>
             <a:r>
-              <a:rPr lang="en-US" sz="3200" dirty="0"/>
+              <a:rPr lang="en-US" sz="3200" b="1" dirty="0">
+                <a:solidFill>
+                  <a:schemeClr val="bg1"/>
+                </a:solidFill>
+              </a:rPr>
               <a:t>[</a:t>
             </a:r>
             <a:r>
@@ -15161,7 +15148,11 @@
               <a:t>Add new Object</a:t>
             </a:r>
             <a:r>
-              <a:rPr lang="en-US" sz="3200" dirty="0"/>
+              <a:rPr lang="en-US" sz="3200" b="1" dirty="0">
+                <a:solidFill>
+                  <a:schemeClr val="bg1"/>
+                </a:solidFill>
+              </a:rPr>
               <a:t>]</a:t>
             </a:r>
             <a:endParaRPr lang="en-BG" sz="3200" b="1" dirty="0">
@@ -15732,18 +15723,14 @@
             </a:r>
             <a:r>
               <a:rPr lang="bg-BG" sz="3000" dirty="0"/>
-              <a:t> и </a:t>
-            </a:r>
-            <a:r>
-              <a:rPr lang="bg-BG" sz="3000" dirty="0" err="1"/>
-              <a:t>кликаме</a:t>
-            </a:r>
-            <a:r>
-              <a:rPr lang="bg-BG" sz="3000" dirty="0"/>
-              <a:t> </a:t>
-            </a:r>
-            <a:r>
-              <a:rPr lang="en-US" sz="3000" dirty="0"/>
+              <a:t> и кликаме </a:t>
+            </a:r>
+            <a:r>
+              <a:rPr lang="en-US" sz="3000" b="1" dirty="0">
+                <a:solidFill>
+                  <a:schemeClr val="bg1"/>
+                </a:solidFill>
+              </a:rPr>
               <a:t>[OK]</a:t>
             </a:r>
             <a:r>
@@ -16475,7 +16462,7 @@
             </a:r>
             <a:r>
               <a:rPr lang="en-US" sz="3200" dirty="0"/>
-              <a:t> [</a:t>
+              <a:t> </a:t>
             </a:r>
             <a:r>
               <a:rPr lang="en-US" sz="3200" b="1" dirty="0">
@@ -16483,11 +16470,7 @@
                   <a:schemeClr val="bg1"/>
                 </a:solidFill>
               </a:rPr>
-              <a:t>Edit Columns</a:t>
-            </a:r>
-            <a:r>
-              <a:rPr lang="en-US" sz="3200" dirty="0"/>
-              <a:t>]</a:t>
+              <a:t>[Edit Columns]</a:t>
             </a:r>
           </a:p>
           <a:p>
@@ -17517,16 +17500,18 @@
               <a:t>С десен бутон на </a:t>
             </a:r>
             <a:r>
-              <a:rPr lang="en-US" sz="3000" b="1" dirty="0" err="1">
+              <a:rPr lang="en-US" sz="3000" b="1" dirty="0">
                 <a:solidFill>
                   <a:schemeClr val="bg1"/>
                 </a:solidFill>
+                <a:latin typeface="Consolas" panose="020B0609020204030204" pitchFamily="49" charset="0"/>
+                <a:cs typeface="Consolas" panose="020B0609020204030204" pitchFamily="49" charset="0"/>
               </a:rPr>
               <a:t>FormStoreProducts</a:t>
             </a:r>
             <a:r>
               <a:rPr lang="en-US" sz="3000" dirty="0"/>
-              <a:t> → [</a:t>
+              <a:t> → </a:t>
             </a:r>
             <a:r>
               <a:rPr lang="en-US" sz="3000" b="1" dirty="0">
@@ -17534,11 +17519,7 @@
                   <a:schemeClr val="bg1"/>
                 </a:solidFill>
               </a:rPr>
-              <a:t>View Code</a:t>
-            </a:r>
-            <a:r>
-              <a:rPr lang="en-US" sz="3000" dirty="0"/>
-              <a:t>]</a:t>
+              <a:t>[View Code]</a:t>
             </a:r>
             <a:endParaRPr lang="bg-BG" sz="3000" b="1" dirty="0">
               <a:solidFill>
@@ -20936,7 +20917,7 @@
               <a:t>приложението с </a:t>
             </a:r>
             <a:r>
-              <a:rPr lang="bg-BG" sz="3600" dirty="0">
+              <a:rPr lang="bg-BG" sz="3600" b="1" dirty="0">
                 <a:solidFill>
                   <a:schemeClr val="bg1"/>
                 </a:solidFill>
@@ -20949,15 +20930,7 @@
                   <a:schemeClr val="bg1"/>
                 </a:solidFill>
               </a:rPr>
-              <a:t>Ctrl+F5</a:t>
-            </a:r>
-            <a:r>
-              <a:rPr lang="en-US" sz="3600" dirty="0">
-                <a:solidFill>
-                  <a:schemeClr val="bg1"/>
-                </a:solidFill>
-              </a:rPr>
-              <a:t>]</a:t>
+              <a:t>Ctrl+F5]</a:t>
             </a:r>
             <a:endParaRPr lang="en-BG" sz="3600" b="1" dirty="0">
               <a:solidFill>

--- a/Courses/Software-Sciences/Module-4-Information-Systems-New/05-Connecting-Windows-Forms-with-database/05-Connecting-Windows-Forms-with-database.pptx
+++ b/Courses/Software-Sciences/Module-4-Information-Systems-New/05-Connecting-Windows-Forms-with-database/05-Connecting-Windows-Forms-with-database.pptx
@@ -5,10 +5,10 @@
     <p:sldMasterId id="2147483675" r:id="rId1"/>
   </p:sldMasterIdLst>
   <p:notesMasterIdLst>
-    <p:notesMasterId r:id="rId33"/>
+    <p:notesMasterId r:id="rId34"/>
   </p:notesMasterIdLst>
   <p:handoutMasterIdLst>
-    <p:handoutMasterId r:id="rId34"/>
+    <p:handoutMasterId r:id="rId35"/>
   </p:handoutMasterIdLst>
   <p:sldIdLst>
     <p:sldId id="503" r:id="rId2"/>
@@ -25,23 +25,24 @@
     <p:sldId id="737" r:id="rId13"/>
     <p:sldId id="649" r:id="rId14"/>
     <p:sldId id="707" r:id="rId15"/>
-    <p:sldId id="708" r:id="rId16"/>
-    <p:sldId id="710" r:id="rId17"/>
-    <p:sldId id="714" r:id="rId18"/>
-    <p:sldId id="720" r:id="rId19"/>
-    <p:sldId id="721" r:id="rId20"/>
-    <p:sldId id="726" r:id="rId21"/>
-    <p:sldId id="723" r:id="rId22"/>
-    <p:sldId id="724" r:id="rId23"/>
-    <p:sldId id="740" r:id="rId24"/>
-    <p:sldId id="725" r:id="rId25"/>
-    <p:sldId id="731" r:id="rId26"/>
-    <p:sldId id="729" r:id="rId27"/>
-    <p:sldId id="728" r:id="rId28"/>
-    <p:sldId id="722" r:id="rId29"/>
-    <p:sldId id="633" r:id="rId30"/>
-    <p:sldId id="504" r:id="rId31"/>
-    <p:sldId id="505" r:id="rId32"/>
+    <p:sldId id="741" r:id="rId16"/>
+    <p:sldId id="708" r:id="rId17"/>
+    <p:sldId id="710" r:id="rId18"/>
+    <p:sldId id="714" r:id="rId19"/>
+    <p:sldId id="720" r:id="rId20"/>
+    <p:sldId id="721" r:id="rId21"/>
+    <p:sldId id="726" r:id="rId22"/>
+    <p:sldId id="723" r:id="rId23"/>
+    <p:sldId id="724" r:id="rId24"/>
+    <p:sldId id="740" r:id="rId25"/>
+    <p:sldId id="725" r:id="rId26"/>
+    <p:sldId id="731" r:id="rId27"/>
+    <p:sldId id="729" r:id="rId28"/>
+    <p:sldId id="728" r:id="rId29"/>
+    <p:sldId id="722" r:id="rId30"/>
+    <p:sldId id="633" r:id="rId31"/>
+    <p:sldId id="504" r:id="rId32"/>
+    <p:sldId id="505" r:id="rId33"/>
   </p:sldIdLst>
   <p:sldSz cx="12192000" cy="6858000"/>
   <p:notesSz cx="6858000" cy="9144000"/>
@@ -171,6 +172,7 @@
           <p14:sldIdLst>
             <p14:sldId id="649"/>
             <p14:sldId id="707"/>
+            <p14:sldId id="741"/>
             <p14:sldId id="708"/>
             <p14:sldId id="710"/>
             <p14:sldId id="714"/>
@@ -264,38 +266,43 @@
 </p188:cmLst>
 </file>
 
-<file path=ppt/comments/modernComment_2E0_892EA049.xml><?xml version="1.0" encoding="utf-8"?>
+<file path=ppt/comments/modernComment_2D6_990945AD.xml><?xml version="1.0" encoding="utf-8"?>
 <p188:cmLst xmlns:a="http://schemas.openxmlformats.org/drawingml/2006/main" xmlns:r="http://schemas.openxmlformats.org/officeDocument/2006/relationships" xmlns:p188="http://schemas.microsoft.com/office/powerpoint/2018/8/main">
-  <p188:cm id="{7AB1A59D-41D9-9847-9012-47258490D765}" authorId="{61328A60-1351-1658-BC09-0F9214BEF0FD}" created="2024-05-27T11:34:27.357">
+  <p188:cm id="{40849A10-F07A-5641-BFC5-1E2739713D97}" authorId="{61328A60-1351-1658-BC09-0F9214BEF0FD}" created="2024-06-18T09:51:21.739">
     <ac:deMkLst xmlns:ac="http://schemas.microsoft.com/office/drawing/2013/main/command">
       <pc:docMk xmlns:pc="http://schemas.microsoft.com/office/powerpoint/2013/main/command"/>
-      <pc:sldMk xmlns:pc="http://schemas.microsoft.com/office/powerpoint/2013/main/command" cId="2301534281" sldId="736"/>
-      <ac:picMk id="6" creationId="{419C4793-13E9-32AD-9023-662E4966161D}"/>
+      <pc:sldMk xmlns:pc="http://schemas.microsoft.com/office/powerpoint/2013/main/command" cId="2567521709" sldId="726"/>
+      <ac:picMk id="5" creationId="{1DC22179-341D-F5D9-D839-AA8EC5ED988F}"/>
     </ac:deMkLst>
-    <p188:pos x="4668725" y="74223"/>
-    <p188:replyLst>
-      <p188:reply id="{63718DF2-09D7-CF47-9050-7D38CB73F6F7}" authorId="{B24AAD53-8AA6-8321-73F3-FE25FD6B3B5A}" created="2024-06-12T06:54:04.693">
-        <p188:txBody>
-          <a:bodyPr/>
-          <a:lstStyle/>
-          <a:p>
-            <a:r>
-              <a:rPr lang="en-BG"/>
-              <a:t>Done</a:t>
-            </a:r>
-          </a:p>
-        </p188:txBody>
-      </p188:reply>
-    </p188:replyLst>
     <p188:txBody>
       <a:bodyPr/>
       <a:lstStyle/>
       <a:p>
         <a:r>
           <a:rPr lang="bg-BG"/>
-          <a:t>В папа да има само:
-1. Продукт - ListBox
-2. Количество - TextBox</a:t>
+          <a:t>Това също може да се анимира, за да се виждат по-ясно отделните стъпки</a:t>
+        </a:r>
+      </a:p>
+    </p188:txBody>
+  </p188:cm>
+</p188:cmLst>
+</file>
+
+<file path=ppt/comments/modernComment_2E1_DD64BA85.xml><?xml version="1.0" encoding="utf-8"?>
+<p188:cmLst xmlns:a="http://schemas.openxmlformats.org/drawingml/2006/main" xmlns:r="http://schemas.openxmlformats.org/officeDocument/2006/relationships" xmlns:p188="http://schemas.microsoft.com/office/powerpoint/2018/8/main">
+  <p188:cm id="{492E6DE8-5AFB-904A-B9DC-B79CC5A99581}" authorId="{61328A60-1351-1658-BC09-0F9214BEF0FD}" created="2024-06-18T09:42:44.225">
+    <ac:deMkLst xmlns:ac="http://schemas.microsoft.com/office/drawing/2013/main/command">
+      <pc:docMk xmlns:pc="http://schemas.microsoft.com/office/powerpoint/2013/main/command"/>
+      <pc:sldMk xmlns:pc="http://schemas.microsoft.com/office/powerpoint/2013/main/command" cId="3714366085" sldId="737"/>
+      <ac:picMk id="6" creationId="{FF204932-6255-376F-6310-18B4D4461BB6}"/>
+    </ac:deMkLst>
+    <p188:txBody>
+      <a:bodyPr/>
+      <a:lstStyle/>
+      <a:p>
+        <a:r>
+          <a:rPr lang="bg-BG"/>
+          <a:t>Да се анимира това изображение</a:t>
         </a:r>
       </a:p>
     </p188:txBody>
@@ -333,6 +340,27 @@
         <a:r>
           <a:rPr lang="bg-BG"/>
           <a:t>TODO: update screenshot</a:t>
+        </a:r>
+      </a:p>
+    </p188:txBody>
+  </p188:cm>
+  <p188:cm id="{351D8F2F-77AF-6A4A-9F0C-785576FFF2D8}" authorId="{61328A60-1351-1658-BC09-0F9214BEF0FD}" created="2024-06-18T09:15:28.554">
+    <ac:txMkLst xmlns:ac="http://schemas.microsoft.com/office/drawing/2013/main/command">
+      <pc:docMk xmlns:pc="http://schemas.microsoft.com/office/powerpoint/2013/main/command"/>
+      <pc:sldMk xmlns:pc="http://schemas.microsoft.com/office/powerpoint/2013/main/command" cId="90754401" sldId="739"/>
+      <ac:spMk id="7" creationId="{AE33DC17-E194-3CF4-0140-D6B38246823E}"/>
+      <ac:txMk cp="0" len="25">
+        <ac:context len="26" hash="2945733635"/>
+      </ac:txMk>
+    </ac:txMkLst>
+    <p188:pos x="4677651" y="2088000"/>
+    <p188:txBody>
+      <a:bodyPr/>
+      <a:lstStyle/>
+      <a:p>
+        <a:r>
+          <a:rPr lang="bg-BG"/>
+          <a:t>Да се уточни как разбираме къде имаме просто и къде сложно свързване - какви са тези контроли?</a:t>
         </a:r>
       </a:p>
     </p188:txBody>
@@ -434,7 +462,7 @@
           <a:p>
             <a:fld id="{4E087215-0C8F-4762-A664-737A353EC9A4}" type="datetimeFigureOut">
               <a:rPr lang="bg-BG" smtClean="0"/>
-              <a:t>17.06.24 г.</a:t>
+              <a:t>18.06.24 г.</a:t>
             </a:fld>
             <a:endParaRPr lang="bg-BG"/>
           </a:p>
@@ -630,7 +658,7 @@
           <a:p>
             <a:fld id="{72D84649-876A-46C9-8472-14CB09C070D8}" type="datetimeFigureOut">
               <a:rPr lang="en-US" smtClean="0"/>
-              <a:t>6/17/24</a:t>
+              <a:t>6/18/24</a:t>
             </a:fld>
             <a:endParaRPr lang="en-US"/>
           </a:p>
@@ -2055,7 +2083,7 @@
           <a:p>
             <a:fld id="{2BF067CD-8E6B-4360-9AA8-C5DF2A48A6D1}" type="slidenum">
               <a:rPr lang="en-US" smtClean="0"/>
-              <a:t>16</a:t>
+              <a:t>17</a:t>
             </a:fld>
             <a:endParaRPr lang="en-US" dirty="0"/>
           </a:p>
@@ -2283,7 +2311,7 @@
             <a:fld id="{3EBA5BD7-F043-4D1B-AA17-CD412FC534DE}" type="slidenum">
               <a:rPr lang="en-US" smtClean="0"/>
               <a:pPr/>
-              <a:t>29</a:t>
+              <a:t>30</a:t>
             </a:fld>
             <a:endParaRPr lang="en-US" dirty="0"/>
           </a:p>
@@ -2529,7 +2557,7 @@
             <a:fld id="{3EBA5BD7-F043-4D1B-AA17-CD412FC534DE}" type="slidenum">
               <a:rPr lang="en-US" smtClean="0"/>
               <a:pPr/>
-              <a:t>30</a:t>
+              <a:t>31</a:t>
             </a:fld>
             <a:endParaRPr lang="en-US" dirty="0"/>
           </a:p>
@@ -2759,7 +2787,7 @@
             <a:fld id="{3EBA5BD7-F043-4D1B-AA17-CD412FC534DE}" type="slidenum">
               <a:rPr lang="en-US" smtClean="0"/>
               <a:pPr/>
-              <a:t>31</a:t>
+              <a:t>32</a:t>
             </a:fld>
             <a:endParaRPr lang="en-US" dirty="0"/>
           </a:p>
@@ -9880,7 +9908,7 @@
           <p:nvPr/>
         </p:nvPicPr>
         <p:blipFill>
-          <a:blip r:embed="rId2">
+          <a:blip r:embed="rId3">
             <a:extLst>
               <a:ext uri="{28A0092B-C50C-407E-A947-70E740481C1C}">
                 <a14:useLocalDpi xmlns:a14="http://schemas.microsoft.com/office/drawing/2010/main" val="0"/>
@@ -9922,7 +9950,7 @@
           <p:nvPr/>
         </p:nvPicPr>
         <p:blipFill>
-          <a:blip r:embed="rId3">
+          <a:blip r:embed="rId4">
             <a:extLst>
               <a:ext uri="{28A0092B-C50C-407E-A947-70E740481C1C}">
                 <a14:useLocalDpi xmlns:a14="http://schemas.microsoft.com/office/drawing/2010/main" val="0"/>
@@ -10214,6 +10242,11 @@
       </p:par>
     </p:tnLst>
   </p:timing>
+  <p:extLst>
+    <p:ext uri="{6950BFC3-D8DA-4A85-94F7-54DA5524770B}">
+      <p188:commentRel xmlns:p188="http://schemas.microsoft.com/office/powerpoint/2018/8/main" r:id="rId2"/>
+    </p:ext>
+  </p:extLst>
 </p:sld>
 </file>
 
@@ -10897,7 +10930,7 @@
           <p:cNvPr id="2" name="Slide Number Placeholder 1">
             <a:extLst>
               <a:ext uri="{FF2B5EF4-FFF2-40B4-BE49-F238E27FC236}">
-                <a16:creationId xmlns:a16="http://schemas.microsoft.com/office/drawing/2014/main" id="{5DF32E4F-E2EF-31D2-89A4-597E31CBABA5}"/>
+                <a16:creationId xmlns:a16="http://schemas.microsoft.com/office/drawing/2014/main" id="{729E95B3-D741-1862-3B4C-AA3CB57905F5}"/>
               </a:ext>
             </a:extLst>
           </p:cNvPr>
@@ -10917,6 +10950,180 @@
               <a:rPr lang="en-US" noProof="0" smtClean="0"/>
               <a:pPr/>
               <a:t>15</a:t>
+            </a:fld>
+            <a:endParaRPr lang="en-US" noProof="0" dirty="0"/>
+          </a:p>
+        </p:txBody>
+      </p:sp>
+      <p:sp>
+        <p:nvSpPr>
+          <p:cNvPr id="3" name="Text Placeholder 2">
+            <a:extLst>
+              <a:ext uri="{FF2B5EF4-FFF2-40B4-BE49-F238E27FC236}">
+                <a16:creationId xmlns:a16="http://schemas.microsoft.com/office/drawing/2014/main" id="{97E79C03-04AA-924B-6D38-E3780D993513}"/>
+              </a:ext>
+            </a:extLst>
+          </p:cNvPr>
+          <p:cNvSpPr>
+            <a:spLocks noGrp="1"/>
+          </p:cNvSpPr>
+          <p:nvPr>
+            <p:ph type="body" sz="quarter" idx="10"/>
+          </p:nvPr>
+        </p:nvSpPr>
+        <p:spPr/>
+        <p:txBody>
+          <a:bodyPr/>
+          <a:lstStyle/>
+          <a:p>
+            <a:r>
+              <a:rPr lang="bg-BG" dirty="0">
+                <a:highlight>
+                  <a:srgbClr val="FFFF00"/>
+                </a:highlight>
+              </a:rPr>
+              <a:t>Има още една стъпка при създаването на проекта (избирането на </a:t>
+            </a:r>
+            <a:r>
+              <a:rPr lang="en-US" dirty="0">
+                <a:highlight>
+                  <a:srgbClr val="FFFF00"/>
+                </a:highlight>
+              </a:rPr>
+              <a:t>.NET </a:t>
+            </a:r>
+            <a:r>
+              <a:rPr lang="bg-BG" dirty="0">
+                <a:highlight>
+                  <a:srgbClr val="FFFF00"/>
+                </a:highlight>
+              </a:rPr>
+              <a:t>версия). След това се клика </a:t>
+            </a:r>
+            <a:r>
+              <a:rPr lang="en-US" dirty="0">
+                <a:highlight>
+                  <a:srgbClr val="FFFF00"/>
+                </a:highlight>
+              </a:rPr>
+              <a:t>[Create]</a:t>
+            </a:r>
+            <a:r>
+              <a:rPr lang="bg-BG" dirty="0">
+                <a:highlight>
+                  <a:srgbClr val="FFFF00"/>
+                </a:highlight>
+              </a:rPr>
+              <a:t>, създава се проекта и чак тогава може да се добави </a:t>
+            </a:r>
+            <a:r>
+              <a:rPr lang="en-US" dirty="0">
+                <a:highlight>
+                  <a:srgbClr val="FFFF00"/>
+                </a:highlight>
+              </a:rPr>
+              <a:t>connection</a:t>
+            </a:r>
+            <a:endParaRPr lang="bg-BG" dirty="0">
+              <a:highlight>
+                <a:srgbClr val="FFFF00"/>
+              </a:highlight>
+            </a:endParaRPr>
+          </a:p>
+        </p:txBody>
+      </p:sp>
+      <p:sp>
+        <p:nvSpPr>
+          <p:cNvPr id="4" name="Title 3">
+            <a:extLst>
+              <a:ext uri="{FF2B5EF4-FFF2-40B4-BE49-F238E27FC236}">
+                <a16:creationId xmlns:a16="http://schemas.microsoft.com/office/drawing/2014/main" id="{CC85298B-0676-8EA6-C9B6-884623F45088}"/>
+              </a:ext>
+            </a:extLst>
+          </p:cNvPr>
+          <p:cNvSpPr>
+            <a:spLocks noGrp="1"/>
+          </p:cNvSpPr>
+          <p:nvPr>
+            <p:ph type="title"/>
+          </p:nvPr>
+        </p:nvSpPr>
+        <p:spPr/>
+        <p:txBody>
+          <a:bodyPr/>
+          <a:lstStyle/>
+          <a:p>
+            <a:r>
+              <a:rPr lang="en-US" dirty="0"/>
+              <a:t>TODO: Add last step from creating a project</a:t>
+            </a:r>
+            <a:endParaRPr lang="bg-BG" dirty="0"/>
+          </a:p>
+        </p:txBody>
+      </p:sp>
+    </p:spTree>
+    <p:extLst>
+      <p:ext uri="{BB962C8B-B14F-4D97-AF65-F5344CB8AC3E}">
+        <p14:creationId xmlns:p14="http://schemas.microsoft.com/office/powerpoint/2010/main" val="3453909500"/>
+      </p:ext>
+    </p:extLst>
+  </p:cSld>
+  <p:clrMapOvr>
+    <a:masterClrMapping/>
+  </p:clrMapOvr>
+  <mc:AlternateContent xmlns:mc="http://schemas.openxmlformats.org/markup-compatibility/2006" xmlns:p14="http://schemas.microsoft.com/office/powerpoint/2010/main">
+    <mc:Choice Requires="p14">
+      <p:transition spd="slow" p14:dur="2000" advClick="0" advTm="5000"/>
+    </mc:Choice>
+    <mc:Fallback xmlns="">
+      <p:transition spd="slow" advClick="0" advTm="5000"/>
+    </mc:Fallback>
+  </mc:AlternateContent>
+</p:sld>
+</file>
+
+<file path=ppt/slides/slide16.xml><?xml version="1.0" encoding="utf-8"?>
+<p:sld xmlns:a="http://schemas.openxmlformats.org/drawingml/2006/main" xmlns:r="http://schemas.openxmlformats.org/officeDocument/2006/relationships" xmlns:p="http://schemas.openxmlformats.org/presentationml/2006/main">
+  <p:cSld>
+    <p:spTree>
+      <p:nvGrpSpPr>
+        <p:cNvPr id="1" name=""/>
+        <p:cNvGrpSpPr/>
+        <p:nvPr/>
+      </p:nvGrpSpPr>
+      <p:grpSpPr>
+        <a:xfrm>
+          <a:off x="0" y="0"/>
+          <a:ext cx="0" cy="0"/>
+          <a:chOff x="0" y="0"/>
+          <a:chExt cx="0" cy="0"/>
+        </a:xfrm>
+      </p:grpSpPr>
+      <p:sp>
+        <p:nvSpPr>
+          <p:cNvPr id="2" name="Slide Number Placeholder 1">
+            <a:extLst>
+              <a:ext uri="{FF2B5EF4-FFF2-40B4-BE49-F238E27FC236}">
+                <a16:creationId xmlns:a16="http://schemas.microsoft.com/office/drawing/2014/main" id="{5DF32E4F-E2EF-31D2-89A4-597E31CBABA5}"/>
+              </a:ext>
+            </a:extLst>
+          </p:cNvPr>
+          <p:cNvSpPr>
+            <a:spLocks noGrp="1"/>
+          </p:cNvSpPr>
+          <p:nvPr>
+            <p:ph type="sldNum" sz="quarter" idx="5"/>
+          </p:nvPr>
+        </p:nvSpPr>
+        <p:spPr/>
+        <p:txBody>
+          <a:bodyPr/>
+          <a:lstStyle/>
+          <a:p>
+            <a:fld id="{2BF067CD-8E6B-4360-9AA8-C5DF2A48A6D1}" type="slidenum">
+              <a:rPr lang="en-US" noProof="0" smtClean="0"/>
+              <a:pPr/>
+              <a:t>16</a:t>
             </a:fld>
             <a:endParaRPr lang="en-US" noProof="0" dirty="0"/>
           </a:p>
@@ -11081,7 +11288,7 @@
               <a:t>"</a:t>
             </a:r>
             <a:r>
-              <a:rPr lang="en-US" sz="2800" b="1" dirty="0">
+              <a:rPr lang="en-US" sz="2800" b="1" dirty="0" err="1">
                 <a:solidFill>
                   <a:schemeClr val="bg1"/>
                 </a:solidFill>
@@ -11092,9 +11299,51 @@
             </a:r>
             <a:r>
               <a:rPr lang="bg-BG" sz="2800" dirty="0"/>
-              <a:t>"</a:t>
+              <a:t>”</a:t>
             </a:r>
             <a:endParaRPr lang="en-US" sz="2800" dirty="0"/>
+          </a:p>
+          <a:p>
+            <a:r>
+              <a:rPr lang="en-US" sz="3000" b="1" dirty="0">
+                <a:highlight>
+                  <a:srgbClr val="FFFF00"/>
+                </a:highlight>
+              </a:rPr>
+              <a:t>TODO: </a:t>
+            </a:r>
+            <a:r>
+              <a:rPr lang="bg-BG" sz="3000" b="1" dirty="0">
+                <a:highlight>
+                  <a:srgbClr val="FFFF00"/>
+                </a:highlight>
+              </a:rPr>
+              <a:t>след това тестваме </a:t>
+            </a:r>
+            <a:r>
+              <a:rPr lang="en-US" sz="3000" b="1" dirty="0">
+                <a:highlight>
+                  <a:srgbClr val="FFFF00"/>
+                </a:highlight>
+              </a:rPr>
+              <a:t>connection-</a:t>
+            </a:r>
+            <a:r>
+              <a:rPr lang="bg-BG" sz="3000" b="1" dirty="0">
+                <a:highlight>
+                  <a:srgbClr val="FFFF00"/>
+                </a:highlight>
+              </a:rPr>
+              <a:t>а и избираме </a:t>
+            </a:r>
+            <a:r>
+              <a:rPr lang="en-US" sz="3000" b="1" dirty="0">
+                <a:highlight>
+                  <a:srgbClr val="FFFF00"/>
+                </a:highlight>
+              </a:rPr>
+              <a:t>[OK]</a:t>
+            </a:r>
           </a:p>
         </p:txBody>
       </p:sp>
@@ -11431,6 +11680,37 @@
                                   </p:childTnLst>
                                 </p:cTn>
                               </p:par>
+                              <p:par>
+                                <p:cTn id="21" presetID="1" presetClass="entr" presetSubtype="0" fill="hold" nodeType="withEffect">
+                                  <p:stCondLst>
+                                    <p:cond delay="0"/>
+                                  </p:stCondLst>
+                                  <p:childTnLst>
+                                    <p:set>
+                                      <p:cBhvr>
+                                        <p:cTn id="22" dur="1" fill="hold">
+                                          <p:stCondLst>
+                                            <p:cond delay="0"/>
+                                          </p:stCondLst>
+                                        </p:cTn>
+                                        <p:tgtEl>
+                                          <p:spTgt spid="3">
+                                            <p:txEl>
+                                              <p:pRg st="5" end="5"/>
+                                            </p:txEl>
+                                          </p:spTgt>
+                                        </p:tgtEl>
+                                        <p:attrNameLst>
+                                          <p:attrName>style.visibility</p:attrName>
+                                        </p:attrNameLst>
+                                      </p:cBhvr>
+                                      <p:to>
+                                        <p:strVal val="visible"/>
+                                      </p:to>
+                                    </p:set>
+                                  </p:childTnLst>
+                                </p:cTn>
+                              </p:par>
                             </p:childTnLst>
                           </p:cTn>
                         </p:par>
@@ -11462,7 +11742,7 @@
 </p:sld>
 </file>
 
-<file path=ppt/slides/slide16.xml><?xml version="1.0" encoding="utf-8"?>
+<file path=ppt/slides/slide17.xml><?xml version="1.0" encoding="utf-8"?>
 <p:sld xmlns:a="http://schemas.openxmlformats.org/drawingml/2006/main" xmlns:r="http://schemas.openxmlformats.org/officeDocument/2006/relationships" xmlns:p="http://schemas.openxmlformats.org/presentationml/2006/main">
   <p:cSld>
     <p:spTree>
@@ -11503,7 +11783,7 @@
             <a:fld id="{2BF067CD-8E6B-4360-9AA8-C5DF2A48A6D1}" type="slidenum">
               <a:rPr lang="en-US" noProof="0" smtClean="0"/>
               <a:pPr/>
-              <a:t>16</a:t>
+              <a:t>17</a:t>
             </a:fld>
             <a:endParaRPr lang="en-US" noProof="0" dirty="0"/>
           </a:p>
@@ -12223,7 +12503,7 @@
 </p:sld>
 </file>
 
-<file path=ppt/slides/slide17.xml><?xml version="1.0" encoding="utf-8"?>
+<file path=ppt/slides/slide18.xml><?xml version="1.0" encoding="utf-8"?>
 <p:sld xmlns:a="http://schemas.openxmlformats.org/drawingml/2006/main" xmlns:r="http://schemas.openxmlformats.org/officeDocument/2006/relationships" xmlns:p="http://schemas.openxmlformats.org/presentationml/2006/main">
   <p:cSld>
     <p:spTree>
@@ -12264,7 +12544,7 @@
             <a:fld id="{2BF067CD-8E6B-4360-9AA8-C5DF2A48A6D1}" type="slidenum">
               <a:rPr lang="en-US" noProof="0" smtClean="0"/>
               <a:pPr/>
-              <a:t>17</a:t>
+              <a:t>18</a:t>
             </a:fld>
             <a:endParaRPr lang="en-US" noProof="0" dirty="0"/>
           </a:p>
@@ -13007,7 +13287,7 @@
 </p:sld>
 </file>
 
-<file path=ppt/slides/slide18.xml><?xml version="1.0" encoding="utf-8"?>
+<file path=ppt/slides/slide19.xml><?xml version="1.0" encoding="utf-8"?>
 <p:sld xmlns:a="http://schemas.openxmlformats.org/drawingml/2006/main" xmlns:r="http://schemas.openxmlformats.org/officeDocument/2006/relationships" xmlns:p="http://schemas.openxmlformats.org/presentationml/2006/main">
   <p:cSld>
     <p:spTree>
@@ -13048,7 +13328,7 @@
             <a:fld id="{2BF067CD-8E6B-4360-9AA8-C5DF2A48A6D1}" type="slidenum">
               <a:rPr lang="en-US" noProof="0" smtClean="0"/>
               <a:pPr/>
-              <a:t>18</a:t>
+              <a:t>19</a:t>
             </a:fld>
             <a:endParaRPr lang="en-US" noProof="0" dirty="0"/>
           </a:p>
@@ -13292,8 +13572,8 @@
         </p:blipFill>
         <p:spPr>
           <a:xfrm>
-            <a:off x="696001" y="4023463"/>
-            <a:ext cx="4545000" cy="2169205"/>
+            <a:off x="381000" y="4023463"/>
+            <a:ext cx="5071600" cy="2420537"/>
           </a:xfrm>
           <a:prstGeom prst="rect">
             <a:avLst/>
@@ -13334,8 +13614,8 @@
         </p:blipFill>
         <p:spPr>
           <a:xfrm>
-            <a:off x="6949253" y="4023462"/>
-            <a:ext cx="4545001" cy="2169205"/>
+            <a:off x="6829399" y="4014934"/>
+            <a:ext cx="5071601" cy="2420537"/>
           </a:xfrm>
           <a:prstGeom prst="rect">
             <a:avLst/>
@@ -13363,8 +13643,8 @@
         </p:nvSpPr>
         <p:spPr>
           <a:xfrm>
-            <a:off x="5508533" y="4673531"/>
-            <a:ext cx="1173187" cy="869066"/>
+            <a:off x="5716715" y="4919432"/>
+            <a:ext cx="848568" cy="628597"/>
           </a:xfrm>
           <a:prstGeom prst="rightArrow">
             <a:avLst/>
@@ -13703,545 +13983,6 @@
       <p188:commentRel xmlns:p188="http://schemas.microsoft.com/office/powerpoint/2018/8/main" r:id="rId2"/>
     </p:ext>
   </p:extLst>
-</p:sld>
-</file>
-
-<file path=ppt/slides/slide19.xml><?xml version="1.0" encoding="utf-8"?>
-<p:sld xmlns:a="http://schemas.openxmlformats.org/drawingml/2006/main" xmlns:r="http://schemas.openxmlformats.org/officeDocument/2006/relationships" xmlns:p="http://schemas.openxmlformats.org/presentationml/2006/main">
-  <p:cSld>
-    <p:spTree>
-      <p:nvGrpSpPr>
-        <p:cNvPr id="1" name=""/>
-        <p:cNvGrpSpPr/>
-        <p:nvPr/>
-      </p:nvGrpSpPr>
-      <p:grpSpPr>
-        <a:xfrm>
-          <a:off x="0" y="0"/>
-          <a:ext cx="0" cy="0"/>
-          <a:chOff x="0" y="0"/>
-          <a:chExt cx="0" cy="0"/>
-        </a:xfrm>
-      </p:grpSpPr>
-      <p:sp>
-        <p:nvSpPr>
-          <p:cNvPr id="2" name="Slide Number Placeholder 1">
-            <a:extLst>
-              <a:ext uri="{FF2B5EF4-FFF2-40B4-BE49-F238E27FC236}">
-                <a16:creationId xmlns:a16="http://schemas.microsoft.com/office/drawing/2014/main" id="{F3AF87FF-1318-696E-CC00-2C2B6621789F}"/>
-              </a:ext>
-            </a:extLst>
-          </p:cNvPr>
-          <p:cNvSpPr>
-            <a:spLocks noGrp="1"/>
-          </p:cNvSpPr>
-          <p:nvPr>
-            <p:ph type="sldNum" sz="quarter" idx="5"/>
-          </p:nvPr>
-        </p:nvSpPr>
-        <p:spPr/>
-        <p:txBody>
-          <a:bodyPr/>
-          <a:lstStyle/>
-          <a:p>
-            <a:fld id="{2BF067CD-8E6B-4360-9AA8-C5DF2A48A6D1}" type="slidenum">
-              <a:rPr lang="en-US" noProof="0" smtClean="0"/>
-              <a:pPr/>
-              <a:t>19</a:t>
-            </a:fld>
-            <a:endParaRPr lang="en-US" noProof="0" dirty="0"/>
-          </a:p>
-        </p:txBody>
-      </p:sp>
-      <p:sp>
-        <p:nvSpPr>
-          <p:cNvPr id="3" name="Text Placeholder 2">
-            <a:extLst>
-              <a:ext uri="{FF2B5EF4-FFF2-40B4-BE49-F238E27FC236}">
-                <a16:creationId xmlns:a16="http://schemas.microsoft.com/office/drawing/2014/main" id="{70810851-4790-2FC0-3F9D-A1CF7D2C9A2E}"/>
-              </a:ext>
-            </a:extLst>
-          </p:cNvPr>
-          <p:cNvSpPr>
-            <a:spLocks noGrp="1"/>
-          </p:cNvSpPr>
-          <p:nvPr>
-            <p:ph type="body" sz="quarter" idx="10"/>
-          </p:nvPr>
-        </p:nvSpPr>
-        <p:spPr>
-          <a:xfrm>
-            <a:off x="190401" y="1196125"/>
-            <a:ext cx="5482657" cy="5528766"/>
-          </a:xfrm>
-        </p:spPr>
-        <p:txBody>
-          <a:bodyPr>
-            <a:normAutofit/>
-          </a:bodyPr>
-          <a:lstStyle/>
-          <a:p>
-            <a:r>
-              <a:rPr lang="bg-BG" sz="2800" dirty="0"/>
-              <a:t>Добавяме </a:t>
-            </a:r>
-            <a:r>
-              <a:rPr lang="en-US" sz="2800" b="1" dirty="0">
-                <a:solidFill>
-                  <a:schemeClr val="bg1"/>
-                </a:solidFill>
-                <a:latin typeface="Consolas" panose="020B0609020204030204" pitchFamily="49" charset="0"/>
-                <a:cs typeface="Consolas" panose="020B0609020204030204" pitchFamily="49" charset="0"/>
-              </a:rPr>
-              <a:t>DataGridView</a:t>
-            </a:r>
-            <a:r>
-              <a:rPr lang="en-US" sz="2800" dirty="0"/>
-              <a:t> </a:t>
-            </a:r>
-            <a:r>
-              <a:rPr lang="bg-BG" sz="2800" dirty="0"/>
-              <a:t>контролата</a:t>
-            </a:r>
-          </a:p>
-          <a:p>
-            <a:r>
-              <a:rPr lang="bg-BG" sz="2800" dirty="0"/>
-              <a:t>Променяме ѝ </a:t>
-            </a:r>
-            <a:r>
-              <a:rPr lang="bg-BG" sz="2800" b="1" dirty="0">
-                <a:solidFill>
-                  <a:schemeClr val="bg1"/>
-                </a:solidFill>
-              </a:rPr>
-              <a:t>името</a:t>
-            </a:r>
-            <a:endParaRPr lang="bg-BG" sz="2800" dirty="0"/>
-          </a:p>
-          <a:p>
-            <a:pPr lvl="1"/>
-            <a:r>
-              <a:rPr lang="bg-BG" sz="2400" dirty="0"/>
-              <a:t>"</a:t>
-            </a:r>
-            <a:r>
-              <a:rPr lang="en-US" sz="2400" b="1" dirty="0">
-                <a:solidFill>
-                  <a:schemeClr val="bg1"/>
-                </a:solidFill>
-                <a:latin typeface="Consolas" panose="020B0609020204030204" pitchFamily="49" charset="0"/>
-                <a:cs typeface="Consolas" panose="020B0609020204030204" pitchFamily="49" charset="0"/>
-              </a:rPr>
-              <a:t>dataGridView1</a:t>
-            </a:r>
-            <a:r>
-              <a:rPr lang="bg-BG" sz="2400" dirty="0"/>
-              <a:t>"</a:t>
-            </a:r>
-            <a:r>
-              <a:rPr lang="en-US" sz="2400" dirty="0"/>
-              <a:t> </a:t>
-            </a:r>
-            <a:r>
-              <a:rPr lang="en-US" sz="2400" dirty="0">
-                <a:sym typeface="Wingdings" panose="05000000000000000000" pitchFamily="2" charset="2"/>
-              </a:rPr>
-              <a:t></a:t>
-            </a:r>
-            <a:r>
-              <a:rPr lang="en-US" sz="2400" dirty="0"/>
-              <a:t> </a:t>
-            </a:r>
-            <a:r>
-              <a:rPr lang="bg-BG" sz="2400" dirty="0"/>
-              <a:t>"</a:t>
-            </a:r>
-            <a:r>
-              <a:rPr lang="en-US" sz="2400" b="1" dirty="0">
-                <a:solidFill>
-                  <a:schemeClr val="bg1"/>
-                </a:solidFill>
-                <a:latin typeface="Consolas" panose="020B0609020204030204" pitchFamily="49" charset="0"/>
-                <a:cs typeface="Consolas" panose="020B0609020204030204" pitchFamily="49" charset="0"/>
-              </a:rPr>
-              <a:t>dataGridViewProducts</a:t>
-            </a:r>
-            <a:r>
-              <a:rPr lang="bg-BG" sz="2400" dirty="0"/>
-              <a:t>"</a:t>
-            </a:r>
-            <a:endParaRPr lang="ru-RU" sz="2400" dirty="0">
-              <a:solidFill>
-                <a:schemeClr val="bg1"/>
-              </a:solidFill>
-            </a:endParaRPr>
-          </a:p>
-          <a:p>
-            <a:endParaRPr lang="en-US" sz="3200" dirty="0"/>
-          </a:p>
-          <a:p>
-            <a:endParaRPr lang="bg-BG" dirty="0"/>
-          </a:p>
-          <a:p>
-            <a:endParaRPr lang="bg-BG" dirty="0"/>
-          </a:p>
-          <a:p>
-            <a:endParaRPr lang="bg-BG" dirty="0"/>
-          </a:p>
-        </p:txBody>
-      </p:sp>
-      <p:sp>
-        <p:nvSpPr>
-          <p:cNvPr id="4" name="Title 3">
-            <a:extLst>
-              <a:ext uri="{FF2B5EF4-FFF2-40B4-BE49-F238E27FC236}">
-                <a16:creationId xmlns:a16="http://schemas.microsoft.com/office/drawing/2014/main" id="{A68D83C9-FB5D-2A19-030C-321D25436A47}"/>
-              </a:ext>
-            </a:extLst>
-          </p:cNvPr>
-          <p:cNvSpPr>
-            <a:spLocks noGrp="1"/>
-          </p:cNvSpPr>
-          <p:nvPr>
-            <p:ph type="title"/>
-          </p:nvPr>
-        </p:nvSpPr>
-        <p:spPr/>
-        <p:txBody>
-          <a:bodyPr/>
-          <a:lstStyle/>
-          <a:p>
-            <a:r>
-              <a:rPr lang="bg-BG" dirty="0"/>
-              <a:t>Добавяне на </a:t>
-            </a:r>
-            <a:r>
-              <a:rPr lang="en-US" dirty="0"/>
-              <a:t>DataGridView</a:t>
-            </a:r>
-            <a:endParaRPr lang="en-BG" dirty="0"/>
-          </a:p>
-        </p:txBody>
-      </p:sp>
-      <p:pic>
-        <p:nvPicPr>
-          <p:cNvPr id="6" name="Picture 5">
-            <a:extLst>
-              <a:ext uri="{FF2B5EF4-FFF2-40B4-BE49-F238E27FC236}">
-                <a16:creationId xmlns:a16="http://schemas.microsoft.com/office/drawing/2014/main" id="{D95C53BC-1DC3-B184-1E21-95DB8DD9DCEC}"/>
-              </a:ext>
-            </a:extLst>
-          </p:cNvPr>
-          <p:cNvPicPr>
-            <a:picLocks noChangeAspect="1"/>
-          </p:cNvPicPr>
-          <p:nvPr/>
-        </p:nvPicPr>
-        <p:blipFill rotWithShape="1">
-          <a:blip r:embed="rId2">
-            <a:extLst>
-              <a:ext uri="{28A0092B-C50C-407E-A947-70E740481C1C}">
-                <a14:useLocalDpi xmlns:a14="http://schemas.microsoft.com/office/drawing/2010/main" val="0"/>
-              </a:ext>
-            </a:extLst>
-          </a:blip>
-          <a:srcRect r="37727" b="37337"/>
-          <a:stretch/>
-        </p:blipFill>
-        <p:spPr>
-          <a:xfrm>
-            <a:off x="5326759" y="1192474"/>
-            <a:ext cx="6247256" cy="3746012"/>
-          </a:xfrm>
-          <a:prstGeom prst="rect">
-            <a:avLst/>
-          </a:prstGeom>
-          <a:ln>
-            <a:solidFill>
-              <a:schemeClr val="bg2">
-                <a:lumMod val="75000"/>
-              </a:schemeClr>
-            </a:solidFill>
-          </a:ln>
-        </p:spPr>
-      </p:pic>
-      <p:pic>
-        <p:nvPicPr>
-          <p:cNvPr id="9" name="Picture 8">
-            <a:extLst>
-              <a:ext uri="{FF2B5EF4-FFF2-40B4-BE49-F238E27FC236}">
-                <a16:creationId xmlns:a16="http://schemas.microsoft.com/office/drawing/2014/main" id="{6746230B-5F37-7DDD-CD7D-B70C19213492}"/>
-              </a:ext>
-            </a:extLst>
-          </p:cNvPr>
-          <p:cNvPicPr>
-            <a:picLocks noChangeAspect="1"/>
-          </p:cNvPicPr>
-          <p:nvPr/>
-        </p:nvPicPr>
-        <p:blipFill rotWithShape="1">
-          <a:blip r:embed="rId2">
-            <a:extLst>
-              <a:ext uri="{28A0092B-C50C-407E-A947-70E740481C1C}">
-                <a14:useLocalDpi xmlns:a14="http://schemas.microsoft.com/office/drawing/2010/main" val="0"/>
-              </a:ext>
-            </a:extLst>
-          </a:blip>
-          <a:srcRect l="63624" t="48628" b="5030"/>
-          <a:stretch/>
-        </p:blipFill>
-        <p:spPr>
-          <a:xfrm>
-            <a:off x="741000" y="3765350"/>
-            <a:ext cx="3807052" cy="2890150"/>
-          </a:xfrm>
-          <a:prstGeom prst="rect">
-            <a:avLst/>
-          </a:prstGeom>
-          <a:ln>
-            <a:solidFill>
-              <a:schemeClr val="bg2">
-                <a:lumMod val="75000"/>
-              </a:schemeClr>
-            </a:solidFill>
-          </a:ln>
-        </p:spPr>
-      </p:pic>
-    </p:spTree>
-    <p:extLst>
-      <p:ext uri="{BB962C8B-B14F-4D97-AF65-F5344CB8AC3E}">
-        <p14:creationId xmlns:p14="http://schemas.microsoft.com/office/powerpoint/2010/main" val="779184761"/>
-      </p:ext>
-    </p:extLst>
-  </p:cSld>
-  <p:clrMapOvr>
-    <a:masterClrMapping/>
-  </p:clrMapOvr>
-  <mc:AlternateContent xmlns:mc="http://schemas.openxmlformats.org/markup-compatibility/2006" xmlns:p14="http://schemas.microsoft.com/office/powerpoint/2010/main">
-    <mc:Choice Requires="p14">
-      <p:transition spd="slow" p14:dur="2000" advClick="0" advTm="5000"/>
-    </mc:Choice>
-    <mc:Fallback xmlns="">
-      <p:transition spd="slow" advClick="0" advTm="5000"/>
-    </mc:Fallback>
-  </mc:AlternateContent>
-  <p:timing>
-    <p:tnLst>
-      <p:par>
-        <p:cTn id="1" dur="indefinite" restart="never" nodeType="tmRoot">
-          <p:childTnLst>
-            <p:seq concurrent="1" nextAc="seek">
-              <p:cTn id="2" dur="indefinite" nodeType="mainSeq">
-                <p:childTnLst>
-                  <p:par>
-                    <p:cTn id="3" fill="hold">
-                      <p:stCondLst>
-                        <p:cond delay="indefinite"/>
-                        <p:cond evt="onBegin" delay="0">
-                          <p:tn val="2"/>
-                        </p:cond>
-                      </p:stCondLst>
-                      <p:childTnLst>
-                        <p:par>
-                          <p:cTn id="4" fill="hold">
-                            <p:stCondLst>
-                              <p:cond delay="0"/>
-                            </p:stCondLst>
-                            <p:childTnLst>
-                              <p:par>
-                                <p:cTn id="5" presetID="1" presetClass="entr" presetSubtype="0" fill="hold" nodeType="withEffect">
-                                  <p:stCondLst>
-                                    <p:cond delay="0"/>
-                                  </p:stCondLst>
-                                  <p:childTnLst>
-                                    <p:set>
-                                      <p:cBhvr>
-                                        <p:cTn id="6" dur="1" fill="hold">
-                                          <p:stCondLst>
-                                            <p:cond delay="0"/>
-                                          </p:stCondLst>
-                                        </p:cTn>
-                                        <p:tgtEl>
-                                          <p:spTgt spid="3">
-                                            <p:txEl>
-                                              <p:pRg st="0" end="0"/>
-                                            </p:txEl>
-                                          </p:spTgt>
-                                        </p:tgtEl>
-                                        <p:attrNameLst>
-                                          <p:attrName>style.visibility</p:attrName>
-                                        </p:attrNameLst>
-                                      </p:cBhvr>
-                                      <p:to>
-                                        <p:strVal val="visible"/>
-                                      </p:to>
-                                    </p:set>
-                                  </p:childTnLst>
-                                </p:cTn>
-                              </p:par>
-                              <p:par>
-                                <p:cTn id="7" presetID="1" presetClass="entr" presetSubtype="0" fill="hold" nodeType="withEffect">
-                                  <p:stCondLst>
-                                    <p:cond delay="0"/>
-                                  </p:stCondLst>
-                                  <p:childTnLst>
-                                    <p:set>
-                                      <p:cBhvr>
-                                        <p:cTn id="8" dur="1" fill="hold">
-                                          <p:stCondLst>
-                                            <p:cond delay="0"/>
-                                          </p:stCondLst>
-                                        </p:cTn>
-                                        <p:tgtEl>
-                                          <p:spTgt spid="6"/>
-                                        </p:tgtEl>
-                                        <p:attrNameLst>
-                                          <p:attrName>style.visibility</p:attrName>
-                                        </p:attrNameLst>
-                                      </p:cBhvr>
-                                      <p:to>
-                                        <p:strVal val="visible"/>
-                                      </p:to>
-                                    </p:set>
-                                  </p:childTnLst>
-                                </p:cTn>
-                              </p:par>
-                            </p:childTnLst>
-                          </p:cTn>
-                        </p:par>
-                      </p:childTnLst>
-                    </p:cTn>
-                  </p:par>
-                  <p:par>
-                    <p:cTn id="9" fill="hold">
-                      <p:stCondLst>
-                        <p:cond delay="indefinite"/>
-                      </p:stCondLst>
-                      <p:childTnLst>
-                        <p:par>
-                          <p:cTn id="10" fill="hold">
-                            <p:stCondLst>
-                              <p:cond delay="0"/>
-                            </p:stCondLst>
-                            <p:childTnLst>
-                              <p:par>
-                                <p:cTn id="11" presetID="1" presetClass="entr" presetSubtype="0" fill="hold" nodeType="clickEffect">
-                                  <p:stCondLst>
-                                    <p:cond delay="0"/>
-                                  </p:stCondLst>
-                                  <p:childTnLst>
-                                    <p:set>
-                                      <p:cBhvr>
-                                        <p:cTn id="12" dur="1" fill="hold">
-                                          <p:stCondLst>
-                                            <p:cond delay="0"/>
-                                          </p:stCondLst>
-                                        </p:cTn>
-                                        <p:tgtEl>
-                                          <p:spTgt spid="3">
-                                            <p:txEl>
-                                              <p:pRg st="1" end="1"/>
-                                            </p:txEl>
-                                          </p:spTgt>
-                                        </p:tgtEl>
-                                        <p:attrNameLst>
-                                          <p:attrName>style.visibility</p:attrName>
-                                        </p:attrNameLst>
-                                      </p:cBhvr>
-                                      <p:to>
-                                        <p:strVal val="visible"/>
-                                      </p:to>
-                                    </p:set>
-                                  </p:childTnLst>
-                                </p:cTn>
-                              </p:par>
-                              <p:par>
-                                <p:cTn id="13" presetID="1" presetClass="entr" presetSubtype="0" fill="hold" nodeType="withEffect">
-                                  <p:stCondLst>
-                                    <p:cond delay="0"/>
-                                  </p:stCondLst>
-                                  <p:childTnLst>
-                                    <p:set>
-                                      <p:cBhvr>
-                                        <p:cTn id="14" dur="1" fill="hold">
-                                          <p:stCondLst>
-                                            <p:cond delay="0"/>
-                                          </p:stCondLst>
-                                        </p:cTn>
-                                        <p:tgtEl>
-                                          <p:spTgt spid="3">
-                                            <p:txEl>
-                                              <p:pRg st="2" end="2"/>
-                                            </p:txEl>
-                                          </p:spTgt>
-                                        </p:tgtEl>
-                                        <p:attrNameLst>
-                                          <p:attrName>style.visibility</p:attrName>
-                                        </p:attrNameLst>
-                                      </p:cBhvr>
-                                      <p:to>
-                                        <p:strVal val="visible"/>
-                                      </p:to>
-                                    </p:set>
-                                  </p:childTnLst>
-                                </p:cTn>
-                              </p:par>
-                              <p:par>
-                                <p:cTn id="15" presetID="1" presetClass="entr" presetSubtype="0" fill="hold" nodeType="withEffect">
-                                  <p:stCondLst>
-                                    <p:cond delay="0"/>
-                                  </p:stCondLst>
-                                  <p:childTnLst>
-                                    <p:set>
-                                      <p:cBhvr>
-                                        <p:cTn id="16" dur="1" fill="hold">
-                                          <p:stCondLst>
-                                            <p:cond delay="0"/>
-                                          </p:stCondLst>
-                                        </p:cTn>
-                                        <p:tgtEl>
-                                          <p:spTgt spid="9"/>
-                                        </p:tgtEl>
-                                        <p:attrNameLst>
-                                          <p:attrName>style.visibility</p:attrName>
-                                        </p:attrNameLst>
-                                      </p:cBhvr>
-                                      <p:to>
-                                        <p:strVal val="visible"/>
-                                      </p:to>
-                                    </p:set>
-                                  </p:childTnLst>
-                                </p:cTn>
-                              </p:par>
-                            </p:childTnLst>
-                          </p:cTn>
-                        </p:par>
-                      </p:childTnLst>
-                    </p:cTn>
-                  </p:par>
-                </p:childTnLst>
-              </p:cTn>
-              <p:prevCondLst>
-                <p:cond evt="onPrev" delay="0">
-                  <p:tgtEl>
-                    <p:sldTgt/>
-                  </p:tgtEl>
-                </p:cond>
-              </p:prevCondLst>
-              <p:nextCondLst>
-                <p:cond evt="onNext" delay="0">
-                  <p:tgtEl>
-                    <p:sldTgt/>
-                  </p:tgtEl>
-                </p:cond>
-              </p:nextCondLst>
-            </p:seq>
-          </p:childTnLst>
-        </p:cTn>
-      </p:par>
-    </p:tnLst>
-  </p:timing>
 </p:sld>
 </file>
 
@@ -14996,7 +14737,7 @@
           <p:cNvPr id="2" name="Slide Number Placeholder 1">
             <a:extLst>
               <a:ext uri="{FF2B5EF4-FFF2-40B4-BE49-F238E27FC236}">
-                <a16:creationId xmlns:a16="http://schemas.microsoft.com/office/drawing/2014/main" id="{6DA344CE-837B-5474-434A-D67C35E3F132}"/>
+                <a16:creationId xmlns:a16="http://schemas.microsoft.com/office/drawing/2014/main" id="{F3AF87FF-1318-696E-CC00-2C2B6621789F}"/>
               </a:ext>
             </a:extLst>
           </p:cNvPr>
@@ -15026,6 +14767,545 @@
           <p:cNvPr id="3" name="Text Placeholder 2">
             <a:extLst>
               <a:ext uri="{FF2B5EF4-FFF2-40B4-BE49-F238E27FC236}">
+                <a16:creationId xmlns:a16="http://schemas.microsoft.com/office/drawing/2014/main" id="{70810851-4790-2FC0-3F9D-A1CF7D2C9A2E}"/>
+              </a:ext>
+            </a:extLst>
+          </p:cNvPr>
+          <p:cNvSpPr>
+            <a:spLocks noGrp="1"/>
+          </p:cNvSpPr>
+          <p:nvPr>
+            <p:ph type="body" sz="quarter" idx="10"/>
+          </p:nvPr>
+        </p:nvSpPr>
+        <p:spPr>
+          <a:xfrm>
+            <a:off x="190401" y="1196125"/>
+            <a:ext cx="5482657" cy="5528766"/>
+          </a:xfrm>
+        </p:spPr>
+        <p:txBody>
+          <a:bodyPr>
+            <a:normAutofit/>
+          </a:bodyPr>
+          <a:lstStyle/>
+          <a:p>
+            <a:r>
+              <a:rPr lang="bg-BG" sz="2800" dirty="0"/>
+              <a:t>Добавяме </a:t>
+            </a:r>
+            <a:r>
+              <a:rPr lang="en-US" sz="2800" b="1" dirty="0">
+                <a:solidFill>
+                  <a:schemeClr val="bg1"/>
+                </a:solidFill>
+                <a:latin typeface="Consolas" panose="020B0609020204030204" pitchFamily="49" charset="0"/>
+                <a:cs typeface="Consolas" panose="020B0609020204030204" pitchFamily="49" charset="0"/>
+              </a:rPr>
+              <a:t>DataGridView</a:t>
+            </a:r>
+            <a:r>
+              <a:rPr lang="en-US" sz="2800" dirty="0"/>
+              <a:t> </a:t>
+            </a:r>
+            <a:r>
+              <a:rPr lang="bg-BG" sz="2800" dirty="0"/>
+              <a:t>контролата</a:t>
+            </a:r>
+          </a:p>
+          <a:p>
+            <a:r>
+              <a:rPr lang="bg-BG" sz="2800" dirty="0"/>
+              <a:t>Променяме ѝ </a:t>
+            </a:r>
+            <a:r>
+              <a:rPr lang="bg-BG" sz="2800" b="1" dirty="0">
+                <a:solidFill>
+                  <a:schemeClr val="bg1"/>
+                </a:solidFill>
+              </a:rPr>
+              <a:t>името</a:t>
+            </a:r>
+            <a:endParaRPr lang="bg-BG" sz="2800" dirty="0"/>
+          </a:p>
+          <a:p>
+            <a:pPr lvl="1"/>
+            <a:r>
+              <a:rPr lang="bg-BG" sz="2400" dirty="0"/>
+              <a:t>"</a:t>
+            </a:r>
+            <a:r>
+              <a:rPr lang="en-US" sz="2400" b="1" dirty="0">
+                <a:solidFill>
+                  <a:schemeClr val="bg1"/>
+                </a:solidFill>
+                <a:latin typeface="Consolas" panose="020B0609020204030204" pitchFamily="49" charset="0"/>
+                <a:cs typeface="Consolas" panose="020B0609020204030204" pitchFamily="49" charset="0"/>
+              </a:rPr>
+              <a:t>dataGridView1</a:t>
+            </a:r>
+            <a:r>
+              <a:rPr lang="bg-BG" sz="2400" dirty="0"/>
+              <a:t>"</a:t>
+            </a:r>
+            <a:r>
+              <a:rPr lang="en-US" sz="2400" dirty="0"/>
+              <a:t> </a:t>
+            </a:r>
+            <a:r>
+              <a:rPr lang="en-US" sz="2400" dirty="0">
+                <a:sym typeface="Wingdings" panose="05000000000000000000" pitchFamily="2" charset="2"/>
+              </a:rPr>
+              <a:t></a:t>
+            </a:r>
+            <a:r>
+              <a:rPr lang="en-US" sz="2400" dirty="0"/>
+              <a:t> </a:t>
+            </a:r>
+            <a:r>
+              <a:rPr lang="bg-BG" sz="2400" dirty="0"/>
+              <a:t>"</a:t>
+            </a:r>
+            <a:r>
+              <a:rPr lang="en-US" sz="2400" b="1" dirty="0">
+                <a:solidFill>
+                  <a:schemeClr val="bg1"/>
+                </a:solidFill>
+                <a:latin typeface="Consolas" panose="020B0609020204030204" pitchFamily="49" charset="0"/>
+                <a:cs typeface="Consolas" panose="020B0609020204030204" pitchFamily="49" charset="0"/>
+              </a:rPr>
+              <a:t>dataGridViewProducts</a:t>
+            </a:r>
+            <a:r>
+              <a:rPr lang="bg-BG" sz="2400" dirty="0"/>
+              <a:t>"</a:t>
+            </a:r>
+            <a:endParaRPr lang="ru-RU" sz="2400" dirty="0">
+              <a:solidFill>
+                <a:schemeClr val="bg1"/>
+              </a:solidFill>
+            </a:endParaRPr>
+          </a:p>
+          <a:p>
+            <a:endParaRPr lang="en-US" sz="3200" dirty="0"/>
+          </a:p>
+          <a:p>
+            <a:endParaRPr lang="bg-BG" dirty="0"/>
+          </a:p>
+          <a:p>
+            <a:endParaRPr lang="bg-BG" dirty="0"/>
+          </a:p>
+          <a:p>
+            <a:endParaRPr lang="bg-BG" dirty="0"/>
+          </a:p>
+        </p:txBody>
+      </p:sp>
+      <p:sp>
+        <p:nvSpPr>
+          <p:cNvPr id="4" name="Title 3">
+            <a:extLst>
+              <a:ext uri="{FF2B5EF4-FFF2-40B4-BE49-F238E27FC236}">
+                <a16:creationId xmlns:a16="http://schemas.microsoft.com/office/drawing/2014/main" id="{A68D83C9-FB5D-2A19-030C-321D25436A47}"/>
+              </a:ext>
+            </a:extLst>
+          </p:cNvPr>
+          <p:cNvSpPr>
+            <a:spLocks noGrp="1"/>
+          </p:cNvSpPr>
+          <p:nvPr>
+            <p:ph type="title"/>
+          </p:nvPr>
+        </p:nvSpPr>
+        <p:spPr/>
+        <p:txBody>
+          <a:bodyPr/>
+          <a:lstStyle/>
+          <a:p>
+            <a:r>
+              <a:rPr lang="bg-BG" dirty="0"/>
+              <a:t>Добавяне на </a:t>
+            </a:r>
+            <a:r>
+              <a:rPr lang="en-US" dirty="0"/>
+              <a:t>DataGridView</a:t>
+            </a:r>
+            <a:endParaRPr lang="en-BG" dirty="0"/>
+          </a:p>
+        </p:txBody>
+      </p:sp>
+      <p:pic>
+        <p:nvPicPr>
+          <p:cNvPr id="6" name="Picture 5">
+            <a:extLst>
+              <a:ext uri="{FF2B5EF4-FFF2-40B4-BE49-F238E27FC236}">
+                <a16:creationId xmlns:a16="http://schemas.microsoft.com/office/drawing/2014/main" id="{D95C53BC-1DC3-B184-1E21-95DB8DD9DCEC}"/>
+              </a:ext>
+            </a:extLst>
+          </p:cNvPr>
+          <p:cNvPicPr>
+            <a:picLocks noChangeAspect="1"/>
+          </p:cNvPicPr>
+          <p:nvPr/>
+        </p:nvPicPr>
+        <p:blipFill rotWithShape="1">
+          <a:blip r:embed="rId2">
+            <a:extLst>
+              <a:ext uri="{28A0092B-C50C-407E-A947-70E740481C1C}">
+                <a14:useLocalDpi xmlns:a14="http://schemas.microsoft.com/office/drawing/2010/main" val="0"/>
+              </a:ext>
+            </a:extLst>
+          </a:blip>
+          <a:srcRect r="37727" b="37337"/>
+          <a:stretch/>
+        </p:blipFill>
+        <p:spPr>
+          <a:xfrm>
+            <a:off x="5326759" y="1192474"/>
+            <a:ext cx="6247256" cy="3746012"/>
+          </a:xfrm>
+          <a:prstGeom prst="rect">
+            <a:avLst/>
+          </a:prstGeom>
+          <a:ln>
+            <a:solidFill>
+              <a:schemeClr val="bg2">
+                <a:lumMod val="75000"/>
+              </a:schemeClr>
+            </a:solidFill>
+          </a:ln>
+        </p:spPr>
+      </p:pic>
+      <p:pic>
+        <p:nvPicPr>
+          <p:cNvPr id="9" name="Picture 8">
+            <a:extLst>
+              <a:ext uri="{FF2B5EF4-FFF2-40B4-BE49-F238E27FC236}">
+                <a16:creationId xmlns:a16="http://schemas.microsoft.com/office/drawing/2014/main" id="{6746230B-5F37-7DDD-CD7D-B70C19213492}"/>
+              </a:ext>
+            </a:extLst>
+          </p:cNvPr>
+          <p:cNvPicPr>
+            <a:picLocks noChangeAspect="1"/>
+          </p:cNvPicPr>
+          <p:nvPr/>
+        </p:nvPicPr>
+        <p:blipFill rotWithShape="1">
+          <a:blip r:embed="rId2">
+            <a:extLst>
+              <a:ext uri="{28A0092B-C50C-407E-A947-70E740481C1C}">
+                <a14:useLocalDpi xmlns:a14="http://schemas.microsoft.com/office/drawing/2010/main" val="0"/>
+              </a:ext>
+            </a:extLst>
+          </a:blip>
+          <a:srcRect l="63624" t="48628" b="5030"/>
+          <a:stretch/>
+        </p:blipFill>
+        <p:spPr>
+          <a:xfrm>
+            <a:off x="741000" y="3765350"/>
+            <a:ext cx="3807052" cy="2890150"/>
+          </a:xfrm>
+          <a:prstGeom prst="rect">
+            <a:avLst/>
+          </a:prstGeom>
+          <a:ln>
+            <a:solidFill>
+              <a:schemeClr val="bg2">
+                <a:lumMod val="75000"/>
+              </a:schemeClr>
+            </a:solidFill>
+          </a:ln>
+        </p:spPr>
+      </p:pic>
+    </p:spTree>
+    <p:extLst>
+      <p:ext uri="{BB962C8B-B14F-4D97-AF65-F5344CB8AC3E}">
+        <p14:creationId xmlns:p14="http://schemas.microsoft.com/office/powerpoint/2010/main" val="779184761"/>
+      </p:ext>
+    </p:extLst>
+  </p:cSld>
+  <p:clrMapOvr>
+    <a:masterClrMapping/>
+  </p:clrMapOvr>
+  <mc:AlternateContent xmlns:mc="http://schemas.openxmlformats.org/markup-compatibility/2006" xmlns:p14="http://schemas.microsoft.com/office/powerpoint/2010/main">
+    <mc:Choice Requires="p14">
+      <p:transition spd="slow" p14:dur="2000" advClick="0" advTm="5000"/>
+    </mc:Choice>
+    <mc:Fallback xmlns="">
+      <p:transition spd="slow" advClick="0" advTm="5000"/>
+    </mc:Fallback>
+  </mc:AlternateContent>
+  <p:timing>
+    <p:tnLst>
+      <p:par>
+        <p:cTn id="1" dur="indefinite" restart="never" nodeType="tmRoot">
+          <p:childTnLst>
+            <p:seq concurrent="1" nextAc="seek">
+              <p:cTn id="2" dur="indefinite" nodeType="mainSeq">
+                <p:childTnLst>
+                  <p:par>
+                    <p:cTn id="3" fill="hold">
+                      <p:stCondLst>
+                        <p:cond delay="indefinite"/>
+                        <p:cond evt="onBegin" delay="0">
+                          <p:tn val="2"/>
+                        </p:cond>
+                      </p:stCondLst>
+                      <p:childTnLst>
+                        <p:par>
+                          <p:cTn id="4" fill="hold">
+                            <p:stCondLst>
+                              <p:cond delay="0"/>
+                            </p:stCondLst>
+                            <p:childTnLst>
+                              <p:par>
+                                <p:cTn id="5" presetID="1" presetClass="entr" presetSubtype="0" fill="hold" nodeType="withEffect">
+                                  <p:stCondLst>
+                                    <p:cond delay="0"/>
+                                  </p:stCondLst>
+                                  <p:childTnLst>
+                                    <p:set>
+                                      <p:cBhvr>
+                                        <p:cTn id="6" dur="1" fill="hold">
+                                          <p:stCondLst>
+                                            <p:cond delay="0"/>
+                                          </p:stCondLst>
+                                        </p:cTn>
+                                        <p:tgtEl>
+                                          <p:spTgt spid="3">
+                                            <p:txEl>
+                                              <p:pRg st="0" end="0"/>
+                                            </p:txEl>
+                                          </p:spTgt>
+                                        </p:tgtEl>
+                                        <p:attrNameLst>
+                                          <p:attrName>style.visibility</p:attrName>
+                                        </p:attrNameLst>
+                                      </p:cBhvr>
+                                      <p:to>
+                                        <p:strVal val="visible"/>
+                                      </p:to>
+                                    </p:set>
+                                  </p:childTnLst>
+                                </p:cTn>
+                              </p:par>
+                              <p:par>
+                                <p:cTn id="7" presetID="1" presetClass="entr" presetSubtype="0" fill="hold" nodeType="withEffect">
+                                  <p:stCondLst>
+                                    <p:cond delay="0"/>
+                                  </p:stCondLst>
+                                  <p:childTnLst>
+                                    <p:set>
+                                      <p:cBhvr>
+                                        <p:cTn id="8" dur="1" fill="hold">
+                                          <p:stCondLst>
+                                            <p:cond delay="0"/>
+                                          </p:stCondLst>
+                                        </p:cTn>
+                                        <p:tgtEl>
+                                          <p:spTgt spid="6"/>
+                                        </p:tgtEl>
+                                        <p:attrNameLst>
+                                          <p:attrName>style.visibility</p:attrName>
+                                        </p:attrNameLst>
+                                      </p:cBhvr>
+                                      <p:to>
+                                        <p:strVal val="visible"/>
+                                      </p:to>
+                                    </p:set>
+                                  </p:childTnLst>
+                                </p:cTn>
+                              </p:par>
+                            </p:childTnLst>
+                          </p:cTn>
+                        </p:par>
+                      </p:childTnLst>
+                    </p:cTn>
+                  </p:par>
+                  <p:par>
+                    <p:cTn id="9" fill="hold">
+                      <p:stCondLst>
+                        <p:cond delay="indefinite"/>
+                      </p:stCondLst>
+                      <p:childTnLst>
+                        <p:par>
+                          <p:cTn id="10" fill="hold">
+                            <p:stCondLst>
+                              <p:cond delay="0"/>
+                            </p:stCondLst>
+                            <p:childTnLst>
+                              <p:par>
+                                <p:cTn id="11" presetID="1" presetClass="entr" presetSubtype="0" fill="hold" nodeType="clickEffect">
+                                  <p:stCondLst>
+                                    <p:cond delay="0"/>
+                                  </p:stCondLst>
+                                  <p:childTnLst>
+                                    <p:set>
+                                      <p:cBhvr>
+                                        <p:cTn id="12" dur="1" fill="hold">
+                                          <p:stCondLst>
+                                            <p:cond delay="0"/>
+                                          </p:stCondLst>
+                                        </p:cTn>
+                                        <p:tgtEl>
+                                          <p:spTgt spid="3">
+                                            <p:txEl>
+                                              <p:pRg st="1" end="1"/>
+                                            </p:txEl>
+                                          </p:spTgt>
+                                        </p:tgtEl>
+                                        <p:attrNameLst>
+                                          <p:attrName>style.visibility</p:attrName>
+                                        </p:attrNameLst>
+                                      </p:cBhvr>
+                                      <p:to>
+                                        <p:strVal val="visible"/>
+                                      </p:to>
+                                    </p:set>
+                                  </p:childTnLst>
+                                </p:cTn>
+                              </p:par>
+                              <p:par>
+                                <p:cTn id="13" presetID="1" presetClass="entr" presetSubtype="0" fill="hold" nodeType="withEffect">
+                                  <p:stCondLst>
+                                    <p:cond delay="0"/>
+                                  </p:stCondLst>
+                                  <p:childTnLst>
+                                    <p:set>
+                                      <p:cBhvr>
+                                        <p:cTn id="14" dur="1" fill="hold">
+                                          <p:stCondLst>
+                                            <p:cond delay="0"/>
+                                          </p:stCondLst>
+                                        </p:cTn>
+                                        <p:tgtEl>
+                                          <p:spTgt spid="3">
+                                            <p:txEl>
+                                              <p:pRg st="2" end="2"/>
+                                            </p:txEl>
+                                          </p:spTgt>
+                                        </p:tgtEl>
+                                        <p:attrNameLst>
+                                          <p:attrName>style.visibility</p:attrName>
+                                        </p:attrNameLst>
+                                      </p:cBhvr>
+                                      <p:to>
+                                        <p:strVal val="visible"/>
+                                      </p:to>
+                                    </p:set>
+                                  </p:childTnLst>
+                                </p:cTn>
+                              </p:par>
+                              <p:par>
+                                <p:cTn id="15" presetID="1" presetClass="entr" presetSubtype="0" fill="hold" nodeType="withEffect">
+                                  <p:stCondLst>
+                                    <p:cond delay="0"/>
+                                  </p:stCondLst>
+                                  <p:childTnLst>
+                                    <p:set>
+                                      <p:cBhvr>
+                                        <p:cTn id="16" dur="1" fill="hold">
+                                          <p:stCondLst>
+                                            <p:cond delay="0"/>
+                                          </p:stCondLst>
+                                        </p:cTn>
+                                        <p:tgtEl>
+                                          <p:spTgt spid="9"/>
+                                        </p:tgtEl>
+                                        <p:attrNameLst>
+                                          <p:attrName>style.visibility</p:attrName>
+                                        </p:attrNameLst>
+                                      </p:cBhvr>
+                                      <p:to>
+                                        <p:strVal val="visible"/>
+                                      </p:to>
+                                    </p:set>
+                                  </p:childTnLst>
+                                </p:cTn>
+                              </p:par>
+                            </p:childTnLst>
+                          </p:cTn>
+                        </p:par>
+                      </p:childTnLst>
+                    </p:cTn>
+                  </p:par>
+                </p:childTnLst>
+              </p:cTn>
+              <p:prevCondLst>
+                <p:cond evt="onPrev" delay="0">
+                  <p:tgtEl>
+                    <p:sldTgt/>
+                  </p:tgtEl>
+                </p:cond>
+              </p:prevCondLst>
+              <p:nextCondLst>
+                <p:cond evt="onNext" delay="0">
+                  <p:tgtEl>
+                    <p:sldTgt/>
+                  </p:tgtEl>
+                </p:cond>
+              </p:nextCondLst>
+            </p:seq>
+          </p:childTnLst>
+        </p:cTn>
+      </p:par>
+    </p:tnLst>
+  </p:timing>
+</p:sld>
+</file>
+
+<file path=ppt/slides/slide21.xml><?xml version="1.0" encoding="utf-8"?>
+<p:sld xmlns:a="http://schemas.openxmlformats.org/drawingml/2006/main" xmlns:r="http://schemas.openxmlformats.org/officeDocument/2006/relationships" xmlns:p="http://schemas.openxmlformats.org/presentationml/2006/main">
+  <p:cSld>
+    <p:spTree>
+      <p:nvGrpSpPr>
+        <p:cNvPr id="1" name=""/>
+        <p:cNvGrpSpPr/>
+        <p:nvPr/>
+      </p:nvGrpSpPr>
+      <p:grpSpPr>
+        <a:xfrm>
+          <a:off x="0" y="0"/>
+          <a:ext cx="0" cy="0"/>
+          <a:chOff x="0" y="0"/>
+          <a:chExt cx="0" cy="0"/>
+        </a:xfrm>
+      </p:grpSpPr>
+      <p:sp>
+        <p:nvSpPr>
+          <p:cNvPr id="2" name="Slide Number Placeholder 1">
+            <a:extLst>
+              <a:ext uri="{FF2B5EF4-FFF2-40B4-BE49-F238E27FC236}">
+                <a16:creationId xmlns:a16="http://schemas.microsoft.com/office/drawing/2014/main" id="{6DA344CE-837B-5474-434A-D67C35E3F132}"/>
+              </a:ext>
+            </a:extLst>
+          </p:cNvPr>
+          <p:cNvSpPr>
+            <a:spLocks noGrp="1"/>
+          </p:cNvSpPr>
+          <p:nvPr>
+            <p:ph type="sldNum" sz="quarter" idx="5"/>
+          </p:nvPr>
+        </p:nvSpPr>
+        <p:spPr/>
+        <p:txBody>
+          <a:bodyPr/>
+          <a:lstStyle/>
+          <a:p>
+            <a:fld id="{2BF067CD-8E6B-4360-9AA8-C5DF2A48A6D1}" type="slidenum">
+              <a:rPr lang="en-US" noProof="0" smtClean="0"/>
+              <a:pPr/>
+              <a:t>21</a:t>
+            </a:fld>
+            <a:endParaRPr lang="en-US" noProof="0" dirty="0"/>
+          </a:p>
+        </p:txBody>
+      </p:sp>
+      <p:sp>
+        <p:nvSpPr>
+          <p:cNvPr id="3" name="Text Placeholder 2">
+            <a:extLst>
+              <a:ext uri="{FF2B5EF4-FFF2-40B4-BE49-F238E27FC236}">
                 <a16:creationId xmlns:a16="http://schemas.microsoft.com/office/drawing/2014/main" id="{81E203A2-8BC8-9F89-C7BB-B38BA6293612}"/>
               </a:ext>
             </a:extLst>
@@ -15210,7 +15490,7 @@
           <p:nvPr/>
         </p:nvPicPr>
         <p:blipFill>
-          <a:blip r:embed="rId2">
+          <a:blip r:embed="rId3">
             <a:extLst>
               <a:ext uri="{28A0092B-C50C-407E-A947-70E740481C1C}">
                 <a14:useLocalDpi xmlns:a14="http://schemas.microsoft.com/office/drawing/2010/main" val="0"/>
@@ -15626,10 +15906,15 @@
       <p:bldP spid="6" grpId="0" animBg="1"/>
     </p:bldLst>
   </p:timing>
+  <p:extLst>
+    <p:ext uri="{6950BFC3-D8DA-4A85-94F7-54DA5524770B}">
+      <p188:commentRel xmlns:p188="http://schemas.microsoft.com/office/powerpoint/2018/8/main" r:id="rId2"/>
+    </p:ext>
+  </p:extLst>
 </p:sld>
 </file>
 
-<file path=ppt/slides/slide21.xml><?xml version="1.0" encoding="utf-8"?>
+<file path=ppt/slides/slide22.xml><?xml version="1.0" encoding="utf-8"?>
 <p:sld xmlns:a="http://schemas.openxmlformats.org/drawingml/2006/main" xmlns:r="http://schemas.openxmlformats.org/officeDocument/2006/relationships" xmlns:p="http://schemas.openxmlformats.org/presentationml/2006/main">
   <p:cSld>
     <p:spTree>
@@ -15670,7 +15955,7 @@
             <a:fld id="{2BF067CD-8E6B-4360-9AA8-C5DF2A48A6D1}" type="slidenum">
               <a:rPr lang="en-US" noProof="0" smtClean="0"/>
               <a:pPr/>
-              <a:t>21</a:t>
+              <a:t>22</a:t>
             </a:fld>
             <a:endParaRPr lang="en-US" noProof="0" dirty="0"/>
           </a:p>
@@ -15764,7 +16049,15 @@
             </a:r>
             <a:r>
               <a:rPr lang="bg-BG" sz="3000" dirty="0"/>
-              <a:t>бутона и избираме </a:t>
+              <a:t>бутона и</a:t>
+            </a:r>
+            <a:r>
+              <a:rPr lang="en-US" sz="3000" dirty="0"/>
+              <a:t> </a:t>
+            </a:r>
+            <a:r>
+              <a:rPr lang="bg-BG" sz="3000" dirty="0"/>
+              <a:t>да изберем </a:t>
             </a:r>
             <a:r>
               <a:rPr lang="en-US" sz="3000" b="1" dirty="0">
@@ -16367,7 +16660,7 @@
 </p:sld>
 </file>
 
-<file path=ppt/slides/slide22.xml><?xml version="1.0" encoding="utf-8"?>
+<file path=ppt/slides/slide23.xml><?xml version="1.0" encoding="utf-8"?>
 <p:sld xmlns:a="http://schemas.openxmlformats.org/drawingml/2006/main" xmlns:r="http://schemas.openxmlformats.org/officeDocument/2006/relationships" xmlns:p="http://schemas.openxmlformats.org/presentationml/2006/main">
   <p:cSld>
     <p:spTree>
@@ -16408,7 +16701,7 @@
             <a:fld id="{2BF067CD-8E6B-4360-9AA8-C5DF2A48A6D1}" type="slidenum">
               <a:rPr lang="en-US" noProof="0" smtClean="0"/>
               <a:pPr/>
-              <a:t>22</a:t>
+              <a:t>23</a:t>
             </a:fld>
             <a:endParaRPr lang="en-US" noProof="0" dirty="0"/>
           </a:p>
@@ -17014,7 +17307,7 @@
 </p:sld>
 </file>
 
-<file path=ppt/slides/slide23.xml><?xml version="1.0" encoding="utf-8"?>
+<file path=ppt/slides/slide24.xml><?xml version="1.0" encoding="utf-8"?>
 <p:sld xmlns:a="http://schemas.openxmlformats.org/drawingml/2006/main" xmlns:r="http://schemas.openxmlformats.org/officeDocument/2006/relationships" xmlns:p="http://schemas.openxmlformats.org/presentationml/2006/main">
   <p:cSld>
     <p:spTree>
@@ -17055,7 +17348,7 @@
             <a:fld id="{2BF067CD-8E6B-4360-9AA8-C5DF2A48A6D1}" type="slidenum">
               <a:rPr lang="en-US" noProof="0" smtClean="0"/>
               <a:pPr/>
-              <a:t>23</a:t>
+              <a:t>24</a:t>
             </a:fld>
             <a:endParaRPr lang="en-US" noProof="0" dirty="0"/>
           </a:p>
@@ -17333,55 +17626,6 @@
                       </p:childTnLst>
                     </p:cTn>
                   </p:par>
-                  <p:par>
-                    <p:cTn id="9" fill="hold">
-                      <p:stCondLst>
-                        <p:cond delay="indefinite"/>
-                      </p:stCondLst>
-                      <p:childTnLst>
-                        <p:par>
-                          <p:cTn id="10" fill="hold">
-                            <p:stCondLst>
-                              <p:cond delay="0"/>
-                            </p:stCondLst>
-                            <p:childTnLst>
-                              <p:par>
-                                <p:cTn id="11" presetID="1" presetClass="entr" presetSubtype="0" fill="hold" nodeType="clickEffect">
-                                  <p:stCondLst>
-                                    <p:cond delay="0"/>
-                                  </p:stCondLst>
-                                  <p:childTnLst>
-                                    <p:set>
-                                      <p:cBhvr>
-                                        <p:cTn id="12" dur="1" fill="hold">
-                                          <p:stCondLst>
-                                            <p:cond delay="0"/>
-                                          </p:stCondLst>
-                                        </p:cTn>
-                                        <p:tgtEl>
-                                          <p:spTgt spid="3">
-                                            <p:txEl>
-                                              <p:pRg st="0" end="0"/>
-                                            </p:txEl>
-                                          </p:spTgt>
-                                        </p:tgtEl>
-                                        <p:attrNameLst>
-                                          <p:attrName>style.visibility</p:attrName>
-                                        </p:attrNameLst>
-                                      </p:cBhvr>
-                                      <p:to>
-                                        <p:strVal val="visible"/>
-                                      </p:to>
-                                    </p:set>
-                                  </p:childTnLst>
-                                </p:cTn>
-                              </p:par>
-                            </p:childTnLst>
-                          </p:cTn>
-                        </p:par>
-                      </p:childTnLst>
-                    </p:cTn>
-                  </p:par>
                 </p:childTnLst>
               </p:cTn>
               <p:prevCondLst>
@@ -17407,7 +17651,7 @@
 </p:sld>
 </file>
 
-<file path=ppt/slides/slide24.xml><?xml version="1.0" encoding="utf-8"?>
+<file path=ppt/slides/slide25.xml><?xml version="1.0" encoding="utf-8"?>
 <p:sld xmlns:a="http://schemas.openxmlformats.org/drawingml/2006/main" xmlns:r="http://schemas.openxmlformats.org/officeDocument/2006/relationships" xmlns:p="http://schemas.openxmlformats.org/presentationml/2006/main">
   <p:cSld>
     <p:spTree>
@@ -17448,7 +17692,7 @@
             <a:fld id="{2BF067CD-8E6B-4360-9AA8-C5DF2A48A6D1}" type="slidenum">
               <a:rPr lang="en-US" noProof="0" smtClean="0"/>
               <a:pPr/>
-              <a:t>24</a:t>
+              <a:t>25</a:t>
             </a:fld>
             <a:endParaRPr lang="en-US" noProof="0" dirty="0"/>
           </a:p>
@@ -17537,7 +17781,10 @@
               <a:t> </a:t>
             </a:r>
             <a:r>
-              <a:rPr lang="en-US" sz="3000" b="1" dirty="0"/>
+              <a:rPr lang="en-US" sz="3000" b="1" dirty="0">
+                <a:latin typeface="Consolas" panose="020B0609020204030204" pitchFamily="49" charset="0"/>
+                <a:cs typeface="Consolas" panose="020B0609020204030204" pitchFamily="49" charset="0"/>
+              </a:rPr>
               <a:t>private</a:t>
             </a:r>
             <a:r>
@@ -18056,7 +18303,7 @@
 </p:sld>
 </file>
 
-<file path=ppt/slides/slide25.xml><?xml version="1.0" encoding="utf-8"?>
+<file path=ppt/slides/slide26.xml><?xml version="1.0" encoding="utf-8"?>
 <p:sld xmlns:a="http://schemas.openxmlformats.org/drawingml/2006/main" xmlns:r="http://schemas.openxmlformats.org/officeDocument/2006/relationships" xmlns:p="http://schemas.openxmlformats.org/presentationml/2006/main">
   <p:cSld>
     <p:spTree>
@@ -18097,7 +18344,7 @@
             <a:fld id="{2BF067CD-8E6B-4360-9AA8-C5DF2A48A6D1}" type="slidenum">
               <a:rPr lang="en-US" noProof="0" smtClean="0"/>
               <a:pPr/>
-              <a:t>25</a:t>
+              <a:t>26</a:t>
             </a:fld>
             <a:endParaRPr lang="en-US" noProof="0" dirty="0"/>
           </a:p>
@@ -19019,7 +19266,7 @@
 </p:sld>
 </file>
 
-<file path=ppt/slides/slide26.xml><?xml version="1.0" encoding="utf-8"?>
+<file path=ppt/slides/slide27.xml><?xml version="1.0" encoding="utf-8"?>
 <p:sld xmlns:a="http://schemas.openxmlformats.org/drawingml/2006/main" xmlns:r="http://schemas.openxmlformats.org/officeDocument/2006/relationships" xmlns:p="http://schemas.openxmlformats.org/presentationml/2006/main">
   <p:cSld>
     <p:spTree>
@@ -19060,7 +19307,7 @@
             <a:fld id="{2BF067CD-8E6B-4360-9AA8-C5DF2A48A6D1}" type="slidenum">
               <a:rPr lang="en-US" noProof="0" smtClean="0"/>
               <a:pPr/>
-              <a:t>26</a:t>
+              <a:t>27</a:t>
             </a:fld>
             <a:endParaRPr lang="en-US" noProof="0" dirty="0"/>
           </a:p>
@@ -20004,7 +20251,7 @@
 </p:sld>
 </file>
 
-<file path=ppt/slides/slide27.xml><?xml version="1.0" encoding="utf-8"?>
+<file path=ppt/slides/slide28.xml><?xml version="1.0" encoding="utf-8"?>
 <p:sld xmlns:a="http://schemas.openxmlformats.org/drawingml/2006/main" xmlns:r="http://schemas.openxmlformats.org/officeDocument/2006/relationships" xmlns:p="http://schemas.openxmlformats.org/presentationml/2006/main">
   <p:cSld>
     <p:spTree>
@@ -20045,7 +20292,7 @@
             <a:fld id="{2BF067CD-8E6B-4360-9AA8-C5DF2A48A6D1}" type="slidenum">
               <a:rPr lang="en-US" noProof="0" smtClean="0"/>
               <a:pPr/>
-              <a:t>27</a:t>
+              <a:t>28</a:t>
             </a:fld>
             <a:endParaRPr lang="en-US" noProof="0" dirty="0"/>
           </a:p>
@@ -20832,7 +21079,7 @@
 </p:sld>
 </file>
 
-<file path=ppt/slides/slide28.xml><?xml version="1.0" encoding="utf-8"?>
+<file path=ppt/slides/slide29.xml><?xml version="1.0" encoding="utf-8"?>
 <p:sld xmlns:a="http://schemas.openxmlformats.org/drawingml/2006/main" xmlns:r="http://schemas.openxmlformats.org/officeDocument/2006/relationships" xmlns:p="http://schemas.openxmlformats.org/presentationml/2006/main">
   <p:cSld>
     <p:spTree>
@@ -20873,7 +21120,7 @@
             <a:fld id="{2BF067CD-8E6B-4360-9AA8-C5DF2A48A6D1}" type="slidenum">
               <a:rPr lang="en-US" noProof="0" smtClean="0"/>
               <a:pPr/>
-              <a:t>28</a:t>
+              <a:t>29</a:t>
             </a:fld>
             <a:endParaRPr lang="en-US" noProof="0" dirty="0"/>
           </a:p>
@@ -21312,7 +21559,146 @@
 </p:sld>
 </file>
 
-<file path=ppt/slides/slide29.xml><?xml version="1.0" encoding="utf-8"?>
+<file path=ppt/slides/slide3.xml><?xml version="1.0" encoding="utf-8"?>
+<p:sld xmlns:a="http://schemas.openxmlformats.org/drawingml/2006/main" xmlns:r="http://schemas.openxmlformats.org/officeDocument/2006/relationships" xmlns:p="http://schemas.openxmlformats.org/presentationml/2006/main">
+  <p:cSld>
+    <p:spTree>
+      <p:nvGrpSpPr>
+        <p:cNvPr id="1" name=""/>
+        <p:cNvGrpSpPr/>
+        <p:nvPr/>
+      </p:nvGrpSpPr>
+      <p:grpSpPr>
+        <a:xfrm>
+          <a:off x="0" y="0"/>
+          <a:ext cx="0" cy="0"/>
+          <a:chOff x="0" y="0"/>
+          <a:chExt cx="0" cy="0"/>
+        </a:xfrm>
+      </p:grpSpPr>
+      <p:sp>
+        <p:nvSpPr>
+          <p:cNvPr id="4" name="Slide Subtitle">
+            <a:extLst>
+              <a:ext uri="{FF2B5EF4-FFF2-40B4-BE49-F238E27FC236}">
+                <a16:creationId xmlns:a16="http://schemas.microsoft.com/office/drawing/2014/main" id="{BEB5BB41-09D4-4E9F-8C80-EE8709171CB3}"/>
+              </a:ext>
+            </a:extLst>
+          </p:cNvPr>
+          <p:cNvSpPr>
+            <a:spLocks noGrp="1"/>
+          </p:cNvSpPr>
+          <p:nvPr>
+            <p:ph type="subTitle" sz="quarter" idx="11"/>
+          </p:nvPr>
+        </p:nvSpPr>
+        <p:spPr/>
+        <p:txBody>
+          <a:bodyPr/>
+          <a:lstStyle/>
+          <a:p>
+            <a:r>
+              <a:rPr lang="bg-BG" dirty="0"/>
+              <a:t>Извличане на съдържание от таблица от БД</a:t>
+            </a:r>
+          </a:p>
+        </p:txBody>
+      </p:sp>
+      <p:sp>
+        <p:nvSpPr>
+          <p:cNvPr id="6" name="Slide Title">
+            <a:extLst>
+              <a:ext uri="{FF2B5EF4-FFF2-40B4-BE49-F238E27FC236}">
+                <a16:creationId xmlns:a16="http://schemas.microsoft.com/office/drawing/2014/main" id="{028D9EA3-B5E0-4F17-9467-4BE3C280DA68}"/>
+              </a:ext>
+            </a:extLst>
+          </p:cNvPr>
+          <p:cNvSpPr>
+            <a:spLocks noGrp="1"/>
+          </p:cNvSpPr>
+          <p:nvPr>
+            <p:ph type="title" sz="quarter" idx="10"/>
+          </p:nvPr>
+        </p:nvSpPr>
+        <p:spPr>
+          <a:xfrm>
+            <a:off x="475553" y="4734000"/>
+            <a:ext cx="11240891" cy="768084"/>
+          </a:xfrm>
+        </p:spPr>
+        <p:txBody>
+          <a:bodyPr/>
+          <a:lstStyle/>
+          <a:p>
+            <a:r>
+              <a:rPr lang="bg-BG" sz="4800" dirty="0"/>
+              <a:t>Визуализация на данни в </a:t>
+            </a:r>
+            <a:r>
+              <a:rPr lang="en-US" sz="4800" dirty="0"/>
+              <a:t>Windows Forms</a:t>
+            </a:r>
+          </a:p>
+        </p:txBody>
+      </p:sp>
+      <p:pic>
+        <p:nvPicPr>
+          <p:cNvPr id="7" name="Picture 6">
+            <a:extLst>
+              <a:ext uri="{FF2B5EF4-FFF2-40B4-BE49-F238E27FC236}">
+                <a16:creationId xmlns:a16="http://schemas.microsoft.com/office/drawing/2014/main" id="{5CC01025-C143-3AE8-DB39-D3730A2A7E49}"/>
+              </a:ext>
+            </a:extLst>
+          </p:cNvPr>
+          <p:cNvPicPr>
+            <a:picLocks noChangeAspect="1"/>
+          </p:cNvPicPr>
+          <p:nvPr/>
+        </p:nvPicPr>
+        <p:blipFill>
+          <a:blip r:embed="rId3">
+            <a:extLst>
+              <a:ext uri="{28A0092B-C50C-407E-A947-70E740481C1C}">
+                <a14:useLocalDpi xmlns:a14="http://schemas.microsoft.com/office/drawing/2010/main" val="0"/>
+              </a:ext>
+            </a:extLst>
+          </a:blip>
+          <a:stretch>
+            <a:fillRect/>
+          </a:stretch>
+        </p:blipFill>
+        <p:spPr>
+          <a:xfrm>
+            <a:off x="4770255" y="1777703"/>
+            <a:ext cx="2651489" cy="1731202"/>
+          </a:xfrm>
+          <a:prstGeom prst="rect">
+            <a:avLst/>
+          </a:prstGeom>
+        </p:spPr>
+      </p:pic>
+    </p:spTree>
+    <p:extLst>
+      <p:ext uri="{BB962C8B-B14F-4D97-AF65-F5344CB8AC3E}">
+        <p14:creationId xmlns:p14="http://schemas.microsoft.com/office/powerpoint/2010/main" val="882194472"/>
+      </p:ext>
+    </p:extLst>
+  </p:cSld>
+  <p:clrMapOvr>
+    <a:masterClrMapping/>
+  </p:clrMapOvr>
+  <mc:AlternateContent xmlns:mc="http://schemas.openxmlformats.org/markup-compatibility/2006" xmlns:p14="http://schemas.microsoft.com/office/powerpoint/2010/main">
+    <mc:Choice Requires="p14">
+      <p:transition spd="slow" p14:dur="2000" advClick="0" advTm="5000"/>
+    </mc:Choice>
+    <mc:Fallback xmlns="">
+      <p:transition spd="slow" advClick="0" advTm="5000"/>
+    </mc:Fallback>
+  </mc:AlternateContent>
+</p:sld>
+</file>
+
+<file path=ppt/slides/slide30.xml><?xml version="1.0" encoding="utf-8"?>
 <p:sld xmlns:a="http://schemas.openxmlformats.org/drawingml/2006/main" xmlns:r="http://schemas.openxmlformats.org/officeDocument/2006/relationships" xmlns:p="http://schemas.openxmlformats.org/presentationml/2006/main">
   <p:cSld>
     <p:spTree>
@@ -22085,7 +22471,7 @@
             <a:fld id="{2BF067CD-8E6B-4360-9AA8-C5DF2A48A6D1}" type="slidenum">
               <a:rPr lang="en-US" noProof="0" smtClean="0"/>
               <a:pPr/>
-              <a:t>29</a:t>
+              <a:t>30</a:t>
             </a:fld>
             <a:endParaRPr lang="en-US" noProof="0" dirty="0"/>
           </a:p>
@@ -22527,146 +22913,7 @@
 </p:sld>
 </file>
 
-<file path=ppt/slides/slide3.xml><?xml version="1.0" encoding="utf-8"?>
-<p:sld xmlns:a="http://schemas.openxmlformats.org/drawingml/2006/main" xmlns:r="http://schemas.openxmlformats.org/officeDocument/2006/relationships" xmlns:p="http://schemas.openxmlformats.org/presentationml/2006/main">
-  <p:cSld>
-    <p:spTree>
-      <p:nvGrpSpPr>
-        <p:cNvPr id="1" name=""/>
-        <p:cNvGrpSpPr/>
-        <p:nvPr/>
-      </p:nvGrpSpPr>
-      <p:grpSpPr>
-        <a:xfrm>
-          <a:off x="0" y="0"/>
-          <a:ext cx="0" cy="0"/>
-          <a:chOff x="0" y="0"/>
-          <a:chExt cx="0" cy="0"/>
-        </a:xfrm>
-      </p:grpSpPr>
-      <p:sp>
-        <p:nvSpPr>
-          <p:cNvPr id="4" name="Slide Subtitle">
-            <a:extLst>
-              <a:ext uri="{FF2B5EF4-FFF2-40B4-BE49-F238E27FC236}">
-                <a16:creationId xmlns:a16="http://schemas.microsoft.com/office/drawing/2014/main" id="{BEB5BB41-09D4-4E9F-8C80-EE8709171CB3}"/>
-              </a:ext>
-            </a:extLst>
-          </p:cNvPr>
-          <p:cNvSpPr>
-            <a:spLocks noGrp="1"/>
-          </p:cNvSpPr>
-          <p:nvPr>
-            <p:ph type="subTitle" sz="quarter" idx="11"/>
-          </p:nvPr>
-        </p:nvSpPr>
-        <p:spPr/>
-        <p:txBody>
-          <a:bodyPr/>
-          <a:lstStyle/>
-          <a:p>
-            <a:r>
-              <a:rPr lang="bg-BG" dirty="0"/>
-              <a:t>Извличане на съдържание от таблица от БД</a:t>
-            </a:r>
-          </a:p>
-        </p:txBody>
-      </p:sp>
-      <p:sp>
-        <p:nvSpPr>
-          <p:cNvPr id="6" name="Slide Title">
-            <a:extLst>
-              <a:ext uri="{FF2B5EF4-FFF2-40B4-BE49-F238E27FC236}">
-                <a16:creationId xmlns:a16="http://schemas.microsoft.com/office/drawing/2014/main" id="{028D9EA3-B5E0-4F17-9467-4BE3C280DA68}"/>
-              </a:ext>
-            </a:extLst>
-          </p:cNvPr>
-          <p:cNvSpPr>
-            <a:spLocks noGrp="1"/>
-          </p:cNvSpPr>
-          <p:nvPr>
-            <p:ph type="title" sz="quarter" idx="10"/>
-          </p:nvPr>
-        </p:nvSpPr>
-        <p:spPr>
-          <a:xfrm>
-            <a:off x="475553" y="4734000"/>
-            <a:ext cx="11240891" cy="768084"/>
-          </a:xfrm>
-        </p:spPr>
-        <p:txBody>
-          <a:bodyPr/>
-          <a:lstStyle/>
-          <a:p>
-            <a:r>
-              <a:rPr lang="bg-BG" sz="4800" dirty="0"/>
-              <a:t>Визуализация на данни в </a:t>
-            </a:r>
-            <a:r>
-              <a:rPr lang="en-US" sz="4800" dirty="0"/>
-              <a:t>Windows Forms</a:t>
-            </a:r>
-          </a:p>
-        </p:txBody>
-      </p:sp>
-      <p:pic>
-        <p:nvPicPr>
-          <p:cNvPr id="7" name="Picture 6">
-            <a:extLst>
-              <a:ext uri="{FF2B5EF4-FFF2-40B4-BE49-F238E27FC236}">
-                <a16:creationId xmlns:a16="http://schemas.microsoft.com/office/drawing/2014/main" id="{5CC01025-C143-3AE8-DB39-D3730A2A7E49}"/>
-              </a:ext>
-            </a:extLst>
-          </p:cNvPr>
-          <p:cNvPicPr>
-            <a:picLocks noChangeAspect="1"/>
-          </p:cNvPicPr>
-          <p:nvPr/>
-        </p:nvPicPr>
-        <p:blipFill>
-          <a:blip r:embed="rId3">
-            <a:extLst>
-              <a:ext uri="{28A0092B-C50C-407E-A947-70E740481C1C}">
-                <a14:useLocalDpi xmlns:a14="http://schemas.microsoft.com/office/drawing/2010/main" val="0"/>
-              </a:ext>
-            </a:extLst>
-          </a:blip>
-          <a:stretch>
-            <a:fillRect/>
-          </a:stretch>
-        </p:blipFill>
-        <p:spPr>
-          <a:xfrm>
-            <a:off x="4770255" y="1777703"/>
-            <a:ext cx="2651489" cy="1731202"/>
-          </a:xfrm>
-          <a:prstGeom prst="rect">
-            <a:avLst/>
-          </a:prstGeom>
-        </p:spPr>
-      </p:pic>
-    </p:spTree>
-    <p:extLst>
-      <p:ext uri="{BB962C8B-B14F-4D97-AF65-F5344CB8AC3E}">
-        <p14:creationId xmlns:p14="http://schemas.microsoft.com/office/powerpoint/2010/main" val="882194472"/>
-      </p:ext>
-    </p:extLst>
-  </p:cSld>
-  <p:clrMapOvr>
-    <a:masterClrMapping/>
-  </p:clrMapOvr>
-  <mc:AlternateContent xmlns:mc="http://schemas.openxmlformats.org/markup-compatibility/2006" xmlns:p14="http://schemas.microsoft.com/office/powerpoint/2010/main">
-    <mc:Choice Requires="p14">
-      <p:transition spd="slow" p14:dur="2000" advClick="0" advTm="5000"/>
-    </mc:Choice>
-    <mc:Fallback xmlns="">
-      <p:transition spd="slow" advClick="0" advTm="5000"/>
-    </mc:Fallback>
-  </mc:AlternateContent>
-</p:sld>
-</file>
-
-<file path=ppt/slides/slide30.xml><?xml version="1.0" encoding="utf-8"?>
+<file path=ppt/slides/slide31.xml><?xml version="1.0" encoding="utf-8"?>
 <p:sld xmlns:a="http://schemas.openxmlformats.org/drawingml/2006/main" xmlns:r="http://schemas.openxmlformats.org/officeDocument/2006/relationships" xmlns:p="http://schemas.openxmlformats.org/presentationml/2006/main">
   <p:cSld>
     <p:spTree>
@@ -22856,7 +23103,7 @@
 </p:sld>
 </file>
 
-<file path=ppt/slides/slide31.xml><?xml version="1.0" encoding="utf-8"?>
+<file path=ppt/slides/slide32.xml><?xml version="1.0" encoding="utf-8"?>
 <p:sld xmlns:a="http://schemas.openxmlformats.org/drawingml/2006/main" xmlns:r="http://schemas.openxmlformats.org/officeDocument/2006/relationships" xmlns:p="http://schemas.openxmlformats.org/presentationml/2006/main">
   <p:cSld>
     <p:spTree>
@@ -22909,7 +23156,7 @@
             <a:fld id="{2BF067CD-8E6B-4360-9AA8-C5DF2A48A6D1}" type="slidenum">
               <a:rPr lang="en-US" smtClean="0"/>
               <a:pPr/>
-              <a:t>31</a:t>
+              <a:t>32</a:t>
             </a:fld>
             <a:endParaRPr lang="en-US" dirty="0"/>
           </a:p>
@@ -23877,7 +24124,7 @@
           <p:nvPr/>
         </p:nvPicPr>
         <p:blipFill>
-          <a:blip r:embed="rId3">
+          <a:blip r:embed="rId2">
             <a:extLst>
               <a:ext uri="{28A0092B-C50C-407E-A947-70E740481C1C}">
                 <a14:useLocalDpi xmlns:a14="http://schemas.microsoft.com/office/drawing/2010/main" val="0"/>
@@ -24077,11 +24324,6 @@
       </p:par>
     </p:tnLst>
   </p:timing>
-  <p:extLst>
-    <p:ext uri="{6950BFC3-D8DA-4A85-94F7-54DA5524770B}">
-      <p188:commentRel xmlns:p188="http://schemas.microsoft.com/office/powerpoint/2018/8/main" r:id="rId2"/>
-    </p:ext>
-  </p:extLst>
 </p:sld>
 </file>
 
@@ -25562,8 +25804,8 @@
         </p:blipFill>
         <p:spPr>
           <a:xfrm>
-            <a:off x="3278201" y="3673736"/>
-            <a:ext cx="5635598" cy="2361284"/>
+            <a:off x="2714971" y="3667294"/>
+            <a:ext cx="6762057" cy="2833264"/>
           </a:xfrm>
           <a:prstGeom prst="rect">
             <a:avLst/>

--- a/Courses/Software-Sciences/Module-4-Information-Systems-New/05-Connecting-Windows-Forms-with-database/05-Connecting-Windows-Forms-with-database.pptx
+++ b/Courses/Software-Sciences/Module-4-Information-Systems-New/05-Connecting-Windows-Forms-with-database/05-Connecting-Windows-Forms-with-database.pptx
@@ -462,7 +462,7 @@
           <a:p>
             <a:fld id="{4E087215-0C8F-4762-A664-737A353EC9A4}" type="datetimeFigureOut">
               <a:rPr lang="bg-BG" smtClean="0"/>
-              <a:t>18.06.24 г.</a:t>
+              <a:t>18.6.2024 г.</a:t>
             </a:fld>
             <a:endParaRPr lang="bg-BG"/>
           </a:p>
@@ -658,7 +658,7 @@
           <a:p>
             <a:fld id="{72D84649-876A-46C9-8472-14CB09C070D8}" type="datetimeFigureOut">
               <a:rPr lang="en-US" smtClean="0"/>
-              <a:t>6/18/24</a:t>
+              <a:t>18-Jun-24</a:t>
             </a:fld>
             <a:endParaRPr lang="en-US"/>
           </a:p>
@@ -12969,6 +12969,200 @@
               </a:rPr>
               <a:t>;Integrated Security=True;" -Provider Microsoft.EntityFrameworkCore.SqlServer -OutputDir Data/Models</a:t>
             </a:r>
+          </a:p>
+        </p:txBody>
+      </p:sp>
+      <p:sp>
+        <p:nvSpPr>
+          <p:cNvPr id="11" name="Speech Bubble: Rectangle with Corners Rounded 10">
+            <a:extLst>
+              <a:ext uri="{FF2B5EF4-FFF2-40B4-BE49-F238E27FC236}">
+                <a16:creationId xmlns:a16="http://schemas.microsoft.com/office/drawing/2014/main" id="{ECACB386-9735-3F64-5C3F-C0E8E3269AD4}"/>
+              </a:ext>
+            </a:extLst>
+          </p:cNvPr>
+          <p:cNvSpPr/>
+          <p:nvPr/>
+        </p:nvSpPr>
+        <p:spPr bwMode="auto">
+          <a:xfrm>
+            <a:off x="5785495" y="2078800"/>
+            <a:ext cx="6285557" cy="1636870"/>
+          </a:xfrm>
+          <a:prstGeom prst="wedgeRoundRectCallout">
+            <a:avLst>
+              <a:gd name="adj1" fmla="val -63021"/>
+              <a:gd name="adj2" fmla="val 61259"/>
+              <a:gd name="adj3" fmla="val 16667"/>
+            </a:avLst>
+          </a:prstGeom>
+          <a:ln/>
+        </p:spPr>
+        <p:style>
+          <a:lnRef idx="1">
+            <a:schemeClr val="accent1"/>
+          </a:lnRef>
+          <a:fillRef idx="2">
+            <a:schemeClr val="accent1"/>
+          </a:fillRef>
+          <a:effectRef idx="1">
+            <a:schemeClr val="accent1"/>
+          </a:effectRef>
+          <a:fontRef idx="minor">
+            <a:schemeClr val="dk1"/>
+          </a:fontRef>
+        </p:style>
+        <p:txBody>
+          <a:bodyPr rot="0" spcFirstLastPara="0" vertOverflow="overflow" horzOverflow="overflow" vert="horz" wrap="square" lIns="91440" tIns="45720" rIns="91440" bIns="45720" numCol="1" spcCol="0" rtlCol="0" fromWordArt="0" anchor="ctr" anchorCtr="0" forceAA="0" compatLnSpc="1">
+            <a:prstTxWarp prst="textNoShape">
+              <a:avLst/>
+            </a:prstTxWarp>
+            <a:noAutofit/>
+          </a:bodyPr>
+          <a:lstStyle/>
+          <a:p>
+            <a:pPr algn="ctr"/>
+            <a:r>
+              <a:rPr lang="bg-BG" sz="2400" b="1" dirty="0">
+                <a:solidFill>
+                  <a:schemeClr val="tx1"/>
+                </a:solidFill>
+              </a:rPr>
+              <a:t>Този третият пакет не ни трябва!</a:t>
+            </a:r>
+          </a:p>
+          <a:p>
+            <a:pPr algn="ctr"/>
+            <a:endParaRPr lang="bg-BG" sz="1000" b="1" dirty="0">
+              <a:solidFill>
+                <a:schemeClr val="tx1"/>
+              </a:solidFill>
+            </a:endParaRPr>
+          </a:p>
+          <a:p>
+            <a:pPr algn="ctr"/>
+            <a:r>
+              <a:rPr lang="en-US" b="1" noProof="1">
+                <a:latin typeface="Consolas" panose="020B0609020204030204" pitchFamily="49" charset="0"/>
+              </a:rPr>
+              <a:t>Microsoft.EntityFrameworkCore.SqlServer.Design</a:t>
+            </a:r>
+            <a:endParaRPr lang="bg-BG" sz="2400" b="1" noProof="1">
+              <a:latin typeface="Consolas" panose="020B0609020204030204" pitchFamily="49" charset="0"/>
+            </a:endParaRPr>
+          </a:p>
+          <a:p>
+            <a:pPr algn="ctr"/>
+            <a:endParaRPr lang="bg-BG" sz="1100" b="1" noProof="1">
+              <a:solidFill>
+                <a:schemeClr val="tx1"/>
+              </a:solidFill>
+              <a:latin typeface="Consolas" panose="020B0609020204030204" pitchFamily="49" charset="0"/>
+            </a:endParaRPr>
+          </a:p>
+          <a:p>
+            <a:pPr algn="ctr"/>
+            <a:r>
+              <a:rPr lang="bg-BG" sz="2400" b="1" noProof="1">
+                <a:solidFill>
+                  <a:schemeClr val="tx1"/>
+                </a:solidFill>
+                <a:latin typeface="Consolas" panose="020B0609020204030204" pitchFamily="49" charset="0"/>
+              </a:rPr>
+              <a:t>Да се изтрие</a:t>
+            </a:r>
+            <a:r>
+              <a:rPr lang="en-US" sz="2400" b="1" noProof="1">
+                <a:solidFill>
+                  <a:schemeClr val="tx1"/>
+                </a:solidFill>
+                <a:latin typeface="Consolas" panose="020B0609020204030204" pitchFamily="49" charset="0"/>
+              </a:rPr>
+              <a:t>.</a:t>
+            </a:r>
+            <a:endParaRPr lang="en-US" sz="2400" b="1" dirty="0">
+              <a:solidFill>
+                <a:schemeClr val="tx1"/>
+              </a:solidFill>
+            </a:endParaRPr>
+          </a:p>
+        </p:txBody>
+      </p:sp>
+      <p:sp>
+        <p:nvSpPr>
+          <p:cNvPr id="12" name="Speech Bubble: Rectangle with Corners Rounded 11">
+            <a:extLst>
+              <a:ext uri="{FF2B5EF4-FFF2-40B4-BE49-F238E27FC236}">
+                <a16:creationId xmlns:a16="http://schemas.microsoft.com/office/drawing/2014/main" id="{4C5F6C14-D782-BEA8-C35E-F32AF0EB1F08}"/>
+              </a:ext>
+            </a:extLst>
+          </p:cNvPr>
+          <p:cNvSpPr/>
+          <p:nvPr/>
+        </p:nvSpPr>
+        <p:spPr bwMode="auto">
+          <a:xfrm>
+            <a:off x="5421000" y="5724000"/>
+            <a:ext cx="4905000" cy="736913"/>
+          </a:xfrm>
+          <a:prstGeom prst="wedgeRoundRectCallout">
+            <a:avLst>
+              <a:gd name="adj1" fmla="val 60272"/>
+              <a:gd name="adj2" fmla="val -54125"/>
+              <a:gd name="adj3" fmla="val 16667"/>
+            </a:avLst>
+          </a:prstGeom>
+          <a:ln/>
+        </p:spPr>
+        <p:style>
+          <a:lnRef idx="1">
+            <a:schemeClr val="accent1"/>
+          </a:lnRef>
+          <a:fillRef idx="2">
+            <a:schemeClr val="accent1"/>
+          </a:fillRef>
+          <a:effectRef idx="1">
+            <a:schemeClr val="accent1"/>
+          </a:effectRef>
+          <a:fontRef idx="minor">
+            <a:schemeClr val="dk1"/>
+          </a:fontRef>
+        </p:style>
+        <p:txBody>
+          <a:bodyPr rot="0" spcFirstLastPara="0" vertOverflow="overflow" horzOverflow="overflow" vert="horz" wrap="square" lIns="91440" tIns="45720" rIns="91440" bIns="45720" numCol="1" spcCol="0" rtlCol="0" fromWordArt="0" anchor="ctr" anchorCtr="0" forceAA="0" compatLnSpc="1">
+            <a:prstTxWarp prst="textNoShape">
+              <a:avLst/>
+            </a:prstTxWarp>
+            <a:noAutofit/>
+          </a:bodyPr>
+          <a:lstStyle/>
+          <a:p>
+            <a:pPr algn="ctr"/>
+            <a:r>
+              <a:rPr lang="bg-BG" sz="2400" b="1" dirty="0">
+                <a:solidFill>
+                  <a:schemeClr val="tx1"/>
+                </a:solidFill>
+              </a:rPr>
+              <a:t>В случая базата данни се казва</a:t>
+            </a:r>
+          </a:p>
+          <a:p>
+            <a:pPr algn="ctr"/>
+            <a:r>
+              <a:rPr lang="en-US" b="1" dirty="0" err="1">
+                <a:solidFill>
+                  <a:schemeClr val="tx1"/>
+                </a:solidFill>
+              </a:rPr>
+              <a:t>StoreDb</a:t>
+            </a:r>
+            <a:endParaRPr lang="bg-BG" sz="2400" b="1" noProof="1">
+              <a:solidFill>
+                <a:schemeClr val="tx1"/>
+              </a:solidFill>
+              <a:latin typeface="Consolas" panose="020B0609020204030204" pitchFamily="49" charset="0"/>
+            </a:endParaRPr>
           </a:p>
         </p:txBody>
       </p:sp>

--- a/Courses/Software-Sciences/Module-4-Information-Systems-New/05-Connecting-Windows-Forms-with-database/05-Connecting-Windows-Forms-with-database.pptx
+++ b/Courses/Software-Sciences/Module-4-Information-Systems-New/05-Connecting-Windows-Forms-with-database/05-Connecting-Windows-Forms-with-database.pptx
@@ -274,6 +274,20 @@
       <pc:sldMk xmlns:pc="http://schemas.microsoft.com/office/powerpoint/2013/main/command" cId="2567521709" sldId="726"/>
       <ac:picMk id="5" creationId="{1DC22179-341D-F5D9-D839-AA8EC5ED988F}"/>
     </ac:deMkLst>
+    <p188:replyLst>
+      <p188:reply id="{C69FD7EA-5B6D-3B4A-A2C2-100163281CE2}" authorId="{B24AAD53-8AA6-8321-73F3-FE25FD6B3B5A}" created="2024-06-19T11:47:27.901">
+        <p188:txBody>
+          <a:bodyPr/>
+          <a:lstStyle/>
+          <a:p>
+            <a:r>
+              <a:rPr lang="en-BG"/>
+              <a:t>Done</a:t>
+            </a:r>
+          </a:p>
+        </p188:txBody>
+      </p188:reply>
+    </p188:replyLst>
     <p188:txBody>
       <a:bodyPr/>
       <a:lstStyle/>
@@ -296,6 +310,20 @@
       <pc:sldMk xmlns:pc="http://schemas.microsoft.com/office/powerpoint/2013/main/command" cId="3714366085" sldId="737"/>
       <ac:picMk id="6" creationId="{FF204932-6255-376F-6310-18B4D4461BB6}"/>
     </ac:deMkLst>
+    <p188:replyLst>
+      <p188:reply id="{DE53B0D2-4C99-1946-9978-D0D8EDD7D00C}" authorId="{B24AAD53-8AA6-8321-73F3-FE25FD6B3B5A}" created="2024-06-19T11:17:59.748">
+        <p188:txBody>
+          <a:bodyPr/>
+          <a:lstStyle/>
+          <a:p>
+            <a:r>
+              <a:rPr lang="en-BG"/>
+              <a:t>Done</a:t>
+            </a:r>
+          </a:p>
+        </p188:txBody>
+      </p188:reply>
+    </p188:replyLst>
     <p188:txBody>
       <a:bodyPr/>
       <a:lstStyle/>
@@ -354,6 +382,20 @@
       </ac:txMk>
     </ac:txMkLst>
     <p188:pos x="4677651" y="2088000"/>
+    <p188:replyLst>
+      <p188:reply id="{1CC75F5C-B6F0-314B-900A-54160FF7F530}" authorId="{B24AAD53-8AA6-8321-73F3-FE25FD6B3B5A}" created="2024-06-19T11:47:52.628">
+        <p188:txBody>
+          <a:bodyPr/>
+          <a:lstStyle/>
+          <a:p>
+            <a:r>
+              <a:rPr lang="en-BG"/>
+              <a:t>Done</a:t>
+            </a:r>
+          </a:p>
+        </p188:txBody>
+      </p188:reply>
+    </p188:replyLst>
     <p188:txBody>
       <a:bodyPr/>
       <a:lstStyle/>
@@ -462,7 +504,7 @@
           <a:p>
             <a:fld id="{4E087215-0C8F-4762-A664-737A353EC9A4}" type="datetimeFigureOut">
               <a:rPr lang="bg-BG" smtClean="0"/>
-              <a:t>18.6.2024 г.</a:t>
+              <a:t>19.06.24 г.</a:t>
             </a:fld>
             <a:endParaRPr lang="bg-BG"/>
           </a:p>
@@ -658,7 +700,7 @@
           <a:p>
             <a:fld id="{72D84649-876A-46C9-8472-14CB09C070D8}" type="datetimeFigureOut">
               <a:rPr lang="en-US" smtClean="0"/>
-              <a:t>18-Jun-24</a:t>
+              <a:t>6/19/24</a:t>
             </a:fld>
             <a:endParaRPr lang="en-US"/>
           </a:p>
@@ -9751,7 +9793,7 @@
         <p:spPr>
           <a:xfrm>
             <a:off x="190402" y="1196125"/>
-            <a:ext cx="11665598" cy="5528766"/>
+            <a:ext cx="8335598" cy="5528766"/>
           </a:xfrm>
         </p:spPr>
         <p:txBody>
@@ -9759,11 +9801,11 @@
           <a:lstStyle/>
           <a:p>
             <a:r>
-              <a:rPr lang="bg-BG" sz="3200" dirty="0"/>
+              <a:rPr lang="bg-BG" sz="3000" dirty="0"/>
               <a:t>Добавяме </a:t>
             </a:r>
             <a:r>
-              <a:rPr lang="en-US" sz="3200" b="1" dirty="0">
+              <a:rPr lang="en-US" sz="3000" b="1" dirty="0">
                 <a:solidFill>
                   <a:schemeClr val="bg1"/>
                 </a:solidFill>
@@ -9772,7 +9814,7 @@
               </a:rPr>
               <a:t>DataSource</a:t>
             </a:r>
-            <a:endParaRPr lang="bg-BG" sz="3200" b="1" dirty="0">
+            <a:endParaRPr lang="bg-BG" sz="3000" b="1" dirty="0">
               <a:solidFill>
                 <a:schemeClr val="bg1"/>
               </a:solidFill>
@@ -9783,11 +9825,19 @@
           <a:p>
             <a:pPr lvl="1"/>
             <a:r>
-              <a:rPr lang="bg-BG" sz="3000" dirty="0"/>
+              <a:rPr lang="bg-BG" sz="2800" dirty="0"/>
               <a:t>С натискане на </a:t>
             </a:r>
             <a:r>
-              <a:rPr lang="bg-BG" sz="3000" b="1" dirty="0">
+              <a:rPr lang="en-US" sz="2800" b="1" dirty="0">
+                <a:solidFill>
+                  <a:schemeClr val="bg1"/>
+                </a:solidFill>
+              </a:rPr>
+              <a:t>action </a:t>
+            </a:r>
+            <a:r>
+              <a:rPr lang="bg-BG" sz="2800" b="1" dirty="0">
                 <a:solidFill>
                   <a:schemeClr val="bg1"/>
                 </a:solidFill>
@@ -9795,21 +9845,61 @@
               <a:t>бутона</a:t>
             </a:r>
             <a:r>
+              <a:rPr lang="bg-BG" sz="2800" dirty="0"/>
+              <a:t> на </a:t>
+            </a:r>
+            <a:r>
+              <a:rPr lang="bg-BG" sz="2800" b="1" dirty="0"/>
+              <a:t>контролата</a:t>
+            </a:r>
+            <a:endParaRPr lang="en-US" sz="2800" b="1" dirty="0"/>
+          </a:p>
+          <a:p>
+            <a:pPr lvl="1"/>
+            <a:r>
+              <a:rPr lang="bg-BG" sz="2800" dirty="0"/>
+              <a:t>Избираме</a:t>
+            </a:r>
+            <a:r>
+              <a:rPr lang="bg-BG" sz="2800" b="1" dirty="0"/>
+              <a:t> </a:t>
+            </a:r>
+            <a:r>
+              <a:rPr lang="en-US" sz="2800" b="1" dirty="0">
+                <a:solidFill>
+                  <a:schemeClr val="bg1"/>
+                </a:solidFill>
+              </a:rPr>
+              <a:t>[Choose Data Source]</a:t>
+            </a:r>
+          </a:p>
+          <a:p>
+            <a:pPr lvl="1"/>
+            <a:r>
+              <a:rPr lang="bg-BG" sz="2800" dirty="0"/>
+              <a:t>Натискаме върху </a:t>
+            </a:r>
+            <a:r>
+              <a:rPr lang="en-US" sz="2800" b="1" dirty="0">
+                <a:solidFill>
+                  <a:schemeClr val="bg1"/>
+                </a:solidFill>
+              </a:rPr>
+              <a:t>[Add new Object]</a:t>
+            </a:r>
+            <a:endParaRPr lang="bg-BG" sz="2800" b="1" dirty="0">
+              <a:solidFill>
+                <a:schemeClr val="bg1"/>
+              </a:solidFill>
+            </a:endParaRPr>
+          </a:p>
+          <a:p>
+            <a:r>
               <a:rPr lang="bg-BG" sz="3000" dirty="0"/>
-              <a:t> на </a:t>
-            </a:r>
-            <a:r>
-              <a:rPr lang="bg-BG" sz="3000" b="1" dirty="0"/>
-              <a:t>контролата</a:t>
-            </a:r>
-          </a:p>
-          <a:p>
-            <a:r>
-              <a:rPr lang="bg-BG" sz="3200" dirty="0"/>
               <a:t>Задаваме </a:t>
             </a:r>
             <a:r>
-              <a:rPr lang="bg-BG" sz="3200" b="1" dirty="0">
+              <a:rPr lang="bg-BG" sz="3000" b="1" dirty="0">
                 <a:solidFill>
                   <a:schemeClr val="bg1"/>
                 </a:solidFill>
@@ -9820,37 +9910,37 @@
           <a:p>
             <a:pPr lvl="1"/>
             <a:r>
-              <a:rPr lang="bg-BG" sz="3000" dirty="0"/>
+              <a:rPr lang="bg-BG" sz="2600" dirty="0"/>
               <a:t>С </a:t>
             </a:r>
             <a:r>
-              <a:rPr lang="bg-BG" sz="3000" b="1" dirty="0"/>
+              <a:rPr lang="bg-BG" sz="2600" b="1" dirty="0"/>
               <a:t>десен бутон </a:t>
             </a:r>
             <a:r>
-              <a:rPr lang="bg-BG" sz="3000" dirty="0"/>
+              <a:rPr lang="bg-BG" sz="2600" dirty="0"/>
               <a:t>върху </a:t>
             </a:r>
             <a:r>
-              <a:rPr lang="bg-BG" sz="3000" b="1" dirty="0"/>
+              <a:rPr lang="bg-BG" sz="2600" b="1" dirty="0"/>
               <a:t>контролата</a:t>
             </a:r>
             <a:r>
-              <a:rPr lang="bg-BG" sz="3000" dirty="0"/>
+              <a:rPr lang="bg-BG" sz="2600" dirty="0"/>
               <a:t> </a:t>
             </a:r>
             <a:r>
-              <a:rPr lang="en-US" sz="2400" dirty="0">
+              <a:rPr lang="en-US" sz="2600" dirty="0">
                 <a:sym typeface="Wingdings" panose="05000000000000000000" pitchFamily="2" charset="2"/>
               </a:rPr>
               <a:t></a:t>
             </a:r>
             <a:r>
-              <a:rPr lang="en-US" sz="3000" dirty="0"/>
+              <a:rPr lang="en-US" sz="2600" dirty="0"/>
               <a:t> </a:t>
             </a:r>
             <a:r>
-              <a:rPr lang="en-US" sz="3000" b="1" dirty="0">
+              <a:rPr lang="en-US" sz="2600" b="1" dirty="0">
                 <a:solidFill>
                   <a:schemeClr val="bg1"/>
                 </a:solidFill>
@@ -9895,10 +9985,10 @@
       </p:sp>
       <p:pic>
         <p:nvPicPr>
-          <p:cNvPr id="6" name="Picture 5">
+          <p:cNvPr id="8" name="Picture 7">
             <a:extLst>
               <a:ext uri="{FF2B5EF4-FFF2-40B4-BE49-F238E27FC236}">
-                <a16:creationId xmlns:a16="http://schemas.microsoft.com/office/drawing/2014/main" id="{FF204932-6255-376F-6310-18B4D4461BB6}"/>
+                <a16:creationId xmlns:a16="http://schemas.microsoft.com/office/drawing/2014/main" id="{C7D2A26A-F5B1-726B-766E-F98130D177E4}"/>
               </a:ext>
             </a:extLst>
           </p:cNvPr>
@@ -9920,8 +10010,167 @@
         </p:blipFill>
         <p:spPr>
           <a:xfrm>
-            <a:off x="1725701" y="3758396"/>
-            <a:ext cx="3105000" cy="2755141"/>
+            <a:off x="8255641" y="4469989"/>
+            <a:ext cx="3681096" cy="2037011"/>
+          </a:xfrm>
+          <a:prstGeom prst="rect">
+            <a:avLst/>
+          </a:prstGeom>
+          <a:ln>
+            <a:solidFill>
+              <a:schemeClr val="bg2">
+                <a:lumMod val="75000"/>
+              </a:schemeClr>
+            </a:solidFill>
+          </a:ln>
+        </p:spPr>
+      </p:pic>
+      <p:sp>
+        <p:nvSpPr>
+          <p:cNvPr id="19" name="Rounded Rectangular Callout 18">
+            <a:extLst>
+              <a:ext uri="{FF2B5EF4-FFF2-40B4-BE49-F238E27FC236}">
+                <a16:creationId xmlns:a16="http://schemas.microsoft.com/office/drawing/2014/main" id="{3AD7EB05-73AD-0A7B-CA6A-BAB2259B14C0}"/>
+              </a:ext>
+            </a:extLst>
+          </p:cNvPr>
+          <p:cNvSpPr/>
+          <p:nvPr/>
+        </p:nvSpPr>
+        <p:spPr bwMode="auto">
+          <a:xfrm>
+            <a:off x="5951701" y="1233577"/>
+            <a:ext cx="2154703" cy="577574"/>
+          </a:xfrm>
+          <a:prstGeom prst="wedgeRoundRectCallout">
+            <a:avLst>
+              <a:gd name="adj1" fmla="val 73965"/>
+              <a:gd name="adj2" fmla="val -27759"/>
+              <a:gd name="adj3" fmla="val 16667"/>
+            </a:avLst>
+          </a:prstGeom>
+          <a:solidFill>
+            <a:schemeClr val="dk2">
+              <a:alpha val="80000"/>
+            </a:schemeClr>
+          </a:solidFill>
+          <a:ln w="19050">
+            <a:solidFill>
+              <a:schemeClr val="tx1">
+                <a:lumMod val="75000"/>
+                <a:alpha val="80000"/>
+              </a:schemeClr>
+            </a:solidFill>
+          </a:ln>
+          <a:effectLst/>
+        </p:spPr>
+        <p:style>
+          <a:lnRef idx="2">
+            <a:schemeClr val="accent1">
+              <a:shade val="50000"/>
+            </a:schemeClr>
+          </a:lnRef>
+          <a:fillRef idx="1001">
+            <a:schemeClr val="dk2"/>
+          </a:fillRef>
+          <a:effectRef idx="0">
+            <a:schemeClr val="accent1"/>
+          </a:effectRef>
+          <a:fontRef idx="minor">
+            <a:schemeClr val="lt1"/>
+          </a:fontRef>
+        </p:style>
+        <p:txBody>
+          <a:bodyPr rot="0" spcFirstLastPara="0" vertOverflow="overflow" horzOverflow="overflow" vert="horz" wrap="square" lIns="91440" tIns="45720" rIns="91440" bIns="45720" numCol="1" spcCol="0" rtlCol="0" fromWordArt="0" anchor="ctr" anchorCtr="0" forceAA="0" compatLnSpc="1">
+            <a:prstTxWarp prst="textNoShape">
+              <a:avLst/>
+            </a:prstTxWarp>
+            <a:noAutofit/>
+          </a:bodyPr>
+          <a:lstStyle/>
+          <a:p>
+            <a:pPr algn="ctr"/>
+            <a:r>
+              <a:rPr lang="en-US" sz="2400" b="1" dirty="0">
+                <a:solidFill>
+                  <a:schemeClr val="accent1">
+                    <a:lumMod val="60000"/>
+                    <a:lumOff val="40000"/>
+                  </a:schemeClr>
+                </a:solidFill>
+                <a:effectLst>
+                  <a:outerShdw blurRad="38100" dist="38100" dir="2700000" algn="tl">
+                    <a:srgbClr val="000000">
+                      <a:alpha val="43137"/>
+                    </a:srgbClr>
+                  </a:outerShdw>
+                </a:effectLst>
+              </a:rPr>
+              <a:t>Action</a:t>
+            </a:r>
+            <a:r>
+              <a:rPr lang="en-US" sz="2400" b="1" dirty="0">
+                <a:solidFill>
+                  <a:srgbClr val="FFFFFF"/>
+                </a:solidFill>
+                <a:effectLst>
+                  <a:outerShdw blurRad="38100" dist="38100" dir="2700000" algn="tl">
+                    <a:srgbClr val="000000">
+                      <a:alpha val="43137"/>
+                    </a:srgbClr>
+                  </a:outerShdw>
+                </a:effectLst>
+              </a:rPr>
+              <a:t> </a:t>
+            </a:r>
+            <a:r>
+              <a:rPr lang="bg-BG" sz="2400" b="1" dirty="0">
+                <a:solidFill>
+                  <a:srgbClr val="FFFFFF"/>
+                </a:solidFill>
+                <a:effectLst>
+                  <a:outerShdw blurRad="38100" dist="38100" dir="2700000" algn="tl">
+                    <a:srgbClr val="000000">
+                      <a:alpha val="43137"/>
+                    </a:srgbClr>
+                  </a:outerShdw>
+                </a:effectLst>
+              </a:rPr>
+              <a:t>бутон</a:t>
+            </a:r>
+          </a:p>
+        </p:txBody>
+      </p:sp>
+      <p:pic>
+        <p:nvPicPr>
+          <p:cNvPr id="25" name="Picture 24">
+            <a:extLst>
+              <a:ext uri="{FF2B5EF4-FFF2-40B4-BE49-F238E27FC236}">
+                <a16:creationId xmlns:a16="http://schemas.microsoft.com/office/drawing/2014/main" id="{A21121FE-EB2C-6E19-3CDB-E4BAC4C0E947}"/>
+              </a:ext>
+            </a:extLst>
+          </p:cNvPr>
+          <p:cNvPicPr>
+            <a:picLocks noChangeAspect="1"/>
+          </p:cNvPicPr>
+          <p:nvPr/>
+        </p:nvPicPr>
+        <p:blipFill>
+          <a:blip r:embed="rId4">
+            <a:extLst>
+              <a:ext uri="{28A0092B-C50C-407E-A947-70E740481C1C}">
+                <a14:useLocalDpi xmlns:a14="http://schemas.microsoft.com/office/drawing/2010/main" val="0"/>
+              </a:ext>
+            </a:extLst>
+          </a:blip>
+          <a:stretch>
+            <a:fillRect/>
+          </a:stretch>
+        </p:blipFill>
+        <p:spPr>
+          <a:xfrm>
+            <a:off x="8617306" y="1288609"/>
+            <a:ext cx="3319431" cy="3053250"/>
           </a:xfrm>
           <a:prstGeom prst="rect">
             <a:avLst/>
@@ -9937,10 +10186,10 @@
       </p:pic>
       <p:pic>
         <p:nvPicPr>
-          <p:cNvPr id="8" name="Picture 7">
+          <p:cNvPr id="23" name="Picture 22">
             <a:extLst>
               <a:ext uri="{FF2B5EF4-FFF2-40B4-BE49-F238E27FC236}">
-                <a16:creationId xmlns:a16="http://schemas.microsoft.com/office/drawing/2014/main" id="{C7D2A26A-F5B1-726B-766E-F98130D177E4}"/>
+                <a16:creationId xmlns:a16="http://schemas.microsoft.com/office/drawing/2014/main" id="{9DA0BE97-35C0-27EC-5B7E-CE682D2D3E3F}"/>
               </a:ext>
             </a:extLst>
           </p:cNvPr>
@@ -9950,20 +10199,64 @@
           <p:nvPr/>
         </p:nvPicPr>
         <p:blipFill>
-          <a:blip r:embed="rId4">
+          <a:blip r:embed="rId5">
             <a:extLst>
               <a:ext uri="{28A0092B-C50C-407E-A947-70E740481C1C}">
                 <a14:useLocalDpi xmlns:a14="http://schemas.microsoft.com/office/drawing/2010/main" val="0"/>
               </a:ext>
             </a:extLst>
           </a:blip>
-          <a:srcRect/>
-          <a:stretch/>
+          <a:stretch>
+            <a:fillRect/>
+          </a:stretch>
         </p:blipFill>
         <p:spPr>
           <a:xfrm>
-            <a:off x="5648417" y="3758397"/>
-            <a:ext cx="4978832" cy="2755140"/>
+            <a:off x="8617305" y="1288609"/>
+            <a:ext cx="3319431" cy="3053250"/>
+          </a:xfrm>
+          <a:prstGeom prst="rect">
+            <a:avLst/>
+          </a:prstGeom>
+          <a:ln>
+            <a:solidFill>
+              <a:schemeClr val="bg2">
+                <a:lumMod val="75000"/>
+              </a:schemeClr>
+            </a:solidFill>
+          </a:ln>
+        </p:spPr>
+      </p:pic>
+      <p:pic>
+        <p:nvPicPr>
+          <p:cNvPr id="21" name="Picture 20">
+            <a:extLst>
+              <a:ext uri="{FF2B5EF4-FFF2-40B4-BE49-F238E27FC236}">
+                <a16:creationId xmlns:a16="http://schemas.microsoft.com/office/drawing/2014/main" id="{069B1620-CB41-E261-F566-99EA8B8C0A27}"/>
+              </a:ext>
+            </a:extLst>
+          </p:cNvPr>
+          <p:cNvPicPr>
+            <a:picLocks noChangeAspect="1"/>
+          </p:cNvPicPr>
+          <p:nvPr/>
+        </p:nvPicPr>
+        <p:blipFill>
+          <a:blip r:embed="rId6">
+            <a:extLst>
+              <a:ext uri="{28A0092B-C50C-407E-A947-70E740481C1C}">
+                <a14:useLocalDpi xmlns:a14="http://schemas.microsoft.com/office/drawing/2010/main" val="0"/>
+              </a:ext>
+            </a:extLst>
+          </a:blip>
+          <a:stretch>
+            <a:fillRect/>
+          </a:stretch>
+        </p:blipFill>
+        <p:spPr>
+          <a:xfrm>
+            <a:off x="8617305" y="1288580"/>
+            <a:ext cx="3319431" cy="3053250"/>
           </a:xfrm>
           <a:prstGeom prst="rect">
             <a:avLst/>
@@ -10032,7 +10325,11 @@
                                           </p:stCondLst>
                                         </p:cTn>
                                         <p:tgtEl>
-                                          <p:spTgt spid="6"/>
+                                          <p:spTgt spid="3">
+                                            <p:txEl>
+                                              <p:pRg st="0" end="0"/>
+                                            </p:txEl>
+                                          </p:spTgt>
                                         </p:tgtEl>
                                         <p:attrNameLst>
                                           <p:attrName>style.visibility</p:attrName>
@@ -10061,7 +10358,7 @@
                                         <p:tgtEl>
                                           <p:spTgt spid="3">
                                             <p:txEl>
-                                              <p:pRg st="0" end="0"/>
+                                              <p:pRg st="1" end="1"/>
                                             </p:txEl>
                                           </p:spTgt>
                                         </p:tgtEl>
@@ -10090,11 +10387,34 @@
                                           </p:stCondLst>
                                         </p:cTn>
                                         <p:tgtEl>
-                                          <p:spTgt spid="3">
-                                            <p:txEl>
-                                              <p:pRg st="1" end="1"/>
-                                            </p:txEl>
-                                          </p:spTgt>
+                                          <p:spTgt spid="25"/>
+                                        </p:tgtEl>
+                                        <p:attrNameLst>
+                                          <p:attrName>style.visibility</p:attrName>
+                                        </p:attrNameLst>
+                                      </p:cBhvr>
+                                      <p:to>
+                                        <p:strVal val="visible"/>
+                                      </p:to>
+                                    </p:set>
+                                  </p:childTnLst>
+                                </p:cTn>
+                              </p:par>
+                              <p:par>
+                                <p:cTn id="11" presetID="1" presetClass="entr" presetSubtype="0" fill="hold" grpId="0" nodeType="withEffect">
+                                  <p:stCondLst>
+                                    <p:cond delay="0"/>
+                                  </p:stCondLst>
+                                  <p:childTnLst>
+                                    <p:set>
+                                      <p:cBhvr>
+                                        <p:cTn id="12" dur="1" fill="hold">
+                                          <p:stCondLst>
+                                            <p:cond delay="0"/>
+                                          </p:stCondLst>
+                                        </p:cTn>
+                                        <p:tgtEl>
+                                          <p:spTgt spid="19"/>
                                         </p:tgtEl>
                                         <p:attrNameLst>
                                           <p:attrName>style.visibility</p:attrName>
@@ -10114,26 +10434,26 @@
                     </p:cTn>
                   </p:par>
                   <p:par>
-                    <p:cTn id="11" fill="hold">
+                    <p:cTn id="13" fill="hold">
                       <p:stCondLst>
                         <p:cond delay="indefinite"/>
                       </p:stCondLst>
                       <p:childTnLst>
                         <p:par>
-                          <p:cTn id="12" fill="hold">
+                          <p:cTn id="14" fill="hold">
                             <p:stCondLst>
                               <p:cond delay="0"/>
                             </p:stCondLst>
                             <p:childTnLst>
                               <p:par>
-                                <p:cTn id="13" presetID="1" presetClass="entr" presetSubtype="0" fill="hold" nodeType="clickEffect">
+                                <p:cTn id="15" presetID="1" presetClass="entr" presetSubtype="0" fill="hold" nodeType="clickEffect">
                                   <p:stCondLst>
                                     <p:cond delay="0"/>
                                   </p:stCondLst>
                                   <p:childTnLst>
                                     <p:set>
                                       <p:cBhvr>
-                                        <p:cTn id="14" dur="1" fill="hold">
+                                        <p:cTn id="16" dur="1" fill="hold">
                                           <p:stCondLst>
                                             <p:cond delay="0"/>
                                           </p:stCondLst>
@@ -10157,14 +10477,59 @@
                                 </p:cTn>
                               </p:par>
                               <p:par>
-                                <p:cTn id="15" presetID="1" presetClass="entr" presetSubtype="0" fill="hold" nodeType="withEffect">
+                                <p:cTn id="17" presetID="1" presetClass="entr" presetSubtype="0" fill="hold" nodeType="withEffect">
                                   <p:stCondLst>
                                     <p:cond delay="0"/>
                                   </p:stCondLst>
                                   <p:childTnLst>
                                     <p:set>
                                       <p:cBhvr>
-                                        <p:cTn id="16" dur="1" fill="hold">
+                                        <p:cTn id="18" dur="1" fill="hold">
+                                          <p:stCondLst>
+                                            <p:cond delay="0"/>
+                                          </p:stCondLst>
+                                        </p:cTn>
+                                        <p:tgtEl>
+                                          <p:spTgt spid="23"/>
+                                        </p:tgtEl>
+                                        <p:attrNameLst>
+                                          <p:attrName>style.visibility</p:attrName>
+                                        </p:attrNameLst>
+                                      </p:cBhvr>
+                                      <p:to>
+                                        <p:strVal val="visible"/>
+                                      </p:to>
+                                    </p:set>
+                                  </p:childTnLst>
+                                </p:cTn>
+                              </p:par>
+                            </p:childTnLst>
+                          </p:cTn>
+                        </p:par>
+                      </p:childTnLst>
+                    </p:cTn>
+                  </p:par>
+                  <p:par>
+                    <p:cTn id="19" fill="hold">
+                      <p:stCondLst>
+                        <p:cond delay="indefinite"/>
+                      </p:stCondLst>
+                      <p:childTnLst>
+                        <p:par>
+                          <p:cTn id="20" fill="hold">
+                            <p:stCondLst>
+                              <p:cond delay="0"/>
+                            </p:stCondLst>
+                            <p:childTnLst>
+                              <p:par>
+                                <p:cTn id="21" presetID="1" presetClass="entr" presetSubtype="0" fill="hold" nodeType="clickEffect">
+                                  <p:stCondLst>
+                                    <p:cond delay="0"/>
+                                  </p:stCondLst>
+                                  <p:childTnLst>
+                                    <p:set>
+                                      <p:cBhvr>
+                                        <p:cTn id="22" dur="1" fill="hold">
                                           <p:stCondLst>
                                             <p:cond delay="0"/>
                                           </p:stCondLst>
@@ -10188,14 +10553,121 @@
                                 </p:cTn>
                               </p:par>
                               <p:par>
-                                <p:cTn id="17" presetID="1" presetClass="entr" presetSubtype="0" fill="hold" nodeType="withEffect">
+                                <p:cTn id="23" presetID="1" presetClass="entr" presetSubtype="0" fill="hold" nodeType="withEffect">
                                   <p:stCondLst>
                                     <p:cond delay="0"/>
                                   </p:stCondLst>
                                   <p:childTnLst>
                                     <p:set>
                                       <p:cBhvr>
-                                        <p:cTn id="18" dur="1" fill="hold">
+                                        <p:cTn id="24" dur="1" fill="hold">
+                                          <p:stCondLst>
+                                            <p:cond delay="0"/>
+                                          </p:stCondLst>
+                                        </p:cTn>
+                                        <p:tgtEl>
+                                          <p:spTgt spid="21"/>
+                                        </p:tgtEl>
+                                        <p:attrNameLst>
+                                          <p:attrName>style.visibility</p:attrName>
+                                        </p:attrNameLst>
+                                      </p:cBhvr>
+                                      <p:to>
+                                        <p:strVal val="visible"/>
+                                      </p:to>
+                                    </p:set>
+                                  </p:childTnLst>
+                                </p:cTn>
+                              </p:par>
+                            </p:childTnLst>
+                          </p:cTn>
+                        </p:par>
+                      </p:childTnLst>
+                    </p:cTn>
+                  </p:par>
+                  <p:par>
+                    <p:cTn id="25" fill="hold">
+                      <p:stCondLst>
+                        <p:cond delay="indefinite"/>
+                      </p:stCondLst>
+                      <p:childTnLst>
+                        <p:par>
+                          <p:cTn id="26" fill="hold">
+                            <p:stCondLst>
+                              <p:cond delay="0"/>
+                            </p:stCondLst>
+                            <p:childTnLst>
+                              <p:par>
+                                <p:cTn id="27" presetID="1" presetClass="entr" presetSubtype="0" fill="hold" nodeType="clickEffect">
+                                  <p:stCondLst>
+                                    <p:cond delay="0"/>
+                                  </p:stCondLst>
+                                  <p:childTnLst>
+                                    <p:set>
+                                      <p:cBhvr>
+                                        <p:cTn id="28" dur="1" fill="hold">
+                                          <p:stCondLst>
+                                            <p:cond delay="0"/>
+                                          </p:stCondLst>
+                                        </p:cTn>
+                                        <p:tgtEl>
+                                          <p:spTgt spid="3">
+                                            <p:txEl>
+                                              <p:pRg st="4" end="4"/>
+                                            </p:txEl>
+                                          </p:spTgt>
+                                        </p:tgtEl>
+                                        <p:attrNameLst>
+                                          <p:attrName>style.visibility</p:attrName>
+                                        </p:attrNameLst>
+                                      </p:cBhvr>
+                                      <p:to>
+                                        <p:strVal val="visible"/>
+                                      </p:to>
+                                    </p:set>
+                                  </p:childTnLst>
+                                </p:cTn>
+                              </p:par>
+                              <p:par>
+                                <p:cTn id="29" presetID="1" presetClass="entr" presetSubtype="0" fill="hold" nodeType="withEffect">
+                                  <p:stCondLst>
+                                    <p:cond delay="0"/>
+                                  </p:stCondLst>
+                                  <p:childTnLst>
+                                    <p:set>
+                                      <p:cBhvr>
+                                        <p:cTn id="30" dur="1" fill="hold">
+                                          <p:stCondLst>
+                                            <p:cond delay="0"/>
+                                          </p:stCondLst>
+                                        </p:cTn>
+                                        <p:tgtEl>
+                                          <p:spTgt spid="3">
+                                            <p:txEl>
+                                              <p:pRg st="5" end="5"/>
+                                            </p:txEl>
+                                          </p:spTgt>
+                                        </p:tgtEl>
+                                        <p:attrNameLst>
+                                          <p:attrName>style.visibility</p:attrName>
+                                        </p:attrNameLst>
+                                      </p:cBhvr>
+                                      <p:to>
+                                        <p:strVal val="visible"/>
+                                      </p:to>
+                                    </p:set>
+                                  </p:childTnLst>
+                                </p:cTn>
+                              </p:par>
+                              <p:par>
+                                <p:cTn id="31" presetID="1" presetClass="entr" presetSubtype="0" fill="hold" nodeType="withEffect">
+                                  <p:stCondLst>
+                                    <p:cond delay="0"/>
+                                  </p:stCondLst>
+                                  <p:childTnLst>
+                                    <p:set>
+                                      <p:cBhvr>
+                                        <p:cTn id="32" dur="1" fill="hold">
                                           <p:stCondLst>
                                             <p:cond delay="0"/>
                                           </p:stCondLst>
@@ -10241,6 +10713,9 @@
         </p:cTn>
       </p:par>
     </p:tnLst>
+    <p:bldLst>
+      <p:bldP spid="19" grpId="0" animBg="1"/>
+    </p:bldLst>
   </p:timing>
   <p:extLst>
     <p:ext uri="{6950BFC3-D8DA-4A85-94F7-54DA5524770B}">
@@ -10977,58 +11452,29 @@
           <a:lstStyle/>
           <a:p>
             <a:r>
-              <a:rPr lang="bg-BG" dirty="0">
-                <a:highlight>
-                  <a:srgbClr val="FFFF00"/>
-                </a:highlight>
+              <a:rPr lang="bg-BG" dirty="0"/>
+              <a:t>Избираме </a:t>
+            </a:r>
+            <a:r>
+              <a:rPr lang="en-US" b="1" dirty="0">
+                <a:solidFill>
+                  <a:schemeClr val="bg1"/>
+                </a:solidFill>
               </a:rPr>
-              <a:t>Има още една стъпка при създаването на проекта (избирането на </a:t>
-            </a:r>
-            <a:r>
-              <a:rPr lang="en-US" dirty="0">
-                <a:highlight>
-                  <a:srgbClr val="FFFF00"/>
-                </a:highlight>
-              </a:rPr>
-              <a:t>.NET </a:t>
-            </a:r>
-            <a:r>
-              <a:rPr lang="bg-BG" dirty="0">
-                <a:highlight>
-                  <a:srgbClr val="FFFF00"/>
-                </a:highlight>
-              </a:rPr>
-              <a:t>версия). След това се клика </a:t>
-            </a:r>
-            <a:r>
-              <a:rPr lang="en-US" dirty="0">
-                <a:highlight>
-                  <a:srgbClr val="FFFF00"/>
-                </a:highlight>
+              <a:t>.NET 8 </a:t>
+            </a:r>
+            <a:r>
+              <a:rPr lang="bg-BG" dirty="0"/>
+              <a:t>и натискаме </a:t>
+            </a:r>
+            <a:r>
+              <a:rPr lang="en-US" b="1" dirty="0">
+                <a:solidFill>
+                  <a:schemeClr val="bg1"/>
+                </a:solidFill>
               </a:rPr>
               <a:t>[Create]</a:t>
             </a:r>
-            <a:r>
-              <a:rPr lang="bg-BG" dirty="0">
-                <a:highlight>
-                  <a:srgbClr val="FFFF00"/>
-                </a:highlight>
-              </a:rPr>
-              <a:t>, създава се проекта и чак тогава може да се добави </a:t>
-            </a:r>
-            <a:r>
-              <a:rPr lang="en-US" dirty="0">
-                <a:highlight>
-                  <a:srgbClr val="FFFF00"/>
-                </a:highlight>
-              </a:rPr>
-              <a:t>connection</a:t>
-            </a:r>
-            <a:endParaRPr lang="bg-BG" dirty="0">
-              <a:highlight>
-                <a:srgbClr val="FFFF00"/>
-              </a:highlight>
-            </a:endParaRPr>
           </a:p>
         </p:txBody>
       </p:sp>
@@ -11054,13 +11500,62 @@
           <a:lstStyle/>
           <a:p>
             <a:r>
+              <a:rPr lang="bg-BG" dirty="0"/>
+              <a:t>Избиране на </a:t>
+            </a:r>
+            <a:r>
               <a:rPr lang="en-US" dirty="0"/>
-              <a:t>TODO: Add last step from creating a project</a:t>
-            </a:r>
-            <a:endParaRPr lang="bg-BG" dirty="0"/>
+              <a:t>.NET </a:t>
+            </a:r>
+            <a:r>
+              <a:rPr lang="bg-BG" dirty="0"/>
+              <a:t>версия</a:t>
+            </a:r>
           </a:p>
         </p:txBody>
       </p:sp>
+      <p:pic>
+        <p:nvPicPr>
+          <p:cNvPr id="5" name="Picture 4">
+            <a:extLst>
+              <a:ext uri="{FF2B5EF4-FFF2-40B4-BE49-F238E27FC236}">
+                <a16:creationId xmlns:a16="http://schemas.microsoft.com/office/drawing/2014/main" id="{E8FA947A-07B7-D0E2-A7BB-433FDD2B813E}"/>
+              </a:ext>
+            </a:extLst>
+          </p:cNvPr>
+          <p:cNvPicPr>
+            <a:picLocks noChangeAspect="1"/>
+          </p:cNvPicPr>
+          <p:nvPr/>
+        </p:nvPicPr>
+        <p:blipFill>
+          <a:blip r:embed="rId2">
+            <a:extLst>
+              <a:ext uri="{28A0092B-C50C-407E-A947-70E740481C1C}">
+                <a14:useLocalDpi xmlns:a14="http://schemas.microsoft.com/office/drawing/2010/main" val="0"/>
+              </a:ext>
+            </a:extLst>
+          </a:blip>
+          <a:srcRect/>
+          <a:stretch/>
+        </p:blipFill>
+        <p:spPr>
+          <a:xfrm>
+            <a:off x="3643284" y="2326979"/>
+            <a:ext cx="4905431" cy="2948214"/>
+          </a:xfrm>
+          <a:prstGeom prst="rect">
+            <a:avLst/>
+          </a:prstGeom>
+          <a:ln>
+            <a:solidFill>
+              <a:schemeClr val="bg2">
+                <a:lumMod val="75000"/>
+              </a:schemeClr>
+            </a:solidFill>
+          </a:ln>
+        </p:spPr>
+      </p:pic>
     </p:spTree>
     <p:extLst>
       <p:ext uri="{BB962C8B-B14F-4D97-AF65-F5344CB8AC3E}">
@@ -11079,6 +11574,84 @@
       <p:transition spd="slow" advClick="0" advTm="5000"/>
     </mc:Fallback>
   </mc:AlternateContent>
+  <p:timing>
+    <p:tnLst>
+      <p:par>
+        <p:cTn id="1" dur="indefinite" restart="never" nodeType="tmRoot">
+          <p:childTnLst>
+            <p:seq concurrent="1" nextAc="seek">
+              <p:cTn id="2" dur="indefinite" nodeType="mainSeq">
+                <p:childTnLst>
+                  <p:par>
+                    <p:cTn id="3" fill="hold">
+                      <p:stCondLst>
+                        <p:cond delay="indefinite"/>
+                        <p:cond evt="onBegin" delay="0">
+                          <p:tn val="2"/>
+                        </p:cond>
+                      </p:stCondLst>
+                      <p:childTnLst>
+                        <p:par>
+                          <p:cTn id="4" fill="hold">
+                            <p:stCondLst>
+                              <p:cond delay="0"/>
+                            </p:stCondLst>
+                            <p:childTnLst>
+                              <p:par>
+                                <p:cTn id="5" presetID="1" presetClass="entr" presetSubtype="0" fill="hold" nodeType="withEffect">
+                                  <p:stCondLst>
+                                    <p:cond delay="0"/>
+                                  </p:stCondLst>
+                                  <p:childTnLst>
+                                    <p:set>
+                                      <p:cBhvr>
+                                        <p:cTn id="6" dur="1" fill="hold">
+                                          <p:stCondLst>
+                                            <p:cond delay="0"/>
+                                          </p:stCondLst>
+                                        </p:cTn>
+                                        <p:tgtEl>
+                                          <p:spTgt spid="5"/>
+                                        </p:tgtEl>
+                                        <p:attrNameLst>
+                                          <p:attrName>style.visibility</p:attrName>
+                                        </p:attrNameLst>
+                                      </p:cBhvr>
+                                      <p:to>
+                                        <p:strVal val="visible"/>
+                                      </p:to>
+                                    </p:set>
+                                  </p:childTnLst>
+                                </p:cTn>
+                              </p:par>
+                            </p:childTnLst>
+                          </p:cTn>
+                        </p:par>
+                      </p:childTnLst>
+                    </p:cTn>
+                  </p:par>
+                </p:childTnLst>
+              </p:cTn>
+              <p:prevCondLst>
+                <p:cond evt="onPrev" delay="0">
+                  <p:tgtEl>
+                    <p:sldTgt/>
+                  </p:tgtEl>
+                </p:cond>
+              </p:prevCondLst>
+              <p:nextCondLst>
+                <p:cond evt="onNext" delay="0">
+                  <p:tgtEl>
+                    <p:sldTgt/>
+                  </p:tgtEl>
+                </p:cond>
+              </p:nextCondLst>
+            </p:seq>
+          </p:childTnLst>
+        </p:cTn>
+      </p:par>
+    </p:tnLst>
+  </p:timing>
 </p:sld>
 </file>
 
@@ -11288,7 +11861,7 @@
               <a:t>"</a:t>
             </a:r>
             <a:r>
-              <a:rPr lang="en-US" sz="2800" b="1" dirty="0" err="1">
+              <a:rPr lang="en-US" sz="2800" b="1" dirty="0">
                 <a:solidFill>
                   <a:schemeClr val="bg1"/>
                 </a:solidFill>
@@ -11305,42 +11878,26 @@
           </a:p>
           <a:p>
             <a:r>
+              <a:rPr lang="bg-BG" sz="3000" dirty="0"/>
+              <a:t>Тестваме връзката с </a:t>
+            </a:r>
+            <a:r>
               <a:rPr lang="en-US" sz="3000" b="1" dirty="0">
-                <a:highlight>
-                  <a:srgbClr val="FFFF00"/>
-                </a:highlight>
+                <a:solidFill>
+                  <a:schemeClr val="bg1"/>
+                </a:solidFill>
               </a:rPr>
-              <a:t>TODO: </a:t>
-            </a:r>
-            <a:r>
-              <a:rPr lang="bg-BG" sz="3000" b="1" dirty="0">
-                <a:highlight>
-                  <a:srgbClr val="FFFF00"/>
-                </a:highlight>
-              </a:rPr>
-              <a:t>след това тестваме </a:t>
+              <a:t>[Test Connection] </a:t>
+            </a:r>
+            <a:r>
+              <a:rPr lang="bg-BG" sz="3000" dirty="0"/>
+              <a:t>и натискаме </a:t>
             </a:r>
             <a:r>
               <a:rPr lang="en-US" sz="3000" b="1" dirty="0">
-                <a:highlight>
-                  <a:srgbClr val="FFFF00"/>
-                </a:highlight>
-              </a:rPr>
-              <a:t>connection-</a:t>
-            </a:r>
-            <a:r>
-              <a:rPr lang="bg-BG" sz="3000" b="1" dirty="0">
-                <a:highlight>
-                  <a:srgbClr val="FFFF00"/>
-                </a:highlight>
-              </a:rPr>
-              <a:t>а и избираме </a:t>
-            </a:r>
-            <a:r>
-              <a:rPr lang="en-US" sz="3000" b="1" dirty="0">
-                <a:highlight>
-                  <a:srgbClr val="FFFF00"/>
-                </a:highlight>
+                <a:solidFill>
+                  <a:schemeClr val="bg1"/>
+                </a:solidFill>
               </a:rPr>
               <a:t>[OK]</a:t>
             </a:r>
@@ -12636,13 +13193,9 @@
             </a:endParaRPr>
           </a:p>
           <a:p>
-            <a:endParaRPr lang="en-US" sz="3200" b="1" dirty="0">
-              <a:solidFill>
-                <a:schemeClr val="bg1"/>
-              </a:solidFill>
-            </a:endParaRPr>
-          </a:p>
-          <a:p>
+            <a:pPr marL="0" indent="0">
+              <a:buNone/>
+            </a:pPr>
             <a:endParaRPr lang="en-US" sz="3200" b="1" dirty="0">
               <a:solidFill>
                 <a:schemeClr val="bg1"/>
@@ -12846,10 +13399,10 @@
       </p:sp>
       <p:sp>
         <p:nvSpPr>
-          <p:cNvPr id="7" name="Text Placeholder 4">
+          <p:cNvPr id="9" name="Text Placeholder 4">
             <a:extLst>
               <a:ext uri="{FF2B5EF4-FFF2-40B4-BE49-F238E27FC236}">
-                <a16:creationId xmlns:a16="http://schemas.microsoft.com/office/drawing/2014/main" id="{F17DAE15-CD39-2C96-4388-862D51876DF9}"/>
+                <a16:creationId xmlns:a16="http://schemas.microsoft.com/office/drawing/2014/main" id="{5BA66875-6ED9-186B-E61A-B9002BD6A96E}"/>
               </a:ext>
             </a:extLst>
           </p:cNvPr>
@@ -12860,65 +13413,7 @@
         </p:nvSpPr>
         <p:spPr>
           <a:xfrm>
-            <a:off x="606000" y="3794779"/>
-            <a:ext cx="11311114" cy="461545"/>
-          </a:xfrm>
-          <a:prstGeom prst="rect">
-            <a:avLst/>
-          </a:prstGeom>
-          <a:solidFill>
-            <a:schemeClr val="accent5">
-              <a:lumMod val="40000"/>
-              <a:lumOff val="60000"/>
-              <a:alpha val="15000"/>
-            </a:schemeClr>
-          </a:solidFill>
-          <a:ln w="12700">
-            <a:solidFill>
-              <a:schemeClr val="accent5">
-                <a:lumMod val="60000"/>
-                <a:lumOff val="40000"/>
-              </a:schemeClr>
-            </a:solidFill>
-          </a:ln>
-        </p:spPr>
-        <p:txBody>
-          <a:bodyPr wrap="square">
-            <a:spAutoFit/>
-          </a:bodyPr>
-          <a:lstStyle/>
-          <a:p>
-            <a:pPr>
-              <a:lnSpc>
-                <a:spcPct val="100000"/>
-              </a:lnSpc>
-            </a:pPr>
-            <a:r>
-              <a:rPr lang="en-US" sz="2399" b="1" noProof="1">
-                <a:latin typeface="Consolas" panose="020B0609020204030204" pitchFamily="49" charset="0"/>
-              </a:rPr>
-              <a:t>Install-Package Microsoft.EntityFrameworkCore.SqlServer.Design</a:t>
-            </a:r>
-          </a:p>
-        </p:txBody>
-      </p:sp>
-      <p:sp>
-        <p:nvSpPr>
-          <p:cNvPr id="9" name="Text Placeholder 4">
-            <a:extLst>
-              <a:ext uri="{FF2B5EF4-FFF2-40B4-BE49-F238E27FC236}">
-                <a16:creationId xmlns:a16="http://schemas.microsoft.com/office/drawing/2014/main" id="{5BA66875-6ED9-186B-E61A-B9002BD6A96E}"/>
-              </a:ext>
-            </a:extLst>
-          </p:cNvPr>
-          <p:cNvSpPr txBox="1">
-            <a:spLocks/>
-          </p:cNvSpPr>
-          <p:nvPr/>
-        </p:nvSpPr>
-        <p:spPr>
-          <a:xfrm>
-            <a:off x="606000" y="5278616"/>
+            <a:off x="628096" y="4547432"/>
             <a:ext cx="11311114" cy="1015663"/>
           </a:xfrm>
           <a:prstGeom prst="rect">
@@ -12955,214 +13450,8 @@
               <a:rPr lang="en-US" sz="2000" b="1" noProof="1">
                 <a:latin typeface="Consolas" panose="020B0609020204030204" pitchFamily="49" charset="0"/>
               </a:rPr>
-              <a:t>Scaffold-DbContext -Connection "Server=(localdb)\MSSQLLocalDB;Database=&lt;и</a:t>
-            </a:r>
-            <a:r>
-              <a:rPr lang="bg-BG" sz="2000" b="1" noProof="1">
-                <a:latin typeface="Consolas" panose="020B0609020204030204" pitchFamily="49" charset="0"/>
-              </a:rPr>
-              <a:t>ме на БД&gt;</a:t>
-            </a:r>
-            <a:r>
-              <a:rPr lang="en-US" sz="2000" b="1" noProof="1">
-                <a:latin typeface="Consolas" panose="020B0609020204030204" pitchFamily="49" charset="0"/>
-              </a:rPr>
-              <a:t>;Integrated Security=True;" -Provider Microsoft.EntityFrameworkCore.SqlServer -OutputDir Data/Models</a:t>
-            </a:r>
-          </a:p>
-        </p:txBody>
-      </p:sp>
-      <p:sp>
-        <p:nvSpPr>
-          <p:cNvPr id="11" name="Speech Bubble: Rectangle with Corners Rounded 10">
-            <a:extLst>
-              <a:ext uri="{FF2B5EF4-FFF2-40B4-BE49-F238E27FC236}">
-                <a16:creationId xmlns:a16="http://schemas.microsoft.com/office/drawing/2014/main" id="{ECACB386-9735-3F64-5C3F-C0E8E3269AD4}"/>
-              </a:ext>
-            </a:extLst>
-          </p:cNvPr>
-          <p:cNvSpPr/>
-          <p:nvPr/>
-        </p:nvSpPr>
-        <p:spPr bwMode="auto">
-          <a:xfrm>
-            <a:off x="5785495" y="2078800"/>
-            <a:ext cx="6285557" cy="1636870"/>
-          </a:xfrm>
-          <a:prstGeom prst="wedgeRoundRectCallout">
-            <a:avLst>
-              <a:gd name="adj1" fmla="val -63021"/>
-              <a:gd name="adj2" fmla="val 61259"/>
-              <a:gd name="adj3" fmla="val 16667"/>
-            </a:avLst>
-          </a:prstGeom>
-          <a:ln/>
-        </p:spPr>
-        <p:style>
-          <a:lnRef idx="1">
-            <a:schemeClr val="accent1"/>
-          </a:lnRef>
-          <a:fillRef idx="2">
-            <a:schemeClr val="accent1"/>
-          </a:fillRef>
-          <a:effectRef idx="1">
-            <a:schemeClr val="accent1"/>
-          </a:effectRef>
-          <a:fontRef idx="minor">
-            <a:schemeClr val="dk1"/>
-          </a:fontRef>
-        </p:style>
-        <p:txBody>
-          <a:bodyPr rot="0" spcFirstLastPara="0" vertOverflow="overflow" horzOverflow="overflow" vert="horz" wrap="square" lIns="91440" tIns="45720" rIns="91440" bIns="45720" numCol="1" spcCol="0" rtlCol="0" fromWordArt="0" anchor="ctr" anchorCtr="0" forceAA="0" compatLnSpc="1">
-            <a:prstTxWarp prst="textNoShape">
-              <a:avLst/>
-            </a:prstTxWarp>
-            <a:noAutofit/>
-          </a:bodyPr>
-          <a:lstStyle/>
-          <a:p>
-            <a:pPr algn="ctr"/>
-            <a:r>
-              <a:rPr lang="bg-BG" sz="2400" b="1" dirty="0">
-                <a:solidFill>
-                  <a:schemeClr val="tx1"/>
-                </a:solidFill>
-              </a:rPr>
-              <a:t>Този третият пакет не ни трябва!</a:t>
-            </a:r>
-          </a:p>
-          <a:p>
-            <a:pPr algn="ctr"/>
-            <a:endParaRPr lang="bg-BG" sz="1000" b="1" dirty="0">
-              <a:solidFill>
-                <a:schemeClr val="tx1"/>
-              </a:solidFill>
-            </a:endParaRPr>
-          </a:p>
-          <a:p>
-            <a:pPr algn="ctr"/>
-            <a:r>
-              <a:rPr lang="en-US" b="1" noProof="1">
-                <a:latin typeface="Consolas" panose="020B0609020204030204" pitchFamily="49" charset="0"/>
-              </a:rPr>
-              <a:t>Microsoft.EntityFrameworkCore.SqlServer.Design</a:t>
-            </a:r>
-            <a:endParaRPr lang="bg-BG" sz="2400" b="1" noProof="1">
-              <a:latin typeface="Consolas" panose="020B0609020204030204" pitchFamily="49" charset="0"/>
-            </a:endParaRPr>
-          </a:p>
-          <a:p>
-            <a:pPr algn="ctr"/>
-            <a:endParaRPr lang="bg-BG" sz="1100" b="1" noProof="1">
-              <a:solidFill>
-                <a:schemeClr val="tx1"/>
-              </a:solidFill>
-              <a:latin typeface="Consolas" panose="020B0609020204030204" pitchFamily="49" charset="0"/>
-            </a:endParaRPr>
-          </a:p>
-          <a:p>
-            <a:pPr algn="ctr"/>
-            <a:r>
-              <a:rPr lang="bg-BG" sz="2400" b="1" noProof="1">
-                <a:solidFill>
-                  <a:schemeClr val="tx1"/>
-                </a:solidFill>
-                <a:latin typeface="Consolas" panose="020B0609020204030204" pitchFamily="49" charset="0"/>
-              </a:rPr>
-              <a:t>Да се изтрие</a:t>
-            </a:r>
-            <a:r>
-              <a:rPr lang="en-US" sz="2400" b="1" noProof="1">
-                <a:solidFill>
-                  <a:schemeClr val="tx1"/>
-                </a:solidFill>
-                <a:latin typeface="Consolas" panose="020B0609020204030204" pitchFamily="49" charset="0"/>
-              </a:rPr>
-              <a:t>.</a:t>
-            </a:r>
-            <a:endParaRPr lang="en-US" sz="2400" b="1" dirty="0">
-              <a:solidFill>
-                <a:schemeClr val="tx1"/>
-              </a:solidFill>
-            </a:endParaRPr>
-          </a:p>
-        </p:txBody>
-      </p:sp>
-      <p:sp>
-        <p:nvSpPr>
-          <p:cNvPr id="12" name="Speech Bubble: Rectangle with Corners Rounded 11">
-            <a:extLst>
-              <a:ext uri="{FF2B5EF4-FFF2-40B4-BE49-F238E27FC236}">
-                <a16:creationId xmlns:a16="http://schemas.microsoft.com/office/drawing/2014/main" id="{4C5F6C14-D782-BEA8-C35E-F32AF0EB1F08}"/>
-              </a:ext>
-            </a:extLst>
-          </p:cNvPr>
-          <p:cNvSpPr/>
-          <p:nvPr/>
-        </p:nvSpPr>
-        <p:spPr bwMode="auto">
-          <a:xfrm>
-            <a:off x="5421000" y="5724000"/>
-            <a:ext cx="4905000" cy="736913"/>
-          </a:xfrm>
-          <a:prstGeom prst="wedgeRoundRectCallout">
-            <a:avLst>
-              <a:gd name="adj1" fmla="val 60272"/>
-              <a:gd name="adj2" fmla="val -54125"/>
-              <a:gd name="adj3" fmla="val 16667"/>
-            </a:avLst>
-          </a:prstGeom>
-          <a:ln/>
-        </p:spPr>
-        <p:style>
-          <a:lnRef idx="1">
-            <a:schemeClr val="accent1"/>
-          </a:lnRef>
-          <a:fillRef idx="2">
-            <a:schemeClr val="accent1"/>
-          </a:fillRef>
-          <a:effectRef idx="1">
-            <a:schemeClr val="accent1"/>
-          </a:effectRef>
-          <a:fontRef idx="minor">
-            <a:schemeClr val="dk1"/>
-          </a:fontRef>
-        </p:style>
-        <p:txBody>
-          <a:bodyPr rot="0" spcFirstLastPara="0" vertOverflow="overflow" horzOverflow="overflow" vert="horz" wrap="square" lIns="91440" tIns="45720" rIns="91440" bIns="45720" numCol="1" spcCol="0" rtlCol="0" fromWordArt="0" anchor="ctr" anchorCtr="0" forceAA="0" compatLnSpc="1">
-            <a:prstTxWarp prst="textNoShape">
-              <a:avLst/>
-            </a:prstTxWarp>
-            <a:noAutofit/>
-          </a:bodyPr>
-          <a:lstStyle/>
-          <a:p>
-            <a:pPr algn="ctr"/>
-            <a:r>
-              <a:rPr lang="bg-BG" sz="2400" b="1" dirty="0">
-                <a:solidFill>
-                  <a:schemeClr val="tx1"/>
-                </a:solidFill>
-              </a:rPr>
-              <a:t>В случая базата данни се казва</a:t>
-            </a:r>
-          </a:p>
-          <a:p>
-            <a:pPr algn="ctr"/>
-            <a:r>
-              <a:rPr lang="en-US" b="1" dirty="0" err="1">
-                <a:solidFill>
-                  <a:schemeClr val="tx1"/>
-                </a:solidFill>
-              </a:rPr>
-              <a:t>StoreDb</a:t>
-            </a:r>
-            <a:endParaRPr lang="bg-BG" sz="2400" b="1" noProof="1">
-              <a:solidFill>
-                <a:schemeClr val="tx1"/>
-              </a:solidFill>
-              <a:latin typeface="Consolas" panose="020B0609020204030204" pitchFamily="49" charset="0"/>
-            </a:endParaRPr>
+              <a:t>Scaffold-DbContext -Connection "Server=(localdb)\MSSQLLocalDB;Database=StoreDb;Integrated Security=True;" -Provider Microsoft.EntityFrameworkCore.SqlServer -OutputDir Data/Models</a:t>
+            </a:r>
           </a:p>
         </p:txBody>
       </p:sp>
@@ -13341,33 +13630,6 @@
                                   </p:childTnLst>
                                 </p:cTn>
                               </p:par>
-                              <p:par>
-                                <p:cTn id="15" presetID="1" presetClass="entr" presetSubtype="0" fill="hold" grpId="0" nodeType="withEffect">
-                                  <p:stCondLst>
-                                    <p:cond delay="0"/>
-                                  </p:stCondLst>
-                                  <p:childTnLst>
-                                    <p:set>
-                                      <p:cBhvr>
-                                        <p:cTn id="16" dur="1" fill="hold">
-                                          <p:stCondLst>
-                                            <p:cond delay="0"/>
-                                          </p:stCondLst>
-                                        </p:cTn>
-                                        <p:tgtEl>
-                                          <p:spTgt spid="7"/>
-                                        </p:tgtEl>
-                                        <p:attrNameLst>
-                                          <p:attrName>style.visibility</p:attrName>
-                                        </p:attrNameLst>
-                                      </p:cBhvr>
-                                      <p:to>
-                                        <p:strVal val="visible"/>
-                                      </p:to>
-                                    </p:set>
-                                  </p:childTnLst>
-                                </p:cTn>
-                              </p:par>
                             </p:childTnLst>
                           </p:cTn>
                         </p:par>
@@ -13375,26 +13637,26 @@
                     </p:cTn>
                   </p:par>
                   <p:par>
-                    <p:cTn id="17" fill="hold">
+                    <p:cTn id="15" fill="hold">
                       <p:stCondLst>
                         <p:cond delay="indefinite"/>
                       </p:stCondLst>
                       <p:childTnLst>
                         <p:par>
-                          <p:cTn id="18" fill="hold">
+                          <p:cTn id="16" fill="hold">
                             <p:stCondLst>
                               <p:cond delay="0"/>
                             </p:stCondLst>
                             <p:childTnLst>
                               <p:par>
-                                <p:cTn id="19" presetID="1" presetClass="entr" presetSubtype="0" fill="hold" nodeType="clickEffect">
+                                <p:cTn id="17" presetID="1" presetClass="entr" presetSubtype="0" fill="hold" nodeType="clickEffect">
                                   <p:stCondLst>
                                     <p:cond delay="0"/>
                                   </p:stCondLst>
                                   <p:childTnLst>
                                     <p:set>
                                       <p:cBhvr>
-                                        <p:cTn id="20" dur="1" fill="hold">
+                                        <p:cTn id="18" dur="1" fill="hold">
                                           <p:stCondLst>
                                             <p:cond delay="0"/>
                                           </p:stCondLst>
@@ -13402,7 +13664,7 @@
                                         <p:tgtEl>
                                           <p:spTgt spid="3">
                                             <p:txEl>
-                                              <p:pRg st="5" end="5"/>
+                                              <p:pRg st="4" end="4"/>
                                             </p:txEl>
                                           </p:spTgt>
                                         </p:tgtEl>
@@ -13418,14 +13680,14 @@
                                 </p:cTn>
                               </p:par>
                               <p:par>
-                                <p:cTn id="21" presetID="1" presetClass="entr" presetSubtype="0" fill="hold" grpId="0" nodeType="withEffect">
+                                <p:cTn id="19" presetID="1" presetClass="entr" presetSubtype="0" fill="hold" grpId="0" nodeType="withEffect">
                                   <p:stCondLst>
                                     <p:cond delay="0"/>
                                   </p:stCondLst>
                                   <p:childTnLst>
                                     <p:set>
                                       <p:cBhvr>
-                                        <p:cTn id="22" dur="1" fill="hold">
+                                        <p:cTn id="20" dur="1" fill="hold">
                                           <p:stCondLst>
                                             <p:cond delay="0"/>
                                           </p:stCondLst>
@@ -13474,7 +13736,6 @@
     <p:bldLst>
       <p:bldP spid="5" grpId="0" animBg="1"/>
       <p:bldP spid="6" grpId="0" animBg="1"/>
-      <p:bldP spid="7" grpId="0" animBg="1"/>
       <p:bldP spid="9" grpId="0" animBg="1"/>
     </p:bldLst>
   </p:timing>
@@ -15517,7 +15778,7 @@
           <a:lstStyle/>
           <a:p>
             <a:r>
-              <a:rPr lang="bg-BG" sz="3200" b="1" dirty="0">
+              <a:rPr lang="bg-BG" sz="2800" b="1" dirty="0">
                 <a:solidFill>
                   <a:schemeClr val="bg1"/>
                 </a:solidFill>
@@ -15525,15 +15786,15 @@
               <a:t>Билдваме</a:t>
             </a:r>
             <a:r>
-              <a:rPr lang="bg-BG" sz="3200" dirty="0"/>
+              <a:rPr lang="bg-BG" sz="2800" dirty="0"/>
               <a:t> проекта</a:t>
             </a:r>
             <a:r>
-              <a:rPr lang="en-US" sz="3200" dirty="0"/>
+              <a:rPr lang="en-US" sz="2800" dirty="0"/>
               <a:t> </a:t>
             </a:r>
             <a:r>
-              <a:rPr lang="en-US" sz="3200" b="1" dirty="0">
+              <a:rPr lang="en-US" sz="2800" b="1" dirty="0">
                 <a:solidFill>
                   <a:schemeClr val="bg1"/>
                 </a:solidFill>
@@ -15541,11 +15802,11 @@
               <a:t>[Ctrl + Shift + B]</a:t>
             </a:r>
             <a:r>
-              <a:rPr lang="en-US" sz="3200" dirty="0"/>
+              <a:rPr lang="en-US" sz="2800" dirty="0"/>
               <a:t>,</a:t>
             </a:r>
             <a:r>
-              <a:rPr lang="en-US" sz="3200" dirty="0">
+              <a:rPr lang="en-US" sz="2800" dirty="0">
                 <a:solidFill>
                   <a:schemeClr val="bg1"/>
                 </a:solidFill>
@@ -15553,18 +15814,18 @@
               <a:t> </a:t>
             </a:r>
             <a:r>
-              <a:rPr lang="bg-BG" sz="3200" dirty="0"/>
+              <a:rPr lang="bg-BG" sz="2800" dirty="0"/>
               <a:t>за да заредим моделите</a:t>
             </a:r>
-            <a:endParaRPr lang="bg-BG" sz="3200" b="1" dirty="0"/>
-          </a:p>
-          <a:p>
-            <a:r>
-              <a:rPr lang="bg-BG" sz="3200" dirty="0"/>
+            <a:endParaRPr lang="bg-BG" sz="2800" b="1" dirty="0"/>
+          </a:p>
+          <a:p>
+            <a:r>
+              <a:rPr lang="bg-BG" sz="2800" dirty="0"/>
               <a:t>Кликаме на </a:t>
             </a:r>
             <a:r>
-              <a:rPr lang="en-US" sz="3200" b="1" dirty="0">
+              <a:rPr lang="en-US" sz="2800" b="1" dirty="0">
                 <a:solidFill>
                   <a:schemeClr val="bg1"/>
                 </a:solidFill>
@@ -15572,64 +15833,58 @@
               <a:t>action</a:t>
             </a:r>
             <a:r>
-              <a:rPr lang="en-US" sz="3200" dirty="0"/>
+              <a:rPr lang="en-US" sz="2800" dirty="0"/>
               <a:t> </a:t>
             </a:r>
             <a:r>
-              <a:rPr lang="bg-BG" sz="3200" dirty="0"/>
+              <a:rPr lang="bg-BG" sz="2800" dirty="0"/>
               <a:t>бутона в </a:t>
             </a:r>
             <a:r>
-              <a:rPr lang="bg-BG" sz="3200" b="1" dirty="0"/>
+              <a:rPr lang="bg-BG" sz="2800" b="1" dirty="0"/>
               <a:t>горния десен ъгъл </a:t>
             </a:r>
             <a:r>
-              <a:rPr lang="bg-BG" sz="3200" dirty="0"/>
+              <a:rPr lang="bg-BG" sz="2800" dirty="0"/>
               <a:t>на </a:t>
             </a:r>
             <a:r>
-              <a:rPr lang="bg-BG" sz="3200" b="1" dirty="0"/>
+              <a:rPr lang="bg-BG" sz="2800" b="1" dirty="0"/>
               <a:t>контролата</a:t>
             </a:r>
           </a:p>
           <a:p>
             <a:r>
-              <a:rPr lang="en-BG" sz="3200" b="1" dirty="0">
+              <a:rPr lang="bg-BG" sz="2800" dirty="0"/>
+              <a:t>Избираме</a:t>
+            </a:r>
+            <a:r>
+              <a:rPr lang="bg-BG" sz="2800" b="1" dirty="0"/>
+              <a:t> </a:t>
+            </a:r>
+            <a:r>
+              <a:rPr lang="en-US" sz="2800" b="1" dirty="0">
                 <a:solidFill>
                   <a:schemeClr val="bg1"/>
                 </a:solidFill>
               </a:rPr>
-              <a:t>Choose Data Source </a:t>
-            </a:r>
-            <a:r>
-              <a:rPr lang="en-BG" sz="3200" dirty="0"/>
-              <a:t>→ </a:t>
-            </a:r>
-            <a:r>
-              <a:rPr lang="en-US" sz="3200" b="1" dirty="0">
+              <a:t>[Choose Data Source]</a:t>
+            </a:r>
+          </a:p>
+          <a:p>
+            <a:r>
+              <a:rPr lang="bg-BG" sz="2800" dirty="0"/>
+              <a:t>Натискаме върху </a:t>
+            </a:r>
+            <a:r>
+              <a:rPr lang="en-US" sz="2800" b="1" dirty="0">
                 <a:solidFill>
                   <a:schemeClr val="bg1"/>
                 </a:solidFill>
               </a:rPr>
-              <a:t>[</a:t>
-            </a:r>
-            <a:r>
-              <a:rPr lang="en-BG" sz="3200" b="1" dirty="0">
-                <a:solidFill>
-                  <a:schemeClr val="bg1"/>
-                </a:solidFill>
-              </a:rPr>
-              <a:t>Add new Object</a:t>
-            </a:r>
-            <a:r>
-              <a:rPr lang="en-US" sz="3200" b="1" dirty="0">
-                <a:solidFill>
-                  <a:schemeClr val="bg1"/>
-                </a:solidFill>
-              </a:rPr>
-              <a:t>]</a:t>
-            </a:r>
-            <a:endParaRPr lang="en-BG" sz="3200" b="1" dirty="0">
+              <a:t>[Add new Object]</a:t>
+            </a:r>
+            <a:endParaRPr lang="bg-BG" sz="2800" b="1" dirty="0">
               <a:solidFill>
                 <a:schemeClr val="bg1"/>
               </a:solidFill>
@@ -15671,10 +15926,10 @@
       </p:sp>
       <p:pic>
         <p:nvPicPr>
-          <p:cNvPr id="5" name="Picture 4">
+          <p:cNvPr id="14" name="Picture 13">
             <a:extLst>
               <a:ext uri="{FF2B5EF4-FFF2-40B4-BE49-F238E27FC236}">
-                <a16:creationId xmlns:a16="http://schemas.microsoft.com/office/drawing/2014/main" id="{1DC22179-341D-F5D9-D839-AA8EC5ED988F}"/>
+                <a16:creationId xmlns:a16="http://schemas.microsoft.com/office/drawing/2014/main" id="{A84954AD-8104-E09F-5C7E-557D524DB8F7}"/>
               </a:ext>
             </a:extLst>
           </p:cNvPr>
@@ -15691,13 +15946,143 @@
               </a:ext>
             </a:extLst>
           </a:blip>
-          <a:srcRect/>
-          <a:stretch/>
+          <a:stretch>
+            <a:fillRect/>
+          </a:stretch>
         </p:blipFill>
         <p:spPr>
           <a:xfrm>
-            <a:off x="2851225" y="3268313"/>
-            <a:ext cx="6489550" cy="3238687"/>
+            <a:off x="3035289" y="3626787"/>
+            <a:ext cx="6139283" cy="3028713"/>
+          </a:xfrm>
+          <a:prstGeom prst="rect">
+            <a:avLst/>
+          </a:prstGeom>
+          <a:ln>
+            <a:solidFill>
+              <a:schemeClr val="bg2">
+                <a:lumMod val="75000"/>
+              </a:schemeClr>
+            </a:solidFill>
+          </a:ln>
+        </p:spPr>
+      </p:pic>
+      <p:pic>
+        <p:nvPicPr>
+          <p:cNvPr id="16" name="Picture 15">
+            <a:extLst>
+              <a:ext uri="{FF2B5EF4-FFF2-40B4-BE49-F238E27FC236}">
+                <a16:creationId xmlns:a16="http://schemas.microsoft.com/office/drawing/2014/main" id="{8AB67CC9-CA1D-D647-8D4E-2E9297DABF97}"/>
+              </a:ext>
+            </a:extLst>
+          </p:cNvPr>
+          <p:cNvPicPr>
+            <a:picLocks noChangeAspect="1"/>
+          </p:cNvPicPr>
+          <p:nvPr/>
+        </p:nvPicPr>
+        <p:blipFill>
+          <a:blip r:embed="rId4">
+            <a:extLst>
+              <a:ext uri="{28A0092B-C50C-407E-A947-70E740481C1C}">
+                <a14:useLocalDpi xmlns:a14="http://schemas.microsoft.com/office/drawing/2010/main" val="0"/>
+              </a:ext>
+            </a:extLst>
+          </a:blip>
+          <a:stretch>
+            <a:fillRect/>
+          </a:stretch>
+        </p:blipFill>
+        <p:spPr>
+          <a:xfrm>
+            <a:off x="3035288" y="3626786"/>
+            <a:ext cx="6139283" cy="3028713"/>
+          </a:xfrm>
+          <a:prstGeom prst="rect">
+            <a:avLst/>
+          </a:prstGeom>
+          <a:ln>
+            <a:solidFill>
+              <a:schemeClr val="bg2">
+                <a:lumMod val="75000"/>
+              </a:schemeClr>
+            </a:solidFill>
+          </a:ln>
+        </p:spPr>
+      </p:pic>
+      <p:pic>
+        <p:nvPicPr>
+          <p:cNvPr id="18" name="Picture 17">
+            <a:extLst>
+              <a:ext uri="{FF2B5EF4-FFF2-40B4-BE49-F238E27FC236}">
+                <a16:creationId xmlns:a16="http://schemas.microsoft.com/office/drawing/2014/main" id="{A5B5BF69-6E08-59F7-4364-F60793377FAB}"/>
+              </a:ext>
+            </a:extLst>
+          </p:cNvPr>
+          <p:cNvPicPr>
+            <a:picLocks noChangeAspect="1"/>
+          </p:cNvPicPr>
+          <p:nvPr/>
+        </p:nvPicPr>
+        <p:blipFill>
+          <a:blip r:embed="rId5">
+            <a:extLst>
+              <a:ext uri="{28A0092B-C50C-407E-A947-70E740481C1C}">
+                <a14:useLocalDpi xmlns:a14="http://schemas.microsoft.com/office/drawing/2010/main" val="0"/>
+              </a:ext>
+            </a:extLst>
+          </a:blip>
+          <a:stretch>
+            <a:fillRect/>
+          </a:stretch>
+        </p:blipFill>
+        <p:spPr>
+          <a:xfrm>
+            <a:off x="3035287" y="3626785"/>
+            <a:ext cx="6139283" cy="3028713"/>
+          </a:xfrm>
+          <a:prstGeom prst="rect">
+            <a:avLst/>
+          </a:prstGeom>
+          <a:ln>
+            <a:solidFill>
+              <a:schemeClr val="bg2">
+                <a:lumMod val="75000"/>
+              </a:schemeClr>
+            </a:solidFill>
+          </a:ln>
+        </p:spPr>
+      </p:pic>
+      <p:pic>
+        <p:nvPicPr>
+          <p:cNvPr id="20" name="Picture 19">
+            <a:extLst>
+              <a:ext uri="{FF2B5EF4-FFF2-40B4-BE49-F238E27FC236}">
+                <a16:creationId xmlns:a16="http://schemas.microsoft.com/office/drawing/2014/main" id="{E3DEABE5-E21F-C168-E15D-1BCD1386B47B}"/>
+              </a:ext>
+            </a:extLst>
+          </p:cNvPr>
+          <p:cNvPicPr>
+            <a:picLocks noChangeAspect="1"/>
+          </p:cNvPicPr>
+          <p:nvPr/>
+        </p:nvPicPr>
+        <p:blipFill>
+          <a:blip r:embed="rId6">
+            <a:extLst>
+              <a:ext uri="{28A0092B-C50C-407E-A947-70E740481C1C}">
+                <a14:useLocalDpi xmlns:a14="http://schemas.microsoft.com/office/drawing/2010/main" val="0"/>
+              </a:ext>
+            </a:extLst>
+          </a:blip>
+          <a:stretch>
+            <a:fillRect/>
+          </a:stretch>
+        </p:blipFill>
+        <p:spPr>
+          <a:xfrm>
+            <a:off x="3035287" y="3626785"/>
+            <a:ext cx="6139283" cy="3028713"/>
           </a:xfrm>
           <a:prstGeom prst="rect">
             <a:avLst/>
@@ -15725,13 +16110,13 @@
         </p:nvSpPr>
         <p:spPr bwMode="auto">
           <a:xfrm>
-            <a:off x="7878275" y="2549305"/>
-            <a:ext cx="2925000" cy="719008"/>
+            <a:off x="6726000" y="2600100"/>
+            <a:ext cx="2925000" cy="587358"/>
           </a:xfrm>
           <a:prstGeom prst="wedgeRoundRectCallout">
             <a:avLst>
-              <a:gd name="adj1" fmla="val -84249"/>
-              <a:gd name="adj2" fmla="val 149920"/>
+              <a:gd name="adj1" fmla="val -61187"/>
+              <a:gd name="adj2" fmla="val 177994"/>
               <a:gd name="adj3" fmla="val 16667"/>
             </a:avLst>
           </a:prstGeom>
@@ -15913,7 +16298,7 @@
                                           </p:stCondLst>
                                         </p:cTn>
                                         <p:tgtEl>
-                                          <p:spTgt spid="5"/>
+                                          <p:spTgt spid="14"/>
                                         </p:tgtEl>
                                         <p:attrNameLst>
                                           <p:attrName>style.visibility</p:attrName>
@@ -15975,26 +16360,35 @@
                                   </p:childTnLst>
                                 </p:cTn>
                               </p:par>
-                            </p:childTnLst>
-                          </p:cTn>
-                        </p:par>
-                      </p:childTnLst>
-                    </p:cTn>
-                  </p:par>
-                  <p:par>
-                    <p:cTn id="13" fill="hold">
-                      <p:stCondLst>
-                        <p:cond delay="indefinite"/>
-                      </p:stCondLst>
-                      <p:childTnLst>
-                        <p:par>
-                          <p:cTn id="14" fill="hold">
-                            <p:stCondLst>
-                              <p:cond delay="0"/>
-                            </p:stCondLst>
-                            <p:childTnLst>
                               <p:par>
-                                <p:cTn id="15" presetID="1" presetClass="entr" presetSubtype="0" fill="hold" grpId="0" nodeType="clickEffect">
+                                <p:cTn id="13" presetID="1" presetClass="entr" presetSubtype="0" fill="hold" nodeType="withEffect">
+                                  <p:stCondLst>
+                                    <p:cond delay="0"/>
+                                  </p:stCondLst>
+                                  <p:childTnLst>
+                                    <p:set>
+                                      <p:cBhvr>
+                                        <p:cTn id="14" dur="1" fill="hold">
+                                          <p:stCondLst>
+                                            <p:cond delay="0"/>
+                                          </p:stCondLst>
+                                        </p:cTn>
+                                        <p:tgtEl>
+                                          <p:spTgt spid="16"/>
+                                        </p:tgtEl>
+                                        <p:attrNameLst>
+                                          <p:attrName>style.visibility</p:attrName>
+                                        </p:attrNameLst>
+                                      </p:cBhvr>
+                                      <p:to>
+                                        <p:strVal val="visible"/>
+                                      </p:to>
+                                    </p:set>
+                                  </p:childTnLst>
+                                </p:cTn>
+                              </p:par>
+                              <p:par>
+                                <p:cTn id="15" presetID="1" presetClass="entr" presetSubtype="0" fill="hold" grpId="0" nodeType="withEffect">
                                   <p:stCondLst>
                                     <p:cond delay="0"/>
                                   </p:stCondLst>
@@ -16057,6 +16451,109 @@
                                               <p:pRg st="2" end="2"/>
                                             </p:txEl>
                                           </p:spTgt>
+                                        </p:tgtEl>
+                                        <p:attrNameLst>
+                                          <p:attrName>style.visibility</p:attrName>
+                                        </p:attrNameLst>
+                                      </p:cBhvr>
+                                      <p:to>
+                                        <p:strVal val="visible"/>
+                                      </p:to>
+                                    </p:set>
+                                  </p:childTnLst>
+                                </p:cTn>
+                              </p:par>
+                              <p:par>
+                                <p:cTn id="21" presetID="1" presetClass="entr" presetSubtype="0" fill="hold" nodeType="withEffect">
+                                  <p:stCondLst>
+                                    <p:cond delay="0"/>
+                                  </p:stCondLst>
+                                  <p:childTnLst>
+                                    <p:set>
+                                      <p:cBhvr>
+                                        <p:cTn id="22" dur="1" fill="hold">
+                                          <p:stCondLst>
+                                            <p:cond delay="0"/>
+                                          </p:stCondLst>
+                                        </p:cTn>
+                                        <p:tgtEl>
+                                          <p:spTgt spid="18"/>
+                                        </p:tgtEl>
+                                        <p:attrNameLst>
+                                          <p:attrName>style.visibility</p:attrName>
+                                        </p:attrNameLst>
+                                      </p:cBhvr>
+                                      <p:to>
+                                        <p:strVal val="visible"/>
+                                      </p:to>
+                                    </p:set>
+                                  </p:childTnLst>
+                                </p:cTn>
+                              </p:par>
+                            </p:childTnLst>
+                          </p:cTn>
+                        </p:par>
+                      </p:childTnLst>
+                    </p:cTn>
+                  </p:par>
+                  <p:par>
+                    <p:cTn id="23" fill="hold">
+                      <p:stCondLst>
+                        <p:cond delay="indefinite"/>
+                      </p:stCondLst>
+                      <p:childTnLst>
+                        <p:par>
+                          <p:cTn id="24" fill="hold">
+                            <p:stCondLst>
+                              <p:cond delay="0"/>
+                            </p:stCondLst>
+                            <p:childTnLst>
+                              <p:par>
+                                <p:cTn id="25" presetID="1" presetClass="entr" presetSubtype="0" fill="hold" nodeType="clickEffect">
+                                  <p:stCondLst>
+                                    <p:cond delay="0"/>
+                                  </p:stCondLst>
+                                  <p:childTnLst>
+                                    <p:set>
+                                      <p:cBhvr>
+                                        <p:cTn id="26" dur="1" fill="hold">
+                                          <p:stCondLst>
+                                            <p:cond delay="0"/>
+                                          </p:stCondLst>
+                                        </p:cTn>
+                                        <p:tgtEl>
+                                          <p:spTgt spid="3">
+                                            <p:txEl>
+                                              <p:pRg st="3" end="3"/>
+                                            </p:txEl>
+                                          </p:spTgt>
+                                        </p:tgtEl>
+                                        <p:attrNameLst>
+                                          <p:attrName>style.visibility</p:attrName>
+                                        </p:attrNameLst>
+                                      </p:cBhvr>
+                                      <p:to>
+                                        <p:strVal val="visible"/>
+                                      </p:to>
+                                    </p:set>
+                                  </p:childTnLst>
+                                </p:cTn>
+                              </p:par>
+                              <p:par>
+                                <p:cTn id="27" presetID="1" presetClass="entr" presetSubtype="0" fill="hold" nodeType="withEffect">
+                                  <p:stCondLst>
+                                    <p:cond delay="0"/>
+                                  </p:stCondLst>
+                                  <p:childTnLst>
+                                    <p:set>
+                                      <p:cBhvr>
+                                        <p:cTn id="28" dur="1" fill="hold">
+                                          <p:stCondLst>
+                                            <p:cond delay="0"/>
+                                          </p:stCondLst>
+                                        </p:cTn>
+                                        <p:tgtEl>
+                                          <p:spTgt spid="20"/>
                                         </p:tgtEl>
                                         <p:attrNameLst>
                                           <p:attrName>style.visibility</p:attrName>
@@ -23877,7 +24374,7 @@
           </p:cNvPicPr>
           <p:nvPr/>
         </p:nvPicPr>
-        <p:blipFill>
+        <p:blipFill rotWithShape="1">
           <a:blip r:embed="rId2">
             <a:extLst>
               <a:ext uri="{28A0092B-C50C-407E-A947-70E740481C1C}">
@@ -23885,14 +24382,13 @@
               </a:ext>
             </a:extLst>
           </a:blip>
-          <a:stretch>
-            <a:fillRect/>
-          </a:stretch>
+          <a:srcRect t="26123" b="23720"/>
+          <a:stretch/>
         </p:blipFill>
         <p:spPr>
           <a:xfrm>
-            <a:off x="1789500" y="2799000"/>
-            <a:ext cx="8613000" cy="4306500"/>
+            <a:off x="1789500" y="3744000"/>
+            <a:ext cx="8613000" cy="2160000"/>
           </a:xfrm>
           <a:prstGeom prst="rect">
             <a:avLst/>
@@ -24144,7 +24640,7 @@
         <p:spPr>
           <a:xfrm>
             <a:off x="190402" y="1196125"/>
-            <a:ext cx="5590598" cy="5528766"/>
+            <a:ext cx="11930042" cy="5528766"/>
           </a:xfrm>
         </p:spPr>
         <p:txBody>
@@ -24205,19 +24701,29 @@
               </a:rPr>
               <a:t>DataTextField</a:t>
             </a:r>
-          </a:p>
-          <a:p>
-            <a:r>
-              <a:rPr lang="bg-BG" sz="3000" dirty="0"/>
-              <a:t>Може да е </a:t>
-            </a:r>
+            <a:r>
+              <a:rPr lang="en-US" sz="2800" dirty="0"/>
+              <a:t>, </a:t>
+            </a:r>
+            <a:r>
+              <a:rPr lang="en-US" sz="2800" b="1" dirty="0">
+                <a:solidFill>
+                  <a:schemeClr val="bg1"/>
+                </a:solidFill>
+                <a:latin typeface="Consolas" panose="020B0609020204030204" pitchFamily="49" charset="0"/>
+                <a:cs typeface="Consolas" panose="020B0609020204030204" pitchFamily="49" charset="0"/>
+              </a:rPr>
+              <a:t>DataValueField</a:t>
+            </a:r>
+          </a:p>
+          <a:p>
             <a:r>
               <a:rPr lang="bg-BG" sz="3000" b="1" dirty="0">
                 <a:solidFill>
                   <a:schemeClr val="bg1"/>
                 </a:solidFill>
               </a:rPr>
-              <a:t>всеки</a:t>
+              <a:t>Всеки</a:t>
             </a:r>
             <a:r>
               <a:rPr lang="bg-BG" sz="3000" dirty="0"/>
@@ -24305,10 +24811,10 @@
       </p:sp>
       <p:pic>
         <p:nvPicPr>
-          <p:cNvPr id="6" name="Picture 5">
+          <p:cNvPr id="5" name="Picture 4">
             <a:extLst>
               <a:ext uri="{FF2B5EF4-FFF2-40B4-BE49-F238E27FC236}">
-                <a16:creationId xmlns:a16="http://schemas.microsoft.com/office/drawing/2014/main" id="{419C4793-13E9-32AD-9023-662E4966161D}"/>
+                <a16:creationId xmlns:a16="http://schemas.microsoft.com/office/drawing/2014/main" id="{82E14A21-7C6B-D1E6-DADD-A6C396FAFB8F}"/>
               </a:ext>
             </a:extLst>
           </p:cNvPr>
@@ -24317,7 +24823,7 @@
           </p:cNvPicPr>
           <p:nvPr/>
         </p:nvPicPr>
-        <p:blipFill>
+        <p:blipFill rotWithShape="1">
           <a:blip r:embed="rId2">
             <a:extLst>
               <a:ext uri="{28A0092B-C50C-407E-A947-70E740481C1C}">
@@ -24325,13 +24831,13 @@
               </a:ext>
             </a:extLst>
           </a:blip>
-          <a:srcRect/>
+          <a:srcRect b="754"/>
           <a:stretch/>
         </p:blipFill>
         <p:spPr>
           <a:xfrm>
-            <a:off x="5768030" y="1404000"/>
-            <a:ext cx="5985000" cy="3436254"/>
+            <a:off x="3816980" y="3004776"/>
+            <a:ext cx="4676886" cy="3720115"/>
           </a:xfrm>
           <a:prstGeom prst="rect">
             <a:avLst/>
@@ -24345,6 +24851,768 @@
           </a:ln>
         </p:spPr>
       </p:pic>
+      <p:sp>
+        <p:nvSpPr>
+          <p:cNvPr id="7" name="Rounded Rectangular Callout 6">
+            <a:extLst>
+              <a:ext uri="{FF2B5EF4-FFF2-40B4-BE49-F238E27FC236}">
+                <a16:creationId xmlns:a16="http://schemas.microsoft.com/office/drawing/2014/main" id="{63EF485A-9EFC-882C-010D-D8919F91168A}"/>
+              </a:ext>
+            </a:extLst>
+          </p:cNvPr>
+          <p:cNvSpPr/>
+          <p:nvPr/>
+        </p:nvSpPr>
+        <p:spPr bwMode="auto">
+          <a:xfrm>
+            <a:off x="8651537" y="4591286"/>
+            <a:ext cx="2938607" cy="547094"/>
+          </a:xfrm>
+          <a:prstGeom prst="wedgeRoundRectCallout">
+            <a:avLst>
+              <a:gd name="adj1" fmla="val -66418"/>
+              <a:gd name="adj2" fmla="val 188453"/>
+              <a:gd name="adj3" fmla="val 16667"/>
+            </a:avLst>
+          </a:prstGeom>
+          <a:solidFill>
+            <a:schemeClr val="dk2">
+              <a:alpha val="80000"/>
+            </a:schemeClr>
+          </a:solidFill>
+          <a:ln w="19050">
+            <a:solidFill>
+              <a:schemeClr val="tx1">
+                <a:lumMod val="75000"/>
+                <a:alpha val="80000"/>
+              </a:schemeClr>
+            </a:solidFill>
+          </a:ln>
+          <a:effectLst/>
+        </p:spPr>
+        <p:style>
+          <a:lnRef idx="2">
+            <a:schemeClr val="accent1">
+              <a:shade val="50000"/>
+            </a:schemeClr>
+          </a:lnRef>
+          <a:fillRef idx="1001">
+            <a:schemeClr val="dk2"/>
+          </a:fillRef>
+          <a:effectRef idx="0">
+            <a:schemeClr val="accent1"/>
+          </a:effectRef>
+          <a:fontRef idx="minor">
+            <a:schemeClr val="lt1"/>
+          </a:fontRef>
+        </p:style>
+        <p:txBody>
+          <a:bodyPr rot="0" spcFirstLastPara="0" vertOverflow="overflow" horzOverflow="overflow" vert="horz" wrap="square" lIns="91440" tIns="45720" rIns="91440" bIns="45720" numCol="1" spcCol="0" rtlCol="0" fromWordArt="0" anchor="ctr" anchorCtr="0" forceAA="0" compatLnSpc="1">
+            <a:prstTxWarp prst="textNoShape">
+              <a:avLst/>
+            </a:prstTxWarp>
+            <a:noAutofit/>
+          </a:bodyPr>
+          <a:lstStyle/>
+          <a:p>
+            <a:pPr algn="ctr"/>
+            <a:r>
+              <a:rPr lang="en-US" sz="2600" b="1" dirty="0">
+                <a:solidFill>
+                  <a:schemeClr val="accent1">
+                    <a:lumMod val="60000"/>
+                    <a:lumOff val="40000"/>
+                  </a:schemeClr>
+                </a:solidFill>
+                <a:effectLst>
+                  <a:outerShdw blurRad="38100" dist="38100" dir="2700000" algn="tl">
+                    <a:srgbClr val="000000">
+                      <a:alpha val="43137"/>
+                    </a:srgbClr>
+                  </a:outerShdw>
+                </a:effectLst>
+              </a:rPr>
+              <a:t>TextBox </a:t>
+            </a:r>
+            <a:r>
+              <a:rPr lang="bg-BG" sz="2600" b="1" dirty="0">
+                <a:solidFill>
+                  <a:schemeClr val="bg2"/>
+                </a:solidFill>
+                <a:effectLst>
+                  <a:outerShdw blurRad="38100" dist="38100" dir="2700000" algn="tl">
+                    <a:srgbClr val="000000">
+                      <a:alpha val="43137"/>
+                    </a:srgbClr>
+                  </a:outerShdw>
+                </a:effectLst>
+              </a:rPr>
+              <a:t>контрола</a:t>
+            </a:r>
+            <a:endParaRPr lang="en-BG" sz="2600" b="1" dirty="0">
+              <a:solidFill>
+                <a:schemeClr val="bg2"/>
+              </a:solidFill>
+              <a:effectLst>
+                <a:outerShdw blurRad="38100" dist="38100" dir="2700000" algn="tl">
+                  <a:srgbClr val="000000">
+                    <a:alpha val="43137"/>
+                  </a:srgbClr>
+                </a:outerShdw>
+              </a:effectLst>
+            </a:endParaRPr>
+          </a:p>
+        </p:txBody>
+      </p:sp>
+      <p:sp>
+        <p:nvSpPr>
+          <p:cNvPr id="8" name="Rounded Rectangular Callout 7">
+            <a:extLst>
+              <a:ext uri="{FF2B5EF4-FFF2-40B4-BE49-F238E27FC236}">
+                <a16:creationId xmlns:a16="http://schemas.microsoft.com/office/drawing/2014/main" id="{E7FC860F-59F4-1C9F-C807-60400F582088}"/>
+              </a:ext>
+            </a:extLst>
+          </p:cNvPr>
+          <p:cNvSpPr/>
+          <p:nvPr/>
+        </p:nvSpPr>
+        <p:spPr bwMode="auto">
+          <a:xfrm>
+            <a:off x="2046000" y="4927634"/>
+            <a:ext cx="3015000" cy="543541"/>
+          </a:xfrm>
+          <a:prstGeom prst="wedgeRoundRectCallout">
+            <a:avLst>
+              <a:gd name="adj1" fmla="val 71333"/>
+              <a:gd name="adj2" fmla="val -163882"/>
+              <a:gd name="adj3" fmla="val 16667"/>
+            </a:avLst>
+          </a:prstGeom>
+          <a:solidFill>
+            <a:schemeClr val="dk2">
+              <a:alpha val="80000"/>
+            </a:schemeClr>
+          </a:solidFill>
+          <a:ln w="19050">
+            <a:solidFill>
+              <a:schemeClr val="tx1">
+                <a:lumMod val="75000"/>
+                <a:alpha val="80000"/>
+              </a:schemeClr>
+            </a:solidFill>
+          </a:ln>
+          <a:effectLst/>
+        </p:spPr>
+        <p:style>
+          <a:lnRef idx="2">
+            <a:schemeClr val="accent1">
+              <a:shade val="50000"/>
+            </a:schemeClr>
+          </a:lnRef>
+          <a:fillRef idx="1001">
+            <a:schemeClr val="dk2"/>
+          </a:fillRef>
+          <a:effectRef idx="0">
+            <a:schemeClr val="accent1"/>
+          </a:effectRef>
+          <a:fontRef idx="minor">
+            <a:schemeClr val="lt1"/>
+          </a:fontRef>
+        </p:style>
+        <p:txBody>
+          <a:bodyPr rot="0" spcFirstLastPara="0" vertOverflow="overflow" horzOverflow="overflow" vert="horz" wrap="square" lIns="91440" tIns="45720" rIns="91440" bIns="45720" numCol="1" spcCol="0" rtlCol="0" fromWordArt="0" anchor="ctr" anchorCtr="0" forceAA="0" compatLnSpc="1">
+            <a:prstTxWarp prst="textNoShape">
+              <a:avLst/>
+            </a:prstTxWarp>
+            <a:noAutofit/>
+          </a:bodyPr>
+          <a:lstStyle/>
+          <a:p>
+            <a:pPr algn="ctr"/>
+            <a:r>
+              <a:rPr lang="en-US" sz="2600" b="1" dirty="0">
+                <a:solidFill>
+                  <a:schemeClr val="accent1">
+                    <a:lumMod val="60000"/>
+                    <a:lumOff val="40000"/>
+                  </a:schemeClr>
+                </a:solidFill>
+                <a:effectLst>
+                  <a:outerShdw blurRad="38100" dist="38100" dir="2700000" algn="tl">
+                    <a:srgbClr val="000000">
+                      <a:alpha val="43137"/>
+                    </a:srgbClr>
+                  </a:outerShdw>
+                </a:effectLst>
+              </a:rPr>
+              <a:t>ListBox </a:t>
+            </a:r>
+            <a:r>
+              <a:rPr lang="bg-BG" sz="2600" b="1" dirty="0">
+                <a:solidFill>
+                  <a:schemeClr val="bg2"/>
+                </a:solidFill>
+                <a:effectLst>
+                  <a:outerShdw blurRad="38100" dist="38100" dir="2700000" algn="tl">
+                    <a:srgbClr val="000000">
+                      <a:alpha val="43137"/>
+                    </a:srgbClr>
+                  </a:outerShdw>
+                </a:effectLst>
+              </a:rPr>
+              <a:t>контрола</a:t>
+            </a:r>
+            <a:endParaRPr lang="en-BG" sz="2600" b="1" dirty="0">
+              <a:solidFill>
+                <a:schemeClr val="bg2"/>
+              </a:solidFill>
+              <a:effectLst>
+                <a:outerShdw blurRad="38100" dist="38100" dir="2700000" algn="tl">
+                  <a:srgbClr val="000000">
+                    <a:alpha val="43137"/>
+                  </a:srgbClr>
+                </a:outerShdw>
+              </a:effectLst>
+            </a:endParaRPr>
+          </a:p>
+        </p:txBody>
+      </p:sp>
+      <p:sp>
+        <p:nvSpPr>
+          <p:cNvPr id="9" name="Rounded Rectangular Callout 8">
+            <a:extLst>
+              <a:ext uri="{FF2B5EF4-FFF2-40B4-BE49-F238E27FC236}">
+                <a16:creationId xmlns:a16="http://schemas.microsoft.com/office/drawing/2014/main" id="{1FB6DAC9-93E6-F915-E199-7EFF23347F5E}"/>
+              </a:ext>
+            </a:extLst>
+          </p:cNvPr>
+          <p:cNvSpPr/>
+          <p:nvPr/>
+        </p:nvSpPr>
+        <p:spPr bwMode="auto">
+          <a:xfrm>
+            <a:off x="1363722" y="6090731"/>
+            <a:ext cx="4133925" cy="547094"/>
+          </a:xfrm>
+          <a:prstGeom prst="wedgeRoundRectCallout">
+            <a:avLst>
+              <a:gd name="adj1" fmla="val 60883"/>
+              <a:gd name="adj2" fmla="val -208842"/>
+              <a:gd name="adj3" fmla="val 16667"/>
+            </a:avLst>
+          </a:prstGeom>
+          <a:solidFill>
+            <a:schemeClr val="dk2">
+              <a:alpha val="80000"/>
+            </a:schemeClr>
+          </a:solidFill>
+          <a:ln w="19050">
+            <a:solidFill>
+              <a:schemeClr val="tx1">
+                <a:lumMod val="75000"/>
+                <a:alpha val="80000"/>
+              </a:schemeClr>
+            </a:solidFill>
+          </a:ln>
+          <a:effectLst/>
+        </p:spPr>
+        <p:style>
+          <a:lnRef idx="2">
+            <a:schemeClr val="accent1">
+              <a:shade val="50000"/>
+            </a:schemeClr>
+          </a:lnRef>
+          <a:fillRef idx="1001">
+            <a:schemeClr val="dk2"/>
+          </a:fillRef>
+          <a:effectRef idx="0">
+            <a:schemeClr val="accent1"/>
+          </a:effectRef>
+          <a:fontRef idx="minor">
+            <a:schemeClr val="lt1"/>
+          </a:fontRef>
+        </p:style>
+        <p:txBody>
+          <a:bodyPr rot="0" spcFirstLastPara="0" vertOverflow="overflow" horzOverflow="overflow" vert="horz" wrap="square" lIns="91440" tIns="45720" rIns="91440" bIns="45720" numCol="1" spcCol="0" rtlCol="0" fromWordArt="0" anchor="ctr" anchorCtr="0" forceAA="0" compatLnSpc="1">
+            <a:prstTxWarp prst="textNoShape">
+              <a:avLst/>
+            </a:prstTxWarp>
+            <a:noAutofit/>
+          </a:bodyPr>
+          <a:lstStyle/>
+          <a:p>
+            <a:pPr algn="ctr"/>
+            <a:r>
+              <a:rPr lang="bg-BG" sz="2600" b="1" dirty="0">
+                <a:solidFill>
+                  <a:schemeClr val="bg2"/>
+                </a:solidFill>
+                <a:effectLst>
+                  <a:outerShdw blurRad="38100" dist="38100" dir="2700000" algn="tl">
+                    <a:srgbClr val="000000">
+                      <a:alpha val="43137"/>
+                    </a:srgbClr>
+                  </a:outerShdw>
+                </a:effectLst>
+              </a:rPr>
+              <a:t>Задаване чрез </a:t>
+            </a:r>
+            <a:r>
+              <a:rPr lang="en-US" sz="2600" b="1" dirty="0">
+                <a:solidFill>
+                  <a:schemeClr val="accent1">
+                    <a:lumMod val="60000"/>
+                    <a:lumOff val="40000"/>
+                  </a:schemeClr>
+                </a:solidFill>
+                <a:effectLst>
+                  <a:outerShdw blurRad="38100" dist="38100" dir="2700000" algn="tl">
+                    <a:srgbClr val="000000">
+                      <a:alpha val="43137"/>
+                    </a:srgbClr>
+                  </a:outerShdw>
+                </a:effectLst>
+              </a:rPr>
+              <a:t>DataSource</a:t>
+            </a:r>
+            <a:endParaRPr lang="en-BG" sz="2600" b="1" dirty="0">
+              <a:solidFill>
+                <a:schemeClr val="bg2"/>
+              </a:solidFill>
+              <a:effectLst>
+                <a:outerShdw blurRad="38100" dist="38100" dir="2700000" algn="tl">
+                  <a:srgbClr val="000000">
+                    <a:alpha val="43137"/>
+                  </a:srgbClr>
+                </a:outerShdw>
+              </a:effectLst>
+            </a:endParaRPr>
+          </a:p>
+        </p:txBody>
+      </p:sp>
+      <p:sp>
+        <p:nvSpPr>
+          <p:cNvPr id="10" name="Rounded Rectangular Callout 9">
+            <a:extLst>
+              <a:ext uri="{FF2B5EF4-FFF2-40B4-BE49-F238E27FC236}">
+                <a16:creationId xmlns:a16="http://schemas.microsoft.com/office/drawing/2014/main" id="{1DFFA3D1-AD4B-200B-91BD-E0B085D73007}"/>
+              </a:ext>
+            </a:extLst>
+          </p:cNvPr>
+          <p:cNvSpPr/>
+          <p:nvPr/>
+        </p:nvSpPr>
+        <p:spPr bwMode="auto">
+          <a:xfrm>
+            <a:off x="400829" y="2940339"/>
+            <a:ext cx="4419784" cy="842161"/>
+          </a:xfrm>
+          <a:prstGeom prst="wedgeRoundRectCallout">
+            <a:avLst>
+              <a:gd name="adj1" fmla="val 74644"/>
+              <a:gd name="adj2" fmla="val 47475"/>
+              <a:gd name="adj3" fmla="val 16667"/>
+            </a:avLst>
+          </a:prstGeom>
+          <a:solidFill>
+            <a:schemeClr val="dk2">
+              <a:alpha val="80000"/>
+            </a:schemeClr>
+          </a:solidFill>
+          <a:ln w="19050">
+            <a:solidFill>
+              <a:schemeClr val="tx1">
+                <a:lumMod val="75000"/>
+                <a:alpha val="80000"/>
+              </a:schemeClr>
+            </a:solidFill>
+          </a:ln>
+          <a:effectLst/>
+        </p:spPr>
+        <p:style>
+          <a:lnRef idx="2">
+            <a:schemeClr val="accent1">
+              <a:shade val="50000"/>
+            </a:schemeClr>
+          </a:lnRef>
+          <a:fillRef idx="1001">
+            <a:schemeClr val="dk2"/>
+          </a:fillRef>
+          <a:effectRef idx="0">
+            <a:schemeClr val="accent1"/>
+          </a:effectRef>
+          <a:fontRef idx="minor">
+            <a:schemeClr val="lt1"/>
+          </a:fontRef>
+        </p:style>
+        <p:txBody>
+          <a:bodyPr rot="0" spcFirstLastPara="0" vertOverflow="overflow" horzOverflow="overflow" vert="horz" wrap="square" lIns="91440" tIns="45720" rIns="91440" bIns="45720" numCol="1" spcCol="0" rtlCol="0" fromWordArt="0" anchor="ctr" anchorCtr="0" forceAA="0" compatLnSpc="1">
+            <a:prstTxWarp prst="textNoShape">
+              <a:avLst/>
+            </a:prstTxWarp>
+            <a:noAutofit/>
+          </a:bodyPr>
+          <a:lstStyle/>
+          <a:p>
+            <a:pPr algn="ctr"/>
+            <a:r>
+              <a:rPr lang="bg-BG" sz="2600" b="1" dirty="0">
+                <a:solidFill>
+                  <a:schemeClr val="bg2"/>
+                </a:solidFill>
+                <a:effectLst>
+                  <a:outerShdw blurRad="38100" dist="38100" dir="2700000" algn="tl">
+                    <a:srgbClr val="000000">
+                      <a:alpha val="43137"/>
+                    </a:srgbClr>
+                  </a:outerShdw>
+                </a:effectLst>
+              </a:rPr>
+              <a:t>Задаване чрез</a:t>
+            </a:r>
+            <a:r>
+              <a:rPr lang="en-US" sz="2600" b="1" dirty="0">
+                <a:solidFill>
+                  <a:schemeClr val="bg2"/>
+                </a:solidFill>
+                <a:effectLst>
+                  <a:outerShdw blurRad="38100" dist="38100" dir="2700000" algn="tl">
+                    <a:srgbClr val="000000">
+                      <a:alpha val="43137"/>
+                    </a:srgbClr>
+                  </a:outerShdw>
+                </a:effectLst>
+              </a:rPr>
+              <a:t> </a:t>
+            </a:r>
+            <a:r>
+              <a:rPr lang="en-US" sz="2600" b="1" dirty="0">
+                <a:solidFill>
+                  <a:schemeClr val="accent1">
+                    <a:lumMod val="60000"/>
+                    <a:lumOff val="40000"/>
+                  </a:schemeClr>
+                </a:solidFill>
+                <a:effectLst>
+                  <a:outerShdw blurRad="38100" dist="38100" dir="2700000" algn="tl">
+                    <a:srgbClr val="000000">
+                      <a:alpha val="43137"/>
+                    </a:srgbClr>
+                  </a:outerShdw>
+                </a:effectLst>
+              </a:rPr>
+              <a:t>DataTextField </a:t>
+            </a:r>
+            <a:r>
+              <a:rPr lang="bg-BG" sz="2600" b="1" dirty="0">
+                <a:solidFill>
+                  <a:schemeClr val="bg2"/>
+                </a:solidFill>
+                <a:effectLst>
+                  <a:outerShdw blurRad="38100" dist="38100" dir="2700000" algn="tl">
+                    <a:srgbClr val="000000">
+                      <a:alpha val="43137"/>
+                    </a:srgbClr>
+                  </a:outerShdw>
+                </a:effectLst>
+              </a:rPr>
+              <a:t>и</a:t>
+            </a:r>
+            <a:r>
+              <a:rPr lang="bg-BG" sz="2600" b="1" dirty="0">
+                <a:solidFill>
+                  <a:schemeClr val="accent1">
+                    <a:lumMod val="60000"/>
+                    <a:lumOff val="40000"/>
+                  </a:schemeClr>
+                </a:solidFill>
+                <a:effectLst>
+                  <a:outerShdw blurRad="38100" dist="38100" dir="2700000" algn="tl">
+                    <a:srgbClr val="000000">
+                      <a:alpha val="43137"/>
+                    </a:srgbClr>
+                  </a:outerShdw>
+                </a:effectLst>
+              </a:rPr>
+              <a:t> </a:t>
+            </a:r>
+            <a:r>
+              <a:rPr lang="en-US" sz="2600" b="1" dirty="0">
+                <a:solidFill>
+                  <a:schemeClr val="accent1">
+                    <a:lumMod val="60000"/>
+                    <a:lumOff val="40000"/>
+                  </a:schemeClr>
+                </a:solidFill>
+                <a:effectLst>
+                  <a:outerShdw blurRad="38100" dist="38100" dir="2700000" algn="tl">
+                    <a:srgbClr val="000000">
+                      <a:alpha val="43137"/>
+                    </a:srgbClr>
+                  </a:outerShdw>
+                </a:effectLst>
+              </a:rPr>
+              <a:t>DataValueField</a:t>
+            </a:r>
+            <a:r>
+              <a:rPr lang="bg-BG" sz="2600" b="1" dirty="0">
+                <a:solidFill>
+                  <a:schemeClr val="accent1">
+                    <a:lumMod val="60000"/>
+                    <a:lumOff val="40000"/>
+                  </a:schemeClr>
+                </a:solidFill>
+                <a:effectLst>
+                  <a:outerShdw blurRad="38100" dist="38100" dir="2700000" algn="tl">
+                    <a:srgbClr val="000000">
+                      <a:alpha val="43137"/>
+                    </a:srgbClr>
+                  </a:outerShdw>
+                </a:effectLst>
+              </a:rPr>
+              <a:t> </a:t>
+            </a:r>
+            <a:endParaRPr lang="en-BG" sz="2600" b="1" dirty="0">
+              <a:solidFill>
+                <a:schemeClr val="bg2"/>
+              </a:solidFill>
+              <a:effectLst>
+                <a:outerShdw blurRad="38100" dist="38100" dir="2700000" algn="tl">
+                  <a:srgbClr val="000000">
+                    <a:alpha val="43137"/>
+                  </a:srgbClr>
+                </a:outerShdw>
+              </a:effectLst>
+            </a:endParaRPr>
+          </a:p>
+        </p:txBody>
+      </p:sp>
+      <p:sp>
+        <p:nvSpPr>
+          <p:cNvPr id="11" name="Rounded Rectangular Callout 10">
+            <a:extLst>
+              <a:ext uri="{FF2B5EF4-FFF2-40B4-BE49-F238E27FC236}">
+                <a16:creationId xmlns:a16="http://schemas.microsoft.com/office/drawing/2014/main" id="{17446092-3166-4E94-7EE9-D3AA44325A49}"/>
+              </a:ext>
+            </a:extLst>
+          </p:cNvPr>
+          <p:cNvSpPr/>
+          <p:nvPr/>
+        </p:nvSpPr>
+        <p:spPr bwMode="auto">
+          <a:xfrm>
+            <a:off x="7915995" y="2925106"/>
+            <a:ext cx="3255624" cy="543541"/>
+          </a:xfrm>
+          <a:prstGeom prst="wedgeRoundRectCallout">
+            <a:avLst>
+              <a:gd name="adj1" fmla="val -42040"/>
+              <a:gd name="adj2" fmla="val 98117"/>
+              <a:gd name="adj3" fmla="val 16667"/>
+            </a:avLst>
+          </a:prstGeom>
+          <a:solidFill>
+            <a:schemeClr val="dk2">
+              <a:alpha val="80000"/>
+            </a:schemeClr>
+          </a:solidFill>
+          <a:ln w="19050">
+            <a:solidFill>
+              <a:schemeClr val="tx1">
+                <a:lumMod val="75000"/>
+                <a:alpha val="80000"/>
+              </a:schemeClr>
+            </a:solidFill>
+          </a:ln>
+          <a:effectLst/>
+        </p:spPr>
+        <p:style>
+          <a:lnRef idx="2">
+            <a:schemeClr val="accent1">
+              <a:shade val="50000"/>
+            </a:schemeClr>
+          </a:lnRef>
+          <a:fillRef idx="1001">
+            <a:schemeClr val="dk2"/>
+          </a:fillRef>
+          <a:effectRef idx="0">
+            <a:schemeClr val="accent1"/>
+          </a:effectRef>
+          <a:fontRef idx="minor">
+            <a:schemeClr val="lt1"/>
+          </a:fontRef>
+        </p:style>
+        <p:txBody>
+          <a:bodyPr rot="0" spcFirstLastPara="0" vertOverflow="overflow" horzOverflow="overflow" vert="horz" wrap="square" lIns="91440" tIns="45720" rIns="91440" bIns="45720" numCol="1" spcCol="0" rtlCol="0" fromWordArt="0" anchor="ctr" anchorCtr="0" forceAA="0" compatLnSpc="1">
+            <a:prstTxWarp prst="textNoShape">
+              <a:avLst/>
+            </a:prstTxWarp>
+            <a:noAutofit/>
+          </a:bodyPr>
+          <a:lstStyle/>
+          <a:p>
+            <a:pPr algn="ctr"/>
+            <a:r>
+              <a:rPr lang="en-US" sz="2600" b="1" dirty="0">
+                <a:solidFill>
+                  <a:schemeClr val="accent1">
+                    <a:lumMod val="60000"/>
+                    <a:lumOff val="40000"/>
+                  </a:schemeClr>
+                </a:solidFill>
+                <a:effectLst>
+                  <a:outerShdw blurRad="38100" dist="38100" dir="2700000" algn="tl">
+                    <a:srgbClr val="000000">
+                      <a:alpha val="43137"/>
+                    </a:srgbClr>
+                  </a:outerShdw>
+                </a:effectLst>
+              </a:rPr>
+              <a:t>ComboBox </a:t>
+            </a:r>
+            <a:r>
+              <a:rPr lang="bg-BG" sz="2600" b="1" dirty="0">
+                <a:solidFill>
+                  <a:schemeClr val="bg2"/>
+                </a:solidFill>
+                <a:effectLst>
+                  <a:outerShdw blurRad="38100" dist="38100" dir="2700000" algn="tl">
+                    <a:srgbClr val="000000">
+                      <a:alpha val="43137"/>
+                    </a:srgbClr>
+                  </a:outerShdw>
+                </a:effectLst>
+              </a:rPr>
+              <a:t>контрола</a:t>
+            </a:r>
+            <a:endParaRPr lang="en-BG" sz="2600" b="1" dirty="0">
+              <a:solidFill>
+                <a:schemeClr val="bg2"/>
+              </a:solidFill>
+              <a:effectLst>
+                <a:outerShdw blurRad="38100" dist="38100" dir="2700000" algn="tl">
+                  <a:srgbClr val="000000">
+                    <a:alpha val="43137"/>
+                  </a:srgbClr>
+                </a:outerShdw>
+              </a:effectLst>
+            </a:endParaRPr>
+          </a:p>
+        </p:txBody>
+      </p:sp>
+      <p:sp>
+        <p:nvSpPr>
+          <p:cNvPr id="12" name="Rounded Rectangular Callout 11">
+            <a:extLst>
+              <a:ext uri="{FF2B5EF4-FFF2-40B4-BE49-F238E27FC236}">
+                <a16:creationId xmlns:a16="http://schemas.microsoft.com/office/drawing/2014/main" id="{564FD96B-23ED-6A22-A393-0E47BEBB9BC5}"/>
+              </a:ext>
+            </a:extLst>
+          </p:cNvPr>
+          <p:cNvSpPr/>
+          <p:nvPr/>
+        </p:nvSpPr>
+        <p:spPr bwMode="auto">
+          <a:xfrm>
+            <a:off x="8756811" y="5959906"/>
+            <a:ext cx="3153206" cy="547094"/>
+          </a:xfrm>
+          <a:prstGeom prst="wedgeRoundRectCallout">
+            <a:avLst>
+              <a:gd name="adj1" fmla="val -73559"/>
+              <a:gd name="adj2" fmla="val -33484"/>
+              <a:gd name="adj3" fmla="val 16667"/>
+            </a:avLst>
+          </a:prstGeom>
+          <a:solidFill>
+            <a:schemeClr val="dk2">
+              <a:alpha val="80000"/>
+            </a:schemeClr>
+          </a:solidFill>
+          <a:ln w="19050">
+            <a:solidFill>
+              <a:schemeClr val="tx1">
+                <a:lumMod val="75000"/>
+                <a:alpha val="80000"/>
+              </a:schemeClr>
+            </a:solidFill>
+          </a:ln>
+          <a:effectLst/>
+        </p:spPr>
+        <p:style>
+          <a:lnRef idx="2">
+            <a:schemeClr val="accent1">
+              <a:shade val="50000"/>
+            </a:schemeClr>
+          </a:lnRef>
+          <a:fillRef idx="1001">
+            <a:schemeClr val="dk2"/>
+          </a:fillRef>
+          <a:effectRef idx="0">
+            <a:schemeClr val="accent1"/>
+          </a:effectRef>
+          <a:fontRef idx="minor">
+            <a:schemeClr val="lt1"/>
+          </a:fontRef>
+        </p:style>
+        <p:txBody>
+          <a:bodyPr rot="0" spcFirstLastPara="0" vertOverflow="overflow" horzOverflow="overflow" vert="horz" wrap="square" lIns="91440" tIns="45720" rIns="91440" bIns="45720" numCol="1" spcCol="0" rtlCol="0" fromWordArt="0" anchor="ctr" anchorCtr="0" forceAA="0" compatLnSpc="1">
+            <a:prstTxWarp prst="textNoShape">
+              <a:avLst/>
+            </a:prstTxWarp>
+            <a:noAutofit/>
+          </a:bodyPr>
+          <a:lstStyle/>
+          <a:p>
+            <a:pPr algn="ctr"/>
+            <a:r>
+              <a:rPr lang="bg-BG" sz="2600" b="1" dirty="0">
+                <a:solidFill>
+                  <a:schemeClr val="bg2"/>
+                </a:solidFill>
+                <a:effectLst>
+                  <a:outerShdw blurRad="38100" dist="38100" dir="2700000" algn="tl">
+                    <a:srgbClr val="000000">
+                      <a:alpha val="43137"/>
+                    </a:srgbClr>
+                  </a:outerShdw>
+                </a:effectLst>
+              </a:rPr>
+              <a:t>Задаване чрез </a:t>
+            </a:r>
+            <a:r>
+              <a:rPr lang="en-US" sz="2600" b="1" dirty="0">
+                <a:solidFill>
+                  <a:schemeClr val="accent1">
+                    <a:lumMod val="60000"/>
+                    <a:lumOff val="40000"/>
+                  </a:schemeClr>
+                </a:solidFill>
+                <a:effectLst>
+                  <a:outerShdw blurRad="38100" dist="38100" dir="2700000" algn="tl">
+                    <a:srgbClr val="000000">
+                      <a:alpha val="43137"/>
+                    </a:srgbClr>
+                  </a:outerShdw>
+                </a:effectLst>
+              </a:rPr>
+              <a:t>Text</a:t>
+            </a:r>
+            <a:endParaRPr lang="en-BG" sz="2600" b="1" dirty="0">
+              <a:solidFill>
+                <a:schemeClr val="bg2"/>
+              </a:solidFill>
+              <a:effectLst>
+                <a:outerShdw blurRad="38100" dist="38100" dir="2700000" algn="tl">
+                  <a:srgbClr val="000000">
+                    <a:alpha val="43137"/>
+                  </a:srgbClr>
+                </a:outerShdw>
+              </a:effectLst>
+            </a:endParaRPr>
+          </a:p>
+        </p:txBody>
+      </p:sp>
     </p:spTree>
     <p:extLst>
       <p:ext uri="{BB962C8B-B14F-4D97-AF65-F5344CB8AC3E}">
@@ -24375,6 +25643,9 @@
                     <p:cTn id="3" fill="hold">
                       <p:stCondLst>
                         <p:cond delay="indefinite"/>
+                        <p:cond evt="onBegin" delay="0">
+                          <p:tn val="2"/>
+                        </p:cond>
                       </p:stCondLst>
                       <p:childTnLst>
                         <p:par>
@@ -24384,7 +25655,7 @@
                             </p:stCondLst>
                             <p:childTnLst>
                               <p:par>
-                                <p:cTn id="5" presetID="1" presetClass="entr" presetSubtype="0" fill="hold" nodeType="clickEffect">
+                                <p:cTn id="5" presetID="1" presetClass="entr" presetSubtype="0" fill="hold" nodeType="withEffect">
                                   <p:stCondLst>
                                     <p:cond delay="0"/>
                                   </p:stCondLst>
@@ -24428,7 +25699,7 @@
                                           </p:stCondLst>
                                         </p:cTn>
                                         <p:tgtEl>
-                                          <p:spTgt spid="6"/>
+                                          <p:spTgt spid="5"/>
                                         </p:tgtEl>
                                         <p:attrNameLst>
                                           <p:attrName>style.visibility</p:attrName>
@@ -24496,6 +25767,276 @@
                       </p:childTnLst>
                     </p:cTn>
                   </p:par>
+                  <p:par>
+                    <p:cTn id="13" fill="hold">
+                      <p:stCondLst>
+                        <p:cond delay="indefinite"/>
+                      </p:stCondLst>
+                      <p:childTnLst>
+                        <p:par>
+                          <p:cTn id="14" fill="hold">
+                            <p:stCondLst>
+                              <p:cond delay="0"/>
+                            </p:stCondLst>
+                            <p:childTnLst>
+                              <p:par>
+                                <p:cTn id="15" presetID="1" presetClass="entr" presetSubtype="0" fill="hold" grpId="0" nodeType="clickEffect">
+                                  <p:stCondLst>
+                                    <p:cond delay="0"/>
+                                  </p:stCondLst>
+                                  <p:childTnLst>
+                                    <p:set>
+                                      <p:cBhvr>
+                                        <p:cTn id="16" dur="1" fill="hold">
+                                          <p:stCondLst>
+                                            <p:cond delay="0"/>
+                                          </p:stCondLst>
+                                        </p:cTn>
+                                        <p:tgtEl>
+                                          <p:spTgt spid="11"/>
+                                        </p:tgtEl>
+                                        <p:attrNameLst>
+                                          <p:attrName>style.visibility</p:attrName>
+                                        </p:attrNameLst>
+                                      </p:cBhvr>
+                                      <p:to>
+                                        <p:strVal val="visible"/>
+                                      </p:to>
+                                    </p:set>
+                                  </p:childTnLst>
+                                </p:cTn>
+                              </p:par>
+                            </p:childTnLst>
+                          </p:cTn>
+                        </p:par>
+                      </p:childTnLst>
+                    </p:cTn>
+                  </p:par>
+                  <p:par>
+                    <p:cTn id="17" fill="hold">
+                      <p:stCondLst>
+                        <p:cond delay="indefinite"/>
+                      </p:stCondLst>
+                      <p:childTnLst>
+                        <p:par>
+                          <p:cTn id="18" fill="hold">
+                            <p:stCondLst>
+                              <p:cond delay="0"/>
+                            </p:stCondLst>
+                            <p:childTnLst>
+                              <p:par>
+                                <p:cTn id="19" presetID="1" presetClass="entr" presetSubtype="0" fill="hold" grpId="0" nodeType="clickEffect">
+                                  <p:stCondLst>
+                                    <p:cond delay="0"/>
+                                  </p:stCondLst>
+                                  <p:childTnLst>
+                                    <p:set>
+                                      <p:cBhvr>
+                                        <p:cTn id="20" dur="1" fill="hold">
+                                          <p:stCondLst>
+                                            <p:cond delay="0"/>
+                                          </p:stCondLst>
+                                        </p:cTn>
+                                        <p:tgtEl>
+                                          <p:spTgt spid="8"/>
+                                        </p:tgtEl>
+                                        <p:attrNameLst>
+                                          <p:attrName>style.visibility</p:attrName>
+                                        </p:attrNameLst>
+                                      </p:cBhvr>
+                                      <p:to>
+                                        <p:strVal val="visible"/>
+                                      </p:to>
+                                    </p:set>
+                                  </p:childTnLst>
+                                </p:cTn>
+                              </p:par>
+                            </p:childTnLst>
+                          </p:cTn>
+                        </p:par>
+                      </p:childTnLst>
+                    </p:cTn>
+                  </p:par>
+                  <p:par>
+                    <p:cTn id="21" fill="hold">
+                      <p:stCondLst>
+                        <p:cond delay="indefinite"/>
+                      </p:stCondLst>
+                      <p:childTnLst>
+                        <p:par>
+                          <p:cTn id="22" fill="hold">
+                            <p:stCondLst>
+                              <p:cond delay="0"/>
+                            </p:stCondLst>
+                            <p:childTnLst>
+                              <p:par>
+                                <p:cTn id="23" presetID="1" presetClass="entr" presetSubtype="0" fill="hold" grpId="0" nodeType="clickEffect">
+                                  <p:stCondLst>
+                                    <p:cond delay="0"/>
+                                  </p:stCondLst>
+                                  <p:childTnLst>
+                                    <p:set>
+                                      <p:cBhvr>
+                                        <p:cTn id="24" dur="1" fill="hold">
+                                          <p:stCondLst>
+                                            <p:cond delay="0"/>
+                                          </p:stCondLst>
+                                        </p:cTn>
+                                        <p:tgtEl>
+                                          <p:spTgt spid="7"/>
+                                        </p:tgtEl>
+                                        <p:attrNameLst>
+                                          <p:attrName>style.visibility</p:attrName>
+                                        </p:attrNameLst>
+                                      </p:cBhvr>
+                                      <p:to>
+                                        <p:strVal val="visible"/>
+                                      </p:to>
+                                    </p:set>
+                                  </p:childTnLst>
+                                </p:cTn>
+                              </p:par>
+                            </p:childTnLst>
+                          </p:cTn>
+                        </p:par>
+                      </p:childTnLst>
+                    </p:cTn>
+                  </p:par>
+                  <p:par>
+                    <p:cTn id="25" fill="hold">
+                      <p:stCondLst>
+                        <p:cond delay="indefinite"/>
+                      </p:stCondLst>
+                      <p:childTnLst>
+                        <p:par>
+                          <p:cTn id="26" fill="hold">
+                            <p:stCondLst>
+                              <p:cond delay="0"/>
+                            </p:stCondLst>
+                            <p:childTnLst>
+                              <p:par>
+                                <p:cTn id="27" presetID="1" presetClass="entr" presetSubtype="0" fill="hold" grpId="0" nodeType="clickEffect">
+                                  <p:stCondLst>
+                                    <p:cond delay="0"/>
+                                  </p:stCondLst>
+                                  <p:childTnLst>
+                                    <p:set>
+                                      <p:cBhvr>
+                                        <p:cTn id="28" dur="1" fill="hold">
+                                          <p:stCondLst>
+                                            <p:cond delay="0"/>
+                                          </p:stCondLst>
+                                        </p:cTn>
+                                        <p:tgtEl>
+                                          <p:spTgt spid="10"/>
+                                        </p:tgtEl>
+                                        <p:attrNameLst>
+                                          <p:attrName>style.visibility</p:attrName>
+                                        </p:attrNameLst>
+                                      </p:cBhvr>
+                                      <p:to>
+                                        <p:strVal val="visible"/>
+                                      </p:to>
+                                    </p:set>
+                                  </p:childTnLst>
+                                </p:cTn>
+                              </p:par>
+                            </p:childTnLst>
+                          </p:cTn>
+                        </p:par>
+                      </p:childTnLst>
+                    </p:cTn>
+                  </p:par>
+                  <p:par>
+                    <p:cTn id="29" fill="hold">
+                      <p:stCondLst>
+                        <p:cond delay="indefinite"/>
+                      </p:stCondLst>
+                      <p:childTnLst>
+                        <p:par>
+                          <p:cTn id="30" fill="hold">
+                            <p:stCondLst>
+                              <p:cond delay="0"/>
+                            </p:stCondLst>
+                            <p:childTnLst>
+                              <p:par>
+                                <p:cTn id="31" presetID="1" presetClass="entr" presetSubtype="0" fill="hold" grpId="0" nodeType="clickEffect">
+                                  <p:stCondLst>
+                                    <p:cond delay="0"/>
+                                  </p:stCondLst>
+                                  <p:childTnLst>
+                                    <p:set>
+                                      <p:cBhvr>
+                                        <p:cTn id="32" dur="1" fill="hold">
+                                          <p:stCondLst>
+                                            <p:cond delay="0"/>
+                                          </p:stCondLst>
+                                        </p:cTn>
+                                        <p:tgtEl>
+                                          <p:spTgt spid="9"/>
+                                        </p:tgtEl>
+                                        <p:attrNameLst>
+                                          <p:attrName>style.visibility</p:attrName>
+                                        </p:attrNameLst>
+                                      </p:cBhvr>
+                                      <p:to>
+                                        <p:strVal val="visible"/>
+                                      </p:to>
+                                    </p:set>
+                                  </p:childTnLst>
+                                </p:cTn>
+                              </p:par>
+                            </p:childTnLst>
+                          </p:cTn>
+                        </p:par>
+                      </p:childTnLst>
+                    </p:cTn>
+                  </p:par>
+                  <p:par>
+                    <p:cTn id="33" fill="hold">
+                      <p:stCondLst>
+                        <p:cond delay="indefinite"/>
+                      </p:stCondLst>
+                      <p:childTnLst>
+                        <p:par>
+                          <p:cTn id="34" fill="hold">
+                            <p:stCondLst>
+                              <p:cond delay="0"/>
+                            </p:stCondLst>
+                            <p:childTnLst>
+                              <p:par>
+                                <p:cTn id="35" presetID="1" presetClass="entr" presetSubtype="0" fill="hold" grpId="0" nodeType="clickEffect">
+                                  <p:stCondLst>
+                                    <p:cond delay="0"/>
+                                  </p:stCondLst>
+                                  <p:childTnLst>
+                                    <p:set>
+                                      <p:cBhvr>
+                                        <p:cTn id="36" dur="1" fill="hold">
+                                          <p:stCondLst>
+                                            <p:cond delay="0"/>
+                                          </p:stCondLst>
+                                        </p:cTn>
+                                        <p:tgtEl>
+                                          <p:spTgt spid="12"/>
+                                        </p:tgtEl>
+                                        <p:attrNameLst>
+                                          <p:attrName>style.visibility</p:attrName>
+                                        </p:attrNameLst>
+                                      </p:cBhvr>
+                                      <p:to>
+                                        <p:strVal val="visible"/>
+                                      </p:to>
+                                    </p:set>
+                                  </p:childTnLst>
+                                </p:cTn>
+                              </p:par>
+                            </p:childTnLst>
+                          </p:cTn>
+                        </p:par>
+                      </p:childTnLst>
+                    </p:cTn>
+                  </p:par>
                 </p:childTnLst>
               </p:cTn>
               <p:prevCondLst>
@@ -24517,6 +26058,14 @@
         </p:cTn>
       </p:par>
     </p:tnLst>
+    <p:bldLst>
+      <p:bldP spid="7" grpId="0" animBg="1"/>
+      <p:bldP spid="8" grpId="0" animBg="1"/>
+      <p:bldP spid="9" grpId="0" animBg="1"/>
+      <p:bldP spid="10" grpId="0" animBg="1"/>
+      <p:bldP spid="11" grpId="0" animBg="1"/>
+      <p:bldP spid="12" grpId="0" animBg="1"/>
+    </p:bldLst>
   </p:timing>
 </p:sld>
 </file>
@@ -24587,12 +26136,12 @@
         <p:spPr/>
         <p:txBody>
           <a:bodyPr>
-            <a:normAutofit lnSpcReduction="10000"/>
+            <a:normAutofit/>
           </a:bodyPr>
           <a:lstStyle/>
           <a:p>
             <a:r>
-              <a:rPr lang="bg-BG" b="1" dirty="0">
+              <a:rPr lang="bg-BG" sz="3200" b="1" dirty="0">
                 <a:solidFill>
                   <a:schemeClr val="bg1"/>
                 </a:solidFill>
@@ -24603,11 +26152,11 @@
           <a:p>
             <a:pPr lvl="1"/>
             <a:r>
-              <a:rPr lang="bg-BG" dirty="0"/>
+              <a:rPr lang="bg-BG" sz="2800" dirty="0"/>
               <a:t>Указва </a:t>
             </a:r>
             <a:r>
-              <a:rPr lang="bg-BG" b="1" dirty="0">
+              <a:rPr lang="bg-BG" sz="2800" b="1" dirty="0">
                 <a:solidFill>
                   <a:schemeClr val="bg1"/>
                 </a:solidFill>
@@ -24615,46 +26164,47 @@
               <a:t>връзка</a:t>
             </a:r>
             <a:r>
-              <a:rPr lang="bg-BG" dirty="0"/>
+              <a:rPr lang="bg-BG" sz="2800" dirty="0"/>
               <a:t> между </a:t>
             </a:r>
             <a:r>
-              <a:rPr lang="bg-BG" b="1" dirty="0"/>
-              <a:t>данни</a:t>
-            </a:r>
-            <a:r>
-              <a:rPr lang="bg-BG" dirty="0"/>
-              <a:t> и </a:t>
-            </a:r>
-            <a:r>
-              <a:rPr lang="bg-BG" b="1" dirty="0"/>
-              <a:t>свойство</a:t>
-            </a:r>
-            <a:r>
-              <a:rPr lang="bg-BG" dirty="0"/>
+              <a:rPr lang="bg-BG" sz="2800" b="1" dirty="0"/>
+              <a:t>единично свойство </a:t>
+            </a:r>
+            <a:r>
+              <a:rPr lang="bg-BG" sz="2800" dirty="0"/>
+              <a:t>на</a:t>
+            </a:r>
+            <a:r>
+              <a:rPr lang="bg-BG" sz="2800" b="1" dirty="0"/>
+              <a:t> контрола и единична стойност </a:t>
+            </a:r>
+            <a:r>
+              <a:rPr lang="bg-BG" sz="2800" dirty="0"/>
+              <a:t>на</a:t>
+            </a:r>
+            <a:r>
+              <a:rPr lang="bg-BG" sz="2800" b="1" dirty="0"/>
+              <a:t> данни</a:t>
+            </a:r>
+            <a:endParaRPr lang="bg-BG" sz="2800" dirty="0"/>
+          </a:p>
+          <a:p>
+            <a:pPr lvl="1"/>
+            <a:r>
+              <a:rPr lang="bg-BG" sz="2800" dirty="0"/>
+              <a:t>Задейства се при </a:t>
+            </a:r>
+            <a:r>
+              <a:rPr lang="bg-BG" sz="2800" b="1" dirty="0"/>
+              <a:t>извикване</a:t>
+            </a:r>
+            <a:r>
+              <a:rPr lang="bg-BG" sz="2800" dirty="0"/>
               <a:t> на </a:t>
             </a:r>
             <a:r>
-              <a:rPr lang="bg-BG" b="1" dirty="0"/>
-              <a:t>контрола</a:t>
-            </a:r>
-          </a:p>
-          <a:p>
-            <a:pPr lvl="1"/>
-            <a:r>
-              <a:rPr lang="bg-BG" dirty="0"/>
-              <a:t>Задейства се при </a:t>
-            </a:r>
-            <a:r>
-              <a:rPr lang="bg-BG" b="1" dirty="0"/>
-              <a:t>извикване</a:t>
-            </a:r>
-            <a:r>
-              <a:rPr lang="bg-BG" dirty="0"/>
-              <a:t> на </a:t>
-            </a:r>
-            <a:r>
-              <a:rPr lang="bg-BG" b="1" dirty="0">
+              <a:rPr lang="bg-BG" sz="2800" b="1" dirty="0">
                 <a:solidFill>
                   <a:schemeClr val="bg1"/>
                 </a:solidFill>
@@ -24662,25 +26212,65 @@
               <a:t>метод</a:t>
             </a:r>
             <a:r>
-              <a:rPr lang="bg-BG" dirty="0"/>
+              <a:rPr lang="bg-BG" sz="2800" dirty="0"/>
               <a:t> на </a:t>
             </a:r>
             <a:r>
-              <a:rPr lang="bg-BG" b="1" dirty="0"/>
+              <a:rPr lang="bg-BG" sz="2800" b="1" dirty="0"/>
               <a:t>форма</a:t>
             </a:r>
             <a:r>
-              <a:rPr lang="bg-BG" dirty="0"/>
+              <a:rPr lang="bg-BG" sz="2800" dirty="0"/>
               <a:t> или </a:t>
             </a:r>
             <a:r>
-              <a:rPr lang="bg-BG" b="1" dirty="0"/>
+              <a:rPr lang="bg-BG" sz="2800" b="1" dirty="0"/>
               <a:t>контрола</a:t>
             </a:r>
           </a:p>
           <a:p>
-            <a:r>
-              <a:rPr lang="bg-BG" b="1" dirty="0">
+            <a:pPr lvl="1"/>
+            <a:r>
+              <a:rPr lang="en-US" sz="2800" b="1" dirty="0">
+                <a:latin typeface="Consolas" panose="020B0609020204030204" pitchFamily="49" charset="0"/>
+                <a:cs typeface="Consolas" panose="020B0609020204030204" pitchFamily="49" charset="0"/>
+              </a:rPr>
+              <a:t>Label</a:t>
+            </a:r>
+            <a:r>
+              <a:rPr lang="en-US" sz="2800" dirty="0"/>
+              <a:t>, </a:t>
+            </a:r>
+            <a:r>
+              <a:rPr lang="en-US" sz="2800" b="1" dirty="0">
+                <a:latin typeface="Consolas" panose="020B0609020204030204" pitchFamily="49" charset="0"/>
+                <a:cs typeface="Consolas" panose="020B0609020204030204" pitchFamily="49" charset="0"/>
+              </a:rPr>
+              <a:t>TextBox</a:t>
+            </a:r>
+            <a:r>
+              <a:rPr lang="en-US" sz="2800" dirty="0"/>
+              <a:t>, </a:t>
+            </a:r>
+            <a:r>
+              <a:rPr lang="en-US" sz="2800" b="1" dirty="0">
+                <a:latin typeface="Consolas" panose="020B0609020204030204" pitchFamily="49" charset="0"/>
+                <a:cs typeface="Consolas" panose="020B0609020204030204" pitchFamily="49" charset="0"/>
+              </a:rPr>
+              <a:t>CheckBox</a:t>
+            </a:r>
+            <a:r>
+              <a:rPr lang="en-US" sz="2800" dirty="0"/>
+              <a:t> </a:t>
+            </a:r>
+            <a:r>
+              <a:rPr lang="bg-BG" sz="2800" dirty="0"/>
+              <a:t>и други</a:t>
+            </a:r>
+          </a:p>
+          <a:p>
+            <a:r>
+              <a:rPr lang="bg-BG" sz="3200" b="1" dirty="0">
                 <a:solidFill>
                   <a:schemeClr val="bg1"/>
                 </a:solidFill>
@@ -24691,11 +26281,11 @@
           <a:p>
             <a:pPr lvl="1"/>
             <a:r>
-              <a:rPr lang="bg-BG" dirty="0"/>
+              <a:rPr lang="bg-BG" sz="2800" dirty="0"/>
               <a:t>Указва </a:t>
             </a:r>
             <a:r>
-              <a:rPr lang="bg-BG" b="1" dirty="0">
+              <a:rPr lang="bg-BG" sz="2800" b="1" dirty="0">
                 <a:solidFill>
                   <a:schemeClr val="bg1"/>
                 </a:solidFill>
@@ -24703,46 +26293,30 @@
               <a:t>връзка</a:t>
             </a:r>
             <a:r>
-              <a:rPr lang="bg-BG" dirty="0"/>
+              <a:rPr lang="bg-BG" sz="2800" dirty="0"/>
               <a:t> на </a:t>
             </a:r>
             <a:r>
-              <a:rPr lang="bg-BG" b="1" dirty="0"/>
-              <a:t>множество</a:t>
-            </a:r>
-            <a:r>
-              <a:rPr lang="bg-BG" dirty="0"/>
-              <a:t> </a:t>
-            </a:r>
-            <a:r>
-              <a:rPr lang="bg-BG" b="1" dirty="0"/>
-              <a:t>редове</a:t>
-            </a:r>
-            <a:r>
-              <a:rPr lang="en-US" dirty="0"/>
-              <a:t>/</a:t>
-            </a:r>
-            <a:r>
-              <a:rPr lang="bg-BG" b="1" dirty="0"/>
-              <a:t>свойства</a:t>
-            </a:r>
-            <a:r>
-              <a:rPr lang="bg-BG" dirty="0"/>
-              <a:t> с една </a:t>
-            </a:r>
-            <a:r>
-              <a:rPr lang="bg-BG" b="1" dirty="0"/>
-              <a:t>контрола</a:t>
+              <a:rPr lang="bg-BG" sz="2800" b="1" dirty="0"/>
+              <a:t>една контрола </a:t>
+            </a:r>
+            <a:r>
+              <a:rPr lang="bg-BG" sz="2800" dirty="0"/>
+              <a:t>с</a:t>
+            </a:r>
+            <a:r>
+              <a:rPr lang="bg-BG" sz="2800" b="1" dirty="0"/>
+              <a:t> колекция от данни</a:t>
             </a:r>
           </a:p>
           <a:p>
             <a:pPr lvl="1"/>
             <a:r>
-              <a:rPr lang="bg-BG" dirty="0"/>
+              <a:rPr lang="bg-BG" sz="2800" dirty="0"/>
               <a:t>Използва се в </a:t>
             </a:r>
             <a:r>
-              <a:rPr lang="bg-BG" b="1" dirty="0">
+              <a:rPr lang="bg-BG" sz="2800" b="1" dirty="0">
                 <a:solidFill>
                   <a:schemeClr val="bg1"/>
                 </a:solidFill>
@@ -24750,11 +26324,11 @@
               <a:t>списъчни</a:t>
             </a:r>
             <a:r>
-              <a:rPr lang="bg-BG" dirty="0"/>
+              <a:rPr lang="bg-BG" sz="2800" dirty="0"/>
               <a:t> и </a:t>
             </a:r>
             <a:r>
-              <a:rPr lang="bg-BG" b="1" dirty="0">
+              <a:rPr lang="bg-BG" sz="2800" b="1" dirty="0">
                 <a:solidFill>
                   <a:schemeClr val="bg1"/>
                 </a:solidFill>
@@ -24762,50 +26336,50 @@
               <a:t>итериращи</a:t>
             </a:r>
             <a:r>
-              <a:rPr lang="bg-BG" dirty="0"/>
+              <a:rPr lang="bg-BG" sz="2800" dirty="0"/>
               <a:t> контроли</a:t>
             </a:r>
           </a:p>
           <a:p>
             <a:pPr lvl="2"/>
             <a:r>
-              <a:rPr lang="en-US" b="1" dirty="0">
+              <a:rPr lang="en-US" sz="2400" b="1" dirty="0">
                 <a:latin typeface="Consolas" panose="020B0609020204030204" pitchFamily="49" charset="0"/>
                 <a:cs typeface="Consolas" panose="020B0609020204030204" pitchFamily="49" charset="0"/>
               </a:rPr>
               <a:t>ListBox</a:t>
             </a:r>
             <a:r>
-              <a:rPr lang="en-US" dirty="0"/>
+              <a:rPr lang="en-US" sz="2400" dirty="0"/>
               <a:t>, </a:t>
             </a:r>
             <a:r>
-              <a:rPr lang="en-US" b="1" dirty="0">
+              <a:rPr lang="en-US" sz="2400" b="1" dirty="0">
                 <a:latin typeface="Consolas" panose="020B0609020204030204" pitchFamily="49" charset="0"/>
                 <a:cs typeface="Consolas" panose="020B0609020204030204" pitchFamily="49" charset="0"/>
               </a:rPr>
               <a:t>ComboBox</a:t>
             </a:r>
             <a:r>
-              <a:rPr lang="en-US" dirty="0"/>
+              <a:rPr lang="en-US" sz="2400" dirty="0"/>
               <a:t>, </a:t>
             </a:r>
             <a:r>
-              <a:rPr lang="en-US" b="1" dirty="0">
+              <a:rPr lang="en-US" sz="2400" b="1" dirty="0">
                 <a:latin typeface="Consolas" panose="020B0609020204030204" pitchFamily="49" charset="0"/>
                 <a:cs typeface="Consolas" panose="020B0609020204030204" pitchFamily="49" charset="0"/>
               </a:rPr>
-              <a:t>CheckedListBox</a:t>
-            </a:r>
-            <a:r>
-              <a:rPr lang="bg-BG" b="1" dirty="0"/>
+              <a:t>DataGridView</a:t>
+            </a:r>
+            <a:r>
+              <a:rPr lang="bg-BG" sz="2400" b="1" dirty="0"/>
               <a:t> </a:t>
             </a:r>
             <a:r>
-              <a:rPr lang="bg-BG" dirty="0"/>
+              <a:rPr lang="bg-BG" sz="2400" dirty="0"/>
               <a:t>и други</a:t>
             </a:r>
-            <a:endParaRPr lang="en-US" dirty="0"/>
+            <a:endParaRPr lang="en-US" sz="2400" dirty="0"/>
           </a:p>
           <a:p>
             <a:pPr lvl="2"/>
@@ -24879,6 +26453,9 @@
                     <p:cTn id="3" fill="hold">
                       <p:stCondLst>
                         <p:cond delay="indefinite"/>
+                        <p:cond evt="onBegin" delay="0">
+                          <p:tn val="2"/>
+                        </p:cond>
                       </p:stCondLst>
                       <p:childTnLst>
                         <p:par>
@@ -24888,7 +26465,7 @@
                             </p:stCondLst>
                             <p:childTnLst>
                               <p:par>
-                                <p:cTn id="5" presetID="1" presetClass="entr" presetSubtype="0" fill="hold" nodeType="clickEffect">
+                                <p:cTn id="5" presetID="1" presetClass="entr" presetSubtype="0" fill="hold" nodeType="withEffect">
                                   <p:stCondLst>
                                     <p:cond delay="0"/>
                                   </p:stCondLst>
@@ -24903,7 +26480,38 @@
                                         <p:tgtEl>
                                           <p:spTgt spid="3">
                                             <p:txEl>
-                                              <p:pRg st="2" end="2"/>
+                                              <p:pRg st="0" end="0"/>
+                                            </p:txEl>
+                                          </p:spTgt>
+                                        </p:tgtEl>
+                                        <p:attrNameLst>
+                                          <p:attrName>style.visibility</p:attrName>
+                                        </p:attrNameLst>
+                                      </p:cBhvr>
+                                      <p:to>
+                                        <p:strVal val="visible"/>
+                                      </p:to>
+                                    </p:set>
+                                  </p:childTnLst>
+                                </p:cTn>
+                              </p:par>
+                              <p:par>
+                                <p:cTn id="7" presetID="1" presetClass="entr" presetSubtype="0" fill="hold" nodeType="withEffect">
+                                  <p:stCondLst>
+                                    <p:cond delay="0"/>
+                                  </p:stCondLst>
+                                  <p:childTnLst>
+                                    <p:set>
+                                      <p:cBhvr>
+                                        <p:cTn id="8" dur="1" fill="hold">
+                                          <p:stCondLst>
+                                            <p:cond delay="0"/>
+                                          </p:stCondLst>
+                                        </p:cTn>
+                                        <p:tgtEl>
+                                          <p:spTgt spid="3">
+                                            <p:txEl>
+                                              <p:pRg st="1" end="1"/>
                                             </p:txEl>
                                           </p:spTgt>
                                         </p:tgtEl>
@@ -24925,50 +26533,19 @@
                     </p:cTn>
                   </p:par>
                   <p:par>
-                    <p:cTn id="7" fill="hold">
+                    <p:cTn id="9" fill="hold">
                       <p:stCondLst>
                         <p:cond delay="indefinite"/>
                       </p:stCondLst>
                       <p:childTnLst>
                         <p:par>
-                          <p:cTn id="8" fill="hold">
+                          <p:cTn id="10" fill="hold">
                             <p:stCondLst>
                               <p:cond delay="0"/>
                             </p:stCondLst>
                             <p:childTnLst>
                               <p:par>
-                                <p:cTn id="9" presetID="1" presetClass="entr" presetSubtype="0" fill="hold" nodeType="clickEffect">
-                                  <p:stCondLst>
-                                    <p:cond delay="0"/>
-                                  </p:stCondLst>
-                                  <p:childTnLst>
-                                    <p:set>
-                                      <p:cBhvr>
-                                        <p:cTn id="10" dur="1" fill="hold">
-                                          <p:stCondLst>
-                                            <p:cond delay="0"/>
-                                          </p:stCondLst>
-                                        </p:cTn>
-                                        <p:tgtEl>
-                                          <p:spTgt spid="3">
-                                            <p:txEl>
-                                              <p:pRg st="3" end="3"/>
-                                            </p:txEl>
-                                          </p:spTgt>
-                                        </p:tgtEl>
-                                        <p:attrNameLst>
-                                          <p:attrName>style.visibility</p:attrName>
-                                        </p:attrNameLst>
-                                      </p:cBhvr>
-                                      <p:to>
-                                        <p:strVal val="visible"/>
-                                      </p:to>
-                                    </p:set>
-                                  </p:childTnLst>
-                                </p:cTn>
-                              </p:par>
-                              <p:par>
-                                <p:cTn id="11" presetID="1" presetClass="entr" presetSubtype="0" fill="hold" nodeType="withEffect">
+                                <p:cTn id="11" presetID="1" presetClass="entr" presetSubtype="0" fill="hold" nodeType="clickEffect">
                                   <p:stCondLst>
                                     <p:cond delay="0"/>
                                   </p:stCondLst>
@@ -24983,7 +26560,7 @@
                                         <p:tgtEl>
                                           <p:spTgt spid="3">
                                             <p:txEl>
-                                              <p:pRg st="4" end="4"/>
+                                              <p:pRg st="2" end="2"/>
                                             </p:txEl>
                                           </p:spTgt>
                                         </p:tgtEl>
@@ -25032,6 +26609,86 @@
                                         <p:tgtEl>
                                           <p:spTgt spid="3">
                                             <p:txEl>
+                                              <p:pRg st="3" end="3"/>
+                                            </p:txEl>
+                                          </p:spTgt>
+                                        </p:tgtEl>
+                                        <p:attrNameLst>
+                                          <p:attrName>style.visibility</p:attrName>
+                                        </p:attrNameLst>
+                                      </p:cBhvr>
+                                      <p:to>
+                                        <p:strVal val="visible"/>
+                                      </p:to>
+                                    </p:set>
+                                  </p:childTnLst>
+                                </p:cTn>
+                              </p:par>
+                            </p:childTnLst>
+                          </p:cTn>
+                        </p:par>
+                      </p:childTnLst>
+                    </p:cTn>
+                  </p:par>
+                  <p:par>
+                    <p:cTn id="17" fill="hold">
+                      <p:stCondLst>
+                        <p:cond delay="indefinite"/>
+                      </p:stCondLst>
+                      <p:childTnLst>
+                        <p:par>
+                          <p:cTn id="18" fill="hold">
+                            <p:stCondLst>
+                              <p:cond delay="0"/>
+                            </p:stCondLst>
+                            <p:childTnLst>
+                              <p:par>
+                                <p:cTn id="19" presetID="1" presetClass="entr" presetSubtype="0" fill="hold" nodeType="clickEffect">
+                                  <p:stCondLst>
+                                    <p:cond delay="0"/>
+                                  </p:stCondLst>
+                                  <p:childTnLst>
+                                    <p:set>
+                                      <p:cBhvr>
+                                        <p:cTn id="20" dur="1" fill="hold">
+                                          <p:stCondLst>
+                                            <p:cond delay="0"/>
+                                          </p:stCondLst>
+                                        </p:cTn>
+                                        <p:tgtEl>
+                                          <p:spTgt spid="3">
+                                            <p:txEl>
+                                              <p:pRg st="4" end="4"/>
+                                            </p:txEl>
+                                          </p:spTgt>
+                                        </p:tgtEl>
+                                        <p:attrNameLst>
+                                          <p:attrName>style.visibility</p:attrName>
+                                        </p:attrNameLst>
+                                      </p:cBhvr>
+                                      <p:to>
+                                        <p:strVal val="visible"/>
+                                      </p:to>
+                                    </p:set>
+                                  </p:childTnLst>
+                                </p:cTn>
+                              </p:par>
+                              <p:par>
+                                <p:cTn id="21" presetID="1" presetClass="entr" presetSubtype="0" fill="hold" nodeType="withEffect">
+                                  <p:stCondLst>
+                                    <p:cond delay="0"/>
+                                  </p:stCondLst>
+                                  <p:childTnLst>
+                                    <p:set>
+                                      <p:cBhvr>
+                                        <p:cTn id="22" dur="1" fill="hold">
+                                          <p:stCondLst>
+                                            <p:cond delay="0"/>
+                                          </p:stCondLst>
+                                        </p:cTn>
+                                        <p:tgtEl>
+                                          <p:spTgt spid="3">
+                                            <p:txEl>
                                               <p:pRg st="5" end="5"/>
                                             </p:txEl>
                                           </p:spTgt>
@@ -25047,15 +26704,33 @@
                                   </p:childTnLst>
                                 </p:cTn>
                               </p:par>
+                            </p:childTnLst>
+                          </p:cTn>
+                        </p:par>
+                      </p:childTnLst>
+                    </p:cTn>
+                  </p:par>
+                  <p:par>
+                    <p:cTn id="23" fill="hold">
+                      <p:stCondLst>
+                        <p:cond delay="indefinite"/>
+                      </p:stCondLst>
+                      <p:childTnLst>
+                        <p:par>
+                          <p:cTn id="24" fill="hold">
+                            <p:stCondLst>
+                              <p:cond delay="0"/>
+                            </p:stCondLst>
+                            <p:childTnLst>
                               <p:par>
-                                <p:cTn id="17" presetID="1" presetClass="entr" presetSubtype="0" fill="hold" nodeType="withEffect">
+                                <p:cTn id="25" presetID="1" presetClass="entr" presetSubtype="0" fill="hold" nodeType="clickEffect">
                                   <p:stCondLst>
                                     <p:cond delay="0"/>
                                   </p:stCondLst>
                                   <p:childTnLst>
                                     <p:set>
                                       <p:cBhvr>
-                                        <p:cTn id="18" dur="1" fill="hold">
+                                        <p:cTn id="26" dur="1" fill="hold">
                                           <p:stCondLst>
                                             <p:cond delay="0"/>
                                           </p:stCondLst>
@@ -25064,6 +26739,37 @@
                                           <p:spTgt spid="3">
                                             <p:txEl>
                                               <p:pRg st="6" end="6"/>
+                                            </p:txEl>
+                                          </p:spTgt>
+                                        </p:tgtEl>
+                                        <p:attrNameLst>
+                                          <p:attrName>style.visibility</p:attrName>
+                                        </p:attrNameLst>
+                                      </p:cBhvr>
+                                      <p:to>
+                                        <p:strVal val="visible"/>
+                                      </p:to>
+                                    </p:set>
+                                  </p:childTnLst>
+                                </p:cTn>
+                              </p:par>
+                              <p:par>
+                                <p:cTn id="27" presetID="1" presetClass="entr" presetSubtype="0" fill="hold" nodeType="withEffect">
+                                  <p:stCondLst>
+                                    <p:cond delay="0"/>
+                                  </p:stCondLst>
+                                  <p:childTnLst>
+                                    <p:set>
+                                      <p:cBhvr>
+                                        <p:cTn id="28" dur="1" fill="hold">
+                                          <p:stCondLst>
+                                            <p:cond delay="0"/>
+                                          </p:stCondLst>
+                                        </p:cTn>
+                                        <p:tgtEl>
+                                          <p:spTgt spid="3">
+                                            <p:txEl>
+                                              <p:pRg st="7" end="7"/>
                                             </p:txEl>
                                           </p:spTgt>
                                         </p:tgtEl>
@@ -25211,7 +26917,7 @@
           </p:cNvPicPr>
           <p:nvPr/>
         </p:nvPicPr>
-        <p:blipFill>
+        <p:blipFill rotWithShape="1">
           <a:blip r:embed="rId3">
             <a:extLst>
               <a:ext uri="{28A0092B-C50C-407E-A947-70E740481C1C}">
@@ -25219,13 +26925,13 @@
               </a:ext>
             </a:extLst>
           </a:blip>
-          <a:srcRect/>
+          <a:srcRect r="1014"/>
           <a:stretch/>
         </p:blipFill>
         <p:spPr>
           <a:xfrm>
-            <a:off x="2686580" y="1765306"/>
-            <a:ext cx="6818839" cy="3915000"/>
+            <a:off x="2926715" y="1765306"/>
+            <a:ext cx="6274286" cy="3915000"/>
           </a:xfrm>
           <a:prstGeom prst="rect">
             <a:avLst/>
@@ -25253,7 +26959,7 @@
         </p:nvSpPr>
         <p:spPr bwMode="auto">
           <a:xfrm>
-            <a:off x="7609599" y="2484000"/>
+            <a:off x="7255601" y="2529000"/>
             <a:ext cx="4510845" cy="530182"/>
           </a:xfrm>
           <a:prstGeom prst="wedgeRoundRectCallout">
@@ -25366,13 +27072,13 @@
         </p:nvSpPr>
         <p:spPr bwMode="auto">
           <a:xfrm>
-            <a:off x="190406" y="5929640"/>
+            <a:off x="6771000" y="5973352"/>
             <a:ext cx="4396551" cy="533648"/>
           </a:xfrm>
           <a:prstGeom prst="wedgeRoundRectCallout">
             <a:avLst>
-              <a:gd name="adj1" fmla="val 76458"/>
-              <a:gd name="adj2" fmla="val -156092"/>
+              <a:gd name="adj1" fmla="val -32988"/>
+              <a:gd name="adj2" fmla="val -158901"/>
               <a:gd name="adj3" fmla="val 16667"/>
             </a:avLst>
           </a:prstGeom>
@@ -25453,6 +27159,232 @@
             <a:endParaRPr lang="en-BG" sz="2600" b="1" dirty="0">
               <a:solidFill>
                 <a:srgbClr val="FFFFFF"/>
+              </a:solidFill>
+              <a:effectLst>
+                <a:outerShdw blurRad="38100" dist="38100" dir="2700000" algn="tl">
+                  <a:srgbClr val="000000">
+                    <a:alpha val="43137"/>
+                  </a:srgbClr>
+                </a:outerShdw>
+              </a:effectLst>
+            </a:endParaRPr>
+          </a:p>
+        </p:txBody>
+      </p:sp>
+      <p:sp>
+        <p:nvSpPr>
+          <p:cNvPr id="5" name="Rounded Rectangular Callout 4">
+            <a:extLst>
+              <a:ext uri="{FF2B5EF4-FFF2-40B4-BE49-F238E27FC236}">
+                <a16:creationId xmlns:a16="http://schemas.microsoft.com/office/drawing/2014/main" id="{0F2FE8D7-4DF0-85C7-E269-8744CA0BDDF0}"/>
+              </a:ext>
+            </a:extLst>
+          </p:cNvPr>
+          <p:cNvSpPr/>
+          <p:nvPr/>
+        </p:nvSpPr>
+        <p:spPr bwMode="auto">
+          <a:xfrm>
+            <a:off x="929152" y="5999968"/>
+            <a:ext cx="4396551" cy="533648"/>
+          </a:xfrm>
+          <a:prstGeom prst="wedgeRoundRectCallout">
+            <a:avLst>
+              <a:gd name="adj1" fmla="val 59070"/>
+              <a:gd name="adj2" fmla="val -184182"/>
+              <a:gd name="adj3" fmla="val 16667"/>
+            </a:avLst>
+          </a:prstGeom>
+          <a:solidFill>
+            <a:schemeClr val="dk2">
+              <a:alpha val="80000"/>
+            </a:schemeClr>
+          </a:solidFill>
+          <a:ln w="19050">
+            <a:solidFill>
+              <a:schemeClr val="tx1">
+                <a:lumMod val="75000"/>
+                <a:alpha val="80000"/>
+              </a:schemeClr>
+            </a:solidFill>
+          </a:ln>
+          <a:effectLst/>
+        </p:spPr>
+        <p:style>
+          <a:lnRef idx="2">
+            <a:schemeClr val="accent1">
+              <a:shade val="50000"/>
+            </a:schemeClr>
+          </a:lnRef>
+          <a:fillRef idx="1001">
+            <a:schemeClr val="dk2"/>
+          </a:fillRef>
+          <a:effectRef idx="0">
+            <a:schemeClr val="accent1"/>
+          </a:effectRef>
+          <a:fontRef idx="minor">
+            <a:schemeClr val="lt1"/>
+          </a:fontRef>
+        </p:style>
+        <p:txBody>
+          <a:bodyPr rot="0" spcFirstLastPara="0" vertOverflow="overflow" horzOverflow="overflow" vert="horz" wrap="square" lIns="91440" tIns="45720" rIns="91440" bIns="45720" numCol="1" spcCol="0" rtlCol="0" fromWordArt="0" anchor="ctr" anchorCtr="0" forceAA="0" compatLnSpc="1">
+            <a:prstTxWarp prst="textNoShape">
+              <a:avLst/>
+            </a:prstTxWarp>
+            <a:noAutofit/>
+          </a:bodyPr>
+          <a:lstStyle/>
+          <a:p>
+            <a:pPr algn="ctr"/>
+            <a:r>
+              <a:rPr lang="en-US" sz="2600" b="1" dirty="0">
+                <a:solidFill>
+                  <a:schemeClr val="accent1">
+                    <a:lumMod val="60000"/>
+                    <a:lumOff val="40000"/>
+                  </a:schemeClr>
+                </a:solidFill>
+                <a:effectLst>
+                  <a:outerShdw blurRad="38100" dist="38100" dir="2700000" algn="tl">
+                    <a:srgbClr val="000000">
+                      <a:alpha val="43137"/>
+                    </a:srgbClr>
+                  </a:outerShdw>
+                </a:effectLst>
+              </a:rPr>
+              <a:t>TextBox </a:t>
+            </a:r>
+            <a:r>
+              <a:rPr lang="bg-BG" sz="2600" b="1" dirty="0">
+                <a:solidFill>
+                  <a:schemeClr val="bg2"/>
+                </a:solidFill>
+                <a:effectLst>
+                  <a:outerShdw blurRad="38100" dist="38100" dir="2700000" algn="tl">
+                    <a:srgbClr val="000000">
+                      <a:alpha val="43137"/>
+                    </a:srgbClr>
+                  </a:outerShdw>
+                </a:effectLst>
+              </a:rPr>
+              <a:t>контрола</a:t>
+            </a:r>
+            <a:endParaRPr lang="en-BG" sz="2600" b="1" dirty="0">
+              <a:solidFill>
+                <a:schemeClr val="bg2"/>
+              </a:solidFill>
+              <a:effectLst>
+                <a:outerShdw blurRad="38100" dist="38100" dir="2700000" algn="tl">
+                  <a:srgbClr val="000000">
+                    <a:alpha val="43137"/>
+                  </a:srgbClr>
+                </a:outerShdw>
+              </a:effectLst>
+            </a:endParaRPr>
+          </a:p>
+        </p:txBody>
+      </p:sp>
+      <p:sp>
+        <p:nvSpPr>
+          <p:cNvPr id="8" name="Rounded Rectangular Callout 7">
+            <a:extLst>
+              <a:ext uri="{FF2B5EF4-FFF2-40B4-BE49-F238E27FC236}">
+                <a16:creationId xmlns:a16="http://schemas.microsoft.com/office/drawing/2014/main" id="{76A058E2-7153-FE2D-1D8F-009F61B40A1F}"/>
+              </a:ext>
+            </a:extLst>
+          </p:cNvPr>
+          <p:cNvSpPr/>
+          <p:nvPr/>
+        </p:nvSpPr>
+        <p:spPr bwMode="auto">
+          <a:xfrm>
+            <a:off x="1056000" y="3192624"/>
+            <a:ext cx="4510845" cy="530182"/>
+          </a:xfrm>
+          <a:prstGeom prst="wedgeRoundRectCallout">
+            <a:avLst>
+              <a:gd name="adj1" fmla="val 57611"/>
+              <a:gd name="adj2" fmla="val 144375"/>
+              <a:gd name="adj3" fmla="val 16667"/>
+            </a:avLst>
+          </a:prstGeom>
+          <a:solidFill>
+            <a:schemeClr val="dk2">
+              <a:alpha val="80000"/>
+            </a:schemeClr>
+          </a:solidFill>
+          <a:ln w="19050">
+            <a:solidFill>
+              <a:schemeClr val="tx1">
+                <a:lumMod val="75000"/>
+                <a:alpha val="80000"/>
+              </a:schemeClr>
+            </a:solidFill>
+          </a:ln>
+          <a:effectLst/>
+        </p:spPr>
+        <p:style>
+          <a:lnRef idx="2">
+            <a:schemeClr val="accent1">
+              <a:shade val="50000"/>
+            </a:schemeClr>
+          </a:lnRef>
+          <a:fillRef idx="1001">
+            <a:schemeClr val="dk2"/>
+          </a:fillRef>
+          <a:effectRef idx="0">
+            <a:schemeClr val="accent1"/>
+          </a:effectRef>
+          <a:fontRef idx="minor">
+            <a:schemeClr val="lt1"/>
+          </a:fontRef>
+        </p:style>
+        <p:txBody>
+          <a:bodyPr rot="0" spcFirstLastPara="0" vertOverflow="overflow" horzOverflow="overflow" vert="horz" wrap="square" lIns="91440" tIns="45720" rIns="91440" bIns="45720" numCol="1" spcCol="0" rtlCol="0" fromWordArt="0" anchor="ctr" anchorCtr="0" forceAA="0" compatLnSpc="1">
+            <a:prstTxWarp prst="textNoShape">
+              <a:avLst/>
+            </a:prstTxWarp>
+            <a:noAutofit/>
+          </a:bodyPr>
+          <a:lstStyle/>
+          <a:p>
+            <a:pPr algn="ctr"/>
+            <a:r>
+              <a:rPr lang="en-US" sz="2600" b="1" dirty="0">
+                <a:solidFill>
+                  <a:schemeClr val="accent1">
+                    <a:lumMod val="60000"/>
+                    <a:lumOff val="40000"/>
+                  </a:schemeClr>
+                </a:solidFill>
+                <a:effectLst>
+                  <a:outerShdw blurRad="38100" dist="38100" dir="2700000" algn="tl">
+                    <a:srgbClr val="000000">
+                      <a:alpha val="43137"/>
+                    </a:srgbClr>
+                  </a:outerShdw>
+                </a:effectLst>
+              </a:rPr>
+              <a:t>ListBox </a:t>
+            </a:r>
+            <a:r>
+              <a:rPr lang="bg-BG" sz="2600" b="1" dirty="0">
+                <a:solidFill>
+                  <a:schemeClr val="bg2"/>
+                </a:solidFill>
+                <a:effectLst>
+                  <a:outerShdw blurRad="38100" dist="38100" dir="2700000" algn="tl">
+                    <a:srgbClr val="000000">
+                      <a:alpha val="43137"/>
+                    </a:srgbClr>
+                  </a:outerShdw>
+                </a:effectLst>
+              </a:rPr>
+              <a:t>контрола</a:t>
+            </a:r>
+            <a:endParaRPr lang="en-BG" sz="2600" b="1" dirty="0">
+              <a:solidFill>
+                <a:schemeClr val="bg2"/>
               </a:solidFill>
               <a:effectLst>
                 <a:outerShdw blurRad="38100" dist="38100" dir="2700000" algn="tl">
@@ -25565,7 +27497,7 @@
                                           </p:stCondLst>
                                         </p:cTn>
                                         <p:tgtEl>
-                                          <p:spTgt spid="9"/>
+                                          <p:spTgt spid="5"/>
                                         </p:tgtEl>
                                         <p:attrNameLst>
                                           <p:attrName>style.visibility</p:attrName>
@@ -25605,6 +27537,96 @@
                                     <p:set>
                                       <p:cBhvr>
                                         <p:cTn id="14" dur="1" fill="hold">
+                                          <p:stCondLst>
+                                            <p:cond delay="0"/>
+                                          </p:stCondLst>
+                                        </p:cTn>
+                                        <p:tgtEl>
+                                          <p:spTgt spid="9"/>
+                                        </p:tgtEl>
+                                        <p:attrNameLst>
+                                          <p:attrName>style.visibility</p:attrName>
+                                        </p:attrNameLst>
+                                      </p:cBhvr>
+                                      <p:to>
+                                        <p:strVal val="visible"/>
+                                      </p:to>
+                                    </p:set>
+                                  </p:childTnLst>
+                                </p:cTn>
+                              </p:par>
+                            </p:childTnLst>
+                          </p:cTn>
+                        </p:par>
+                      </p:childTnLst>
+                    </p:cTn>
+                  </p:par>
+                  <p:par>
+                    <p:cTn id="15" fill="hold">
+                      <p:stCondLst>
+                        <p:cond delay="indefinite"/>
+                      </p:stCondLst>
+                      <p:childTnLst>
+                        <p:par>
+                          <p:cTn id="16" fill="hold">
+                            <p:stCondLst>
+                              <p:cond delay="0"/>
+                            </p:stCondLst>
+                            <p:childTnLst>
+                              <p:par>
+                                <p:cTn id="17" presetID="1" presetClass="entr" presetSubtype="0" fill="hold" grpId="0" nodeType="clickEffect">
+                                  <p:stCondLst>
+                                    <p:cond delay="0"/>
+                                  </p:stCondLst>
+                                  <p:childTnLst>
+                                    <p:set>
+                                      <p:cBhvr>
+                                        <p:cTn id="18" dur="1" fill="hold">
+                                          <p:stCondLst>
+                                            <p:cond delay="0"/>
+                                          </p:stCondLst>
+                                        </p:cTn>
+                                        <p:tgtEl>
+                                          <p:spTgt spid="8"/>
+                                        </p:tgtEl>
+                                        <p:attrNameLst>
+                                          <p:attrName>style.visibility</p:attrName>
+                                        </p:attrNameLst>
+                                      </p:cBhvr>
+                                      <p:to>
+                                        <p:strVal val="visible"/>
+                                      </p:to>
+                                    </p:set>
+                                  </p:childTnLst>
+                                </p:cTn>
+                              </p:par>
+                            </p:childTnLst>
+                          </p:cTn>
+                        </p:par>
+                      </p:childTnLst>
+                    </p:cTn>
+                  </p:par>
+                  <p:par>
+                    <p:cTn id="19" fill="hold">
+                      <p:stCondLst>
+                        <p:cond delay="indefinite"/>
+                      </p:stCondLst>
+                      <p:childTnLst>
+                        <p:par>
+                          <p:cTn id="20" fill="hold">
+                            <p:stCondLst>
+                              <p:cond delay="0"/>
+                            </p:stCondLst>
+                            <p:childTnLst>
+                              <p:par>
+                                <p:cTn id="21" presetID="1" presetClass="entr" presetSubtype="0" fill="hold" grpId="0" nodeType="clickEffect">
+                                  <p:stCondLst>
+                                    <p:cond delay="0"/>
+                                  </p:stCondLst>
+                                  <p:childTnLst>
+                                    <p:set>
+                                      <p:cBhvr>
+                                        <p:cTn id="22" dur="1" fill="hold">
                                           <p:stCondLst>
                                             <p:cond delay="0"/>
                                           </p:stCondLst>
@@ -25653,6 +27675,8 @@
     <p:bldLst>
       <p:bldP spid="7" grpId="0" animBg="1"/>
       <p:bldP spid="9" grpId="0" animBg="1"/>
+      <p:bldP spid="5" grpId="0" animBg="1"/>
+      <p:bldP spid="8" grpId="0" animBg="1"/>
     </p:bldLst>
   </p:timing>
   <p:extLst>

--- a/Courses/Software-Sciences/Module-4-Information-Systems-New/05-Connecting-Windows-Forms-with-database/05-Connecting-Windows-Forms-with-database.pptx
+++ b/Courses/Software-Sciences/Module-4-Information-Systems-New/05-Connecting-Windows-Forms-with-database/05-Connecting-Windows-Forms-with-database.pptx
@@ -504,7 +504,7 @@
           <a:p>
             <a:fld id="{4E087215-0C8F-4762-A664-737A353EC9A4}" type="datetimeFigureOut">
               <a:rPr lang="bg-BG" smtClean="0"/>
-              <a:t>19.06.24 г.</a:t>
+              <a:t>21.06.24 г.</a:t>
             </a:fld>
             <a:endParaRPr lang="bg-BG"/>
           </a:p>
@@ -700,7 +700,7 @@
           <a:p>
             <a:fld id="{72D84649-876A-46C9-8472-14CB09C070D8}" type="datetimeFigureOut">
               <a:rPr lang="en-US" smtClean="0"/>
-              <a:t>6/19/24</a:t>
+              <a:t>6/21/24</a:t>
             </a:fld>
             <a:endParaRPr lang="en-US"/>
           </a:p>
@@ -13140,7 +13140,7 @@
                   <a:schemeClr val="bg1"/>
                 </a:solidFill>
               </a:rPr>
-              <a:t>EF </a:t>
+              <a:t>EF Core </a:t>
             </a:r>
             <a:r>
               <a:rPr lang="bg-BG" sz="3200" b="1" dirty="0">
@@ -13267,7 +13267,7 @@
             </a:r>
             <a:r>
               <a:rPr lang="en-US" dirty="0"/>
-              <a:t>EF </a:t>
+              <a:t>EF Core </a:t>
             </a:r>
             <a:r>
               <a:rPr lang="bg-BG" dirty="0"/>

--- a/Courses/Software-Sciences/Module-4-Information-Systems-New/05-Connecting-Windows-Forms-with-database/05-Connecting-Windows-Forms-with-database.pptx
+++ b/Courses/Software-Sciences/Module-4-Information-Systems-New/05-Connecting-Windows-Forms-with-database/05-Connecting-Windows-Forms-with-database.pptx
@@ -5,10 +5,10 @@
     <p:sldMasterId id="2147483675" r:id="rId1"/>
   </p:sldMasterIdLst>
   <p:notesMasterIdLst>
-    <p:notesMasterId r:id="rId34"/>
+    <p:notesMasterId r:id="rId35"/>
   </p:notesMasterIdLst>
   <p:handoutMasterIdLst>
-    <p:handoutMasterId r:id="rId35"/>
+    <p:handoutMasterId r:id="rId36"/>
   </p:handoutMasterIdLst>
   <p:sldIdLst>
     <p:sldId id="503" r:id="rId2"/>
@@ -30,19 +30,20 @@
     <p:sldId id="710" r:id="rId18"/>
     <p:sldId id="714" r:id="rId19"/>
     <p:sldId id="720" r:id="rId20"/>
-    <p:sldId id="721" r:id="rId21"/>
-    <p:sldId id="726" r:id="rId22"/>
-    <p:sldId id="723" r:id="rId23"/>
-    <p:sldId id="724" r:id="rId24"/>
-    <p:sldId id="740" r:id="rId25"/>
-    <p:sldId id="725" r:id="rId26"/>
-    <p:sldId id="731" r:id="rId27"/>
-    <p:sldId id="729" r:id="rId28"/>
-    <p:sldId id="728" r:id="rId29"/>
-    <p:sldId id="722" r:id="rId30"/>
-    <p:sldId id="633" r:id="rId31"/>
-    <p:sldId id="504" r:id="rId32"/>
-    <p:sldId id="505" r:id="rId33"/>
+    <p:sldId id="743" r:id="rId21"/>
+    <p:sldId id="721" r:id="rId22"/>
+    <p:sldId id="726" r:id="rId23"/>
+    <p:sldId id="723" r:id="rId24"/>
+    <p:sldId id="724" r:id="rId25"/>
+    <p:sldId id="740" r:id="rId26"/>
+    <p:sldId id="744" r:id="rId27"/>
+    <p:sldId id="745" r:id="rId28"/>
+    <p:sldId id="725" r:id="rId29"/>
+    <p:sldId id="742" r:id="rId30"/>
+    <p:sldId id="722" r:id="rId31"/>
+    <p:sldId id="633" r:id="rId32"/>
+    <p:sldId id="504" r:id="rId33"/>
+    <p:sldId id="505" r:id="rId34"/>
   </p:sldIdLst>
   <p:sldSz cx="12192000" cy="6858000"/>
   <p:notesSz cx="6858000" cy="9144000"/>
@@ -177,15 +178,16 @@
             <p14:sldId id="710"/>
             <p14:sldId id="714"/>
             <p14:sldId id="720"/>
+            <p14:sldId id="743"/>
             <p14:sldId id="721"/>
             <p14:sldId id="726"/>
             <p14:sldId id="723"/>
             <p14:sldId id="724"/>
             <p14:sldId id="740"/>
+            <p14:sldId id="744"/>
+            <p14:sldId id="745"/>
             <p14:sldId id="725"/>
-            <p14:sldId id="731"/>
-            <p14:sldId id="729"/>
-            <p14:sldId id="728"/>
+            <p14:sldId id="742"/>
             <p14:sldId id="722"/>
           </p14:sldIdLst>
         </p14:section>
@@ -504,7 +506,7 @@
           <a:p>
             <a:fld id="{4E087215-0C8F-4762-A664-737A353EC9A4}" type="datetimeFigureOut">
               <a:rPr lang="bg-BG" smtClean="0"/>
-              <a:t>21.06.24 г.</a:t>
+              <a:t>25.06.24 г.</a:t>
             </a:fld>
             <a:endParaRPr lang="bg-BG"/>
           </a:p>
@@ -700,7 +702,7 @@
           <a:p>
             <a:fld id="{72D84649-876A-46C9-8472-14CB09C070D8}" type="datetimeFigureOut">
               <a:rPr lang="en-US" smtClean="0"/>
-              <a:t>6/21/24</a:t>
+              <a:t>6/25/24</a:t>
             </a:fld>
             <a:endParaRPr lang="en-US"/>
           </a:p>
@@ -2353,7 +2355,7 @@
             <a:fld id="{3EBA5BD7-F043-4D1B-AA17-CD412FC534DE}" type="slidenum">
               <a:rPr lang="en-US" smtClean="0"/>
               <a:pPr/>
-              <a:t>30</a:t>
+              <a:t>31</a:t>
             </a:fld>
             <a:endParaRPr lang="en-US" dirty="0"/>
           </a:p>
@@ -2599,7 +2601,7 @@
             <a:fld id="{3EBA5BD7-F043-4D1B-AA17-CD412FC534DE}" type="slidenum">
               <a:rPr lang="en-US" smtClean="0"/>
               <a:pPr/>
-              <a:t>31</a:t>
+              <a:t>32</a:t>
             </a:fld>
             <a:endParaRPr lang="en-US" dirty="0"/>
           </a:p>
@@ -2829,7 +2831,7 @@
             <a:fld id="{3EBA5BD7-F043-4D1B-AA17-CD412FC534DE}" type="slidenum">
               <a:rPr lang="en-US" smtClean="0"/>
               <a:pPr/>
-              <a:t>32</a:t>
+              <a:t>33</a:t>
             </a:fld>
             <a:endParaRPr lang="en-US" dirty="0"/>
           </a:p>
@@ -15192,7 +15194,7 @@
           <p:cNvPr id="2" name="Slide Number Placeholder 1">
             <a:extLst>
               <a:ext uri="{FF2B5EF4-FFF2-40B4-BE49-F238E27FC236}">
-                <a16:creationId xmlns:a16="http://schemas.microsoft.com/office/drawing/2014/main" id="{F3AF87FF-1318-696E-CC00-2C2B6621789F}"/>
+                <a16:creationId xmlns:a16="http://schemas.microsoft.com/office/drawing/2014/main" id="{94B71CD6-5548-0FED-8EAB-4D71CF31606C}"/>
               </a:ext>
             </a:extLst>
           </p:cNvPr>
@@ -15212,6 +15214,337 @@
               <a:rPr lang="en-US" noProof="0" smtClean="0"/>
               <a:pPr/>
               <a:t>20</a:t>
+            </a:fld>
+            <a:endParaRPr lang="en-US" noProof="0" dirty="0"/>
+          </a:p>
+        </p:txBody>
+      </p:sp>
+      <p:sp>
+        <p:nvSpPr>
+          <p:cNvPr id="3" name="Text Placeholder 2">
+            <a:extLst>
+              <a:ext uri="{FF2B5EF4-FFF2-40B4-BE49-F238E27FC236}">
+                <a16:creationId xmlns:a16="http://schemas.microsoft.com/office/drawing/2014/main" id="{19EA25A7-8220-6A00-2D46-FD74D912FE7B}"/>
+              </a:ext>
+            </a:extLst>
+          </p:cNvPr>
+          <p:cNvSpPr>
+            <a:spLocks noGrp="1"/>
+          </p:cNvSpPr>
+          <p:nvPr>
+            <p:ph type="body" sz="quarter" idx="10"/>
+          </p:nvPr>
+        </p:nvSpPr>
+        <p:spPr/>
+        <p:txBody>
+          <a:bodyPr/>
+          <a:lstStyle/>
+          <a:p>
+            <a:r>
+              <a:rPr lang="bg-BG" dirty="0"/>
+              <a:t>Задаваме </a:t>
+            </a:r>
+            <a:r>
+              <a:rPr lang="bg-BG" b="1" dirty="0">
+                <a:solidFill>
+                  <a:schemeClr val="bg1"/>
+                </a:solidFill>
+              </a:rPr>
+              <a:t>позиция</a:t>
+            </a:r>
+            <a:r>
+              <a:rPr lang="bg-BG" dirty="0"/>
+              <a:t> на </a:t>
+            </a:r>
+            <a:r>
+              <a:rPr lang="bg-BG" b="1" dirty="0"/>
+              <a:t>формата</a:t>
+            </a:r>
+            <a:r>
+              <a:rPr lang="bg-BG" dirty="0"/>
+              <a:t> </a:t>
+            </a:r>
+            <a:r>
+              <a:rPr lang="en-US" sz="3200" dirty="0"/>
+              <a:t>→</a:t>
+            </a:r>
+            <a:r>
+              <a:rPr lang="bg-BG" dirty="0"/>
+              <a:t> </a:t>
+            </a:r>
+            <a:r>
+              <a:rPr lang="en-US" b="1" dirty="0">
+                <a:solidFill>
+                  <a:schemeClr val="bg1"/>
+                </a:solidFill>
+                <a:latin typeface="Consolas" panose="020B0609020204030204" pitchFamily="49" charset="0"/>
+                <a:cs typeface="Consolas" panose="020B0609020204030204" pitchFamily="49" charset="0"/>
+              </a:rPr>
+              <a:t>CenterScreen</a:t>
+            </a:r>
+            <a:endParaRPr lang="bg-BG" b="1" dirty="0">
+              <a:solidFill>
+                <a:schemeClr val="bg1"/>
+              </a:solidFill>
+              <a:latin typeface="Consolas" panose="020B0609020204030204" pitchFamily="49" charset="0"/>
+              <a:cs typeface="Consolas" panose="020B0609020204030204" pitchFamily="49" charset="0"/>
+            </a:endParaRPr>
+          </a:p>
+          <a:p>
+            <a:endParaRPr lang="en-BG" dirty="0"/>
+          </a:p>
+          <a:p>
+            <a:endParaRPr lang="en-BG" dirty="0"/>
+          </a:p>
+          <a:p>
+            <a:endParaRPr lang="en-BG" dirty="0"/>
+          </a:p>
+        </p:txBody>
+      </p:sp>
+      <p:sp>
+        <p:nvSpPr>
+          <p:cNvPr id="4" name="Title 3">
+            <a:extLst>
+              <a:ext uri="{FF2B5EF4-FFF2-40B4-BE49-F238E27FC236}">
+                <a16:creationId xmlns:a16="http://schemas.microsoft.com/office/drawing/2014/main" id="{5A051A4E-29D0-11CF-E883-E36C7DC0C0CA}"/>
+              </a:ext>
+            </a:extLst>
+          </p:cNvPr>
+          <p:cNvSpPr>
+            <a:spLocks noGrp="1"/>
+          </p:cNvSpPr>
+          <p:nvPr>
+            <p:ph type="title"/>
+          </p:nvPr>
+        </p:nvSpPr>
+        <p:spPr/>
+        <p:txBody>
+          <a:bodyPr/>
+          <a:lstStyle/>
+          <a:p>
+            <a:r>
+              <a:rPr lang="bg-BG" dirty="0"/>
+              <a:t>Настройки на формата</a:t>
+            </a:r>
+            <a:endParaRPr lang="en-BG" dirty="0"/>
+          </a:p>
+        </p:txBody>
+      </p:sp>
+      <p:pic>
+        <p:nvPicPr>
+          <p:cNvPr id="6" name="Picture 5">
+            <a:extLst>
+              <a:ext uri="{FF2B5EF4-FFF2-40B4-BE49-F238E27FC236}">
+                <a16:creationId xmlns:a16="http://schemas.microsoft.com/office/drawing/2014/main" id="{2A13285F-D779-14B4-E416-4991F47CDF46}"/>
+              </a:ext>
+            </a:extLst>
+          </p:cNvPr>
+          <p:cNvPicPr>
+            <a:picLocks noChangeAspect="1"/>
+          </p:cNvPicPr>
+          <p:nvPr/>
+        </p:nvPicPr>
+        <p:blipFill>
+          <a:blip r:embed="rId2">
+            <a:extLst>
+              <a:ext uri="{28A0092B-C50C-407E-A947-70E740481C1C}">
+                <a14:useLocalDpi xmlns:a14="http://schemas.microsoft.com/office/drawing/2010/main" val="0"/>
+              </a:ext>
+            </a:extLst>
+          </a:blip>
+          <a:stretch>
+            <a:fillRect/>
+          </a:stretch>
+        </p:blipFill>
+        <p:spPr>
+          <a:xfrm>
+            <a:off x="651000" y="1989000"/>
+            <a:ext cx="3555000" cy="1826199"/>
+          </a:xfrm>
+          <a:prstGeom prst="rect">
+            <a:avLst/>
+          </a:prstGeom>
+          <a:ln>
+            <a:solidFill>
+              <a:schemeClr val="bg2">
+                <a:lumMod val="75000"/>
+              </a:schemeClr>
+            </a:solidFill>
+          </a:ln>
+        </p:spPr>
+      </p:pic>
+    </p:spTree>
+    <p:extLst>
+      <p:ext uri="{BB962C8B-B14F-4D97-AF65-F5344CB8AC3E}">
+        <p14:creationId xmlns:p14="http://schemas.microsoft.com/office/powerpoint/2010/main" val="1662926295"/>
+      </p:ext>
+    </p:extLst>
+  </p:cSld>
+  <p:clrMapOvr>
+    <a:masterClrMapping/>
+  </p:clrMapOvr>
+  <mc:AlternateContent xmlns:mc="http://schemas.openxmlformats.org/markup-compatibility/2006" xmlns:p14="http://schemas.microsoft.com/office/powerpoint/2010/main">
+    <mc:Choice Requires="p14">
+      <p:transition spd="slow" p14:dur="2000" advClick="0" advTm="5000"/>
+    </mc:Choice>
+    <mc:Fallback xmlns="">
+      <p:transition spd="slow" advClick="0" advTm="5000"/>
+    </mc:Fallback>
+  </mc:AlternateContent>
+  <p:timing>
+    <p:tnLst>
+      <p:par>
+        <p:cTn id="1" dur="indefinite" restart="never" nodeType="tmRoot">
+          <p:childTnLst>
+            <p:seq concurrent="1" nextAc="seek">
+              <p:cTn id="2" dur="indefinite" nodeType="mainSeq">
+                <p:childTnLst>
+                  <p:par>
+                    <p:cTn id="3" fill="hold">
+                      <p:stCondLst>
+                        <p:cond delay="indefinite"/>
+                        <p:cond evt="onBegin" delay="0">
+                          <p:tn val="2"/>
+                        </p:cond>
+                      </p:stCondLst>
+                      <p:childTnLst>
+                        <p:par>
+                          <p:cTn id="4" fill="hold">
+                            <p:stCondLst>
+                              <p:cond delay="0"/>
+                            </p:stCondLst>
+                            <p:childTnLst>
+                              <p:par>
+                                <p:cTn id="5" presetID="1" presetClass="entr" presetSubtype="0" fill="hold" nodeType="withEffect">
+                                  <p:stCondLst>
+                                    <p:cond delay="0"/>
+                                  </p:stCondLst>
+                                  <p:childTnLst>
+                                    <p:set>
+                                      <p:cBhvr>
+                                        <p:cTn id="6" dur="1" fill="hold">
+                                          <p:stCondLst>
+                                            <p:cond delay="0"/>
+                                          </p:stCondLst>
+                                        </p:cTn>
+                                        <p:tgtEl>
+                                          <p:spTgt spid="3">
+                                            <p:txEl>
+                                              <p:pRg st="0" end="0"/>
+                                            </p:txEl>
+                                          </p:spTgt>
+                                        </p:tgtEl>
+                                        <p:attrNameLst>
+                                          <p:attrName>style.visibility</p:attrName>
+                                        </p:attrNameLst>
+                                      </p:cBhvr>
+                                      <p:to>
+                                        <p:strVal val="visible"/>
+                                      </p:to>
+                                    </p:set>
+                                  </p:childTnLst>
+                                </p:cTn>
+                              </p:par>
+                              <p:par>
+                                <p:cTn id="7" presetID="1" presetClass="entr" presetSubtype="0" fill="hold" nodeType="withEffect">
+                                  <p:stCondLst>
+                                    <p:cond delay="0"/>
+                                  </p:stCondLst>
+                                  <p:childTnLst>
+                                    <p:set>
+                                      <p:cBhvr>
+                                        <p:cTn id="8" dur="1" fill="hold">
+                                          <p:stCondLst>
+                                            <p:cond delay="0"/>
+                                          </p:stCondLst>
+                                        </p:cTn>
+                                        <p:tgtEl>
+                                          <p:spTgt spid="6"/>
+                                        </p:tgtEl>
+                                        <p:attrNameLst>
+                                          <p:attrName>style.visibility</p:attrName>
+                                        </p:attrNameLst>
+                                      </p:cBhvr>
+                                      <p:to>
+                                        <p:strVal val="visible"/>
+                                      </p:to>
+                                    </p:set>
+                                  </p:childTnLst>
+                                </p:cTn>
+                              </p:par>
+                            </p:childTnLst>
+                          </p:cTn>
+                        </p:par>
+                      </p:childTnLst>
+                    </p:cTn>
+                  </p:par>
+                </p:childTnLst>
+              </p:cTn>
+              <p:prevCondLst>
+                <p:cond evt="onPrev" delay="0">
+                  <p:tgtEl>
+                    <p:sldTgt/>
+                  </p:tgtEl>
+                </p:cond>
+              </p:prevCondLst>
+              <p:nextCondLst>
+                <p:cond evt="onNext" delay="0">
+                  <p:tgtEl>
+                    <p:sldTgt/>
+                  </p:tgtEl>
+                </p:cond>
+              </p:nextCondLst>
+            </p:seq>
+          </p:childTnLst>
+        </p:cTn>
+      </p:par>
+    </p:tnLst>
+  </p:timing>
+</p:sld>
+</file>
+
+<file path=ppt/slides/slide21.xml><?xml version="1.0" encoding="utf-8"?>
+<p:sld xmlns:a="http://schemas.openxmlformats.org/drawingml/2006/main" xmlns:r="http://schemas.openxmlformats.org/officeDocument/2006/relationships" xmlns:p="http://schemas.openxmlformats.org/presentationml/2006/main">
+  <p:cSld>
+    <p:spTree>
+      <p:nvGrpSpPr>
+        <p:cNvPr id="1" name=""/>
+        <p:cNvGrpSpPr/>
+        <p:nvPr/>
+      </p:nvGrpSpPr>
+      <p:grpSpPr>
+        <a:xfrm>
+          <a:off x="0" y="0"/>
+          <a:ext cx="0" cy="0"/>
+          <a:chOff x="0" y="0"/>
+          <a:chExt cx="0" cy="0"/>
+        </a:xfrm>
+      </p:grpSpPr>
+      <p:sp>
+        <p:nvSpPr>
+          <p:cNvPr id="2" name="Slide Number Placeholder 1">
+            <a:extLst>
+              <a:ext uri="{FF2B5EF4-FFF2-40B4-BE49-F238E27FC236}">
+                <a16:creationId xmlns:a16="http://schemas.microsoft.com/office/drawing/2014/main" id="{F3AF87FF-1318-696E-CC00-2C2B6621789F}"/>
+              </a:ext>
+            </a:extLst>
+          </p:cNvPr>
+          <p:cNvSpPr>
+            <a:spLocks noGrp="1"/>
+          </p:cNvSpPr>
+          <p:nvPr>
+            <p:ph type="sldNum" sz="quarter" idx="5"/>
+          </p:nvPr>
+        </p:nvSpPr>
+        <p:spPr/>
+        <p:txBody>
+          <a:bodyPr/>
+          <a:lstStyle/>
+          <a:p>
+            <a:fld id="{2BF067CD-8E6B-4360-9AA8-C5DF2A48A6D1}" type="slidenum">
+              <a:rPr lang="en-US" noProof="0" smtClean="0"/>
+              <a:pPr/>
+              <a:t>21</a:t>
             </a:fld>
             <a:endParaRPr lang="en-US" noProof="0" dirty="0"/>
           </a:p>
@@ -15709,7 +16042,7 @@
 </p:sld>
 </file>
 
-<file path=ppt/slides/slide21.xml><?xml version="1.0" encoding="utf-8"?>
+<file path=ppt/slides/slide22.xml><?xml version="1.0" encoding="utf-8"?>
 <p:sld xmlns:a="http://schemas.openxmlformats.org/drawingml/2006/main" xmlns:r="http://schemas.openxmlformats.org/officeDocument/2006/relationships" xmlns:p="http://schemas.openxmlformats.org/presentationml/2006/main">
   <p:cSld>
     <p:spTree>
@@ -15750,7 +16083,7 @@
             <a:fld id="{2BF067CD-8E6B-4360-9AA8-C5DF2A48A6D1}" type="slidenum">
               <a:rPr lang="en-US" noProof="0" smtClean="0"/>
               <a:pPr/>
-              <a:t>21</a:t>
+              <a:t>22</a:t>
             </a:fld>
             <a:endParaRPr lang="en-US" noProof="0" dirty="0"/>
           </a:p>
@@ -16605,7 +16938,7 @@
 </p:sld>
 </file>
 
-<file path=ppt/slides/slide22.xml><?xml version="1.0" encoding="utf-8"?>
+<file path=ppt/slides/slide23.xml><?xml version="1.0" encoding="utf-8"?>
 <p:sld xmlns:a="http://schemas.openxmlformats.org/drawingml/2006/main" xmlns:r="http://schemas.openxmlformats.org/officeDocument/2006/relationships" xmlns:p="http://schemas.openxmlformats.org/presentationml/2006/main">
   <p:cSld>
     <p:spTree>
@@ -16646,7 +16979,7 @@
             <a:fld id="{2BF067CD-8E6B-4360-9AA8-C5DF2A48A6D1}" type="slidenum">
               <a:rPr lang="en-US" noProof="0" smtClean="0"/>
               <a:pPr/>
-              <a:t>22</a:t>
+              <a:t>23</a:t>
             </a:fld>
             <a:endParaRPr lang="en-US" noProof="0" dirty="0"/>
           </a:p>
@@ -17351,7 +17684,7 @@
 </p:sld>
 </file>
 
-<file path=ppt/slides/slide23.xml><?xml version="1.0" encoding="utf-8"?>
+<file path=ppt/slides/slide24.xml><?xml version="1.0" encoding="utf-8"?>
 <p:sld xmlns:a="http://schemas.openxmlformats.org/drawingml/2006/main" xmlns:r="http://schemas.openxmlformats.org/officeDocument/2006/relationships" xmlns:p="http://schemas.openxmlformats.org/presentationml/2006/main">
   <p:cSld>
     <p:spTree>
@@ -17392,7 +17725,7 @@
             <a:fld id="{2BF067CD-8E6B-4360-9AA8-C5DF2A48A6D1}" type="slidenum">
               <a:rPr lang="en-US" noProof="0" smtClean="0"/>
               <a:pPr/>
-              <a:t>23</a:t>
+              <a:t>24</a:t>
             </a:fld>
             <a:endParaRPr lang="en-US" noProof="0" dirty="0"/>
           </a:p>
@@ -17998,7 +18331,7 @@
 </p:sld>
 </file>
 
-<file path=ppt/slides/slide24.xml><?xml version="1.0" encoding="utf-8"?>
+<file path=ppt/slides/slide25.xml><?xml version="1.0" encoding="utf-8"?>
 <p:sld xmlns:a="http://schemas.openxmlformats.org/drawingml/2006/main" xmlns:r="http://schemas.openxmlformats.org/officeDocument/2006/relationships" xmlns:p="http://schemas.openxmlformats.org/presentationml/2006/main">
   <p:cSld>
     <p:spTree>
@@ -18039,7 +18372,7 @@
             <a:fld id="{2BF067CD-8E6B-4360-9AA8-C5DF2A48A6D1}" type="slidenum">
               <a:rPr lang="en-US" noProof="0" smtClean="0"/>
               <a:pPr/>
-              <a:t>24</a:t>
+              <a:t>25</a:t>
             </a:fld>
             <a:endParaRPr lang="en-US" noProof="0" dirty="0"/>
           </a:p>
@@ -18159,7 +18492,7 @@
         </p:blipFill>
         <p:spPr>
           <a:xfrm>
-            <a:off x="6236443" y="1946003"/>
+            <a:off x="6623540" y="1955384"/>
             <a:ext cx="5259647" cy="3575321"/>
           </a:xfrm>
           <a:prstGeom prst="rect">
@@ -18201,7 +18534,7 @@
         </p:blipFill>
         <p:spPr>
           <a:xfrm>
-            <a:off x="696000" y="1944000"/>
+            <a:off x="341906" y="1955384"/>
             <a:ext cx="5259559" cy="3575259"/>
           </a:xfrm>
           <a:prstGeom prst="rect">
@@ -18216,6 +18549,60 @@
           </a:ln>
         </p:spPr>
       </p:pic>
+      <p:sp>
+        <p:nvSpPr>
+          <p:cNvPr id="5" name="Arrow: Right 10">
+            <a:extLst>
+              <a:ext uri="{FF2B5EF4-FFF2-40B4-BE49-F238E27FC236}">
+                <a16:creationId xmlns:a16="http://schemas.microsoft.com/office/drawing/2014/main" id="{F74A91D4-30FF-CC49-3EEA-B965AF1642B1}"/>
+              </a:ext>
+            </a:extLst>
+          </p:cNvPr>
+          <p:cNvSpPr/>
+          <p:nvPr/>
+        </p:nvSpPr>
+        <p:spPr>
+          <a:xfrm>
+            <a:off x="5695447" y="3375508"/>
+            <a:ext cx="834110" cy="585000"/>
+          </a:xfrm>
+          <a:prstGeom prst="rightArrow">
+            <a:avLst/>
+          </a:prstGeom>
+          <a:solidFill>
+            <a:schemeClr val="tx1"/>
+          </a:solidFill>
+          <a:ln>
+            <a:solidFill>
+              <a:schemeClr val="tx1"/>
+            </a:solidFill>
+          </a:ln>
+        </p:spPr>
+        <p:style>
+          <a:lnRef idx="2">
+            <a:schemeClr val="accent1">
+              <a:shade val="50000"/>
+            </a:schemeClr>
+          </a:lnRef>
+          <a:fillRef idx="1">
+            <a:schemeClr val="accent1"/>
+          </a:fillRef>
+          <a:effectRef idx="0">
+            <a:schemeClr val="accent1"/>
+          </a:effectRef>
+          <a:fontRef idx="minor">
+            <a:schemeClr val="lt1"/>
+          </a:fontRef>
+        </p:style>
+        <p:txBody>
+          <a:bodyPr rtlCol="0" anchor="ctr"/>
+          <a:lstStyle/>
+          <a:p>
+            <a:pPr algn="ctr"/>
+            <a:endParaRPr lang="en-US" sz="2799"/>
+          </a:p>
+        </p:txBody>
+      </p:sp>
     </p:spTree>
     <p:extLst>
       <p:ext uri="{BB962C8B-B14F-4D97-AF65-F5344CB8AC3E}">
@@ -18271,7 +18658,459 @@
                                           </p:stCondLst>
                                         </p:cTn>
                                         <p:tgtEl>
+                                          <p:spTgt spid="10"/>
+                                        </p:tgtEl>
+                                        <p:attrNameLst>
+                                          <p:attrName>style.visibility</p:attrName>
+                                        </p:attrNameLst>
+                                      </p:cBhvr>
+                                      <p:to>
+                                        <p:strVal val="visible"/>
+                                      </p:to>
+                                    </p:set>
+                                  </p:childTnLst>
+                                </p:cTn>
+                              </p:par>
+                            </p:childTnLst>
+                          </p:cTn>
+                        </p:par>
+                      </p:childTnLst>
+                    </p:cTn>
+                  </p:par>
+                  <p:par>
+                    <p:cTn id="7" fill="hold">
+                      <p:stCondLst>
+                        <p:cond delay="indefinite"/>
+                      </p:stCondLst>
+                      <p:childTnLst>
+                        <p:par>
+                          <p:cTn id="8" fill="hold">
+                            <p:stCondLst>
+                              <p:cond delay="0"/>
+                            </p:stCondLst>
+                            <p:childTnLst>
+                              <p:par>
+                                <p:cTn id="9" presetID="1" presetClass="entr" presetSubtype="0" fill="hold" grpId="0" nodeType="clickEffect">
+                                  <p:stCondLst>
+                                    <p:cond delay="0"/>
+                                  </p:stCondLst>
+                                  <p:childTnLst>
+                                    <p:set>
+                                      <p:cBhvr>
+                                        <p:cTn id="10" dur="1" fill="hold">
+                                          <p:stCondLst>
+                                            <p:cond delay="0"/>
+                                          </p:stCondLst>
+                                        </p:cTn>
+                                        <p:tgtEl>
+                                          <p:spTgt spid="5"/>
+                                        </p:tgtEl>
+                                        <p:attrNameLst>
+                                          <p:attrName>style.visibility</p:attrName>
+                                        </p:attrNameLst>
+                                      </p:cBhvr>
+                                      <p:to>
+                                        <p:strVal val="visible"/>
+                                      </p:to>
+                                    </p:set>
+                                  </p:childTnLst>
+                                </p:cTn>
+                              </p:par>
+                              <p:par>
+                                <p:cTn id="11" presetID="1" presetClass="entr" presetSubtype="0" fill="hold" nodeType="withEffect">
+                                  <p:stCondLst>
+                                    <p:cond delay="0"/>
+                                  </p:stCondLst>
+                                  <p:childTnLst>
+                                    <p:set>
+                                      <p:cBhvr>
+                                        <p:cTn id="12" dur="1" fill="hold">
+                                          <p:stCondLst>
+                                            <p:cond delay="0"/>
+                                          </p:stCondLst>
+                                        </p:cTn>
+                                        <p:tgtEl>
                                           <p:spTgt spid="6"/>
+                                        </p:tgtEl>
+                                        <p:attrNameLst>
+                                          <p:attrName>style.visibility</p:attrName>
+                                        </p:attrNameLst>
+                                      </p:cBhvr>
+                                      <p:to>
+                                        <p:strVal val="visible"/>
+                                      </p:to>
+                                    </p:set>
+                                  </p:childTnLst>
+                                </p:cTn>
+                              </p:par>
+                            </p:childTnLst>
+                          </p:cTn>
+                        </p:par>
+                      </p:childTnLst>
+                    </p:cTn>
+                  </p:par>
+                </p:childTnLst>
+              </p:cTn>
+              <p:prevCondLst>
+                <p:cond evt="onPrev" delay="0">
+                  <p:tgtEl>
+                    <p:sldTgt/>
+                  </p:tgtEl>
+                </p:cond>
+              </p:prevCondLst>
+              <p:nextCondLst>
+                <p:cond evt="onNext" delay="0">
+                  <p:tgtEl>
+                    <p:sldTgt/>
+                  </p:tgtEl>
+                </p:cond>
+              </p:nextCondLst>
+            </p:seq>
+          </p:childTnLst>
+        </p:cTn>
+      </p:par>
+    </p:tnLst>
+    <p:bldLst>
+      <p:bldP spid="5" grpId="0" animBg="1"/>
+    </p:bldLst>
+  </p:timing>
+</p:sld>
+</file>
+
+<file path=ppt/slides/slide26.xml><?xml version="1.0" encoding="utf-8"?>
+<p:sld xmlns:a="http://schemas.openxmlformats.org/drawingml/2006/main" xmlns:r="http://schemas.openxmlformats.org/officeDocument/2006/relationships" xmlns:p="http://schemas.openxmlformats.org/presentationml/2006/main">
+  <p:cSld>
+    <p:spTree>
+      <p:nvGrpSpPr>
+        <p:cNvPr id="1" name=""/>
+        <p:cNvGrpSpPr/>
+        <p:nvPr/>
+      </p:nvGrpSpPr>
+      <p:grpSpPr>
+        <a:xfrm>
+          <a:off x="0" y="0"/>
+          <a:ext cx="0" cy="0"/>
+          <a:chOff x="0" y="0"/>
+          <a:chExt cx="0" cy="0"/>
+        </a:xfrm>
+      </p:grpSpPr>
+      <p:sp>
+        <p:nvSpPr>
+          <p:cNvPr id="2" name="Slide Number Placeholder 1">
+            <a:extLst>
+              <a:ext uri="{FF2B5EF4-FFF2-40B4-BE49-F238E27FC236}">
+                <a16:creationId xmlns:a16="http://schemas.microsoft.com/office/drawing/2014/main" id="{F3AF87FF-1318-696E-CC00-2C2B6621789F}"/>
+              </a:ext>
+            </a:extLst>
+          </p:cNvPr>
+          <p:cNvSpPr>
+            <a:spLocks noGrp="1"/>
+          </p:cNvSpPr>
+          <p:nvPr>
+            <p:ph type="sldNum" sz="quarter" idx="5"/>
+          </p:nvPr>
+        </p:nvSpPr>
+        <p:spPr/>
+        <p:txBody>
+          <a:bodyPr/>
+          <a:lstStyle/>
+          <a:p>
+            <a:fld id="{2BF067CD-8E6B-4360-9AA8-C5DF2A48A6D1}" type="slidenum">
+              <a:rPr lang="en-US" noProof="0" smtClean="0"/>
+              <a:pPr/>
+              <a:t>26</a:t>
+            </a:fld>
+            <a:endParaRPr lang="en-US" noProof="0" dirty="0"/>
+          </a:p>
+        </p:txBody>
+      </p:sp>
+      <p:sp>
+        <p:nvSpPr>
+          <p:cNvPr id="3" name="Text Placeholder 2">
+            <a:extLst>
+              <a:ext uri="{FF2B5EF4-FFF2-40B4-BE49-F238E27FC236}">
+                <a16:creationId xmlns:a16="http://schemas.microsoft.com/office/drawing/2014/main" id="{70810851-4790-2FC0-3F9D-A1CF7D2C9A2E}"/>
+              </a:ext>
+            </a:extLst>
+          </p:cNvPr>
+          <p:cNvSpPr>
+            <a:spLocks noGrp="1"/>
+          </p:cNvSpPr>
+          <p:nvPr>
+            <p:ph type="body" sz="quarter" idx="10"/>
+          </p:nvPr>
+        </p:nvSpPr>
+        <p:spPr/>
+        <p:txBody>
+          <a:bodyPr/>
+          <a:lstStyle/>
+          <a:p>
+            <a:pPr>
+              <a:tabLst>
+                <a:tab pos="5991225" algn="l"/>
+              </a:tabLst>
+            </a:pPr>
+            <a:r>
+              <a:rPr lang="bg-BG" sz="2600" dirty="0"/>
+              <a:t>Закачаме </a:t>
+            </a:r>
+            <a:r>
+              <a:rPr lang="bg-BG" sz="2600" b="1" dirty="0">
+                <a:solidFill>
+                  <a:schemeClr val="bg1"/>
+                </a:solidFill>
+              </a:rPr>
+              <a:t>контролата</a:t>
+            </a:r>
+            <a:r>
+              <a:rPr lang="bg-BG" sz="2600" dirty="0"/>
+              <a:t> към </a:t>
+            </a:r>
+            <a:r>
+              <a:rPr lang="bg-BG" sz="2600" b="1" dirty="0">
+                <a:solidFill>
+                  <a:schemeClr val="bg1"/>
+                </a:solidFill>
+              </a:rPr>
+              <a:t>формата</a:t>
+            </a:r>
+          </a:p>
+          <a:p>
+            <a:pPr>
+              <a:tabLst>
+                <a:tab pos="5991225" algn="l"/>
+              </a:tabLst>
+            </a:pPr>
+            <a:endParaRPr lang="bg-BG" sz="3200" b="1" dirty="0"/>
+          </a:p>
+          <a:p>
+            <a:pPr marL="0" indent="0">
+              <a:buNone/>
+              <a:tabLst>
+                <a:tab pos="5991225" algn="l"/>
+              </a:tabLst>
+            </a:pPr>
+            <a:endParaRPr lang="bg-BG" sz="3200" b="1" dirty="0"/>
+          </a:p>
+          <a:p>
+            <a:pPr marL="0" indent="0">
+              <a:buNone/>
+              <a:tabLst>
+                <a:tab pos="5991225" algn="l"/>
+              </a:tabLst>
+            </a:pPr>
+            <a:endParaRPr lang="en-US" sz="3200" b="1" dirty="0"/>
+          </a:p>
+          <a:p>
+            <a:pPr>
+              <a:tabLst>
+                <a:tab pos="5991225" algn="l"/>
+              </a:tabLst>
+            </a:pPr>
+            <a:r>
+              <a:rPr lang="bg-BG" sz="2600" dirty="0"/>
+              <a:t>Променяме </a:t>
+            </a:r>
+            <a:r>
+              <a:rPr lang="bg-BG" sz="2600" b="1" dirty="0">
+                <a:solidFill>
+                  <a:schemeClr val="bg1"/>
+                </a:solidFill>
+              </a:rPr>
+              <a:t>стила на рамката</a:t>
+            </a:r>
+            <a:endParaRPr lang="bg-BG" sz="2600" b="1" dirty="0"/>
+          </a:p>
+          <a:p>
+            <a:endParaRPr lang="bg-BG" dirty="0"/>
+          </a:p>
+          <a:p>
+            <a:endParaRPr lang="bg-BG" dirty="0"/>
+          </a:p>
+          <a:p>
+            <a:endParaRPr lang="en-BG" dirty="0"/>
+          </a:p>
+        </p:txBody>
+      </p:sp>
+      <p:sp>
+        <p:nvSpPr>
+          <p:cNvPr id="4" name="Title 3">
+            <a:extLst>
+              <a:ext uri="{FF2B5EF4-FFF2-40B4-BE49-F238E27FC236}">
+                <a16:creationId xmlns:a16="http://schemas.microsoft.com/office/drawing/2014/main" id="{A68D83C9-FB5D-2A19-030C-321D25436A47}"/>
+              </a:ext>
+            </a:extLst>
+          </p:cNvPr>
+          <p:cNvSpPr>
+            <a:spLocks noGrp="1"/>
+          </p:cNvSpPr>
+          <p:nvPr>
+            <p:ph type="title"/>
+          </p:nvPr>
+        </p:nvSpPr>
+        <p:spPr/>
+        <p:txBody>
+          <a:bodyPr/>
+          <a:lstStyle/>
+          <a:p>
+            <a:r>
+              <a:rPr lang="bg-BG" dirty="0"/>
+              <a:t>Настройки на контролата </a:t>
+            </a:r>
+            <a:r>
+              <a:rPr lang="en-US" dirty="0"/>
+              <a:t>(1)</a:t>
+            </a:r>
+            <a:endParaRPr lang="en-BG" dirty="0"/>
+          </a:p>
+        </p:txBody>
+      </p:sp>
+      <p:pic>
+        <p:nvPicPr>
+          <p:cNvPr id="7" name="Picture 6">
+            <a:extLst>
+              <a:ext uri="{FF2B5EF4-FFF2-40B4-BE49-F238E27FC236}">
+                <a16:creationId xmlns:a16="http://schemas.microsoft.com/office/drawing/2014/main" id="{033213D1-0775-0E61-1D4C-5ABE25B51EF7}"/>
+              </a:ext>
+            </a:extLst>
+          </p:cNvPr>
+          <p:cNvPicPr>
+            <a:picLocks noChangeAspect="1"/>
+          </p:cNvPicPr>
+          <p:nvPr/>
+        </p:nvPicPr>
+        <p:blipFill>
+          <a:blip r:embed="rId2">
+            <a:extLst>
+              <a:ext uri="{28A0092B-C50C-407E-A947-70E740481C1C}">
+                <a14:useLocalDpi xmlns:a14="http://schemas.microsoft.com/office/drawing/2010/main" val="0"/>
+              </a:ext>
+            </a:extLst>
+          </a:blip>
+          <a:stretch>
+            <a:fillRect/>
+          </a:stretch>
+        </p:blipFill>
+        <p:spPr>
+          <a:xfrm>
+            <a:off x="621318" y="1629000"/>
+            <a:ext cx="2692832" cy="2070000"/>
+          </a:xfrm>
+          <a:prstGeom prst="rect">
+            <a:avLst/>
+          </a:prstGeom>
+          <a:ln>
+            <a:solidFill>
+              <a:schemeClr val="bg2">
+                <a:lumMod val="75000"/>
+              </a:schemeClr>
+            </a:solidFill>
+          </a:ln>
+        </p:spPr>
+      </p:pic>
+      <p:pic>
+        <p:nvPicPr>
+          <p:cNvPr id="16" name="Picture 15">
+            <a:extLst>
+              <a:ext uri="{FF2B5EF4-FFF2-40B4-BE49-F238E27FC236}">
+                <a16:creationId xmlns:a16="http://schemas.microsoft.com/office/drawing/2014/main" id="{440F1294-CBFA-BFF1-5739-2FE23D897331}"/>
+              </a:ext>
+            </a:extLst>
+          </p:cNvPr>
+          <p:cNvPicPr>
+            <a:picLocks noChangeAspect="1"/>
+          </p:cNvPicPr>
+          <p:nvPr/>
+        </p:nvPicPr>
+        <p:blipFill>
+          <a:blip r:embed="rId3">
+            <a:extLst>
+              <a:ext uri="{28A0092B-C50C-407E-A947-70E740481C1C}">
+                <a14:useLocalDpi xmlns:a14="http://schemas.microsoft.com/office/drawing/2010/main" val="0"/>
+              </a:ext>
+            </a:extLst>
+          </a:blip>
+          <a:stretch>
+            <a:fillRect/>
+          </a:stretch>
+        </p:blipFill>
+        <p:spPr>
+          <a:xfrm>
+            <a:off x="605999" y="4349609"/>
+            <a:ext cx="3850402" cy="2305891"/>
+          </a:xfrm>
+          <a:prstGeom prst="rect">
+            <a:avLst/>
+          </a:prstGeom>
+          <a:ln>
+            <a:solidFill>
+              <a:schemeClr val="bg2">
+                <a:lumMod val="75000"/>
+              </a:schemeClr>
+            </a:solidFill>
+          </a:ln>
+        </p:spPr>
+      </p:pic>
+    </p:spTree>
+    <p:extLst>
+      <p:ext uri="{BB962C8B-B14F-4D97-AF65-F5344CB8AC3E}">
+        <p14:creationId xmlns:p14="http://schemas.microsoft.com/office/powerpoint/2010/main" val="865582482"/>
+      </p:ext>
+    </p:extLst>
+  </p:cSld>
+  <p:clrMapOvr>
+    <a:masterClrMapping/>
+  </p:clrMapOvr>
+  <mc:AlternateContent xmlns:mc="http://schemas.openxmlformats.org/markup-compatibility/2006" xmlns:p14="http://schemas.microsoft.com/office/powerpoint/2010/main">
+    <mc:Choice Requires="p14">
+      <p:transition spd="slow" p14:dur="2000" advClick="0" advTm="5000"/>
+    </mc:Choice>
+    <mc:Fallback xmlns="">
+      <p:transition spd="slow" advClick="0" advTm="5000"/>
+    </mc:Fallback>
+  </mc:AlternateContent>
+  <p:timing>
+    <p:tnLst>
+      <p:par>
+        <p:cTn id="1" dur="indefinite" restart="never" nodeType="tmRoot">
+          <p:childTnLst>
+            <p:seq concurrent="1" nextAc="seek">
+              <p:cTn id="2" dur="indefinite" nodeType="mainSeq">
+                <p:childTnLst>
+                  <p:par>
+                    <p:cTn id="3" fill="hold">
+                      <p:stCondLst>
+                        <p:cond delay="indefinite"/>
+                        <p:cond evt="onBegin" delay="0">
+                          <p:tn val="2"/>
+                        </p:cond>
+                      </p:stCondLst>
+                      <p:childTnLst>
+                        <p:par>
+                          <p:cTn id="4" fill="hold">
+                            <p:stCondLst>
+                              <p:cond delay="0"/>
+                            </p:stCondLst>
+                            <p:childTnLst>
+                              <p:par>
+                                <p:cTn id="5" presetID="1" presetClass="entr" presetSubtype="0" fill="hold" nodeType="withEffect">
+                                  <p:stCondLst>
+                                    <p:cond delay="0"/>
+                                  </p:stCondLst>
+                                  <p:childTnLst>
+                                    <p:set>
+                                      <p:cBhvr>
+                                        <p:cTn id="6" dur="1" fill="hold">
+                                          <p:stCondLst>
+                                            <p:cond delay="0"/>
+                                          </p:stCondLst>
+                                        </p:cTn>
+                                        <p:tgtEl>
+                                          <p:spTgt spid="3">
+                                            <p:txEl>
+                                              <p:pRg st="0" end="0"/>
+                                            </p:txEl>
+                                          </p:spTgt>
                                         </p:tgtEl>
                                         <p:attrNameLst>
                                           <p:attrName>style.visibility</p:attrName>
@@ -18298,7 +19137,83 @@
                                           </p:stCondLst>
                                         </p:cTn>
                                         <p:tgtEl>
-                                          <p:spTgt spid="10"/>
+                                          <p:spTgt spid="7"/>
+                                        </p:tgtEl>
+                                        <p:attrNameLst>
+                                          <p:attrName>style.visibility</p:attrName>
+                                        </p:attrNameLst>
+                                      </p:cBhvr>
+                                      <p:to>
+                                        <p:strVal val="visible"/>
+                                      </p:to>
+                                    </p:set>
+                                  </p:childTnLst>
+                                </p:cTn>
+                              </p:par>
+                            </p:childTnLst>
+                          </p:cTn>
+                        </p:par>
+                      </p:childTnLst>
+                    </p:cTn>
+                  </p:par>
+                  <p:par>
+                    <p:cTn id="9" fill="hold">
+                      <p:stCondLst>
+                        <p:cond delay="indefinite"/>
+                      </p:stCondLst>
+                      <p:childTnLst>
+                        <p:par>
+                          <p:cTn id="10" fill="hold">
+                            <p:stCondLst>
+                              <p:cond delay="0"/>
+                            </p:stCondLst>
+                            <p:childTnLst>
+                              <p:par>
+                                <p:cTn id="11" presetID="1" presetClass="entr" presetSubtype="0" fill="hold" nodeType="clickEffect">
+                                  <p:stCondLst>
+                                    <p:cond delay="0"/>
+                                  </p:stCondLst>
+                                  <p:childTnLst>
+                                    <p:set>
+                                      <p:cBhvr>
+                                        <p:cTn id="12" dur="1" fill="hold">
+                                          <p:stCondLst>
+                                            <p:cond delay="0"/>
+                                          </p:stCondLst>
+                                        </p:cTn>
+                                        <p:tgtEl>
+                                          <p:spTgt spid="3">
+                                            <p:txEl>
+                                              <p:pRg st="4" end="4"/>
+                                            </p:txEl>
+                                          </p:spTgt>
+                                        </p:tgtEl>
+                                        <p:attrNameLst>
+                                          <p:attrName>style.visibility</p:attrName>
+                                        </p:attrNameLst>
+                                      </p:cBhvr>
+                                      <p:to>
+                                        <p:strVal val="visible"/>
+                                      </p:to>
+                                    </p:set>
+                                  </p:childTnLst>
+                                </p:cTn>
+                              </p:par>
+                              <p:par>
+                                <p:cTn id="13" presetID="1" presetClass="entr" presetSubtype="0" fill="hold" nodeType="withEffect">
+                                  <p:stCondLst>
+                                    <p:cond delay="0"/>
+                                  </p:stCondLst>
+                                  <p:childTnLst>
+                                    <p:set>
+                                      <p:cBhvr>
+                                        <p:cTn id="14" dur="1" fill="hold">
+                                          <p:stCondLst>
+                                            <p:cond delay="0"/>
+                                          </p:stCondLst>
+                                        </p:cTn>
+                                        <p:tgtEl>
+                                          <p:spTgt spid="16"/>
                                         </p:tgtEl>
                                         <p:attrNameLst>
                                           <p:attrName>style.visibility</p:attrName>
@@ -18342,7 +19257,7 @@
 </p:sld>
 </file>
 
-<file path=ppt/slides/slide25.xml><?xml version="1.0" encoding="utf-8"?>
+<file path=ppt/slides/slide27.xml><?xml version="1.0" encoding="utf-8"?>
 <p:sld xmlns:a="http://schemas.openxmlformats.org/drawingml/2006/main" xmlns:r="http://schemas.openxmlformats.org/officeDocument/2006/relationships" xmlns:p="http://schemas.openxmlformats.org/presentationml/2006/main">
   <p:cSld>
     <p:spTree>
@@ -18383,7 +19298,7 @@
             <a:fld id="{2BF067CD-8E6B-4360-9AA8-C5DF2A48A6D1}" type="slidenum">
               <a:rPr lang="en-US" noProof="0" smtClean="0"/>
               <a:pPr/>
-              <a:t>25</a:t>
+              <a:t>27</a:t>
             </a:fld>
             <a:endParaRPr lang="en-US" noProof="0" dirty="0"/>
           </a:p>
@@ -18410,152 +19325,97 @@
           <a:bodyPr/>
           <a:lstStyle/>
           <a:p>
-            <a:r>
-              <a:rPr lang="bg-BG" sz="3000" dirty="0"/>
-              <a:t>Навигираме до </a:t>
-            </a:r>
-            <a:r>
-              <a:rPr lang="bg-BG" sz="3000" b="1" dirty="0"/>
-              <a:t>кода</a:t>
-            </a:r>
-            <a:r>
-              <a:rPr lang="bg-BG" sz="3000" dirty="0"/>
+            <a:pPr>
+              <a:tabLst>
+                <a:tab pos="5991225" algn="l"/>
+              </a:tabLst>
+            </a:pPr>
+            <a:r>
+              <a:rPr lang="bg-BG" sz="3400" dirty="0"/>
+              <a:t>Променяме </a:t>
+            </a:r>
+            <a:r>
+              <a:rPr lang="bg-BG" sz="3400" b="1" dirty="0">
+                <a:solidFill>
+                  <a:schemeClr val="bg1"/>
+                </a:solidFill>
+              </a:rPr>
+              <a:t>широчината</a:t>
+            </a:r>
+            <a:r>
+              <a:rPr lang="bg-BG" sz="3400" dirty="0"/>
               <a:t> на </a:t>
             </a:r>
             <a:r>
-              <a:rPr lang="bg-BG" sz="3000" b="1" dirty="0"/>
-              <a:t>формата</a:t>
-            </a:r>
-            <a:endParaRPr lang="en-US" sz="3000" b="1" dirty="0"/>
-          </a:p>
-          <a:p>
-            <a:pPr lvl="1"/>
-            <a:r>
-              <a:rPr lang="bg-BG" sz="3000" dirty="0"/>
-              <a:t>С десен бутон на </a:t>
-            </a:r>
-            <a:r>
-              <a:rPr lang="en-US" sz="3000" b="1" dirty="0">
-                <a:solidFill>
-                  <a:schemeClr val="bg1"/>
-                </a:solidFill>
-                <a:latin typeface="Consolas" panose="020B0609020204030204" pitchFamily="49" charset="0"/>
-                <a:cs typeface="Consolas" panose="020B0609020204030204" pitchFamily="49" charset="0"/>
-              </a:rPr>
-              <a:t>FormStoreProducts</a:t>
-            </a:r>
-            <a:r>
-              <a:rPr lang="en-US" sz="3000" dirty="0"/>
-              <a:t> → </a:t>
-            </a:r>
-            <a:r>
-              <a:rPr lang="en-US" sz="3000" b="1" dirty="0">
-                <a:solidFill>
-                  <a:schemeClr val="bg1"/>
-                </a:solidFill>
-              </a:rPr>
-              <a:t>[View Code]</a:t>
-            </a:r>
-            <a:endParaRPr lang="bg-BG" sz="3000" b="1" dirty="0">
-              <a:solidFill>
-                <a:schemeClr val="bg1"/>
-              </a:solidFill>
-            </a:endParaRPr>
-          </a:p>
-          <a:p>
-            <a:r>
-              <a:rPr lang="bg-BG" sz="3000" dirty="0"/>
-              <a:t>Добавяме</a:t>
-            </a:r>
-            <a:r>
-              <a:rPr lang="en-US" sz="3000" dirty="0"/>
+              <a:rPr lang="bg-BG" sz="3400" b="1" dirty="0"/>
+              <a:t>колоните</a:t>
+            </a:r>
+            <a:endParaRPr lang="en-US" sz="3400" b="1" dirty="0"/>
+          </a:p>
+          <a:p>
+            <a:pPr lvl="1">
+              <a:tabLst>
+                <a:tab pos="5991225" algn="l"/>
+              </a:tabLst>
+            </a:pPr>
+            <a:r>
+              <a:rPr lang="en-US" sz="3200" b="1" dirty="0"/>
+              <a:t>Id </a:t>
+            </a:r>
+            <a:r>
+              <a:rPr lang="en-US" sz="3200" dirty="0"/>
+              <a:t>→ </a:t>
+            </a:r>
+            <a:r>
+              <a:rPr lang="en-US" sz="3200" b="1" dirty="0"/>
+              <a:t>40</a:t>
+            </a:r>
+          </a:p>
+          <a:p>
+            <a:pPr lvl="1">
+              <a:tabLst>
+                <a:tab pos="5991225" algn="l"/>
+              </a:tabLst>
+            </a:pPr>
+            <a:r>
+              <a:rPr lang="bg-BG" sz="3200" b="1" dirty="0"/>
+              <a:t>Име </a:t>
+            </a:r>
+            <a:r>
+              <a:rPr lang="en-US" sz="3200" dirty="0"/>
+              <a:t>→</a:t>
+            </a:r>
+            <a:r>
+              <a:rPr lang="bg-BG" sz="3200" dirty="0"/>
               <a:t> </a:t>
             </a:r>
             <a:r>
-              <a:rPr lang="en-US" sz="3000" b="1" dirty="0">
-                <a:latin typeface="Consolas" panose="020B0609020204030204" pitchFamily="49" charset="0"/>
-                <a:cs typeface="Consolas" panose="020B0609020204030204" pitchFamily="49" charset="0"/>
-              </a:rPr>
-              <a:t>private</a:t>
-            </a:r>
-            <a:r>
-              <a:rPr lang="bg-BG" sz="3000" dirty="0"/>
+              <a:rPr lang="bg-BG" sz="3200" b="1" dirty="0"/>
+              <a:t>100</a:t>
+            </a:r>
+          </a:p>
+          <a:p>
+            <a:pPr lvl="1">
+              <a:tabLst>
+                <a:tab pos="5991225" algn="l"/>
+              </a:tabLst>
+            </a:pPr>
+            <a:r>
+              <a:rPr lang="bg-BG" sz="3200" b="1" dirty="0"/>
+              <a:t>Категория </a:t>
+            </a:r>
+            <a:r>
+              <a:rPr lang="en-US" sz="3200" dirty="0"/>
+              <a:t>→</a:t>
+            </a:r>
+            <a:r>
+              <a:rPr lang="bg-BG" sz="3200" dirty="0"/>
               <a:t> </a:t>
             </a:r>
             <a:r>
-              <a:rPr lang="bg-BG" sz="3000" b="1" dirty="0"/>
-              <a:t>поле</a:t>
-            </a:r>
-            <a:r>
-              <a:rPr lang="bg-BG" sz="3000" dirty="0"/>
-              <a:t> за </a:t>
-            </a:r>
-            <a:r>
-              <a:rPr lang="en-US" sz="3000" b="1" dirty="0">
-                <a:solidFill>
-                  <a:schemeClr val="bg1"/>
-                </a:solidFill>
-                <a:latin typeface="Consolas" panose="020B0609020204030204" pitchFamily="49" charset="0"/>
-                <a:cs typeface="Consolas" panose="020B0609020204030204" pitchFamily="49" charset="0"/>
-              </a:rPr>
-              <a:t>DbContext</a:t>
-            </a:r>
-          </a:p>
-          <a:p>
-            <a:endParaRPr lang="en-US" dirty="0"/>
-          </a:p>
-          <a:p>
-            <a:r>
-              <a:rPr lang="bg-BG" sz="3000" dirty="0"/>
-              <a:t>Пренаписваме </a:t>
-            </a:r>
-            <a:r>
-              <a:rPr lang="en-US" sz="3000" dirty="0"/>
-              <a:t>(</a:t>
-            </a:r>
-            <a:r>
-              <a:rPr lang="en-US" sz="3000" b="1" dirty="0"/>
-              <a:t>override-</a:t>
-            </a:r>
-            <a:r>
-              <a:rPr lang="bg-BG" sz="3000" dirty="0"/>
-              <a:t>ваме</a:t>
-            </a:r>
-            <a:r>
-              <a:rPr lang="en-US" sz="3000" dirty="0"/>
-              <a:t>)</a:t>
-            </a:r>
-            <a:r>
-              <a:rPr lang="bg-BG" sz="3000" dirty="0"/>
-              <a:t> методите </a:t>
-            </a:r>
-            <a:r>
-              <a:rPr lang="en-US" sz="3000" b="1" dirty="0">
-                <a:solidFill>
-                  <a:schemeClr val="bg1"/>
-                </a:solidFill>
-                <a:latin typeface="Consolas" panose="020B0609020204030204" pitchFamily="49" charset="0"/>
-                <a:cs typeface="Consolas" panose="020B0609020204030204" pitchFamily="49" charset="0"/>
-              </a:rPr>
-              <a:t>OnLoad()</a:t>
-            </a:r>
-            <a:r>
-              <a:rPr lang="bg-BG" sz="3000" dirty="0"/>
-              <a:t> и </a:t>
-            </a:r>
-            <a:r>
-              <a:rPr lang="en-US" sz="3000" b="1" dirty="0">
-                <a:solidFill>
-                  <a:schemeClr val="bg1"/>
-                </a:solidFill>
-                <a:latin typeface="Consolas" panose="020B0609020204030204" pitchFamily="49" charset="0"/>
-                <a:cs typeface="Consolas" panose="020B0609020204030204" pitchFamily="49" charset="0"/>
-              </a:rPr>
-              <a:t>OnClosing()</a:t>
-            </a:r>
-          </a:p>
-          <a:p>
-            <a:endParaRPr lang="bg-BG" dirty="0"/>
+              <a:rPr lang="bg-BG" sz="3200" b="1" dirty="0"/>
+              <a:t>100</a:t>
+            </a:r>
           </a:p>
           <a:p>
             <a:endParaRPr lang="bg-BG" dirty="0"/>
@@ -18568,6 +19428,48 @@
           </a:p>
         </p:txBody>
       </p:sp>
+      <p:pic>
+        <p:nvPicPr>
+          <p:cNvPr id="21" name="Picture 20">
+            <a:extLst>
+              <a:ext uri="{FF2B5EF4-FFF2-40B4-BE49-F238E27FC236}">
+                <a16:creationId xmlns:a16="http://schemas.microsoft.com/office/drawing/2014/main" id="{E6EA1395-2FD6-A750-9307-84FE7F706C60}"/>
+              </a:ext>
+            </a:extLst>
+          </p:cNvPr>
+          <p:cNvPicPr>
+            <a:picLocks noChangeAspect="1"/>
+          </p:cNvPicPr>
+          <p:nvPr/>
+        </p:nvPicPr>
+        <p:blipFill>
+          <a:blip r:embed="rId2">
+            <a:extLst>
+              <a:ext uri="{28A0092B-C50C-407E-A947-70E740481C1C}">
+                <a14:useLocalDpi xmlns:a14="http://schemas.microsoft.com/office/drawing/2010/main" val="0"/>
+              </a:ext>
+            </a:extLst>
+          </a:blip>
+          <a:srcRect/>
+          <a:stretch/>
+        </p:blipFill>
+        <p:spPr>
+          <a:xfrm>
+            <a:off x="5648400" y="1972800"/>
+            <a:ext cx="6093787" cy="4042708"/>
+          </a:xfrm>
+          <a:prstGeom prst="rect">
+            <a:avLst/>
+          </a:prstGeom>
+          <a:ln>
+            <a:solidFill>
+              <a:schemeClr val="bg2">
+                <a:lumMod val="75000"/>
+              </a:schemeClr>
+            </a:solidFill>
+          </a:ln>
+        </p:spPr>
+      </p:pic>
       <p:sp>
         <p:nvSpPr>
           <p:cNvPr id="4" name="Title 3">
@@ -18591,83 +19493,22 @@
           <a:p>
             <a:r>
               <a:rPr lang="bg-BG" dirty="0"/>
-              <a:t>Свързване с </a:t>
+              <a:t>Настройки на контролата</a:t>
             </a:r>
             <a:r>
               <a:rPr lang="en-US" dirty="0"/>
-              <a:t>EF Core</a:t>
+              <a:t> (2)</a:t>
             </a:r>
             <a:endParaRPr lang="en-BG" dirty="0"/>
-          </a:p>
-        </p:txBody>
-      </p:sp>
-      <p:sp>
-        <p:nvSpPr>
-          <p:cNvPr id="8" name="Text Placeholder 4">
-            <a:extLst>
-              <a:ext uri="{FF2B5EF4-FFF2-40B4-BE49-F238E27FC236}">
-                <a16:creationId xmlns:a16="http://schemas.microsoft.com/office/drawing/2014/main" id="{A75336D9-1A18-7285-174D-DC094A474A5C}"/>
-              </a:ext>
-            </a:extLst>
-          </p:cNvPr>
-          <p:cNvSpPr txBox="1">
-            <a:spLocks/>
-          </p:cNvSpPr>
-          <p:nvPr/>
-        </p:nvSpPr>
-        <p:spPr>
-          <a:xfrm>
-            <a:off x="669137" y="3213556"/>
-            <a:ext cx="11083893" cy="430887"/>
-          </a:xfrm>
-          <a:prstGeom prst="rect">
-            <a:avLst/>
-          </a:prstGeom>
-          <a:solidFill>
-            <a:schemeClr val="accent5">
-              <a:lumMod val="40000"/>
-              <a:lumOff val="60000"/>
-              <a:alpha val="15000"/>
-            </a:schemeClr>
-          </a:solidFill>
-          <a:ln w="12700">
-            <a:solidFill>
-              <a:schemeClr val="accent5">
-                <a:lumMod val="60000"/>
-                <a:lumOff val="40000"/>
-              </a:schemeClr>
-            </a:solidFill>
-          </a:ln>
-        </p:spPr>
-        <p:txBody>
-          <a:bodyPr wrap="square">
-            <a:spAutoFit/>
-          </a:bodyPr>
-          <a:lstStyle/>
-          <a:p>
-            <a:r>
-              <a:rPr lang="en-US" sz="2200" b="1" dirty="0">
-                <a:latin typeface="Consolas" panose="020B0609020204030204" pitchFamily="49" charset="0"/>
-                <a:cs typeface="Consolas" panose="020B0609020204030204" pitchFamily="49" charset="0"/>
-              </a:rPr>
-              <a:t>private </a:t>
-            </a:r>
-            <a:r>
-              <a:rPr lang="en-GB" sz="2200" b="1" dirty="0">
-                <a:latin typeface="Consolas" panose="020B0609020204030204" pitchFamily="49" charset="0"/>
-                <a:cs typeface="Consolas" panose="020B0609020204030204" pitchFamily="49" charset="0"/>
-              </a:rPr>
-              <a:t>StoreDbContext? dbContext;</a:t>
-            </a:r>
           </a:p>
         </p:txBody>
       </p:sp>
       <p:pic>
         <p:nvPicPr>
-          <p:cNvPr id="11" name="Picture 10">
+          <p:cNvPr id="17" name="Picture 16">
             <a:extLst>
               <a:ext uri="{FF2B5EF4-FFF2-40B4-BE49-F238E27FC236}">
-                <a16:creationId xmlns:a16="http://schemas.microsoft.com/office/drawing/2014/main" id="{75B98DEF-3747-3C37-7A1B-9A350C492B65}"/>
+                <a16:creationId xmlns:a16="http://schemas.microsoft.com/office/drawing/2014/main" id="{6579E814-AD50-8F65-9439-F958F49C6271}"/>
               </a:ext>
             </a:extLst>
           </p:cNvPr>
@@ -18677,7 +19518,7 @@
           <p:nvPr/>
         </p:nvPicPr>
         <p:blipFill>
-          <a:blip r:embed="rId2">
+          <a:blip r:embed="rId3">
             <a:extLst>
               <a:ext uri="{28A0092B-C50C-407E-A947-70E740481C1C}">
                 <a14:useLocalDpi xmlns:a14="http://schemas.microsoft.com/office/drawing/2010/main" val="0"/>
@@ -18690,8 +19531,51 @@
         </p:blipFill>
         <p:spPr>
           <a:xfrm>
-            <a:off x="669137" y="4597754"/>
-            <a:ext cx="7653357" cy="1199026"/>
+            <a:off x="5648400" y="1972800"/>
+            <a:ext cx="6119900" cy="4042708"/>
+          </a:xfrm>
+          <a:prstGeom prst="rect">
+            <a:avLst/>
+          </a:prstGeom>
+          <a:ln>
+            <a:solidFill>
+              <a:schemeClr val="bg2">
+                <a:lumMod val="75000"/>
+              </a:schemeClr>
+            </a:solidFill>
+          </a:ln>
+        </p:spPr>
+      </p:pic>
+      <p:pic>
+        <p:nvPicPr>
+          <p:cNvPr id="19" name="Picture 18">
+            <a:extLst>
+              <a:ext uri="{FF2B5EF4-FFF2-40B4-BE49-F238E27FC236}">
+                <a16:creationId xmlns:a16="http://schemas.microsoft.com/office/drawing/2014/main" id="{43EC1296-51E4-7047-B18F-5BE100A2D3B2}"/>
+              </a:ext>
+            </a:extLst>
+          </p:cNvPr>
+          <p:cNvPicPr>
+            <a:picLocks noChangeAspect="1"/>
+          </p:cNvPicPr>
+          <p:nvPr/>
+        </p:nvPicPr>
+        <p:blipFill>
+          <a:blip r:embed="rId4">
+            <a:extLst>
+              <a:ext uri="{28A0092B-C50C-407E-A947-70E740481C1C}">
+                <a14:useLocalDpi xmlns:a14="http://schemas.microsoft.com/office/drawing/2010/main" val="0"/>
+              </a:ext>
+            </a:extLst>
+          </a:blip>
+          <a:stretch>
+            <a:fillRect/>
+          </a:stretch>
+        </p:blipFill>
+        <p:spPr>
+          <a:xfrm>
+            <a:off x="5648400" y="1972800"/>
+            <a:ext cx="6119900" cy="4042708"/>
           </a:xfrm>
           <a:prstGeom prst="rect">
             <a:avLst/>
@@ -18708,7 +19592,7 @@
     </p:spTree>
     <p:extLst>
       <p:ext uri="{BB962C8B-B14F-4D97-AF65-F5344CB8AC3E}">
-        <p14:creationId xmlns:p14="http://schemas.microsoft.com/office/powerpoint/2010/main" val="3856985816"/>
+        <p14:creationId xmlns:p14="http://schemas.microsoft.com/office/powerpoint/2010/main" val="3246175819"/>
       </p:ext>
     </p:extLst>
   </p:cSld>
@@ -18808,6 +19692,33 @@
                                   </p:childTnLst>
                                 </p:cTn>
                               </p:par>
+                              <p:par>
+                                <p:cTn id="9" presetID="1" presetClass="entr" presetSubtype="0" fill="hold" nodeType="withEffect">
+                                  <p:stCondLst>
+                                    <p:cond delay="0"/>
+                                  </p:stCondLst>
+                                  <p:childTnLst>
+                                    <p:set>
+                                      <p:cBhvr>
+                                        <p:cTn id="10" dur="1" fill="hold">
+                                          <p:stCondLst>
+                                            <p:cond delay="0"/>
+                                          </p:stCondLst>
+                                        </p:cTn>
+                                        <p:tgtEl>
+                                          <p:spTgt spid="21"/>
+                                        </p:tgtEl>
+                                        <p:attrNameLst>
+                                          <p:attrName>style.visibility</p:attrName>
+                                        </p:attrNameLst>
+                                      </p:cBhvr>
+                                      <p:to>
+                                        <p:strVal val="visible"/>
+                                      </p:to>
+                                    </p:set>
+                                  </p:childTnLst>
+                                </p:cTn>
+                              </p:par>
                             </p:childTnLst>
                           </p:cTn>
                         </p:par>
@@ -18815,26 +19726,26 @@
                     </p:cTn>
                   </p:par>
                   <p:par>
-                    <p:cTn id="9" fill="hold">
+                    <p:cTn id="11" fill="hold">
                       <p:stCondLst>
                         <p:cond delay="indefinite"/>
                       </p:stCondLst>
                       <p:childTnLst>
                         <p:par>
-                          <p:cTn id="10" fill="hold">
+                          <p:cTn id="12" fill="hold">
                             <p:stCondLst>
                               <p:cond delay="0"/>
                             </p:stCondLst>
                             <p:childTnLst>
                               <p:par>
-                                <p:cTn id="11" presetID="1" presetClass="entr" presetSubtype="0" fill="hold" nodeType="clickEffect">
+                                <p:cTn id="13" presetID="1" presetClass="entr" presetSubtype="0" fill="hold" nodeType="clickEffect">
                                   <p:stCondLst>
                                     <p:cond delay="0"/>
                                   </p:stCondLst>
                                   <p:childTnLst>
                                     <p:set>
                                       <p:cBhvr>
-                                        <p:cTn id="12" dur="1" fill="hold">
+                                        <p:cTn id="14" dur="1" fill="hold">
                                           <p:stCondLst>
                                             <p:cond delay="0"/>
                                           </p:stCondLst>
@@ -18858,20 +19769,20 @@
                                 </p:cTn>
                               </p:par>
                               <p:par>
-                                <p:cTn id="13" presetID="1" presetClass="entr" presetSubtype="0" fill="hold" grpId="0" nodeType="withEffect">
+                                <p:cTn id="15" presetID="1" presetClass="entr" presetSubtype="0" fill="hold" nodeType="withEffect">
                                   <p:stCondLst>
                                     <p:cond delay="0"/>
                                   </p:stCondLst>
                                   <p:childTnLst>
                                     <p:set>
                                       <p:cBhvr>
-                                        <p:cTn id="14" dur="1" fill="hold">
+                                        <p:cTn id="16" dur="1" fill="hold">
                                           <p:stCondLst>
                                             <p:cond delay="0"/>
                                           </p:stCondLst>
                                         </p:cTn>
                                         <p:tgtEl>
-                                          <p:spTgt spid="8"/>
+                                          <p:spTgt spid="17"/>
                                         </p:tgtEl>
                                         <p:attrNameLst>
                                           <p:attrName>style.visibility</p:attrName>
@@ -18891,26 +19802,26 @@
                     </p:cTn>
                   </p:par>
                   <p:par>
-                    <p:cTn id="15" fill="hold">
+                    <p:cTn id="17" fill="hold">
                       <p:stCondLst>
                         <p:cond delay="indefinite"/>
                       </p:stCondLst>
                       <p:childTnLst>
                         <p:par>
-                          <p:cTn id="16" fill="hold">
+                          <p:cTn id="18" fill="hold">
                             <p:stCondLst>
                               <p:cond delay="0"/>
                             </p:stCondLst>
                             <p:childTnLst>
                               <p:par>
-                                <p:cTn id="17" presetID="1" presetClass="entr" presetSubtype="0" fill="hold" nodeType="clickEffect">
+                                <p:cTn id="19" presetID="1" presetClass="entr" presetSubtype="0" fill="hold" nodeType="clickEffect">
                                   <p:stCondLst>
                                     <p:cond delay="0"/>
                                   </p:stCondLst>
                                   <p:childTnLst>
                                     <p:set>
                                       <p:cBhvr>
-                                        <p:cTn id="18" dur="1" fill="hold">
+                                        <p:cTn id="20" dur="1" fill="hold">
                                           <p:stCondLst>
                                             <p:cond delay="0"/>
                                           </p:stCondLst>
@@ -18918,7 +19829,7 @@
                                         <p:tgtEl>
                                           <p:spTgt spid="3">
                                             <p:txEl>
-                                              <p:pRg st="4" end="4"/>
+                                              <p:pRg st="3" end="3"/>
                                             </p:txEl>
                                           </p:spTgt>
                                         </p:tgtEl>
@@ -18934,20 +19845,20 @@
                                 </p:cTn>
                               </p:par>
                               <p:par>
-                                <p:cTn id="19" presetID="1" presetClass="entr" presetSubtype="0" fill="hold" nodeType="withEffect">
+                                <p:cTn id="21" presetID="1" presetClass="entr" presetSubtype="0" fill="hold" nodeType="withEffect">
                                   <p:stCondLst>
                                     <p:cond delay="0"/>
                                   </p:stCondLst>
                                   <p:childTnLst>
                                     <p:set>
                                       <p:cBhvr>
-                                        <p:cTn id="20" dur="1" fill="hold">
+                                        <p:cTn id="22" dur="1" fill="hold">
                                           <p:stCondLst>
                                             <p:cond delay="0"/>
                                           </p:stCondLst>
                                         </p:cTn>
                                         <p:tgtEl>
-                                          <p:spTgt spid="11"/>
+                                          <p:spTgt spid="19"/>
                                         </p:tgtEl>
                                         <p:attrNameLst>
                                           <p:attrName>style.visibility</p:attrName>
@@ -18987,14 +19898,11 @@
         </p:cTn>
       </p:par>
     </p:tnLst>
-    <p:bldLst>
-      <p:bldP spid="8" grpId="0" animBg="1"/>
-    </p:bldLst>
   </p:timing>
 </p:sld>
 </file>
 
-<file path=ppt/slides/slide26.xml><?xml version="1.0" encoding="utf-8"?>
+<file path=ppt/slides/slide28.xml><?xml version="1.0" encoding="utf-8"?>
 <p:sld xmlns:a="http://schemas.openxmlformats.org/drawingml/2006/main" xmlns:r="http://schemas.openxmlformats.org/officeDocument/2006/relationships" xmlns:p="http://schemas.openxmlformats.org/presentationml/2006/main">
   <p:cSld>
     <p:spTree>
@@ -19035,7 +19943,7 @@
             <a:fld id="{2BF067CD-8E6B-4360-9AA8-C5DF2A48A6D1}" type="slidenum">
               <a:rPr lang="en-US" noProof="0" smtClean="0"/>
               <a:pPr/>
-              <a:t>26</a:t>
+              <a:t>28</a:t>
             </a:fld>
             <a:endParaRPr lang="en-US" noProof="0" dirty="0"/>
           </a:p>
@@ -19062,16 +19970,77 @@
           <a:bodyPr/>
           <a:lstStyle/>
           <a:p>
+            <a:r>
+              <a:rPr lang="bg-BG" sz="3000" dirty="0"/>
+              <a:t>Добавяме </a:t>
+            </a:r>
+            <a:r>
+              <a:rPr lang="bg-BG" sz="3000" b="1" dirty="0">
+                <a:solidFill>
+                  <a:schemeClr val="bg1"/>
+                </a:solidFill>
+              </a:rPr>
+              <a:t>метод-обработчик</a:t>
+            </a:r>
+            <a:r>
+              <a:rPr lang="bg-BG" sz="3000" dirty="0"/>
+              <a:t> на </a:t>
+            </a:r>
+            <a:r>
+              <a:rPr lang="bg-BG" sz="3000" b="1" dirty="0"/>
+              <a:t>формата</a:t>
+            </a:r>
+            <a:r>
+              <a:rPr lang="bg-BG" sz="3000" dirty="0"/>
+              <a:t> при свойството </a:t>
+            </a:r>
+            <a:r>
+              <a:rPr lang="en-US" sz="3000" b="1" dirty="0">
+                <a:solidFill>
+                  <a:schemeClr val="bg1"/>
+                </a:solidFill>
+                <a:latin typeface="Consolas" panose="020B0609020204030204" pitchFamily="49" charset="0"/>
+                <a:cs typeface="Consolas" panose="020B0609020204030204" pitchFamily="49" charset="0"/>
+              </a:rPr>
+              <a:t>Load</a:t>
+            </a:r>
+          </a:p>
+          <a:p>
             <a:endParaRPr lang="en-US" dirty="0"/>
           </a:p>
           <a:p>
+            <a:pPr marL="0" indent="0">
+              <a:buNone/>
+            </a:pPr>
             <a:endParaRPr lang="bg-BG" dirty="0"/>
           </a:p>
           <a:p>
+            <a:pPr marL="0" indent="0">
+              <a:buNone/>
+            </a:pPr>
             <a:endParaRPr lang="bg-BG" dirty="0"/>
           </a:p>
           <a:p>
-            <a:endParaRPr lang="bg-BG" dirty="0"/>
+            <a:r>
+              <a:rPr lang="bg-BG" sz="3000" dirty="0"/>
+              <a:t>Зареждаме </a:t>
+            </a:r>
+            <a:r>
+              <a:rPr lang="bg-BG" sz="3000" b="1" dirty="0">
+                <a:solidFill>
+                  <a:schemeClr val="bg1"/>
+                </a:solidFill>
+              </a:rPr>
+              <a:t>продуктите</a:t>
+            </a:r>
+            <a:r>
+              <a:rPr lang="bg-BG" sz="3000" dirty="0"/>
+              <a:t> от </a:t>
+            </a:r>
+            <a:r>
+              <a:rPr lang="bg-BG" sz="3000" b="1" dirty="0"/>
+              <a:t>БД</a:t>
+            </a:r>
           </a:p>
           <a:p>
             <a:endParaRPr lang="en-BG" dirty="0"/>
@@ -19101,22 +20070,65 @@
           <a:p>
             <a:r>
               <a:rPr lang="bg-BG" dirty="0"/>
-              <a:t>Методът </a:t>
+              <a:t>Зареждане на данни от БД </a:t>
             </a:r>
             <a:r>
               <a:rPr lang="en-US" dirty="0"/>
-              <a:t>OnLoad() (1)</a:t>
+              <a:t>(1)</a:t>
             </a:r>
             <a:endParaRPr lang="en-BG" dirty="0"/>
           </a:p>
         </p:txBody>
       </p:sp>
+      <p:pic>
+        <p:nvPicPr>
+          <p:cNvPr id="6" name="Picture 5">
+            <a:extLst>
+              <a:ext uri="{FF2B5EF4-FFF2-40B4-BE49-F238E27FC236}">
+                <a16:creationId xmlns:a16="http://schemas.microsoft.com/office/drawing/2014/main" id="{A984BF3B-7DF7-9819-B720-E32767DD3263}"/>
+              </a:ext>
+            </a:extLst>
+          </p:cNvPr>
+          <p:cNvPicPr>
+            <a:picLocks noChangeAspect="1"/>
+          </p:cNvPicPr>
+          <p:nvPr/>
+        </p:nvPicPr>
+        <p:blipFill>
+          <a:blip r:embed="rId2">
+            <a:extLst>
+              <a:ext uri="{28A0092B-C50C-407E-A947-70E740481C1C}">
+                <a14:useLocalDpi xmlns:a14="http://schemas.microsoft.com/office/drawing/2010/main" val="0"/>
+              </a:ext>
+            </a:extLst>
+          </a:blip>
+          <a:stretch>
+            <a:fillRect/>
+          </a:stretch>
+        </p:blipFill>
+        <p:spPr>
+          <a:xfrm>
+            <a:off x="606000" y="1944000"/>
+            <a:ext cx="4128000" cy="1800000"/>
+          </a:xfrm>
+          <a:prstGeom prst="rect">
+            <a:avLst/>
+          </a:prstGeom>
+          <a:ln>
+            <a:solidFill>
+              <a:schemeClr val="bg2">
+                <a:lumMod val="75000"/>
+              </a:schemeClr>
+            </a:solidFill>
+          </a:ln>
+        </p:spPr>
+      </p:pic>
       <p:sp>
         <p:nvSpPr>
-          <p:cNvPr id="6" name="Text Placeholder 2">
+          <p:cNvPr id="9" name="Text Placeholder 4">
             <a:extLst>
               <a:ext uri="{FF2B5EF4-FFF2-40B4-BE49-F238E27FC236}">
-                <a16:creationId xmlns:a16="http://schemas.microsoft.com/office/drawing/2014/main" id="{B5CF1146-B365-3838-060B-769E324726FF}"/>
+                <a16:creationId xmlns:a16="http://schemas.microsoft.com/office/drawing/2014/main" id="{2433A25A-70EB-0A45-5167-A7069EB06D9D}"/>
               </a:ext>
             </a:extLst>
           </p:cNvPr>
@@ -19127,362 +20139,8 @@
         </p:nvSpPr>
         <p:spPr>
           <a:xfrm>
-            <a:off x="190402" y="1196125"/>
-            <a:ext cx="11818096" cy="5528766"/>
-          </a:xfrm>
-          <a:prstGeom prst="rect">
-            <a:avLst/>
-          </a:prstGeom>
-        </p:spPr>
-        <p:txBody>
-          <a:bodyPr vert="horz" lIns="108000" tIns="36000" rIns="108000" bIns="36000" rtlCol="0">
-            <a:normAutofit/>
-          </a:bodyPr>
-          <a:lstStyle>
-            <a:lvl1pPr marL="360363" indent="-360363" algn="l" defTabSz="1218438" rtl="0" eaLnBrk="1" latinLnBrk="0" hangingPunct="1">
-              <a:lnSpc>
-                <a:spcPct val="105000"/>
-              </a:lnSpc>
-              <a:spcBef>
-                <a:spcPts val="600"/>
-              </a:spcBef>
-              <a:spcAft>
-                <a:spcPts val="600"/>
-              </a:spcAft>
-              <a:buClr>
-                <a:schemeClr val="tx1"/>
-              </a:buClr>
-              <a:buFont typeface="Wingdings" panose="05000000000000000000" pitchFamily="2" charset="2"/>
-              <a:buChar char="§"/>
-              <a:defRPr sz="3398" kern="1200">
-                <a:solidFill>
-                  <a:schemeClr val="tx1"/>
-                </a:solidFill>
-                <a:latin typeface="+mn-lt"/>
-                <a:ea typeface="+mn-ea"/>
-                <a:cs typeface="+mn-cs"/>
-              </a:defRPr>
-            </a:lvl1pPr>
-            <a:lvl2pPr marL="803275" indent="-360363" algn="l" defTabSz="1218438" rtl="0" eaLnBrk="1" latinLnBrk="0" hangingPunct="1">
-              <a:lnSpc>
-                <a:spcPct val="105000"/>
-              </a:lnSpc>
-              <a:spcBef>
-                <a:spcPts val="600"/>
-              </a:spcBef>
-              <a:spcAft>
-                <a:spcPts val="600"/>
-              </a:spcAft>
-              <a:buClr>
-                <a:schemeClr val="tx1"/>
-              </a:buClr>
-              <a:buFont typeface="Wingdings" panose="05000000000000000000" pitchFamily="2" charset="2"/>
-              <a:buChar char="§"/>
-              <a:defRPr sz="3198" kern="1200">
-                <a:solidFill>
-                  <a:schemeClr val="tx1"/>
-                </a:solidFill>
-                <a:latin typeface="+mn-lt"/>
-                <a:ea typeface="+mn-ea"/>
-                <a:cs typeface="+mn-cs"/>
-              </a:defRPr>
-            </a:lvl2pPr>
-            <a:lvl3pPr marL="1255713" indent="-360363" algn="l" defTabSz="1218438" rtl="0" eaLnBrk="1" latinLnBrk="0" hangingPunct="1">
-              <a:lnSpc>
-                <a:spcPct val="105000"/>
-              </a:lnSpc>
-              <a:spcBef>
-                <a:spcPts val="600"/>
-              </a:spcBef>
-              <a:spcAft>
-                <a:spcPts val="600"/>
-              </a:spcAft>
-              <a:buClr>
-                <a:schemeClr val="tx1"/>
-              </a:buClr>
-              <a:buFont typeface="Wingdings" panose="05000000000000000000" pitchFamily="2" charset="2"/>
-              <a:buChar char="§"/>
-              <a:defRPr sz="2998" kern="1200">
-                <a:solidFill>
-                  <a:schemeClr val="tx1"/>
-                </a:solidFill>
-                <a:latin typeface="+mn-lt"/>
-                <a:ea typeface="+mn-ea"/>
-                <a:cs typeface="+mn-cs"/>
-              </a:defRPr>
-            </a:lvl3pPr>
-            <a:lvl4pPr marL="1700213" indent="-352425" algn="l" defTabSz="1218438" rtl="0" eaLnBrk="1" latinLnBrk="0" hangingPunct="1">
-              <a:lnSpc>
-                <a:spcPct val="105000"/>
-              </a:lnSpc>
-              <a:spcBef>
-                <a:spcPts val="600"/>
-              </a:spcBef>
-              <a:spcAft>
-                <a:spcPts val="600"/>
-              </a:spcAft>
-              <a:buClr>
-                <a:schemeClr val="tx1"/>
-              </a:buClr>
-              <a:buFont typeface="Wingdings" panose="05000000000000000000" pitchFamily="2" charset="2"/>
-              <a:buChar char="§"/>
-              <a:defRPr sz="2798" kern="1200">
-                <a:solidFill>
-                  <a:schemeClr val="tx1"/>
-                </a:solidFill>
-                <a:latin typeface="+mn-lt"/>
-                <a:ea typeface="+mn-ea"/>
-                <a:cs typeface="+mn-cs"/>
-              </a:defRPr>
-            </a:lvl4pPr>
-            <a:lvl5pPr marL="2058988" indent="-266700" algn="l" defTabSz="1218438" rtl="0" eaLnBrk="1" latinLnBrk="0" hangingPunct="1">
-              <a:lnSpc>
-                <a:spcPct val="105000"/>
-              </a:lnSpc>
-              <a:spcBef>
-                <a:spcPts val="600"/>
-              </a:spcBef>
-              <a:spcAft>
-                <a:spcPts val="600"/>
-              </a:spcAft>
-              <a:buClr>
-                <a:schemeClr val="tx1"/>
-              </a:buClr>
-              <a:buFont typeface="Wingdings" panose="05000000000000000000" pitchFamily="2" charset="2"/>
-              <a:buChar char="§"/>
-              <a:defRPr sz="2598" kern="1200">
-                <a:solidFill>
-                  <a:schemeClr val="tx1"/>
-                </a:solidFill>
-                <a:latin typeface="+mn-lt"/>
-                <a:ea typeface="+mn-ea"/>
-                <a:cs typeface="+mn-cs"/>
-              </a:defRPr>
-            </a:lvl5pPr>
-            <a:lvl6pPr marL="3350704" indent="-304610" algn="l" defTabSz="1218438" rtl="0" eaLnBrk="1" latinLnBrk="1" hangingPunct="1">
-              <a:spcBef>
-                <a:spcPct val="20000"/>
-              </a:spcBef>
-              <a:buFont typeface="Arial" pitchFamily="34" charset="0"/>
-              <a:buChar char="•"/>
-              <a:defRPr sz="2665" kern="1200">
-                <a:solidFill>
-                  <a:schemeClr val="tx1"/>
-                </a:solidFill>
-                <a:latin typeface="+mn-lt"/>
-                <a:ea typeface="+mn-ea"/>
-                <a:cs typeface="+mn-cs"/>
-              </a:defRPr>
-            </a:lvl6pPr>
-            <a:lvl7pPr marL="3959924" indent="-304610" algn="l" defTabSz="1218438" rtl="0" eaLnBrk="1" latinLnBrk="1" hangingPunct="1">
-              <a:spcBef>
-                <a:spcPct val="20000"/>
-              </a:spcBef>
-              <a:buFont typeface="Arial" pitchFamily="34" charset="0"/>
-              <a:buChar char="•"/>
-              <a:defRPr sz="2665" kern="1200">
-                <a:solidFill>
-                  <a:schemeClr val="tx1"/>
-                </a:solidFill>
-                <a:latin typeface="+mn-lt"/>
-                <a:ea typeface="+mn-ea"/>
-                <a:cs typeface="+mn-cs"/>
-              </a:defRPr>
-            </a:lvl7pPr>
-            <a:lvl8pPr marL="4569143" indent="-304610" algn="l" defTabSz="1218438" rtl="0" eaLnBrk="1" latinLnBrk="1" hangingPunct="1">
-              <a:spcBef>
-                <a:spcPct val="20000"/>
-              </a:spcBef>
-              <a:buFont typeface="Arial" pitchFamily="34" charset="0"/>
-              <a:buChar char="•"/>
-              <a:defRPr sz="2665" kern="1200">
-                <a:solidFill>
-                  <a:schemeClr val="tx1"/>
-                </a:solidFill>
-                <a:latin typeface="+mn-lt"/>
-                <a:ea typeface="+mn-ea"/>
-                <a:cs typeface="+mn-cs"/>
-              </a:defRPr>
-            </a:lvl8pPr>
-            <a:lvl9pPr marL="5178362" indent="-304610" algn="l" defTabSz="1218438" rtl="0" eaLnBrk="1" latinLnBrk="1" hangingPunct="1">
-              <a:spcBef>
-                <a:spcPct val="20000"/>
-              </a:spcBef>
-              <a:buFont typeface="Arial" pitchFamily="34" charset="0"/>
-              <a:buChar char="•"/>
-              <a:defRPr sz="2665" kern="1200">
-                <a:solidFill>
-                  <a:schemeClr val="tx1"/>
-                </a:solidFill>
-                <a:latin typeface="+mn-lt"/>
-                <a:ea typeface="+mn-ea"/>
-                <a:cs typeface="+mn-cs"/>
-              </a:defRPr>
-            </a:lvl9pPr>
-          </a:lstStyle>
-          <a:p>
-            <a:r>
-              <a:rPr lang="bg-BG" sz="3000" dirty="0"/>
-              <a:t>При </a:t>
-            </a:r>
-            <a:r>
-              <a:rPr lang="bg-BG" sz="3000" b="1" dirty="0"/>
-              <a:t>зареждането</a:t>
-            </a:r>
-            <a:r>
-              <a:rPr lang="bg-BG" sz="3000" dirty="0"/>
-              <a:t> на </a:t>
-            </a:r>
-            <a:r>
-              <a:rPr lang="bg-BG" sz="3000" b="1" dirty="0"/>
-              <a:t>формата</a:t>
-            </a:r>
-            <a:r>
-              <a:rPr lang="bg-BG" sz="3000" dirty="0"/>
-              <a:t> се извиква </a:t>
-            </a:r>
-            <a:r>
-              <a:rPr lang="bg-BG" sz="3000" b="1" dirty="0"/>
-              <a:t>методът</a:t>
-            </a:r>
-            <a:r>
-              <a:rPr lang="bg-BG" sz="3000" dirty="0"/>
-              <a:t> </a:t>
-            </a:r>
-            <a:r>
-              <a:rPr lang="en-US" sz="3000" b="1" dirty="0">
-                <a:solidFill>
-                  <a:schemeClr val="bg1"/>
-                </a:solidFill>
-                <a:latin typeface="Consolas" panose="020B0609020204030204" pitchFamily="49" charset="0"/>
-                <a:cs typeface="Consolas" panose="020B0609020204030204" pitchFamily="49" charset="0"/>
-              </a:rPr>
-              <a:t>OnLoad()</a:t>
-            </a:r>
-          </a:p>
-          <a:p>
-            <a:pPr marL="0" indent="0">
-              <a:buNone/>
-            </a:pPr>
-            <a:endParaRPr lang="en-US" sz="2800" b="1" dirty="0">
-              <a:solidFill>
-                <a:schemeClr val="bg1"/>
-              </a:solidFill>
-              <a:latin typeface="Consolas" panose="020B0609020204030204" pitchFamily="49" charset="0"/>
-              <a:cs typeface="Consolas" panose="020B0609020204030204" pitchFamily="49" charset="0"/>
-            </a:endParaRPr>
-          </a:p>
-          <a:p>
-            <a:r>
-              <a:rPr lang="bg-BG" sz="3000" dirty="0"/>
-              <a:t>Създаваме </a:t>
-            </a:r>
-            <a:r>
-              <a:rPr lang="bg-BG" sz="3000" b="1" dirty="0">
-                <a:solidFill>
-                  <a:schemeClr val="bg1"/>
-                </a:solidFill>
-              </a:rPr>
-              <a:t>инстанция</a:t>
-            </a:r>
-            <a:r>
-              <a:rPr lang="bg-BG" sz="3000" dirty="0"/>
-              <a:t> на нашият </a:t>
-            </a:r>
-            <a:r>
-              <a:rPr lang="en-US" sz="3000" b="1" dirty="0">
-                <a:solidFill>
-                  <a:schemeClr val="bg1"/>
-                </a:solidFill>
-                <a:latin typeface="Consolas" panose="020B0609020204030204" pitchFamily="49" charset="0"/>
-                <a:cs typeface="Consolas" panose="020B0609020204030204" pitchFamily="49" charset="0"/>
-              </a:rPr>
-              <a:t>DbContext</a:t>
-            </a:r>
-            <a:endParaRPr lang="en-US" sz="2800" b="1" dirty="0">
-              <a:solidFill>
-                <a:schemeClr val="bg1"/>
-              </a:solidFill>
-              <a:latin typeface="Consolas" panose="020B0609020204030204" pitchFamily="49" charset="0"/>
-              <a:cs typeface="Consolas" panose="020B0609020204030204" pitchFamily="49" charset="0"/>
-            </a:endParaRPr>
-          </a:p>
-          <a:p>
-            <a:endParaRPr lang="en-US" sz="2800" b="1" dirty="0">
-              <a:solidFill>
-                <a:schemeClr val="bg1"/>
-              </a:solidFill>
-              <a:latin typeface="Consolas" panose="020B0609020204030204" pitchFamily="49" charset="0"/>
-              <a:cs typeface="Consolas" panose="020B0609020204030204" pitchFamily="49" charset="0"/>
-            </a:endParaRPr>
-          </a:p>
-          <a:p>
-            <a:r>
-              <a:rPr lang="bg-BG" sz="3000" dirty="0"/>
-              <a:t>Методът </a:t>
-            </a:r>
-            <a:r>
-              <a:rPr lang="en-US" sz="3000" b="1" dirty="0">
-                <a:solidFill>
-                  <a:schemeClr val="bg1"/>
-                </a:solidFill>
-                <a:latin typeface="Consolas" panose="020B0609020204030204" pitchFamily="49" charset="0"/>
-                <a:cs typeface="Consolas" panose="020B0609020204030204" pitchFamily="49" charset="0"/>
-              </a:rPr>
-              <a:t>EnsureCreated()</a:t>
-            </a:r>
-            <a:r>
-              <a:rPr lang="bg-BG" sz="3000" dirty="0"/>
-              <a:t> </a:t>
-            </a:r>
-            <a:r>
-              <a:rPr lang="bg-BG" sz="3000" b="1" dirty="0"/>
-              <a:t>проверява</a:t>
-            </a:r>
-            <a:r>
-              <a:rPr lang="bg-BG" sz="3000" dirty="0"/>
-              <a:t> дали има такава </a:t>
-            </a:r>
-            <a:r>
-              <a:rPr lang="bg-BG" sz="3000" b="1" dirty="0"/>
-              <a:t>БД</a:t>
-            </a:r>
-          </a:p>
-          <a:p>
-            <a:pPr lvl="1"/>
-            <a:r>
-              <a:rPr lang="bg-BG" sz="2800" dirty="0"/>
-              <a:t>Ако няма, създава </a:t>
-            </a:r>
-            <a:r>
-              <a:rPr lang="bg-BG" sz="2800" b="1" dirty="0"/>
-              <a:t>нова</a:t>
-            </a:r>
-            <a:endParaRPr lang="en-US" sz="2800" b="1" dirty="0"/>
-          </a:p>
-          <a:p>
-            <a:endParaRPr lang="en-BG" dirty="0"/>
-          </a:p>
-        </p:txBody>
-      </p:sp>
-      <p:sp>
-        <p:nvSpPr>
-          <p:cNvPr id="8" name="Text Placeholder 4">
-            <a:extLst>
-              <a:ext uri="{FF2B5EF4-FFF2-40B4-BE49-F238E27FC236}">
-                <a16:creationId xmlns:a16="http://schemas.microsoft.com/office/drawing/2014/main" id="{BE4DE903-B98D-64CB-13A3-C005968F8E39}"/>
-              </a:ext>
-            </a:extLst>
-          </p:cNvPr>
-          <p:cNvSpPr txBox="1">
-            <a:spLocks/>
-          </p:cNvSpPr>
-          <p:nvPr/>
-        </p:nvSpPr>
-        <p:spPr>
-          <a:xfrm>
-            <a:off x="674262" y="1902267"/>
-            <a:ext cx="2451738" cy="400110"/>
+            <a:off x="606000" y="4618050"/>
+            <a:ext cx="11147030" cy="2031325"/>
           </a:xfrm>
           <a:prstGeom prst="rect">
             <a:avLst/>
@@ -19509,132 +20167,83 @@
           </a:bodyPr>
           <a:lstStyle/>
           <a:p>
-            <a:pPr>
-              <a:lnSpc>
-                <a:spcPct val="100000"/>
-              </a:lnSpc>
-            </a:pPr>
-            <a:r>
-              <a:rPr lang="en-US" sz="2000" b="1" noProof="1">
+            <a:r>
+              <a:rPr lang="en-GB" b="1" dirty="0">
                 <a:latin typeface="Consolas" panose="020B0609020204030204" pitchFamily="49" charset="0"/>
+                <a:cs typeface="Consolas" panose="020B0609020204030204" pitchFamily="49" charset="0"/>
               </a:rPr>
-              <a:t>base.OnLoad(e);</a:t>
-            </a:r>
-          </a:p>
-        </p:txBody>
-      </p:sp>
-      <p:sp>
-        <p:nvSpPr>
-          <p:cNvPr id="9" name="Text Placeholder 4">
-            <a:extLst>
-              <a:ext uri="{FF2B5EF4-FFF2-40B4-BE49-F238E27FC236}">
-                <a16:creationId xmlns:a16="http://schemas.microsoft.com/office/drawing/2014/main" id="{D8DDF63C-77AE-EC59-FE3A-531C322B51A8}"/>
-              </a:ext>
-            </a:extLst>
-          </p:cNvPr>
-          <p:cNvSpPr txBox="1">
-            <a:spLocks/>
-          </p:cNvSpPr>
-          <p:nvPr/>
-        </p:nvSpPr>
-        <p:spPr>
-          <a:xfrm>
-            <a:off x="674262" y="3125593"/>
-            <a:ext cx="5601738" cy="400110"/>
-          </a:xfrm>
-          <a:prstGeom prst="rect">
-            <a:avLst/>
-          </a:prstGeom>
-          <a:solidFill>
-            <a:schemeClr val="accent5">
-              <a:lumMod val="40000"/>
-              <a:lumOff val="60000"/>
-              <a:alpha val="15000"/>
-            </a:schemeClr>
-          </a:solidFill>
-          <a:ln w="12700">
-            <a:solidFill>
-              <a:schemeClr val="accent5">
-                <a:lumMod val="60000"/>
-                <a:lumOff val="40000"/>
-              </a:schemeClr>
-            </a:solidFill>
-          </a:ln>
-        </p:spPr>
-        <p:txBody>
-          <a:bodyPr wrap="square">
-            <a:spAutoFit/>
-          </a:bodyPr>
-          <a:lstStyle/>
-          <a:p>
-            <a:pPr>
-              <a:lnSpc>
-                <a:spcPct val="100000"/>
-              </a:lnSpc>
-            </a:pPr>
-            <a:r>
-              <a:rPr lang="en-US" sz="2000" b="1" noProof="1">
+              <a:t>private Product[] LoadProductsFromDb()</a:t>
+            </a:r>
+          </a:p>
+          <a:p>
+            <a:r>
+              <a:rPr lang="en-GB" b="1" dirty="0">
                 <a:latin typeface="Consolas" panose="020B0609020204030204" pitchFamily="49" charset="0"/>
+                <a:cs typeface="Consolas" panose="020B0609020204030204" pitchFamily="49" charset="0"/>
               </a:rPr>
-              <a:t>this.dbContext = new StoreDbContext();</a:t>
-            </a:r>
-          </a:p>
-        </p:txBody>
-      </p:sp>
-      <p:sp>
-        <p:nvSpPr>
-          <p:cNvPr id="10" name="Text Placeholder 4">
-            <a:extLst>
-              <a:ext uri="{FF2B5EF4-FFF2-40B4-BE49-F238E27FC236}">
-                <a16:creationId xmlns:a16="http://schemas.microsoft.com/office/drawing/2014/main" id="{2B241276-0C11-530B-FAE1-AE002141E120}"/>
-              </a:ext>
-            </a:extLst>
-          </p:cNvPr>
-          <p:cNvSpPr txBox="1">
-            <a:spLocks/>
-          </p:cNvSpPr>
-          <p:nvPr/>
-        </p:nvSpPr>
-        <p:spPr>
-          <a:xfrm>
-            <a:off x="674262" y="4933010"/>
-            <a:ext cx="6006738" cy="400110"/>
-          </a:xfrm>
-          <a:prstGeom prst="rect">
-            <a:avLst/>
-          </a:prstGeom>
-          <a:solidFill>
-            <a:schemeClr val="accent5">
-              <a:lumMod val="40000"/>
-              <a:lumOff val="60000"/>
-              <a:alpha val="15000"/>
-            </a:schemeClr>
-          </a:solidFill>
-          <a:ln w="12700">
-            <a:solidFill>
-              <a:schemeClr val="accent5">
-                <a:lumMod val="60000"/>
-                <a:lumOff val="40000"/>
-              </a:schemeClr>
-            </a:solidFill>
-          </a:ln>
-        </p:spPr>
-        <p:txBody>
-          <a:bodyPr wrap="square">
-            <a:spAutoFit/>
-          </a:bodyPr>
-          <a:lstStyle/>
-          <a:p>
-            <a:pPr>
-              <a:lnSpc>
-                <a:spcPct val="100000"/>
-              </a:lnSpc>
-            </a:pPr>
-            <a:r>
-              <a:rPr lang="en-US" sz="2000" b="1" noProof="1">
+              <a:t>{</a:t>
+            </a:r>
+          </a:p>
+          <a:p>
+            <a:r>
+              <a:rPr lang="en-GB" b="1" dirty="0">
                 <a:latin typeface="Consolas" panose="020B0609020204030204" pitchFamily="49" charset="0"/>
+                <a:cs typeface="Consolas" panose="020B0609020204030204" pitchFamily="49" charset="0"/>
               </a:rPr>
-              <a:t>this.dbContext.Database.EnsureCreated();</a:t>
+              <a:t>    using (var db = new </a:t>
+            </a:r>
+            <a:r>
+              <a:rPr lang="en-GB" b="1" dirty="0">
+                <a:solidFill>
+                  <a:schemeClr val="bg1"/>
+                </a:solidFill>
+                <a:latin typeface="Consolas" panose="020B0609020204030204" pitchFamily="49" charset="0"/>
+                <a:cs typeface="Consolas" panose="020B0609020204030204" pitchFamily="49" charset="0"/>
+              </a:rPr>
+              <a:t>StoreDbContext</a:t>
+            </a:r>
+            <a:r>
+              <a:rPr lang="en-GB" b="1" dirty="0">
+                <a:latin typeface="Consolas" panose="020B0609020204030204" pitchFamily="49" charset="0"/>
+                <a:cs typeface="Consolas" panose="020B0609020204030204" pitchFamily="49" charset="0"/>
+              </a:rPr>
+              <a:t>())</a:t>
+            </a:r>
+          </a:p>
+          <a:p>
+            <a:r>
+              <a:rPr lang="en-GB" b="1" dirty="0">
+                <a:latin typeface="Consolas" panose="020B0609020204030204" pitchFamily="49" charset="0"/>
+                <a:cs typeface="Consolas" panose="020B0609020204030204" pitchFamily="49" charset="0"/>
+              </a:rPr>
+              <a:t>    {</a:t>
+            </a:r>
+          </a:p>
+          <a:p>
+            <a:r>
+              <a:rPr lang="en-GB" b="1" dirty="0">
+                <a:latin typeface="Consolas" panose="020B0609020204030204" pitchFamily="49" charset="0"/>
+                <a:cs typeface="Consolas" panose="020B0609020204030204" pitchFamily="49" charset="0"/>
+              </a:rPr>
+              <a:t>        return db.Products.ToArray();</a:t>
+            </a:r>
+          </a:p>
+          <a:p>
+            <a:r>
+              <a:rPr lang="en-GB" b="1" dirty="0">
+                <a:latin typeface="Consolas" panose="020B0609020204030204" pitchFamily="49" charset="0"/>
+                <a:cs typeface="Consolas" panose="020B0609020204030204" pitchFamily="49" charset="0"/>
+              </a:rPr>
+              <a:t>    }</a:t>
+            </a:r>
+          </a:p>
+          <a:p>
+            <a:r>
+              <a:rPr lang="en-GB" b="1" dirty="0">
+                <a:latin typeface="Consolas" panose="020B0609020204030204" pitchFamily="49" charset="0"/>
+                <a:cs typeface="Consolas" panose="020B0609020204030204" pitchFamily="49" charset="0"/>
+              </a:rPr>
+              <a:t>}</a:t>
             </a:r>
           </a:p>
         </p:txBody>
@@ -19642,7 +20251,7 @@
     </p:spTree>
     <p:extLst>
       <p:ext uri="{BB962C8B-B14F-4D97-AF65-F5344CB8AC3E}">
-        <p14:creationId xmlns:p14="http://schemas.microsoft.com/office/powerpoint/2010/main" val="2445270096"/>
+        <p14:creationId xmlns:p14="http://schemas.microsoft.com/office/powerpoint/2010/main" val="3856985816"/>
       </p:ext>
     </p:extLst>
   </p:cSld>
@@ -19694,7 +20303,7 @@
                                           </p:stCondLst>
                                         </p:cTn>
                                         <p:tgtEl>
-                                          <p:spTgt spid="6">
+                                          <p:spTgt spid="3">
                                             <p:txEl>
                                               <p:pRg st="0" end="0"/>
                                             </p:txEl>
@@ -19712,7 +20321,7 @@
                                 </p:cTn>
                               </p:par>
                               <p:par>
-                                <p:cTn id="7" presetID="1" presetClass="entr" presetSubtype="0" fill="hold" grpId="0" nodeType="withEffect">
+                                <p:cTn id="7" presetID="1" presetClass="entr" presetSubtype="0" fill="hold" nodeType="withEffect">
                                   <p:stCondLst>
                                     <p:cond delay="0"/>
                                   </p:stCondLst>
@@ -19725,7 +20334,7 @@
                                           </p:stCondLst>
                                         </p:cTn>
                                         <p:tgtEl>
-                                          <p:spTgt spid="8"/>
+                                          <p:spTgt spid="6"/>
                                         </p:tgtEl>
                                         <p:attrNameLst>
                                           <p:attrName>style.visibility</p:attrName>
@@ -19770,9 +20379,9 @@
                                           </p:stCondLst>
                                         </p:cTn>
                                         <p:tgtEl>
-                                          <p:spTgt spid="6">
+                                          <p:spTgt spid="3">
                                             <p:txEl>
-                                              <p:pRg st="2" end="2"/>
+                                              <p:pRg st="4" end="4"/>
                                             </p:txEl>
                                           </p:spTgt>
                                         </p:tgtEl>
@@ -19820,113 +20429,6 @@
                       </p:childTnLst>
                     </p:cTn>
                   </p:par>
-                  <p:par>
-                    <p:cTn id="15" fill="hold">
-                      <p:stCondLst>
-                        <p:cond delay="indefinite"/>
-                      </p:stCondLst>
-                      <p:childTnLst>
-                        <p:par>
-                          <p:cTn id="16" fill="hold">
-                            <p:stCondLst>
-                              <p:cond delay="0"/>
-                            </p:stCondLst>
-                            <p:childTnLst>
-                              <p:par>
-                                <p:cTn id="17" presetID="1" presetClass="entr" presetSubtype="0" fill="hold" nodeType="clickEffect">
-                                  <p:stCondLst>
-                                    <p:cond delay="0"/>
-                                  </p:stCondLst>
-                                  <p:childTnLst>
-                                    <p:set>
-                                      <p:cBhvr>
-                                        <p:cTn id="18" dur="1" fill="hold">
-                                          <p:stCondLst>
-                                            <p:cond delay="0"/>
-                                          </p:stCondLst>
-                                        </p:cTn>
-                                        <p:tgtEl>
-                                          <p:spTgt spid="6">
-                                            <p:txEl>
-                                              <p:pRg st="4" end="4"/>
-                                            </p:txEl>
-                                          </p:spTgt>
-                                        </p:tgtEl>
-                                        <p:attrNameLst>
-                                          <p:attrName>style.visibility</p:attrName>
-                                        </p:attrNameLst>
-                                      </p:cBhvr>
-                                      <p:to>
-                                        <p:strVal val="visible"/>
-                                      </p:to>
-                                    </p:set>
-                                  </p:childTnLst>
-                                </p:cTn>
-                              </p:par>
-                              <p:par>
-                                <p:cTn id="19" presetID="1" presetClass="entr" presetSubtype="0" fill="hold" nodeType="withEffect">
-                                  <p:stCondLst>
-                                    <p:cond delay="0"/>
-                                  </p:stCondLst>
-                                  <p:childTnLst>
-                                    <p:set>
-                                      <p:cBhvr>
-                                        <p:cTn id="20" dur="1" fill="hold">
-                                          <p:stCondLst>
-                                            <p:cond delay="0"/>
-                                          </p:stCondLst>
-                                        </p:cTn>
-                                        <p:tgtEl>
-                                          <p:spTgt spid="6">
-                                            <p:txEl>
-                                              <p:pRg st="5" end="5"/>
-                                            </p:txEl>
-                                          </p:spTgt>
-                                        </p:tgtEl>
-                                        <p:attrNameLst>
-                                          <p:attrName>style.visibility</p:attrName>
-                                        </p:attrNameLst>
-                                      </p:cBhvr>
-                                      <p:to>
-                                        <p:strVal val="visible"/>
-                                      </p:to>
-                                    </p:set>
-                                  </p:childTnLst>
-                                </p:cTn>
-                              </p:par>
-                              <p:par>
-                                <p:cTn id="21" presetID="1" presetClass="entr" presetSubtype="0" fill="hold" grpId="0" nodeType="withEffect">
-                                  <p:stCondLst>
-                                    <p:cond delay="0"/>
-                                  </p:stCondLst>
-                                  <p:childTnLst>
-                                    <p:set>
-                                      <p:cBhvr>
-                                        <p:cTn id="22" dur="1" fill="hold">
-                                          <p:stCondLst>
-                                            <p:cond delay="0"/>
-                                          </p:stCondLst>
-                                        </p:cTn>
-                                        <p:tgtEl>
-                                          <p:spTgt spid="10"/>
-                                        </p:tgtEl>
-                                        <p:attrNameLst>
-                                          <p:attrName>style.visibility</p:attrName>
-                                        </p:attrNameLst>
-                                      </p:cBhvr>
-                                      <p:to>
-                                        <p:strVal val="visible"/>
-                                      </p:to>
-                                    </p:set>
-                                  </p:childTnLst>
-                                </p:cTn>
-                              </p:par>
-                            </p:childTnLst>
-                          </p:cTn>
-                        </p:par>
-                      </p:childTnLst>
-                    </p:cTn>
-                  </p:par>
                 </p:childTnLst>
               </p:cTn>
               <p:prevCondLst>
@@ -19949,15 +20451,13 @@
       </p:par>
     </p:tnLst>
     <p:bldLst>
-      <p:bldP spid="8" grpId="0" animBg="1"/>
       <p:bldP spid="9" grpId="0" animBg="1"/>
-      <p:bldP spid="10" grpId="0" animBg="1"/>
     </p:bldLst>
   </p:timing>
 </p:sld>
 </file>
 
-<file path=ppt/slides/slide27.xml><?xml version="1.0" encoding="utf-8"?>
+<file path=ppt/slides/slide29.xml><?xml version="1.0" encoding="utf-8"?>
 <p:sld xmlns:a="http://schemas.openxmlformats.org/drawingml/2006/main" xmlns:r="http://schemas.openxmlformats.org/officeDocument/2006/relationships" xmlns:p="http://schemas.openxmlformats.org/presentationml/2006/main">
   <p:cSld>
     <p:spTree>
@@ -19998,7 +20498,7 @@
             <a:fld id="{2BF067CD-8E6B-4360-9AA8-C5DF2A48A6D1}" type="slidenum">
               <a:rPr lang="en-US" noProof="0" smtClean="0"/>
               <a:pPr/>
-              <a:t>27</a:t>
+              <a:t>29</a:t>
             </a:fld>
             <a:endParaRPr lang="en-US" noProof="0" dirty="0"/>
           </a:p>
@@ -20025,19 +20525,108 @@
           <a:bodyPr/>
           <a:lstStyle/>
           <a:p>
+            <a:r>
+              <a:rPr lang="bg-BG" sz="3000" dirty="0"/>
+              <a:t>Задаваме </a:t>
+            </a:r>
+            <a:r>
+              <a:rPr lang="bg-BG" sz="3000" b="1" dirty="0"/>
+              <a:t>данните</a:t>
+            </a:r>
+            <a:r>
+              <a:rPr lang="bg-BG" sz="3000" dirty="0"/>
+              <a:t> към </a:t>
+            </a:r>
+            <a:r>
+              <a:rPr lang="en-US" sz="3000" b="1" dirty="0">
+                <a:solidFill>
+                  <a:schemeClr val="bg1"/>
+                </a:solidFill>
+                <a:latin typeface="Consolas" panose="020B0609020204030204" pitchFamily="49" charset="0"/>
+                <a:cs typeface="Consolas" panose="020B0609020204030204" pitchFamily="49" charset="0"/>
+              </a:rPr>
+              <a:t>DataSource</a:t>
+            </a:r>
+            <a:r>
+              <a:rPr lang="en-US" sz="3000" dirty="0"/>
+              <a:t> </a:t>
+            </a:r>
+            <a:r>
+              <a:rPr lang="bg-BG" sz="3000" dirty="0"/>
+              <a:t>на </a:t>
+            </a:r>
+            <a:r>
+              <a:rPr lang="en-US" sz="3000" b="1" dirty="0">
+                <a:solidFill>
+                  <a:schemeClr val="bg1"/>
+                </a:solidFill>
+              </a:rPr>
+              <a:t>DataGridView</a:t>
+            </a:r>
+            <a:r>
+              <a:rPr lang="en-US" sz="3000" dirty="0"/>
+              <a:t> </a:t>
+            </a:r>
+            <a:r>
+              <a:rPr lang="bg-BG" sz="3000" dirty="0"/>
+              <a:t>контролата</a:t>
+            </a:r>
+            <a:endParaRPr lang="en-US" sz="3000" b="1" dirty="0">
+              <a:solidFill>
+                <a:schemeClr val="bg1"/>
+              </a:solidFill>
+              <a:latin typeface="Consolas" panose="020B0609020204030204" pitchFamily="49" charset="0"/>
+              <a:cs typeface="Consolas" panose="020B0609020204030204" pitchFamily="49" charset="0"/>
+            </a:endParaRPr>
+          </a:p>
+          <a:p>
             <a:endParaRPr lang="en-US" dirty="0"/>
           </a:p>
           <a:p>
+            <a:pPr marL="0" indent="0">
+              <a:buNone/>
+            </a:pPr>
             <a:endParaRPr lang="bg-BG" dirty="0"/>
           </a:p>
           <a:p>
-            <a:endParaRPr lang="bg-BG" dirty="0"/>
-          </a:p>
-          <a:p>
-            <a:endParaRPr lang="bg-BG" dirty="0"/>
-          </a:p>
-          <a:p>
-            <a:endParaRPr lang="en-BG" dirty="0"/>
+            <a:endParaRPr lang="bg-BG" sz="3000" dirty="0"/>
+          </a:p>
+          <a:p>
+            <a:r>
+              <a:rPr lang="bg-BG" sz="3000" dirty="0"/>
+              <a:t>Зареждаме </a:t>
+            </a:r>
+            <a:r>
+              <a:rPr lang="bg-BG" sz="3000" b="1" dirty="0"/>
+              <a:t>данните</a:t>
+            </a:r>
+            <a:r>
+              <a:rPr lang="bg-BG" sz="3000" dirty="0"/>
+              <a:t> при </a:t>
+            </a:r>
+            <a:r>
+              <a:rPr lang="bg-BG" sz="3000" b="1" dirty="0">
+                <a:solidFill>
+                  <a:schemeClr val="bg1"/>
+                </a:solidFill>
+              </a:rPr>
+              <a:t>зареждане</a:t>
+            </a:r>
+            <a:r>
+              <a:rPr lang="bg-BG" sz="3000" dirty="0"/>
+              <a:t> на </a:t>
+            </a:r>
+            <a:r>
+              <a:rPr lang="bg-BG" sz="3000" b="1" dirty="0">
+                <a:solidFill>
+                  <a:schemeClr val="bg1"/>
+                </a:solidFill>
+              </a:rPr>
+              <a:t>формата</a:t>
+            </a:r>
+          </a:p>
+          <a:p>
+            <a:endParaRPr lang="en-BG" sz="3000" dirty="0"/>
           </a:p>
         </p:txBody>
       </p:sp>
@@ -20064,11 +20653,11 @@
           <a:p>
             <a:r>
               <a:rPr lang="bg-BG" dirty="0"/>
-              <a:t>Методът </a:t>
+              <a:t>Зареждане на данни от БД </a:t>
             </a:r>
             <a:r>
               <a:rPr lang="en-US" dirty="0"/>
-              <a:t>OnLoad() (2)</a:t>
+              <a:t>(2)</a:t>
             </a:r>
             <a:endParaRPr lang="en-BG" dirty="0"/>
           </a:p>
@@ -20076,10 +20665,10 @@
       </p:sp>
       <p:sp>
         <p:nvSpPr>
-          <p:cNvPr id="6" name="Text Placeholder 2">
+          <p:cNvPr id="9" name="Text Placeholder 4">
             <a:extLst>
               <a:ext uri="{FF2B5EF4-FFF2-40B4-BE49-F238E27FC236}">
-                <a16:creationId xmlns:a16="http://schemas.microsoft.com/office/drawing/2014/main" id="{B5CF1146-B365-3838-060B-769E324726FF}"/>
+                <a16:creationId xmlns:a16="http://schemas.microsoft.com/office/drawing/2014/main" id="{2433A25A-70EB-0A45-5167-A7069EB06D9D}"/>
               </a:ext>
             </a:extLst>
           </p:cNvPr>
@@ -20090,305 +20679,8 @@
         </p:nvSpPr>
         <p:spPr>
           <a:xfrm>
-            <a:off x="190402" y="1196125"/>
-            <a:ext cx="11818096" cy="5528766"/>
-          </a:xfrm>
-          <a:prstGeom prst="rect">
-            <a:avLst/>
-          </a:prstGeom>
-        </p:spPr>
-        <p:txBody>
-          <a:bodyPr vert="horz" lIns="108000" tIns="36000" rIns="108000" bIns="36000" rtlCol="0">
-            <a:normAutofit/>
-          </a:bodyPr>
-          <a:lstStyle>
-            <a:lvl1pPr marL="360363" indent="-360363" algn="l" defTabSz="1218438" rtl="0" eaLnBrk="1" latinLnBrk="0" hangingPunct="1">
-              <a:lnSpc>
-                <a:spcPct val="105000"/>
-              </a:lnSpc>
-              <a:spcBef>
-                <a:spcPts val="600"/>
-              </a:spcBef>
-              <a:spcAft>
-                <a:spcPts val="600"/>
-              </a:spcAft>
-              <a:buClr>
-                <a:schemeClr val="tx1"/>
-              </a:buClr>
-              <a:buFont typeface="Wingdings" panose="05000000000000000000" pitchFamily="2" charset="2"/>
-              <a:buChar char="§"/>
-              <a:defRPr sz="3398" kern="1200">
-                <a:solidFill>
-                  <a:schemeClr val="tx1"/>
-                </a:solidFill>
-                <a:latin typeface="+mn-lt"/>
-                <a:ea typeface="+mn-ea"/>
-                <a:cs typeface="+mn-cs"/>
-              </a:defRPr>
-            </a:lvl1pPr>
-            <a:lvl2pPr marL="803275" indent="-360363" algn="l" defTabSz="1218438" rtl="0" eaLnBrk="1" latinLnBrk="0" hangingPunct="1">
-              <a:lnSpc>
-                <a:spcPct val="105000"/>
-              </a:lnSpc>
-              <a:spcBef>
-                <a:spcPts val="600"/>
-              </a:spcBef>
-              <a:spcAft>
-                <a:spcPts val="600"/>
-              </a:spcAft>
-              <a:buClr>
-                <a:schemeClr val="tx1"/>
-              </a:buClr>
-              <a:buFont typeface="Wingdings" panose="05000000000000000000" pitchFamily="2" charset="2"/>
-              <a:buChar char="§"/>
-              <a:defRPr sz="3198" kern="1200">
-                <a:solidFill>
-                  <a:schemeClr val="tx1"/>
-                </a:solidFill>
-                <a:latin typeface="+mn-lt"/>
-                <a:ea typeface="+mn-ea"/>
-                <a:cs typeface="+mn-cs"/>
-              </a:defRPr>
-            </a:lvl2pPr>
-            <a:lvl3pPr marL="1255713" indent="-360363" algn="l" defTabSz="1218438" rtl="0" eaLnBrk="1" latinLnBrk="0" hangingPunct="1">
-              <a:lnSpc>
-                <a:spcPct val="105000"/>
-              </a:lnSpc>
-              <a:spcBef>
-                <a:spcPts val="600"/>
-              </a:spcBef>
-              <a:spcAft>
-                <a:spcPts val="600"/>
-              </a:spcAft>
-              <a:buClr>
-                <a:schemeClr val="tx1"/>
-              </a:buClr>
-              <a:buFont typeface="Wingdings" panose="05000000000000000000" pitchFamily="2" charset="2"/>
-              <a:buChar char="§"/>
-              <a:defRPr sz="2998" kern="1200">
-                <a:solidFill>
-                  <a:schemeClr val="tx1"/>
-                </a:solidFill>
-                <a:latin typeface="+mn-lt"/>
-                <a:ea typeface="+mn-ea"/>
-                <a:cs typeface="+mn-cs"/>
-              </a:defRPr>
-            </a:lvl3pPr>
-            <a:lvl4pPr marL="1700213" indent="-352425" algn="l" defTabSz="1218438" rtl="0" eaLnBrk="1" latinLnBrk="0" hangingPunct="1">
-              <a:lnSpc>
-                <a:spcPct val="105000"/>
-              </a:lnSpc>
-              <a:spcBef>
-                <a:spcPts val="600"/>
-              </a:spcBef>
-              <a:spcAft>
-                <a:spcPts val="600"/>
-              </a:spcAft>
-              <a:buClr>
-                <a:schemeClr val="tx1"/>
-              </a:buClr>
-              <a:buFont typeface="Wingdings" panose="05000000000000000000" pitchFamily="2" charset="2"/>
-              <a:buChar char="§"/>
-              <a:defRPr sz="2798" kern="1200">
-                <a:solidFill>
-                  <a:schemeClr val="tx1"/>
-                </a:solidFill>
-                <a:latin typeface="+mn-lt"/>
-                <a:ea typeface="+mn-ea"/>
-                <a:cs typeface="+mn-cs"/>
-              </a:defRPr>
-            </a:lvl4pPr>
-            <a:lvl5pPr marL="2058988" indent="-266700" algn="l" defTabSz="1218438" rtl="0" eaLnBrk="1" latinLnBrk="0" hangingPunct="1">
-              <a:lnSpc>
-                <a:spcPct val="105000"/>
-              </a:lnSpc>
-              <a:spcBef>
-                <a:spcPts val="600"/>
-              </a:spcBef>
-              <a:spcAft>
-                <a:spcPts val="600"/>
-              </a:spcAft>
-              <a:buClr>
-                <a:schemeClr val="tx1"/>
-              </a:buClr>
-              <a:buFont typeface="Wingdings" panose="05000000000000000000" pitchFamily="2" charset="2"/>
-              <a:buChar char="§"/>
-              <a:defRPr sz="2598" kern="1200">
-                <a:solidFill>
-                  <a:schemeClr val="tx1"/>
-                </a:solidFill>
-                <a:latin typeface="+mn-lt"/>
-                <a:ea typeface="+mn-ea"/>
-                <a:cs typeface="+mn-cs"/>
-              </a:defRPr>
-            </a:lvl5pPr>
-            <a:lvl6pPr marL="3350704" indent="-304610" algn="l" defTabSz="1218438" rtl="0" eaLnBrk="1" latinLnBrk="1" hangingPunct="1">
-              <a:spcBef>
-                <a:spcPct val="20000"/>
-              </a:spcBef>
-              <a:buFont typeface="Arial" pitchFamily="34" charset="0"/>
-              <a:buChar char="•"/>
-              <a:defRPr sz="2665" kern="1200">
-                <a:solidFill>
-                  <a:schemeClr val="tx1"/>
-                </a:solidFill>
-                <a:latin typeface="+mn-lt"/>
-                <a:ea typeface="+mn-ea"/>
-                <a:cs typeface="+mn-cs"/>
-              </a:defRPr>
-            </a:lvl6pPr>
-            <a:lvl7pPr marL="3959924" indent="-304610" algn="l" defTabSz="1218438" rtl="0" eaLnBrk="1" latinLnBrk="1" hangingPunct="1">
-              <a:spcBef>
-                <a:spcPct val="20000"/>
-              </a:spcBef>
-              <a:buFont typeface="Arial" pitchFamily="34" charset="0"/>
-              <a:buChar char="•"/>
-              <a:defRPr sz="2665" kern="1200">
-                <a:solidFill>
-                  <a:schemeClr val="tx1"/>
-                </a:solidFill>
-                <a:latin typeface="+mn-lt"/>
-                <a:ea typeface="+mn-ea"/>
-                <a:cs typeface="+mn-cs"/>
-              </a:defRPr>
-            </a:lvl7pPr>
-            <a:lvl8pPr marL="4569143" indent="-304610" algn="l" defTabSz="1218438" rtl="0" eaLnBrk="1" latinLnBrk="1" hangingPunct="1">
-              <a:spcBef>
-                <a:spcPct val="20000"/>
-              </a:spcBef>
-              <a:buFont typeface="Arial" pitchFamily="34" charset="0"/>
-              <a:buChar char="•"/>
-              <a:defRPr sz="2665" kern="1200">
-                <a:solidFill>
-                  <a:schemeClr val="tx1"/>
-                </a:solidFill>
-                <a:latin typeface="+mn-lt"/>
-                <a:ea typeface="+mn-ea"/>
-                <a:cs typeface="+mn-cs"/>
-              </a:defRPr>
-            </a:lvl8pPr>
-            <a:lvl9pPr marL="5178362" indent="-304610" algn="l" defTabSz="1218438" rtl="0" eaLnBrk="1" latinLnBrk="1" hangingPunct="1">
-              <a:spcBef>
-                <a:spcPct val="20000"/>
-              </a:spcBef>
-              <a:buFont typeface="Arial" pitchFamily="34" charset="0"/>
-              <a:buChar char="•"/>
-              <a:defRPr sz="2665" kern="1200">
-                <a:solidFill>
-                  <a:schemeClr val="tx1"/>
-                </a:solidFill>
-                <a:latin typeface="+mn-lt"/>
-                <a:ea typeface="+mn-ea"/>
-                <a:cs typeface="+mn-cs"/>
-              </a:defRPr>
-            </a:lvl9pPr>
-          </a:lstStyle>
-          <a:p>
-            <a:r>
-              <a:rPr lang="bg-BG" sz="2800" dirty="0"/>
-              <a:t>Методът </a:t>
-            </a:r>
-            <a:r>
-              <a:rPr lang="en-US" sz="2800" b="1" dirty="0">
-                <a:solidFill>
-                  <a:schemeClr val="bg1"/>
-                </a:solidFill>
-                <a:latin typeface="Consolas" panose="020B0609020204030204" pitchFamily="49" charset="0"/>
-                <a:cs typeface="Consolas" panose="020B0609020204030204" pitchFamily="49" charset="0"/>
-              </a:rPr>
-              <a:t>Load()</a:t>
-            </a:r>
-            <a:r>
-              <a:rPr lang="en-US" sz="2800" dirty="0"/>
-              <a:t> </a:t>
-            </a:r>
-            <a:r>
-              <a:rPr lang="bg-BG" sz="2800" b="1" dirty="0"/>
-              <a:t>зарежда</a:t>
-            </a:r>
-            <a:r>
-              <a:rPr lang="bg-BG" sz="2800" dirty="0"/>
-              <a:t> </a:t>
-            </a:r>
-            <a:r>
-              <a:rPr lang="bg-BG" sz="2800" b="1" dirty="0"/>
-              <a:t>данните</a:t>
-            </a:r>
-            <a:r>
-              <a:rPr lang="bg-BG" sz="2800" dirty="0"/>
-              <a:t> от БД и </a:t>
-            </a:r>
-            <a:r>
-              <a:rPr lang="bg-BG" sz="2800" b="1" dirty="0"/>
-              <a:t>следи</a:t>
-            </a:r>
-            <a:r>
-              <a:rPr lang="bg-BG" sz="2800" dirty="0"/>
-              <a:t> за </a:t>
-            </a:r>
-            <a:r>
-              <a:rPr lang="bg-BG" sz="2800" b="1" dirty="0"/>
-              <a:t>промени</a:t>
-            </a:r>
-            <a:endParaRPr lang="en-US" sz="2800" b="1" dirty="0"/>
-          </a:p>
-          <a:p>
-            <a:endParaRPr lang="bg-BG" sz="2800" b="1" dirty="0"/>
-          </a:p>
-          <a:p>
-            <a:r>
-              <a:rPr lang="bg-BG" sz="2800" dirty="0"/>
-              <a:t>Свойството </a:t>
-            </a:r>
-            <a:r>
-              <a:rPr lang="en-US" sz="2800" b="1" noProof="1">
-                <a:solidFill>
-                  <a:schemeClr val="bg1"/>
-                </a:solidFill>
-                <a:latin typeface="Consolas" panose="020B0609020204030204" pitchFamily="49" charset="0"/>
-              </a:rPr>
-              <a:t>productBindingSource</a:t>
-            </a:r>
-            <a:r>
-              <a:rPr lang="bg-BG" sz="2800" dirty="0"/>
-              <a:t> пази </a:t>
-            </a:r>
-            <a:r>
-              <a:rPr lang="bg-BG" sz="2800" b="1" dirty="0"/>
-              <a:t>локалните промени </a:t>
-            </a:r>
-            <a:r>
-              <a:rPr lang="bg-BG" sz="2800" dirty="0"/>
-              <a:t>и гарантира, че данните са </a:t>
-            </a:r>
-            <a:r>
-              <a:rPr lang="bg-BG" sz="2800" b="1" dirty="0"/>
-              <a:t>съгласувани</a:t>
-            </a:r>
-          </a:p>
-          <a:p>
-            <a:endParaRPr lang="en-BG" dirty="0"/>
-          </a:p>
-        </p:txBody>
-      </p:sp>
-      <p:sp>
-        <p:nvSpPr>
-          <p:cNvPr id="8" name="Text Placeholder 4">
-            <a:extLst>
-              <a:ext uri="{FF2B5EF4-FFF2-40B4-BE49-F238E27FC236}">
-                <a16:creationId xmlns:a16="http://schemas.microsoft.com/office/drawing/2014/main" id="{BE4DE903-B98D-64CB-13A3-C005968F8E39}"/>
-              </a:ext>
-            </a:extLst>
-          </p:cNvPr>
-          <p:cNvSpPr txBox="1">
-            <a:spLocks/>
-          </p:cNvSpPr>
-          <p:nvPr/>
-        </p:nvSpPr>
-        <p:spPr>
-          <a:xfrm>
-            <a:off x="651000" y="1839158"/>
-            <a:ext cx="4230000" cy="369332"/>
+            <a:off x="606000" y="1859896"/>
+            <a:ext cx="11147030" cy="1631216"/>
           </a:xfrm>
           <a:prstGeom prst="rect">
             <a:avLst/>
@@ -20415,26 +20707,109 @@
           </a:bodyPr>
           <a:lstStyle/>
           <a:p>
-            <a:pPr>
-              <a:lnSpc>
-                <a:spcPct val="100000"/>
-              </a:lnSpc>
-            </a:pPr>
-            <a:r>
-              <a:rPr lang="en-US" b="1" noProof="1">
+            <a:r>
+              <a:rPr lang="en-GB" sz="2000" b="1" dirty="0">
                 <a:latin typeface="Consolas" panose="020B0609020204030204" pitchFamily="49" charset="0"/>
+                <a:cs typeface="Consolas" panose="020B0609020204030204" pitchFamily="49" charset="0"/>
               </a:rPr>
-              <a:t>this.dbContext.Products.Load();</a:t>
+              <a:t>private void ReloadProducts()</a:t>
+            </a:r>
+          </a:p>
+          <a:p>
+            <a:r>
+              <a:rPr lang="en-GB" sz="2000" b="1" dirty="0">
+                <a:latin typeface="Consolas" panose="020B0609020204030204" pitchFamily="49" charset="0"/>
+                <a:cs typeface="Consolas" panose="020B0609020204030204" pitchFamily="49" charset="0"/>
+              </a:rPr>
+              <a:t>{</a:t>
+            </a:r>
+          </a:p>
+          <a:p>
+            <a:r>
+              <a:rPr lang="en-GB" sz="2000" b="1" dirty="0">
+                <a:latin typeface="Consolas" panose="020B0609020204030204" pitchFamily="49" charset="0"/>
+                <a:cs typeface="Consolas" panose="020B0609020204030204" pitchFamily="49" charset="0"/>
+              </a:rPr>
+              <a:t>    var products = </a:t>
+            </a:r>
+            <a:r>
+              <a:rPr lang="en-GB" sz="2000" b="1" dirty="0">
+                <a:solidFill>
+                  <a:schemeClr val="bg1"/>
+                </a:solidFill>
+                <a:latin typeface="Consolas" panose="020B0609020204030204" pitchFamily="49" charset="0"/>
+                <a:cs typeface="Consolas" panose="020B0609020204030204" pitchFamily="49" charset="0"/>
+              </a:rPr>
+              <a:t>LoadProductsFromDb</a:t>
+            </a:r>
+            <a:r>
+              <a:rPr lang="en-GB" sz="2000" b="1" dirty="0">
+                <a:latin typeface="Consolas" panose="020B0609020204030204" pitchFamily="49" charset="0"/>
+                <a:cs typeface="Consolas" panose="020B0609020204030204" pitchFamily="49" charset="0"/>
+              </a:rPr>
+              <a:t>();</a:t>
+            </a:r>
+          </a:p>
+          <a:p>
+            <a:r>
+              <a:rPr lang="en-GB" sz="2000" b="1" dirty="0">
+                <a:latin typeface="Consolas" panose="020B0609020204030204" pitchFamily="49" charset="0"/>
+                <a:cs typeface="Consolas" panose="020B0609020204030204" pitchFamily="49" charset="0"/>
+              </a:rPr>
+              <a:t>    this.</a:t>
+            </a:r>
+            <a:r>
+              <a:rPr lang="en-GB" sz="2000" b="1" dirty="0">
+                <a:solidFill>
+                  <a:schemeClr val="bg1"/>
+                </a:solidFill>
+                <a:latin typeface="Consolas" panose="020B0609020204030204" pitchFamily="49" charset="0"/>
+                <a:cs typeface="Consolas" panose="020B0609020204030204" pitchFamily="49" charset="0"/>
+              </a:rPr>
+              <a:t>productBindingSource</a:t>
+            </a:r>
+            <a:r>
+              <a:rPr lang="en-GB" sz="2000" b="1" dirty="0">
+                <a:latin typeface="Consolas" panose="020B0609020204030204" pitchFamily="49" charset="0"/>
+                <a:cs typeface="Consolas" panose="020B0609020204030204" pitchFamily="49" charset="0"/>
+              </a:rPr>
+              <a:t>.</a:t>
+            </a:r>
+            <a:r>
+              <a:rPr lang="en-GB" sz="2000" b="1" dirty="0">
+                <a:solidFill>
+                  <a:schemeClr val="bg1"/>
+                </a:solidFill>
+                <a:latin typeface="Consolas" panose="020B0609020204030204" pitchFamily="49" charset="0"/>
+                <a:cs typeface="Consolas" panose="020B0609020204030204" pitchFamily="49" charset="0"/>
+              </a:rPr>
+              <a:t>DataSource</a:t>
+            </a:r>
+            <a:r>
+              <a:rPr lang="en-GB" sz="2000" b="1" dirty="0">
+                <a:latin typeface="Consolas" panose="020B0609020204030204" pitchFamily="49" charset="0"/>
+                <a:cs typeface="Consolas" panose="020B0609020204030204" pitchFamily="49" charset="0"/>
+              </a:rPr>
+              <a:t> = products;</a:t>
+            </a:r>
+          </a:p>
+          <a:p>
+            <a:r>
+              <a:rPr lang="en-GB" sz="2000" b="1" dirty="0">
+                <a:latin typeface="Consolas" panose="020B0609020204030204" pitchFamily="49" charset="0"/>
+                <a:cs typeface="Consolas" panose="020B0609020204030204" pitchFamily="49" charset="0"/>
+              </a:rPr>
+              <a:t>}</a:t>
             </a:r>
           </a:p>
         </p:txBody>
       </p:sp>
       <p:sp>
         <p:nvSpPr>
-          <p:cNvPr id="9" name="Text Placeholder 4">
+          <p:cNvPr id="5" name="Text Placeholder 4">
             <a:extLst>
               <a:ext uri="{FF2B5EF4-FFF2-40B4-BE49-F238E27FC236}">
-                <a16:creationId xmlns:a16="http://schemas.microsoft.com/office/drawing/2014/main" id="{D8DDF63C-77AE-EC59-FE3A-531C322B51A8}"/>
+                <a16:creationId xmlns:a16="http://schemas.microsoft.com/office/drawing/2014/main" id="{91F76FD3-1169-72C1-ED18-42512B9EAF4B}"/>
               </a:ext>
             </a:extLst>
           </p:cNvPr>
@@ -20445,8 +20820,8 @@
         </p:nvSpPr>
         <p:spPr>
           <a:xfrm>
-            <a:off x="583500" y="3429000"/>
-            <a:ext cx="11025000" cy="369332"/>
+            <a:off x="606000" y="4599000"/>
+            <a:ext cx="11147030" cy="1323439"/>
           </a:xfrm>
           <a:prstGeom prst="rect">
             <a:avLst/>
@@ -20473,231 +20848,54 @@
           </a:bodyPr>
           <a:lstStyle/>
           <a:p>
-            <a:pPr>
-              <a:lnSpc>
-                <a:spcPct val="100000"/>
-              </a:lnSpc>
-            </a:pPr>
-            <a:r>
-              <a:rPr lang="en-US" b="1" noProof="1">
+            <a:r>
+              <a:rPr lang="en-GB" sz="2000" b="1" dirty="0">
                 <a:latin typeface="Consolas" panose="020B0609020204030204" pitchFamily="49" charset="0"/>
+                <a:cs typeface="Consolas" panose="020B0609020204030204" pitchFamily="49" charset="0"/>
               </a:rPr>
-              <a:t>this.productBindingSource.DataSource = dbContext.Products.Local.ToBindingList();</a:t>
-            </a:r>
-          </a:p>
-        </p:txBody>
-      </p:sp>
-      <p:sp>
-        <p:nvSpPr>
-          <p:cNvPr id="11" name="Text Placeholder 4">
-            <a:extLst>
-              <a:ext uri="{FF2B5EF4-FFF2-40B4-BE49-F238E27FC236}">
-                <a16:creationId xmlns:a16="http://schemas.microsoft.com/office/drawing/2014/main" id="{CCB5B1F8-BC66-C03C-02E9-A565548E9AEE}"/>
-              </a:ext>
-            </a:extLst>
-          </p:cNvPr>
-          <p:cNvSpPr txBox="1">
-            <a:spLocks/>
-          </p:cNvSpPr>
-          <p:nvPr/>
-        </p:nvSpPr>
-        <p:spPr>
-          <a:xfrm>
-            <a:off x="572953" y="3894687"/>
-            <a:ext cx="11025000" cy="2585323"/>
-          </a:xfrm>
-          <a:prstGeom prst="rect">
-            <a:avLst/>
-          </a:prstGeom>
-          <a:solidFill>
-            <a:schemeClr val="accent5">
-              <a:lumMod val="40000"/>
-              <a:lumOff val="60000"/>
-              <a:alpha val="15000"/>
-            </a:schemeClr>
-          </a:solidFill>
-          <a:ln w="12700">
-            <a:solidFill>
-              <a:schemeClr val="accent5">
-                <a:lumMod val="60000"/>
-                <a:lumOff val="40000"/>
-              </a:schemeClr>
-            </a:solidFill>
-          </a:ln>
-        </p:spPr>
-        <p:txBody>
-          <a:bodyPr wrap="square">
-            <a:spAutoFit/>
-          </a:bodyPr>
-          <a:lstStyle/>
-          <a:p>
-            <a:pPr>
-              <a:lnSpc>
-                <a:spcPct val="100000"/>
-              </a:lnSpc>
-            </a:pPr>
-            <a:r>
-              <a:rPr lang="en-US" b="1" noProof="1">
+              <a:t> private void FormStoreProducts_Load(object sender, EventArgs e)</a:t>
+            </a:r>
+          </a:p>
+          <a:p>
+            <a:r>
+              <a:rPr lang="en-GB" sz="2000" b="1" dirty="0">
                 <a:latin typeface="Consolas" panose="020B0609020204030204" pitchFamily="49" charset="0"/>
-              </a:rPr>
-              <a:t> protected override void OnLoad(EventArgs e)</a:t>
-            </a:r>
-          </a:p>
-          <a:p>
-            <a:pPr>
-              <a:lnSpc>
-                <a:spcPct val="100000"/>
-              </a:lnSpc>
-            </a:pPr>
-            <a:r>
-              <a:rPr lang="en-US" b="1" noProof="1">
-                <a:latin typeface="Consolas" panose="020B0609020204030204" pitchFamily="49" charset="0"/>
+                <a:cs typeface="Consolas" panose="020B0609020204030204" pitchFamily="49" charset="0"/>
               </a:rPr>
               <a:t> {</a:t>
             </a:r>
           </a:p>
           <a:p>
-            <a:pPr>
-              <a:lnSpc>
-                <a:spcPct val="100000"/>
-              </a:lnSpc>
-            </a:pPr>
-            <a:r>
-              <a:rPr lang="en-US" b="1" noProof="1">
+            <a:r>
+              <a:rPr lang="en-GB" sz="2000" b="1" dirty="0">
                 <a:latin typeface="Consolas" panose="020B0609020204030204" pitchFamily="49" charset="0"/>
+                <a:cs typeface="Consolas" panose="020B0609020204030204" pitchFamily="49" charset="0"/>
               </a:rPr>
-              <a:t>     base.OnLoad(e);</a:t>
-            </a:r>
-            <a:br>
-              <a:rPr lang="en-US" b="1" noProof="1">
+              <a:t>     </a:t>
+            </a:r>
+            <a:r>
+              <a:rPr lang="en-GB" sz="2000" b="1" dirty="0">
+                <a:solidFill>
+                  <a:schemeClr val="bg1"/>
+                </a:solidFill>
                 <a:latin typeface="Consolas" panose="020B0609020204030204" pitchFamily="49" charset="0"/>
+                <a:cs typeface="Consolas" panose="020B0609020204030204" pitchFamily="49" charset="0"/>
               </a:rPr>
-            </a:br>
-            <a:endParaRPr lang="en-US" b="1" noProof="1">
-              <a:latin typeface="Consolas" panose="020B0609020204030204" pitchFamily="49" charset="0"/>
-            </a:endParaRPr>
-          </a:p>
-          <a:p>
-            <a:pPr>
-              <a:lnSpc>
-                <a:spcPct val="100000"/>
-              </a:lnSpc>
-            </a:pPr>
-            <a:r>
-              <a:rPr lang="en-US" b="1" noProof="1">
+              <a:t>ReloadProducts</a:t>
+            </a:r>
+            <a:r>
+              <a:rPr lang="en-GB" sz="2000" b="1" dirty="0">
                 <a:latin typeface="Consolas" panose="020B0609020204030204" pitchFamily="49" charset="0"/>
+                <a:cs typeface="Consolas" panose="020B0609020204030204" pitchFamily="49" charset="0"/>
               </a:rPr>
-              <a:t>     this.dbContext = </a:t>
-            </a:r>
-            <a:r>
-              <a:rPr lang="en-US" b="1" noProof="1">
-                <a:solidFill>
-                  <a:schemeClr val="bg1"/>
-                </a:solidFill>
+              <a:t>();</a:t>
+            </a:r>
+          </a:p>
+          <a:p>
+            <a:r>
+              <a:rPr lang="en-GB" sz="2000" b="1" dirty="0">
                 <a:latin typeface="Consolas" panose="020B0609020204030204" pitchFamily="49" charset="0"/>
-              </a:rPr>
-              <a:t>new StoreDbContext()</a:t>
-            </a:r>
-            <a:r>
-              <a:rPr lang="en-US" b="1" noProof="1">
-                <a:latin typeface="Consolas" panose="020B0609020204030204" pitchFamily="49" charset="0"/>
-              </a:rPr>
-              <a:t>;</a:t>
-            </a:r>
-          </a:p>
-          <a:p>
-            <a:pPr>
-              <a:lnSpc>
-                <a:spcPct val="100000"/>
-              </a:lnSpc>
-            </a:pPr>
-            <a:r>
-              <a:rPr lang="en-US" b="1" noProof="1">
-                <a:latin typeface="Consolas" panose="020B0609020204030204" pitchFamily="49" charset="0"/>
-              </a:rPr>
-              <a:t>     this.dbContext.Database.</a:t>
-            </a:r>
-            <a:r>
-              <a:rPr lang="en-US" b="1" noProof="1">
-                <a:solidFill>
-                  <a:schemeClr val="bg1"/>
-                </a:solidFill>
-                <a:latin typeface="Consolas" panose="020B0609020204030204" pitchFamily="49" charset="0"/>
-              </a:rPr>
-              <a:t>EnsureCreated()</a:t>
-            </a:r>
-            <a:r>
-              <a:rPr lang="en-US" b="1" noProof="1">
-                <a:latin typeface="Consolas" panose="020B0609020204030204" pitchFamily="49" charset="0"/>
-              </a:rPr>
-              <a:t>;</a:t>
-            </a:r>
-          </a:p>
-          <a:p>
-            <a:pPr>
-              <a:lnSpc>
-                <a:spcPct val="100000"/>
-              </a:lnSpc>
-            </a:pPr>
-            <a:r>
-              <a:rPr lang="en-US" b="1" noProof="1">
-                <a:latin typeface="Consolas" panose="020B0609020204030204" pitchFamily="49" charset="0"/>
-              </a:rPr>
-              <a:t>     this.dbContext.Products.</a:t>
-            </a:r>
-            <a:r>
-              <a:rPr lang="en-US" b="1" noProof="1">
-                <a:solidFill>
-                  <a:schemeClr val="bg1"/>
-                </a:solidFill>
-                <a:latin typeface="Consolas" panose="020B0609020204030204" pitchFamily="49" charset="0"/>
-              </a:rPr>
-              <a:t>Load()</a:t>
-            </a:r>
-            <a:r>
-              <a:rPr lang="en-US" b="1" noProof="1">
-                <a:latin typeface="Consolas" panose="020B0609020204030204" pitchFamily="49" charset="0"/>
-              </a:rPr>
-              <a:t>;</a:t>
-            </a:r>
-          </a:p>
-          <a:p>
-            <a:pPr>
-              <a:lnSpc>
-                <a:spcPct val="100000"/>
-              </a:lnSpc>
-            </a:pPr>
-            <a:r>
-              <a:rPr lang="en-US" b="1" noProof="1">
-                <a:latin typeface="Consolas" panose="020B0609020204030204" pitchFamily="49" charset="0"/>
-              </a:rPr>
-              <a:t>     this.productBindingSource.DataSource = </a:t>
-            </a:r>
-            <a:r>
-              <a:rPr lang="en-US" b="1" noProof="1">
-                <a:solidFill>
-                  <a:schemeClr val="bg1"/>
-                </a:solidFill>
-                <a:latin typeface="Consolas" panose="020B0609020204030204" pitchFamily="49" charset="0"/>
-              </a:rPr>
-              <a:t>dbContext.Products.Local.ToBindingList()</a:t>
-            </a:r>
-            <a:r>
-              <a:rPr lang="en-US" b="1" noProof="1">
-                <a:latin typeface="Consolas" panose="020B0609020204030204" pitchFamily="49" charset="0"/>
-              </a:rPr>
-              <a:t>;</a:t>
-            </a:r>
-          </a:p>
-          <a:p>
-            <a:pPr>
-              <a:lnSpc>
-                <a:spcPct val="100000"/>
-              </a:lnSpc>
-            </a:pPr>
-            <a:r>
-              <a:rPr lang="en-US" b="1" noProof="1">
-                <a:latin typeface="Consolas" panose="020B0609020204030204" pitchFamily="49" charset="0"/>
+                <a:cs typeface="Consolas" panose="020B0609020204030204" pitchFamily="49" charset="0"/>
               </a:rPr>
               <a:t> }</a:t>
             </a:r>
@@ -20707,7 +20905,7 @@
     </p:spTree>
     <p:extLst>
       <p:ext uri="{BB962C8B-B14F-4D97-AF65-F5344CB8AC3E}">
-        <p14:creationId xmlns:p14="http://schemas.microsoft.com/office/powerpoint/2010/main" val="1412430965"/>
+        <p14:creationId xmlns:p14="http://schemas.microsoft.com/office/powerpoint/2010/main" val="2170395054"/>
       </p:ext>
     </p:extLst>
   </p:cSld>
@@ -20759,7 +20957,7 @@
                                           </p:stCondLst>
                                         </p:cTn>
                                         <p:tgtEl>
-                                          <p:spTgt spid="6">
+                                          <p:spTgt spid="3">
                                             <p:txEl>
                                               <p:pRg st="0" end="0"/>
                                             </p:txEl>
@@ -20790,7 +20988,7 @@
                                           </p:stCondLst>
                                         </p:cTn>
                                         <p:tgtEl>
-                                          <p:spTgt spid="8"/>
+                                          <p:spTgt spid="9"/>
                                         </p:tgtEl>
                                         <p:attrNameLst>
                                           <p:attrName>style.visibility</p:attrName>
@@ -20835,9 +21033,9 @@
                                           </p:stCondLst>
                                         </p:cTn>
                                         <p:tgtEl>
-                                          <p:spTgt spid="6">
+                                          <p:spTgt spid="3">
                                             <p:txEl>
-                                              <p:pRg st="2" end="2"/>
+                                              <p:pRg st="4" end="4"/>
                                             </p:txEl>
                                           </p:spTgt>
                                         </p:tgtEl>
@@ -20866,34 +21064,7 @@
                                           </p:stCondLst>
                                         </p:cTn>
                                         <p:tgtEl>
-                                          <p:spTgt spid="9"/>
-                                        </p:tgtEl>
-                                        <p:attrNameLst>
-                                          <p:attrName>style.visibility</p:attrName>
-                                        </p:attrNameLst>
-                                      </p:cBhvr>
-                                      <p:to>
-                                        <p:strVal val="visible"/>
-                                      </p:to>
-                                    </p:set>
-                                  </p:childTnLst>
-                                </p:cTn>
-                              </p:par>
-                              <p:par>
-                                <p:cTn id="15" presetID="1" presetClass="entr" presetSubtype="0" fill="hold" grpId="0" nodeType="withEffect">
-                                  <p:stCondLst>
-                                    <p:cond delay="0"/>
-                                  </p:stCondLst>
-                                  <p:childTnLst>
-                                    <p:set>
-                                      <p:cBhvr>
-                                        <p:cTn id="16" dur="1" fill="hold">
-                                          <p:stCondLst>
-                                            <p:cond delay="0"/>
-                                          </p:stCondLst>
-                                        </p:cTn>
-                                        <p:tgtEl>
-                                          <p:spTgt spid="11"/>
+                                          <p:spTgt spid="5"/>
                                         </p:tgtEl>
                                         <p:attrNameLst>
                                           <p:attrName>style.visibility</p:attrName>
@@ -20934,15 +21105,153 @@
       </p:par>
     </p:tnLst>
     <p:bldLst>
-      <p:bldP spid="8" grpId="0" animBg="1"/>
       <p:bldP spid="9" grpId="0" animBg="1"/>
-      <p:bldP spid="11" grpId="0" animBg="1"/>
+      <p:bldP spid="5" grpId="0" animBg="1"/>
     </p:bldLst>
   </p:timing>
 </p:sld>
 </file>
 
-<file path=ppt/slides/slide28.xml><?xml version="1.0" encoding="utf-8"?>
+<file path=ppt/slides/slide3.xml><?xml version="1.0" encoding="utf-8"?>
+<p:sld xmlns:a="http://schemas.openxmlformats.org/drawingml/2006/main" xmlns:r="http://schemas.openxmlformats.org/officeDocument/2006/relationships" xmlns:p="http://schemas.openxmlformats.org/presentationml/2006/main">
+  <p:cSld>
+    <p:spTree>
+      <p:nvGrpSpPr>
+        <p:cNvPr id="1" name=""/>
+        <p:cNvGrpSpPr/>
+        <p:nvPr/>
+      </p:nvGrpSpPr>
+      <p:grpSpPr>
+        <a:xfrm>
+          <a:off x="0" y="0"/>
+          <a:ext cx="0" cy="0"/>
+          <a:chOff x="0" y="0"/>
+          <a:chExt cx="0" cy="0"/>
+        </a:xfrm>
+      </p:grpSpPr>
+      <p:sp>
+        <p:nvSpPr>
+          <p:cNvPr id="4" name="Slide Subtitle">
+            <a:extLst>
+              <a:ext uri="{FF2B5EF4-FFF2-40B4-BE49-F238E27FC236}">
+                <a16:creationId xmlns:a16="http://schemas.microsoft.com/office/drawing/2014/main" id="{BEB5BB41-09D4-4E9F-8C80-EE8709171CB3}"/>
+              </a:ext>
+            </a:extLst>
+          </p:cNvPr>
+          <p:cNvSpPr>
+            <a:spLocks noGrp="1"/>
+          </p:cNvSpPr>
+          <p:nvPr>
+            <p:ph type="subTitle" sz="quarter" idx="11"/>
+          </p:nvPr>
+        </p:nvSpPr>
+        <p:spPr/>
+        <p:txBody>
+          <a:bodyPr/>
+          <a:lstStyle/>
+          <a:p>
+            <a:r>
+              <a:rPr lang="bg-BG" dirty="0"/>
+              <a:t>Извличане на съдържание от таблица от БД</a:t>
+            </a:r>
+          </a:p>
+        </p:txBody>
+      </p:sp>
+      <p:sp>
+        <p:nvSpPr>
+          <p:cNvPr id="6" name="Slide Title">
+            <a:extLst>
+              <a:ext uri="{FF2B5EF4-FFF2-40B4-BE49-F238E27FC236}">
+                <a16:creationId xmlns:a16="http://schemas.microsoft.com/office/drawing/2014/main" id="{028D9EA3-B5E0-4F17-9467-4BE3C280DA68}"/>
+              </a:ext>
+            </a:extLst>
+          </p:cNvPr>
+          <p:cNvSpPr>
+            <a:spLocks noGrp="1"/>
+          </p:cNvSpPr>
+          <p:nvPr>
+            <p:ph type="title" sz="quarter" idx="10"/>
+          </p:nvPr>
+        </p:nvSpPr>
+        <p:spPr>
+          <a:xfrm>
+            <a:off x="475553" y="4734000"/>
+            <a:ext cx="11240891" cy="768084"/>
+          </a:xfrm>
+        </p:spPr>
+        <p:txBody>
+          <a:bodyPr/>
+          <a:lstStyle/>
+          <a:p>
+            <a:r>
+              <a:rPr lang="bg-BG" sz="4800" dirty="0"/>
+              <a:t>Визуализация на данни в </a:t>
+            </a:r>
+            <a:r>
+              <a:rPr lang="en-US" sz="4800" dirty="0"/>
+              <a:t>Windows Forms</a:t>
+            </a:r>
+          </a:p>
+        </p:txBody>
+      </p:sp>
+      <p:pic>
+        <p:nvPicPr>
+          <p:cNvPr id="7" name="Picture 6">
+            <a:extLst>
+              <a:ext uri="{FF2B5EF4-FFF2-40B4-BE49-F238E27FC236}">
+                <a16:creationId xmlns:a16="http://schemas.microsoft.com/office/drawing/2014/main" id="{5CC01025-C143-3AE8-DB39-D3730A2A7E49}"/>
+              </a:ext>
+            </a:extLst>
+          </p:cNvPr>
+          <p:cNvPicPr>
+            <a:picLocks noChangeAspect="1"/>
+          </p:cNvPicPr>
+          <p:nvPr/>
+        </p:nvPicPr>
+        <p:blipFill>
+          <a:blip r:embed="rId3">
+            <a:extLst>
+              <a:ext uri="{28A0092B-C50C-407E-A947-70E740481C1C}">
+                <a14:useLocalDpi xmlns:a14="http://schemas.microsoft.com/office/drawing/2010/main" val="0"/>
+              </a:ext>
+            </a:extLst>
+          </a:blip>
+          <a:stretch>
+            <a:fillRect/>
+          </a:stretch>
+        </p:blipFill>
+        <p:spPr>
+          <a:xfrm>
+            <a:off x="4770255" y="1777703"/>
+            <a:ext cx="2651489" cy="1731202"/>
+          </a:xfrm>
+          <a:prstGeom prst="rect">
+            <a:avLst/>
+          </a:prstGeom>
+        </p:spPr>
+      </p:pic>
+    </p:spTree>
+    <p:extLst>
+      <p:ext uri="{BB962C8B-B14F-4D97-AF65-F5344CB8AC3E}">
+        <p14:creationId xmlns:p14="http://schemas.microsoft.com/office/powerpoint/2010/main" val="882194472"/>
+      </p:ext>
+    </p:extLst>
+  </p:cSld>
+  <p:clrMapOvr>
+    <a:masterClrMapping/>
+  </p:clrMapOvr>
+  <mc:AlternateContent xmlns:mc="http://schemas.openxmlformats.org/markup-compatibility/2006" xmlns:p14="http://schemas.microsoft.com/office/powerpoint/2010/main">
+    <mc:Choice Requires="p14">
+      <p:transition spd="slow" p14:dur="2000" advClick="0" advTm="5000"/>
+    </mc:Choice>
+    <mc:Fallback xmlns="">
+      <p:transition spd="slow" advClick="0" advTm="5000"/>
+    </mc:Fallback>
+  </mc:AlternateContent>
+</p:sld>
+</file>
+
+<file path=ppt/slides/slide30.xml><?xml version="1.0" encoding="utf-8"?>
 <p:sld xmlns:a="http://schemas.openxmlformats.org/drawingml/2006/main" xmlns:r="http://schemas.openxmlformats.org/officeDocument/2006/relationships" xmlns:p="http://schemas.openxmlformats.org/presentationml/2006/main">
   <p:cSld>
     <p:spTree>
@@ -20983,835 +21292,7 @@
             <a:fld id="{2BF067CD-8E6B-4360-9AA8-C5DF2A48A6D1}" type="slidenum">
               <a:rPr lang="en-US" noProof="0" smtClean="0"/>
               <a:pPr/>
-              <a:t>28</a:t>
-            </a:fld>
-            <a:endParaRPr lang="en-US" noProof="0" dirty="0"/>
-          </a:p>
-        </p:txBody>
-      </p:sp>
-      <p:sp>
-        <p:nvSpPr>
-          <p:cNvPr id="3" name="Text Placeholder 2">
-            <a:extLst>
-              <a:ext uri="{FF2B5EF4-FFF2-40B4-BE49-F238E27FC236}">
-                <a16:creationId xmlns:a16="http://schemas.microsoft.com/office/drawing/2014/main" id="{70810851-4790-2FC0-3F9D-A1CF7D2C9A2E}"/>
-              </a:ext>
-            </a:extLst>
-          </p:cNvPr>
-          <p:cNvSpPr>
-            <a:spLocks noGrp="1"/>
-          </p:cNvSpPr>
-          <p:nvPr>
-            <p:ph type="body" sz="quarter" idx="10"/>
-          </p:nvPr>
-        </p:nvSpPr>
-        <p:spPr/>
-        <p:txBody>
-          <a:bodyPr/>
-          <a:lstStyle/>
-          <a:p>
-            <a:endParaRPr lang="en-US" dirty="0"/>
-          </a:p>
-          <a:p>
-            <a:endParaRPr lang="bg-BG" dirty="0"/>
-          </a:p>
-          <a:p>
-            <a:endParaRPr lang="bg-BG" dirty="0"/>
-          </a:p>
-          <a:p>
-            <a:endParaRPr lang="bg-BG" dirty="0"/>
-          </a:p>
-          <a:p>
-            <a:endParaRPr lang="en-BG" dirty="0"/>
-          </a:p>
-        </p:txBody>
-      </p:sp>
-      <p:sp>
-        <p:nvSpPr>
-          <p:cNvPr id="4" name="Title 3">
-            <a:extLst>
-              <a:ext uri="{FF2B5EF4-FFF2-40B4-BE49-F238E27FC236}">
-                <a16:creationId xmlns:a16="http://schemas.microsoft.com/office/drawing/2014/main" id="{A68D83C9-FB5D-2A19-030C-321D25436A47}"/>
-              </a:ext>
-            </a:extLst>
-          </p:cNvPr>
-          <p:cNvSpPr>
-            <a:spLocks noGrp="1"/>
-          </p:cNvSpPr>
-          <p:nvPr>
-            <p:ph type="title"/>
-          </p:nvPr>
-        </p:nvSpPr>
-        <p:spPr/>
-        <p:txBody>
-          <a:bodyPr/>
-          <a:lstStyle/>
-          <a:p>
-            <a:r>
-              <a:rPr lang="bg-BG" dirty="0"/>
-              <a:t>Методът </a:t>
-            </a:r>
-            <a:r>
-              <a:rPr lang="en-US" dirty="0"/>
-              <a:t>OnClosing()</a:t>
-            </a:r>
-            <a:endParaRPr lang="en-BG" dirty="0"/>
-          </a:p>
-        </p:txBody>
-      </p:sp>
-      <p:sp>
-        <p:nvSpPr>
-          <p:cNvPr id="5" name="Text Placeholder 4">
-            <a:extLst>
-              <a:ext uri="{FF2B5EF4-FFF2-40B4-BE49-F238E27FC236}">
-                <a16:creationId xmlns:a16="http://schemas.microsoft.com/office/drawing/2014/main" id="{13BA60DF-6890-4609-78B2-933416A22B72}"/>
-              </a:ext>
-            </a:extLst>
-          </p:cNvPr>
-          <p:cNvSpPr txBox="1">
-            <a:spLocks/>
-          </p:cNvSpPr>
-          <p:nvPr/>
-        </p:nvSpPr>
-        <p:spPr>
-          <a:xfrm>
-            <a:off x="471000" y="3237463"/>
-            <a:ext cx="11290528" cy="2676758"/>
-          </a:xfrm>
-          <a:prstGeom prst="rect">
-            <a:avLst/>
-          </a:prstGeom>
-          <a:solidFill>
-            <a:schemeClr val="accent5">
-              <a:lumMod val="40000"/>
-              <a:lumOff val="60000"/>
-              <a:alpha val="15000"/>
-            </a:schemeClr>
-          </a:solidFill>
-          <a:ln w="12700">
-            <a:solidFill>
-              <a:schemeClr val="accent5">
-                <a:lumMod val="60000"/>
-                <a:lumOff val="40000"/>
-              </a:schemeClr>
-            </a:solidFill>
-          </a:ln>
-        </p:spPr>
-        <p:txBody>
-          <a:bodyPr wrap="square">
-            <a:spAutoFit/>
-          </a:bodyPr>
-          <a:lstStyle/>
-          <a:p>
-            <a:pPr>
-              <a:lnSpc>
-                <a:spcPct val="100000"/>
-              </a:lnSpc>
-            </a:pPr>
-            <a:r>
-              <a:rPr lang="en-US" sz="2399" b="1" noProof="1">
-                <a:latin typeface="Consolas" panose="020B0609020204030204" pitchFamily="49" charset="0"/>
-              </a:rPr>
-              <a:t> protected override void OnClosing(CancelEventArgs e)</a:t>
-            </a:r>
-          </a:p>
-          <a:p>
-            <a:pPr>
-              <a:lnSpc>
-                <a:spcPct val="100000"/>
-              </a:lnSpc>
-            </a:pPr>
-            <a:r>
-              <a:rPr lang="en-US" sz="2399" b="1" noProof="1">
-                <a:latin typeface="Consolas" panose="020B0609020204030204" pitchFamily="49" charset="0"/>
-              </a:rPr>
-              <a:t> {</a:t>
-            </a:r>
-          </a:p>
-          <a:p>
-            <a:pPr>
-              <a:lnSpc>
-                <a:spcPct val="100000"/>
-              </a:lnSpc>
-            </a:pPr>
-            <a:r>
-              <a:rPr lang="en-US" sz="2399" b="1" noProof="1">
-                <a:latin typeface="Consolas" panose="020B0609020204030204" pitchFamily="49" charset="0"/>
-              </a:rPr>
-              <a:t>     base.OnClosing(e);</a:t>
-            </a:r>
-          </a:p>
-          <a:p>
-            <a:pPr>
-              <a:lnSpc>
-                <a:spcPct val="100000"/>
-              </a:lnSpc>
-            </a:pPr>
-            <a:endParaRPr lang="en-US" sz="2399" b="1" noProof="1">
-              <a:latin typeface="Consolas" panose="020B0609020204030204" pitchFamily="49" charset="0"/>
-            </a:endParaRPr>
-          </a:p>
-          <a:p>
-            <a:pPr>
-              <a:lnSpc>
-                <a:spcPct val="100000"/>
-              </a:lnSpc>
-            </a:pPr>
-            <a:r>
-              <a:rPr lang="en-US" sz="2399" b="1" noProof="1">
-                <a:latin typeface="Consolas" panose="020B0609020204030204" pitchFamily="49" charset="0"/>
-              </a:rPr>
-              <a:t>     this.dbContext?.</a:t>
-            </a:r>
-            <a:r>
-              <a:rPr lang="en-US" sz="2399" b="1" noProof="1">
-                <a:solidFill>
-                  <a:schemeClr val="bg1"/>
-                </a:solidFill>
-                <a:latin typeface="Consolas" panose="020B0609020204030204" pitchFamily="49" charset="0"/>
-              </a:rPr>
-              <a:t>Dispose()</a:t>
-            </a:r>
-            <a:r>
-              <a:rPr lang="en-US" sz="2399" b="1" noProof="1">
-                <a:latin typeface="Consolas" panose="020B0609020204030204" pitchFamily="49" charset="0"/>
-              </a:rPr>
-              <a:t>;</a:t>
-            </a:r>
-          </a:p>
-          <a:p>
-            <a:pPr>
-              <a:lnSpc>
-                <a:spcPct val="100000"/>
-              </a:lnSpc>
-            </a:pPr>
-            <a:r>
-              <a:rPr lang="en-US" sz="2399" b="1" noProof="1">
-                <a:latin typeface="Consolas" panose="020B0609020204030204" pitchFamily="49" charset="0"/>
-              </a:rPr>
-              <a:t>     this.dbContext = </a:t>
-            </a:r>
-            <a:r>
-              <a:rPr lang="en-US" sz="2399" b="1" noProof="1">
-                <a:solidFill>
-                  <a:schemeClr val="bg1"/>
-                </a:solidFill>
-                <a:latin typeface="Consolas" panose="020B0609020204030204" pitchFamily="49" charset="0"/>
-              </a:rPr>
-              <a:t>null</a:t>
-            </a:r>
-            <a:r>
-              <a:rPr lang="en-US" sz="2399" b="1" noProof="1">
-                <a:latin typeface="Consolas" panose="020B0609020204030204" pitchFamily="49" charset="0"/>
-              </a:rPr>
-              <a:t>;</a:t>
-            </a:r>
-          </a:p>
-          <a:p>
-            <a:pPr>
-              <a:lnSpc>
-                <a:spcPct val="100000"/>
-              </a:lnSpc>
-            </a:pPr>
-            <a:r>
-              <a:rPr lang="en-US" sz="2399" b="1" noProof="1">
-                <a:latin typeface="Consolas" panose="020B0609020204030204" pitchFamily="49" charset="0"/>
-              </a:rPr>
-              <a:t> }</a:t>
-            </a:r>
-          </a:p>
-        </p:txBody>
-      </p:sp>
-      <p:sp>
-        <p:nvSpPr>
-          <p:cNvPr id="9" name="Text Placeholder 2">
-            <a:extLst>
-              <a:ext uri="{FF2B5EF4-FFF2-40B4-BE49-F238E27FC236}">
-                <a16:creationId xmlns:a16="http://schemas.microsoft.com/office/drawing/2014/main" id="{C9BC6CAE-D957-A61C-8CAB-24768F49A252}"/>
-              </a:ext>
-            </a:extLst>
-          </p:cNvPr>
-          <p:cNvSpPr txBox="1">
-            <a:spLocks/>
-          </p:cNvSpPr>
-          <p:nvPr/>
-        </p:nvSpPr>
-        <p:spPr>
-          <a:xfrm>
-            <a:off x="196923" y="1206979"/>
-            <a:ext cx="11818096" cy="5528766"/>
-          </a:xfrm>
-          <a:prstGeom prst="rect">
-            <a:avLst/>
-          </a:prstGeom>
-        </p:spPr>
-        <p:txBody>
-          <a:bodyPr vert="horz" lIns="108000" tIns="36000" rIns="108000" bIns="36000" rtlCol="0">
-            <a:normAutofit/>
-          </a:bodyPr>
-          <a:lstStyle>
-            <a:lvl1pPr marL="360363" indent="-360363" algn="l" defTabSz="1218438" rtl="0" eaLnBrk="1" latinLnBrk="0" hangingPunct="1">
-              <a:lnSpc>
-                <a:spcPct val="105000"/>
-              </a:lnSpc>
-              <a:spcBef>
-                <a:spcPts val="600"/>
-              </a:spcBef>
-              <a:spcAft>
-                <a:spcPts val="600"/>
-              </a:spcAft>
-              <a:buClr>
-                <a:schemeClr val="tx1"/>
-              </a:buClr>
-              <a:buFont typeface="Wingdings" panose="05000000000000000000" pitchFamily="2" charset="2"/>
-              <a:buChar char="§"/>
-              <a:defRPr sz="3398" kern="1200">
-                <a:solidFill>
-                  <a:schemeClr val="tx1"/>
-                </a:solidFill>
-                <a:latin typeface="+mn-lt"/>
-                <a:ea typeface="+mn-ea"/>
-                <a:cs typeface="+mn-cs"/>
-              </a:defRPr>
-            </a:lvl1pPr>
-            <a:lvl2pPr marL="803275" indent="-360363" algn="l" defTabSz="1218438" rtl="0" eaLnBrk="1" latinLnBrk="0" hangingPunct="1">
-              <a:lnSpc>
-                <a:spcPct val="105000"/>
-              </a:lnSpc>
-              <a:spcBef>
-                <a:spcPts val="600"/>
-              </a:spcBef>
-              <a:spcAft>
-                <a:spcPts val="600"/>
-              </a:spcAft>
-              <a:buClr>
-                <a:schemeClr val="tx1"/>
-              </a:buClr>
-              <a:buFont typeface="Wingdings" panose="05000000000000000000" pitchFamily="2" charset="2"/>
-              <a:buChar char="§"/>
-              <a:defRPr sz="3198" kern="1200">
-                <a:solidFill>
-                  <a:schemeClr val="tx1"/>
-                </a:solidFill>
-                <a:latin typeface="+mn-lt"/>
-                <a:ea typeface="+mn-ea"/>
-                <a:cs typeface="+mn-cs"/>
-              </a:defRPr>
-            </a:lvl2pPr>
-            <a:lvl3pPr marL="1255713" indent="-360363" algn="l" defTabSz="1218438" rtl="0" eaLnBrk="1" latinLnBrk="0" hangingPunct="1">
-              <a:lnSpc>
-                <a:spcPct val="105000"/>
-              </a:lnSpc>
-              <a:spcBef>
-                <a:spcPts val="600"/>
-              </a:spcBef>
-              <a:spcAft>
-                <a:spcPts val="600"/>
-              </a:spcAft>
-              <a:buClr>
-                <a:schemeClr val="tx1"/>
-              </a:buClr>
-              <a:buFont typeface="Wingdings" panose="05000000000000000000" pitchFamily="2" charset="2"/>
-              <a:buChar char="§"/>
-              <a:defRPr sz="2998" kern="1200">
-                <a:solidFill>
-                  <a:schemeClr val="tx1"/>
-                </a:solidFill>
-                <a:latin typeface="+mn-lt"/>
-                <a:ea typeface="+mn-ea"/>
-                <a:cs typeface="+mn-cs"/>
-              </a:defRPr>
-            </a:lvl3pPr>
-            <a:lvl4pPr marL="1700213" indent="-352425" algn="l" defTabSz="1218438" rtl="0" eaLnBrk="1" latinLnBrk="0" hangingPunct="1">
-              <a:lnSpc>
-                <a:spcPct val="105000"/>
-              </a:lnSpc>
-              <a:spcBef>
-                <a:spcPts val="600"/>
-              </a:spcBef>
-              <a:spcAft>
-                <a:spcPts val="600"/>
-              </a:spcAft>
-              <a:buClr>
-                <a:schemeClr val="tx1"/>
-              </a:buClr>
-              <a:buFont typeface="Wingdings" panose="05000000000000000000" pitchFamily="2" charset="2"/>
-              <a:buChar char="§"/>
-              <a:defRPr sz="2798" kern="1200">
-                <a:solidFill>
-                  <a:schemeClr val="tx1"/>
-                </a:solidFill>
-                <a:latin typeface="+mn-lt"/>
-                <a:ea typeface="+mn-ea"/>
-                <a:cs typeface="+mn-cs"/>
-              </a:defRPr>
-            </a:lvl4pPr>
-            <a:lvl5pPr marL="2058988" indent="-266700" algn="l" defTabSz="1218438" rtl="0" eaLnBrk="1" latinLnBrk="0" hangingPunct="1">
-              <a:lnSpc>
-                <a:spcPct val="105000"/>
-              </a:lnSpc>
-              <a:spcBef>
-                <a:spcPts val="600"/>
-              </a:spcBef>
-              <a:spcAft>
-                <a:spcPts val="600"/>
-              </a:spcAft>
-              <a:buClr>
-                <a:schemeClr val="tx1"/>
-              </a:buClr>
-              <a:buFont typeface="Wingdings" panose="05000000000000000000" pitchFamily="2" charset="2"/>
-              <a:buChar char="§"/>
-              <a:defRPr sz="2598" kern="1200">
-                <a:solidFill>
-                  <a:schemeClr val="tx1"/>
-                </a:solidFill>
-                <a:latin typeface="+mn-lt"/>
-                <a:ea typeface="+mn-ea"/>
-                <a:cs typeface="+mn-cs"/>
-              </a:defRPr>
-            </a:lvl5pPr>
-            <a:lvl6pPr marL="3350704" indent="-304610" algn="l" defTabSz="1218438" rtl="0" eaLnBrk="1" latinLnBrk="1" hangingPunct="1">
-              <a:spcBef>
-                <a:spcPct val="20000"/>
-              </a:spcBef>
-              <a:buFont typeface="Arial" pitchFamily="34" charset="0"/>
-              <a:buChar char="•"/>
-              <a:defRPr sz="2665" kern="1200">
-                <a:solidFill>
-                  <a:schemeClr val="tx1"/>
-                </a:solidFill>
-                <a:latin typeface="+mn-lt"/>
-                <a:ea typeface="+mn-ea"/>
-                <a:cs typeface="+mn-cs"/>
-              </a:defRPr>
-            </a:lvl6pPr>
-            <a:lvl7pPr marL="3959924" indent="-304610" algn="l" defTabSz="1218438" rtl="0" eaLnBrk="1" latinLnBrk="1" hangingPunct="1">
-              <a:spcBef>
-                <a:spcPct val="20000"/>
-              </a:spcBef>
-              <a:buFont typeface="Arial" pitchFamily="34" charset="0"/>
-              <a:buChar char="•"/>
-              <a:defRPr sz="2665" kern="1200">
-                <a:solidFill>
-                  <a:schemeClr val="tx1"/>
-                </a:solidFill>
-                <a:latin typeface="+mn-lt"/>
-                <a:ea typeface="+mn-ea"/>
-                <a:cs typeface="+mn-cs"/>
-              </a:defRPr>
-            </a:lvl7pPr>
-            <a:lvl8pPr marL="4569143" indent="-304610" algn="l" defTabSz="1218438" rtl="0" eaLnBrk="1" latinLnBrk="1" hangingPunct="1">
-              <a:spcBef>
-                <a:spcPct val="20000"/>
-              </a:spcBef>
-              <a:buFont typeface="Arial" pitchFamily="34" charset="0"/>
-              <a:buChar char="•"/>
-              <a:defRPr sz="2665" kern="1200">
-                <a:solidFill>
-                  <a:schemeClr val="tx1"/>
-                </a:solidFill>
-                <a:latin typeface="+mn-lt"/>
-                <a:ea typeface="+mn-ea"/>
-                <a:cs typeface="+mn-cs"/>
-              </a:defRPr>
-            </a:lvl8pPr>
-            <a:lvl9pPr marL="5178362" indent="-304610" algn="l" defTabSz="1218438" rtl="0" eaLnBrk="1" latinLnBrk="1" hangingPunct="1">
-              <a:spcBef>
-                <a:spcPct val="20000"/>
-              </a:spcBef>
-              <a:buFont typeface="Arial" pitchFamily="34" charset="0"/>
-              <a:buChar char="•"/>
-              <a:defRPr sz="2665" kern="1200">
-                <a:solidFill>
-                  <a:schemeClr val="tx1"/>
-                </a:solidFill>
-                <a:latin typeface="+mn-lt"/>
-                <a:ea typeface="+mn-ea"/>
-                <a:cs typeface="+mn-cs"/>
-              </a:defRPr>
-            </a:lvl9pPr>
-          </a:lstStyle>
-          <a:p>
-            <a:r>
-              <a:rPr lang="bg-BG" sz="2800" dirty="0"/>
-              <a:t>При </a:t>
-            </a:r>
-            <a:r>
-              <a:rPr lang="bg-BG" sz="2800" b="1" dirty="0"/>
-              <a:t>затварянето</a:t>
-            </a:r>
-            <a:r>
-              <a:rPr lang="bg-BG" sz="2800" dirty="0"/>
-              <a:t> на </a:t>
-            </a:r>
-            <a:r>
-              <a:rPr lang="bg-BG" sz="2800" b="1" dirty="0"/>
-              <a:t>формата</a:t>
-            </a:r>
-            <a:r>
-              <a:rPr lang="bg-BG" sz="2800" dirty="0"/>
-              <a:t> се извиква </a:t>
-            </a:r>
-            <a:r>
-              <a:rPr lang="bg-BG" sz="2800" b="1" dirty="0"/>
-              <a:t>методът</a:t>
-            </a:r>
-            <a:r>
-              <a:rPr lang="bg-BG" sz="2800" dirty="0"/>
-              <a:t> </a:t>
-            </a:r>
-            <a:r>
-              <a:rPr lang="en-US" sz="2800" b="1" dirty="0">
-                <a:solidFill>
-                  <a:schemeClr val="bg1"/>
-                </a:solidFill>
-                <a:latin typeface="Consolas" panose="020B0609020204030204" pitchFamily="49" charset="0"/>
-                <a:cs typeface="Consolas" panose="020B0609020204030204" pitchFamily="49" charset="0"/>
-              </a:rPr>
-              <a:t>OnClosing()</a:t>
-            </a:r>
-          </a:p>
-          <a:p>
-            <a:r>
-              <a:rPr lang="en-US" sz="2800" b="1" dirty="0">
-                <a:solidFill>
-                  <a:schemeClr val="bg1"/>
-                </a:solidFill>
-                <a:latin typeface="Consolas" panose="020B0609020204030204" pitchFamily="49" charset="0"/>
-                <a:cs typeface="Consolas" panose="020B0609020204030204" pitchFamily="49" charset="0"/>
-              </a:rPr>
-              <a:t>DbContext</a:t>
-            </a:r>
-            <a:r>
-              <a:rPr lang="bg-BG" sz="2800" dirty="0"/>
-              <a:t> се </a:t>
-            </a:r>
-            <a:r>
-              <a:rPr lang="bg-BG" sz="2800" b="1" dirty="0"/>
-              <a:t>унищожава</a:t>
-            </a:r>
-          </a:p>
-          <a:p>
-            <a:r>
-              <a:rPr lang="en-US" sz="2800" b="1" dirty="0">
-                <a:solidFill>
-                  <a:schemeClr val="bg1"/>
-                </a:solidFill>
-                <a:latin typeface="Consolas" panose="020B0609020204030204" pitchFamily="49" charset="0"/>
-                <a:cs typeface="Consolas" panose="020B0609020204030204" pitchFamily="49" charset="0"/>
-              </a:rPr>
-              <a:t>DbContext</a:t>
-            </a:r>
-            <a:r>
-              <a:rPr lang="en-US" sz="2800" dirty="0"/>
-              <a:t> </a:t>
-            </a:r>
-            <a:r>
-              <a:rPr lang="bg-BG" sz="2800" dirty="0"/>
-              <a:t>се задава на </a:t>
-            </a:r>
-            <a:r>
-              <a:rPr lang="en-US" sz="2800" b="1" dirty="0">
-                <a:solidFill>
-                  <a:schemeClr val="bg1"/>
-                </a:solidFill>
-                <a:latin typeface="Consolas" panose="020B0609020204030204" pitchFamily="49" charset="0"/>
-                <a:cs typeface="Consolas" panose="020B0609020204030204" pitchFamily="49" charset="0"/>
-              </a:rPr>
-              <a:t>null</a:t>
-            </a:r>
-            <a:r>
-              <a:rPr lang="bg-BG" sz="2800" dirty="0"/>
-              <a:t>, което позволява </a:t>
-            </a:r>
-            <a:r>
-              <a:rPr lang="bg-BG" sz="2800" b="1" dirty="0"/>
-              <a:t>повторно</a:t>
-            </a:r>
-            <a:r>
-              <a:rPr lang="bg-BG" sz="2800" dirty="0"/>
-              <a:t> </a:t>
-            </a:r>
-            <a:r>
-              <a:rPr lang="bg-BG" sz="2800" b="1" dirty="0"/>
-              <a:t>ползване</a:t>
-            </a:r>
-          </a:p>
-        </p:txBody>
-      </p:sp>
-    </p:spTree>
-    <p:extLst>
-      <p:ext uri="{BB962C8B-B14F-4D97-AF65-F5344CB8AC3E}">
-        <p14:creationId xmlns:p14="http://schemas.microsoft.com/office/powerpoint/2010/main" val="2359072472"/>
-      </p:ext>
-    </p:extLst>
-  </p:cSld>
-  <p:clrMapOvr>
-    <a:masterClrMapping/>
-  </p:clrMapOvr>
-  <mc:AlternateContent xmlns:mc="http://schemas.openxmlformats.org/markup-compatibility/2006" xmlns:p14="http://schemas.microsoft.com/office/powerpoint/2010/main">
-    <mc:Choice Requires="p14">
-      <p:transition spd="slow" p14:dur="2000" advClick="0" advTm="5000"/>
-    </mc:Choice>
-    <mc:Fallback xmlns="">
-      <p:transition spd="slow" advClick="0" advTm="5000"/>
-    </mc:Fallback>
-  </mc:AlternateContent>
-  <p:timing>
-    <p:tnLst>
-      <p:par>
-        <p:cTn id="1" dur="indefinite" restart="never" nodeType="tmRoot">
-          <p:childTnLst>
-            <p:seq concurrent="1" nextAc="seek">
-              <p:cTn id="2" dur="indefinite" nodeType="mainSeq">
-                <p:childTnLst>
-                  <p:par>
-                    <p:cTn id="3" fill="hold">
-                      <p:stCondLst>
-                        <p:cond delay="indefinite"/>
-                        <p:cond evt="onBegin" delay="0">
-                          <p:tn val="2"/>
-                        </p:cond>
-                      </p:stCondLst>
-                      <p:childTnLst>
-                        <p:par>
-                          <p:cTn id="4" fill="hold">
-                            <p:stCondLst>
-                              <p:cond delay="0"/>
-                            </p:stCondLst>
-                            <p:childTnLst>
-                              <p:par>
-                                <p:cTn id="5" presetID="1" presetClass="entr" presetSubtype="0" fill="hold" grpId="0" nodeType="withEffect">
-                                  <p:stCondLst>
-                                    <p:cond delay="0"/>
-                                  </p:stCondLst>
-                                  <p:childTnLst>
-                                    <p:set>
-                                      <p:cBhvr>
-                                        <p:cTn id="6" dur="1" fill="hold">
-                                          <p:stCondLst>
-                                            <p:cond delay="0"/>
-                                          </p:stCondLst>
-                                        </p:cTn>
-                                        <p:tgtEl>
-                                          <p:spTgt spid="5"/>
-                                        </p:tgtEl>
-                                        <p:attrNameLst>
-                                          <p:attrName>style.visibility</p:attrName>
-                                        </p:attrNameLst>
-                                      </p:cBhvr>
-                                      <p:to>
-                                        <p:strVal val="visible"/>
-                                      </p:to>
-                                    </p:set>
-                                  </p:childTnLst>
-                                </p:cTn>
-                              </p:par>
-                              <p:par>
-                                <p:cTn id="7" presetID="1" presetClass="entr" presetSubtype="0" fill="hold" nodeType="withEffect">
-                                  <p:stCondLst>
-                                    <p:cond delay="0"/>
-                                  </p:stCondLst>
-                                  <p:childTnLst>
-                                    <p:set>
-                                      <p:cBhvr>
-                                        <p:cTn id="8" dur="1" fill="hold">
-                                          <p:stCondLst>
-                                            <p:cond delay="0"/>
-                                          </p:stCondLst>
-                                        </p:cTn>
-                                        <p:tgtEl>
-                                          <p:spTgt spid="9">
-                                            <p:txEl>
-                                              <p:pRg st="0" end="0"/>
-                                            </p:txEl>
-                                          </p:spTgt>
-                                        </p:tgtEl>
-                                        <p:attrNameLst>
-                                          <p:attrName>style.visibility</p:attrName>
-                                        </p:attrNameLst>
-                                      </p:cBhvr>
-                                      <p:to>
-                                        <p:strVal val="visible"/>
-                                      </p:to>
-                                    </p:set>
-                                  </p:childTnLst>
-                                </p:cTn>
-                              </p:par>
-                            </p:childTnLst>
-                          </p:cTn>
-                        </p:par>
-                      </p:childTnLst>
-                    </p:cTn>
-                  </p:par>
-                  <p:par>
-                    <p:cTn id="9" fill="hold">
-                      <p:stCondLst>
-                        <p:cond delay="indefinite"/>
-                      </p:stCondLst>
-                      <p:childTnLst>
-                        <p:par>
-                          <p:cTn id="10" fill="hold">
-                            <p:stCondLst>
-                              <p:cond delay="0"/>
-                            </p:stCondLst>
-                            <p:childTnLst>
-                              <p:par>
-                                <p:cTn id="11" presetID="1" presetClass="entr" presetSubtype="0" fill="hold" nodeType="clickEffect">
-                                  <p:stCondLst>
-                                    <p:cond delay="0"/>
-                                  </p:stCondLst>
-                                  <p:childTnLst>
-                                    <p:set>
-                                      <p:cBhvr>
-                                        <p:cTn id="12" dur="1" fill="hold">
-                                          <p:stCondLst>
-                                            <p:cond delay="0"/>
-                                          </p:stCondLst>
-                                        </p:cTn>
-                                        <p:tgtEl>
-                                          <p:spTgt spid="9">
-                                            <p:txEl>
-                                              <p:pRg st="1" end="1"/>
-                                            </p:txEl>
-                                          </p:spTgt>
-                                        </p:tgtEl>
-                                        <p:attrNameLst>
-                                          <p:attrName>style.visibility</p:attrName>
-                                        </p:attrNameLst>
-                                      </p:cBhvr>
-                                      <p:to>
-                                        <p:strVal val="visible"/>
-                                      </p:to>
-                                    </p:set>
-                                  </p:childTnLst>
-                                </p:cTn>
-                              </p:par>
-                            </p:childTnLst>
-                          </p:cTn>
-                        </p:par>
-                      </p:childTnLst>
-                    </p:cTn>
-                  </p:par>
-                  <p:par>
-                    <p:cTn id="13" fill="hold">
-                      <p:stCondLst>
-                        <p:cond delay="indefinite"/>
-                      </p:stCondLst>
-                      <p:childTnLst>
-                        <p:par>
-                          <p:cTn id="14" fill="hold">
-                            <p:stCondLst>
-                              <p:cond delay="0"/>
-                            </p:stCondLst>
-                            <p:childTnLst>
-                              <p:par>
-                                <p:cTn id="15" presetID="1" presetClass="entr" presetSubtype="0" fill="hold" nodeType="clickEffect">
-                                  <p:stCondLst>
-                                    <p:cond delay="0"/>
-                                  </p:stCondLst>
-                                  <p:childTnLst>
-                                    <p:set>
-                                      <p:cBhvr>
-                                        <p:cTn id="16" dur="1" fill="hold">
-                                          <p:stCondLst>
-                                            <p:cond delay="0"/>
-                                          </p:stCondLst>
-                                        </p:cTn>
-                                        <p:tgtEl>
-                                          <p:spTgt spid="9">
-                                            <p:txEl>
-                                              <p:pRg st="2" end="2"/>
-                                            </p:txEl>
-                                          </p:spTgt>
-                                        </p:tgtEl>
-                                        <p:attrNameLst>
-                                          <p:attrName>style.visibility</p:attrName>
-                                        </p:attrNameLst>
-                                      </p:cBhvr>
-                                      <p:to>
-                                        <p:strVal val="visible"/>
-                                      </p:to>
-                                    </p:set>
-                                  </p:childTnLst>
-                                </p:cTn>
-                              </p:par>
-                            </p:childTnLst>
-                          </p:cTn>
-                        </p:par>
-                      </p:childTnLst>
-                    </p:cTn>
-                  </p:par>
-                </p:childTnLst>
-              </p:cTn>
-              <p:prevCondLst>
-                <p:cond evt="onPrev" delay="0">
-                  <p:tgtEl>
-                    <p:sldTgt/>
-                  </p:tgtEl>
-                </p:cond>
-              </p:prevCondLst>
-              <p:nextCondLst>
-                <p:cond evt="onNext" delay="0">
-                  <p:tgtEl>
-                    <p:sldTgt/>
-                  </p:tgtEl>
-                </p:cond>
-              </p:nextCondLst>
-            </p:seq>
-          </p:childTnLst>
-        </p:cTn>
-      </p:par>
-    </p:tnLst>
-    <p:bldLst>
-      <p:bldP spid="5" grpId="0" animBg="1"/>
-    </p:bldLst>
-  </p:timing>
-</p:sld>
-</file>
-
-<file path=ppt/slides/slide29.xml><?xml version="1.0" encoding="utf-8"?>
-<p:sld xmlns:a="http://schemas.openxmlformats.org/drawingml/2006/main" xmlns:r="http://schemas.openxmlformats.org/officeDocument/2006/relationships" xmlns:p="http://schemas.openxmlformats.org/presentationml/2006/main">
-  <p:cSld>
-    <p:spTree>
-      <p:nvGrpSpPr>
-        <p:cNvPr id="1" name=""/>
-        <p:cNvGrpSpPr/>
-        <p:nvPr/>
-      </p:nvGrpSpPr>
-      <p:grpSpPr>
-        <a:xfrm>
-          <a:off x="0" y="0"/>
-          <a:ext cx="0" cy="0"/>
-          <a:chOff x="0" y="0"/>
-          <a:chExt cx="0" cy="0"/>
-        </a:xfrm>
-      </p:grpSpPr>
-      <p:sp>
-        <p:nvSpPr>
-          <p:cNvPr id="2" name="Slide Number Placeholder 1">
-            <a:extLst>
-              <a:ext uri="{FF2B5EF4-FFF2-40B4-BE49-F238E27FC236}">
-                <a16:creationId xmlns:a16="http://schemas.microsoft.com/office/drawing/2014/main" id="{F3AF87FF-1318-696E-CC00-2C2B6621789F}"/>
-              </a:ext>
-            </a:extLst>
-          </p:cNvPr>
-          <p:cNvSpPr>
-            <a:spLocks noGrp="1"/>
-          </p:cNvSpPr>
-          <p:nvPr>
-            <p:ph type="sldNum" sz="quarter" idx="5"/>
-          </p:nvPr>
-        </p:nvSpPr>
-        <p:spPr/>
-        <p:txBody>
-          <a:bodyPr/>
-          <a:lstStyle/>
-          <a:p>
-            <a:fld id="{2BF067CD-8E6B-4360-9AA8-C5DF2A48A6D1}" type="slidenum">
-              <a:rPr lang="en-US" noProof="0" smtClean="0"/>
-              <a:pPr/>
-              <a:t>29</a:t>
+              <a:t>30</a:t>
             </a:fld>
             <a:endParaRPr lang="en-US" noProof="0" dirty="0"/>
           </a:p>
@@ -22250,146 +21731,7 @@
 </p:sld>
 </file>
 
-<file path=ppt/slides/slide3.xml><?xml version="1.0" encoding="utf-8"?>
-<p:sld xmlns:a="http://schemas.openxmlformats.org/drawingml/2006/main" xmlns:r="http://schemas.openxmlformats.org/officeDocument/2006/relationships" xmlns:p="http://schemas.openxmlformats.org/presentationml/2006/main">
-  <p:cSld>
-    <p:spTree>
-      <p:nvGrpSpPr>
-        <p:cNvPr id="1" name=""/>
-        <p:cNvGrpSpPr/>
-        <p:nvPr/>
-      </p:nvGrpSpPr>
-      <p:grpSpPr>
-        <a:xfrm>
-          <a:off x="0" y="0"/>
-          <a:ext cx="0" cy="0"/>
-          <a:chOff x="0" y="0"/>
-          <a:chExt cx="0" cy="0"/>
-        </a:xfrm>
-      </p:grpSpPr>
-      <p:sp>
-        <p:nvSpPr>
-          <p:cNvPr id="4" name="Slide Subtitle">
-            <a:extLst>
-              <a:ext uri="{FF2B5EF4-FFF2-40B4-BE49-F238E27FC236}">
-                <a16:creationId xmlns:a16="http://schemas.microsoft.com/office/drawing/2014/main" id="{BEB5BB41-09D4-4E9F-8C80-EE8709171CB3}"/>
-              </a:ext>
-            </a:extLst>
-          </p:cNvPr>
-          <p:cNvSpPr>
-            <a:spLocks noGrp="1"/>
-          </p:cNvSpPr>
-          <p:nvPr>
-            <p:ph type="subTitle" sz="quarter" idx="11"/>
-          </p:nvPr>
-        </p:nvSpPr>
-        <p:spPr/>
-        <p:txBody>
-          <a:bodyPr/>
-          <a:lstStyle/>
-          <a:p>
-            <a:r>
-              <a:rPr lang="bg-BG" dirty="0"/>
-              <a:t>Извличане на съдържание от таблица от БД</a:t>
-            </a:r>
-          </a:p>
-        </p:txBody>
-      </p:sp>
-      <p:sp>
-        <p:nvSpPr>
-          <p:cNvPr id="6" name="Slide Title">
-            <a:extLst>
-              <a:ext uri="{FF2B5EF4-FFF2-40B4-BE49-F238E27FC236}">
-                <a16:creationId xmlns:a16="http://schemas.microsoft.com/office/drawing/2014/main" id="{028D9EA3-B5E0-4F17-9467-4BE3C280DA68}"/>
-              </a:ext>
-            </a:extLst>
-          </p:cNvPr>
-          <p:cNvSpPr>
-            <a:spLocks noGrp="1"/>
-          </p:cNvSpPr>
-          <p:nvPr>
-            <p:ph type="title" sz="quarter" idx="10"/>
-          </p:nvPr>
-        </p:nvSpPr>
-        <p:spPr>
-          <a:xfrm>
-            <a:off x="475553" y="4734000"/>
-            <a:ext cx="11240891" cy="768084"/>
-          </a:xfrm>
-        </p:spPr>
-        <p:txBody>
-          <a:bodyPr/>
-          <a:lstStyle/>
-          <a:p>
-            <a:r>
-              <a:rPr lang="bg-BG" sz="4800" dirty="0"/>
-              <a:t>Визуализация на данни в </a:t>
-            </a:r>
-            <a:r>
-              <a:rPr lang="en-US" sz="4800" dirty="0"/>
-              <a:t>Windows Forms</a:t>
-            </a:r>
-          </a:p>
-        </p:txBody>
-      </p:sp>
-      <p:pic>
-        <p:nvPicPr>
-          <p:cNvPr id="7" name="Picture 6">
-            <a:extLst>
-              <a:ext uri="{FF2B5EF4-FFF2-40B4-BE49-F238E27FC236}">
-                <a16:creationId xmlns:a16="http://schemas.microsoft.com/office/drawing/2014/main" id="{5CC01025-C143-3AE8-DB39-D3730A2A7E49}"/>
-              </a:ext>
-            </a:extLst>
-          </p:cNvPr>
-          <p:cNvPicPr>
-            <a:picLocks noChangeAspect="1"/>
-          </p:cNvPicPr>
-          <p:nvPr/>
-        </p:nvPicPr>
-        <p:blipFill>
-          <a:blip r:embed="rId3">
-            <a:extLst>
-              <a:ext uri="{28A0092B-C50C-407E-A947-70E740481C1C}">
-                <a14:useLocalDpi xmlns:a14="http://schemas.microsoft.com/office/drawing/2010/main" val="0"/>
-              </a:ext>
-            </a:extLst>
-          </a:blip>
-          <a:stretch>
-            <a:fillRect/>
-          </a:stretch>
-        </p:blipFill>
-        <p:spPr>
-          <a:xfrm>
-            <a:off x="4770255" y="1777703"/>
-            <a:ext cx="2651489" cy="1731202"/>
-          </a:xfrm>
-          <a:prstGeom prst="rect">
-            <a:avLst/>
-          </a:prstGeom>
-        </p:spPr>
-      </p:pic>
-    </p:spTree>
-    <p:extLst>
-      <p:ext uri="{BB962C8B-B14F-4D97-AF65-F5344CB8AC3E}">
-        <p14:creationId xmlns:p14="http://schemas.microsoft.com/office/powerpoint/2010/main" val="882194472"/>
-      </p:ext>
-    </p:extLst>
-  </p:cSld>
-  <p:clrMapOvr>
-    <a:masterClrMapping/>
-  </p:clrMapOvr>
-  <mc:AlternateContent xmlns:mc="http://schemas.openxmlformats.org/markup-compatibility/2006" xmlns:p14="http://schemas.microsoft.com/office/powerpoint/2010/main">
-    <mc:Choice Requires="p14">
-      <p:transition spd="slow" p14:dur="2000" advClick="0" advTm="5000"/>
-    </mc:Choice>
-    <mc:Fallback xmlns="">
-      <p:transition spd="slow" advClick="0" advTm="5000"/>
-    </mc:Fallback>
-  </mc:AlternateContent>
-</p:sld>
-</file>
-
-<file path=ppt/slides/slide30.xml><?xml version="1.0" encoding="utf-8"?>
+<file path=ppt/slides/slide31.xml><?xml version="1.0" encoding="utf-8"?>
 <p:sld xmlns:a="http://schemas.openxmlformats.org/drawingml/2006/main" xmlns:r="http://schemas.openxmlformats.org/officeDocument/2006/relationships" xmlns:p="http://schemas.openxmlformats.org/presentationml/2006/main">
   <p:cSld>
     <p:spTree>
@@ -23162,7 +22504,7 @@
             <a:fld id="{2BF067CD-8E6B-4360-9AA8-C5DF2A48A6D1}" type="slidenum">
               <a:rPr lang="en-US" noProof="0" smtClean="0"/>
               <a:pPr/>
-              <a:t>30</a:t>
+              <a:t>31</a:t>
             </a:fld>
             <a:endParaRPr lang="en-US" noProof="0" dirty="0"/>
           </a:p>
@@ -23604,7 +22946,7 @@
 </p:sld>
 </file>
 
-<file path=ppt/slides/slide31.xml><?xml version="1.0" encoding="utf-8"?>
+<file path=ppt/slides/slide32.xml><?xml version="1.0" encoding="utf-8"?>
 <p:sld xmlns:a="http://schemas.openxmlformats.org/drawingml/2006/main" xmlns:r="http://schemas.openxmlformats.org/officeDocument/2006/relationships" xmlns:p="http://schemas.openxmlformats.org/presentationml/2006/main">
   <p:cSld>
     <p:spTree>
@@ -23794,7 +23136,7 @@
 </p:sld>
 </file>
 
-<file path=ppt/slides/slide32.xml><?xml version="1.0" encoding="utf-8"?>
+<file path=ppt/slides/slide33.xml><?xml version="1.0" encoding="utf-8"?>
 <p:sld xmlns:a="http://schemas.openxmlformats.org/drawingml/2006/main" xmlns:r="http://schemas.openxmlformats.org/officeDocument/2006/relationships" xmlns:p="http://schemas.openxmlformats.org/presentationml/2006/main">
   <p:cSld>
     <p:spTree>
@@ -23847,7 +23189,7 @@
             <a:fld id="{2BF067CD-8E6B-4360-9AA8-C5DF2A48A6D1}" type="slidenum">
               <a:rPr lang="en-US" smtClean="0"/>
               <a:pPr/>
-              <a:t>32</a:t>
+              <a:t>33</a:t>
             </a:fld>
             <a:endParaRPr lang="en-US" dirty="0"/>
           </a:p>

--- a/Courses/Software-Sciences/Module-4-Information-Systems-New/05-Connecting-Windows-Forms-with-database/05-Connecting-Windows-Forms-with-database.pptx
+++ b/Courses/Software-Sciences/Module-4-Information-Systems-New/05-Connecting-Windows-Forms-with-database/05-Connecting-Windows-Forms-with-database.pptx
@@ -506,7 +506,7 @@
           <a:p>
             <a:fld id="{4E087215-0C8F-4762-A664-737A353EC9A4}" type="datetimeFigureOut">
               <a:rPr lang="bg-BG" smtClean="0"/>
-              <a:t>25.06.24 г.</a:t>
+              <a:t>26.06.24 г.</a:t>
             </a:fld>
             <a:endParaRPr lang="bg-BG"/>
           </a:p>
@@ -702,7 +702,7 @@
           <a:p>
             <a:fld id="{72D84649-876A-46C9-8472-14CB09C070D8}" type="datetimeFigureOut">
               <a:rPr lang="en-US" smtClean="0"/>
-              <a:t>6/25/24</a:t>
+              <a:t>6/26/24</a:t>
             </a:fld>
             <a:endParaRPr lang="en-US"/>
           </a:p>
@@ -10838,8 +10838,8 @@
         </p:blipFill>
         <p:spPr>
           <a:xfrm>
-            <a:off x="2547455" y="465400"/>
-            <a:ext cx="7097090" cy="4182922"/>
+            <a:off x="3277507" y="465400"/>
+            <a:ext cx="5636985" cy="4182922"/>
           </a:xfrm>
           <a:prstGeom prst="rect">
             <a:avLst/>
@@ -19368,7 +19368,7 @@
             </a:r>
             <a:r>
               <a:rPr lang="en-US" sz="3200" b="1" dirty="0"/>
-              <a:t>40</a:t>
+              <a:t>50</a:t>
             </a:r>
           </a:p>
           <a:p>
@@ -21415,8 +21415,8 @@
         </p:blipFill>
         <p:spPr>
           <a:xfrm>
-            <a:off x="8301000" y="1245143"/>
-            <a:ext cx="3098620" cy="5252206"/>
+            <a:off x="8595982" y="1245143"/>
+            <a:ext cx="2508656" cy="5252206"/>
           </a:xfrm>
           <a:prstGeom prst="rect">
             <a:avLst/>
@@ -21457,8 +21457,8 @@
         </p:blipFill>
         <p:spPr>
           <a:xfrm>
-            <a:off x="667963" y="1976844"/>
-            <a:ext cx="6643489" cy="4175360"/>
+            <a:off x="883080" y="1976844"/>
+            <a:ext cx="6213254" cy="4175360"/>
           </a:xfrm>
           <a:prstGeom prst="rect">
             <a:avLst/>

--- a/Courses/Software-Sciences/Module-4-Information-Systems-New/05-Connecting-Windows-Forms-with-database/05-Connecting-Windows-Forms-with-database.pptx
+++ b/Courses/Software-Sciences/Module-4-Information-Systems-New/05-Connecting-Windows-Forms-with-database/05-Connecting-Windows-Forms-with-database.pptx
@@ -506,7 +506,7 @@
           <a:p>
             <a:fld id="{4E087215-0C8F-4762-A664-737A353EC9A4}" type="datetimeFigureOut">
               <a:rPr lang="bg-BG" smtClean="0"/>
-              <a:t>26.06.24 г.</a:t>
+              <a:t>27.06.24 г.</a:t>
             </a:fld>
             <a:endParaRPr lang="bg-BG"/>
           </a:p>
@@ -702,7 +702,7 @@
           <a:p>
             <a:fld id="{72D84649-876A-46C9-8472-14CB09C070D8}" type="datetimeFigureOut">
               <a:rPr lang="en-US" smtClean="0"/>
-              <a:t>6/26/24</a:t>
+              <a:t>6/27/24</a:t>
             </a:fld>
             <a:endParaRPr lang="en-US"/>
           </a:p>
@@ -18993,7 +18993,7 @@
         </p:blipFill>
         <p:spPr>
           <a:xfrm>
-            <a:off x="621318" y="1629000"/>
+            <a:off x="607573" y="1674000"/>
             <a:ext cx="2692832" cy="2070000"/>
           </a:xfrm>
           <a:prstGeom prst="rect">
@@ -19992,7 +19992,7 @@
             </a:r>
             <a:r>
               <a:rPr lang="bg-BG" sz="3000" dirty="0"/>
-              <a:t> при свойството </a:t>
+              <a:t> при събитието </a:t>
             </a:r>
             <a:r>
               <a:rPr lang="en-US" sz="3000" b="1" dirty="0">

--- a/Courses/Software-Sciences/Module-4-Information-Systems-New/05-Connecting-Windows-Forms-with-database/05-Connecting-Windows-Forms-with-database.pptx
+++ b/Courses/Software-Sciences/Module-4-Information-Systems-New/05-Connecting-Windows-Forms-with-database/05-Connecting-Windows-Forms-with-database.pptx
@@ -506,7 +506,7 @@
           <a:p>
             <a:fld id="{4E087215-0C8F-4762-A664-737A353EC9A4}" type="datetimeFigureOut">
               <a:rPr lang="bg-BG" smtClean="0"/>
-              <a:t>27.06.24 г.</a:t>
+              <a:t>1.8.2024 г.</a:t>
             </a:fld>
             <a:endParaRPr lang="bg-BG"/>
           </a:p>
@@ -702,7 +702,7 @@
           <a:p>
             <a:fld id="{72D84649-876A-46C9-8472-14CB09C070D8}" type="datetimeFigureOut">
               <a:rPr lang="en-US" smtClean="0"/>
-              <a:t>6/27/24</a:t>
+              <a:t>1-Aug-24</a:t>
             </a:fld>
             <a:endParaRPr lang="en-US"/>
           </a:p>
@@ -18902,26 +18902,6 @@
             <a:endParaRPr lang="en-US" sz="3200" b="1" dirty="0"/>
           </a:p>
           <a:p>
-            <a:pPr>
-              <a:tabLst>
-                <a:tab pos="5991225" algn="l"/>
-              </a:tabLst>
-            </a:pPr>
-            <a:r>
-              <a:rPr lang="bg-BG" sz="2600" dirty="0"/>
-              <a:t>Променяме </a:t>
-            </a:r>
-            <a:r>
-              <a:rPr lang="bg-BG" sz="2600" b="1" dirty="0">
-                <a:solidFill>
-                  <a:schemeClr val="bg1"/>
-                </a:solidFill>
-              </a:rPr>
-              <a:t>стила на рамката</a:t>
-            </a:r>
-            <a:endParaRPr lang="bg-BG" sz="2600" b="1" dirty="0"/>
-          </a:p>
-          <a:p>
             <a:endParaRPr lang="bg-BG" dirty="0"/>
           </a:p>
           <a:p>
@@ -18993,8 +18973,8 @@
         </p:blipFill>
         <p:spPr>
           <a:xfrm>
-            <a:off x="607573" y="1674000"/>
-            <a:ext cx="2692832" cy="2070000"/>
+            <a:off x="651000" y="1900920"/>
+            <a:ext cx="4917346" cy="3780001"/>
           </a:xfrm>
           <a:prstGeom prst="rect">
             <a:avLst/>
@@ -19036,8 +19016,8 @@
         </p:blipFill>
         <p:spPr>
           <a:xfrm>
-            <a:off x="605999" y="4349609"/>
-            <a:ext cx="3850402" cy="2305891"/>
+            <a:off x="6095999" y="1900920"/>
+            <a:ext cx="5832439" cy="3492874"/>
           </a:xfrm>
           <a:prstGeom prst="rect">
             <a:avLst/>
@@ -19051,6 +19031,169 @@
           </a:ln>
         </p:spPr>
       </p:pic>
+      <p:sp>
+        <p:nvSpPr>
+          <p:cNvPr id="9" name="TextBox 8">
+            <a:extLst>
+              <a:ext uri="{FF2B5EF4-FFF2-40B4-BE49-F238E27FC236}">
+                <a16:creationId xmlns:a16="http://schemas.microsoft.com/office/drawing/2014/main" id="{3938232D-31DC-09C2-EE06-E3EB379F9F7A}"/>
+              </a:ext>
+            </a:extLst>
+          </p:cNvPr>
+          <p:cNvSpPr txBox="1"/>
+          <p:nvPr/>
+        </p:nvSpPr>
+        <p:spPr>
+          <a:xfrm>
+            <a:off x="6176058" y="1196125"/>
+            <a:ext cx="5832439" cy="495392"/>
+          </a:xfrm>
+          <a:prstGeom prst="rect">
+            <a:avLst/>
+          </a:prstGeom>
+        </p:spPr>
+        <p:txBody>
+          <a:bodyPr vert="horz" lIns="108000" tIns="36000" rIns="108000" bIns="36000" rtlCol="0">
+            <a:normAutofit/>
+          </a:bodyPr>
+          <a:lstStyle>
+            <a:lvl1pPr marL="360363" indent="-360363" defTabSz="1218438">
+              <a:lnSpc>
+                <a:spcPct val="105000"/>
+              </a:lnSpc>
+              <a:spcBef>
+                <a:spcPts val="600"/>
+              </a:spcBef>
+              <a:spcAft>
+                <a:spcPts val="600"/>
+              </a:spcAft>
+              <a:buClr>
+                <a:schemeClr val="tx1"/>
+              </a:buClr>
+              <a:buFont typeface="Wingdings" panose="05000000000000000000" pitchFamily="2" charset="2"/>
+              <a:buChar char="§"/>
+              <a:tabLst>
+                <a:tab pos="5991225" algn="l"/>
+              </a:tabLst>
+              <a:defRPr sz="2600"/>
+            </a:lvl1pPr>
+            <a:lvl2pPr marL="803275" indent="-360363" defTabSz="1218438">
+              <a:lnSpc>
+                <a:spcPct val="105000"/>
+              </a:lnSpc>
+              <a:spcBef>
+                <a:spcPts val="600"/>
+              </a:spcBef>
+              <a:spcAft>
+                <a:spcPts val="600"/>
+              </a:spcAft>
+              <a:buClr>
+                <a:schemeClr val="tx1"/>
+              </a:buClr>
+              <a:buFont typeface="Wingdings" panose="05000000000000000000" pitchFamily="2" charset="2"/>
+              <a:buChar char="§"/>
+              <a:defRPr sz="3198"/>
+            </a:lvl2pPr>
+            <a:lvl3pPr marL="1255713" indent="-360363" defTabSz="1218438">
+              <a:lnSpc>
+                <a:spcPct val="105000"/>
+              </a:lnSpc>
+              <a:spcBef>
+                <a:spcPts val="600"/>
+              </a:spcBef>
+              <a:spcAft>
+                <a:spcPts val="600"/>
+              </a:spcAft>
+              <a:buClr>
+                <a:schemeClr val="tx1"/>
+              </a:buClr>
+              <a:buFont typeface="Wingdings" panose="05000000000000000000" pitchFamily="2" charset="2"/>
+              <a:buChar char="§"/>
+              <a:defRPr sz="2998"/>
+            </a:lvl3pPr>
+            <a:lvl4pPr marL="1700213" indent="-352425" defTabSz="1218438">
+              <a:lnSpc>
+                <a:spcPct val="105000"/>
+              </a:lnSpc>
+              <a:spcBef>
+                <a:spcPts val="600"/>
+              </a:spcBef>
+              <a:spcAft>
+                <a:spcPts val="600"/>
+              </a:spcAft>
+              <a:buClr>
+                <a:schemeClr val="tx1"/>
+              </a:buClr>
+              <a:buFont typeface="Wingdings" panose="05000000000000000000" pitchFamily="2" charset="2"/>
+              <a:buChar char="§"/>
+              <a:defRPr sz="2798"/>
+            </a:lvl4pPr>
+            <a:lvl5pPr marL="2058988" indent="-266700" defTabSz="1218438">
+              <a:lnSpc>
+                <a:spcPct val="105000"/>
+              </a:lnSpc>
+              <a:spcBef>
+                <a:spcPts val="600"/>
+              </a:spcBef>
+              <a:spcAft>
+                <a:spcPts val="600"/>
+              </a:spcAft>
+              <a:buClr>
+                <a:schemeClr val="tx1"/>
+              </a:buClr>
+              <a:buFont typeface="Wingdings" panose="05000000000000000000" pitchFamily="2" charset="2"/>
+              <a:buChar char="§"/>
+              <a:defRPr sz="2598"/>
+            </a:lvl5pPr>
+            <a:lvl6pPr marL="3350704" indent="-304610" defTabSz="1218438" latinLnBrk="1">
+              <a:spcBef>
+                <a:spcPct val="20000"/>
+              </a:spcBef>
+              <a:buFont typeface="Arial" pitchFamily="34" charset="0"/>
+              <a:buChar char="•"/>
+              <a:defRPr sz="2665"/>
+            </a:lvl6pPr>
+            <a:lvl7pPr marL="3959924" indent="-304610" defTabSz="1218438" latinLnBrk="1">
+              <a:spcBef>
+                <a:spcPct val="20000"/>
+              </a:spcBef>
+              <a:buFont typeface="Arial" pitchFamily="34" charset="0"/>
+              <a:buChar char="•"/>
+              <a:defRPr sz="2665"/>
+            </a:lvl7pPr>
+            <a:lvl8pPr marL="4569143" indent="-304610" defTabSz="1218438" latinLnBrk="1">
+              <a:spcBef>
+                <a:spcPct val="20000"/>
+              </a:spcBef>
+              <a:buFont typeface="Arial" pitchFamily="34" charset="0"/>
+              <a:buChar char="•"/>
+              <a:defRPr sz="2665"/>
+            </a:lvl8pPr>
+            <a:lvl9pPr marL="5178362" indent="-304610" defTabSz="1218438" latinLnBrk="1">
+              <a:spcBef>
+                <a:spcPct val="20000"/>
+              </a:spcBef>
+              <a:buFont typeface="Arial" pitchFamily="34" charset="0"/>
+              <a:buChar char="•"/>
+              <a:defRPr sz="2665"/>
+            </a:lvl9pPr>
+          </a:lstStyle>
+          <a:p>
+            <a:r>
+              <a:rPr lang="bg-BG" dirty="0"/>
+              <a:t>Променяме </a:t>
+            </a:r>
+            <a:r>
+              <a:rPr lang="bg-BG" b="1" dirty="0">
+                <a:solidFill>
+                  <a:schemeClr val="bg1"/>
+                </a:solidFill>
+              </a:rPr>
+              <a:t>стила на рамката</a:t>
+            </a:r>
+          </a:p>
+        </p:txBody>
+      </p:sp>
     </p:spTree>
     <p:extLst>
       <p:ext uri="{BB962C8B-B14F-4D97-AF65-F5344CB8AC3E}">
@@ -19081,9 +19224,6 @@
                     <p:cTn id="3" fill="hold">
                       <p:stCondLst>
                         <p:cond delay="indefinite"/>
-                        <p:cond evt="onBegin" delay="0">
-                          <p:tn val="2"/>
-                        </p:cond>
                       </p:stCondLst>
                       <p:childTnLst>
                         <p:par>
@@ -19093,7 +19233,7 @@
                             </p:stCondLst>
                             <p:childTnLst>
                               <p:par>
-                                <p:cTn id="5" presetID="1" presetClass="entr" presetSubtype="0" fill="hold" nodeType="withEffect">
+                                <p:cTn id="5" presetID="1" presetClass="entr" presetSubtype="0" fill="hold" grpId="0" nodeType="clickEffect">
                                   <p:stCondLst>
                                     <p:cond delay="0"/>
                                   </p:stCondLst>
@@ -19106,11 +19246,7 @@
                                           </p:stCondLst>
                                         </p:cTn>
                                         <p:tgtEl>
-                                          <p:spTgt spid="3">
-                                            <p:txEl>
-                                              <p:pRg st="0" end="0"/>
-                                            </p:txEl>
-                                          </p:spTgt>
+                                          <p:spTgt spid="9"/>
                                         </p:tgtEl>
                                         <p:attrNameLst>
                                           <p:attrName>style.visibility</p:attrName>
@@ -19132,82 +19268,6 @@
                                     <p:set>
                                       <p:cBhvr>
                                         <p:cTn id="8" dur="1" fill="hold">
-                                          <p:stCondLst>
-                                            <p:cond delay="0"/>
-                                          </p:stCondLst>
-                                        </p:cTn>
-                                        <p:tgtEl>
-                                          <p:spTgt spid="7"/>
-                                        </p:tgtEl>
-                                        <p:attrNameLst>
-                                          <p:attrName>style.visibility</p:attrName>
-                                        </p:attrNameLst>
-                                      </p:cBhvr>
-                                      <p:to>
-                                        <p:strVal val="visible"/>
-                                      </p:to>
-                                    </p:set>
-                                  </p:childTnLst>
-                                </p:cTn>
-                              </p:par>
-                            </p:childTnLst>
-                          </p:cTn>
-                        </p:par>
-                      </p:childTnLst>
-                    </p:cTn>
-                  </p:par>
-                  <p:par>
-                    <p:cTn id="9" fill="hold">
-                      <p:stCondLst>
-                        <p:cond delay="indefinite"/>
-                      </p:stCondLst>
-                      <p:childTnLst>
-                        <p:par>
-                          <p:cTn id="10" fill="hold">
-                            <p:stCondLst>
-                              <p:cond delay="0"/>
-                            </p:stCondLst>
-                            <p:childTnLst>
-                              <p:par>
-                                <p:cTn id="11" presetID="1" presetClass="entr" presetSubtype="0" fill="hold" nodeType="clickEffect">
-                                  <p:stCondLst>
-                                    <p:cond delay="0"/>
-                                  </p:stCondLst>
-                                  <p:childTnLst>
-                                    <p:set>
-                                      <p:cBhvr>
-                                        <p:cTn id="12" dur="1" fill="hold">
-                                          <p:stCondLst>
-                                            <p:cond delay="0"/>
-                                          </p:stCondLst>
-                                        </p:cTn>
-                                        <p:tgtEl>
-                                          <p:spTgt spid="3">
-                                            <p:txEl>
-                                              <p:pRg st="4" end="4"/>
-                                            </p:txEl>
-                                          </p:spTgt>
-                                        </p:tgtEl>
-                                        <p:attrNameLst>
-                                          <p:attrName>style.visibility</p:attrName>
-                                        </p:attrNameLst>
-                                      </p:cBhvr>
-                                      <p:to>
-                                        <p:strVal val="visible"/>
-                                      </p:to>
-                                    </p:set>
-                                  </p:childTnLst>
-                                </p:cTn>
-                              </p:par>
-                              <p:par>
-                                <p:cTn id="13" presetID="1" presetClass="entr" presetSubtype="0" fill="hold" nodeType="withEffect">
-                                  <p:stCondLst>
-                                    <p:cond delay="0"/>
-                                  </p:stCondLst>
-                                  <p:childTnLst>
-                                    <p:set>
-                                      <p:cBhvr>
-                                        <p:cTn id="14" dur="1" fill="hold">
                                           <p:stCondLst>
                                             <p:cond delay="0"/>
                                           </p:stCondLst>
@@ -19253,6 +19313,9 @@
         </p:cTn>
       </p:par>
     </p:tnLst>
+    <p:bldLst>
+      <p:bldP spid="9" grpId="0"/>
+    </p:bldLst>
   </p:timing>
 </p:sld>
 </file>
@@ -21556,9 +21619,6 @@
                     <p:cTn id="3" fill="hold">
                       <p:stCondLst>
                         <p:cond delay="indefinite"/>
-                        <p:cond evt="onBegin" delay="0">
-                          <p:tn val="2"/>
-                        </p:cond>
                       </p:stCondLst>
                       <p:childTnLst>
                         <p:par>
@@ -21568,7 +21628,7 @@
                             </p:stCondLst>
                             <p:childTnLst>
                               <p:par>
-                                <p:cTn id="5" presetID="1" presetClass="entr" presetSubtype="0" fill="hold" nodeType="withEffect">
+                                <p:cTn id="5" presetID="1" presetClass="entr" presetSubtype="0" fill="hold" grpId="0" nodeType="clickEffect">
                                   <p:stCondLst>
                                     <p:cond delay="0"/>
                                   </p:stCondLst>
@@ -21581,11 +21641,7 @@
                                           </p:stCondLst>
                                         </p:cTn>
                                         <p:tgtEl>
-                                          <p:spTgt spid="11">
-                                            <p:txEl>
-                                              <p:pRg st="0" end="0"/>
-                                            </p:txEl>
-                                          </p:spTgt>
+                                          <p:spTgt spid="15"/>
                                         </p:tgtEl>
                                         <p:attrNameLst>
                                           <p:attrName>style.visibility</p:attrName>
@@ -21607,78 +21663,6 @@
                                     <p:set>
                                       <p:cBhvr>
                                         <p:cTn id="8" dur="1" fill="hold">
-                                          <p:stCondLst>
-                                            <p:cond delay="0"/>
-                                          </p:stCondLst>
-                                        </p:cTn>
-                                        <p:tgtEl>
-                                          <p:spTgt spid="14"/>
-                                        </p:tgtEl>
-                                        <p:attrNameLst>
-                                          <p:attrName>style.visibility</p:attrName>
-                                        </p:attrNameLst>
-                                      </p:cBhvr>
-                                      <p:to>
-                                        <p:strVal val="visible"/>
-                                      </p:to>
-                                    </p:set>
-                                  </p:childTnLst>
-                                </p:cTn>
-                              </p:par>
-                            </p:childTnLst>
-                          </p:cTn>
-                        </p:par>
-                      </p:childTnLst>
-                    </p:cTn>
-                  </p:par>
-                  <p:par>
-                    <p:cTn id="9" fill="hold">
-                      <p:stCondLst>
-                        <p:cond delay="indefinite"/>
-                      </p:stCondLst>
-                      <p:childTnLst>
-                        <p:par>
-                          <p:cTn id="10" fill="hold">
-                            <p:stCondLst>
-                              <p:cond delay="0"/>
-                            </p:stCondLst>
-                            <p:childTnLst>
-                              <p:par>
-                                <p:cTn id="11" presetID="1" presetClass="entr" presetSubtype="0" fill="hold" grpId="0" nodeType="clickEffect">
-                                  <p:stCondLst>
-                                    <p:cond delay="0"/>
-                                  </p:stCondLst>
-                                  <p:childTnLst>
-                                    <p:set>
-                                      <p:cBhvr>
-                                        <p:cTn id="12" dur="1" fill="hold">
-                                          <p:stCondLst>
-                                            <p:cond delay="0"/>
-                                          </p:stCondLst>
-                                        </p:cTn>
-                                        <p:tgtEl>
-                                          <p:spTgt spid="15"/>
-                                        </p:tgtEl>
-                                        <p:attrNameLst>
-                                          <p:attrName>style.visibility</p:attrName>
-                                        </p:attrNameLst>
-                                      </p:cBhvr>
-                                      <p:to>
-                                        <p:strVal val="visible"/>
-                                      </p:to>
-                                    </p:set>
-                                  </p:childTnLst>
-                                </p:cTn>
-                              </p:par>
-                              <p:par>
-                                <p:cTn id="13" presetID="1" presetClass="entr" presetSubtype="0" fill="hold" nodeType="withEffect">
-                                  <p:stCondLst>
-                                    <p:cond delay="0"/>
-                                  </p:stCondLst>
-                                  <p:childTnLst>
-                                    <p:set>
-                                      <p:cBhvr>
-                                        <p:cTn id="14" dur="1" fill="hold">
                                           <p:stCondLst>
                                             <p:cond delay="0"/>
                                           </p:stCondLst>

--- a/Courses/Software-Sciences/Module-4-Information-Systems-New/05-Connecting-Windows-Forms-with-database/05-Connecting-Windows-Forms-with-database.pptx
+++ b/Courses/Software-Sciences/Module-4-Information-Systems-New/05-Connecting-Windows-Forms-with-database/05-Connecting-Windows-Forms-with-database.pptx
@@ -506,7 +506,7 @@
           <a:p>
             <a:fld id="{4E087215-0C8F-4762-A664-737A353EC9A4}" type="datetimeFigureOut">
               <a:rPr lang="bg-BG" smtClean="0"/>
-              <a:t>1.8.2024 г.</a:t>
+              <a:t>5.08.24 г.</a:t>
             </a:fld>
             <a:endParaRPr lang="bg-BG"/>
           </a:p>
@@ -702,7 +702,7 @@
           <a:p>
             <a:fld id="{72D84649-876A-46C9-8472-14CB09C070D8}" type="datetimeFigureOut">
               <a:rPr lang="en-US" smtClean="0"/>
-              <a:t>1-Aug-24</a:t>
+              <a:t>8/5/24</a:t>
             </a:fld>
             <a:endParaRPr lang="en-US"/>
           </a:p>
@@ -15735,7 +15735,7 @@
           </p:cNvPicPr>
           <p:nvPr/>
         </p:nvPicPr>
-        <p:blipFill rotWithShape="1">
+        <p:blipFill>
           <a:blip r:embed="rId2">
             <a:extLst>
               <a:ext uri="{28A0092B-C50C-407E-A947-70E740481C1C}">
@@ -15743,12 +15743,12 @@
               </a:ext>
             </a:extLst>
           </a:blip>
-          <a:srcRect r="37727" b="37337"/>
+          <a:srcRect l="36" r="36"/>
           <a:stretch/>
         </p:blipFill>
         <p:spPr>
           <a:xfrm>
-            <a:off x="5326759" y="1192474"/>
+            <a:off x="5690107" y="1314000"/>
             <a:ext cx="6247256" cy="3746012"/>
           </a:xfrm>
           <a:prstGeom prst="rect">
@@ -15777,20 +15777,20 @@
           </p:cNvPicPr>
           <p:nvPr/>
         </p:nvPicPr>
-        <p:blipFill rotWithShape="1">
-          <a:blip r:embed="rId2">
+        <p:blipFill>
+          <a:blip r:embed="rId3">
             <a:extLst>
               <a:ext uri="{28A0092B-C50C-407E-A947-70E740481C1C}">
                 <a14:useLocalDpi xmlns:a14="http://schemas.microsoft.com/office/drawing/2010/main" val="0"/>
               </a:ext>
             </a:extLst>
           </a:blip>
-          <a:srcRect l="63624" t="48628" b="5030"/>
+          <a:srcRect t="19" b="19"/>
           <a:stretch/>
         </p:blipFill>
         <p:spPr>
           <a:xfrm>
-            <a:off x="741000" y="3765350"/>
+            <a:off x="757496" y="3765350"/>
             <a:ext cx="3807052" cy="2890150"/>
           </a:xfrm>
           <a:prstGeom prst="rect">

--- a/Courses/Software-Sciences/Module-4-Information-Systems-New/05-Connecting-Windows-Forms-with-database/05-Connecting-Windows-Forms-with-database.pptx
+++ b/Courses/Software-Sciences/Module-4-Information-Systems-New/05-Connecting-Windows-Forms-with-database/05-Connecting-Windows-Forms-with-database.pptx
@@ -506,7 +506,7 @@
           <a:p>
             <a:fld id="{4E087215-0C8F-4762-A664-737A353EC9A4}" type="datetimeFigureOut">
               <a:rPr lang="bg-BG" smtClean="0"/>
-              <a:t>5.08.24 г.</a:t>
+              <a:t>10.09.24 г.</a:t>
             </a:fld>
             <a:endParaRPr lang="bg-BG"/>
           </a:p>
@@ -702,7 +702,7 @@
           <a:p>
             <a:fld id="{72D84649-876A-46C9-8472-14CB09C070D8}" type="datetimeFigureOut">
               <a:rPr lang="en-US" smtClean="0"/>
-              <a:t>8/5/24</a:t>
+              <a:t>9/10/24</a:t>
             </a:fld>
             <a:endParaRPr lang="en-US"/>
           </a:p>
@@ -8637,9 +8637,6 @@
                     <p:cTn id="3" fill="hold">
                       <p:stCondLst>
                         <p:cond delay="indefinite"/>
-                        <p:cond evt="onBegin" delay="0">
-                          <p:tn val="2"/>
-                        </p:cond>
                       </p:stCondLst>
                       <p:childTnLst>
                         <p:par>
@@ -8649,7 +8646,7 @@
                             </p:stCondLst>
                             <p:childTnLst>
                               <p:par>
-                                <p:cTn id="5" presetID="1" presetClass="entr" presetSubtype="0" fill="hold" nodeType="withEffect">
+                                <p:cTn id="5" presetID="1" presetClass="entr" presetSubtype="0" fill="hold" nodeType="clickEffect">
                                   <p:stCondLst>
                                     <p:cond delay="0"/>
                                   </p:stCondLst>
@@ -8657,37 +8654,6 @@
                                     <p:set>
                                       <p:cBhvr>
                                         <p:cTn id="6" dur="1" fill="hold">
-                                          <p:stCondLst>
-                                            <p:cond delay="0"/>
-                                          </p:stCondLst>
-                                        </p:cTn>
-                                        <p:tgtEl>
-                                          <p:spTgt spid="3">
-                                            <p:txEl>
-                                              <p:pRg st="0" end="0"/>
-                                            </p:txEl>
-                                          </p:spTgt>
-                                        </p:tgtEl>
-                                        <p:attrNameLst>
-                                          <p:attrName>style.visibility</p:attrName>
-                                        </p:attrNameLst>
-                                      </p:cBhvr>
-                                      <p:to>
-                                        <p:strVal val="visible"/>
-                                      </p:to>
-                                    </p:set>
-                                  </p:childTnLst>
-                                </p:cTn>
-                              </p:par>
-                              <p:par>
-                                <p:cTn id="7" presetID="1" presetClass="entr" presetSubtype="0" fill="hold" nodeType="withEffect">
-                                  <p:stCondLst>
-                                    <p:cond delay="0"/>
-                                  </p:stCondLst>
-                                  <p:childTnLst>
-                                    <p:set>
-                                      <p:cBhvr>
-                                        <p:cTn id="8" dur="1" fill="hold">
                                           <p:stCondLst>
                                             <p:cond delay="0"/>
                                           </p:stCondLst>
@@ -8710,8 +8676,26 @@
                                   </p:childTnLst>
                                 </p:cTn>
                               </p:par>
+                            </p:childTnLst>
+                          </p:cTn>
+                        </p:par>
+                      </p:childTnLst>
+                    </p:cTn>
+                  </p:par>
+                  <p:par>
+                    <p:cTn id="7" fill="hold">
+                      <p:stCondLst>
+                        <p:cond delay="indefinite"/>
+                      </p:stCondLst>
+                      <p:childTnLst>
+                        <p:par>
+                          <p:cTn id="8" fill="hold">
+                            <p:stCondLst>
+                              <p:cond delay="0"/>
+                            </p:stCondLst>
+                            <p:childTnLst>
                               <p:par>
-                                <p:cTn id="9" presetID="1" presetClass="entr" presetSubtype="0" fill="hold" nodeType="withEffect">
+                                <p:cTn id="9" presetID="1" presetClass="entr" presetSubtype="0" fill="hold" nodeType="clickEffect">
                                   <p:stCondLst>
                                     <p:cond delay="0"/>
                                   </p:stCondLst>
@@ -8724,7 +8708,11 @@
                                           </p:stCondLst>
                                         </p:cTn>
                                         <p:tgtEl>
-                                          <p:spTgt spid="8"/>
+                                          <p:spTgt spid="3">
+                                            <p:txEl>
+                                              <p:pRg st="2" end="2"/>
+                                            </p:txEl>
+                                          </p:spTgt>
                                         </p:tgtEl>
                                         <p:attrNameLst>
                                           <p:attrName>style.visibility</p:attrName>
@@ -8771,7 +8759,7 @@
                                         <p:tgtEl>
                                           <p:spTgt spid="3">
                                             <p:txEl>
-                                              <p:pRg st="2" end="2"/>
+                                              <p:pRg st="3" end="3"/>
                                             </p:txEl>
                                           </p:spTgt>
                                         </p:tgtEl>
@@ -8820,37 +8808,6 @@
                                         <p:tgtEl>
                                           <p:spTgt spid="3">
                                             <p:txEl>
-                                              <p:pRg st="3" end="3"/>
-                                            </p:txEl>
-                                          </p:spTgt>
-                                        </p:tgtEl>
-                                        <p:attrNameLst>
-                                          <p:attrName>style.visibility</p:attrName>
-                                        </p:attrNameLst>
-                                      </p:cBhvr>
-                                      <p:to>
-                                        <p:strVal val="visible"/>
-                                      </p:to>
-                                    </p:set>
-                                  </p:childTnLst>
-                                </p:cTn>
-                              </p:par>
-                              <p:par>
-                                <p:cTn id="19" presetID="1" presetClass="entr" presetSubtype="0" fill="hold" nodeType="withEffect">
-                                  <p:stCondLst>
-                                    <p:cond delay="0"/>
-                                  </p:stCondLst>
-                                  <p:childTnLst>
-                                    <p:set>
-                                      <p:cBhvr>
-                                        <p:cTn id="20" dur="1" fill="hold">
-                                          <p:stCondLst>
-                                            <p:cond delay="0"/>
-                                          </p:stCondLst>
-                                        </p:cTn>
-                                        <p:tgtEl>
-                                          <p:spTgt spid="3">
-                                            <p:txEl>
                                               <p:pRg st="4" end="4"/>
                                             </p:txEl>
                                           </p:spTgt>
@@ -8873,26 +8830,26 @@
                     </p:cTn>
                   </p:par>
                   <p:par>
-                    <p:cTn id="21" fill="hold">
+                    <p:cTn id="19" fill="hold">
                       <p:stCondLst>
                         <p:cond delay="indefinite"/>
                       </p:stCondLst>
                       <p:childTnLst>
                         <p:par>
-                          <p:cTn id="22" fill="hold">
+                          <p:cTn id="20" fill="hold">
                             <p:stCondLst>
                               <p:cond delay="0"/>
                             </p:stCondLst>
                             <p:childTnLst>
                               <p:par>
-                                <p:cTn id="23" presetID="1" presetClass="entr" presetSubtype="0" fill="hold" nodeType="clickEffect">
+                                <p:cTn id="21" presetID="1" presetClass="entr" presetSubtype="0" fill="hold" nodeType="clickEffect">
                                   <p:stCondLst>
                                     <p:cond delay="0"/>
                                   </p:stCondLst>
                                   <p:childTnLst>
                                     <p:set>
                                       <p:cBhvr>
-                                        <p:cTn id="24" dur="1" fill="hold">
+                                        <p:cTn id="22" dur="1" fill="hold">
                                           <p:stCondLst>
                                             <p:cond delay="0"/>
                                           </p:stCondLst>
@@ -8922,26 +8879,26 @@
                     </p:cTn>
                   </p:par>
                   <p:par>
-                    <p:cTn id="25" fill="hold">
+                    <p:cTn id="23" fill="hold">
                       <p:stCondLst>
                         <p:cond delay="indefinite"/>
                       </p:stCondLst>
                       <p:childTnLst>
                         <p:par>
-                          <p:cTn id="26" fill="hold">
+                          <p:cTn id="24" fill="hold">
                             <p:stCondLst>
                               <p:cond delay="0"/>
                             </p:stCondLst>
                             <p:childTnLst>
                               <p:par>
-                                <p:cTn id="27" presetID="1" presetClass="entr" presetSubtype="0" fill="hold" nodeType="clickEffect">
+                                <p:cTn id="25" presetID="1" presetClass="entr" presetSubtype="0" fill="hold" nodeType="clickEffect">
                                   <p:stCondLst>
                                     <p:cond delay="0"/>
                                   </p:stCondLst>
                                   <p:childTnLst>
                                     <p:set>
                                       <p:cBhvr>
-                                        <p:cTn id="28" dur="1" fill="hold">
+                                        <p:cTn id="26" dur="1" fill="hold">
                                           <p:stCondLst>
                                             <p:cond delay="0"/>
                                           </p:stCondLst>
@@ -8964,8 +8921,26 @@
                                   </p:childTnLst>
                                 </p:cTn>
                               </p:par>
+                            </p:childTnLst>
+                          </p:cTn>
+                        </p:par>
+                      </p:childTnLst>
+                    </p:cTn>
+                  </p:par>
+                  <p:par>
+                    <p:cTn id="27" fill="hold">
+                      <p:stCondLst>
+                        <p:cond delay="indefinite"/>
+                      </p:stCondLst>
+                      <p:childTnLst>
+                        <p:par>
+                          <p:cTn id="28" fill="hold">
+                            <p:stCondLst>
+                              <p:cond delay="0"/>
+                            </p:stCondLst>
+                            <p:childTnLst>
                               <p:par>
-                                <p:cTn id="29" presetID="1" presetClass="entr" presetSubtype="0" fill="hold" nodeType="withEffect">
+                                <p:cTn id="29" presetID="1" presetClass="entr" presetSubtype="0" fill="hold" nodeType="clickEffect">
                                   <p:stCondLst>
                                     <p:cond delay="0"/>
                                   </p:stCondLst>
@@ -9450,9 +9425,6 @@
                     <p:cTn id="3" fill="hold">
                       <p:stCondLst>
                         <p:cond delay="indefinite"/>
-                        <p:cond evt="onBegin" delay="0">
-                          <p:tn val="2"/>
-                        </p:cond>
                       </p:stCondLst>
                       <p:childTnLst>
                         <p:par>
@@ -9462,7 +9434,7 @@
                             </p:stCondLst>
                             <p:childTnLst>
                               <p:par>
-                                <p:cTn id="5" presetID="1" presetClass="entr" presetSubtype="0" fill="hold" nodeType="withEffect">
+                                <p:cTn id="5" presetID="1" presetClass="entr" presetSubtype="0" fill="hold" grpId="0" nodeType="clickEffect">
                                   <p:stCondLst>
                                     <p:cond delay="0"/>
                                   </p:stCondLst>
@@ -9475,7 +9447,7 @@
                                           </p:stCondLst>
                                         </p:cTn>
                                         <p:tgtEl>
-                                          <p:spTgt spid="10"/>
+                                          <p:spTgt spid="11"/>
                                         </p:tgtEl>
                                         <p:attrNameLst>
                                           <p:attrName>style.visibility</p:attrName>
@@ -9504,7 +9476,7 @@
                                         <p:tgtEl>
                                           <p:spTgt spid="3">
                                             <p:txEl>
-                                              <p:pRg st="0" end="0"/>
+                                              <p:pRg st="1" end="1"/>
                                             </p:txEl>
                                           </p:spTgt>
                                         </p:tgtEl>
@@ -9538,7 +9510,7 @@
                             </p:stCondLst>
                             <p:childTnLst>
                               <p:par>
-                                <p:cTn id="11" presetID="1" presetClass="entr" presetSubtype="0" fill="hold" grpId="0" nodeType="clickEffect">
+                                <p:cTn id="11" presetID="1" presetClass="entr" presetSubtype="0" fill="hold" nodeType="clickEffect">
                                   <p:stCondLst>
                                     <p:cond delay="0"/>
                                   </p:stCondLst>
@@ -9551,7 +9523,7 @@
                                           </p:stCondLst>
                                         </p:cTn>
                                         <p:tgtEl>
-                                          <p:spTgt spid="11"/>
+                                          <p:spTgt spid="6"/>
                                         </p:tgtEl>
                                         <p:attrNameLst>
                                           <p:attrName>style.visibility</p:attrName>
@@ -9564,39 +9536,26 @@
                                   </p:childTnLst>
                                 </p:cTn>
                               </p:par>
+                            </p:childTnLst>
+                          </p:cTn>
+                        </p:par>
+                      </p:childTnLst>
+                    </p:cTn>
+                  </p:par>
+                  <p:par>
+                    <p:cTn id="13" fill="hold">
+                      <p:stCondLst>
+                        <p:cond delay="indefinite"/>
+                      </p:stCondLst>
+                      <p:childTnLst>
+                        <p:par>
+                          <p:cTn id="14" fill="hold">
+                            <p:stCondLst>
+                              <p:cond delay="0"/>
+                            </p:stCondLst>
+                            <p:childTnLst>
                               <p:par>
-                                <p:cTn id="13" presetID="1" presetClass="entr" presetSubtype="0" fill="hold" nodeType="withEffect">
-                                  <p:stCondLst>
-                                    <p:cond delay="0"/>
-                                  </p:stCondLst>
-                                  <p:childTnLst>
-                                    <p:set>
-                                      <p:cBhvr>
-                                        <p:cTn id="14" dur="1" fill="hold">
-                                          <p:stCondLst>
-                                            <p:cond delay="0"/>
-                                          </p:stCondLst>
-                                        </p:cTn>
-                                        <p:tgtEl>
-                                          <p:spTgt spid="3">
-                                            <p:txEl>
-                                              <p:pRg st="1" end="1"/>
-                                            </p:txEl>
-                                          </p:spTgt>
-                                        </p:tgtEl>
-                                        <p:attrNameLst>
-                                          <p:attrName>style.visibility</p:attrName>
-                                        </p:attrNameLst>
-                                      </p:cBhvr>
-                                      <p:to>
-                                        <p:strVal val="visible"/>
-                                      </p:to>
-                                    </p:set>
-                                  </p:childTnLst>
-                                </p:cTn>
-                              </p:par>
-                              <p:par>
-                                <p:cTn id="15" presetID="1" presetClass="entr" presetSubtype="0" fill="hold" nodeType="withEffect">
+                                <p:cTn id="15" presetID="1" presetClass="entr" presetSubtype="0" fill="hold" grpId="0" nodeType="clickEffect">
                                   <p:stCondLst>
                                     <p:cond delay="0"/>
                                   </p:stCondLst>
@@ -9609,7 +9568,7 @@
                                           </p:stCondLst>
                                         </p:cTn>
                                         <p:tgtEl>
-                                          <p:spTgt spid="6"/>
+                                          <p:spTgt spid="12"/>
                                         </p:tgtEl>
                                         <p:attrNameLst>
                                           <p:attrName>style.visibility</p:attrName>
@@ -9641,7 +9600,7 @@
                             </p:stCondLst>
                             <p:childTnLst>
                               <p:par>
-                                <p:cTn id="19" presetID="1" presetClass="entr" presetSubtype="0" fill="hold" grpId="0" nodeType="clickEffect">
+                                <p:cTn id="19" presetID="1" presetClass="entr" presetSubtype="0" fill="hold" nodeType="clickEffect">
                                   <p:stCondLst>
                                     <p:cond delay="0"/>
                                   </p:stCondLst>
@@ -9649,33 +9608,6 @@
                                     <p:set>
                                       <p:cBhvr>
                                         <p:cTn id="20" dur="1" fill="hold">
-                                          <p:stCondLst>
-                                            <p:cond delay="0"/>
-                                          </p:stCondLst>
-                                        </p:cTn>
-                                        <p:tgtEl>
-                                          <p:spTgt spid="12"/>
-                                        </p:tgtEl>
-                                        <p:attrNameLst>
-                                          <p:attrName>style.visibility</p:attrName>
-                                        </p:attrNameLst>
-                                      </p:cBhvr>
-                                      <p:to>
-                                        <p:strVal val="visible"/>
-                                      </p:to>
-                                    </p:set>
-                                  </p:childTnLst>
-                                </p:cTn>
-                              </p:par>
-                              <p:par>
-                                <p:cTn id="21" presetID="1" presetClass="entr" presetSubtype="0" fill="hold" nodeType="withEffect">
-                                  <p:stCondLst>
-                                    <p:cond delay="0"/>
-                                  </p:stCondLst>
-                                  <p:childTnLst>
-                                    <p:set>
-                                      <p:cBhvr>
-                                        <p:cTn id="22" dur="1" fill="hold">
                                           <p:stCondLst>
                                             <p:cond delay="0"/>
                                           </p:stCondLst>
@@ -9867,12 +9799,20 @@
               <a:t> </a:t>
             </a:r>
             <a:r>
+              <a:rPr lang="en-US" sz="2800" b="1" dirty="0"/>
+              <a:t>[</a:t>
+            </a:r>
+            <a:r>
               <a:rPr lang="en-US" sz="2800" b="1" dirty="0">
                 <a:solidFill>
                   <a:schemeClr val="bg1"/>
                 </a:solidFill>
               </a:rPr>
-              <a:t>[Choose Data Source]</a:t>
+              <a:t>Choose Data Source</a:t>
+            </a:r>
+            <a:r>
+              <a:rPr lang="en-US" sz="2800" b="1" dirty="0"/>
+              <a:t>]</a:t>
             </a:r>
           </a:p>
           <a:p>
@@ -9882,18 +9822,22 @@
               <a:t>Натискаме върху </a:t>
             </a:r>
             <a:r>
+              <a:rPr lang="en-US" sz="2800" b="1" dirty="0"/>
+              <a:t>[</a:t>
+            </a:r>
+            <a:r>
               <a:rPr lang="en-US" sz="2800" b="1" dirty="0">
                 <a:solidFill>
                   <a:schemeClr val="bg1"/>
                 </a:solidFill>
               </a:rPr>
-              <a:t>[Add new Object]</a:t>
-            </a:r>
-            <a:endParaRPr lang="bg-BG" sz="2800" b="1" dirty="0">
-              <a:solidFill>
-                <a:schemeClr val="bg1"/>
-              </a:solidFill>
-            </a:endParaRPr>
+              <a:t>Add new Object</a:t>
+            </a:r>
+            <a:r>
+              <a:rPr lang="en-US" sz="2800" b="1" dirty="0"/>
+              <a:t>]</a:t>
+            </a:r>
+            <a:endParaRPr lang="bg-BG" sz="2800" b="1" dirty="0"/>
           </a:p>
           <a:p>
             <a:r>
@@ -9942,12 +9886,20 @@
               <a:t> </a:t>
             </a:r>
             <a:r>
+              <a:rPr lang="en-US" sz="2600" b="1" dirty="0"/>
+              <a:t>[</a:t>
+            </a:r>
+            <a:r>
               <a:rPr lang="en-US" sz="2600" b="1" dirty="0">
                 <a:solidFill>
                   <a:schemeClr val="bg1"/>
                 </a:solidFill>
               </a:rPr>
-              <a:t>[Edit Columns]</a:t>
+              <a:t>Edit Columns</a:t>
+            </a:r>
+            <a:r>
+              <a:rPr lang="en-US" sz="2600" b="1" dirty="0"/>
+              <a:t>]</a:t>
             </a:r>
           </a:p>
         </p:txBody>
@@ -10302,9 +10254,6 @@
                     <p:cTn id="3" fill="hold">
                       <p:stCondLst>
                         <p:cond delay="indefinite"/>
-                        <p:cond evt="onBegin" delay="0">
-                          <p:tn val="2"/>
-                        </p:cond>
                       </p:stCondLst>
                       <p:childTnLst>
                         <p:par>
@@ -10314,7 +10263,7 @@
                             </p:stCondLst>
                             <p:childTnLst>
                               <p:par>
-                                <p:cTn id="5" presetID="1" presetClass="entr" presetSubtype="0" fill="hold" nodeType="withEffect">
+                                <p:cTn id="5" presetID="1" presetClass="entr" presetSubtype="0" fill="hold" nodeType="clickEffect">
                                   <p:stCondLst>
                                     <p:cond delay="0"/>
                                   </p:stCondLst>
@@ -10329,7 +10278,7 @@
                                         <p:tgtEl>
                                           <p:spTgt spid="3">
                                             <p:txEl>
-                                              <p:pRg st="0" end="0"/>
+                                              <p:pRg st="1" end="1"/>
                                             </p:txEl>
                                           </p:spTgt>
                                         </p:tgtEl>
@@ -10358,37 +10307,6 @@
                                           </p:stCondLst>
                                         </p:cTn>
                                         <p:tgtEl>
-                                          <p:spTgt spid="3">
-                                            <p:txEl>
-                                              <p:pRg st="1" end="1"/>
-                                            </p:txEl>
-                                          </p:spTgt>
-                                        </p:tgtEl>
-                                        <p:attrNameLst>
-                                          <p:attrName>style.visibility</p:attrName>
-                                        </p:attrNameLst>
-                                      </p:cBhvr>
-                                      <p:to>
-                                        <p:strVal val="visible"/>
-                                      </p:to>
-                                    </p:set>
-                                  </p:childTnLst>
-                                </p:cTn>
-                              </p:par>
-                              <p:par>
-                                <p:cTn id="9" presetID="1" presetClass="entr" presetSubtype="0" fill="hold" nodeType="withEffect">
-                                  <p:stCondLst>
-                                    <p:cond delay="0"/>
-                                  </p:stCondLst>
-                                  <p:childTnLst>
-                                    <p:set>
-                                      <p:cBhvr>
-                                        <p:cTn id="10" dur="1" fill="hold">
-                                          <p:stCondLst>
-                                            <p:cond delay="0"/>
-                                          </p:stCondLst>
-                                        </p:cTn>
-                                        <p:tgtEl>
                                           <p:spTgt spid="25"/>
                                         </p:tgtEl>
                                         <p:attrNameLst>
@@ -10402,8 +10320,26 @@
                                   </p:childTnLst>
                                 </p:cTn>
                               </p:par>
+                            </p:childTnLst>
+                          </p:cTn>
+                        </p:par>
+                      </p:childTnLst>
+                    </p:cTn>
+                  </p:par>
+                  <p:par>
+                    <p:cTn id="9" fill="hold">
+                      <p:stCondLst>
+                        <p:cond delay="indefinite"/>
+                      </p:stCondLst>
+                      <p:childTnLst>
+                        <p:par>
+                          <p:cTn id="10" fill="hold">
+                            <p:stCondLst>
+                              <p:cond delay="0"/>
+                            </p:stCondLst>
+                            <p:childTnLst>
                               <p:par>
-                                <p:cTn id="11" presetID="1" presetClass="entr" presetSubtype="0" fill="hold" grpId="0" nodeType="withEffect">
+                                <p:cTn id="11" presetID="1" presetClass="entr" presetSubtype="0" fill="hold" grpId="0" nodeType="clickEffect">
                                   <p:stCondLst>
                                     <p:cond delay="0"/>
                                   </p:stCondLst>
@@ -10630,15 +10566,33 @@
                                   </p:childTnLst>
                                 </p:cTn>
                               </p:par>
+                            </p:childTnLst>
+                          </p:cTn>
+                        </p:par>
+                      </p:childTnLst>
+                    </p:cTn>
+                  </p:par>
+                  <p:par>
+                    <p:cTn id="29" fill="hold">
+                      <p:stCondLst>
+                        <p:cond delay="indefinite"/>
+                      </p:stCondLst>
+                      <p:childTnLst>
+                        <p:par>
+                          <p:cTn id="30" fill="hold">
+                            <p:stCondLst>
+                              <p:cond delay="0"/>
+                            </p:stCondLst>
+                            <p:childTnLst>
                               <p:par>
-                                <p:cTn id="29" presetID="1" presetClass="entr" presetSubtype="0" fill="hold" nodeType="withEffect">
+                                <p:cTn id="31" presetID="1" presetClass="entr" presetSubtype="0" fill="hold" nodeType="clickEffect">
                                   <p:stCondLst>
                                     <p:cond delay="0"/>
                                   </p:stCondLst>
                                   <p:childTnLst>
                                     <p:set>
                                       <p:cBhvr>
-                                        <p:cTn id="30" dur="1" fill="hold">
+                                        <p:cTn id="32" dur="1" fill="hold">
                                           <p:stCondLst>
                                             <p:cond delay="0"/>
                                           </p:stCondLst>
@@ -10661,15 +10615,33 @@
                                   </p:childTnLst>
                                 </p:cTn>
                               </p:par>
+                            </p:childTnLst>
+                          </p:cTn>
+                        </p:par>
+                      </p:childTnLst>
+                    </p:cTn>
+                  </p:par>
+                  <p:par>
+                    <p:cTn id="33" fill="hold">
+                      <p:stCondLst>
+                        <p:cond delay="indefinite"/>
+                      </p:stCondLst>
+                      <p:childTnLst>
+                        <p:par>
+                          <p:cTn id="34" fill="hold">
+                            <p:stCondLst>
+                              <p:cond delay="0"/>
+                            </p:stCondLst>
+                            <p:childTnLst>
                               <p:par>
-                                <p:cTn id="31" presetID="1" presetClass="entr" presetSubtype="0" fill="hold" nodeType="withEffect">
+                                <p:cTn id="35" presetID="1" presetClass="entr" presetSubtype="0" fill="hold" nodeType="clickEffect">
                                   <p:stCondLst>
                                     <p:cond delay="0"/>
                                   </p:stCondLst>
                                   <p:childTnLst>
                                     <p:set>
                                       <p:cBhvr>
-                                        <p:cTn id="32" dur="1" fill="hold">
+                                        <p:cTn id="36" dur="1" fill="hold">
                                           <p:stCondLst>
                                             <p:cond delay="0"/>
                                           </p:stCondLst>
@@ -11210,9 +11182,6 @@
                     <p:cTn id="3" fill="hold">
                       <p:stCondLst>
                         <p:cond delay="indefinite"/>
-                        <p:cond evt="onBegin" delay="0">
-                          <p:tn val="2"/>
-                        </p:cond>
                       </p:stCondLst>
                       <p:childTnLst>
                         <p:par>
@@ -11222,7 +11191,7 @@
                             </p:stCondLst>
                             <p:childTnLst>
                               <p:par>
-                                <p:cTn id="5" presetID="1" presetClass="entr" presetSubtype="0" fill="hold" nodeType="withEffect">
+                                <p:cTn id="5" presetID="1" presetClass="entr" presetSubtype="0" fill="hold" grpId="0" nodeType="clickEffect">
                                   <p:stCondLst>
                                     <p:cond delay="0"/>
                                   </p:stCondLst>
@@ -11235,38 +11204,7 @@
                                           </p:stCondLst>
                                         </p:cTn>
                                         <p:tgtEl>
-                                          <p:spTgt spid="3">
-                                            <p:txEl>
-                                              <p:pRg st="0" end="0"/>
-                                            </p:txEl>
-                                          </p:spTgt>
-                                        </p:tgtEl>
-                                        <p:attrNameLst>
-                                          <p:attrName>style.visibility</p:attrName>
-                                        </p:attrNameLst>
-                                      </p:cBhvr>
-                                      <p:to>
-                                        <p:strVal val="visible"/>
-                                      </p:to>
-                                    </p:set>
-                                  </p:childTnLst>
-                                </p:cTn>
-                              </p:par>
-                              <p:par>
-                                <p:cTn id="7" presetID="1" presetClass="entr" presetSubtype="0" fill="hold" nodeType="withEffect">
-                                  <p:stCondLst>
-                                    <p:cond delay="0"/>
-                                  </p:stCondLst>
-                                  <p:childTnLst>
-                                    <p:set>
-                                      <p:cBhvr>
-                                        <p:cTn id="8" dur="1" fill="hold">
-                                          <p:stCondLst>
-                                            <p:cond delay="0"/>
-                                          </p:stCondLst>
-                                        </p:cTn>
-                                        <p:tgtEl>
-                                          <p:spTgt spid="6"/>
+                                          <p:spTgt spid="9"/>
                                         </p:tgtEl>
                                         <p:attrNameLst>
                                           <p:attrName>style.visibility</p:attrName>
@@ -11286,53 +11224,26 @@
                     </p:cTn>
                   </p:par>
                   <p:par>
-                    <p:cTn id="9" fill="hold">
+                    <p:cTn id="7" fill="hold">
                       <p:stCondLst>
                         <p:cond delay="indefinite"/>
                       </p:stCondLst>
                       <p:childTnLst>
                         <p:par>
-                          <p:cTn id="10" fill="hold">
+                          <p:cTn id="8" fill="hold">
                             <p:stCondLst>
                               <p:cond delay="0"/>
                             </p:stCondLst>
                             <p:childTnLst>
                               <p:par>
-                                <p:cTn id="11" presetID="1" presetClass="entr" presetSubtype="0" fill="hold" grpId="0" nodeType="clickEffect">
+                                <p:cTn id="9" presetID="1" presetClass="entr" presetSubtype="0" fill="hold" nodeType="clickEffect">
                                   <p:stCondLst>
                                     <p:cond delay="0"/>
                                   </p:stCondLst>
                                   <p:childTnLst>
                                     <p:set>
                                       <p:cBhvr>
-                                        <p:cTn id="12" dur="1" fill="hold">
-                                          <p:stCondLst>
-                                            <p:cond delay="0"/>
-                                          </p:stCondLst>
-                                        </p:cTn>
-                                        <p:tgtEl>
-                                          <p:spTgt spid="9"/>
-                                        </p:tgtEl>
-                                        <p:attrNameLst>
-                                          <p:attrName>style.visibility</p:attrName>
-                                        </p:attrNameLst>
-                                      </p:cBhvr>
-                                      <p:to>
-                                        <p:strVal val="visible"/>
-                                      </p:to>
-                                    </p:set>
-                                  </p:childTnLst>
-                                </p:cTn>
-                              </p:par>
-                              <p:par>
-                                <p:cTn id="13" presetID="1" presetClass="entr" presetSubtype="0" fill="hold" nodeType="withEffect">
-                                  <p:stCondLst>
-                                    <p:cond delay="0"/>
-                                  </p:stCondLst>
-                                  <p:childTnLst>
-                                    <p:set>
-                                      <p:cBhvr>
-                                        <p:cTn id="14" dur="1" fill="hold">
+                                        <p:cTn id="10" dur="1" fill="hold">
                                           <p:stCondLst>
                                             <p:cond delay="0"/>
                                           </p:stCondLst>
@@ -11470,12 +11381,20 @@
               <a:t>и натискаме </a:t>
             </a:r>
             <a:r>
+              <a:rPr lang="en-US" b="1" dirty="0"/>
+              <a:t>[</a:t>
+            </a:r>
+            <a:r>
               <a:rPr lang="en-US" b="1" dirty="0">
                 <a:solidFill>
                   <a:schemeClr val="bg1"/>
                 </a:solidFill>
               </a:rPr>
-              <a:t>[Create]</a:t>
+              <a:t>Create</a:t>
+            </a:r>
+            <a:r>
+              <a:rPr lang="en-US" b="1" dirty="0"/>
+              <a:t>]</a:t>
             </a:r>
           </a:p>
         </p:txBody>
@@ -11576,84 +11495,6 @@
       <p:transition spd="slow" advClick="0" advTm="5000"/>
     </mc:Fallback>
   </mc:AlternateContent>
-  <p:timing>
-    <p:tnLst>
-      <p:par>
-        <p:cTn id="1" dur="indefinite" restart="never" nodeType="tmRoot">
-          <p:childTnLst>
-            <p:seq concurrent="1" nextAc="seek">
-              <p:cTn id="2" dur="indefinite" nodeType="mainSeq">
-                <p:childTnLst>
-                  <p:par>
-                    <p:cTn id="3" fill="hold">
-                      <p:stCondLst>
-                        <p:cond delay="indefinite"/>
-                        <p:cond evt="onBegin" delay="0">
-                          <p:tn val="2"/>
-                        </p:cond>
-                      </p:stCondLst>
-                      <p:childTnLst>
-                        <p:par>
-                          <p:cTn id="4" fill="hold">
-                            <p:stCondLst>
-                              <p:cond delay="0"/>
-                            </p:stCondLst>
-                            <p:childTnLst>
-                              <p:par>
-                                <p:cTn id="5" presetID="1" presetClass="entr" presetSubtype="0" fill="hold" nodeType="withEffect">
-                                  <p:stCondLst>
-                                    <p:cond delay="0"/>
-                                  </p:stCondLst>
-                                  <p:childTnLst>
-                                    <p:set>
-                                      <p:cBhvr>
-                                        <p:cTn id="6" dur="1" fill="hold">
-                                          <p:stCondLst>
-                                            <p:cond delay="0"/>
-                                          </p:stCondLst>
-                                        </p:cTn>
-                                        <p:tgtEl>
-                                          <p:spTgt spid="5"/>
-                                        </p:tgtEl>
-                                        <p:attrNameLst>
-                                          <p:attrName>style.visibility</p:attrName>
-                                        </p:attrNameLst>
-                                      </p:cBhvr>
-                                      <p:to>
-                                        <p:strVal val="visible"/>
-                                      </p:to>
-                                    </p:set>
-                                  </p:childTnLst>
-                                </p:cTn>
-                              </p:par>
-                            </p:childTnLst>
-                          </p:cTn>
-                        </p:par>
-                      </p:childTnLst>
-                    </p:cTn>
-                  </p:par>
-                </p:childTnLst>
-              </p:cTn>
-              <p:prevCondLst>
-                <p:cond evt="onPrev" delay="0">
-                  <p:tgtEl>
-                    <p:sldTgt/>
-                  </p:tgtEl>
-                </p:cond>
-              </p:prevCondLst>
-              <p:nextCondLst>
-                <p:cond evt="onNext" delay="0">
-                  <p:tgtEl>
-                    <p:sldTgt/>
-                  </p:tgtEl>
-                </p:cond>
-              </p:nextCondLst>
-            </p:seq>
-          </p:childTnLst>
-        </p:cTn>
-      </p:par>
-    </p:tnLst>
-  </p:timing>
 </p:sld>
 </file>
 
@@ -11754,18 +11595,22 @@
               <a:t> → </a:t>
             </a:r>
             <a:r>
+              <a:rPr lang="en-US" sz="2800" b="1" dirty="0"/>
+              <a:t>[</a:t>
+            </a:r>
+            <a:r>
               <a:rPr lang="en-US" sz="2800" b="1" dirty="0">
                 <a:solidFill>
                   <a:schemeClr val="bg1"/>
                 </a:solidFill>
               </a:rPr>
-              <a:t>[Connect to Database]</a:t>
-            </a:r>
-            <a:endParaRPr lang="bg-BG" sz="2800" b="1" dirty="0">
-              <a:solidFill>
-                <a:schemeClr val="bg1"/>
-              </a:solidFill>
-            </a:endParaRPr>
+              <a:t>Connect to Database</a:t>
+            </a:r>
+            <a:r>
+              <a:rPr lang="en-US" sz="2800" b="1" dirty="0"/>
+              <a:t>]</a:t>
+            </a:r>
+            <a:endParaRPr lang="bg-BG" sz="2800" b="1" dirty="0"/>
           </a:p>
           <a:p>
             <a:r>
@@ -11884,24 +11729,48 @@
               <a:t>Тестваме връзката с </a:t>
             </a:r>
             <a:r>
+              <a:rPr lang="en-US" sz="3000" b="1" dirty="0"/>
+              <a:t>[</a:t>
+            </a:r>
+            <a:r>
               <a:rPr lang="en-US" sz="3000" b="1" dirty="0">
                 <a:solidFill>
                   <a:schemeClr val="bg1"/>
                 </a:solidFill>
               </a:rPr>
-              <a:t>[Test Connection] </a:t>
+              <a:t>Test Connection</a:t>
+            </a:r>
+            <a:r>
+              <a:rPr lang="en-US" sz="3000" b="1" dirty="0"/>
+              <a:t>]</a:t>
+            </a:r>
+            <a:r>
+              <a:rPr lang="en-US" sz="3000" b="1" dirty="0">
+                <a:solidFill>
+                  <a:schemeClr val="bg1"/>
+                </a:solidFill>
+              </a:rPr>
+              <a:t> </a:t>
             </a:r>
             <a:r>
               <a:rPr lang="bg-BG" sz="3000" dirty="0"/>
               <a:t>и натискаме </a:t>
             </a:r>
             <a:r>
+              <a:rPr lang="en-US" sz="3000" b="1" dirty="0"/>
+              <a:t>[</a:t>
+            </a:r>
+            <a:r>
               <a:rPr lang="en-US" sz="3000" b="1" dirty="0">
                 <a:solidFill>
                   <a:schemeClr val="bg1"/>
                 </a:solidFill>
               </a:rPr>
-              <a:t>[OK]</a:t>
+              <a:t>OK</a:t>
+            </a:r>
+            <a:r>
+              <a:rPr lang="en-US" sz="3000" b="1" dirty="0"/>
+              <a:t>]</a:t>
             </a:r>
           </a:p>
         </p:txBody>
@@ -12010,9 +11879,6 @@
                     <p:cTn id="3" fill="hold">
                       <p:stCondLst>
                         <p:cond delay="indefinite"/>
-                        <p:cond evt="onBegin" delay="0">
-                          <p:tn val="2"/>
-                        </p:cond>
                       </p:stCondLst>
                       <p:childTnLst>
                         <p:par>
@@ -12022,7 +11888,7 @@
                             </p:stCondLst>
                             <p:childTnLst>
                               <p:par>
-                                <p:cTn id="5" presetID="1" presetClass="entr" presetSubtype="0" fill="hold" nodeType="withEffect">
+                                <p:cTn id="5" presetID="1" presetClass="entr" presetSubtype="0" fill="hold" nodeType="clickEffect">
                                   <p:stCondLst>
                                     <p:cond delay="0"/>
                                   </p:stCondLst>
@@ -12030,37 +11896,6 @@
                                     <p:set>
                                       <p:cBhvr>
                                         <p:cTn id="6" dur="1" fill="hold">
-                                          <p:stCondLst>
-                                            <p:cond delay="0"/>
-                                          </p:stCondLst>
-                                        </p:cTn>
-                                        <p:tgtEl>
-                                          <p:spTgt spid="3">
-                                            <p:txEl>
-                                              <p:pRg st="0" end="0"/>
-                                            </p:txEl>
-                                          </p:spTgt>
-                                        </p:tgtEl>
-                                        <p:attrNameLst>
-                                          <p:attrName>style.visibility</p:attrName>
-                                        </p:attrNameLst>
-                                      </p:cBhvr>
-                                      <p:to>
-                                        <p:strVal val="visible"/>
-                                      </p:to>
-                                    </p:set>
-                                  </p:childTnLst>
-                                </p:cTn>
-                              </p:par>
-                              <p:par>
-                                <p:cTn id="7" presetID="1" presetClass="entr" presetSubtype="0" fill="hold" nodeType="withEffect">
-                                  <p:stCondLst>
-                                    <p:cond delay="0"/>
-                                  </p:stCondLst>
-                                  <p:childTnLst>
-                                    <p:set>
-                                      <p:cBhvr>
-                                        <p:cTn id="8" dur="1" fill="hold">
                                           <p:stCondLst>
                                             <p:cond delay="0"/>
                                           </p:stCondLst>
@@ -12083,8 +11918,26 @@
                                   </p:childTnLst>
                                 </p:cTn>
                               </p:par>
+                            </p:childTnLst>
+                          </p:cTn>
+                        </p:par>
+                      </p:childTnLst>
+                    </p:cTn>
+                  </p:par>
+                  <p:par>
+                    <p:cTn id="7" fill="hold">
+                      <p:stCondLst>
+                        <p:cond delay="indefinite"/>
+                      </p:stCondLst>
+                      <p:childTnLst>
+                        <p:par>
+                          <p:cTn id="8" fill="hold">
+                            <p:stCondLst>
+                              <p:cond delay="0"/>
+                            </p:stCondLst>
+                            <p:childTnLst>
                               <p:par>
-                                <p:cTn id="9" presetID="1" presetClass="entr" presetSubtype="0" fill="hold" nodeType="withEffect">
+                                <p:cTn id="9" presetID="1" presetClass="entr" presetSubtype="0" fill="hold" nodeType="clickEffect">
                                   <p:stCondLst>
                                     <p:cond delay="0"/>
                                   </p:stCondLst>
@@ -12097,7 +11950,11 @@
                                           </p:stCondLst>
                                         </p:cTn>
                                         <p:tgtEl>
-                                          <p:spTgt spid="6"/>
+                                          <p:spTgt spid="3">
+                                            <p:txEl>
+                                              <p:pRg st="2" end="2"/>
+                                            </p:txEl>
+                                          </p:spTgt>
                                         </p:tgtEl>
                                         <p:attrNameLst>
                                           <p:attrName>style.visibility</p:attrName>
@@ -12144,7 +12001,7 @@
                                         <p:tgtEl>
                                           <p:spTgt spid="3">
                                             <p:txEl>
-                                              <p:pRg st="2" end="2"/>
+                                              <p:pRg st="3" end="3"/>
                                             </p:txEl>
                                           </p:spTgt>
                                         </p:tgtEl>
@@ -12193,37 +12050,6 @@
                                         <p:tgtEl>
                                           <p:spTgt spid="3">
                                             <p:txEl>
-                                              <p:pRg st="3" end="3"/>
-                                            </p:txEl>
-                                          </p:spTgt>
-                                        </p:tgtEl>
-                                        <p:attrNameLst>
-                                          <p:attrName>style.visibility</p:attrName>
-                                        </p:attrNameLst>
-                                      </p:cBhvr>
-                                      <p:to>
-                                        <p:strVal val="visible"/>
-                                      </p:to>
-                                    </p:set>
-                                  </p:childTnLst>
-                                </p:cTn>
-                              </p:par>
-                              <p:par>
-                                <p:cTn id="19" presetID="1" presetClass="entr" presetSubtype="0" fill="hold" nodeType="withEffect">
-                                  <p:stCondLst>
-                                    <p:cond delay="0"/>
-                                  </p:stCondLst>
-                                  <p:childTnLst>
-                                    <p:set>
-                                      <p:cBhvr>
-                                        <p:cTn id="20" dur="1" fill="hold">
-                                          <p:stCondLst>
-                                            <p:cond delay="0"/>
-                                          </p:stCondLst>
-                                        </p:cTn>
-                                        <p:tgtEl>
-                                          <p:spTgt spid="3">
-                                            <p:txEl>
                                               <p:pRg st="4" end="4"/>
                                             </p:txEl>
                                           </p:spTgt>
@@ -12239,8 +12065,26 @@
                                   </p:childTnLst>
                                 </p:cTn>
                               </p:par>
+                            </p:childTnLst>
+                          </p:cTn>
+                        </p:par>
+                      </p:childTnLst>
+                    </p:cTn>
+                  </p:par>
+                  <p:par>
+                    <p:cTn id="19" fill="hold">
+                      <p:stCondLst>
+                        <p:cond delay="indefinite"/>
+                      </p:stCondLst>
+                      <p:childTnLst>
+                        <p:par>
+                          <p:cTn id="20" fill="hold">
+                            <p:stCondLst>
+                              <p:cond delay="0"/>
+                            </p:stCondLst>
+                            <p:childTnLst>
                               <p:par>
-                                <p:cTn id="21" presetID="1" presetClass="entr" presetSubtype="0" fill="hold" nodeType="withEffect">
+                                <p:cTn id="21" presetID="1" presetClass="entr" presetSubtype="0" fill="hold" nodeType="clickEffect">
                                   <p:stCondLst>
                                     <p:cond delay="0"/>
                                   </p:stCondLst>
@@ -12436,7 +12280,23 @@
                   <a:schemeClr val="bg1"/>
                 </a:solidFill>
               </a:rPr>
-              <a:t> [New Query]</a:t>
+              <a:t> </a:t>
+            </a:r>
+            <a:r>
+              <a:rPr lang="en-US" sz="2800" b="1" dirty="0"/>
+              <a:t>[</a:t>
+            </a:r>
+            <a:r>
+              <a:rPr lang="en-US" sz="2800" b="1" dirty="0">
+                <a:solidFill>
+                  <a:schemeClr val="bg1"/>
+                </a:solidFill>
+              </a:rPr>
+              <a:t>New Query</a:t>
+            </a:r>
+            <a:r>
+              <a:rPr lang="en-US" sz="2800" b="1" dirty="0"/>
+              <a:t>]</a:t>
             </a:r>
           </a:p>
           <a:p>
@@ -12816,9 +12676,6 @@
                     <p:cTn id="3" fill="hold">
                       <p:stCondLst>
                         <p:cond delay="indefinite"/>
-                        <p:cond evt="onBegin" delay="0">
-                          <p:tn val="2"/>
-                        </p:cond>
                       </p:stCondLst>
                       <p:childTnLst>
                         <p:par>
@@ -12828,7 +12685,7 @@
                             </p:stCondLst>
                             <p:childTnLst>
                               <p:par>
-                                <p:cTn id="5" presetID="1" presetClass="entr" presetSubtype="0" fill="hold" nodeType="withEffect">
+                                <p:cTn id="5" presetID="1" presetClass="entr" presetSubtype="0" fill="hold" nodeType="clickEffect">
                                   <p:stCondLst>
                                     <p:cond delay="0"/>
                                   </p:stCondLst>
@@ -12843,7 +12700,7 @@
                                         <p:tgtEl>
                                           <p:spTgt spid="3">
                                             <p:txEl>
-                                              <p:pRg st="0" end="0"/>
+                                              <p:pRg st="1" end="1"/>
                                             </p:txEl>
                                           </p:spTgt>
                                         </p:tgtEl>
@@ -12892,7 +12749,7 @@
                                         <p:tgtEl>
                                           <p:spTgt spid="3">
                                             <p:txEl>
-                                              <p:pRg st="1" end="1"/>
+                                              <p:pRg st="2" end="2"/>
                                             </p:txEl>
                                           </p:spTgt>
                                         </p:tgtEl>
@@ -12926,7 +12783,7 @@
                             </p:stCondLst>
                             <p:childTnLst>
                               <p:par>
-                                <p:cTn id="13" presetID="1" presetClass="entr" presetSubtype="0" fill="hold" nodeType="clickEffect">
+                                <p:cTn id="13" presetID="1" presetClass="entr" presetSubtype="0" fill="hold" grpId="0" nodeType="clickEffect">
                                   <p:stCondLst>
                                     <p:cond delay="0"/>
                                   </p:stCondLst>
@@ -12939,83 +12796,7 @@
                                           </p:stCondLst>
                                         </p:cTn>
                                         <p:tgtEl>
-                                          <p:spTgt spid="3">
-                                            <p:txEl>
-                                              <p:pRg st="2" end="2"/>
-                                            </p:txEl>
-                                          </p:spTgt>
-                                        </p:tgtEl>
-                                        <p:attrNameLst>
-                                          <p:attrName>style.visibility</p:attrName>
-                                        </p:attrNameLst>
-                                      </p:cBhvr>
-                                      <p:to>
-                                        <p:strVal val="visible"/>
-                                      </p:to>
-                                    </p:set>
-                                  </p:childTnLst>
-                                </p:cTn>
-                              </p:par>
-                            </p:childTnLst>
-                          </p:cTn>
-                        </p:par>
-                      </p:childTnLst>
-                    </p:cTn>
-                  </p:par>
-                  <p:par>
-                    <p:cTn id="15" fill="hold">
-                      <p:stCondLst>
-                        <p:cond delay="indefinite"/>
-                      </p:stCondLst>
-                      <p:childTnLst>
-                        <p:par>
-                          <p:cTn id="16" fill="hold">
-                            <p:stCondLst>
-                              <p:cond delay="0"/>
-                            </p:stCondLst>
-                            <p:childTnLst>
-                              <p:par>
-                                <p:cTn id="17" presetID="1" presetClass="entr" presetSubtype="0" fill="hold" grpId="0" nodeType="clickEffect">
-                                  <p:stCondLst>
-                                    <p:cond delay="0"/>
-                                  </p:stCondLst>
-                                  <p:childTnLst>
-                                    <p:set>
-                                      <p:cBhvr>
-                                        <p:cTn id="18" dur="1" fill="hold">
-                                          <p:stCondLst>
-                                            <p:cond delay="0"/>
-                                          </p:stCondLst>
-                                        </p:cTn>
-                                        <p:tgtEl>
                                           <p:spTgt spid="5"/>
-                                        </p:tgtEl>
-                                        <p:attrNameLst>
-                                          <p:attrName>style.visibility</p:attrName>
-                                        </p:attrNameLst>
-                                      </p:cBhvr>
-                                      <p:to>
-                                        <p:strVal val="visible"/>
-                                      </p:to>
-                                    </p:set>
-                                  </p:childTnLst>
-                                </p:cTn>
-                              </p:par>
-                              <p:par>
-                                <p:cTn id="19" presetID="1" presetClass="entr" presetSubtype="0" fill="hold" nodeType="withEffect">
-                                  <p:stCondLst>
-                                    <p:cond delay="0"/>
-                                  </p:stCondLst>
-                                  <p:childTnLst>
-                                    <p:set>
-                                      <p:cBhvr>
-                                        <p:cTn id="20" dur="1" fill="hold">
-                                          <p:stCondLst>
-                                            <p:cond delay="0"/>
-                                          </p:stCondLst>
-                                        </p:cTn>
-                                        <p:tgtEl>
-                                          <p:spTgt spid="7"/>
                                         </p:tgtEl>
                                         <p:attrNameLst>
                                           <p:attrName>style.visibility</p:attrName>
@@ -13487,9 +13268,6 @@
                     <p:cTn id="3" fill="hold">
                       <p:stCondLst>
                         <p:cond delay="indefinite"/>
-                        <p:cond evt="onBegin" delay="0">
-                          <p:tn val="2"/>
-                        </p:cond>
                       </p:stCondLst>
                       <p:childTnLst>
                         <p:par>
@@ -13499,7 +13277,7 @@
                             </p:stCondLst>
                             <p:childTnLst>
                               <p:par>
-                                <p:cTn id="5" presetID="1" presetClass="entr" presetSubtype="0" fill="hold" nodeType="withEffect">
+                                <p:cTn id="5" presetID="1" presetClass="entr" presetSubtype="0" fill="hold" nodeType="clickEffect">
                                   <p:stCondLst>
                                     <p:cond delay="0"/>
                                   </p:stCondLst>
@@ -13514,7 +13292,7 @@
                                         <p:tgtEl>
                                           <p:spTgt spid="3">
                                             <p:txEl>
-                                              <p:pRg st="0" end="0"/>
+                                              <p:pRg st="1" end="1"/>
                                             </p:txEl>
                                           </p:spTgt>
                                         </p:tgtEl>
@@ -13548,7 +13326,7 @@
                             </p:stCondLst>
                             <p:childTnLst>
                               <p:par>
-                                <p:cTn id="9" presetID="1" presetClass="entr" presetSubtype="0" fill="hold" nodeType="clickEffect">
+                                <p:cTn id="9" presetID="1" presetClass="entr" presetSubtype="0" fill="hold" grpId="0" nodeType="clickEffect">
                                   <p:stCondLst>
                                     <p:cond delay="0"/>
                                   </p:stCondLst>
@@ -13556,37 +13334,6 @@
                                     <p:set>
                                       <p:cBhvr>
                                         <p:cTn id="10" dur="1" fill="hold">
-                                          <p:stCondLst>
-                                            <p:cond delay="0"/>
-                                          </p:stCondLst>
-                                        </p:cTn>
-                                        <p:tgtEl>
-                                          <p:spTgt spid="3">
-                                            <p:txEl>
-                                              <p:pRg st="1" end="1"/>
-                                            </p:txEl>
-                                          </p:spTgt>
-                                        </p:tgtEl>
-                                        <p:attrNameLst>
-                                          <p:attrName>style.visibility</p:attrName>
-                                        </p:attrNameLst>
-                                      </p:cBhvr>
-                                      <p:to>
-                                        <p:strVal val="visible"/>
-                                      </p:to>
-                                    </p:set>
-                                  </p:childTnLst>
-                                </p:cTn>
-                              </p:par>
-                              <p:par>
-                                <p:cTn id="11" presetID="1" presetClass="entr" presetSubtype="0" fill="hold" grpId="0" nodeType="withEffect">
-                                  <p:stCondLst>
-                                    <p:cond delay="0"/>
-                                  </p:stCondLst>
-                                  <p:childTnLst>
-                                    <p:set>
-                                      <p:cBhvr>
-                                        <p:cTn id="12" dur="1" fill="hold">
                                           <p:stCondLst>
                                             <p:cond delay="0"/>
                                           </p:stCondLst>
@@ -13605,8 +13352,26 @@
                                   </p:childTnLst>
                                 </p:cTn>
                               </p:par>
+                            </p:childTnLst>
+                          </p:cTn>
+                        </p:par>
+                      </p:childTnLst>
+                    </p:cTn>
+                  </p:par>
+                  <p:par>
+                    <p:cTn id="11" fill="hold">
+                      <p:stCondLst>
+                        <p:cond delay="indefinite"/>
+                      </p:stCondLst>
+                      <p:childTnLst>
+                        <p:par>
+                          <p:cTn id="12" fill="hold">
+                            <p:stCondLst>
+                              <p:cond delay="0"/>
+                            </p:stCondLst>
+                            <p:childTnLst>
                               <p:par>
-                                <p:cTn id="13" presetID="1" presetClass="entr" presetSubtype="0" fill="hold" grpId="0" nodeType="withEffect">
+                                <p:cTn id="13" presetID="1" presetClass="entr" presetSubtype="0" fill="hold" grpId="0" nodeType="clickEffect">
                                   <p:stCondLst>
                                     <p:cond delay="0"/>
                                   </p:stCondLst>
@@ -13681,15 +13446,33 @@
                                   </p:childTnLst>
                                 </p:cTn>
                               </p:par>
+                            </p:childTnLst>
+                          </p:cTn>
+                        </p:par>
+                      </p:childTnLst>
+                    </p:cTn>
+                  </p:par>
+                  <p:par>
+                    <p:cTn id="19" fill="hold">
+                      <p:stCondLst>
+                        <p:cond delay="indefinite"/>
+                      </p:stCondLst>
+                      <p:childTnLst>
+                        <p:par>
+                          <p:cTn id="20" fill="hold">
+                            <p:stCondLst>
+                              <p:cond delay="0"/>
+                            </p:stCondLst>
+                            <p:childTnLst>
                               <p:par>
-                                <p:cTn id="19" presetID="1" presetClass="entr" presetSubtype="0" fill="hold" grpId="0" nodeType="withEffect">
+                                <p:cTn id="21" presetID="1" presetClass="entr" presetSubtype="0" fill="hold" grpId="0" nodeType="clickEffect">
                                   <p:stCondLst>
                                     <p:cond delay="0"/>
                                   </p:stCondLst>
                                   <p:childTnLst>
                                     <p:set>
                                       <p:cBhvr>
-                                        <p:cTn id="20" dur="1" fill="hold">
+                                        <p:cTn id="22" dur="1" fill="hold">
                                           <p:stCondLst>
                                             <p:cond delay="0"/>
                                           </p:stCondLst>
@@ -14170,9 +13953,6 @@
                     <p:cTn id="3" fill="hold">
                       <p:stCondLst>
                         <p:cond delay="indefinite"/>
-                        <p:cond evt="onBegin" delay="0">
-                          <p:tn val="2"/>
-                        </p:cond>
                       </p:stCondLst>
                       <p:childTnLst>
                         <p:par>
@@ -14182,7 +13962,7 @@
                             </p:stCondLst>
                             <p:childTnLst>
                               <p:par>
-                                <p:cTn id="5" presetID="1" presetClass="entr" presetSubtype="0" fill="hold" nodeType="withEffect">
+                                <p:cTn id="5" presetID="1" presetClass="entr" presetSubtype="0" fill="hold" nodeType="clickEffect">
                                   <p:stCondLst>
                                     <p:cond delay="0"/>
                                   </p:stCondLst>
@@ -14190,37 +13970,6 @@
                                     <p:set>
                                       <p:cBhvr>
                                         <p:cTn id="6" dur="1" fill="hold">
-                                          <p:stCondLst>
-                                            <p:cond delay="0"/>
-                                          </p:stCondLst>
-                                        </p:cTn>
-                                        <p:tgtEl>
-                                          <p:spTgt spid="3">
-                                            <p:txEl>
-                                              <p:pRg st="0" end="0"/>
-                                            </p:txEl>
-                                          </p:spTgt>
-                                        </p:tgtEl>
-                                        <p:attrNameLst>
-                                          <p:attrName>style.visibility</p:attrName>
-                                        </p:attrNameLst>
-                                      </p:cBhvr>
-                                      <p:to>
-                                        <p:strVal val="visible"/>
-                                      </p:to>
-                                    </p:set>
-                                  </p:childTnLst>
-                                </p:cTn>
-                              </p:par>
-                              <p:par>
-                                <p:cTn id="7" presetID="1" presetClass="entr" presetSubtype="0" fill="hold" nodeType="withEffect">
-                                  <p:stCondLst>
-                                    <p:cond delay="0"/>
-                                  </p:stCondLst>
-                                  <p:childTnLst>
-                                    <p:set>
-                                      <p:cBhvr>
-                                        <p:cTn id="8" dur="1" fill="hold">
                                           <p:stCondLst>
                                             <p:cond delay="0"/>
                                           </p:stCondLst>
@@ -14243,8 +13992,26 @@
                                   </p:childTnLst>
                                 </p:cTn>
                               </p:par>
+                            </p:childTnLst>
+                          </p:cTn>
+                        </p:par>
+                      </p:childTnLst>
+                    </p:cTn>
+                  </p:par>
+                  <p:par>
+                    <p:cTn id="7" fill="hold">
+                      <p:stCondLst>
+                        <p:cond delay="indefinite"/>
+                      </p:stCondLst>
+                      <p:childTnLst>
+                        <p:par>
+                          <p:cTn id="8" fill="hold">
+                            <p:stCondLst>
+                              <p:cond delay="0"/>
+                            </p:stCondLst>
+                            <p:childTnLst>
                               <p:par>
-                                <p:cTn id="9" presetID="1" presetClass="entr" presetSubtype="0" fill="hold" nodeType="withEffect">
+                                <p:cTn id="9" presetID="1" presetClass="entr" presetSubtype="0" fill="hold" nodeType="clickEffect">
                                   <p:stCondLst>
                                     <p:cond delay="0"/>
                                   </p:stCondLst>
@@ -14257,7 +14024,11 @@
                                           </p:stCondLst>
                                         </p:cTn>
                                         <p:tgtEl>
-                                          <p:spTgt spid="7"/>
+                                          <p:spTgt spid="3">
+                                            <p:txEl>
+                                              <p:pRg st="2" end="2"/>
+                                            </p:txEl>
+                                          </p:spTgt>
                                         </p:tgtEl>
                                         <p:attrNameLst>
                                           <p:attrName>style.visibility</p:attrName>
@@ -14304,37 +14075,6 @@
                                         <p:tgtEl>
                                           <p:spTgt spid="3">
                                             <p:txEl>
-                                              <p:pRg st="2" end="2"/>
-                                            </p:txEl>
-                                          </p:spTgt>
-                                        </p:tgtEl>
-                                        <p:attrNameLst>
-                                          <p:attrName>style.visibility</p:attrName>
-                                        </p:attrNameLst>
-                                      </p:cBhvr>
-                                      <p:to>
-                                        <p:strVal val="visible"/>
-                                      </p:to>
-                                    </p:set>
-                                  </p:childTnLst>
-                                </p:cTn>
-                              </p:par>
-                              <p:par>
-                                <p:cTn id="15" presetID="1" presetClass="entr" presetSubtype="0" fill="hold" nodeType="withEffect">
-                                  <p:stCondLst>
-                                    <p:cond delay="0"/>
-                                  </p:stCondLst>
-                                  <p:childTnLst>
-                                    <p:set>
-                                      <p:cBhvr>
-                                        <p:cTn id="16" dur="1" fill="hold">
-                                          <p:stCondLst>
-                                            <p:cond delay="0"/>
-                                          </p:stCondLst>
-                                        </p:cTn>
-                                        <p:tgtEl>
-                                          <p:spTgt spid="3">
-                                            <p:txEl>
                                               <p:pRg st="3" end="3"/>
                                             </p:txEl>
                                           </p:spTgt>
@@ -14350,8 +14090,26 @@
                                   </p:childTnLst>
                                 </p:cTn>
                               </p:par>
+                            </p:childTnLst>
+                          </p:cTn>
+                        </p:par>
+                      </p:childTnLst>
+                    </p:cTn>
+                  </p:par>
+                  <p:par>
+                    <p:cTn id="15" fill="hold">
+                      <p:stCondLst>
+                        <p:cond delay="indefinite"/>
+                      </p:stCondLst>
+                      <p:childTnLst>
+                        <p:par>
+                          <p:cTn id="16" fill="hold">
+                            <p:stCondLst>
+                              <p:cond delay="0"/>
+                            </p:stCondLst>
+                            <p:childTnLst>
                               <p:par>
-                                <p:cTn id="17" presetID="1" presetClass="entr" presetSubtype="0" fill="hold" grpId="0" nodeType="withEffect">
+                                <p:cTn id="17" presetID="1" presetClass="entr" presetSubtype="0" fill="hold" grpId="0" nodeType="clickEffect">
                                   <p:stCondLst>
                                     <p:cond delay="0"/>
                                   </p:stCondLst>
@@ -14377,15 +14135,33 @@
                                   </p:childTnLst>
                                 </p:cTn>
                               </p:par>
+                            </p:childTnLst>
+                          </p:cTn>
+                        </p:par>
+                      </p:childTnLst>
+                    </p:cTn>
+                  </p:par>
+                  <p:par>
+                    <p:cTn id="19" fill="hold">
+                      <p:stCondLst>
+                        <p:cond delay="indefinite"/>
+                      </p:stCondLst>
+                      <p:childTnLst>
+                        <p:par>
+                          <p:cTn id="20" fill="hold">
+                            <p:stCondLst>
+                              <p:cond delay="0"/>
+                            </p:stCondLst>
+                            <p:childTnLst>
                               <p:par>
-                                <p:cTn id="19" presetID="1" presetClass="entr" presetSubtype="0" fill="hold" nodeType="withEffect">
+                                <p:cTn id="21" presetID="1" presetClass="entr" presetSubtype="0" fill="hold" nodeType="clickEffect">
                                   <p:stCondLst>
                                     <p:cond delay="0"/>
                                   </p:stCondLst>
                                   <p:childTnLst>
                                     <p:set>
                                       <p:cBhvr>
-                                        <p:cTn id="20" dur="1" fill="hold">
+                                        <p:cTn id="22" dur="1" fill="hold">
                                           <p:stCondLst>
                                             <p:cond delay="0"/>
                                           </p:stCondLst>
@@ -14841,9 +14617,6 @@
                     <p:cTn id="3" fill="hold">
                       <p:stCondLst>
                         <p:cond delay="indefinite"/>
-                        <p:cond evt="onBegin" delay="0">
-                          <p:tn val="2"/>
-                        </p:cond>
                       </p:stCondLst>
                       <p:childTnLst>
                         <p:par>
@@ -14853,7 +14626,7 @@
                             </p:stCondLst>
                             <p:childTnLst>
                               <p:par>
-                                <p:cTn id="5" presetID="1" presetClass="entr" presetSubtype="0" fill="hold" nodeType="withEffect">
+                                <p:cTn id="5" presetID="1" presetClass="entr" presetSubtype="0" fill="hold" nodeType="clickEffect">
                                   <p:stCondLst>
                                     <p:cond delay="0"/>
                                   </p:stCondLst>
@@ -14861,37 +14634,6 @@
                                     <p:set>
                                       <p:cBhvr>
                                         <p:cTn id="6" dur="1" fill="hold">
-                                          <p:stCondLst>
-                                            <p:cond delay="0"/>
-                                          </p:stCondLst>
-                                        </p:cTn>
-                                        <p:tgtEl>
-                                          <p:spTgt spid="444419">
-                                            <p:txEl>
-                                              <p:pRg st="0" end="0"/>
-                                            </p:txEl>
-                                          </p:spTgt>
-                                        </p:tgtEl>
-                                        <p:attrNameLst>
-                                          <p:attrName>style.visibility</p:attrName>
-                                        </p:attrNameLst>
-                                      </p:cBhvr>
-                                      <p:to>
-                                        <p:strVal val="visible"/>
-                                      </p:to>
-                                    </p:set>
-                                  </p:childTnLst>
-                                </p:cTn>
-                              </p:par>
-                              <p:par>
-                                <p:cTn id="7" presetID="1" presetClass="entr" presetSubtype="0" fill="hold" nodeType="withEffect">
-                                  <p:stCondLst>
-                                    <p:cond delay="0"/>
-                                  </p:stCondLst>
-                                  <p:childTnLst>
-                                    <p:set>
-                                      <p:cBhvr>
-                                        <p:cTn id="8" dur="1" fill="hold">
                                           <p:stCondLst>
                                             <p:cond delay="0"/>
                                           </p:stCondLst>
@@ -14921,26 +14663,26 @@
                     </p:cTn>
                   </p:par>
                   <p:par>
-                    <p:cTn id="9" fill="hold">
+                    <p:cTn id="7" fill="hold">
                       <p:stCondLst>
                         <p:cond delay="indefinite"/>
                       </p:stCondLst>
                       <p:childTnLst>
                         <p:par>
-                          <p:cTn id="10" fill="hold">
+                          <p:cTn id="8" fill="hold">
                             <p:stCondLst>
                               <p:cond delay="0"/>
                             </p:stCondLst>
                             <p:childTnLst>
                               <p:par>
-                                <p:cTn id="11" presetID="1" presetClass="entr" presetSubtype="0" fill="hold" nodeType="clickEffect">
+                                <p:cTn id="9" presetID="1" presetClass="entr" presetSubtype="0" fill="hold" nodeType="clickEffect">
                                   <p:stCondLst>
                                     <p:cond delay="0"/>
                                   </p:stCondLst>
                                   <p:childTnLst>
                                     <p:set>
                                       <p:cBhvr>
-                                        <p:cTn id="12" dur="1" fill="hold">
+                                        <p:cTn id="10" dur="1" fill="hold">
                                           <p:stCondLst>
                                             <p:cond delay="0"/>
                                           </p:stCondLst>
@@ -14970,26 +14712,26 @@
                     </p:cTn>
                   </p:par>
                   <p:par>
-                    <p:cTn id="13" fill="hold">
+                    <p:cTn id="11" fill="hold">
                       <p:stCondLst>
                         <p:cond delay="indefinite"/>
                       </p:stCondLst>
                       <p:childTnLst>
                         <p:par>
-                          <p:cTn id="14" fill="hold">
+                          <p:cTn id="12" fill="hold">
                             <p:stCondLst>
                               <p:cond delay="0"/>
                             </p:stCondLst>
                             <p:childTnLst>
                               <p:par>
-                                <p:cTn id="15" presetID="1" presetClass="entr" presetSubtype="0" fill="hold" nodeType="clickEffect">
+                                <p:cTn id="13" presetID="1" presetClass="entr" presetSubtype="0" fill="hold" nodeType="clickEffect">
                                   <p:stCondLst>
                                     <p:cond delay="0"/>
                                   </p:stCondLst>
                                   <p:childTnLst>
                                     <p:set>
                                       <p:cBhvr>
-                                        <p:cTn id="16" dur="1" fill="hold">
+                                        <p:cTn id="14" dur="1" fill="hold">
                                           <p:stCondLst>
                                             <p:cond delay="0"/>
                                           </p:stCondLst>
@@ -15019,26 +14761,26 @@
                     </p:cTn>
                   </p:par>
                   <p:par>
-                    <p:cTn id="17" fill="hold">
+                    <p:cTn id="15" fill="hold">
                       <p:stCondLst>
                         <p:cond delay="indefinite"/>
                       </p:stCondLst>
                       <p:childTnLst>
                         <p:par>
-                          <p:cTn id="18" fill="hold">
+                          <p:cTn id="16" fill="hold">
                             <p:stCondLst>
                               <p:cond delay="0"/>
                             </p:stCondLst>
                             <p:childTnLst>
                               <p:par>
-                                <p:cTn id="19" presetID="1" presetClass="entr" presetSubtype="0" fill="hold" nodeType="clickEffect">
+                                <p:cTn id="17" presetID="1" presetClass="entr" presetSubtype="0" fill="hold" nodeType="clickEffect">
                                   <p:stCondLst>
                                     <p:cond delay="0"/>
                                   </p:stCondLst>
                                   <p:childTnLst>
                                     <p:set>
                                       <p:cBhvr>
-                                        <p:cTn id="20" dur="1" fill="hold">
+                                        <p:cTn id="18" dur="1" fill="hold">
                                           <p:stCondLst>
                                             <p:cond delay="0"/>
                                           </p:stCondLst>
@@ -15061,8 +14803,26 @@
                                   </p:childTnLst>
                                 </p:cTn>
                               </p:par>
+                            </p:childTnLst>
+                          </p:cTn>
+                        </p:par>
+                      </p:childTnLst>
+                    </p:cTn>
+                  </p:par>
+                  <p:par>
+                    <p:cTn id="19" fill="hold">
+                      <p:stCondLst>
+                        <p:cond delay="indefinite"/>
+                      </p:stCondLst>
+                      <p:childTnLst>
+                        <p:par>
+                          <p:cTn id="20" fill="hold">
+                            <p:stCondLst>
+                              <p:cond delay="0"/>
+                            </p:stCondLst>
+                            <p:childTnLst>
                               <p:par>
-                                <p:cTn id="21" presetID="1" presetClass="entr" presetSubtype="0" fill="hold" nodeType="withEffect">
+                                <p:cTn id="21" presetID="1" presetClass="entr" presetSubtype="0" fill="hold" nodeType="clickEffect">
                                   <p:stCondLst>
                                     <p:cond delay="0"/>
                                   </p:stCondLst>
@@ -15391,115 +15151,6 @@
       <p:transition spd="slow" advClick="0" advTm="5000"/>
     </mc:Fallback>
   </mc:AlternateContent>
-  <p:timing>
-    <p:tnLst>
-      <p:par>
-        <p:cTn id="1" dur="indefinite" restart="never" nodeType="tmRoot">
-          <p:childTnLst>
-            <p:seq concurrent="1" nextAc="seek">
-              <p:cTn id="2" dur="indefinite" nodeType="mainSeq">
-                <p:childTnLst>
-                  <p:par>
-                    <p:cTn id="3" fill="hold">
-                      <p:stCondLst>
-                        <p:cond delay="indefinite"/>
-                        <p:cond evt="onBegin" delay="0">
-                          <p:tn val="2"/>
-                        </p:cond>
-                      </p:stCondLst>
-                      <p:childTnLst>
-                        <p:par>
-                          <p:cTn id="4" fill="hold">
-                            <p:stCondLst>
-                              <p:cond delay="0"/>
-                            </p:stCondLst>
-                            <p:childTnLst>
-                              <p:par>
-                                <p:cTn id="5" presetID="1" presetClass="entr" presetSubtype="0" fill="hold" nodeType="withEffect">
-                                  <p:stCondLst>
-                                    <p:cond delay="0"/>
-                                  </p:stCondLst>
-                                  <p:childTnLst>
-                                    <p:set>
-                                      <p:cBhvr>
-                                        <p:cTn id="6" dur="1" fill="hold">
-                                          <p:stCondLst>
-                                            <p:cond delay="0"/>
-                                          </p:stCondLst>
-                                        </p:cTn>
-                                        <p:tgtEl>
-                                          <p:spTgt spid="3">
-                                            <p:txEl>
-                                              <p:pRg st="0" end="0"/>
-                                            </p:txEl>
-                                          </p:spTgt>
-                                        </p:tgtEl>
-                                        <p:attrNameLst>
-                                          <p:attrName>style.visibility</p:attrName>
-                                        </p:attrNameLst>
-                                      </p:cBhvr>
-                                      <p:to>
-                                        <p:strVal val="visible"/>
-                                      </p:to>
-                                    </p:set>
-                                  </p:childTnLst>
-                                </p:cTn>
-                              </p:par>
-                              <p:par>
-                                <p:cTn id="7" presetID="1" presetClass="entr" presetSubtype="0" fill="hold" nodeType="withEffect">
-                                  <p:stCondLst>
-                                    <p:cond delay="0"/>
-                                  </p:stCondLst>
-                                  <p:childTnLst>
-                                    <p:set>
-                                      <p:cBhvr>
-                                        <p:cTn id="8" dur="1" fill="hold">
-                                          <p:stCondLst>
-                                            <p:cond delay="0"/>
-                                          </p:stCondLst>
-                                        </p:cTn>
-                                        <p:tgtEl>
-                                          <p:spTgt spid="6"/>
-                                        </p:tgtEl>
-                                        <p:attrNameLst>
-                                          <p:attrName>style.visibility</p:attrName>
-                                        </p:attrNameLst>
-                                      </p:cBhvr>
-                                      <p:to>
-                                        <p:strVal val="visible"/>
-                                      </p:to>
-                                    </p:set>
-                                  </p:childTnLst>
-                                </p:cTn>
-                              </p:par>
-                            </p:childTnLst>
-                          </p:cTn>
-                        </p:par>
-                      </p:childTnLst>
-                    </p:cTn>
-                  </p:par>
-                </p:childTnLst>
-              </p:cTn>
-              <p:prevCondLst>
-                <p:cond evt="onPrev" delay="0">
-                  <p:tgtEl>
-                    <p:sldTgt/>
-                  </p:tgtEl>
-                </p:cond>
-              </p:prevCondLst>
-              <p:nextCondLst>
-                <p:cond evt="onNext" delay="0">
-                  <p:tgtEl>
-                    <p:sldTgt/>
-                  </p:tgtEl>
-                </p:cond>
-              </p:nextCondLst>
-            </p:seq>
-          </p:childTnLst>
-        </p:cTn>
-      </p:par>
-    </p:tnLst>
-  </p:timing>
 </p:sld>
 </file>
 
@@ -15835,9 +15486,6 @@
                     <p:cTn id="3" fill="hold">
                       <p:stCondLst>
                         <p:cond delay="indefinite"/>
-                        <p:cond evt="onBegin" delay="0">
-                          <p:tn val="2"/>
-                        </p:cond>
                       </p:stCondLst>
                       <p:childTnLst>
                         <p:par>
@@ -15847,7 +15495,7 @@
                             </p:stCondLst>
                             <p:childTnLst>
                               <p:par>
-                                <p:cTn id="5" presetID="1" presetClass="entr" presetSubtype="0" fill="hold" nodeType="withEffect">
+                                <p:cTn id="5" presetID="1" presetClass="entr" presetSubtype="0" fill="hold" nodeType="clickEffect">
                                   <p:stCondLst>
                                     <p:cond delay="0"/>
                                   </p:stCondLst>
@@ -15855,82 +15503,6 @@
                                     <p:set>
                                       <p:cBhvr>
                                         <p:cTn id="6" dur="1" fill="hold">
-                                          <p:stCondLst>
-                                            <p:cond delay="0"/>
-                                          </p:stCondLst>
-                                        </p:cTn>
-                                        <p:tgtEl>
-                                          <p:spTgt spid="3">
-                                            <p:txEl>
-                                              <p:pRg st="0" end="0"/>
-                                            </p:txEl>
-                                          </p:spTgt>
-                                        </p:tgtEl>
-                                        <p:attrNameLst>
-                                          <p:attrName>style.visibility</p:attrName>
-                                        </p:attrNameLst>
-                                      </p:cBhvr>
-                                      <p:to>
-                                        <p:strVal val="visible"/>
-                                      </p:to>
-                                    </p:set>
-                                  </p:childTnLst>
-                                </p:cTn>
-                              </p:par>
-                              <p:par>
-                                <p:cTn id="7" presetID="1" presetClass="entr" presetSubtype="0" fill="hold" nodeType="withEffect">
-                                  <p:stCondLst>
-                                    <p:cond delay="0"/>
-                                  </p:stCondLst>
-                                  <p:childTnLst>
-                                    <p:set>
-                                      <p:cBhvr>
-                                        <p:cTn id="8" dur="1" fill="hold">
-                                          <p:stCondLst>
-                                            <p:cond delay="0"/>
-                                          </p:stCondLst>
-                                        </p:cTn>
-                                        <p:tgtEl>
-                                          <p:spTgt spid="6"/>
-                                        </p:tgtEl>
-                                        <p:attrNameLst>
-                                          <p:attrName>style.visibility</p:attrName>
-                                        </p:attrNameLst>
-                                      </p:cBhvr>
-                                      <p:to>
-                                        <p:strVal val="visible"/>
-                                      </p:to>
-                                    </p:set>
-                                  </p:childTnLst>
-                                </p:cTn>
-                              </p:par>
-                            </p:childTnLst>
-                          </p:cTn>
-                        </p:par>
-                      </p:childTnLst>
-                    </p:cTn>
-                  </p:par>
-                  <p:par>
-                    <p:cTn id="9" fill="hold">
-                      <p:stCondLst>
-                        <p:cond delay="indefinite"/>
-                      </p:stCondLst>
-                      <p:childTnLst>
-                        <p:par>
-                          <p:cTn id="10" fill="hold">
-                            <p:stCondLst>
-                              <p:cond delay="0"/>
-                            </p:stCondLst>
-                            <p:childTnLst>
-                              <p:par>
-                                <p:cTn id="11" presetID="1" presetClass="entr" presetSubtype="0" fill="hold" nodeType="clickEffect">
-                                  <p:stCondLst>
-                                    <p:cond delay="0"/>
-                                  </p:stCondLst>
-                                  <p:childTnLst>
-                                    <p:set>
-                                      <p:cBhvr>
-                                        <p:cTn id="12" dur="1" fill="hold">
                                           <p:stCondLst>
                                             <p:cond delay="0"/>
                                           </p:stCondLst>
@@ -15953,15 +15525,33 @@
                                   </p:childTnLst>
                                 </p:cTn>
                               </p:par>
+                            </p:childTnLst>
+                          </p:cTn>
+                        </p:par>
+                      </p:childTnLst>
+                    </p:cTn>
+                  </p:par>
+                  <p:par>
+                    <p:cTn id="7" fill="hold">
+                      <p:stCondLst>
+                        <p:cond delay="indefinite"/>
+                      </p:stCondLst>
+                      <p:childTnLst>
+                        <p:par>
+                          <p:cTn id="8" fill="hold">
+                            <p:stCondLst>
+                              <p:cond delay="0"/>
+                            </p:stCondLst>
+                            <p:childTnLst>
                               <p:par>
-                                <p:cTn id="13" presetID="1" presetClass="entr" presetSubtype="0" fill="hold" nodeType="withEffect">
+                                <p:cTn id="9" presetID="1" presetClass="entr" presetSubtype="0" fill="hold" nodeType="clickEffect">
                                   <p:stCondLst>
                                     <p:cond delay="0"/>
                                   </p:stCondLst>
                                   <p:childTnLst>
                                     <p:set>
                                       <p:cBhvr>
-                                        <p:cTn id="14" dur="1" fill="hold">
+                                        <p:cTn id="10" dur="1" fill="hold">
                                           <p:stCondLst>
                                             <p:cond delay="0"/>
                                           </p:stCondLst>
@@ -15984,15 +15574,33 @@
                                   </p:childTnLst>
                                 </p:cTn>
                               </p:par>
+                            </p:childTnLst>
+                          </p:cTn>
+                        </p:par>
+                      </p:childTnLst>
+                    </p:cTn>
+                  </p:par>
+                  <p:par>
+                    <p:cTn id="11" fill="hold">
+                      <p:stCondLst>
+                        <p:cond delay="indefinite"/>
+                      </p:stCondLst>
+                      <p:childTnLst>
+                        <p:par>
+                          <p:cTn id="12" fill="hold">
+                            <p:stCondLst>
+                              <p:cond delay="0"/>
+                            </p:stCondLst>
+                            <p:childTnLst>
                               <p:par>
-                                <p:cTn id="15" presetID="1" presetClass="entr" presetSubtype="0" fill="hold" nodeType="withEffect">
+                                <p:cTn id="13" presetID="1" presetClass="entr" presetSubtype="0" fill="hold" nodeType="clickEffect">
                                   <p:stCondLst>
                                     <p:cond delay="0"/>
                                   </p:stCondLst>
                                   <p:childTnLst>
                                     <p:set>
                                       <p:cBhvr>
-                                        <p:cTn id="16" dur="1" fill="hold">
+                                        <p:cTn id="14" dur="1" fill="hold">
                                           <p:stCondLst>
                                             <p:cond delay="0"/>
                                           </p:stCondLst>
@@ -16127,12 +15735,20 @@
               <a:t> </a:t>
             </a:r>
             <a:r>
+              <a:rPr lang="en-US" sz="2800" b="1" dirty="0"/>
+              <a:t>[</a:t>
+            </a:r>
+            <a:r>
               <a:rPr lang="en-US" sz="2800" b="1" dirty="0">
                 <a:solidFill>
                   <a:schemeClr val="bg1"/>
                 </a:solidFill>
               </a:rPr>
-              <a:t>[Ctrl + Shift + B]</a:t>
+              <a:t>Ctrl + Shift + B</a:t>
+            </a:r>
+            <a:r>
+              <a:rPr lang="en-US" sz="2800" b="1" dirty="0"/>
+              <a:t>]</a:t>
             </a:r>
             <a:r>
               <a:rPr lang="en-US" sz="2800" dirty="0"/>
@@ -16196,12 +15812,20 @@
               <a:t> </a:t>
             </a:r>
             <a:r>
+              <a:rPr lang="en-US" sz="2800" b="1" dirty="0"/>
+              <a:t>[</a:t>
+            </a:r>
+            <a:r>
               <a:rPr lang="en-US" sz="2800" b="1" dirty="0">
                 <a:solidFill>
                   <a:schemeClr val="bg1"/>
                 </a:solidFill>
               </a:rPr>
-              <a:t>[Choose Data Source]</a:t>
+              <a:t>Choose Data Source</a:t>
+            </a:r>
+            <a:r>
+              <a:rPr lang="en-US" sz="2800" b="1" dirty="0"/>
+              <a:t>]</a:t>
             </a:r>
           </a:p>
           <a:p>
@@ -16210,18 +15834,22 @@
               <a:t>Натискаме върху </a:t>
             </a:r>
             <a:r>
+              <a:rPr lang="en-US" sz="2800" b="1" dirty="0"/>
+              <a:t>[</a:t>
+            </a:r>
+            <a:r>
               <a:rPr lang="en-US" sz="2800" b="1" dirty="0">
                 <a:solidFill>
                   <a:schemeClr val="bg1"/>
                 </a:solidFill>
               </a:rPr>
-              <a:t>[Add new Object]</a:t>
-            </a:r>
-            <a:endParaRPr lang="bg-BG" sz="2800" b="1" dirty="0">
-              <a:solidFill>
-                <a:schemeClr val="bg1"/>
-              </a:solidFill>
-            </a:endParaRPr>
+              <a:t>Add new Object</a:t>
+            </a:r>
+            <a:r>
+              <a:rPr lang="en-US" sz="2800" b="1" dirty="0"/>
+              <a:t>]</a:t>
+            </a:r>
+            <a:endParaRPr lang="bg-BG" sz="2800" b="1" dirty="0"/>
           </a:p>
           <a:p>
             <a:endParaRPr lang="en-BG" dirty="0"/>
@@ -16575,9 +16203,6 @@
                     <p:cTn id="3" fill="hold">
                       <p:stCondLst>
                         <p:cond delay="indefinite"/>
-                        <p:cond evt="onBegin" delay="0">
-                          <p:tn val="2"/>
-                        </p:cond>
                       </p:stCondLst>
                       <p:childTnLst>
                         <p:par>
@@ -16587,7 +16212,7 @@
                             </p:stCondLst>
                             <p:childTnLst>
                               <p:par>
-                                <p:cTn id="5" presetID="1" presetClass="entr" presetSubtype="0" fill="hold" nodeType="withEffect">
+                                <p:cTn id="5" presetID="1" presetClass="entr" presetSubtype="0" fill="hold" nodeType="clickEffect">
                                   <p:stCondLst>
                                     <p:cond delay="0"/>
                                   </p:stCondLst>
@@ -16602,7 +16227,7 @@
                                         <p:tgtEl>
                                           <p:spTgt spid="3">
                                             <p:txEl>
-                                              <p:pRg st="0" end="0"/>
+                                              <p:pRg st="1" end="1"/>
                                             </p:txEl>
                                           </p:spTgt>
                                         </p:tgtEl>
@@ -16631,7 +16256,7 @@
                                           </p:stCondLst>
                                         </p:cTn>
                                         <p:tgtEl>
-                                          <p:spTgt spid="14"/>
+                                          <p:spTgt spid="16"/>
                                         </p:tgtEl>
                                         <p:attrNameLst>
                                           <p:attrName>style.visibility</p:attrName>
@@ -16663,7 +16288,7 @@
                             </p:stCondLst>
                             <p:childTnLst>
                               <p:par>
-                                <p:cTn id="11" presetID="1" presetClass="entr" presetSubtype="0" fill="hold" nodeType="clickEffect">
+                                <p:cTn id="11" presetID="1" presetClass="entr" presetSubtype="0" fill="hold" grpId="0" nodeType="clickEffect">
                                   <p:stCondLst>
                                     <p:cond delay="0"/>
                                   </p:stCondLst>
@@ -16671,64 +16296,6 @@
                                     <p:set>
                                       <p:cBhvr>
                                         <p:cTn id="12" dur="1" fill="hold">
-                                          <p:stCondLst>
-                                            <p:cond delay="0"/>
-                                          </p:stCondLst>
-                                        </p:cTn>
-                                        <p:tgtEl>
-                                          <p:spTgt spid="3">
-                                            <p:txEl>
-                                              <p:pRg st="1" end="1"/>
-                                            </p:txEl>
-                                          </p:spTgt>
-                                        </p:tgtEl>
-                                        <p:attrNameLst>
-                                          <p:attrName>style.visibility</p:attrName>
-                                        </p:attrNameLst>
-                                      </p:cBhvr>
-                                      <p:to>
-                                        <p:strVal val="visible"/>
-                                      </p:to>
-                                    </p:set>
-                                  </p:childTnLst>
-                                </p:cTn>
-                              </p:par>
-                              <p:par>
-                                <p:cTn id="13" presetID="1" presetClass="entr" presetSubtype="0" fill="hold" nodeType="withEffect">
-                                  <p:stCondLst>
-                                    <p:cond delay="0"/>
-                                  </p:stCondLst>
-                                  <p:childTnLst>
-                                    <p:set>
-                                      <p:cBhvr>
-                                        <p:cTn id="14" dur="1" fill="hold">
-                                          <p:stCondLst>
-                                            <p:cond delay="0"/>
-                                          </p:stCondLst>
-                                        </p:cTn>
-                                        <p:tgtEl>
-                                          <p:spTgt spid="16"/>
-                                        </p:tgtEl>
-                                        <p:attrNameLst>
-                                          <p:attrName>style.visibility</p:attrName>
-                                        </p:attrNameLst>
-                                      </p:cBhvr>
-                                      <p:to>
-                                        <p:strVal val="visible"/>
-                                      </p:to>
-                                    </p:set>
-                                  </p:childTnLst>
-                                </p:cTn>
-                              </p:par>
-                              <p:par>
-                                <p:cTn id="15" presetID="1" presetClass="entr" presetSubtype="0" fill="hold" grpId="0" nodeType="withEffect">
-                                  <p:stCondLst>
-                                    <p:cond delay="0"/>
-                                  </p:stCondLst>
-                                  <p:childTnLst>
-                                    <p:set>
-                                      <p:cBhvr>
-                                        <p:cTn id="16" dur="1" fill="hold">
                                           <p:stCondLst>
                                             <p:cond delay="0"/>
                                           </p:stCondLst>
@@ -16754,26 +16321,26 @@
                     </p:cTn>
                   </p:par>
                   <p:par>
-                    <p:cTn id="17" fill="hold">
+                    <p:cTn id="13" fill="hold">
                       <p:stCondLst>
                         <p:cond delay="indefinite"/>
                       </p:stCondLst>
                       <p:childTnLst>
                         <p:par>
-                          <p:cTn id="18" fill="hold">
+                          <p:cTn id="14" fill="hold">
                             <p:stCondLst>
                               <p:cond delay="0"/>
                             </p:stCondLst>
                             <p:childTnLst>
                               <p:par>
-                                <p:cTn id="19" presetID="1" presetClass="entr" presetSubtype="0" fill="hold" nodeType="clickEffect">
+                                <p:cTn id="15" presetID="1" presetClass="entr" presetSubtype="0" fill="hold" nodeType="clickEffect">
                                   <p:stCondLst>
                                     <p:cond delay="0"/>
                                   </p:stCondLst>
                                   <p:childTnLst>
                                     <p:set>
                                       <p:cBhvr>
-                                        <p:cTn id="20" dur="1" fill="hold">
+                                        <p:cTn id="16" dur="1" fill="hold">
                                           <p:stCondLst>
                                             <p:cond delay="0"/>
                                           </p:stCondLst>
@@ -16797,7 +16364,52 @@
                                 </p:cTn>
                               </p:par>
                               <p:par>
-                                <p:cTn id="21" presetID="1" presetClass="entr" presetSubtype="0" fill="hold" nodeType="withEffect">
+                                <p:cTn id="17" presetID="1" presetClass="entr" presetSubtype="0" fill="hold" nodeType="withEffect">
+                                  <p:stCondLst>
+                                    <p:cond delay="0"/>
+                                  </p:stCondLst>
+                                  <p:childTnLst>
+                                    <p:set>
+                                      <p:cBhvr>
+                                        <p:cTn id="18" dur="1" fill="hold">
+                                          <p:stCondLst>
+                                            <p:cond delay="0"/>
+                                          </p:stCondLst>
+                                        </p:cTn>
+                                        <p:tgtEl>
+                                          <p:spTgt spid="18"/>
+                                        </p:tgtEl>
+                                        <p:attrNameLst>
+                                          <p:attrName>style.visibility</p:attrName>
+                                        </p:attrNameLst>
+                                      </p:cBhvr>
+                                      <p:to>
+                                        <p:strVal val="visible"/>
+                                      </p:to>
+                                    </p:set>
+                                  </p:childTnLst>
+                                </p:cTn>
+                              </p:par>
+                            </p:childTnLst>
+                          </p:cTn>
+                        </p:par>
+                      </p:childTnLst>
+                    </p:cTn>
+                  </p:par>
+                  <p:par>
+                    <p:cTn id="19" fill="hold">
+                      <p:stCondLst>
+                        <p:cond delay="indefinite"/>
+                      </p:stCondLst>
+                      <p:childTnLst>
+                        <p:par>
+                          <p:cTn id="20" fill="hold">
+                            <p:stCondLst>
+                              <p:cond delay="0"/>
+                            </p:stCondLst>
+                            <p:childTnLst>
+                              <p:par>
+                                <p:cTn id="21" presetID="1" presetClass="entr" presetSubtype="0" fill="hold" nodeType="clickEffect">
                                   <p:stCondLst>
                                     <p:cond delay="0"/>
                                   </p:stCondLst>
@@ -16810,7 +16422,11 @@
                                           </p:stCondLst>
                                         </p:cTn>
                                         <p:tgtEl>
-                                          <p:spTgt spid="18"/>
+                                          <p:spTgt spid="3">
+                                            <p:txEl>
+                                              <p:pRg st="3" end="3"/>
+                                            </p:txEl>
+                                          </p:spTgt>
                                         </p:tgtEl>
                                         <p:attrNameLst>
                                           <p:attrName>style.visibility</p:attrName>
@@ -16850,37 +16466,6 @@
                                     <p:set>
                                       <p:cBhvr>
                                         <p:cTn id="26" dur="1" fill="hold">
-                                          <p:stCondLst>
-                                            <p:cond delay="0"/>
-                                          </p:stCondLst>
-                                        </p:cTn>
-                                        <p:tgtEl>
-                                          <p:spTgt spid="3">
-                                            <p:txEl>
-                                              <p:pRg st="3" end="3"/>
-                                            </p:txEl>
-                                          </p:spTgt>
-                                        </p:tgtEl>
-                                        <p:attrNameLst>
-                                          <p:attrName>style.visibility</p:attrName>
-                                        </p:attrNameLst>
-                                      </p:cBhvr>
-                                      <p:to>
-                                        <p:strVal val="visible"/>
-                                      </p:to>
-                                    </p:set>
-                                  </p:childTnLst>
-                                </p:cTn>
-                              </p:par>
-                              <p:par>
-                                <p:cTn id="27" presetID="1" presetClass="entr" presetSubtype="0" fill="hold" nodeType="withEffect">
-                                  <p:stCondLst>
-                                    <p:cond delay="0"/>
-                                  </p:stCondLst>
-                                  <p:childTnLst>
-                                    <p:set>
-                                      <p:cBhvr>
-                                        <p:cTn id="28" dur="1" fill="hold">
                                           <p:stCondLst>
                                             <p:cond delay="0"/>
                                           </p:stCondLst>
@@ -17035,12 +16620,20 @@
               <a:t> и кликаме </a:t>
             </a:r>
             <a:r>
+              <a:rPr lang="en-US" sz="3000" b="1" dirty="0"/>
+              <a:t>[</a:t>
+            </a:r>
+            <a:r>
               <a:rPr lang="en-US" sz="3000" b="1" dirty="0">
                 <a:solidFill>
                   <a:schemeClr val="bg1"/>
                 </a:solidFill>
               </a:rPr>
-              <a:t>[OK]</a:t>
+              <a:t>OK</a:t>
+            </a:r>
+            <a:r>
+              <a:rPr lang="en-US" sz="3000" b="1" dirty="0"/>
+              <a:t>]</a:t>
             </a:r>
             <a:r>
               <a:rPr lang="bg-BG" sz="3000" dirty="0"/>
@@ -17405,9 +16998,6 @@
                     <p:cTn id="3" fill="hold">
                       <p:stCondLst>
                         <p:cond delay="indefinite"/>
-                        <p:cond evt="onBegin" delay="0">
-                          <p:tn val="2"/>
-                        </p:cond>
                       </p:stCondLst>
                       <p:childTnLst>
                         <p:par>
@@ -17417,7 +17007,7 @@
                             </p:stCondLst>
                             <p:childTnLst>
                               <p:par>
-                                <p:cTn id="5" presetID="1" presetClass="entr" presetSubtype="0" fill="hold" nodeType="withEffect">
+                                <p:cTn id="5" presetID="1" presetClass="entr" presetSubtype="0" fill="hold" nodeType="clickEffect">
                                   <p:stCondLst>
                                     <p:cond delay="0"/>
                                   </p:stCondLst>
@@ -17432,36 +17022,9 @@
                                         <p:tgtEl>
                                           <p:spTgt spid="3">
                                             <p:txEl>
-                                              <p:pRg st="0" end="0"/>
+                                              <p:pRg st="1" end="1"/>
                                             </p:txEl>
                                           </p:spTgt>
-                                        </p:tgtEl>
-                                        <p:attrNameLst>
-                                          <p:attrName>style.visibility</p:attrName>
-                                        </p:attrNameLst>
-                                      </p:cBhvr>
-                                      <p:to>
-                                        <p:strVal val="visible"/>
-                                      </p:to>
-                                    </p:set>
-                                  </p:childTnLst>
-                                </p:cTn>
-                              </p:par>
-                              <p:par>
-                                <p:cTn id="7" presetID="1" presetClass="entr" presetSubtype="0" fill="hold" nodeType="withEffect">
-                                  <p:stCondLst>
-                                    <p:cond delay="0"/>
-                                  </p:stCondLst>
-                                  <p:childTnLst>
-                                    <p:set>
-                                      <p:cBhvr>
-                                        <p:cTn id="8" dur="1" fill="hold">
-                                          <p:stCondLst>
-                                            <p:cond delay="0"/>
-                                          </p:stCondLst>
-                                        </p:cTn>
-                                        <p:tgtEl>
-                                          <p:spTgt spid="9"/>
                                         </p:tgtEl>
                                         <p:attrNameLst>
                                           <p:attrName>style.visibility</p:attrName>
@@ -17481,26 +17044,26 @@
                     </p:cTn>
                   </p:par>
                   <p:par>
-                    <p:cTn id="9" fill="hold">
+                    <p:cTn id="7" fill="hold">
                       <p:stCondLst>
                         <p:cond delay="indefinite"/>
                       </p:stCondLst>
                       <p:childTnLst>
                         <p:par>
-                          <p:cTn id="10" fill="hold">
+                          <p:cTn id="8" fill="hold">
                             <p:stCondLst>
                               <p:cond delay="0"/>
                             </p:stCondLst>
                             <p:childTnLst>
                               <p:par>
-                                <p:cTn id="11" presetID="1" presetClass="entr" presetSubtype="0" fill="hold" grpId="0" nodeType="clickEffect">
+                                <p:cTn id="9" presetID="1" presetClass="entr" presetSubtype="0" fill="hold" grpId="0" nodeType="clickEffect">
                                   <p:stCondLst>
                                     <p:cond delay="0"/>
                                   </p:stCondLst>
                                   <p:childTnLst>
                                     <p:set>
                                       <p:cBhvr>
-                                        <p:cTn id="12" dur="1" fill="hold">
+                                        <p:cTn id="10" dur="1" fill="hold">
                                           <p:stCondLst>
                                             <p:cond delay="0"/>
                                           </p:stCondLst>
@@ -17519,8 +17082,26 @@
                                   </p:childTnLst>
                                 </p:cTn>
                               </p:par>
+                            </p:childTnLst>
+                          </p:cTn>
+                        </p:par>
+                      </p:childTnLst>
+                    </p:cTn>
+                  </p:par>
+                  <p:par>
+                    <p:cTn id="11" fill="hold">
+                      <p:stCondLst>
+                        <p:cond delay="indefinite"/>
+                      </p:stCondLst>
+                      <p:childTnLst>
+                        <p:par>
+                          <p:cTn id="12" fill="hold">
+                            <p:stCondLst>
+                              <p:cond delay="0"/>
+                            </p:stCondLst>
+                            <p:childTnLst>
                               <p:par>
-                                <p:cTn id="13" presetID="1" presetClass="entr" presetSubtype="0" fill="hold" nodeType="withEffect">
+                                <p:cTn id="13" presetID="1" presetClass="entr" presetSubtype="0" fill="hold" nodeType="clickEffect">
                                   <p:stCondLst>
                                     <p:cond delay="0"/>
                                   </p:stCondLst>
@@ -17565,7 +17146,7 @@
                             </p:stCondLst>
                             <p:childTnLst>
                               <p:par>
-                                <p:cTn id="17" presetID="1" presetClass="entr" presetSubtype="0" fill="hold" nodeType="clickEffect">
+                                <p:cTn id="17" presetID="1" presetClass="entr" presetSubtype="0" fill="hold" grpId="0" nodeType="clickEffect">
                                   <p:stCondLst>
                                     <p:cond delay="0"/>
                                   </p:stCondLst>
@@ -17573,37 +17154,6 @@
                                     <p:set>
                                       <p:cBhvr>
                                         <p:cTn id="18" dur="1" fill="hold">
-                                          <p:stCondLst>
-                                            <p:cond delay="0"/>
-                                          </p:stCondLst>
-                                        </p:cTn>
-                                        <p:tgtEl>
-                                          <p:spTgt spid="3">
-                                            <p:txEl>
-                                              <p:pRg st="1" end="1"/>
-                                            </p:txEl>
-                                          </p:spTgt>
-                                        </p:tgtEl>
-                                        <p:attrNameLst>
-                                          <p:attrName>style.visibility</p:attrName>
-                                        </p:attrNameLst>
-                                      </p:cBhvr>
-                                      <p:to>
-                                        <p:strVal val="visible"/>
-                                      </p:to>
-                                    </p:set>
-                                  </p:childTnLst>
-                                </p:cTn>
-                              </p:par>
-                              <p:par>
-                                <p:cTn id="19" presetID="1" presetClass="entr" presetSubtype="0" fill="hold" grpId="0" nodeType="withEffect">
-                                  <p:stCondLst>
-                                    <p:cond delay="0"/>
-                                  </p:stCondLst>
-                                  <p:childTnLst>
-                                    <p:set>
-                                      <p:cBhvr>
-                                        <p:cTn id="20" dur="1" fill="hold">
                                           <p:stCondLst>
                                             <p:cond delay="0"/>
                                           </p:stCondLst>
@@ -17622,8 +17172,26 @@
                                   </p:childTnLst>
                                 </p:cTn>
                               </p:par>
+                            </p:childTnLst>
+                          </p:cTn>
+                        </p:par>
+                      </p:childTnLst>
+                    </p:cTn>
+                  </p:par>
+                  <p:par>
+                    <p:cTn id="19" fill="hold">
+                      <p:stCondLst>
+                        <p:cond delay="indefinite"/>
+                      </p:stCondLst>
+                      <p:childTnLst>
+                        <p:par>
+                          <p:cTn id="20" fill="hold">
+                            <p:stCondLst>
+                              <p:cond delay="0"/>
+                            </p:stCondLst>
+                            <p:childTnLst>
                               <p:par>
-                                <p:cTn id="21" presetID="1" presetClass="entr" presetSubtype="0" fill="hold" nodeType="withEffect">
+                                <p:cTn id="21" presetID="1" presetClass="entr" presetSubtype="0" fill="hold" nodeType="clickEffect">
                                   <p:stCondLst>
                                     <p:cond delay="0"/>
                                   </p:stCondLst>
@@ -17782,12 +17350,20 @@
               <a:t> </a:t>
             </a:r>
             <a:r>
+              <a:rPr lang="en-US" sz="3200" b="1" dirty="0"/>
+              <a:t>[</a:t>
+            </a:r>
+            <a:r>
               <a:rPr lang="en-US" sz="3200" b="1" dirty="0">
                 <a:solidFill>
                   <a:schemeClr val="bg1"/>
                 </a:solidFill>
               </a:rPr>
-              <a:t>[Edit Columns]</a:t>
+              <a:t>Edit Columns</a:t>
+            </a:r>
+            <a:r>
+              <a:rPr lang="en-US" sz="3200" b="1" dirty="0"/>
+              <a:t>]</a:t>
             </a:r>
           </a:p>
           <a:p>
@@ -18076,9 +17652,6 @@
                     <p:cTn id="3" fill="hold">
                       <p:stCondLst>
                         <p:cond delay="indefinite"/>
-                        <p:cond evt="onBegin" delay="0">
-                          <p:tn val="2"/>
-                        </p:cond>
                       </p:stCondLst>
                       <p:childTnLst>
                         <p:par>
@@ -18088,7 +17661,7 @@
                             </p:stCondLst>
                             <p:childTnLst>
                               <p:par>
-                                <p:cTn id="5" presetID="1" presetClass="entr" presetSubtype="0" fill="hold" nodeType="withEffect">
+                                <p:cTn id="5" presetID="1" presetClass="entr" presetSubtype="0" fill="hold" nodeType="clickEffect">
                                   <p:stCondLst>
                                     <p:cond delay="0"/>
                                   </p:stCondLst>
@@ -18096,82 +17669,6 @@
                                     <p:set>
                                       <p:cBhvr>
                                         <p:cTn id="6" dur="1" fill="hold">
-                                          <p:stCondLst>
-                                            <p:cond delay="0"/>
-                                          </p:stCondLst>
-                                        </p:cTn>
-                                        <p:tgtEl>
-                                          <p:spTgt spid="3">
-                                            <p:txEl>
-                                              <p:pRg st="0" end="0"/>
-                                            </p:txEl>
-                                          </p:spTgt>
-                                        </p:tgtEl>
-                                        <p:attrNameLst>
-                                          <p:attrName>style.visibility</p:attrName>
-                                        </p:attrNameLst>
-                                      </p:cBhvr>
-                                      <p:to>
-                                        <p:strVal val="visible"/>
-                                      </p:to>
-                                    </p:set>
-                                  </p:childTnLst>
-                                </p:cTn>
-                              </p:par>
-                              <p:par>
-                                <p:cTn id="7" presetID="1" presetClass="entr" presetSubtype="0" fill="hold" nodeType="withEffect">
-                                  <p:stCondLst>
-                                    <p:cond delay="0"/>
-                                  </p:stCondLst>
-                                  <p:childTnLst>
-                                    <p:set>
-                                      <p:cBhvr>
-                                        <p:cTn id="8" dur="1" fill="hold">
-                                          <p:stCondLst>
-                                            <p:cond delay="0"/>
-                                          </p:stCondLst>
-                                        </p:cTn>
-                                        <p:tgtEl>
-                                          <p:spTgt spid="6"/>
-                                        </p:tgtEl>
-                                        <p:attrNameLst>
-                                          <p:attrName>style.visibility</p:attrName>
-                                        </p:attrNameLst>
-                                      </p:cBhvr>
-                                      <p:to>
-                                        <p:strVal val="visible"/>
-                                      </p:to>
-                                    </p:set>
-                                  </p:childTnLst>
-                                </p:cTn>
-                              </p:par>
-                            </p:childTnLst>
-                          </p:cTn>
-                        </p:par>
-                      </p:childTnLst>
-                    </p:cTn>
-                  </p:par>
-                  <p:par>
-                    <p:cTn id="9" fill="hold">
-                      <p:stCondLst>
-                        <p:cond delay="indefinite"/>
-                      </p:stCondLst>
-                      <p:childTnLst>
-                        <p:par>
-                          <p:cTn id="10" fill="hold">
-                            <p:stCondLst>
-                              <p:cond delay="0"/>
-                            </p:stCondLst>
-                            <p:childTnLst>
-                              <p:par>
-                                <p:cTn id="11" presetID="1" presetClass="entr" presetSubtype="0" fill="hold" nodeType="clickEffect">
-                                  <p:stCondLst>
-                                    <p:cond delay="0"/>
-                                  </p:stCondLst>
-                                  <p:childTnLst>
-                                    <p:set>
-                                      <p:cBhvr>
-                                        <p:cTn id="12" dur="1" fill="hold">
                                           <p:stCondLst>
                                             <p:cond delay="0"/>
                                           </p:stCondLst>
@@ -18194,8 +17691,75 @@
                                   </p:childTnLst>
                                 </p:cTn>
                               </p:par>
+                            </p:childTnLst>
+                          </p:cTn>
+                        </p:par>
+                      </p:childTnLst>
+                    </p:cTn>
+                  </p:par>
+                  <p:par>
+                    <p:cTn id="7" fill="hold">
+                      <p:stCondLst>
+                        <p:cond delay="indefinite"/>
+                      </p:stCondLst>
+                      <p:childTnLst>
+                        <p:par>
+                          <p:cTn id="8" fill="hold">
+                            <p:stCondLst>
+                              <p:cond delay="0"/>
+                            </p:stCondLst>
+                            <p:childTnLst>
                               <p:par>
-                                <p:cTn id="13" presetID="1" presetClass="entr" presetSubtype="0" fill="hold" grpId="0" nodeType="withEffect">
+                                <p:cTn id="9" presetID="1" presetClass="entr" presetSubtype="0" fill="hold" nodeType="clickEffect">
+                                  <p:stCondLst>
+                                    <p:cond delay="0"/>
+                                  </p:stCondLst>
+                                  <p:childTnLst>
+                                    <p:set>
+                                      <p:cBhvr>
+                                        <p:cTn id="10" dur="1" fill="hold">
+                                          <p:stCondLst>
+                                            <p:cond delay="0"/>
+                                          </p:stCondLst>
+                                        </p:cTn>
+                                        <p:tgtEl>
+                                          <p:spTgt spid="3">
+                                            <p:txEl>
+                                              <p:pRg st="2" end="2"/>
+                                            </p:txEl>
+                                          </p:spTgt>
+                                        </p:tgtEl>
+                                        <p:attrNameLst>
+                                          <p:attrName>style.visibility</p:attrName>
+                                        </p:attrNameLst>
+                                      </p:cBhvr>
+                                      <p:to>
+                                        <p:strVal val="visible"/>
+                                      </p:to>
+                                    </p:set>
+                                  </p:childTnLst>
+                                </p:cTn>
+                              </p:par>
+                            </p:childTnLst>
+                          </p:cTn>
+                        </p:par>
+                      </p:childTnLst>
+                    </p:cTn>
+                  </p:par>
+                  <p:par>
+                    <p:cTn id="11" fill="hold">
+                      <p:stCondLst>
+                        <p:cond delay="indefinite"/>
+                      </p:stCondLst>
+                      <p:childTnLst>
+                        <p:par>
+                          <p:cTn id="12" fill="hold">
+                            <p:stCondLst>
+                              <p:cond delay="0"/>
+                            </p:stCondLst>
+                            <p:childTnLst>
+                              <p:par>
+                                <p:cTn id="13" presetID="1" presetClass="entr" presetSubtype="0" fill="hold" grpId="0" nodeType="clickEffect">
                                   <p:stCondLst>
                                     <p:cond delay="0"/>
                                   </p:stCondLst>
@@ -18221,33 +17785,6 @@
                                   </p:childTnLst>
                                 </p:cTn>
                               </p:par>
-                              <p:par>
-                                <p:cTn id="15" presetID="1" presetClass="entr" presetSubtype="0" fill="hold" nodeType="withEffect">
-                                  <p:stCondLst>
-                                    <p:cond delay="0"/>
-                                  </p:stCondLst>
-                                  <p:childTnLst>
-                                    <p:set>
-                                      <p:cBhvr>
-                                        <p:cTn id="16" dur="1" fill="hold">
-                                          <p:stCondLst>
-                                            <p:cond delay="0"/>
-                                          </p:stCondLst>
-                                        </p:cTn>
-                                        <p:tgtEl>
-                                          <p:spTgt spid="10"/>
-                                        </p:tgtEl>
-                                        <p:attrNameLst>
-                                          <p:attrName>style.visibility</p:attrName>
-                                        </p:attrNameLst>
-                                      </p:cBhvr>
-                                      <p:to>
-                                        <p:strVal val="visible"/>
-                                      </p:to>
-                                    </p:set>
-                                  </p:childTnLst>
-                                </p:cTn>
-                              </p:par>
                             </p:childTnLst>
                           </p:cTn>
                         </p:par>
@@ -18255,36 +17792,32 @@
                     </p:cTn>
                   </p:par>
                   <p:par>
-                    <p:cTn id="17" fill="hold">
+                    <p:cTn id="15" fill="hold">
                       <p:stCondLst>
                         <p:cond delay="indefinite"/>
                       </p:stCondLst>
                       <p:childTnLst>
                         <p:par>
-                          <p:cTn id="18" fill="hold">
+                          <p:cTn id="16" fill="hold">
                             <p:stCondLst>
                               <p:cond delay="0"/>
                             </p:stCondLst>
                             <p:childTnLst>
                               <p:par>
-                                <p:cTn id="19" presetID="1" presetClass="entr" presetSubtype="0" fill="hold" nodeType="clickEffect">
+                                <p:cTn id="17" presetID="1" presetClass="entr" presetSubtype="0" fill="hold" nodeType="clickEffect">
                                   <p:stCondLst>
                                     <p:cond delay="0"/>
                                   </p:stCondLst>
                                   <p:childTnLst>
                                     <p:set>
                                       <p:cBhvr>
-                                        <p:cTn id="20" dur="1" fill="hold">
+                                        <p:cTn id="18" dur="1" fill="hold">
                                           <p:stCondLst>
                                             <p:cond delay="0"/>
                                           </p:stCondLst>
                                         </p:cTn>
                                         <p:tgtEl>
-                                          <p:spTgt spid="3">
-                                            <p:txEl>
-                                              <p:pRg st="2" end="2"/>
-                                            </p:txEl>
-                                          </p:spTgt>
+                                          <p:spTgt spid="10"/>
                                         </p:tgtEl>
                                         <p:attrNameLst>
                                           <p:attrName>style.visibility</p:attrName>
@@ -18633,9 +18166,6 @@
                     <p:cTn id="3" fill="hold">
                       <p:stCondLst>
                         <p:cond delay="indefinite"/>
-                        <p:cond evt="onBegin" delay="0">
-                          <p:tn val="2"/>
-                        </p:cond>
                       </p:stCondLst>
                       <p:childTnLst>
                         <p:par>
@@ -18645,7 +18175,7 @@
                             </p:stCondLst>
                             <p:childTnLst>
                               <p:par>
-                                <p:cTn id="5" presetID="1" presetClass="entr" presetSubtype="0" fill="hold" nodeType="withEffect">
+                                <p:cTn id="5" presetID="1" presetClass="entr" presetSubtype="0" fill="hold" grpId="0" nodeType="clickEffect">
                                   <p:stCondLst>
                                     <p:cond delay="0"/>
                                   </p:stCondLst>
@@ -18658,7 +18188,7 @@
                                           </p:stCondLst>
                                         </p:cTn>
                                         <p:tgtEl>
-                                          <p:spTgt spid="10"/>
+                                          <p:spTgt spid="5"/>
                                         </p:tgtEl>
                                         <p:attrNameLst>
                                           <p:attrName>style.visibility</p:attrName>
@@ -18690,7 +18220,7 @@
                             </p:stCondLst>
                             <p:childTnLst>
                               <p:par>
-                                <p:cTn id="9" presetID="1" presetClass="entr" presetSubtype="0" fill="hold" grpId="0" nodeType="clickEffect">
+                                <p:cTn id="9" presetID="1" presetClass="entr" presetSubtype="0" fill="hold" nodeType="clickEffect">
                                   <p:stCondLst>
                                     <p:cond delay="0"/>
                                   </p:stCondLst>
@@ -18698,33 +18228,6 @@
                                     <p:set>
                                       <p:cBhvr>
                                         <p:cTn id="10" dur="1" fill="hold">
-                                          <p:stCondLst>
-                                            <p:cond delay="0"/>
-                                          </p:stCondLst>
-                                        </p:cTn>
-                                        <p:tgtEl>
-                                          <p:spTgt spid="5"/>
-                                        </p:tgtEl>
-                                        <p:attrNameLst>
-                                          <p:attrName>style.visibility</p:attrName>
-                                        </p:attrNameLst>
-                                      </p:cBhvr>
-                                      <p:to>
-                                        <p:strVal val="visible"/>
-                                      </p:to>
-                                    </p:set>
-                                  </p:childTnLst>
-                                </p:cTn>
-                              </p:par>
-                              <p:par>
-                                <p:cTn id="11" presetID="1" presetClass="entr" presetSubtype="0" fill="hold" nodeType="withEffect">
-                                  <p:stCondLst>
-                                    <p:cond delay="0"/>
-                                  </p:stCondLst>
-                                  <p:childTnLst>
-                                    <p:set>
-                                      <p:cBhvr>
-                                        <p:cTn id="12" dur="1" fill="hold">
                                           <p:stCondLst>
                                             <p:cond delay="0"/>
                                           </p:stCondLst>
@@ -19259,15 +18762,33 @@
                                   </p:childTnLst>
                                 </p:cTn>
                               </p:par>
+                            </p:childTnLst>
+                          </p:cTn>
+                        </p:par>
+                      </p:childTnLst>
+                    </p:cTn>
+                  </p:par>
+                  <p:par>
+                    <p:cTn id="7" fill="hold">
+                      <p:stCondLst>
+                        <p:cond delay="indefinite"/>
+                      </p:stCondLst>
+                      <p:childTnLst>
+                        <p:par>
+                          <p:cTn id="8" fill="hold">
+                            <p:stCondLst>
+                              <p:cond delay="0"/>
+                            </p:stCondLst>
+                            <p:childTnLst>
                               <p:par>
-                                <p:cTn id="7" presetID="1" presetClass="entr" presetSubtype="0" fill="hold" nodeType="withEffect">
+                                <p:cTn id="9" presetID="1" presetClass="entr" presetSubtype="0" fill="hold" nodeType="clickEffect">
                                   <p:stCondLst>
                                     <p:cond delay="0"/>
                                   </p:stCondLst>
                                   <p:childTnLst>
                                     <p:set>
                                       <p:cBhvr>
-                                        <p:cTn id="8" dur="1" fill="hold">
+                                        <p:cTn id="10" dur="1" fill="hold">
                                           <p:stCondLst>
                                             <p:cond delay="0"/>
                                           </p:stCondLst>
@@ -19682,9 +19203,6 @@
                     <p:cTn id="3" fill="hold">
                       <p:stCondLst>
                         <p:cond delay="indefinite"/>
-                        <p:cond evt="onBegin" delay="0">
-                          <p:tn val="2"/>
-                        </p:cond>
                       </p:stCondLst>
                       <p:childTnLst>
                         <p:par>
@@ -19694,7 +19212,7 @@
                             </p:stCondLst>
                             <p:childTnLst>
                               <p:par>
-                                <p:cTn id="5" presetID="1" presetClass="entr" presetSubtype="0" fill="hold" nodeType="withEffect">
+                                <p:cTn id="5" presetID="1" presetClass="entr" presetSubtype="0" fill="hold" nodeType="clickEffect">
                                   <p:stCondLst>
                                     <p:cond delay="0"/>
                                   </p:stCondLst>
@@ -19709,7 +19227,7 @@
                                         <p:tgtEl>
                                           <p:spTgt spid="3">
                                             <p:txEl>
-                                              <p:pRg st="0" end="0"/>
+                                              <p:pRg st="1" end="1"/>
                                             </p:txEl>
                                           </p:spTgt>
                                         </p:tgtEl>
@@ -19738,37 +19256,6 @@
                                           </p:stCondLst>
                                         </p:cTn>
                                         <p:tgtEl>
-                                          <p:spTgt spid="3">
-                                            <p:txEl>
-                                              <p:pRg st="1" end="1"/>
-                                            </p:txEl>
-                                          </p:spTgt>
-                                        </p:tgtEl>
-                                        <p:attrNameLst>
-                                          <p:attrName>style.visibility</p:attrName>
-                                        </p:attrNameLst>
-                                      </p:cBhvr>
-                                      <p:to>
-                                        <p:strVal val="visible"/>
-                                      </p:to>
-                                    </p:set>
-                                  </p:childTnLst>
-                                </p:cTn>
-                              </p:par>
-                              <p:par>
-                                <p:cTn id="9" presetID="1" presetClass="entr" presetSubtype="0" fill="hold" nodeType="withEffect">
-                                  <p:stCondLst>
-                                    <p:cond delay="0"/>
-                                  </p:stCondLst>
-                                  <p:childTnLst>
-                                    <p:set>
-                                      <p:cBhvr>
-                                        <p:cTn id="10" dur="1" fill="hold">
-                                          <p:stCondLst>
-                                            <p:cond delay="0"/>
-                                          </p:stCondLst>
-                                        </p:cTn>
-                                        <p:tgtEl>
                                           <p:spTgt spid="21"/>
                                         </p:tgtEl>
                                         <p:attrNameLst>
@@ -19789,26 +19276,26 @@
                     </p:cTn>
                   </p:par>
                   <p:par>
-                    <p:cTn id="11" fill="hold">
+                    <p:cTn id="9" fill="hold">
                       <p:stCondLst>
                         <p:cond delay="indefinite"/>
                       </p:stCondLst>
                       <p:childTnLst>
                         <p:par>
-                          <p:cTn id="12" fill="hold">
+                          <p:cTn id="10" fill="hold">
                             <p:stCondLst>
                               <p:cond delay="0"/>
                             </p:stCondLst>
                             <p:childTnLst>
                               <p:par>
-                                <p:cTn id="13" presetID="1" presetClass="entr" presetSubtype="0" fill="hold" nodeType="clickEffect">
+                                <p:cTn id="11" presetID="1" presetClass="entr" presetSubtype="0" fill="hold" nodeType="clickEffect">
                                   <p:stCondLst>
                                     <p:cond delay="0"/>
                                   </p:stCondLst>
                                   <p:childTnLst>
                                     <p:set>
                                       <p:cBhvr>
-                                        <p:cTn id="14" dur="1" fill="hold">
+                                        <p:cTn id="12" dur="1" fill="hold">
                                           <p:stCondLst>
                                             <p:cond delay="0"/>
                                           </p:stCondLst>
@@ -19832,14 +19319,14 @@
                                 </p:cTn>
                               </p:par>
                               <p:par>
-                                <p:cTn id="15" presetID="1" presetClass="entr" presetSubtype="0" fill="hold" nodeType="withEffect">
+                                <p:cTn id="13" presetID="1" presetClass="entr" presetSubtype="0" fill="hold" nodeType="withEffect">
                                   <p:stCondLst>
                                     <p:cond delay="0"/>
                                   </p:stCondLst>
                                   <p:childTnLst>
                                     <p:set>
                                       <p:cBhvr>
-                                        <p:cTn id="16" dur="1" fill="hold">
+                                        <p:cTn id="14" dur="1" fill="hold">
                                           <p:stCondLst>
                                             <p:cond delay="0"/>
                                           </p:stCondLst>
@@ -19865,26 +19352,26 @@
                     </p:cTn>
                   </p:par>
                   <p:par>
-                    <p:cTn id="17" fill="hold">
+                    <p:cTn id="15" fill="hold">
                       <p:stCondLst>
                         <p:cond delay="indefinite"/>
                       </p:stCondLst>
                       <p:childTnLst>
                         <p:par>
-                          <p:cTn id="18" fill="hold">
+                          <p:cTn id="16" fill="hold">
                             <p:stCondLst>
                               <p:cond delay="0"/>
                             </p:stCondLst>
                             <p:childTnLst>
                               <p:par>
-                                <p:cTn id="19" presetID="1" presetClass="entr" presetSubtype="0" fill="hold" nodeType="clickEffect">
+                                <p:cTn id="17" presetID="1" presetClass="entr" presetSubtype="0" fill="hold" nodeType="clickEffect">
                                   <p:stCondLst>
                                     <p:cond delay="0"/>
                                   </p:stCondLst>
                                   <p:childTnLst>
                                     <p:set>
                                       <p:cBhvr>
-                                        <p:cTn id="20" dur="1" fill="hold">
+                                        <p:cTn id="18" dur="1" fill="hold">
                                           <p:stCondLst>
                                             <p:cond delay="0"/>
                                           </p:stCondLst>
@@ -19907,8 +19394,26 @@
                                   </p:childTnLst>
                                 </p:cTn>
                               </p:par>
+                            </p:childTnLst>
+                          </p:cTn>
+                        </p:par>
+                      </p:childTnLst>
+                    </p:cTn>
+                  </p:par>
+                  <p:par>
+                    <p:cTn id="19" fill="hold">
+                      <p:stCondLst>
+                        <p:cond delay="indefinite"/>
+                      </p:stCondLst>
+                      <p:childTnLst>
+                        <p:par>
+                          <p:cTn id="20" fill="hold">
+                            <p:stCondLst>
+                              <p:cond delay="0"/>
+                            </p:stCondLst>
+                            <p:childTnLst>
                               <p:par>
-                                <p:cTn id="21" presetID="1" presetClass="entr" presetSubtype="0" fill="hold" nodeType="withEffect">
+                                <p:cTn id="21" presetID="1" presetClass="entr" presetSubtype="0" fill="hold" nodeType="clickEffect">
                                   <p:stCondLst>
                                     <p:cond delay="0"/>
                                   </p:stCondLst>
@@ -20341,9 +19846,6 @@
                     <p:cTn id="3" fill="hold">
                       <p:stCondLst>
                         <p:cond delay="indefinite"/>
-                        <p:cond evt="onBegin" delay="0">
-                          <p:tn val="2"/>
-                        </p:cond>
                       </p:stCondLst>
                       <p:childTnLst>
                         <p:par>
@@ -20353,7 +19855,7 @@
                             </p:stCondLst>
                             <p:childTnLst>
                               <p:par>
-                                <p:cTn id="5" presetID="1" presetClass="entr" presetSubtype="0" fill="hold" nodeType="withEffect">
+                                <p:cTn id="5" presetID="1" presetClass="entr" presetSubtype="0" fill="hold" nodeType="clickEffect">
                                   <p:stCondLst>
                                     <p:cond delay="0"/>
                                   </p:stCondLst>
@@ -20361,37 +19863,6 @@
                                     <p:set>
                                       <p:cBhvr>
                                         <p:cTn id="6" dur="1" fill="hold">
-                                          <p:stCondLst>
-                                            <p:cond delay="0"/>
-                                          </p:stCondLst>
-                                        </p:cTn>
-                                        <p:tgtEl>
-                                          <p:spTgt spid="3">
-                                            <p:txEl>
-                                              <p:pRg st="0" end="0"/>
-                                            </p:txEl>
-                                          </p:spTgt>
-                                        </p:tgtEl>
-                                        <p:attrNameLst>
-                                          <p:attrName>style.visibility</p:attrName>
-                                        </p:attrNameLst>
-                                      </p:cBhvr>
-                                      <p:to>
-                                        <p:strVal val="visible"/>
-                                      </p:to>
-                                    </p:set>
-                                  </p:childTnLst>
-                                </p:cTn>
-                              </p:par>
-                              <p:par>
-                                <p:cTn id="7" presetID="1" presetClass="entr" presetSubtype="0" fill="hold" nodeType="withEffect">
-                                  <p:stCondLst>
-                                    <p:cond delay="0"/>
-                                  </p:stCondLst>
-                                  <p:childTnLst>
-                                    <p:set>
-                                      <p:cBhvr>
-                                        <p:cTn id="8" dur="1" fill="hold">
                                           <p:stCondLst>
                                             <p:cond delay="0"/>
                                           </p:stCondLst>
@@ -20417,26 +19888,26 @@
                     </p:cTn>
                   </p:par>
                   <p:par>
-                    <p:cTn id="9" fill="hold">
+                    <p:cTn id="7" fill="hold">
                       <p:stCondLst>
                         <p:cond delay="indefinite"/>
                       </p:stCondLst>
                       <p:childTnLst>
                         <p:par>
-                          <p:cTn id="10" fill="hold">
+                          <p:cTn id="8" fill="hold">
                             <p:stCondLst>
                               <p:cond delay="0"/>
                             </p:stCondLst>
                             <p:childTnLst>
                               <p:par>
-                                <p:cTn id="11" presetID="1" presetClass="entr" presetSubtype="0" fill="hold" nodeType="clickEffect">
+                                <p:cTn id="9" presetID="1" presetClass="entr" presetSubtype="0" fill="hold" nodeType="clickEffect">
                                   <p:stCondLst>
                                     <p:cond delay="0"/>
                                   </p:stCondLst>
                                   <p:childTnLst>
                                     <p:set>
                                       <p:cBhvr>
-                                        <p:cTn id="12" dur="1" fill="hold">
+                                        <p:cTn id="10" dur="1" fill="hold">
                                           <p:stCondLst>
                                             <p:cond delay="0"/>
                                           </p:stCondLst>
@@ -20459,8 +19930,26 @@
                                   </p:childTnLst>
                                 </p:cTn>
                               </p:par>
+                            </p:childTnLst>
+                          </p:cTn>
+                        </p:par>
+                      </p:childTnLst>
+                    </p:cTn>
+                  </p:par>
+                  <p:par>
+                    <p:cTn id="11" fill="hold">
+                      <p:stCondLst>
+                        <p:cond delay="indefinite"/>
+                      </p:stCondLst>
+                      <p:childTnLst>
+                        <p:par>
+                          <p:cTn id="12" fill="hold">
+                            <p:stCondLst>
+                              <p:cond delay="0"/>
+                            </p:stCondLst>
+                            <p:childTnLst>
                               <p:par>
-                                <p:cTn id="13" presetID="1" presetClass="entr" presetSubtype="0" fill="hold" grpId="0" nodeType="withEffect">
+                                <p:cTn id="13" presetID="1" presetClass="entr" presetSubtype="0" fill="hold" grpId="0" nodeType="clickEffect">
                                   <p:stCondLst>
                                     <p:cond delay="0"/>
                                   </p:stCondLst>
@@ -20995,9 +20484,6 @@
                     <p:cTn id="3" fill="hold">
                       <p:stCondLst>
                         <p:cond delay="indefinite"/>
-                        <p:cond evt="onBegin" delay="0">
-                          <p:tn val="2"/>
-                        </p:cond>
                       </p:stCondLst>
                       <p:childTnLst>
                         <p:par>
@@ -21007,7 +20493,7 @@
                             </p:stCondLst>
                             <p:childTnLst>
                               <p:par>
-                                <p:cTn id="5" presetID="1" presetClass="entr" presetSubtype="0" fill="hold" nodeType="withEffect">
+                                <p:cTn id="5" presetID="1" presetClass="entr" presetSubtype="0" fill="hold" grpId="0" nodeType="clickEffect">
                                   <p:stCondLst>
                                     <p:cond delay="0"/>
                                   </p:stCondLst>
@@ -21015,37 +20501,6 @@
                                     <p:set>
                                       <p:cBhvr>
                                         <p:cTn id="6" dur="1" fill="hold">
-                                          <p:stCondLst>
-                                            <p:cond delay="0"/>
-                                          </p:stCondLst>
-                                        </p:cTn>
-                                        <p:tgtEl>
-                                          <p:spTgt spid="3">
-                                            <p:txEl>
-                                              <p:pRg st="0" end="0"/>
-                                            </p:txEl>
-                                          </p:spTgt>
-                                        </p:tgtEl>
-                                        <p:attrNameLst>
-                                          <p:attrName>style.visibility</p:attrName>
-                                        </p:attrNameLst>
-                                      </p:cBhvr>
-                                      <p:to>
-                                        <p:strVal val="visible"/>
-                                      </p:to>
-                                    </p:set>
-                                  </p:childTnLst>
-                                </p:cTn>
-                              </p:par>
-                              <p:par>
-                                <p:cTn id="7" presetID="1" presetClass="entr" presetSubtype="0" fill="hold" grpId="0" nodeType="withEffect">
-                                  <p:stCondLst>
-                                    <p:cond delay="0"/>
-                                  </p:stCondLst>
-                                  <p:childTnLst>
-                                    <p:set>
-                                      <p:cBhvr>
-                                        <p:cTn id="8" dur="1" fill="hold">
                                           <p:stCondLst>
                                             <p:cond delay="0"/>
                                           </p:stCondLst>
@@ -21071,26 +20526,26 @@
                     </p:cTn>
                   </p:par>
                   <p:par>
-                    <p:cTn id="9" fill="hold">
+                    <p:cTn id="7" fill="hold">
                       <p:stCondLst>
                         <p:cond delay="indefinite"/>
                       </p:stCondLst>
                       <p:childTnLst>
                         <p:par>
-                          <p:cTn id="10" fill="hold">
+                          <p:cTn id="8" fill="hold">
                             <p:stCondLst>
                               <p:cond delay="0"/>
                             </p:stCondLst>
                             <p:childTnLst>
                               <p:par>
-                                <p:cTn id="11" presetID="1" presetClass="entr" presetSubtype="0" fill="hold" nodeType="clickEffect">
+                                <p:cTn id="9" presetID="1" presetClass="entr" presetSubtype="0" fill="hold" nodeType="clickEffect">
                                   <p:stCondLst>
                                     <p:cond delay="0"/>
                                   </p:stCondLst>
                                   <p:childTnLst>
                                     <p:set>
                                       <p:cBhvr>
-                                        <p:cTn id="12" dur="1" fill="hold">
+                                        <p:cTn id="10" dur="1" fill="hold">
                                           <p:stCondLst>
                                             <p:cond delay="0"/>
                                           </p:stCondLst>
@@ -21113,8 +20568,26 @@
                                   </p:childTnLst>
                                 </p:cTn>
                               </p:par>
+                            </p:childTnLst>
+                          </p:cTn>
+                        </p:par>
+                      </p:childTnLst>
+                    </p:cTn>
+                  </p:par>
+                  <p:par>
+                    <p:cTn id="11" fill="hold">
+                      <p:stCondLst>
+                        <p:cond delay="indefinite"/>
+                      </p:stCondLst>
+                      <p:childTnLst>
+                        <p:par>
+                          <p:cTn id="12" fill="hold">
+                            <p:stCondLst>
+                              <p:cond delay="0"/>
+                            </p:stCondLst>
+                            <p:childTnLst>
                               <p:par>
-                                <p:cTn id="13" presetID="1" presetClass="entr" presetSubtype="0" fill="hold" grpId="0" nodeType="withEffect">
+                                <p:cTn id="13" presetID="1" presetClass="entr" presetSubtype="0" fill="hold" grpId="0" nodeType="clickEffect">
                                   <p:stCondLst>
                                     <p:cond delay="0"/>
                                   </p:stCondLst>
@@ -21399,26 +20872,22 @@
               <a:t>приложението с </a:t>
             </a:r>
             <a:r>
-              <a:rPr lang="bg-BG" sz="3600" b="1" dirty="0">
+              <a:rPr lang="bg-BG" sz="3600" b="1" dirty="0"/>
+              <a:t>[</a:t>
+            </a:r>
+            <a:r>
+              <a:rPr lang="en-US" sz="3600" b="1" dirty="0">
                 <a:solidFill>
                   <a:schemeClr val="bg1"/>
                 </a:solidFill>
               </a:rPr>
-              <a:t>[</a:t>
-            </a:r>
-            <a:r>
-              <a:rPr lang="en-US" sz="3600" b="1" dirty="0">
-                <a:solidFill>
-                  <a:schemeClr val="bg1"/>
-                </a:solidFill>
-              </a:rPr>
-              <a:t>Ctrl+F5]</a:t>
-            </a:r>
-            <a:endParaRPr lang="en-BG" sz="3600" b="1" dirty="0">
-              <a:solidFill>
-                <a:schemeClr val="bg1"/>
-              </a:solidFill>
-            </a:endParaRPr>
+              <a:t>Ctrl+F5</a:t>
+            </a:r>
+            <a:r>
+              <a:rPr lang="en-US" sz="3600" b="1" dirty="0"/>
+              <a:t>]</a:t>
+            </a:r>
+            <a:endParaRPr lang="en-BG" sz="3600" b="1" dirty="0"/>
           </a:p>
         </p:txBody>
       </p:sp>
@@ -21549,8 +21018,8 @@
         </p:nvSpPr>
         <p:spPr>
           <a:xfrm>
-            <a:off x="7435869" y="3883056"/>
-            <a:ext cx="616298" cy="362936"/>
+            <a:off x="7322074" y="3552012"/>
+            <a:ext cx="1048167" cy="816992"/>
           </a:xfrm>
           <a:prstGeom prst="rightArrow">
             <a:avLst/>
@@ -21654,15 +21123,33 @@
                                   </p:childTnLst>
                                 </p:cTn>
                               </p:par>
+                            </p:childTnLst>
+                          </p:cTn>
+                        </p:par>
+                      </p:childTnLst>
+                    </p:cTn>
+                  </p:par>
+                  <p:par>
+                    <p:cTn id="7" fill="hold">
+                      <p:stCondLst>
+                        <p:cond delay="indefinite"/>
+                      </p:stCondLst>
+                      <p:childTnLst>
+                        <p:par>
+                          <p:cTn id="8" fill="hold">
+                            <p:stCondLst>
+                              <p:cond delay="0"/>
+                            </p:stCondLst>
+                            <p:childTnLst>
                               <p:par>
-                                <p:cTn id="7" presetID="1" presetClass="entr" presetSubtype="0" fill="hold" nodeType="withEffect">
+                                <p:cTn id="9" presetID="1" presetClass="entr" presetSubtype="0" fill="hold" nodeType="clickEffect">
                                   <p:stCondLst>
                                     <p:cond delay="0"/>
                                   </p:stCondLst>
                                   <p:childTnLst>
                                     <p:set>
                                       <p:cBhvr>
-                                        <p:cTn id="8" dur="1" fill="hold">
+                                        <p:cTn id="10" dur="1" fill="hold">
                                           <p:stCondLst>
                                             <p:cond delay="0"/>
                                           </p:stCondLst>
@@ -22524,9 +22011,6 @@
                     <p:cTn id="3" fill="hold">
                       <p:stCondLst>
                         <p:cond delay="indefinite"/>
-                        <p:cond evt="onBegin" delay="0">
-                          <p:tn val="2"/>
-                        </p:cond>
                       </p:stCondLst>
                       <p:childTnLst>
                         <p:par>
@@ -22536,7 +22020,7 @@
                             </p:stCondLst>
                             <p:childTnLst>
                               <p:par>
-                                <p:cTn id="5" presetID="1" presetClass="entr" presetSubtype="0" fill="hold" nodeType="withEffect">
+                                <p:cTn id="5" presetID="1" presetClass="entr" presetSubtype="0" fill="hold" nodeType="clickEffect">
                                   <p:stCondLst>
                                     <p:cond delay="0"/>
                                   </p:stCondLst>
@@ -22544,37 +22028,6 @@
                                     <p:set>
                                       <p:cBhvr>
                                         <p:cTn id="6" dur="1" fill="hold">
-                                          <p:stCondLst>
-                                            <p:cond delay="0"/>
-                                          </p:stCondLst>
-                                        </p:cTn>
-                                        <p:tgtEl>
-                                          <p:spTgt spid="14">
-                                            <p:txEl>
-                                              <p:pRg st="0" end="0"/>
-                                            </p:txEl>
-                                          </p:spTgt>
-                                        </p:tgtEl>
-                                        <p:attrNameLst>
-                                          <p:attrName>style.visibility</p:attrName>
-                                        </p:attrNameLst>
-                                      </p:cBhvr>
-                                      <p:to>
-                                        <p:strVal val="visible"/>
-                                      </p:to>
-                                    </p:set>
-                                  </p:childTnLst>
-                                </p:cTn>
-                              </p:par>
-                              <p:par>
-                                <p:cTn id="7" presetID="1" presetClass="entr" presetSubtype="0" fill="hold" nodeType="withEffect">
-                                  <p:stCondLst>
-                                    <p:cond delay="0"/>
-                                  </p:stCondLst>
-                                  <p:childTnLst>
-                                    <p:set>
-                                      <p:cBhvr>
-                                        <p:cTn id="8" dur="1" fill="hold">
                                           <p:stCondLst>
                                             <p:cond delay="0"/>
                                           </p:stCondLst>
@@ -22597,8 +22050,26 @@
                                   </p:childTnLst>
                                 </p:cTn>
                               </p:par>
+                            </p:childTnLst>
+                          </p:cTn>
+                        </p:par>
+                      </p:childTnLst>
+                    </p:cTn>
+                  </p:par>
+                  <p:par>
+                    <p:cTn id="7" fill="hold">
+                      <p:stCondLst>
+                        <p:cond delay="indefinite"/>
+                      </p:stCondLst>
+                      <p:childTnLst>
+                        <p:par>
+                          <p:cTn id="8" fill="hold">
+                            <p:stCondLst>
+                              <p:cond delay="0"/>
+                            </p:stCondLst>
+                            <p:childTnLst>
                               <p:par>
-                                <p:cTn id="9" presetID="1" presetClass="entr" presetSubtype="0" fill="hold" nodeType="withEffect">
+                                <p:cTn id="9" presetID="1" presetClass="entr" presetSubtype="0" fill="hold" nodeType="clickEffect">
                                   <p:stCondLst>
                                     <p:cond delay="0"/>
                                   </p:stCondLst>
@@ -22677,15 +22148,33 @@
                                   </p:childTnLst>
                                 </p:cTn>
                               </p:par>
+                            </p:childTnLst>
+                          </p:cTn>
+                        </p:par>
+                      </p:childTnLst>
+                    </p:cTn>
+                  </p:par>
+                  <p:par>
+                    <p:cTn id="15" fill="hold">
+                      <p:stCondLst>
+                        <p:cond delay="indefinite"/>
+                      </p:stCondLst>
+                      <p:childTnLst>
+                        <p:par>
+                          <p:cTn id="16" fill="hold">
+                            <p:stCondLst>
+                              <p:cond delay="0"/>
+                            </p:stCondLst>
+                            <p:childTnLst>
                               <p:par>
-                                <p:cTn id="15" presetID="1" presetClass="entr" presetSubtype="0" fill="hold" nodeType="withEffect">
+                                <p:cTn id="17" presetID="1" presetClass="entr" presetSubtype="0" fill="hold" nodeType="clickEffect">
                                   <p:stCondLst>
                                     <p:cond delay="0"/>
                                   </p:stCondLst>
                                   <p:childTnLst>
                                     <p:set>
                                       <p:cBhvr>
-                                        <p:cTn id="16" dur="1" fill="hold">
+                                        <p:cTn id="18" dur="1" fill="hold">
                                           <p:stCondLst>
                                             <p:cond delay="0"/>
                                           </p:stCondLst>
@@ -22715,26 +22204,26 @@
                     </p:cTn>
                   </p:par>
                   <p:par>
-                    <p:cTn id="17" fill="hold">
+                    <p:cTn id="19" fill="hold">
                       <p:stCondLst>
                         <p:cond delay="indefinite"/>
                       </p:stCondLst>
                       <p:childTnLst>
                         <p:par>
-                          <p:cTn id="18" fill="hold">
+                          <p:cTn id="20" fill="hold">
                             <p:stCondLst>
                               <p:cond delay="0"/>
                             </p:stCondLst>
                             <p:childTnLst>
                               <p:par>
-                                <p:cTn id="19" presetID="1" presetClass="entr" presetSubtype="0" fill="hold" nodeType="clickEffect">
+                                <p:cTn id="21" presetID="1" presetClass="entr" presetSubtype="0" fill="hold" nodeType="clickEffect">
                                   <p:stCondLst>
                                     <p:cond delay="0"/>
                                   </p:stCondLst>
                                   <p:childTnLst>
                                     <p:set>
                                       <p:cBhvr>
-                                        <p:cTn id="20" dur="1" fill="hold">
+                                        <p:cTn id="22" dur="1" fill="hold">
                                           <p:stCondLst>
                                             <p:cond delay="0"/>
                                           </p:stCondLst>
@@ -22757,15 +22246,33 @@
                                   </p:childTnLst>
                                 </p:cTn>
                               </p:par>
+                            </p:childTnLst>
+                          </p:cTn>
+                        </p:par>
+                      </p:childTnLst>
+                    </p:cTn>
+                  </p:par>
+                  <p:par>
+                    <p:cTn id="23" fill="hold">
+                      <p:stCondLst>
+                        <p:cond delay="indefinite"/>
+                      </p:stCondLst>
+                      <p:childTnLst>
+                        <p:par>
+                          <p:cTn id="24" fill="hold">
+                            <p:stCondLst>
+                              <p:cond delay="0"/>
+                            </p:stCondLst>
+                            <p:childTnLst>
                               <p:par>
-                                <p:cTn id="21" presetID="1" presetClass="entr" presetSubtype="0" fill="hold" nodeType="withEffect">
+                                <p:cTn id="25" presetID="1" presetClass="entr" presetSubtype="0" fill="hold" nodeType="clickEffect">
                                   <p:stCondLst>
                                     <p:cond delay="0"/>
                                   </p:stCondLst>
                                   <p:childTnLst>
                                     <p:set>
                                       <p:cBhvr>
-                                        <p:cTn id="22" dur="1" fill="hold">
+                                        <p:cTn id="26" dur="1" fill="hold">
                                           <p:stCondLst>
                                             <p:cond delay="0"/>
                                           </p:stCondLst>
@@ -22789,14 +22296,14 @@
                                 </p:cTn>
                               </p:par>
                               <p:par>
-                                <p:cTn id="23" presetID="1" presetClass="entr" presetSubtype="0" fill="hold" nodeType="withEffect">
+                                <p:cTn id="27" presetID="1" presetClass="entr" presetSubtype="0" fill="hold" nodeType="withEffect">
                                   <p:stCondLst>
                                     <p:cond delay="0"/>
                                   </p:stCondLst>
                                   <p:childTnLst>
                                     <p:set>
                                       <p:cBhvr>
-                                        <p:cTn id="24" dur="1" fill="hold">
+                                        <p:cTn id="28" dur="1" fill="hold">
                                           <p:stCondLst>
                                             <p:cond delay="0"/>
                                           </p:stCondLst>
@@ -22826,26 +22333,26 @@
                     </p:cTn>
                   </p:par>
                   <p:par>
-                    <p:cTn id="25" fill="hold">
+                    <p:cTn id="29" fill="hold">
                       <p:stCondLst>
                         <p:cond delay="indefinite"/>
                       </p:stCondLst>
                       <p:childTnLst>
                         <p:par>
-                          <p:cTn id="26" fill="hold">
+                          <p:cTn id="30" fill="hold">
                             <p:stCondLst>
                               <p:cond delay="0"/>
                             </p:stCondLst>
                             <p:childTnLst>
                               <p:par>
-                                <p:cTn id="27" presetID="1" presetClass="entr" presetSubtype="0" fill="hold" nodeType="clickEffect">
+                                <p:cTn id="31" presetID="1" presetClass="entr" presetSubtype="0" fill="hold" nodeType="clickEffect">
                                   <p:stCondLst>
                                     <p:cond delay="0"/>
                                   </p:stCondLst>
                                   <p:childTnLst>
                                     <p:set>
                                       <p:cBhvr>
-                                        <p:cTn id="28" dur="1" fill="hold">
+                                        <p:cTn id="32" dur="1" fill="hold">
                                           <p:stCondLst>
                                             <p:cond delay="0"/>
                                           </p:stCondLst>
@@ -22868,15 +22375,33 @@
                                   </p:childTnLst>
                                 </p:cTn>
                               </p:par>
+                            </p:childTnLst>
+                          </p:cTn>
+                        </p:par>
+                      </p:childTnLst>
+                    </p:cTn>
+                  </p:par>
+                  <p:par>
+                    <p:cTn id="33" fill="hold">
+                      <p:stCondLst>
+                        <p:cond delay="indefinite"/>
+                      </p:stCondLst>
+                      <p:childTnLst>
+                        <p:par>
+                          <p:cTn id="34" fill="hold">
+                            <p:stCondLst>
+                              <p:cond delay="0"/>
+                            </p:stCondLst>
+                            <p:childTnLst>
                               <p:par>
-                                <p:cTn id="29" presetID="1" presetClass="entr" presetSubtype="0" fill="hold" nodeType="withEffect">
+                                <p:cTn id="35" presetID="1" presetClass="entr" presetSubtype="0" fill="hold" nodeType="clickEffect">
                                   <p:stCondLst>
                                     <p:cond delay="0"/>
                                   </p:stCondLst>
                                   <p:childTnLst>
                                     <p:set>
                                       <p:cBhvr>
-                                        <p:cTn id="30" dur="1" fill="hold">
+                                        <p:cTn id="36" dur="1" fill="hold">
                                           <p:stCondLst>
                                             <p:cond delay="0"/>
                                           </p:stCondLst>
@@ -23121,7 +22646,7 @@
 </file>
 
 <file path=ppt/slides/slide33.xml><?xml version="1.0" encoding="utf-8"?>
-<p:sld xmlns:a="http://schemas.openxmlformats.org/drawingml/2006/main" xmlns:r="http://schemas.openxmlformats.org/officeDocument/2006/relationships" xmlns:p="http://schemas.openxmlformats.org/presentationml/2006/main">
+<p:sld xmlns:a="http://schemas.openxmlformats.org/drawingml/2006/main" xmlns:r="http://schemas.openxmlformats.org/officeDocument/2006/relationships" xmlns:p="http://schemas.openxmlformats.org/presentationml/2006/main" show="0">
   <p:cSld>
     <p:spTree>
       <p:nvGrpSpPr>
@@ -23492,11 +23017,11 @@
   <p:clrMapOvr>
     <a:masterClrMapping/>
   </p:clrMapOvr>
-  <mc:AlternateContent xmlns:mc="http://schemas.openxmlformats.org/markup-compatibility/2006" xmlns:p14="http://schemas.microsoft.com/office/powerpoint/2010/main">
-    <mc:Choice Requires="p14">
+  <mc:AlternateContent xmlns:mc="http://schemas.openxmlformats.org/markup-compatibility/2006">
+    <mc:Choice xmlns:p14="http://schemas.microsoft.com/office/powerpoint/2010/main" Requires="p14">
       <p:transition spd="slow" p14:dur="2000" advClick="0" advTm="5000"/>
     </mc:Choice>
-    <mc:Fallback xmlns="">
+    <mc:Fallback>
       <p:transition spd="slow" advClick="0" advTm="5000"/>
     </mc:Fallback>
   </mc:AlternateContent>
@@ -23751,9 +23276,6 @@
                     <p:cTn id="3" fill="hold">
                       <p:stCondLst>
                         <p:cond delay="indefinite"/>
-                        <p:cond evt="onBegin" delay="0">
-                          <p:tn val="2"/>
-                        </p:cond>
                       </p:stCondLst>
                       <p:childTnLst>
                         <p:par>
@@ -23763,7 +23285,7 @@
                             </p:stCondLst>
                             <p:childTnLst>
                               <p:par>
-                                <p:cTn id="5" presetID="1" presetClass="entr" presetSubtype="0" fill="hold" nodeType="withEffect">
+                                <p:cTn id="5" presetID="1" presetClass="entr" presetSubtype="0" fill="hold" nodeType="clickEffect">
                                   <p:stCondLst>
                                     <p:cond delay="0"/>
                                   </p:stCondLst>
@@ -23771,82 +23293,6 @@
                                     <p:set>
                                       <p:cBhvr>
                                         <p:cTn id="6" dur="1" fill="hold">
-                                          <p:stCondLst>
-                                            <p:cond delay="0"/>
-                                          </p:stCondLst>
-                                        </p:cTn>
-                                        <p:tgtEl>
-                                          <p:spTgt spid="3">
-                                            <p:txEl>
-                                              <p:pRg st="0" end="0"/>
-                                            </p:txEl>
-                                          </p:spTgt>
-                                        </p:tgtEl>
-                                        <p:attrNameLst>
-                                          <p:attrName>style.visibility</p:attrName>
-                                        </p:attrNameLst>
-                                      </p:cBhvr>
-                                      <p:to>
-                                        <p:strVal val="visible"/>
-                                      </p:to>
-                                    </p:set>
-                                  </p:childTnLst>
-                                </p:cTn>
-                              </p:par>
-                              <p:par>
-                                <p:cTn id="7" presetID="1" presetClass="entr" presetSubtype="0" fill="hold" nodeType="withEffect">
-                                  <p:stCondLst>
-                                    <p:cond delay="0"/>
-                                  </p:stCondLst>
-                                  <p:childTnLst>
-                                    <p:set>
-                                      <p:cBhvr>
-                                        <p:cTn id="8" dur="1" fill="hold">
-                                          <p:stCondLst>
-                                            <p:cond delay="0"/>
-                                          </p:stCondLst>
-                                        </p:cTn>
-                                        <p:tgtEl>
-                                          <p:spTgt spid="8"/>
-                                        </p:tgtEl>
-                                        <p:attrNameLst>
-                                          <p:attrName>style.visibility</p:attrName>
-                                        </p:attrNameLst>
-                                      </p:cBhvr>
-                                      <p:to>
-                                        <p:strVal val="visible"/>
-                                      </p:to>
-                                    </p:set>
-                                  </p:childTnLst>
-                                </p:cTn>
-                              </p:par>
-                            </p:childTnLst>
-                          </p:cTn>
-                        </p:par>
-                      </p:childTnLst>
-                    </p:cTn>
-                  </p:par>
-                  <p:par>
-                    <p:cTn id="9" fill="hold">
-                      <p:stCondLst>
-                        <p:cond delay="indefinite"/>
-                      </p:stCondLst>
-                      <p:childTnLst>
-                        <p:par>
-                          <p:cTn id="10" fill="hold">
-                            <p:stCondLst>
-                              <p:cond delay="0"/>
-                            </p:stCondLst>
-                            <p:childTnLst>
-                              <p:par>
-                                <p:cTn id="11" presetID="1" presetClass="entr" presetSubtype="0" fill="hold" nodeType="clickEffect">
-                                  <p:stCondLst>
-                                    <p:cond delay="0"/>
-                                  </p:stCondLst>
-                                  <p:childTnLst>
-                                    <p:set>
-                                      <p:cBhvr>
-                                        <p:cTn id="12" dur="1" fill="hold">
                                           <p:stCondLst>
                                             <p:cond delay="0"/>
                                           </p:stCondLst>
@@ -24969,9 +24415,6 @@
                     <p:cTn id="3" fill="hold">
                       <p:stCondLst>
                         <p:cond delay="indefinite"/>
-                        <p:cond evt="onBegin" delay="0">
-                          <p:tn val="2"/>
-                        </p:cond>
                       </p:stCondLst>
                       <p:childTnLst>
                         <p:par>
@@ -24981,7 +24424,7 @@
                             </p:stCondLst>
                             <p:childTnLst>
                               <p:par>
-                                <p:cTn id="5" presetID="1" presetClass="entr" presetSubtype="0" fill="hold" nodeType="withEffect">
+                                <p:cTn id="5" presetID="1" presetClass="entr" presetSubtype="0" fill="hold" nodeType="clickEffect">
                                   <p:stCondLst>
                                     <p:cond delay="0"/>
                                   </p:stCondLst>
@@ -25011,33 +24454,6 @@
                                   </p:childTnLst>
                                 </p:cTn>
                               </p:par>
-                              <p:par>
-                                <p:cTn id="7" presetID="1" presetClass="entr" presetSubtype="0" fill="hold" nodeType="withEffect">
-                                  <p:stCondLst>
-                                    <p:cond delay="0"/>
-                                  </p:stCondLst>
-                                  <p:childTnLst>
-                                    <p:set>
-                                      <p:cBhvr>
-                                        <p:cTn id="8" dur="1" fill="hold">
-                                          <p:stCondLst>
-                                            <p:cond delay="0"/>
-                                          </p:stCondLst>
-                                        </p:cTn>
-                                        <p:tgtEl>
-                                          <p:spTgt spid="5"/>
-                                        </p:tgtEl>
-                                        <p:attrNameLst>
-                                          <p:attrName>style.visibility</p:attrName>
-                                        </p:attrNameLst>
-                                      </p:cBhvr>
-                                      <p:to>
-                                        <p:strVal val="visible"/>
-                                      </p:to>
-                                    </p:set>
-                                  </p:childTnLst>
-                                </p:cTn>
-                              </p:par>
                             </p:childTnLst>
                           </p:cTn>
                         </p:par>
@@ -25045,26 +24461,26 @@
                     </p:cTn>
                   </p:par>
                   <p:par>
-                    <p:cTn id="9" fill="hold">
+                    <p:cTn id="7" fill="hold">
                       <p:stCondLst>
                         <p:cond delay="indefinite"/>
                       </p:stCondLst>
                       <p:childTnLst>
                         <p:par>
-                          <p:cTn id="10" fill="hold">
+                          <p:cTn id="8" fill="hold">
                             <p:stCondLst>
                               <p:cond delay="0"/>
                             </p:stCondLst>
                             <p:childTnLst>
                               <p:par>
-                                <p:cTn id="11" presetID="1" presetClass="entr" presetSubtype="0" fill="hold" nodeType="clickEffect">
+                                <p:cTn id="9" presetID="1" presetClass="entr" presetSubtype="0" fill="hold" nodeType="clickEffect">
                                   <p:stCondLst>
                                     <p:cond delay="0"/>
                                   </p:stCondLst>
                                   <p:childTnLst>
                                     <p:set>
                                       <p:cBhvr>
-                                        <p:cTn id="12" dur="1" fill="hold">
+                                        <p:cTn id="10" dur="1" fill="hold">
                                           <p:stCondLst>
                                             <p:cond delay="0"/>
                                           </p:stCondLst>
@@ -25094,26 +24510,26 @@
                     </p:cTn>
                   </p:par>
                   <p:par>
-                    <p:cTn id="13" fill="hold">
+                    <p:cTn id="11" fill="hold">
                       <p:stCondLst>
                         <p:cond delay="indefinite"/>
                       </p:stCondLst>
                       <p:childTnLst>
                         <p:par>
-                          <p:cTn id="14" fill="hold">
+                          <p:cTn id="12" fill="hold">
                             <p:stCondLst>
                               <p:cond delay="0"/>
                             </p:stCondLst>
                             <p:childTnLst>
                               <p:par>
-                                <p:cTn id="15" presetID="1" presetClass="entr" presetSubtype="0" fill="hold" grpId="0" nodeType="clickEffect">
+                                <p:cTn id="13" presetID="1" presetClass="entr" presetSubtype="0" fill="hold" grpId="0" nodeType="clickEffect">
                                   <p:stCondLst>
                                     <p:cond delay="0"/>
                                   </p:stCondLst>
                                   <p:childTnLst>
                                     <p:set>
                                       <p:cBhvr>
-                                        <p:cTn id="16" dur="1" fill="hold">
+                                        <p:cTn id="14" dur="1" fill="hold">
                                           <p:stCondLst>
                                             <p:cond delay="0"/>
                                           </p:stCondLst>
@@ -25139,26 +24555,26 @@
                     </p:cTn>
                   </p:par>
                   <p:par>
-                    <p:cTn id="17" fill="hold">
+                    <p:cTn id="15" fill="hold">
                       <p:stCondLst>
                         <p:cond delay="indefinite"/>
                       </p:stCondLst>
                       <p:childTnLst>
                         <p:par>
-                          <p:cTn id="18" fill="hold">
+                          <p:cTn id="16" fill="hold">
                             <p:stCondLst>
                               <p:cond delay="0"/>
                             </p:stCondLst>
                             <p:childTnLst>
                               <p:par>
-                                <p:cTn id="19" presetID="1" presetClass="entr" presetSubtype="0" fill="hold" grpId="0" nodeType="clickEffect">
+                                <p:cTn id="17" presetID="1" presetClass="entr" presetSubtype="0" fill="hold" grpId="0" nodeType="clickEffect">
                                   <p:stCondLst>
                                     <p:cond delay="0"/>
                                   </p:stCondLst>
                                   <p:childTnLst>
                                     <p:set>
                                       <p:cBhvr>
-                                        <p:cTn id="20" dur="1" fill="hold">
+                                        <p:cTn id="18" dur="1" fill="hold">
                                           <p:stCondLst>
                                             <p:cond delay="0"/>
                                           </p:stCondLst>
@@ -25184,26 +24600,26 @@
                     </p:cTn>
                   </p:par>
                   <p:par>
-                    <p:cTn id="21" fill="hold">
+                    <p:cTn id="19" fill="hold">
                       <p:stCondLst>
                         <p:cond delay="indefinite"/>
                       </p:stCondLst>
                       <p:childTnLst>
                         <p:par>
-                          <p:cTn id="22" fill="hold">
+                          <p:cTn id="20" fill="hold">
                             <p:stCondLst>
                               <p:cond delay="0"/>
                             </p:stCondLst>
                             <p:childTnLst>
                               <p:par>
-                                <p:cTn id="23" presetID="1" presetClass="entr" presetSubtype="0" fill="hold" grpId="0" nodeType="clickEffect">
+                                <p:cTn id="21" presetID="1" presetClass="entr" presetSubtype="0" fill="hold" grpId="0" nodeType="clickEffect">
                                   <p:stCondLst>
                                     <p:cond delay="0"/>
                                   </p:stCondLst>
                                   <p:childTnLst>
                                     <p:set>
                                       <p:cBhvr>
-                                        <p:cTn id="24" dur="1" fill="hold">
+                                        <p:cTn id="22" dur="1" fill="hold">
                                           <p:stCondLst>
                                             <p:cond delay="0"/>
                                           </p:stCondLst>
@@ -25229,26 +24645,26 @@
                     </p:cTn>
                   </p:par>
                   <p:par>
-                    <p:cTn id="25" fill="hold">
+                    <p:cTn id="23" fill="hold">
                       <p:stCondLst>
                         <p:cond delay="indefinite"/>
                       </p:stCondLst>
                       <p:childTnLst>
                         <p:par>
-                          <p:cTn id="26" fill="hold">
+                          <p:cTn id="24" fill="hold">
                             <p:stCondLst>
                               <p:cond delay="0"/>
                             </p:stCondLst>
                             <p:childTnLst>
                               <p:par>
-                                <p:cTn id="27" presetID="1" presetClass="entr" presetSubtype="0" fill="hold" grpId="0" nodeType="clickEffect">
+                                <p:cTn id="25" presetID="1" presetClass="entr" presetSubtype="0" fill="hold" grpId="0" nodeType="clickEffect">
                                   <p:stCondLst>
                                     <p:cond delay="0"/>
                                   </p:stCondLst>
                                   <p:childTnLst>
                                     <p:set>
                                       <p:cBhvr>
-                                        <p:cTn id="28" dur="1" fill="hold">
+                                        <p:cTn id="26" dur="1" fill="hold">
                                           <p:stCondLst>
                                             <p:cond delay="0"/>
                                           </p:stCondLst>
@@ -25274,26 +24690,26 @@
                     </p:cTn>
                   </p:par>
                   <p:par>
-                    <p:cTn id="29" fill="hold">
+                    <p:cTn id="27" fill="hold">
                       <p:stCondLst>
                         <p:cond delay="indefinite"/>
                       </p:stCondLst>
                       <p:childTnLst>
                         <p:par>
-                          <p:cTn id="30" fill="hold">
+                          <p:cTn id="28" fill="hold">
                             <p:stCondLst>
                               <p:cond delay="0"/>
                             </p:stCondLst>
                             <p:childTnLst>
                               <p:par>
-                                <p:cTn id="31" presetID="1" presetClass="entr" presetSubtype="0" fill="hold" grpId="0" nodeType="clickEffect">
+                                <p:cTn id="29" presetID="1" presetClass="entr" presetSubtype="0" fill="hold" grpId="0" nodeType="clickEffect">
                                   <p:stCondLst>
                                     <p:cond delay="0"/>
                                   </p:stCondLst>
                                   <p:childTnLst>
                                     <p:set>
                                       <p:cBhvr>
-                                        <p:cTn id="32" dur="1" fill="hold">
+                                        <p:cTn id="30" dur="1" fill="hold">
                                           <p:stCondLst>
                                             <p:cond delay="0"/>
                                           </p:stCondLst>
@@ -25319,26 +24735,26 @@
                     </p:cTn>
                   </p:par>
                   <p:par>
-                    <p:cTn id="33" fill="hold">
+                    <p:cTn id="31" fill="hold">
                       <p:stCondLst>
                         <p:cond delay="indefinite"/>
                       </p:stCondLst>
                       <p:childTnLst>
                         <p:par>
-                          <p:cTn id="34" fill="hold">
+                          <p:cTn id="32" fill="hold">
                             <p:stCondLst>
                               <p:cond delay="0"/>
                             </p:stCondLst>
                             <p:childTnLst>
                               <p:par>
-                                <p:cTn id="35" presetID="1" presetClass="entr" presetSubtype="0" fill="hold" grpId="0" nodeType="clickEffect">
+                                <p:cTn id="33" presetID="1" presetClass="entr" presetSubtype="0" fill="hold" grpId="0" nodeType="clickEffect">
                                   <p:stCondLst>
                                     <p:cond delay="0"/>
                                   </p:stCondLst>
                                   <p:childTnLst>
                                     <p:set>
                                       <p:cBhvr>
-                                        <p:cTn id="36" dur="1" fill="hold">
+                                        <p:cTn id="34" dur="1" fill="hold">
                                           <p:stCondLst>
                                             <p:cond delay="0"/>
                                           </p:stCondLst>
@@ -25779,9 +25195,6 @@
                     <p:cTn id="3" fill="hold">
                       <p:stCondLst>
                         <p:cond delay="indefinite"/>
-                        <p:cond evt="onBegin" delay="0">
-                          <p:tn val="2"/>
-                        </p:cond>
                       </p:stCondLst>
                       <p:childTnLst>
                         <p:par>
@@ -25791,7 +25204,7 @@
                             </p:stCondLst>
                             <p:childTnLst>
                               <p:par>
-                                <p:cTn id="5" presetID="1" presetClass="entr" presetSubtype="0" fill="hold" nodeType="withEffect">
+                                <p:cTn id="5" presetID="1" presetClass="entr" presetSubtype="0" fill="hold" nodeType="clickEffect">
                                   <p:stCondLst>
                                     <p:cond delay="0"/>
                                   </p:stCondLst>
@@ -25799,37 +25212,6 @@
                                     <p:set>
                                       <p:cBhvr>
                                         <p:cTn id="6" dur="1" fill="hold">
-                                          <p:stCondLst>
-                                            <p:cond delay="0"/>
-                                          </p:stCondLst>
-                                        </p:cTn>
-                                        <p:tgtEl>
-                                          <p:spTgt spid="3">
-                                            <p:txEl>
-                                              <p:pRg st="0" end="0"/>
-                                            </p:txEl>
-                                          </p:spTgt>
-                                        </p:tgtEl>
-                                        <p:attrNameLst>
-                                          <p:attrName>style.visibility</p:attrName>
-                                        </p:attrNameLst>
-                                      </p:cBhvr>
-                                      <p:to>
-                                        <p:strVal val="visible"/>
-                                      </p:to>
-                                    </p:set>
-                                  </p:childTnLst>
-                                </p:cTn>
-                              </p:par>
-                              <p:par>
-                                <p:cTn id="7" presetID="1" presetClass="entr" presetSubtype="0" fill="hold" nodeType="withEffect">
-                                  <p:stCondLst>
-                                    <p:cond delay="0"/>
-                                  </p:stCondLst>
-                                  <p:childTnLst>
-                                    <p:set>
-                                      <p:cBhvr>
-                                        <p:cTn id="8" dur="1" fill="hold">
                                           <p:stCondLst>
                                             <p:cond delay="0"/>
                                           </p:stCondLst>
@@ -25859,26 +25241,26 @@
                     </p:cTn>
                   </p:par>
                   <p:par>
-                    <p:cTn id="9" fill="hold">
+                    <p:cTn id="7" fill="hold">
                       <p:stCondLst>
                         <p:cond delay="indefinite"/>
                       </p:stCondLst>
                       <p:childTnLst>
                         <p:par>
-                          <p:cTn id="10" fill="hold">
+                          <p:cTn id="8" fill="hold">
                             <p:stCondLst>
                               <p:cond delay="0"/>
                             </p:stCondLst>
                             <p:childTnLst>
                               <p:par>
-                                <p:cTn id="11" presetID="1" presetClass="entr" presetSubtype="0" fill="hold" nodeType="clickEffect">
+                                <p:cTn id="9" presetID="1" presetClass="entr" presetSubtype="0" fill="hold" nodeType="clickEffect">
                                   <p:stCondLst>
                                     <p:cond delay="0"/>
                                   </p:stCondLst>
                                   <p:childTnLst>
                                     <p:set>
                                       <p:cBhvr>
-                                        <p:cTn id="12" dur="1" fill="hold">
+                                        <p:cTn id="10" dur="1" fill="hold">
                                           <p:stCondLst>
                                             <p:cond delay="0"/>
                                           </p:stCondLst>
@@ -25908,26 +25290,26 @@
                     </p:cTn>
                   </p:par>
                   <p:par>
-                    <p:cTn id="13" fill="hold">
+                    <p:cTn id="11" fill="hold">
                       <p:stCondLst>
                         <p:cond delay="indefinite"/>
                       </p:stCondLst>
                       <p:childTnLst>
                         <p:par>
-                          <p:cTn id="14" fill="hold">
+                          <p:cTn id="12" fill="hold">
                             <p:stCondLst>
                               <p:cond delay="0"/>
                             </p:stCondLst>
                             <p:childTnLst>
                               <p:par>
-                                <p:cTn id="15" presetID="1" presetClass="entr" presetSubtype="0" fill="hold" nodeType="clickEffect">
+                                <p:cTn id="13" presetID="1" presetClass="entr" presetSubtype="0" fill="hold" nodeType="clickEffect">
                                   <p:stCondLst>
                                     <p:cond delay="0"/>
                                   </p:stCondLst>
                                   <p:childTnLst>
                                     <p:set>
                                       <p:cBhvr>
-                                        <p:cTn id="16" dur="1" fill="hold">
+                                        <p:cTn id="14" dur="1" fill="hold">
                                           <p:stCondLst>
                                             <p:cond delay="0"/>
                                           </p:stCondLst>
@@ -25957,26 +25339,26 @@
                     </p:cTn>
                   </p:par>
                   <p:par>
-                    <p:cTn id="17" fill="hold">
+                    <p:cTn id="15" fill="hold">
                       <p:stCondLst>
                         <p:cond delay="indefinite"/>
                       </p:stCondLst>
                       <p:childTnLst>
                         <p:par>
-                          <p:cTn id="18" fill="hold">
+                          <p:cTn id="16" fill="hold">
                             <p:stCondLst>
                               <p:cond delay="0"/>
                             </p:stCondLst>
                             <p:childTnLst>
                               <p:par>
-                                <p:cTn id="19" presetID="1" presetClass="entr" presetSubtype="0" fill="hold" nodeType="clickEffect">
+                                <p:cTn id="17" presetID="1" presetClass="entr" presetSubtype="0" fill="hold" nodeType="clickEffect">
                                   <p:stCondLst>
                                     <p:cond delay="0"/>
                                   </p:stCondLst>
                                   <p:childTnLst>
                                     <p:set>
                                       <p:cBhvr>
-                                        <p:cTn id="20" dur="1" fill="hold">
+                                        <p:cTn id="18" dur="1" fill="hold">
                                           <p:stCondLst>
                                             <p:cond delay="0"/>
                                           </p:stCondLst>
@@ -25999,8 +25381,26 @@
                                   </p:childTnLst>
                                 </p:cTn>
                               </p:par>
+                            </p:childTnLst>
+                          </p:cTn>
+                        </p:par>
+                      </p:childTnLst>
+                    </p:cTn>
+                  </p:par>
+                  <p:par>
+                    <p:cTn id="19" fill="hold">
+                      <p:stCondLst>
+                        <p:cond delay="indefinite"/>
+                      </p:stCondLst>
+                      <p:childTnLst>
+                        <p:par>
+                          <p:cTn id="20" fill="hold">
+                            <p:stCondLst>
+                              <p:cond delay="0"/>
+                            </p:stCondLst>
+                            <p:childTnLst>
                               <p:par>
-                                <p:cTn id="21" presetID="1" presetClass="entr" presetSubtype="0" fill="hold" nodeType="withEffect">
+                                <p:cTn id="21" presetID="1" presetClass="entr" presetSubtype="0" fill="hold" nodeType="clickEffect">
                                   <p:stCondLst>
                                     <p:cond delay="0"/>
                                   </p:stCondLst>
@@ -26753,9 +26153,6 @@
                     <p:cTn id="3" fill="hold">
                       <p:stCondLst>
                         <p:cond delay="indefinite"/>
-                        <p:cond evt="onBegin" delay="0">
-                          <p:tn val="2"/>
-                        </p:cond>
                       </p:stCondLst>
                       <p:childTnLst>
                         <p:par>
@@ -26765,7 +26162,7 @@
                             </p:stCondLst>
                             <p:childTnLst>
                               <p:par>
-                                <p:cTn id="5" presetID="1" presetClass="entr" presetSubtype="0" fill="hold" nodeType="withEffect">
+                                <p:cTn id="5" presetID="1" presetClass="entr" presetSubtype="0" fill="hold" grpId="0" nodeType="clickEffect">
                                   <p:stCondLst>
                                     <p:cond delay="0"/>
                                   </p:stCondLst>
@@ -26778,7 +26175,7 @@
                                           </p:stCondLst>
                                         </p:cTn>
                                         <p:tgtEl>
-                                          <p:spTgt spid="6"/>
+                                          <p:spTgt spid="5"/>
                                         </p:tgtEl>
                                         <p:attrNameLst>
                                           <p:attrName>style.visibility</p:attrName>
@@ -26823,7 +26220,7 @@
                                           </p:stCondLst>
                                         </p:cTn>
                                         <p:tgtEl>
-                                          <p:spTgt spid="5"/>
+                                          <p:spTgt spid="9"/>
                                         </p:tgtEl>
                                         <p:attrNameLst>
                                           <p:attrName>style.visibility</p:attrName>
@@ -26868,7 +26265,7 @@
                                           </p:stCondLst>
                                         </p:cTn>
                                         <p:tgtEl>
-                                          <p:spTgt spid="9"/>
+                                          <p:spTgt spid="8"/>
                                         </p:tgtEl>
                                         <p:attrNameLst>
                                           <p:attrName>style.visibility</p:attrName>
@@ -26908,51 +26305,6 @@
                                     <p:set>
                                       <p:cBhvr>
                                         <p:cTn id="18" dur="1" fill="hold">
-                                          <p:stCondLst>
-                                            <p:cond delay="0"/>
-                                          </p:stCondLst>
-                                        </p:cTn>
-                                        <p:tgtEl>
-                                          <p:spTgt spid="8"/>
-                                        </p:tgtEl>
-                                        <p:attrNameLst>
-                                          <p:attrName>style.visibility</p:attrName>
-                                        </p:attrNameLst>
-                                      </p:cBhvr>
-                                      <p:to>
-                                        <p:strVal val="visible"/>
-                                      </p:to>
-                                    </p:set>
-                                  </p:childTnLst>
-                                </p:cTn>
-                              </p:par>
-                            </p:childTnLst>
-                          </p:cTn>
-                        </p:par>
-                      </p:childTnLst>
-                    </p:cTn>
-                  </p:par>
-                  <p:par>
-                    <p:cTn id="19" fill="hold">
-                      <p:stCondLst>
-                        <p:cond delay="indefinite"/>
-                      </p:stCondLst>
-                      <p:childTnLst>
-                        <p:par>
-                          <p:cTn id="20" fill="hold">
-                            <p:stCondLst>
-                              <p:cond delay="0"/>
-                            </p:stCondLst>
-                            <p:childTnLst>
-                              <p:par>
-                                <p:cTn id="21" presetID="1" presetClass="entr" presetSubtype="0" fill="hold" grpId="0" nodeType="clickEffect">
-                                  <p:stCondLst>
-                                    <p:cond delay="0"/>
-                                  </p:stCondLst>
-                                  <p:childTnLst>
-                                    <p:set>
-                                      <p:cBhvr>
-                                        <p:cTn id="22" dur="1" fill="hold">
                                           <p:stCondLst>
                                             <p:cond delay="0"/>
                                           </p:stCondLst>
@@ -27393,9 +26745,6 @@
                     <p:cTn id="3" fill="hold">
                       <p:stCondLst>
                         <p:cond delay="indefinite"/>
-                        <p:cond evt="onBegin" delay="0">
-                          <p:tn val="2"/>
-                        </p:cond>
                       </p:stCondLst>
                       <p:childTnLst>
                         <p:par>
@@ -27405,7 +26754,7 @@
                             </p:stCondLst>
                             <p:childTnLst>
                               <p:par>
-                                <p:cTn id="5" presetID="1" presetClass="entr" presetSubtype="0" fill="hold" nodeType="withEffect">
+                                <p:cTn id="5" presetID="1" presetClass="entr" presetSubtype="0" fill="hold" nodeType="clickEffect">
                                   <p:stCondLst>
                                     <p:cond delay="0"/>
                                   </p:stCondLst>
@@ -27413,82 +26762,6 @@
                                     <p:set>
                                       <p:cBhvr>
                                         <p:cTn id="6" dur="1" fill="hold">
-                                          <p:stCondLst>
-                                            <p:cond delay="0"/>
-                                          </p:stCondLst>
-                                        </p:cTn>
-                                        <p:tgtEl>
-                                          <p:spTgt spid="3">
-                                            <p:txEl>
-                                              <p:pRg st="0" end="0"/>
-                                            </p:txEl>
-                                          </p:spTgt>
-                                        </p:tgtEl>
-                                        <p:attrNameLst>
-                                          <p:attrName>style.visibility</p:attrName>
-                                        </p:attrNameLst>
-                                      </p:cBhvr>
-                                      <p:to>
-                                        <p:strVal val="visible"/>
-                                      </p:to>
-                                    </p:set>
-                                  </p:childTnLst>
-                                </p:cTn>
-                              </p:par>
-                              <p:par>
-                                <p:cTn id="7" presetID="1" presetClass="entr" presetSubtype="0" fill="hold" nodeType="withEffect">
-                                  <p:stCondLst>
-                                    <p:cond delay="0"/>
-                                  </p:stCondLst>
-                                  <p:childTnLst>
-                                    <p:set>
-                                      <p:cBhvr>
-                                        <p:cTn id="8" dur="1" fill="hold">
-                                          <p:stCondLst>
-                                            <p:cond delay="0"/>
-                                          </p:stCondLst>
-                                        </p:cTn>
-                                        <p:tgtEl>
-                                          <p:spTgt spid="6"/>
-                                        </p:tgtEl>
-                                        <p:attrNameLst>
-                                          <p:attrName>style.visibility</p:attrName>
-                                        </p:attrNameLst>
-                                      </p:cBhvr>
-                                      <p:to>
-                                        <p:strVal val="visible"/>
-                                      </p:to>
-                                    </p:set>
-                                  </p:childTnLst>
-                                </p:cTn>
-                              </p:par>
-                            </p:childTnLst>
-                          </p:cTn>
-                        </p:par>
-                      </p:childTnLst>
-                    </p:cTn>
-                  </p:par>
-                  <p:par>
-                    <p:cTn id="9" fill="hold">
-                      <p:stCondLst>
-                        <p:cond delay="indefinite"/>
-                      </p:stCondLst>
-                      <p:childTnLst>
-                        <p:par>
-                          <p:cTn id="10" fill="hold">
-                            <p:stCondLst>
-                              <p:cond delay="0"/>
-                            </p:stCondLst>
-                            <p:childTnLst>
-                              <p:par>
-                                <p:cTn id="11" presetID="1" presetClass="entr" presetSubtype="0" fill="hold" nodeType="clickEffect">
-                                  <p:stCondLst>
-                                    <p:cond delay="0"/>
-                                  </p:stCondLst>
-                                  <p:childTnLst>
-                                    <p:set>
-                                      <p:cBhvr>
-                                        <p:cTn id="12" dur="1" fill="hold">
                                           <p:stCondLst>
                                             <p:cond delay="0"/>
                                           </p:stCondLst>
@@ -27518,26 +26791,26 @@
                     </p:cTn>
                   </p:par>
                   <p:par>
-                    <p:cTn id="13" fill="hold">
+                    <p:cTn id="7" fill="hold">
                       <p:stCondLst>
                         <p:cond delay="indefinite"/>
                       </p:stCondLst>
                       <p:childTnLst>
                         <p:par>
-                          <p:cTn id="14" fill="hold">
+                          <p:cTn id="8" fill="hold">
                             <p:stCondLst>
                               <p:cond delay="0"/>
                             </p:stCondLst>
                             <p:childTnLst>
                               <p:par>
-                                <p:cTn id="15" presetID="1" presetClass="entr" presetSubtype="0" fill="hold" nodeType="clickEffect">
+                                <p:cTn id="9" presetID="1" presetClass="entr" presetSubtype="0" fill="hold" nodeType="clickEffect">
                                   <p:stCondLst>
                                     <p:cond delay="0"/>
                                   </p:stCondLst>
                                   <p:childTnLst>
                                     <p:set>
                                       <p:cBhvr>
-                                        <p:cTn id="16" dur="1" fill="hold">
+                                        <p:cTn id="10" dur="1" fill="hold">
                                           <p:stCondLst>
                                             <p:cond delay="0"/>
                                           </p:stCondLst>

--- a/Courses/Software-Sciences/Module-4-Information-Systems-New/05-Connecting-Windows-Forms-with-database/05-Connecting-Windows-Forms-with-database.pptx
+++ b/Courses/Software-Sciences/Module-4-Information-Systems-New/05-Connecting-Windows-Forms-with-database/05-Connecting-Windows-Forms-with-database.pptx
@@ -5,10 +5,10 @@
     <p:sldMasterId id="2147483675" r:id="rId1"/>
   </p:sldMasterIdLst>
   <p:notesMasterIdLst>
-    <p:notesMasterId r:id="rId35"/>
+    <p:notesMasterId r:id="rId39"/>
   </p:notesMasterIdLst>
   <p:handoutMasterIdLst>
-    <p:handoutMasterId r:id="rId36"/>
+    <p:handoutMasterId r:id="rId40"/>
   </p:handoutMasterIdLst>
   <p:sldIdLst>
     <p:sldId id="503" r:id="rId2"/>
@@ -23,27 +23,31 @@
     <p:sldId id="733" r:id="rId11"/>
     <p:sldId id="734" r:id="rId12"/>
     <p:sldId id="737" r:id="rId13"/>
-    <p:sldId id="649" r:id="rId14"/>
-    <p:sldId id="707" r:id="rId15"/>
-    <p:sldId id="741" r:id="rId16"/>
-    <p:sldId id="708" r:id="rId17"/>
-    <p:sldId id="710" r:id="rId18"/>
-    <p:sldId id="714" r:id="rId19"/>
-    <p:sldId id="720" r:id="rId20"/>
-    <p:sldId id="743" r:id="rId21"/>
-    <p:sldId id="721" r:id="rId22"/>
-    <p:sldId id="726" r:id="rId23"/>
-    <p:sldId id="723" r:id="rId24"/>
-    <p:sldId id="724" r:id="rId25"/>
-    <p:sldId id="740" r:id="rId26"/>
-    <p:sldId id="744" r:id="rId27"/>
-    <p:sldId id="745" r:id="rId28"/>
-    <p:sldId id="725" r:id="rId29"/>
-    <p:sldId id="742" r:id="rId30"/>
-    <p:sldId id="722" r:id="rId31"/>
-    <p:sldId id="633" r:id="rId32"/>
-    <p:sldId id="504" r:id="rId33"/>
-    <p:sldId id="505" r:id="rId34"/>
+    <p:sldId id="746" r:id="rId14"/>
+    <p:sldId id="750" r:id="rId15"/>
+    <p:sldId id="751" r:id="rId16"/>
+    <p:sldId id="752" r:id="rId17"/>
+    <p:sldId id="649" r:id="rId18"/>
+    <p:sldId id="707" r:id="rId19"/>
+    <p:sldId id="741" r:id="rId20"/>
+    <p:sldId id="708" r:id="rId21"/>
+    <p:sldId id="710" r:id="rId22"/>
+    <p:sldId id="714" r:id="rId23"/>
+    <p:sldId id="720" r:id="rId24"/>
+    <p:sldId id="743" r:id="rId25"/>
+    <p:sldId id="721" r:id="rId26"/>
+    <p:sldId id="726" r:id="rId27"/>
+    <p:sldId id="723" r:id="rId28"/>
+    <p:sldId id="724" r:id="rId29"/>
+    <p:sldId id="740" r:id="rId30"/>
+    <p:sldId id="744" r:id="rId31"/>
+    <p:sldId id="745" r:id="rId32"/>
+    <p:sldId id="725" r:id="rId33"/>
+    <p:sldId id="742" r:id="rId34"/>
+    <p:sldId id="722" r:id="rId35"/>
+    <p:sldId id="633" r:id="rId36"/>
+    <p:sldId id="504" r:id="rId37"/>
+    <p:sldId id="505" r:id="rId38"/>
   </p:sldIdLst>
   <p:sldSz cx="12192000" cy="6858000"/>
   <p:notesSz cx="6858000" cy="9144000"/>
@@ -169,6 +173,14 @@
             <p14:sldId id="737"/>
           </p14:sldIdLst>
         </p14:section>
+        <p14:section name="Какво е BindingSource?" id="{AFC16A30-BF7E-814F-B666-1FF65A35CC5C}">
+          <p14:sldIdLst>
+            <p14:sldId id="746"/>
+            <p14:sldId id="750"/>
+            <p14:sldId id="751"/>
+            <p14:sldId id="752"/>
+          </p14:sldIdLst>
+        </p14:section>
         <p14:section name="Примерно приложение" id="{A764BDC4-FBCF-8642-9DA0-2A050F6690EB}">
           <p14:sldIdLst>
             <p14:sldId id="649"/>
@@ -304,9 +316,9 @@
 </p188:cmLst>
 </file>
 
-<file path=ppt/comments/modernComment_2E1_DD64BA85.xml><?xml version="1.0" encoding="utf-8"?>
+<file path=ppt/comments/modernComment_2E1_BD5714C8.xml><?xml version="1.0" encoding="utf-8"?>
 <p188:cmLst xmlns:a="http://schemas.openxmlformats.org/drawingml/2006/main" xmlns:r="http://schemas.openxmlformats.org/officeDocument/2006/relationships" xmlns:p188="http://schemas.microsoft.com/office/powerpoint/2018/8/main">
-  <p188:cm id="{492E6DE8-5AFB-904A-B9DC-B79CC5A99581}" authorId="{61328A60-1351-1658-BC09-0F9214BEF0FD}" created="2024-06-18T09:42:44.225">
+  <p188:cm id="{99EDE415-78C5-174C-B01B-6225A85FA7D0}" authorId="{61328A60-1351-1658-BC09-0F9214BEF0FD}" created="2024-06-18T09:42:44.225">
     <ac:deMkLst xmlns:ac="http://schemas.microsoft.com/office/drawing/2013/main/command">
       <pc:docMk xmlns:pc="http://schemas.microsoft.com/office/powerpoint/2013/main/command"/>
       <pc:sldMk xmlns:pc="http://schemas.microsoft.com/office/powerpoint/2013/main/command" cId="3714366085" sldId="737"/>
@@ -506,7 +518,7 @@
           <a:p>
             <a:fld id="{4E087215-0C8F-4762-A664-737A353EC9A4}" type="datetimeFigureOut">
               <a:rPr lang="bg-BG" smtClean="0"/>
-              <a:t>10.09.24 г.</a:t>
+              <a:t>16.09.24 г.</a:t>
             </a:fld>
             <a:endParaRPr lang="bg-BG"/>
           </a:p>
@@ -702,7 +714,7 @@
           <a:p>
             <a:fld id="{72D84649-876A-46C9-8472-14CB09C070D8}" type="datetimeFigureOut">
               <a:rPr lang="en-US" smtClean="0"/>
-              <a:t>9/10/24</a:t>
+              <a:t>9/16/24</a:t>
             </a:fld>
             <a:endParaRPr lang="en-US"/>
           </a:p>
@@ -1130,6 +1142,236 @@
 </p:notes>
 </file>
 
+<file path=ppt/notesSlides/notesSlide10.xml><?xml version="1.0" encoding="utf-8"?>
+<p:notes xmlns:a="http://schemas.openxmlformats.org/drawingml/2006/main" xmlns:r="http://schemas.openxmlformats.org/officeDocument/2006/relationships" xmlns:p="http://schemas.openxmlformats.org/presentationml/2006/main">
+  <p:cSld>
+    <p:spTree>
+      <p:nvGrpSpPr>
+        <p:cNvPr id="1" name=""/>
+        <p:cNvGrpSpPr/>
+        <p:nvPr/>
+      </p:nvGrpSpPr>
+      <p:grpSpPr>
+        <a:xfrm>
+          <a:off x="0" y="0"/>
+          <a:ext cx="0" cy="0"/>
+          <a:chOff x="0" y="0"/>
+          <a:chExt cx="0" cy="0"/>
+        </a:xfrm>
+      </p:grpSpPr>
+      <p:sp>
+        <p:nvSpPr>
+          <p:cNvPr id="2" name="Slide Image Placeholder 1"/>
+          <p:cNvSpPr>
+            <a:spLocks noGrp="1" noRot="1" noChangeAspect="1"/>
+          </p:cNvSpPr>
+          <p:nvPr>
+            <p:ph type="sldImg"/>
+          </p:nvPr>
+        </p:nvSpPr>
+        <p:spPr/>
+      </p:sp>
+      <p:sp>
+        <p:nvSpPr>
+          <p:cNvPr id="3" name="Notes Placeholder 2"/>
+          <p:cNvSpPr>
+            <a:spLocks noGrp="1"/>
+          </p:cNvSpPr>
+          <p:nvPr>
+            <p:ph type="body" idx="1"/>
+          </p:nvPr>
+        </p:nvSpPr>
+        <p:spPr/>
+        <p:txBody>
+          <a:bodyPr/>
+          <a:lstStyle/>
+          <a:p>
+            <a:endParaRPr lang="en-US"/>
+          </a:p>
+        </p:txBody>
+      </p:sp>
+      <p:sp>
+        <p:nvSpPr>
+          <p:cNvPr id="6" name="Slide Number Placeholder 5">
+            <a:extLst>
+              <a:ext uri="{FF2B5EF4-FFF2-40B4-BE49-F238E27FC236}">
+                <a16:creationId xmlns:a16="http://schemas.microsoft.com/office/drawing/2014/main" id="{6627548A-4D3C-449B-81A5-FA4BE4628490}"/>
+              </a:ext>
+            </a:extLst>
+          </p:cNvPr>
+          <p:cNvSpPr txBox="1">
+            <a:spLocks/>
+          </p:cNvSpPr>
+          <p:nvPr/>
+        </p:nvSpPr>
+        <p:spPr>
+          <a:xfrm>
+            <a:off x="6488999" y="8847000"/>
+            <a:ext cx="367414" cy="297000"/>
+          </a:xfrm>
+          <a:prstGeom prst="rect">
+            <a:avLst/>
+          </a:prstGeom>
+        </p:spPr>
+        <p:txBody>
+          <a:bodyPr vert="horz" lIns="91440" tIns="45720" rIns="91440" bIns="45720" rtlCol="0" anchor="b"/>
+          <a:lstStyle>
+            <a:defPPr>
+              <a:defRPr lang="en-US"/>
+            </a:defPPr>
+            <a:lvl1pPr marL="0" algn="r" defTabSz="914400" rtl="0" eaLnBrk="1" latinLnBrk="0" hangingPunct="1">
+              <a:defRPr sz="1200" kern="1200">
+                <a:solidFill>
+                  <a:schemeClr val="tx1"/>
+                </a:solidFill>
+                <a:latin typeface="+mn-lt"/>
+                <a:ea typeface="+mn-ea"/>
+                <a:cs typeface="+mn-cs"/>
+              </a:defRPr>
+            </a:lvl1pPr>
+            <a:lvl2pPr marL="457200" algn="l" defTabSz="914400" rtl="0" eaLnBrk="1" latinLnBrk="0" hangingPunct="1">
+              <a:defRPr sz="1800" kern="1200">
+                <a:solidFill>
+                  <a:schemeClr val="tx1"/>
+                </a:solidFill>
+                <a:latin typeface="+mn-lt"/>
+                <a:ea typeface="+mn-ea"/>
+                <a:cs typeface="+mn-cs"/>
+              </a:defRPr>
+            </a:lvl2pPr>
+            <a:lvl3pPr marL="914400" algn="l" defTabSz="914400" rtl="0" eaLnBrk="1" latinLnBrk="0" hangingPunct="1">
+              <a:defRPr sz="1800" kern="1200">
+                <a:solidFill>
+                  <a:schemeClr val="tx1"/>
+                </a:solidFill>
+                <a:latin typeface="+mn-lt"/>
+                <a:ea typeface="+mn-ea"/>
+                <a:cs typeface="+mn-cs"/>
+              </a:defRPr>
+            </a:lvl3pPr>
+            <a:lvl4pPr marL="1371600" algn="l" defTabSz="914400" rtl="0" eaLnBrk="1" latinLnBrk="0" hangingPunct="1">
+              <a:defRPr sz="1800" kern="1200">
+                <a:solidFill>
+                  <a:schemeClr val="tx1"/>
+                </a:solidFill>
+                <a:latin typeface="+mn-lt"/>
+                <a:ea typeface="+mn-ea"/>
+                <a:cs typeface="+mn-cs"/>
+              </a:defRPr>
+            </a:lvl4pPr>
+            <a:lvl5pPr marL="1828800" algn="l" defTabSz="914400" rtl="0" eaLnBrk="1" latinLnBrk="0" hangingPunct="1">
+              <a:defRPr sz="1800" kern="1200">
+                <a:solidFill>
+                  <a:schemeClr val="tx1"/>
+                </a:solidFill>
+                <a:latin typeface="+mn-lt"/>
+                <a:ea typeface="+mn-ea"/>
+                <a:cs typeface="+mn-cs"/>
+              </a:defRPr>
+            </a:lvl5pPr>
+            <a:lvl6pPr marL="2286000" algn="l" defTabSz="914400" rtl="0" eaLnBrk="1" latinLnBrk="0" hangingPunct="1">
+              <a:defRPr sz="1800" kern="1200">
+                <a:solidFill>
+                  <a:schemeClr val="tx1"/>
+                </a:solidFill>
+                <a:latin typeface="+mn-lt"/>
+                <a:ea typeface="+mn-ea"/>
+                <a:cs typeface="+mn-cs"/>
+              </a:defRPr>
+            </a:lvl6pPr>
+            <a:lvl7pPr marL="2743200" algn="l" defTabSz="914400" rtl="0" eaLnBrk="1" latinLnBrk="0" hangingPunct="1">
+              <a:defRPr sz="1800" kern="1200">
+                <a:solidFill>
+                  <a:schemeClr val="tx1"/>
+                </a:solidFill>
+                <a:latin typeface="+mn-lt"/>
+                <a:ea typeface="+mn-ea"/>
+                <a:cs typeface="+mn-cs"/>
+              </a:defRPr>
+            </a:lvl7pPr>
+            <a:lvl8pPr marL="3200400" algn="l" defTabSz="914400" rtl="0" eaLnBrk="1" latinLnBrk="0" hangingPunct="1">
+              <a:defRPr sz="1800" kern="1200">
+                <a:solidFill>
+                  <a:schemeClr val="tx1"/>
+                </a:solidFill>
+                <a:latin typeface="+mn-lt"/>
+                <a:ea typeface="+mn-ea"/>
+                <a:cs typeface="+mn-cs"/>
+              </a:defRPr>
+            </a:lvl8pPr>
+            <a:lvl9pPr marL="3657600" algn="l" defTabSz="914400" rtl="0" eaLnBrk="1" latinLnBrk="0" hangingPunct="1">
+              <a:defRPr sz="1800" kern="1200">
+                <a:solidFill>
+                  <a:schemeClr val="tx1"/>
+                </a:solidFill>
+                <a:latin typeface="+mn-lt"/>
+                <a:ea typeface="+mn-ea"/>
+                <a:cs typeface="+mn-cs"/>
+              </a:defRPr>
+            </a:lvl9pPr>
+          </a:lstStyle>
+          <a:p>
+            <a:fld id="{3EBA5BD7-F043-4D1B-AA17-CD412FC534DE}" type="slidenum">
+              <a:rPr lang="en-US" smtClean="0"/>
+              <a:pPr/>
+              <a:t>37</a:t>
+            </a:fld>
+            <a:endParaRPr lang="en-US" dirty="0"/>
+          </a:p>
+        </p:txBody>
+      </p:sp>
+      <p:sp>
+        <p:nvSpPr>
+          <p:cNvPr id="4" name="Footer Placeholder 3">
+            <a:extLst>
+              <a:ext uri="{FF2B5EF4-FFF2-40B4-BE49-F238E27FC236}">
+                <a16:creationId xmlns:a16="http://schemas.microsoft.com/office/drawing/2014/main" id="{D2472CE7-61C1-4B7B-B0C8-5A45F0178717}"/>
+              </a:ext>
+            </a:extLst>
+          </p:cNvPr>
+          <p:cNvSpPr>
+            <a:spLocks noGrp="1"/>
+          </p:cNvSpPr>
+          <p:nvPr>
+            <p:ph type="ftr" sz="quarter" idx="4"/>
+          </p:nvPr>
+        </p:nvSpPr>
+        <p:spPr/>
+        <p:txBody>
+          <a:bodyPr/>
+          <a:lstStyle/>
+          <a:p>
+            <a:r>
+              <a:rPr lang="en-US"/>
+              <a:t>© SoftUni – </a:t>
+            </a:r>
+            <a:r>
+              <a:rPr lang="en-US" u="sng">
+                <a:hlinkClick r:id="rId3"/>
+              </a:rPr>
+              <a:t>https://softuni.org</a:t>
+            </a:r>
+            <a:r>
+              <a:rPr lang="en-US"/>
+              <a:t>. Copyrighted document. Unauthorized copy or reproduction is not permitted.</a:t>
+            </a:r>
+            <a:endParaRPr lang="en-US" dirty="0"/>
+          </a:p>
+        </p:txBody>
+      </p:sp>
+    </p:spTree>
+    <p:extLst>
+      <p:ext uri="{BB962C8B-B14F-4D97-AF65-F5344CB8AC3E}">
+        <p14:creationId xmlns:p14="http://schemas.microsoft.com/office/powerpoint/2010/main" val="3648844402"/>
+      </p:ext>
+    </p:extLst>
+  </p:cSld>
+  <p:clrMapOvr>
+    <a:masterClrMapping/>
+  </p:clrMapOvr>
+</p:notes>
+</file>
+
 <file path=ppt/notesSlides/notesSlide2.xml><?xml version="1.0" encoding="utf-8"?>
 <p:notes xmlns:a="http://schemas.openxmlformats.org/drawingml/2006/main" xmlns:r="http://schemas.openxmlformats.org/officeDocument/2006/relationships" xmlns:p="http://schemas.openxmlformats.org/presentationml/2006/main">
   <p:cSld>
@@ -2052,7 +2294,7 @@
     </p:spTree>
     <p:extLst>
       <p:ext uri="{BB962C8B-B14F-4D97-AF65-F5344CB8AC3E}">
-        <p14:creationId xmlns:p14="http://schemas.microsoft.com/office/powerpoint/2010/main" val="2800762101"/>
+        <p14:creationId xmlns:p14="http://schemas.microsoft.com/office/powerpoint/2010/main" val="3176340461"/>
       </p:ext>
     </p:extLst>
   </p:cSld>
@@ -2106,27 +2348,134 @@
           <a:bodyPr/>
           <a:lstStyle/>
           <a:p>
-            <a:endParaRPr lang="en-BG" dirty="0"/>
+            <a:endParaRPr lang="en-US"/>
           </a:p>
         </p:txBody>
       </p:sp>
       <p:sp>
         <p:nvSpPr>
-          <p:cNvPr id="4" name="Slide Number Placeholder 3"/>
-          <p:cNvSpPr>
-            <a:spLocks noGrp="1"/>
+          <p:cNvPr id="7" name="Slide Number Placeholder 5">
+            <a:extLst>
+              <a:ext uri="{FF2B5EF4-FFF2-40B4-BE49-F238E27FC236}">
+                <a16:creationId xmlns:a16="http://schemas.microsoft.com/office/drawing/2014/main" id="{BD88B0D8-949C-482D-990A-2DAB14AD4AD1}"/>
+              </a:ext>
+            </a:extLst>
+          </p:cNvPr>
+          <p:cNvSpPr txBox="1">
+            <a:spLocks/>
           </p:cNvSpPr>
-          <p:nvPr>
-            <p:ph type="sldNum" sz="quarter" idx="5"/>
-          </p:nvPr>
+          <p:nvPr/>
         </p:nvSpPr>
-        <p:spPr/>
+        <p:spPr>
+          <a:xfrm>
+            <a:off x="6488999" y="8847000"/>
+            <a:ext cx="367414" cy="297000"/>
+          </a:xfrm>
+          <a:prstGeom prst="rect">
+            <a:avLst/>
+          </a:prstGeom>
+        </p:spPr>
         <p:txBody>
-          <a:bodyPr/>
-          <a:lstStyle/>
-          <a:p>
-            <a:fld id="{2BF067CD-8E6B-4360-9AA8-C5DF2A48A6D1}" type="slidenum">
+          <a:bodyPr vert="horz" lIns="91440" tIns="45720" rIns="91440" bIns="45720" rtlCol="0" anchor="b"/>
+          <a:lstStyle>
+            <a:defPPr>
+              <a:defRPr lang="en-US"/>
+            </a:defPPr>
+            <a:lvl1pPr marL="0" algn="r" defTabSz="914400" rtl="0" eaLnBrk="1" latinLnBrk="0" hangingPunct="1">
+              <a:defRPr sz="1200" kern="1200">
+                <a:solidFill>
+                  <a:schemeClr val="tx1"/>
+                </a:solidFill>
+                <a:latin typeface="+mn-lt"/>
+                <a:ea typeface="+mn-ea"/>
+                <a:cs typeface="+mn-cs"/>
+              </a:defRPr>
+            </a:lvl1pPr>
+            <a:lvl2pPr marL="457200" algn="l" defTabSz="914400" rtl="0" eaLnBrk="1" latinLnBrk="0" hangingPunct="1">
+              <a:defRPr sz="1800" kern="1200">
+                <a:solidFill>
+                  <a:schemeClr val="tx1"/>
+                </a:solidFill>
+                <a:latin typeface="+mn-lt"/>
+                <a:ea typeface="+mn-ea"/>
+                <a:cs typeface="+mn-cs"/>
+              </a:defRPr>
+            </a:lvl2pPr>
+            <a:lvl3pPr marL="914400" algn="l" defTabSz="914400" rtl="0" eaLnBrk="1" latinLnBrk="0" hangingPunct="1">
+              <a:defRPr sz="1800" kern="1200">
+                <a:solidFill>
+                  <a:schemeClr val="tx1"/>
+                </a:solidFill>
+                <a:latin typeface="+mn-lt"/>
+                <a:ea typeface="+mn-ea"/>
+                <a:cs typeface="+mn-cs"/>
+              </a:defRPr>
+            </a:lvl3pPr>
+            <a:lvl4pPr marL="1371600" algn="l" defTabSz="914400" rtl="0" eaLnBrk="1" latinLnBrk="0" hangingPunct="1">
+              <a:defRPr sz="1800" kern="1200">
+                <a:solidFill>
+                  <a:schemeClr val="tx1"/>
+                </a:solidFill>
+                <a:latin typeface="+mn-lt"/>
+                <a:ea typeface="+mn-ea"/>
+                <a:cs typeface="+mn-cs"/>
+              </a:defRPr>
+            </a:lvl4pPr>
+            <a:lvl5pPr marL="1828800" algn="l" defTabSz="914400" rtl="0" eaLnBrk="1" latinLnBrk="0" hangingPunct="1">
+              <a:defRPr sz="1800" kern="1200">
+                <a:solidFill>
+                  <a:schemeClr val="tx1"/>
+                </a:solidFill>
+                <a:latin typeface="+mn-lt"/>
+                <a:ea typeface="+mn-ea"/>
+                <a:cs typeface="+mn-cs"/>
+              </a:defRPr>
+            </a:lvl5pPr>
+            <a:lvl6pPr marL="2286000" algn="l" defTabSz="914400" rtl="0" eaLnBrk="1" latinLnBrk="0" hangingPunct="1">
+              <a:defRPr sz="1800" kern="1200">
+                <a:solidFill>
+                  <a:schemeClr val="tx1"/>
+                </a:solidFill>
+                <a:latin typeface="+mn-lt"/>
+                <a:ea typeface="+mn-ea"/>
+                <a:cs typeface="+mn-cs"/>
+              </a:defRPr>
+            </a:lvl6pPr>
+            <a:lvl7pPr marL="2743200" algn="l" defTabSz="914400" rtl="0" eaLnBrk="1" latinLnBrk="0" hangingPunct="1">
+              <a:defRPr sz="1800" kern="1200">
+                <a:solidFill>
+                  <a:schemeClr val="tx1"/>
+                </a:solidFill>
+                <a:latin typeface="+mn-lt"/>
+                <a:ea typeface="+mn-ea"/>
+                <a:cs typeface="+mn-cs"/>
+              </a:defRPr>
+            </a:lvl7pPr>
+            <a:lvl8pPr marL="3200400" algn="l" defTabSz="914400" rtl="0" eaLnBrk="1" latinLnBrk="0" hangingPunct="1">
+              <a:defRPr sz="1800" kern="1200">
+                <a:solidFill>
+                  <a:schemeClr val="tx1"/>
+                </a:solidFill>
+                <a:latin typeface="+mn-lt"/>
+                <a:ea typeface="+mn-ea"/>
+                <a:cs typeface="+mn-cs"/>
+              </a:defRPr>
+            </a:lvl8pPr>
+            <a:lvl9pPr marL="3657600" algn="l" defTabSz="914400" rtl="0" eaLnBrk="1" latinLnBrk="0" hangingPunct="1">
+              <a:defRPr sz="1800" kern="1200">
+                <a:solidFill>
+                  <a:schemeClr val="tx1"/>
+                </a:solidFill>
+                <a:latin typeface="+mn-lt"/>
+                <a:ea typeface="+mn-ea"/>
+                <a:cs typeface="+mn-cs"/>
+              </a:defRPr>
+            </a:lvl9pPr>
+          </a:lstStyle>
+          <a:p>
+            <a:fld id="{3EBA5BD7-F043-4D1B-AA17-CD412FC534DE}" type="slidenum">
               <a:rPr lang="en-US" smtClean="0"/>
+              <a:pPr/>
               <a:t>17</a:t>
             </a:fld>
             <a:endParaRPr lang="en-US" dirty="0"/>
@@ -2135,7 +2484,13 @@
       </p:sp>
       <p:sp>
         <p:nvSpPr>
-          <p:cNvPr id="5" name="Footer Placeholder 4"/>
+          <p:cNvPr id="4" name="Footer Placeholder 3">
+            <a:extLst>
+              <a:ext uri="{FF2B5EF4-FFF2-40B4-BE49-F238E27FC236}">
+                <a16:creationId xmlns:a16="http://schemas.microsoft.com/office/drawing/2014/main" id="{58474633-D38D-4432-867B-70F325FA7016}"/>
+              </a:ext>
+            </a:extLst>
+          </p:cNvPr>
           <p:cNvSpPr>
             <a:spLocks noGrp="1"/>
           </p:cNvSpPr>
@@ -2149,31 +2504,27 @@
           <a:lstStyle/>
           <a:p>
             <a:r>
-              <a:rPr lang="bg-BG" sz="1100"/>
-              <a:t>Работна група </a:t>
-            </a:r>
-            <a:r>
-              <a:rPr lang="bg-BG"/>
-              <a:t>"Образование по програмиране и ИТ"</a:t>
-            </a:r>
-            <a:r>
-              <a:rPr lang="bg-BG" sz="1100"/>
-              <a:t>, с подкрепата на </a:t>
-            </a:r>
-            <a:r>
-              <a:rPr lang="en-US" sz="1100">
+              <a:rPr lang="en-US"/>
+              <a:t>© SoftUni – </a:t>
+            </a:r>
+            <a:r>
+              <a:rPr lang="en-US" u="sng">
                 <a:hlinkClick r:id="rId3"/>
               </a:rPr>
-              <a:t>SoftUni</a:t>
-            </a:r>
-            <a:endParaRPr lang="en-US" sz="1100" dirty="0"/>
+              <a:t>https://softuni.org</a:t>
+            </a:r>
+            <a:r>
+              <a:rPr lang="en-US"/>
+              <a:t>. Copyrighted document. Unauthorized copy or reproduction is not permitted.</a:t>
+            </a:r>
+            <a:endParaRPr lang="en-US" dirty="0"/>
           </a:p>
         </p:txBody>
       </p:sp>
     </p:spTree>
     <p:extLst>
       <p:ext uri="{BB962C8B-B14F-4D97-AF65-F5344CB8AC3E}">
-        <p14:creationId xmlns:p14="http://schemas.microsoft.com/office/powerpoint/2010/main" val="1704420269"/>
+        <p14:creationId xmlns:p14="http://schemas.microsoft.com/office/powerpoint/2010/main" val="2800762101"/>
       </p:ext>
     </p:extLst>
   </p:cSld>
@@ -2227,135 +2578,28 @@
           <a:bodyPr/>
           <a:lstStyle/>
           <a:p>
-            <a:endParaRPr lang="en-US" dirty="0"/>
+            <a:endParaRPr lang="en-BG" dirty="0"/>
           </a:p>
         </p:txBody>
       </p:sp>
       <p:sp>
         <p:nvSpPr>
-          <p:cNvPr id="7" name="Slide Number Placeholder 5">
-            <a:extLst>
-              <a:ext uri="{FF2B5EF4-FFF2-40B4-BE49-F238E27FC236}">
-                <a16:creationId xmlns:a16="http://schemas.microsoft.com/office/drawing/2014/main" id="{E65F1CA9-65DC-416B-8882-B3A5E415CE67}"/>
-              </a:ext>
-            </a:extLst>
-          </p:cNvPr>
-          <p:cNvSpPr txBox="1">
-            <a:spLocks/>
+          <p:cNvPr id="4" name="Slide Number Placeholder 3"/>
+          <p:cNvSpPr>
+            <a:spLocks noGrp="1"/>
           </p:cNvSpPr>
-          <p:nvPr/>
+          <p:nvPr>
+            <p:ph type="sldNum" sz="quarter" idx="5"/>
+          </p:nvPr>
         </p:nvSpPr>
-        <p:spPr>
-          <a:xfrm>
-            <a:off x="6488999" y="8847000"/>
-            <a:ext cx="367414" cy="297000"/>
-          </a:xfrm>
-          <a:prstGeom prst="rect">
-            <a:avLst/>
-          </a:prstGeom>
-        </p:spPr>
+        <p:spPr/>
         <p:txBody>
-          <a:bodyPr vert="horz" lIns="91440" tIns="45720" rIns="91440" bIns="45720" rtlCol="0" anchor="b"/>
-          <a:lstStyle>
-            <a:defPPr>
-              <a:defRPr lang="en-US"/>
-            </a:defPPr>
-            <a:lvl1pPr marL="0" algn="r" defTabSz="914400" rtl="0" eaLnBrk="1" latinLnBrk="0" hangingPunct="1">
-              <a:defRPr sz="1200" kern="1200">
-                <a:solidFill>
-                  <a:schemeClr val="tx1"/>
-                </a:solidFill>
-                <a:latin typeface="+mn-lt"/>
-                <a:ea typeface="+mn-ea"/>
-                <a:cs typeface="+mn-cs"/>
-              </a:defRPr>
-            </a:lvl1pPr>
-            <a:lvl2pPr marL="457200" algn="l" defTabSz="914400" rtl="0" eaLnBrk="1" latinLnBrk="0" hangingPunct="1">
-              <a:defRPr sz="1800" kern="1200">
-                <a:solidFill>
-                  <a:schemeClr val="tx1"/>
-                </a:solidFill>
-                <a:latin typeface="+mn-lt"/>
-                <a:ea typeface="+mn-ea"/>
-                <a:cs typeface="+mn-cs"/>
-              </a:defRPr>
-            </a:lvl2pPr>
-            <a:lvl3pPr marL="914400" algn="l" defTabSz="914400" rtl="0" eaLnBrk="1" latinLnBrk="0" hangingPunct="1">
-              <a:defRPr sz="1800" kern="1200">
-                <a:solidFill>
-                  <a:schemeClr val="tx1"/>
-                </a:solidFill>
-                <a:latin typeface="+mn-lt"/>
-                <a:ea typeface="+mn-ea"/>
-                <a:cs typeface="+mn-cs"/>
-              </a:defRPr>
-            </a:lvl3pPr>
-            <a:lvl4pPr marL="1371600" algn="l" defTabSz="914400" rtl="0" eaLnBrk="1" latinLnBrk="0" hangingPunct="1">
-              <a:defRPr sz="1800" kern="1200">
-                <a:solidFill>
-                  <a:schemeClr val="tx1"/>
-                </a:solidFill>
-                <a:latin typeface="+mn-lt"/>
-                <a:ea typeface="+mn-ea"/>
-                <a:cs typeface="+mn-cs"/>
-              </a:defRPr>
-            </a:lvl4pPr>
-            <a:lvl5pPr marL="1828800" algn="l" defTabSz="914400" rtl="0" eaLnBrk="1" latinLnBrk="0" hangingPunct="1">
-              <a:defRPr sz="1800" kern="1200">
-                <a:solidFill>
-                  <a:schemeClr val="tx1"/>
-                </a:solidFill>
-                <a:latin typeface="+mn-lt"/>
-                <a:ea typeface="+mn-ea"/>
-                <a:cs typeface="+mn-cs"/>
-              </a:defRPr>
-            </a:lvl5pPr>
-            <a:lvl6pPr marL="2286000" algn="l" defTabSz="914400" rtl="0" eaLnBrk="1" latinLnBrk="0" hangingPunct="1">
-              <a:defRPr sz="1800" kern="1200">
-                <a:solidFill>
-                  <a:schemeClr val="tx1"/>
-                </a:solidFill>
-                <a:latin typeface="+mn-lt"/>
-                <a:ea typeface="+mn-ea"/>
-                <a:cs typeface="+mn-cs"/>
-              </a:defRPr>
-            </a:lvl6pPr>
-            <a:lvl7pPr marL="2743200" algn="l" defTabSz="914400" rtl="0" eaLnBrk="1" latinLnBrk="0" hangingPunct="1">
-              <a:defRPr sz="1800" kern="1200">
-                <a:solidFill>
-                  <a:schemeClr val="tx1"/>
-                </a:solidFill>
-                <a:latin typeface="+mn-lt"/>
-                <a:ea typeface="+mn-ea"/>
-                <a:cs typeface="+mn-cs"/>
-              </a:defRPr>
-            </a:lvl7pPr>
-            <a:lvl8pPr marL="3200400" algn="l" defTabSz="914400" rtl="0" eaLnBrk="1" latinLnBrk="0" hangingPunct="1">
-              <a:defRPr sz="1800" kern="1200">
-                <a:solidFill>
-                  <a:schemeClr val="tx1"/>
-                </a:solidFill>
-                <a:latin typeface="+mn-lt"/>
-                <a:ea typeface="+mn-ea"/>
-                <a:cs typeface="+mn-cs"/>
-              </a:defRPr>
-            </a:lvl8pPr>
-            <a:lvl9pPr marL="3657600" algn="l" defTabSz="914400" rtl="0" eaLnBrk="1" latinLnBrk="0" hangingPunct="1">
-              <a:defRPr sz="1800" kern="1200">
-                <a:solidFill>
-                  <a:schemeClr val="tx1"/>
-                </a:solidFill>
-                <a:latin typeface="+mn-lt"/>
-                <a:ea typeface="+mn-ea"/>
-                <a:cs typeface="+mn-cs"/>
-              </a:defRPr>
-            </a:lvl9pPr>
-          </a:lstStyle>
-          <a:p>
-            <a:fld id="{3EBA5BD7-F043-4D1B-AA17-CD412FC534DE}" type="slidenum">
+          <a:bodyPr/>
+          <a:lstStyle/>
+          <a:p>
+            <a:fld id="{2BF067CD-8E6B-4360-9AA8-C5DF2A48A6D1}" type="slidenum">
               <a:rPr lang="en-US" smtClean="0"/>
-              <a:pPr/>
-              <a:t>31</a:t>
+              <a:t>21</a:t>
             </a:fld>
             <a:endParaRPr lang="en-US" dirty="0"/>
           </a:p>
@@ -2363,13 +2607,7 @@
       </p:sp>
       <p:sp>
         <p:nvSpPr>
-          <p:cNvPr id="5" name="Footer Placeholder 7">
-            <a:extLst>
-              <a:ext uri="{FF2B5EF4-FFF2-40B4-BE49-F238E27FC236}">
-                <a16:creationId xmlns:a16="http://schemas.microsoft.com/office/drawing/2014/main" id="{43FAF785-0C8D-730E-8E59-68198DC82CE0}"/>
-              </a:ext>
-            </a:extLst>
-          </p:cNvPr>
+          <p:cNvPr id="5" name="Footer Placeholder 4"/>
           <p:cNvSpPr>
             <a:spLocks noGrp="1"/>
           </p:cNvSpPr>
@@ -2377,37 +2615,25 @@
             <p:ph type="ftr" sz="quarter" idx="4"/>
           </p:nvPr>
         </p:nvSpPr>
-        <p:spPr>
-          <a:xfrm>
-            <a:off x="-1" y="8892000"/>
-            <a:ext cx="6488999" cy="252000"/>
-          </a:xfrm>
-          <a:prstGeom prst="rect">
-            <a:avLst/>
-          </a:prstGeom>
-        </p:spPr>
+        <p:spPr/>
         <p:txBody>
-          <a:bodyPr vert="horz" lIns="91440" tIns="45720" rIns="91440" bIns="45720" rtlCol="0" anchor="b"/>
-          <a:lstStyle>
-            <a:lvl1pPr algn="l">
-              <a:defRPr sz="1100"/>
-            </a:lvl1pPr>
-          </a:lstStyle>
-          <a:p>
-            <a:r>
-              <a:rPr lang="bg-BG" sz="1100" dirty="0"/>
+          <a:bodyPr/>
+          <a:lstStyle/>
+          <a:p>
+            <a:r>
+              <a:rPr lang="bg-BG" sz="1100"/>
               <a:t>Работна група </a:t>
             </a:r>
             <a:r>
-              <a:rPr lang="bg-BG" dirty="0"/>
+              <a:rPr lang="bg-BG"/>
               <a:t>"Образование по програмиране и ИТ"</a:t>
             </a:r>
             <a:r>
-              <a:rPr lang="bg-BG" sz="1100" dirty="0"/>
+              <a:rPr lang="bg-BG" sz="1100"/>
               <a:t>, с подкрепата на </a:t>
             </a:r>
             <a:r>
-              <a:rPr lang="en-US" sz="1100" dirty="0">
+              <a:rPr lang="en-US" sz="1100">
                 <a:hlinkClick r:id="rId3"/>
               </a:rPr>
               <a:t>SoftUni</a:t>
@@ -2419,7 +2645,7 @@
     </p:spTree>
     <p:extLst>
       <p:ext uri="{BB962C8B-B14F-4D97-AF65-F5344CB8AC3E}">
-        <p14:creationId xmlns:p14="http://schemas.microsoft.com/office/powerpoint/2010/main" val="2689344733"/>
+        <p14:creationId xmlns:p14="http://schemas.microsoft.com/office/powerpoint/2010/main" val="1704420269"/>
       </p:ext>
     </p:extLst>
   </p:cSld>
@@ -2482,7 +2708,7 @@
           <p:cNvPr id="7" name="Slide Number Placeholder 5">
             <a:extLst>
               <a:ext uri="{FF2B5EF4-FFF2-40B4-BE49-F238E27FC236}">
-                <a16:creationId xmlns:a16="http://schemas.microsoft.com/office/drawing/2014/main" id="{5049B984-F964-47FF-8179-0A3007CE21CD}"/>
+                <a16:creationId xmlns:a16="http://schemas.microsoft.com/office/drawing/2014/main" id="{E65F1CA9-65DC-416B-8882-B3A5E415CE67}"/>
               </a:ext>
             </a:extLst>
           </p:cNvPr>
@@ -2601,7 +2827,7 @@
             <a:fld id="{3EBA5BD7-F043-4D1B-AA17-CD412FC534DE}" type="slidenum">
               <a:rPr lang="en-US" smtClean="0"/>
               <a:pPr/>
-              <a:t>32</a:t>
+              <a:t>35</a:t>
             </a:fld>
             <a:endParaRPr lang="en-US" dirty="0"/>
           </a:p>
@@ -2609,10 +2835,10 @@
       </p:sp>
       <p:sp>
         <p:nvSpPr>
-          <p:cNvPr id="4" name="Footer Placeholder 3">
+          <p:cNvPr id="5" name="Footer Placeholder 7">
             <a:extLst>
               <a:ext uri="{FF2B5EF4-FFF2-40B4-BE49-F238E27FC236}">
-                <a16:creationId xmlns:a16="http://schemas.microsoft.com/office/drawing/2014/main" id="{8E059BE0-D868-413B-AAA1-1CC88D1F52C5}"/>
+                <a16:creationId xmlns:a16="http://schemas.microsoft.com/office/drawing/2014/main" id="{43FAF785-0C8D-730E-8E59-68198DC82CE0}"/>
               </a:ext>
             </a:extLst>
           </p:cNvPr>
@@ -2623,33 +2849,49 @@
             <p:ph type="ftr" sz="quarter" idx="4"/>
           </p:nvPr>
         </p:nvSpPr>
-        <p:spPr/>
+        <p:spPr>
+          <a:xfrm>
+            <a:off x="-1" y="8892000"/>
+            <a:ext cx="6488999" cy="252000"/>
+          </a:xfrm>
+          <a:prstGeom prst="rect">
+            <a:avLst/>
+          </a:prstGeom>
+        </p:spPr>
         <p:txBody>
-          <a:bodyPr/>
-          <a:lstStyle/>
-          <a:p>
-            <a:r>
-              <a:rPr lang="en-US"/>
-              <a:t>© SoftUni – </a:t>
-            </a:r>
-            <a:r>
-              <a:rPr lang="en-US" u="sng">
+          <a:bodyPr vert="horz" lIns="91440" tIns="45720" rIns="91440" bIns="45720" rtlCol="0" anchor="b"/>
+          <a:lstStyle>
+            <a:lvl1pPr algn="l">
+              <a:defRPr sz="1100"/>
+            </a:lvl1pPr>
+          </a:lstStyle>
+          <a:p>
+            <a:r>
+              <a:rPr lang="bg-BG" sz="1100" dirty="0"/>
+              <a:t>Работна група </a:t>
+            </a:r>
+            <a:r>
+              <a:rPr lang="bg-BG" dirty="0"/>
+              <a:t>"Образование по програмиране и ИТ"</a:t>
+            </a:r>
+            <a:r>
+              <a:rPr lang="bg-BG" sz="1100" dirty="0"/>
+              <a:t>, с подкрепата на </a:t>
+            </a:r>
+            <a:r>
+              <a:rPr lang="en-US" sz="1100" dirty="0">
                 <a:hlinkClick r:id="rId3"/>
               </a:rPr>
-              <a:t>https://softuni.org</a:t>
-            </a:r>
-            <a:r>
-              <a:rPr lang="en-US"/>
-              <a:t>. Copyrighted document. Unauthorized copy or reproduction is not permitted.</a:t>
-            </a:r>
-            <a:endParaRPr lang="en-US" dirty="0"/>
+              <a:t>SoftUni</a:t>
+            </a:r>
+            <a:endParaRPr lang="en-US" sz="1100" dirty="0"/>
           </a:p>
         </p:txBody>
       </p:sp>
     </p:spTree>
     <p:extLst>
       <p:ext uri="{BB962C8B-B14F-4D97-AF65-F5344CB8AC3E}">
-        <p14:creationId xmlns:p14="http://schemas.microsoft.com/office/powerpoint/2010/main" val="3466590374"/>
+        <p14:creationId xmlns:p14="http://schemas.microsoft.com/office/powerpoint/2010/main" val="2689344733"/>
       </p:ext>
     </p:extLst>
   </p:cSld>
@@ -2703,16 +2945,16 @@
           <a:bodyPr/>
           <a:lstStyle/>
           <a:p>
-            <a:endParaRPr lang="en-US"/>
+            <a:endParaRPr lang="en-US" dirty="0"/>
           </a:p>
         </p:txBody>
       </p:sp>
       <p:sp>
         <p:nvSpPr>
-          <p:cNvPr id="6" name="Slide Number Placeholder 5">
+          <p:cNvPr id="7" name="Slide Number Placeholder 5">
             <a:extLst>
               <a:ext uri="{FF2B5EF4-FFF2-40B4-BE49-F238E27FC236}">
-                <a16:creationId xmlns:a16="http://schemas.microsoft.com/office/drawing/2014/main" id="{6627548A-4D3C-449B-81A5-FA4BE4628490}"/>
+                <a16:creationId xmlns:a16="http://schemas.microsoft.com/office/drawing/2014/main" id="{5049B984-F964-47FF-8179-0A3007CE21CD}"/>
               </a:ext>
             </a:extLst>
           </p:cNvPr>
@@ -2831,7 +3073,7 @@
             <a:fld id="{3EBA5BD7-F043-4D1B-AA17-CD412FC534DE}" type="slidenum">
               <a:rPr lang="en-US" smtClean="0"/>
               <a:pPr/>
-              <a:t>33</a:t>
+              <a:t>36</a:t>
             </a:fld>
             <a:endParaRPr lang="en-US" dirty="0"/>
           </a:p>
@@ -2842,7 +3084,7 @@
           <p:cNvPr id="4" name="Footer Placeholder 3">
             <a:extLst>
               <a:ext uri="{FF2B5EF4-FFF2-40B4-BE49-F238E27FC236}">
-                <a16:creationId xmlns:a16="http://schemas.microsoft.com/office/drawing/2014/main" id="{D2472CE7-61C1-4B7B-B0C8-5A45F0178717}"/>
+                <a16:creationId xmlns:a16="http://schemas.microsoft.com/office/drawing/2014/main" id="{8E059BE0-D868-413B-AAA1-1CC88D1F52C5}"/>
               </a:ext>
             </a:extLst>
           </p:cNvPr>
@@ -2879,7 +3121,7 @@
     </p:spTree>
     <p:extLst>
       <p:ext uri="{BB962C8B-B14F-4D97-AF65-F5344CB8AC3E}">
-        <p14:creationId xmlns:p14="http://schemas.microsoft.com/office/powerpoint/2010/main" val="3648844402"/>
+        <p14:creationId xmlns:p14="http://schemas.microsoft.com/office/powerpoint/2010/main" val="3466590374"/>
       </p:ext>
     </p:extLst>
   </p:cSld>
@@ -10227,7 +10469,7 @@
     </p:spTree>
     <p:extLst>
       <p:ext uri="{BB962C8B-B14F-4D97-AF65-F5344CB8AC3E}">
-        <p14:creationId xmlns:p14="http://schemas.microsoft.com/office/powerpoint/2010/main" val="3714366085"/>
+        <p14:creationId xmlns:p14="http://schemas.microsoft.com/office/powerpoint/2010/main" val="3176600776"/>
       </p:ext>
     </p:extLst>
   </p:cSld>
@@ -10732,6 +10974,2331 @@
             <p:ph type="subTitle" sz="quarter" idx="11"/>
           </p:nvPr>
         </p:nvSpPr>
+        <p:spPr/>
+        <p:txBody>
+          <a:bodyPr/>
+          <a:lstStyle/>
+          <a:p>
+            <a:r>
+              <a:rPr lang="bg-BG" dirty="0"/>
+              <a:t>Описание, използване с </a:t>
+            </a:r>
+            <a:r>
+              <a:rPr lang="en-GB" dirty="0"/>
+              <a:t>DataGridView</a:t>
+            </a:r>
+          </a:p>
+        </p:txBody>
+      </p:sp>
+      <p:sp>
+        <p:nvSpPr>
+          <p:cNvPr id="6" name="Slide Title">
+            <a:extLst>
+              <a:ext uri="{FF2B5EF4-FFF2-40B4-BE49-F238E27FC236}">
+                <a16:creationId xmlns:a16="http://schemas.microsoft.com/office/drawing/2014/main" id="{028D9EA3-B5E0-4F17-9467-4BE3C280DA68}"/>
+              </a:ext>
+            </a:extLst>
+          </p:cNvPr>
+          <p:cNvSpPr>
+            <a:spLocks noGrp="1"/>
+          </p:cNvSpPr>
+          <p:nvPr>
+            <p:ph type="title" sz="quarter" idx="10"/>
+          </p:nvPr>
+        </p:nvSpPr>
+        <p:spPr/>
+        <p:txBody>
+          <a:bodyPr/>
+          <a:lstStyle/>
+          <a:p>
+            <a:r>
+              <a:rPr lang="en-US" dirty="0"/>
+              <a:t>BindingSource</a:t>
+            </a:r>
+          </a:p>
+        </p:txBody>
+      </p:sp>
+      <p:pic>
+        <p:nvPicPr>
+          <p:cNvPr id="3" name="Picture 2">
+            <a:extLst>
+              <a:ext uri="{FF2B5EF4-FFF2-40B4-BE49-F238E27FC236}">
+                <a16:creationId xmlns:a16="http://schemas.microsoft.com/office/drawing/2014/main" id="{F8455DA5-CCDA-E20B-C7E3-69A75E942ED7}"/>
+              </a:ext>
+            </a:extLst>
+          </p:cNvPr>
+          <p:cNvPicPr>
+            <a:picLocks noChangeAspect="1"/>
+          </p:cNvPicPr>
+          <p:nvPr/>
+        </p:nvPicPr>
+        <p:blipFill>
+          <a:blip r:embed="rId3">
+            <a:extLst>
+              <a:ext uri="{28A0092B-C50C-407E-A947-70E740481C1C}">
+                <a14:useLocalDpi xmlns:a14="http://schemas.microsoft.com/office/drawing/2010/main" val="0"/>
+              </a:ext>
+            </a:extLst>
+          </a:blip>
+          <a:stretch>
+            <a:fillRect/>
+          </a:stretch>
+        </p:blipFill>
+        <p:spPr>
+          <a:xfrm>
+            <a:off x="4858500" y="1385091"/>
+            <a:ext cx="2475000" cy="2480815"/>
+          </a:xfrm>
+          <a:prstGeom prst="rect">
+            <a:avLst/>
+          </a:prstGeom>
+        </p:spPr>
+      </p:pic>
+    </p:spTree>
+    <p:extLst>
+      <p:ext uri="{BB962C8B-B14F-4D97-AF65-F5344CB8AC3E}">
+        <p14:creationId xmlns:p14="http://schemas.microsoft.com/office/powerpoint/2010/main" val="2619826629"/>
+      </p:ext>
+    </p:extLst>
+  </p:cSld>
+  <p:clrMapOvr>
+    <a:masterClrMapping/>
+  </p:clrMapOvr>
+  <mc:AlternateContent xmlns:mc="http://schemas.openxmlformats.org/markup-compatibility/2006" xmlns:p14="http://schemas.microsoft.com/office/powerpoint/2010/main">
+    <mc:Choice Requires="p14">
+      <p:transition spd="slow" p14:dur="2000" advClick="0" advTm="5000"/>
+    </mc:Choice>
+    <mc:Fallback xmlns="">
+      <p:transition spd="slow" advClick="0" advTm="5000"/>
+    </mc:Fallback>
+  </mc:AlternateContent>
+</p:sld>
+</file>
+
+<file path=ppt/slides/slide14.xml><?xml version="1.0" encoding="utf-8"?>
+<p:sld xmlns:a="http://schemas.openxmlformats.org/drawingml/2006/main" xmlns:r="http://schemas.openxmlformats.org/officeDocument/2006/relationships" xmlns:p="http://schemas.openxmlformats.org/presentationml/2006/main">
+  <p:cSld>
+    <p:spTree>
+      <p:nvGrpSpPr>
+        <p:cNvPr id="1" name=""/>
+        <p:cNvGrpSpPr/>
+        <p:nvPr/>
+      </p:nvGrpSpPr>
+      <p:grpSpPr>
+        <a:xfrm>
+          <a:off x="0" y="0"/>
+          <a:ext cx="0" cy="0"/>
+          <a:chOff x="0" y="0"/>
+          <a:chExt cx="0" cy="0"/>
+        </a:xfrm>
+      </p:grpSpPr>
+      <p:sp>
+        <p:nvSpPr>
+          <p:cNvPr id="2" name="Slide Number Placeholder 1">
+            <a:extLst>
+              <a:ext uri="{FF2B5EF4-FFF2-40B4-BE49-F238E27FC236}">
+                <a16:creationId xmlns:a16="http://schemas.microsoft.com/office/drawing/2014/main" id="{6BC6B412-7388-0FB8-A2F0-E6F36705BAD3}"/>
+              </a:ext>
+            </a:extLst>
+          </p:cNvPr>
+          <p:cNvSpPr>
+            <a:spLocks noGrp="1"/>
+          </p:cNvSpPr>
+          <p:nvPr>
+            <p:ph type="sldNum" sz="quarter" idx="5"/>
+          </p:nvPr>
+        </p:nvSpPr>
+        <p:spPr/>
+        <p:txBody>
+          <a:bodyPr/>
+          <a:lstStyle/>
+          <a:p>
+            <a:fld id="{2BF067CD-8E6B-4360-9AA8-C5DF2A48A6D1}" type="slidenum">
+              <a:rPr lang="en-US" noProof="0" smtClean="0"/>
+              <a:pPr/>
+              <a:t>14</a:t>
+            </a:fld>
+            <a:endParaRPr lang="en-US" noProof="0" dirty="0"/>
+          </a:p>
+        </p:txBody>
+      </p:sp>
+      <p:sp>
+        <p:nvSpPr>
+          <p:cNvPr id="3" name="Text Placeholder 2">
+            <a:extLst>
+              <a:ext uri="{FF2B5EF4-FFF2-40B4-BE49-F238E27FC236}">
+                <a16:creationId xmlns:a16="http://schemas.microsoft.com/office/drawing/2014/main" id="{C8AB04C4-4332-EF82-5A84-E460672DB679}"/>
+              </a:ext>
+            </a:extLst>
+          </p:cNvPr>
+          <p:cNvSpPr>
+            <a:spLocks noGrp="1"/>
+          </p:cNvSpPr>
+          <p:nvPr>
+            <p:ph type="body" sz="quarter" idx="10"/>
+          </p:nvPr>
+        </p:nvSpPr>
+        <p:spPr/>
+        <p:txBody>
+          <a:bodyPr>
+            <a:normAutofit/>
+          </a:bodyPr>
+          <a:lstStyle/>
+          <a:p>
+            <a:r>
+              <a:rPr lang="bg-BG" sz="3000" b="1" dirty="0">
+                <a:solidFill>
+                  <a:schemeClr val="bg1"/>
+                </a:solidFill>
+              </a:rPr>
+              <a:t>Междинен обект</a:t>
+            </a:r>
+            <a:r>
+              <a:rPr lang="bg-BG" sz="3000" dirty="0"/>
+              <a:t>, служещ за </a:t>
+            </a:r>
+            <a:r>
+              <a:rPr lang="bg-BG" sz="3000" b="1" dirty="0"/>
+              <a:t>свързване</a:t>
+            </a:r>
+            <a:r>
+              <a:rPr lang="bg-BG" sz="3000" dirty="0"/>
+              <a:t> на </a:t>
+            </a:r>
+            <a:r>
+              <a:rPr lang="bg-BG" sz="3000" b="1" dirty="0"/>
+              <a:t>източника</a:t>
+            </a:r>
+            <a:r>
+              <a:rPr lang="bg-BG" sz="3000" dirty="0"/>
+              <a:t> </a:t>
+            </a:r>
+            <a:r>
+              <a:rPr lang="bg-BG" sz="3000" b="1" dirty="0"/>
+              <a:t>на данни</a:t>
+            </a:r>
+            <a:r>
+              <a:rPr lang="bg-BG" sz="3000" dirty="0"/>
+              <a:t> с </a:t>
+            </a:r>
+            <a:r>
+              <a:rPr lang="bg-BG" sz="3000" b="1" dirty="0"/>
+              <a:t>визуалните контроли</a:t>
+            </a:r>
+            <a:r>
+              <a:rPr lang="bg-BG" sz="3000" dirty="0"/>
+              <a:t> като </a:t>
+            </a:r>
+            <a:r>
+              <a:rPr lang="en-GB" sz="3000" b="1" dirty="0"/>
+              <a:t>DataGridView</a:t>
+            </a:r>
+            <a:r>
+              <a:rPr lang="bg-BG" sz="3000" dirty="0"/>
+              <a:t>,</a:t>
+            </a:r>
+            <a:r>
+              <a:rPr lang="bg-BG" sz="3000" b="1" dirty="0"/>
+              <a:t> </a:t>
+            </a:r>
+            <a:r>
+              <a:rPr lang="en-US" sz="3000" b="1" dirty="0"/>
+              <a:t>ListBox </a:t>
+            </a:r>
+            <a:r>
+              <a:rPr lang="bg-BG" sz="3000" dirty="0"/>
+              <a:t>и др.</a:t>
+            </a:r>
+          </a:p>
+          <a:p>
+            <a:r>
+              <a:rPr lang="bg-BG" sz="3000" dirty="0"/>
+              <a:t>Управлява </a:t>
+            </a:r>
+            <a:r>
+              <a:rPr lang="bg-BG" sz="3000" b="1" dirty="0">
+                <a:solidFill>
+                  <a:schemeClr val="bg1"/>
+                </a:solidFill>
+              </a:rPr>
+              <a:t>взаимодействието</a:t>
+            </a:r>
+            <a:r>
+              <a:rPr lang="bg-BG" sz="3000" dirty="0"/>
+              <a:t> между </a:t>
+            </a:r>
+            <a:r>
+              <a:rPr lang="bg-BG" sz="3000" b="1" dirty="0"/>
+              <a:t>данните</a:t>
+            </a:r>
+            <a:r>
+              <a:rPr lang="bg-BG" sz="3000" dirty="0"/>
+              <a:t> и </a:t>
+            </a:r>
+            <a:r>
+              <a:rPr lang="bg-BG" sz="3000" b="1" dirty="0"/>
+              <a:t>интерфейса</a:t>
+            </a:r>
+          </a:p>
+          <a:p>
+            <a:r>
+              <a:rPr lang="bg-BG" sz="3000" dirty="0"/>
+              <a:t>Опростява </a:t>
+            </a:r>
+            <a:r>
+              <a:rPr lang="bg-BG" sz="3000" b="1" dirty="0">
+                <a:solidFill>
+                  <a:schemeClr val="bg1"/>
+                </a:solidFill>
+              </a:rPr>
+              <a:t>манипулацията</a:t>
+            </a:r>
+            <a:r>
+              <a:rPr lang="bg-BG" sz="3000" dirty="0"/>
+              <a:t> на </a:t>
+            </a:r>
+            <a:r>
+              <a:rPr lang="bg-BG" sz="3000" b="1" dirty="0"/>
+              <a:t>данни</a:t>
+            </a:r>
+            <a:r>
+              <a:rPr lang="bg-BG" sz="3000" dirty="0"/>
+              <a:t> и поддържа </a:t>
+            </a:r>
+            <a:r>
+              <a:rPr lang="bg-BG" sz="3000" b="1" dirty="0">
+                <a:solidFill>
+                  <a:schemeClr val="bg1"/>
+                </a:solidFill>
+              </a:rPr>
+              <a:t>актуализирането</a:t>
+            </a:r>
+            <a:r>
+              <a:rPr lang="bg-BG" sz="3000" dirty="0"/>
+              <a:t> на </a:t>
+            </a:r>
+            <a:r>
+              <a:rPr lang="bg-BG" sz="3000" b="1" dirty="0"/>
+              <a:t>информацията</a:t>
+            </a:r>
+            <a:r>
+              <a:rPr lang="bg-BG" sz="3000" dirty="0"/>
+              <a:t> в </a:t>
+            </a:r>
+            <a:r>
+              <a:rPr lang="bg-BG" sz="3000" b="1" dirty="0"/>
+              <a:t>реално</a:t>
+            </a:r>
+            <a:r>
+              <a:rPr lang="bg-BG" sz="3000" dirty="0"/>
+              <a:t> </a:t>
+            </a:r>
+            <a:r>
+              <a:rPr lang="bg-BG" sz="3000" b="1" dirty="0"/>
+              <a:t>време</a:t>
+            </a:r>
+            <a:endParaRPr lang="en-BG" sz="3000" b="1" dirty="0"/>
+          </a:p>
+        </p:txBody>
+      </p:sp>
+      <p:sp>
+        <p:nvSpPr>
+          <p:cNvPr id="4" name="Title 3">
+            <a:extLst>
+              <a:ext uri="{FF2B5EF4-FFF2-40B4-BE49-F238E27FC236}">
+                <a16:creationId xmlns:a16="http://schemas.microsoft.com/office/drawing/2014/main" id="{70BCFF72-841A-3C90-A7F4-4ADD09C9BD6C}"/>
+              </a:ext>
+            </a:extLst>
+          </p:cNvPr>
+          <p:cNvSpPr>
+            <a:spLocks noGrp="1"/>
+          </p:cNvSpPr>
+          <p:nvPr>
+            <p:ph type="title"/>
+          </p:nvPr>
+        </p:nvSpPr>
+        <p:spPr/>
+        <p:txBody>
+          <a:bodyPr/>
+          <a:lstStyle/>
+          <a:p>
+            <a:r>
+              <a:rPr lang="bg-BG" dirty="0"/>
+              <a:t>Какво е </a:t>
+            </a:r>
+            <a:r>
+              <a:rPr lang="en-US" dirty="0"/>
+              <a:t>BindingSource?</a:t>
+            </a:r>
+            <a:endParaRPr lang="en-BG" dirty="0"/>
+          </a:p>
+        </p:txBody>
+      </p:sp>
+      <p:pic>
+        <p:nvPicPr>
+          <p:cNvPr id="6" name="Picture 5">
+            <a:extLst>
+              <a:ext uri="{FF2B5EF4-FFF2-40B4-BE49-F238E27FC236}">
+                <a16:creationId xmlns:a16="http://schemas.microsoft.com/office/drawing/2014/main" id="{E901C527-4E78-CB51-FC0D-1BCD89923462}"/>
+              </a:ext>
+            </a:extLst>
+          </p:cNvPr>
+          <p:cNvPicPr>
+            <a:picLocks noChangeAspect="1"/>
+          </p:cNvPicPr>
+          <p:nvPr/>
+        </p:nvPicPr>
+        <p:blipFill>
+          <a:blip r:embed="rId2">
+            <a:extLst>
+              <a:ext uri="{28A0092B-C50C-407E-A947-70E740481C1C}">
+                <a14:useLocalDpi xmlns:a14="http://schemas.microsoft.com/office/drawing/2010/main" val="0"/>
+              </a:ext>
+            </a:extLst>
+          </a:blip>
+          <a:stretch>
+            <a:fillRect/>
+          </a:stretch>
+        </p:blipFill>
+        <p:spPr>
+          <a:xfrm>
+            <a:off x="4154744" y="3920855"/>
+            <a:ext cx="3882511" cy="2804036"/>
+          </a:xfrm>
+          <a:prstGeom prst="rect">
+            <a:avLst/>
+          </a:prstGeom>
+          <a:ln>
+            <a:solidFill>
+              <a:schemeClr val="bg2">
+                <a:lumMod val="75000"/>
+              </a:schemeClr>
+            </a:solidFill>
+          </a:ln>
+        </p:spPr>
+      </p:pic>
+    </p:spTree>
+    <p:extLst>
+      <p:ext uri="{BB962C8B-B14F-4D97-AF65-F5344CB8AC3E}">
+        <p14:creationId xmlns:p14="http://schemas.microsoft.com/office/powerpoint/2010/main" val="1125572107"/>
+      </p:ext>
+    </p:extLst>
+  </p:cSld>
+  <p:clrMapOvr>
+    <a:masterClrMapping/>
+  </p:clrMapOvr>
+  <mc:AlternateContent xmlns:mc="http://schemas.openxmlformats.org/markup-compatibility/2006" xmlns:p14="http://schemas.microsoft.com/office/powerpoint/2010/main">
+    <mc:Choice Requires="p14">
+      <p:transition spd="slow" p14:dur="2000" advClick="0" advTm="5000"/>
+    </mc:Choice>
+    <mc:Fallback xmlns="">
+      <p:transition spd="slow" advClick="0" advTm="5000"/>
+    </mc:Fallback>
+  </mc:AlternateContent>
+  <p:timing>
+    <p:tnLst>
+      <p:par>
+        <p:cTn id="1" dur="indefinite" restart="never" nodeType="tmRoot">
+          <p:childTnLst>
+            <p:seq concurrent="1" nextAc="seek">
+              <p:cTn id="2" dur="indefinite" nodeType="mainSeq">
+                <p:childTnLst>
+                  <p:par>
+                    <p:cTn id="3" fill="hold">
+                      <p:stCondLst>
+                        <p:cond delay="indefinite"/>
+                      </p:stCondLst>
+                      <p:childTnLst>
+                        <p:par>
+                          <p:cTn id="4" fill="hold">
+                            <p:stCondLst>
+                              <p:cond delay="0"/>
+                            </p:stCondLst>
+                            <p:childTnLst>
+                              <p:par>
+                                <p:cTn id="5" presetID="1" presetClass="entr" presetSubtype="0" fill="hold" nodeType="clickEffect">
+                                  <p:stCondLst>
+                                    <p:cond delay="0"/>
+                                  </p:stCondLst>
+                                  <p:childTnLst>
+                                    <p:set>
+                                      <p:cBhvr>
+                                        <p:cTn id="6" dur="1" fill="hold">
+                                          <p:stCondLst>
+                                            <p:cond delay="0"/>
+                                          </p:stCondLst>
+                                        </p:cTn>
+                                        <p:tgtEl>
+                                          <p:spTgt spid="3">
+                                            <p:txEl>
+                                              <p:pRg st="1" end="1"/>
+                                            </p:txEl>
+                                          </p:spTgt>
+                                        </p:tgtEl>
+                                        <p:attrNameLst>
+                                          <p:attrName>style.visibility</p:attrName>
+                                        </p:attrNameLst>
+                                      </p:cBhvr>
+                                      <p:to>
+                                        <p:strVal val="visible"/>
+                                      </p:to>
+                                    </p:set>
+                                  </p:childTnLst>
+                                </p:cTn>
+                              </p:par>
+                            </p:childTnLst>
+                          </p:cTn>
+                        </p:par>
+                      </p:childTnLst>
+                    </p:cTn>
+                  </p:par>
+                  <p:par>
+                    <p:cTn id="7" fill="hold">
+                      <p:stCondLst>
+                        <p:cond delay="indefinite"/>
+                      </p:stCondLst>
+                      <p:childTnLst>
+                        <p:par>
+                          <p:cTn id="8" fill="hold">
+                            <p:stCondLst>
+                              <p:cond delay="0"/>
+                            </p:stCondLst>
+                            <p:childTnLst>
+                              <p:par>
+                                <p:cTn id="9" presetID="1" presetClass="entr" presetSubtype="0" fill="hold" nodeType="clickEffect">
+                                  <p:stCondLst>
+                                    <p:cond delay="0"/>
+                                  </p:stCondLst>
+                                  <p:childTnLst>
+                                    <p:set>
+                                      <p:cBhvr>
+                                        <p:cTn id="10" dur="1" fill="hold">
+                                          <p:stCondLst>
+                                            <p:cond delay="0"/>
+                                          </p:stCondLst>
+                                        </p:cTn>
+                                        <p:tgtEl>
+                                          <p:spTgt spid="3">
+                                            <p:txEl>
+                                              <p:pRg st="2" end="2"/>
+                                            </p:txEl>
+                                          </p:spTgt>
+                                        </p:tgtEl>
+                                        <p:attrNameLst>
+                                          <p:attrName>style.visibility</p:attrName>
+                                        </p:attrNameLst>
+                                      </p:cBhvr>
+                                      <p:to>
+                                        <p:strVal val="visible"/>
+                                      </p:to>
+                                    </p:set>
+                                  </p:childTnLst>
+                                </p:cTn>
+                              </p:par>
+                            </p:childTnLst>
+                          </p:cTn>
+                        </p:par>
+                      </p:childTnLst>
+                    </p:cTn>
+                  </p:par>
+                </p:childTnLst>
+              </p:cTn>
+              <p:prevCondLst>
+                <p:cond evt="onPrev" delay="0">
+                  <p:tgtEl>
+                    <p:sldTgt/>
+                  </p:tgtEl>
+                </p:cond>
+              </p:prevCondLst>
+              <p:nextCondLst>
+                <p:cond evt="onNext" delay="0">
+                  <p:tgtEl>
+                    <p:sldTgt/>
+                  </p:tgtEl>
+                </p:cond>
+              </p:nextCondLst>
+            </p:seq>
+          </p:childTnLst>
+        </p:cTn>
+      </p:par>
+    </p:tnLst>
+  </p:timing>
+</p:sld>
+</file>
+
+<file path=ppt/slides/slide15.xml><?xml version="1.0" encoding="utf-8"?>
+<p:sld xmlns:a="http://schemas.openxmlformats.org/drawingml/2006/main" xmlns:r="http://schemas.openxmlformats.org/officeDocument/2006/relationships" xmlns:p="http://schemas.openxmlformats.org/presentationml/2006/main">
+  <p:cSld>
+    <p:spTree>
+      <p:nvGrpSpPr>
+        <p:cNvPr id="1" name=""/>
+        <p:cNvGrpSpPr/>
+        <p:nvPr/>
+      </p:nvGrpSpPr>
+      <p:grpSpPr>
+        <a:xfrm>
+          <a:off x="0" y="0"/>
+          <a:ext cx="0" cy="0"/>
+          <a:chOff x="0" y="0"/>
+          <a:chExt cx="0" cy="0"/>
+        </a:xfrm>
+      </p:grpSpPr>
+      <p:pic>
+        <p:nvPicPr>
+          <p:cNvPr id="15" name="Picture 14">
+            <a:extLst>
+              <a:ext uri="{FF2B5EF4-FFF2-40B4-BE49-F238E27FC236}">
+                <a16:creationId xmlns:a16="http://schemas.microsoft.com/office/drawing/2014/main" id="{C0D2A362-2433-7056-BC00-EA0E06BC55B8}"/>
+              </a:ext>
+            </a:extLst>
+          </p:cNvPr>
+          <p:cNvPicPr>
+            <a:picLocks noChangeAspect="1"/>
+          </p:cNvPicPr>
+          <p:nvPr/>
+        </p:nvPicPr>
+        <p:blipFill>
+          <a:blip r:embed="rId2">
+            <a:extLst>
+              <a:ext uri="{28A0092B-C50C-407E-A947-70E740481C1C}">
+                <a14:useLocalDpi xmlns:a14="http://schemas.microsoft.com/office/drawing/2010/main" val="0"/>
+              </a:ext>
+            </a:extLst>
+          </a:blip>
+          <a:stretch>
+            <a:fillRect/>
+          </a:stretch>
+        </p:blipFill>
+        <p:spPr>
+          <a:xfrm>
+            <a:off x="447035" y="2835889"/>
+            <a:ext cx="4370600" cy="3337549"/>
+          </a:xfrm>
+          <a:prstGeom prst="rect">
+            <a:avLst/>
+          </a:prstGeom>
+          <a:ln>
+            <a:solidFill>
+              <a:schemeClr val="bg2">
+                <a:lumMod val="75000"/>
+              </a:schemeClr>
+            </a:solidFill>
+          </a:ln>
+        </p:spPr>
+      </p:pic>
+      <p:sp>
+        <p:nvSpPr>
+          <p:cNvPr id="2" name="Slide Number Placeholder 1">
+            <a:extLst>
+              <a:ext uri="{FF2B5EF4-FFF2-40B4-BE49-F238E27FC236}">
+                <a16:creationId xmlns:a16="http://schemas.microsoft.com/office/drawing/2014/main" id="{EE055B9C-4D08-E1C8-B26D-B9E733039C81}"/>
+              </a:ext>
+            </a:extLst>
+          </p:cNvPr>
+          <p:cNvSpPr>
+            <a:spLocks noGrp="1"/>
+          </p:cNvSpPr>
+          <p:nvPr>
+            <p:ph type="sldNum" sz="quarter" idx="5"/>
+          </p:nvPr>
+        </p:nvSpPr>
+        <p:spPr/>
+        <p:txBody>
+          <a:bodyPr/>
+          <a:lstStyle/>
+          <a:p>
+            <a:fld id="{2BF067CD-8E6B-4360-9AA8-C5DF2A48A6D1}" type="slidenum">
+              <a:rPr lang="en-US" noProof="0" smtClean="0"/>
+              <a:pPr/>
+              <a:t>15</a:t>
+            </a:fld>
+            <a:endParaRPr lang="en-US" noProof="0" dirty="0"/>
+          </a:p>
+        </p:txBody>
+      </p:sp>
+      <p:sp>
+        <p:nvSpPr>
+          <p:cNvPr id="3" name="Text Placeholder 2">
+            <a:extLst>
+              <a:ext uri="{FF2B5EF4-FFF2-40B4-BE49-F238E27FC236}">
+                <a16:creationId xmlns:a16="http://schemas.microsoft.com/office/drawing/2014/main" id="{08A379A6-D348-A634-6C2F-2C0185B62BEF}"/>
+              </a:ext>
+            </a:extLst>
+          </p:cNvPr>
+          <p:cNvSpPr>
+            <a:spLocks noGrp="1"/>
+          </p:cNvSpPr>
+          <p:nvPr>
+            <p:ph type="body" sz="quarter" idx="10"/>
+          </p:nvPr>
+        </p:nvSpPr>
+        <p:spPr/>
+        <p:txBody>
+          <a:bodyPr>
+            <a:normAutofit/>
+          </a:bodyPr>
+          <a:lstStyle/>
+          <a:p>
+            <a:r>
+              <a:rPr lang="en-US" sz="3200" b="1" dirty="0"/>
+              <a:t>BindingSource</a:t>
+            </a:r>
+            <a:r>
+              <a:rPr lang="en-US" sz="3200" dirty="0"/>
+              <a:t> e </a:t>
+            </a:r>
+            <a:r>
+              <a:rPr lang="bg-BG" sz="3200" b="1" dirty="0">
+                <a:solidFill>
+                  <a:schemeClr val="bg1"/>
+                </a:solidFill>
+              </a:rPr>
+              <a:t>свързващото звено </a:t>
+            </a:r>
+            <a:r>
+              <a:rPr lang="bg-BG" sz="3200" dirty="0"/>
+              <a:t>между </a:t>
+            </a:r>
+            <a:r>
+              <a:rPr lang="bg-BG" sz="3200" b="1" dirty="0"/>
+              <a:t>БД</a:t>
+            </a:r>
+            <a:r>
+              <a:rPr lang="bg-BG" sz="3200" dirty="0"/>
+              <a:t> и </a:t>
+            </a:r>
+            <a:r>
+              <a:rPr lang="en-GB" sz="3200" b="1" dirty="0"/>
+              <a:t>DataGridView</a:t>
+            </a:r>
+            <a:endParaRPr lang="en-BG" sz="3200" dirty="0"/>
+          </a:p>
+        </p:txBody>
+      </p:sp>
+      <p:sp>
+        <p:nvSpPr>
+          <p:cNvPr id="4" name="Title 3">
+            <a:extLst>
+              <a:ext uri="{FF2B5EF4-FFF2-40B4-BE49-F238E27FC236}">
+                <a16:creationId xmlns:a16="http://schemas.microsoft.com/office/drawing/2014/main" id="{341E4C70-A548-82ED-7883-26A14AEE504C}"/>
+              </a:ext>
+            </a:extLst>
+          </p:cNvPr>
+          <p:cNvSpPr>
+            <a:spLocks noGrp="1"/>
+          </p:cNvSpPr>
+          <p:nvPr>
+            <p:ph type="title"/>
+          </p:nvPr>
+        </p:nvSpPr>
+        <p:spPr/>
+        <p:txBody>
+          <a:bodyPr/>
+          <a:lstStyle/>
+          <a:p>
+            <a:r>
+              <a:rPr lang="en-US" dirty="0"/>
+              <a:t>BindingSource </a:t>
+            </a:r>
+            <a:r>
+              <a:rPr lang="bg-BG" dirty="0"/>
+              <a:t>и </a:t>
+            </a:r>
+            <a:r>
+              <a:rPr lang="en-US" dirty="0"/>
+              <a:t>DataGridView</a:t>
+            </a:r>
+            <a:r>
+              <a:rPr lang="bg-BG" dirty="0"/>
+              <a:t> </a:t>
+            </a:r>
+            <a:r>
+              <a:rPr lang="en-US" dirty="0"/>
+              <a:t>(1)</a:t>
+            </a:r>
+            <a:endParaRPr lang="en-BG" dirty="0"/>
+          </a:p>
+        </p:txBody>
+      </p:sp>
+      <p:pic>
+        <p:nvPicPr>
+          <p:cNvPr id="8" name="Picture 7">
+            <a:extLst>
+              <a:ext uri="{FF2B5EF4-FFF2-40B4-BE49-F238E27FC236}">
+                <a16:creationId xmlns:a16="http://schemas.microsoft.com/office/drawing/2014/main" id="{A1851E58-E82C-230C-00A4-581D1970BC4B}"/>
+              </a:ext>
+            </a:extLst>
+          </p:cNvPr>
+          <p:cNvPicPr>
+            <a:picLocks noChangeAspect="1"/>
+          </p:cNvPicPr>
+          <p:nvPr/>
+        </p:nvPicPr>
+        <p:blipFill>
+          <a:blip r:embed="rId3">
+            <a:extLst>
+              <a:ext uri="{28A0092B-C50C-407E-A947-70E740481C1C}">
+                <a14:useLocalDpi xmlns:a14="http://schemas.microsoft.com/office/drawing/2010/main" val="0"/>
+              </a:ext>
+            </a:extLst>
+          </a:blip>
+          <a:stretch>
+            <a:fillRect/>
+          </a:stretch>
+        </p:blipFill>
+        <p:spPr>
+          <a:xfrm>
+            <a:off x="6213999" y="3239089"/>
+            <a:ext cx="4247001" cy="2422786"/>
+          </a:xfrm>
+          <a:prstGeom prst="rect">
+            <a:avLst/>
+          </a:prstGeom>
+          <a:ln>
+            <a:solidFill>
+              <a:schemeClr val="bg2">
+                <a:lumMod val="75000"/>
+              </a:schemeClr>
+            </a:solidFill>
+          </a:ln>
+        </p:spPr>
+      </p:pic>
+      <p:sp>
+        <p:nvSpPr>
+          <p:cNvPr id="10" name="Rounded Rectangular Callout 9">
+            <a:extLst>
+              <a:ext uri="{FF2B5EF4-FFF2-40B4-BE49-F238E27FC236}">
+                <a16:creationId xmlns:a16="http://schemas.microsoft.com/office/drawing/2014/main" id="{978963B6-0CA7-3544-D0B0-ABED756291EA}"/>
+              </a:ext>
+            </a:extLst>
+          </p:cNvPr>
+          <p:cNvSpPr/>
+          <p:nvPr/>
+        </p:nvSpPr>
+        <p:spPr bwMode="auto">
+          <a:xfrm>
+            <a:off x="447035" y="1892370"/>
+            <a:ext cx="3775598" cy="628597"/>
+          </a:xfrm>
+          <a:prstGeom prst="wedgeRoundRectCallout">
+            <a:avLst>
+              <a:gd name="adj1" fmla="val -18544"/>
+              <a:gd name="adj2" fmla="val 106123"/>
+              <a:gd name="adj3" fmla="val 16667"/>
+            </a:avLst>
+          </a:prstGeom>
+          <a:solidFill>
+            <a:schemeClr val="dk2">
+              <a:alpha val="80000"/>
+            </a:schemeClr>
+          </a:solidFill>
+          <a:ln w="19050">
+            <a:solidFill>
+              <a:schemeClr val="tx1">
+                <a:lumMod val="75000"/>
+                <a:alpha val="80000"/>
+              </a:schemeClr>
+            </a:solidFill>
+          </a:ln>
+          <a:effectLst/>
+        </p:spPr>
+        <p:style>
+          <a:lnRef idx="2">
+            <a:schemeClr val="accent1">
+              <a:shade val="50000"/>
+            </a:schemeClr>
+          </a:lnRef>
+          <a:fillRef idx="1001">
+            <a:schemeClr val="dk2"/>
+          </a:fillRef>
+          <a:effectRef idx="0">
+            <a:schemeClr val="accent1"/>
+          </a:effectRef>
+          <a:fontRef idx="minor">
+            <a:schemeClr val="lt1"/>
+          </a:fontRef>
+        </p:style>
+        <p:txBody>
+          <a:bodyPr rot="0" spcFirstLastPara="0" vertOverflow="overflow" horzOverflow="overflow" vert="horz" wrap="square" lIns="91440" tIns="45720" rIns="91440" bIns="45720" numCol="1" spcCol="0" rtlCol="0" fromWordArt="0" anchor="ctr" anchorCtr="0" forceAA="0" compatLnSpc="1">
+            <a:prstTxWarp prst="textNoShape">
+              <a:avLst/>
+            </a:prstTxWarp>
+            <a:noAutofit/>
+          </a:bodyPr>
+          <a:lstStyle/>
+          <a:p>
+            <a:pPr algn="ctr"/>
+            <a:r>
+              <a:rPr lang="bg-BG" sz="2000" b="1" dirty="0">
+                <a:solidFill>
+                  <a:schemeClr val="bg2"/>
+                </a:solidFill>
+                <a:effectLst>
+                  <a:outerShdw blurRad="38100" dist="38100" dir="2700000" algn="tl">
+                    <a:srgbClr val="000000">
+                      <a:alpha val="43137"/>
+                    </a:srgbClr>
+                  </a:outerShdw>
+                </a:effectLst>
+              </a:rPr>
+              <a:t>Свързали сме приложението с </a:t>
+            </a:r>
+            <a:r>
+              <a:rPr lang="bg-BG" sz="2000" b="1" dirty="0">
+                <a:solidFill>
+                  <a:schemeClr val="accent1">
+                    <a:lumMod val="60000"/>
+                    <a:lumOff val="40000"/>
+                  </a:schemeClr>
+                </a:solidFill>
+                <a:effectLst>
+                  <a:outerShdw blurRad="38100" dist="38100" dir="2700000" algn="tl">
+                    <a:srgbClr val="000000">
+                      <a:alpha val="43137"/>
+                    </a:srgbClr>
+                  </a:outerShdw>
+                </a:effectLst>
+              </a:rPr>
+              <a:t>БД</a:t>
+            </a:r>
+            <a:r>
+              <a:rPr lang="bg-BG" sz="2000" b="1" dirty="0">
+                <a:solidFill>
+                  <a:schemeClr val="bg2"/>
+                </a:solidFill>
+                <a:effectLst>
+                  <a:outerShdw blurRad="38100" dist="38100" dir="2700000" algn="tl">
+                    <a:srgbClr val="000000">
+                      <a:alpha val="43137"/>
+                    </a:srgbClr>
+                  </a:outerShdw>
+                </a:effectLst>
+              </a:rPr>
+              <a:t> с </a:t>
+            </a:r>
+            <a:r>
+              <a:rPr lang="bg-BG" sz="2000" b="1" dirty="0">
+                <a:solidFill>
+                  <a:schemeClr val="accent1">
+                    <a:lumMod val="60000"/>
+                    <a:lumOff val="40000"/>
+                  </a:schemeClr>
+                </a:solidFill>
+                <a:effectLst>
+                  <a:outerShdw blurRad="38100" dist="38100" dir="2700000" algn="tl">
+                    <a:srgbClr val="000000">
+                      <a:alpha val="43137"/>
+                    </a:srgbClr>
+                  </a:outerShdw>
+                </a:effectLst>
+              </a:rPr>
+              <a:t>примерни данни</a:t>
+            </a:r>
+          </a:p>
+        </p:txBody>
+      </p:sp>
+      <p:sp>
+        <p:nvSpPr>
+          <p:cNvPr id="11" name="Rounded Rectangular Callout 10">
+            <a:extLst>
+              <a:ext uri="{FF2B5EF4-FFF2-40B4-BE49-F238E27FC236}">
+                <a16:creationId xmlns:a16="http://schemas.microsoft.com/office/drawing/2014/main" id="{C2295A66-0EF2-6452-8C99-878A387AFEF9}"/>
+              </a:ext>
+            </a:extLst>
+          </p:cNvPr>
+          <p:cNvSpPr/>
+          <p:nvPr/>
+        </p:nvSpPr>
+        <p:spPr bwMode="auto">
+          <a:xfrm>
+            <a:off x="6172335" y="2371492"/>
+            <a:ext cx="4199882" cy="628597"/>
+          </a:xfrm>
+          <a:prstGeom prst="wedgeRoundRectCallout">
+            <a:avLst>
+              <a:gd name="adj1" fmla="val 31743"/>
+              <a:gd name="adj2" fmla="val 172958"/>
+              <a:gd name="adj3" fmla="val 16667"/>
+            </a:avLst>
+          </a:prstGeom>
+          <a:solidFill>
+            <a:schemeClr val="dk2">
+              <a:alpha val="80000"/>
+            </a:schemeClr>
+          </a:solidFill>
+          <a:ln w="19050">
+            <a:solidFill>
+              <a:schemeClr val="tx1">
+                <a:lumMod val="75000"/>
+                <a:alpha val="80000"/>
+              </a:schemeClr>
+            </a:solidFill>
+          </a:ln>
+          <a:effectLst/>
+        </p:spPr>
+        <p:style>
+          <a:lnRef idx="2">
+            <a:schemeClr val="accent1">
+              <a:shade val="50000"/>
+            </a:schemeClr>
+          </a:lnRef>
+          <a:fillRef idx="1001">
+            <a:schemeClr val="dk2"/>
+          </a:fillRef>
+          <a:effectRef idx="0">
+            <a:schemeClr val="accent1"/>
+          </a:effectRef>
+          <a:fontRef idx="minor">
+            <a:schemeClr val="lt1"/>
+          </a:fontRef>
+        </p:style>
+        <p:txBody>
+          <a:bodyPr rot="0" spcFirstLastPara="0" vertOverflow="overflow" horzOverflow="overflow" vert="horz" wrap="square" lIns="91440" tIns="45720" rIns="91440" bIns="45720" numCol="1" spcCol="0" rtlCol="0" fromWordArt="0" anchor="ctr" anchorCtr="0" forceAA="0" compatLnSpc="1">
+            <a:prstTxWarp prst="textNoShape">
+              <a:avLst/>
+            </a:prstTxWarp>
+            <a:noAutofit/>
+          </a:bodyPr>
+          <a:lstStyle/>
+          <a:p>
+            <a:pPr algn="ctr"/>
+            <a:r>
+              <a:rPr lang="bg-BG" sz="2000" b="1" dirty="0">
+                <a:solidFill>
+                  <a:schemeClr val="bg2"/>
+                </a:solidFill>
+                <a:effectLst>
+                  <a:outerShdw blurRad="38100" dist="38100" dir="2700000" algn="tl">
+                    <a:srgbClr val="000000">
+                      <a:alpha val="43137"/>
+                    </a:srgbClr>
+                  </a:outerShdw>
+                </a:effectLst>
+              </a:rPr>
+              <a:t>Избираме </a:t>
+            </a:r>
+            <a:r>
+              <a:rPr lang="bg-BG" sz="2000" b="1" dirty="0">
+                <a:solidFill>
+                  <a:schemeClr val="accent1">
+                    <a:lumMod val="60000"/>
+                    <a:lumOff val="40000"/>
+                  </a:schemeClr>
+                </a:solidFill>
+                <a:effectLst>
+                  <a:outerShdw blurRad="38100" dist="38100" dir="2700000" algn="tl">
+                    <a:srgbClr val="000000">
+                      <a:alpha val="43137"/>
+                    </a:srgbClr>
+                  </a:outerShdw>
+                </a:effectLst>
+              </a:rPr>
+              <a:t>модела</a:t>
+            </a:r>
+            <a:r>
+              <a:rPr lang="bg-BG" sz="2000" b="1" dirty="0">
+                <a:solidFill>
+                  <a:schemeClr val="bg2"/>
+                </a:solidFill>
+                <a:effectLst>
+                  <a:outerShdw blurRad="38100" dist="38100" dir="2700000" algn="tl">
+                    <a:srgbClr val="000000">
+                      <a:alpha val="43137"/>
+                    </a:srgbClr>
+                  </a:outerShdw>
+                </a:effectLst>
+              </a:rPr>
+              <a:t> за </a:t>
+            </a:r>
+            <a:r>
+              <a:rPr lang="en-US" sz="2000" b="1" dirty="0">
+                <a:solidFill>
+                  <a:schemeClr val="accent1">
+                    <a:lumMod val="60000"/>
+                    <a:lumOff val="40000"/>
+                  </a:schemeClr>
+                </a:solidFill>
+                <a:effectLst>
+                  <a:outerShdw blurRad="38100" dist="38100" dir="2700000" algn="tl">
+                    <a:srgbClr val="000000">
+                      <a:alpha val="43137"/>
+                    </a:srgbClr>
+                  </a:outerShdw>
+                </a:effectLst>
+              </a:rPr>
+              <a:t>binding source</a:t>
+            </a:r>
+            <a:r>
+              <a:rPr lang="bg-BG" sz="2000" b="1" dirty="0">
+                <a:solidFill>
+                  <a:schemeClr val="accent1">
+                    <a:lumMod val="60000"/>
+                    <a:lumOff val="40000"/>
+                  </a:schemeClr>
+                </a:solidFill>
+                <a:effectLst>
+                  <a:outerShdw blurRad="38100" dist="38100" dir="2700000" algn="tl">
+                    <a:srgbClr val="000000">
+                      <a:alpha val="43137"/>
+                    </a:srgbClr>
+                  </a:outerShdw>
+                </a:effectLst>
+              </a:rPr>
+              <a:t> </a:t>
+            </a:r>
+            <a:r>
+              <a:rPr lang="bg-BG" sz="2000" b="1" dirty="0">
+                <a:solidFill>
+                  <a:schemeClr val="bg2"/>
+                </a:solidFill>
+                <a:effectLst>
+                  <a:outerShdw blurRad="38100" dist="38100" dir="2700000" algn="tl">
+                    <a:srgbClr val="000000">
+                      <a:alpha val="43137"/>
+                    </a:srgbClr>
+                  </a:outerShdw>
+                </a:effectLst>
+              </a:rPr>
+              <a:t>на </a:t>
+            </a:r>
+            <a:r>
+              <a:rPr lang="bg-BG" sz="2000" b="1" dirty="0">
+                <a:solidFill>
+                  <a:schemeClr val="accent1">
+                    <a:lumMod val="60000"/>
+                    <a:lumOff val="40000"/>
+                  </a:schemeClr>
+                </a:solidFill>
+                <a:effectLst>
+                  <a:outerShdw blurRad="38100" dist="38100" dir="2700000" algn="tl">
+                    <a:srgbClr val="000000">
+                      <a:alpha val="43137"/>
+                    </a:srgbClr>
+                  </a:outerShdw>
+                </a:effectLst>
+              </a:rPr>
+              <a:t>контролата</a:t>
+            </a:r>
+          </a:p>
+        </p:txBody>
+      </p:sp>
+      <p:sp>
+        <p:nvSpPr>
+          <p:cNvPr id="18" name="Arrow: Right 10">
+            <a:extLst>
+              <a:ext uri="{FF2B5EF4-FFF2-40B4-BE49-F238E27FC236}">
+                <a16:creationId xmlns:a16="http://schemas.microsoft.com/office/drawing/2014/main" id="{A05C3051-C517-2DA9-66E5-70C6DDEF2EFE}"/>
+              </a:ext>
+            </a:extLst>
+          </p:cNvPr>
+          <p:cNvSpPr/>
+          <p:nvPr/>
+        </p:nvSpPr>
+        <p:spPr>
+          <a:xfrm>
+            <a:off x="10612800" y="4010400"/>
+            <a:ext cx="1202030" cy="990000"/>
+          </a:xfrm>
+          <a:prstGeom prst="rightArrow">
+            <a:avLst/>
+          </a:prstGeom>
+          <a:solidFill>
+            <a:schemeClr val="tx1"/>
+          </a:solidFill>
+          <a:ln>
+            <a:solidFill>
+              <a:schemeClr val="tx1"/>
+            </a:solidFill>
+          </a:ln>
+        </p:spPr>
+        <p:style>
+          <a:lnRef idx="2">
+            <a:schemeClr val="accent1">
+              <a:shade val="50000"/>
+            </a:schemeClr>
+          </a:lnRef>
+          <a:fillRef idx="1">
+            <a:schemeClr val="accent1"/>
+          </a:fillRef>
+          <a:effectRef idx="0">
+            <a:schemeClr val="accent1"/>
+          </a:effectRef>
+          <a:fontRef idx="minor">
+            <a:schemeClr val="lt1"/>
+          </a:fontRef>
+        </p:style>
+        <p:txBody>
+          <a:bodyPr rtlCol="0" anchor="ctr"/>
+          <a:lstStyle/>
+          <a:p>
+            <a:pPr algn="ctr"/>
+            <a:endParaRPr lang="en-US" sz="2799" dirty="0"/>
+          </a:p>
+        </p:txBody>
+      </p:sp>
+      <p:sp>
+        <p:nvSpPr>
+          <p:cNvPr id="19" name="Arrow: Right 10">
+            <a:extLst>
+              <a:ext uri="{FF2B5EF4-FFF2-40B4-BE49-F238E27FC236}">
+                <a16:creationId xmlns:a16="http://schemas.microsoft.com/office/drawing/2014/main" id="{034FFEC5-F25F-CD80-4660-BDB81B8F4BE5}"/>
+              </a:ext>
+            </a:extLst>
+          </p:cNvPr>
+          <p:cNvSpPr/>
+          <p:nvPr/>
+        </p:nvSpPr>
+        <p:spPr>
+          <a:xfrm>
+            <a:off x="4969537" y="4009663"/>
+            <a:ext cx="1202030" cy="990000"/>
+          </a:xfrm>
+          <a:prstGeom prst="rightArrow">
+            <a:avLst/>
+          </a:prstGeom>
+          <a:solidFill>
+            <a:schemeClr val="tx1"/>
+          </a:solidFill>
+          <a:ln>
+            <a:solidFill>
+              <a:schemeClr val="tx1"/>
+            </a:solidFill>
+          </a:ln>
+        </p:spPr>
+        <p:style>
+          <a:lnRef idx="2">
+            <a:schemeClr val="accent1">
+              <a:shade val="50000"/>
+            </a:schemeClr>
+          </a:lnRef>
+          <a:fillRef idx="1">
+            <a:schemeClr val="accent1"/>
+          </a:fillRef>
+          <a:effectRef idx="0">
+            <a:schemeClr val="accent1"/>
+          </a:effectRef>
+          <a:fontRef idx="minor">
+            <a:schemeClr val="lt1"/>
+          </a:fontRef>
+        </p:style>
+        <p:txBody>
+          <a:bodyPr rtlCol="0" anchor="ctr"/>
+          <a:lstStyle/>
+          <a:p>
+            <a:pPr algn="ctr"/>
+            <a:endParaRPr lang="en-US" sz="2799"/>
+          </a:p>
+        </p:txBody>
+      </p:sp>
+    </p:spTree>
+    <p:extLst>
+      <p:ext uri="{BB962C8B-B14F-4D97-AF65-F5344CB8AC3E}">
+        <p14:creationId xmlns:p14="http://schemas.microsoft.com/office/powerpoint/2010/main" val="3329331405"/>
+      </p:ext>
+    </p:extLst>
+  </p:cSld>
+  <p:clrMapOvr>
+    <a:masterClrMapping/>
+  </p:clrMapOvr>
+  <mc:AlternateContent xmlns:mc="http://schemas.openxmlformats.org/markup-compatibility/2006" xmlns:p14="http://schemas.microsoft.com/office/powerpoint/2010/main">
+    <mc:Choice Requires="p14">
+      <p:transition spd="slow" p14:dur="2000" advClick="0" advTm="5000"/>
+    </mc:Choice>
+    <mc:Fallback xmlns="">
+      <p:transition spd="slow" advClick="0" advTm="5000"/>
+    </mc:Fallback>
+  </mc:AlternateContent>
+  <p:timing>
+    <p:tnLst>
+      <p:par>
+        <p:cTn id="1" dur="indefinite" restart="never" nodeType="tmRoot">
+          <p:childTnLst>
+            <p:seq concurrent="1" nextAc="seek">
+              <p:cTn id="2" dur="indefinite" nodeType="mainSeq">
+                <p:childTnLst>
+                  <p:par>
+                    <p:cTn id="3" fill="hold">
+                      <p:stCondLst>
+                        <p:cond delay="indefinite"/>
+                      </p:stCondLst>
+                      <p:childTnLst>
+                        <p:par>
+                          <p:cTn id="4" fill="hold">
+                            <p:stCondLst>
+                              <p:cond delay="0"/>
+                            </p:stCondLst>
+                            <p:childTnLst>
+                              <p:par>
+                                <p:cTn id="5" presetID="1" presetClass="entr" presetSubtype="0" fill="hold" grpId="0" nodeType="clickEffect">
+                                  <p:stCondLst>
+                                    <p:cond delay="0"/>
+                                  </p:stCondLst>
+                                  <p:childTnLst>
+                                    <p:set>
+                                      <p:cBhvr>
+                                        <p:cTn id="6" dur="1" fill="hold">
+                                          <p:stCondLst>
+                                            <p:cond delay="0"/>
+                                          </p:stCondLst>
+                                        </p:cTn>
+                                        <p:tgtEl>
+                                          <p:spTgt spid="10"/>
+                                        </p:tgtEl>
+                                        <p:attrNameLst>
+                                          <p:attrName>style.visibility</p:attrName>
+                                        </p:attrNameLst>
+                                      </p:cBhvr>
+                                      <p:to>
+                                        <p:strVal val="visible"/>
+                                      </p:to>
+                                    </p:set>
+                                  </p:childTnLst>
+                                </p:cTn>
+                              </p:par>
+                            </p:childTnLst>
+                          </p:cTn>
+                        </p:par>
+                      </p:childTnLst>
+                    </p:cTn>
+                  </p:par>
+                  <p:par>
+                    <p:cTn id="7" fill="hold">
+                      <p:stCondLst>
+                        <p:cond delay="indefinite"/>
+                      </p:stCondLst>
+                      <p:childTnLst>
+                        <p:par>
+                          <p:cTn id="8" fill="hold">
+                            <p:stCondLst>
+                              <p:cond delay="0"/>
+                            </p:stCondLst>
+                            <p:childTnLst>
+                              <p:par>
+                                <p:cTn id="9" presetID="1" presetClass="entr" presetSubtype="0" fill="hold" grpId="0" nodeType="clickEffect">
+                                  <p:stCondLst>
+                                    <p:cond delay="0"/>
+                                  </p:stCondLst>
+                                  <p:childTnLst>
+                                    <p:set>
+                                      <p:cBhvr>
+                                        <p:cTn id="10" dur="1" fill="hold">
+                                          <p:stCondLst>
+                                            <p:cond delay="0"/>
+                                          </p:stCondLst>
+                                        </p:cTn>
+                                        <p:tgtEl>
+                                          <p:spTgt spid="19"/>
+                                        </p:tgtEl>
+                                        <p:attrNameLst>
+                                          <p:attrName>style.visibility</p:attrName>
+                                        </p:attrNameLst>
+                                      </p:cBhvr>
+                                      <p:to>
+                                        <p:strVal val="visible"/>
+                                      </p:to>
+                                    </p:set>
+                                  </p:childTnLst>
+                                </p:cTn>
+                              </p:par>
+                            </p:childTnLst>
+                          </p:cTn>
+                        </p:par>
+                      </p:childTnLst>
+                    </p:cTn>
+                  </p:par>
+                  <p:par>
+                    <p:cTn id="11" fill="hold">
+                      <p:stCondLst>
+                        <p:cond delay="indefinite"/>
+                      </p:stCondLst>
+                      <p:childTnLst>
+                        <p:par>
+                          <p:cTn id="12" fill="hold">
+                            <p:stCondLst>
+                              <p:cond delay="0"/>
+                            </p:stCondLst>
+                            <p:childTnLst>
+                              <p:par>
+                                <p:cTn id="13" presetID="1" presetClass="entr" presetSubtype="0" fill="hold" nodeType="clickEffect">
+                                  <p:stCondLst>
+                                    <p:cond delay="0"/>
+                                  </p:stCondLst>
+                                  <p:childTnLst>
+                                    <p:set>
+                                      <p:cBhvr>
+                                        <p:cTn id="14" dur="1" fill="hold">
+                                          <p:stCondLst>
+                                            <p:cond delay="0"/>
+                                          </p:stCondLst>
+                                        </p:cTn>
+                                        <p:tgtEl>
+                                          <p:spTgt spid="8"/>
+                                        </p:tgtEl>
+                                        <p:attrNameLst>
+                                          <p:attrName>style.visibility</p:attrName>
+                                        </p:attrNameLst>
+                                      </p:cBhvr>
+                                      <p:to>
+                                        <p:strVal val="visible"/>
+                                      </p:to>
+                                    </p:set>
+                                  </p:childTnLst>
+                                </p:cTn>
+                              </p:par>
+                            </p:childTnLst>
+                          </p:cTn>
+                        </p:par>
+                      </p:childTnLst>
+                    </p:cTn>
+                  </p:par>
+                  <p:par>
+                    <p:cTn id="15" fill="hold">
+                      <p:stCondLst>
+                        <p:cond delay="indefinite"/>
+                      </p:stCondLst>
+                      <p:childTnLst>
+                        <p:par>
+                          <p:cTn id="16" fill="hold">
+                            <p:stCondLst>
+                              <p:cond delay="0"/>
+                            </p:stCondLst>
+                            <p:childTnLst>
+                              <p:par>
+                                <p:cTn id="17" presetID="1" presetClass="entr" presetSubtype="0" fill="hold" grpId="0" nodeType="clickEffect">
+                                  <p:stCondLst>
+                                    <p:cond delay="0"/>
+                                  </p:stCondLst>
+                                  <p:childTnLst>
+                                    <p:set>
+                                      <p:cBhvr>
+                                        <p:cTn id="18" dur="1" fill="hold">
+                                          <p:stCondLst>
+                                            <p:cond delay="0"/>
+                                          </p:stCondLst>
+                                        </p:cTn>
+                                        <p:tgtEl>
+                                          <p:spTgt spid="11"/>
+                                        </p:tgtEl>
+                                        <p:attrNameLst>
+                                          <p:attrName>style.visibility</p:attrName>
+                                        </p:attrNameLst>
+                                      </p:cBhvr>
+                                      <p:to>
+                                        <p:strVal val="visible"/>
+                                      </p:to>
+                                    </p:set>
+                                  </p:childTnLst>
+                                </p:cTn>
+                              </p:par>
+                            </p:childTnLst>
+                          </p:cTn>
+                        </p:par>
+                      </p:childTnLst>
+                    </p:cTn>
+                  </p:par>
+                  <p:par>
+                    <p:cTn id="19" fill="hold">
+                      <p:stCondLst>
+                        <p:cond delay="indefinite"/>
+                      </p:stCondLst>
+                      <p:childTnLst>
+                        <p:par>
+                          <p:cTn id="20" fill="hold">
+                            <p:stCondLst>
+                              <p:cond delay="0"/>
+                            </p:stCondLst>
+                            <p:childTnLst>
+                              <p:par>
+                                <p:cTn id="21" presetID="1" presetClass="entr" presetSubtype="0" fill="hold" grpId="0" nodeType="clickEffect">
+                                  <p:stCondLst>
+                                    <p:cond delay="0"/>
+                                  </p:stCondLst>
+                                  <p:childTnLst>
+                                    <p:set>
+                                      <p:cBhvr>
+                                        <p:cTn id="22" dur="1" fill="hold">
+                                          <p:stCondLst>
+                                            <p:cond delay="0"/>
+                                          </p:stCondLst>
+                                        </p:cTn>
+                                        <p:tgtEl>
+                                          <p:spTgt spid="18"/>
+                                        </p:tgtEl>
+                                        <p:attrNameLst>
+                                          <p:attrName>style.visibility</p:attrName>
+                                        </p:attrNameLst>
+                                      </p:cBhvr>
+                                      <p:to>
+                                        <p:strVal val="visible"/>
+                                      </p:to>
+                                    </p:set>
+                                  </p:childTnLst>
+                                </p:cTn>
+                              </p:par>
+                            </p:childTnLst>
+                          </p:cTn>
+                        </p:par>
+                      </p:childTnLst>
+                    </p:cTn>
+                  </p:par>
+                </p:childTnLst>
+              </p:cTn>
+              <p:prevCondLst>
+                <p:cond evt="onPrev" delay="0">
+                  <p:tgtEl>
+                    <p:sldTgt/>
+                  </p:tgtEl>
+                </p:cond>
+              </p:prevCondLst>
+              <p:nextCondLst>
+                <p:cond evt="onNext" delay="0">
+                  <p:tgtEl>
+                    <p:sldTgt/>
+                  </p:tgtEl>
+                </p:cond>
+              </p:nextCondLst>
+            </p:seq>
+          </p:childTnLst>
+        </p:cTn>
+      </p:par>
+    </p:tnLst>
+    <p:bldLst>
+      <p:bldP spid="10" grpId="0" animBg="1"/>
+      <p:bldP spid="11" grpId="0" animBg="1"/>
+      <p:bldP spid="18" grpId="0" animBg="1"/>
+      <p:bldP spid="19" grpId="0" animBg="1"/>
+    </p:bldLst>
+  </p:timing>
+</p:sld>
+</file>
+
+<file path=ppt/slides/slide16.xml><?xml version="1.0" encoding="utf-8"?>
+<p:sld xmlns:a="http://schemas.openxmlformats.org/drawingml/2006/main" xmlns:r="http://schemas.openxmlformats.org/officeDocument/2006/relationships" xmlns:p="http://schemas.openxmlformats.org/presentationml/2006/main">
+  <p:cSld>
+    <p:spTree>
+      <p:nvGrpSpPr>
+        <p:cNvPr id="1" name=""/>
+        <p:cNvGrpSpPr/>
+        <p:nvPr/>
+      </p:nvGrpSpPr>
+      <p:grpSpPr>
+        <a:xfrm>
+          <a:off x="0" y="0"/>
+          <a:ext cx="0" cy="0"/>
+          <a:chOff x="0" y="0"/>
+          <a:chExt cx="0" cy="0"/>
+        </a:xfrm>
+      </p:grpSpPr>
+      <p:sp>
+        <p:nvSpPr>
+          <p:cNvPr id="2" name="Slide Number Placeholder 1">
+            <a:extLst>
+              <a:ext uri="{FF2B5EF4-FFF2-40B4-BE49-F238E27FC236}">
+                <a16:creationId xmlns:a16="http://schemas.microsoft.com/office/drawing/2014/main" id="{74112F4F-E070-45D3-3B8B-7B601CB0BBDF}"/>
+              </a:ext>
+            </a:extLst>
+          </p:cNvPr>
+          <p:cNvSpPr>
+            <a:spLocks noGrp="1"/>
+          </p:cNvSpPr>
+          <p:nvPr>
+            <p:ph type="sldNum" sz="quarter" idx="5"/>
+          </p:nvPr>
+        </p:nvSpPr>
+        <p:spPr/>
+        <p:txBody>
+          <a:bodyPr/>
+          <a:lstStyle/>
+          <a:p>
+            <a:fld id="{2BF067CD-8E6B-4360-9AA8-C5DF2A48A6D1}" type="slidenum">
+              <a:rPr lang="en-US" noProof="0" smtClean="0"/>
+              <a:pPr/>
+              <a:t>16</a:t>
+            </a:fld>
+            <a:endParaRPr lang="en-US" noProof="0" dirty="0"/>
+          </a:p>
+        </p:txBody>
+      </p:sp>
+      <p:sp>
+        <p:nvSpPr>
+          <p:cNvPr id="4" name="Title 3">
+            <a:extLst>
+              <a:ext uri="{FF2B5EF4-FFF2-40B4-BE49-F238E27FC236}">
+                <a16:creationId xmlns:a16="http://schemas.microsoft.com/office/drawing/2014/main" id="{BECFB516-CACF-A647-0040-7449249F6DB3}"/>
+              </a:ext>
+            </a:extLst>
+          </p:cNvPr>
+          <p:cNvSpPr>
+            <a:spLocks noGrp="1"/>
+          </p:cNvSpPr>
+          <p:nvPr>
+            <p:ph type="title"/>
+          </p:nvPr>
+        </p:nvSpPr>
+        <p:spPr/>
+        <p:txBody>
+          <a:bodyPr/>
+          <a:lstStyle/>
+          <a:p>
+            <a:r>
+              <a:rPr lang="en-US" dirty="0"/>
+              <a:t>BindingSource </a:t>
+            </a:r>
+            <a:r>
+              <a:rPr lang="bg-BG" dirty="0"/>
+              <a:t>и </a:t>
+            </a:r>
+            <a:r>
+              <a:rPr lang="en-US" dirty="0"/>
+              <a:t>DataGridView</a:t>
+            </a:r>
+            <a:r>
+              <a:rPr lang="bg-BG" dirty="0"/>
+              <a:t> </a:t>
+            </a:r>
+            <a:r>
+              <a:rPr lang="en-US" dirty="0"/>
+              <a:t>(2)</a:t>
+            </a:r>
+            <a:endParaRPr lang="en-BG" dirty="0"/>
+          </a:p>
+        </p:txBody>
+      </p:sp>
+      <p:pic>
+        <p:nvPicPr>
+          <p:cNvPr id="5" name="Picture 4">
+            <a:extLst>
+              <a:ext uri="{FF2B5EF4-FFF2-40B4-BE49-F238E27FC236}">
+                <a16:creationId xmlns:a16="http://schemas.microsoft.com/office/drawing/2014/main" id="{BCA7A64B-37D8-024C-69AB-6C8641353DAA}"/>
+              </a:ext>
+            </a:extLst>
+          </p:cNvPr>
+          <p:cNvPicPr>
+            <a:picLocks noChangeAspect="1"/>
+          </p:cNvPicPr>
+          <p:nvPr/>
+        </p:nvPicPr>
+        <p:blipFill>
+          <a:blip r:embed="rId2">
+            <a:extLst>
+              <a:ext uri="{28A0092B-C50C-407E-A947-70E740481C1C}">
+                <a14:useLocalDpi xmlns:a14="http://schemas.microsoft.com/office/drawing/2010/main" val="0"/>
+              </a:ext>
+            </a:extLst>
+          </a:blip>
+          <a:srcRect/>
+          <a:stretch/>
+        </p:blipFill>
+        <p:spPr>
+          <a:xfrm>
+            <a:off x="8647771" y="2729582"/>
+            <a:ext cx="3288966" cy="2440576"/>
+          </a:xfrm>
+          <a:prstGeom prst="rect">
+            <a:avLst/>
+          </a:prstGeom>
+        </p:spPr>
+      </p:pic>
+      <p:sp>
+        <p:nvSpPr>
+          <p:cNvPr id="7" name="Rounded Rectangular Callout 6">
+            <a:extLst>
+              <a:ext uri="{FF2B5EF4-FFF2-40B4-BE49-F238E27FC236}">
+                <a16:creationId xmlns:a16="http://schemas.microsoft.com/office/drawing/2014/main" id="{46F87BE9-7454-72BE-596A-2BDD49F82F46}"/>
+              </a:ext>
+            </a:extLst>
+          </p:cNvPr>
+          <p:cNvSpPr/>
+          <p:nvPr/>
+        </p:nvSpPr>
+        <p:spPr bwMode="auto">
+          <a:xfrm>
+            <a:off x="8647771" y="2065821"/>
+            <a:ext cx="3195000" cy="508849"/>
+          </a:xfrm>
+          <a:prstGeom prst="wedgeRoundRectCallout">
+            <a:avLst>
+              <a:gd name="adj1" fmla="val -6405"/>
+              <a:gd name="adj2" fmla="val 156409"/>
+              <a:gd name="adj3" fmla="val 16667"/>
+            </a:avLst>
+          </a:prstGeom>
+          <a:solidFill>
+            <a:schemeClr val="dk2">
+              <a:alpha val="80000"/>
+            </a:schemeClr>
+          </a:solidFill>
+          <a:ln w="19050">
+            <a:solidFill>
+              <a:schemeClr val="tx1">
+                <a:lumMod val="75000"/>
+                <a:alpha val="80000"/>
+              </a:schemeClr>
+            </a:solidFill>
+          </a:ln>
+          <a:effectLst/>
+        </p:spPr>
+        <p:style>
+          <a:lnRef idx="2">
+            <a:schemeClr val="accent1">
+              <a:shade val="50000"/>
+            </a:schemeClr>
+          </a:lnRef>
+          <a:fillRef idx="1001">
+            <a:schemeClr val="dk2"/>
+          </a:fillRef>
+          <a:effectRef idx="0">
+            <a:schemeClr val="accent1"/>
+          </a:effectRef>
+          <a:fontRef idx="minor">
+            <a:schemeClr val="lt1"/>
+          </a:fontRef>
+        </p:style>
+        <p:txBody>
+          <a:bodyPr rot="0" spcFirstLastPara="0" vertOverflow="overflow" horzOverflow="overflow" vert="horz" wrap="square" lIns="91440" tIns="45720" rIns="91440" bIns="45720" numCol="1" spcCol="0" rtlCol="0" fromWordArt="0" anchor="ctr" anchorCtr="0" forceAA="0" compatLnSpc="1">
+            <a:prstTxWarp prst="textNoShape">
+              <a:avLst/>
+            </a:prstTxWarp>
+            <a:noAutofit/>
+          </a:bodyPr>
+          <a:lstStyle/>
+          <a:p>
+            <a:pPr algn="ctr"/>
+            <a:r>
+              <a:rPr lang="bg-BG" sz="2000" b="1" dirty="0">
+                <a:solidFill>
+                  <a:schemeClr val="bg2"/>
+                </a:solidFill>
+                <a:effectLst>
+                  <a:outerShdw blurRad="38100" dist="38100" dir="2700000" algn="tl">
+                    <a:srgbClr val="000000">
+                      <a:alpha val="43137"/>
+                    </a:srgbClr>
+                  </a:outerShdw>
+                </a:effectLst>
+              </a:rPr>
+              <a:t>Данните се </a:t>
+            </a:r>
+            <a:r>
+              <a:rPr lang="bg-BG" sz="2000" b="1" dirty="0">
+                <a:solidFill>
+                  <a:schemeClr val="accent1">
+                    <a:lumMod val="60000"/>
+                    <a:lumOff val="40000"/>
+                  </a:schemeClr>
+                </a:solidFill>
+                <a:effectLst>
+                  <a:outerShdw blurRad="38100" dist="38100" dir="2700000" algn="tl">
+                    <a:srgbClr val="000000">
+                      <a:alpha val="43137"/>
+                    </a:srgbClr>
+                  </a:outerShdw>
+                </a:effectLst>
+              </a:rPr>
+              <a:t>визуализират</a:t>
+            </a:r>
+          </a:p>
+        </p:txBody>
+      </p:sp>
+      <p:pic>
+        <p:nvPicPr>
+          <p:cNvPr id="9" name="Picture 8">
+            <a:extLst>
+              <a:ext uri="{FF2B5EF4-FFF2-40B4-BE49-F238E27FC236}">
+                <a16:creationId xmlns:a16="http://schemas.microsoft.com/office/drawing/2014/main" id="{8F9C26E0-4877-57EE-EABF-6FF9E252E3FE}"/>
+              </a:ext>
+            </a:extLst>
+          </p:cNvPr>
+          <p:cNvPicPr>
+            <a:picLocks noChangeAspect="1"/>
+          </p:cNvPicPr>
+          <p:nvPr/>
+        </p:nvPicPr>
+        <p:blipFill>
+          <a:blip r:embed="rId3">
+            <a:extLst>
+              <a:ext uri="{28A0092B-C50C-407E-A947-70E740481C1C}">
+                <a14:useLocalDpi xmlns:a14="http://schemas.microsoft.com/office/drawing/2010/main" val="0"/>
+              </a:ext>
+            </a:extLst>
+          </a:blip>
+          <a:stretch>
+            <a:fillRect/>
+          </a:stretch>
+        </p:blipFill>
+        <p:spPr>
+          <a:xfrm>
+            <a:off x="1527177" y="3364105"/>
+            <a:ext cx="5672543" cy="1061315"/>
+          </a:xfrm>
+          <a:prstGeom prst="rect">
+            <a:avLst/>
+          </a:prstGeom>
+          <a:ln>
+            <a:solidFill>
+              <a:schemeClr val="bg2">
+                <a:lumMod val="75000"/>
+              </a:schemeClr>
+            </a:solidFill>
+          </a:ln>
+        </p:spPr>
+      </p:pic>
+      <p:sp>
+        <p:nvSpPr>
+          <p:cNvPr id="11" name="Arrow: Right 10">
+            <a:extLst>
+              <a:ext uri="{FF2B5EF4-FFF2-40B4-BE49-F238E27FC236}">
+                <a16:creationId xmlns:a16="http://schemas.microsoft.com/office/drawing/2014/main" id="{F8C6A754-8B52-FB92-B1DE-87715F9BB7B0}"/>
+              </a:ext>
+            </a:extLst>
+          </p:cNvPr>
+          <p:cNvSpPr/>
+          <p:nvPr/>
+        </p:nvSpPr>
+        <p:spPr>
+          <a:xfrm>
+            <a:off x="7311000" y="3399763"/>
+            <a:ext cx="1202030" cy="990000"/>
+          </a:xfrm>
+          <a:prstGeom prst="rightArrow">
+            <a:avLst/>
+          </a:prstGeom>
+          <a:solidFill>
+            <a:schemeClr val="tx1"/>
+          </a:solidFill>
+          <a:ln>
+            <a:solidFill>
+              <a:schemeClr val="tx1"/>
+            </a:solidFill>
+          </a:ln>
+        </p:spPr>
+        <p:style>
+          <a:lnRef idx="2">
+            <a:schemeClr val="accent1">
+              <a:shade val="50000"/>
+            </a:schemeClr>
+          </a:lnRef>
+          <a:fillRef idx="1">
+            <a:schemeClr val="accent1"/>
+          </a:fillRef>
+          <a:effectRef idx="0">
+            <a:schemeClr val="accent1"/>
+          </a:effectRef>
+          <a:fontRef idx="minor">
+            <a:schemeClr val="lt1"/>
+          </a:fontRef>
+        </p:style>
+        <p:txBody>
+          <a:bodyPr rtlCol="0" anchor="ctr"/>
+          <a:lstStyle/>
+          <a:p>
+            <a:pPr algn="ctr"/>
+            <a:endParaRPr lang="en-US" sz="2799"/>
+          </a:p>
+        </p:txBody>
+      </p:sp>
+      <p:sp>
+        <p:nvSpPr>
+          <p:cNvPr id="12" name="Arrow: Right 10">
+            <a:extLst>
+              <a:ext uri="{FF2B5EF4-FFF2-40B4-BE49-F238E27FC236}">
+                <a16:creationId xmlns:a16="http://schemas.microsoft.com/office/drawing/2014/main" id="{33C5D9AC-8F50-4C7F-A47A-E3C7E50CF44C}"/>
+              </a:ext>
+            </a:extLst>
+          </p:cNvPr>
+          <p:cNvSpPr/>
+          <p:nvPr/>
+        </p:nvSpPr>
+        <p:spPr>
+          <a:xfrm>
+            <a:off x="190406" y="3399763"/>
+            <a:ext cx="1202030" cy="990000"/>
+          </a:xfrm>
+          <a:prstGeom prst="rightArrow">
+            <a:avLst/>
+          </a:prstGeom>
+          <a:solidFill>
+            <a:schemeClr val="tx1"/>
+          </a:solidFill>
+          <a:ln>
+            <a:solidFill>
+              <a:schemeClr val="tx1"/>
+            </a:solidFill>
+          </a:ln>
+        </p:spPr>
+        <p:style>
+          <a:lnRef idx="2">
+            <a:schemeClr val="accent1">
+              <a:shade val="50000"/>
+            </a:schemeClr>
+          </a:lnRef>
+          <a:fillRef idx="1">
+            <a:schemeClr val="accent1"/>
+          </a:fillRef>
+          <a:effectRef idx="0">
+            <a:schemeClr val="accent1"/>
+          </a:effectRef>
+          <a:fontRef idx="minor">
+            <a:schemeClr val="lt1"/>
+          </a:fontRef>
+        </p:style>
+        <p:txBody>
+          <a:bodyPr rtlCol="0" anchor="ctr"/>
+          <a:lstStyle/>
+          <a:p>
+            <a:pPr algn="ctr"/>
+            <a:endParaRPr lang="en-US" sz="2799"/>
+          </a:p>
+        </p:txBody>
+      </p:sp>
+      <p:sp>
+        <p:nvSpPr>
+          <p:cNvPr id="8" name="Rounded Rectangular Callout 7">
+            <a:extLst>
+              <a:ext uri="{FF2B5EF4-FFF2-40B4-BE49-F238E27FC236}">
+                <a16:creationId xmlns:a16="http://schemas.microsoft.com/office/drawing/2014/main" id="{F5579ED4-CB69-AB78-F513-0DE62A680449}"/>
+              </a:ext>
+            </a:extLst>
+          </p:cNvPr>
+          <p:cNvSpPr/>
+          <p:nvPr/>
+        </p:nvSpPr>
+        <p:spPr bwMode="auto">
+          <a:xfrm>
+            <a:off x="1527177" y="2188423"/>
+            <a:ext cx="3288966" cy="508850"/>
+          </a:xfrm>
+          <a:prstGeom prst="wedgeRoundRectCallout">
+            <a:avLst>
+              <a:gd name="adj1" fmla="val 36457"/>
+              <a:gd name="adj2" fmla="val 177122"/>
+              <a:gd name="adj3" fmla="val 16667"/>
+            </a:avLst>
+          </a:prstGeom>
+          <a:solidFill>
+            <a:schemeClr val="dk2">
+              <a:alpha val="80000"/>
+            </a:schemeClr>
+          </a:solidFill>
+          <a:ln w="19050">
+            <a:solidFill>
+              <a:schemeClr val="tx1">
+                <a:lumMod val="75000"/>
+                <a:alpha val="80000"/>
+              </a:schemeClr>
+            </a:solidFill>
+          </a:ln>
+          <a:effectLst/>
+        </p:spPr>
+        <p:style>
+          <a:lnRef idx="2">
+            <a:schemeClr val="accent1">
+              <a:shade val="50000"/>
+            </a:schemeClr>
+          </a:lnRef>
+          <a:fillRef idx="1001">
+            <a:schemeClr val="dk2"/>
+          </a:fillRef>
+          <a:effectRef idx="0">
+            <a:schemeClr val="accent1"/>
+          </a:effectRef>
+          <a:fontRef idx="minor">
+            <a:schemeClr val="lt1"/>
+          </a:fontRef>
+        </p:style>
+        <p:txBody>
+          <a:bodyPr rot="0" spcFirstLastPara="0" vertOverflow="overflow" horzOverflow="overflow" vert="horz" wrap="square" lIns="91440" tIns="45720" rIns="91440" bIns="45720" numCol="1" spcCol="0" rtlCol="0" fromWordArt="0" anchor="ctr" anchorCtr="0" forceAA="0" compatLnSpc="1">
+            <a:prstTxWarp prst="textNoShape">
+              <a:avLst/>
+            </a:prstTxWarp>
+            <a:noAutofit/>
+          </a:bodyPr>
+          <a:lstStyle/>
+          <a:p>
+            <a:pPr algn="ctr"/>
+            <a:r>
+              <a:rPr lang="bg-BG" sz="2000" b="1" dirty="0">
+                <a:solidFill>
+                  <a:schemeClr val="bg2"/>
+                </a:solidFill>
+                <a:effectLst>
+                  <a:outerShdw blurRad="38100" dist="38100" dir="2700000" algn="tl">
+                    <a:srgbClr val="000000">
+                      <a:alpha val="43137"/>
+                    </a:srgbClr>
+                  </a:outerShdw>
+                </a:effectLst>
+              </a:rPr>
+              <a:t>Зареждаме </a:t>
+            </a:r>
+            <a:r>
+              <a:rPr lang="bg-BG" sz="2000" b="1" dirty="0">
+                <a:solidFill>
+                  <a:schemeClr val="accent1">
+                    <a:lumMod val="60000"/>
+                    <a:lumOff val="40000"/>
+                  </a:schemeClr>
+                </a:solidFill>
+                <a:effectLst>
+                  <a:outerShdw blurRad="38100" dist="38100" dir="2700000" algn="tl">
+                    <a:srgbClr val="000000">
+                      <a:alpha val="43137"/>
+                    </a:srgbClr>
+                  </a:outerShdw>
+                </a:effectLst>
+              </a:rPr>
+              <a:t>данните</a:t>
+            </a:r>
+            <a:r>
+              <a:rPr lang="bg-BG" sz="2000" b="1" dirty="0">
+                <a:solidFill>
+                  <a:schemeClr val="bg2"/>
+                </a:solidFill>
+                <a:effectLst>
+                  <a:outerShdw blurRad="38100" dist="38100" dir="2700000" algn="tl">
+                    <a:srgbClr val="000000">
+                      <a:alpha val="43137"/>
+                    </a:srgbClr>
+                  </a:outerShdw>
+                </a:effectLst>
+              </a:rPr>
+              <a:t> от </a:t>
+            </a:r>
+            <a:r>
+              <a:rPr lang="bg-BG" sz="2000" b="1" dirty="0">
+                <a:solidFill>
+                  <a:schemeClr val="accent1">
+                    <a:lumMod val="60000"/>
+                    <a:lumOff val="40000"/>
+                  </a:schemeClr>
+                </a:solidFill>
+                <a:effectLst>
+                  <a:outerShdw blurRad="38100" dist="38100" dir="2700000" algn="tl">
+                    <a:srgbClr val="000000">
+                      <a:alpha val="43137"/>
+                    </a:srgbClr>
+                  </a:outerShdw>
+                </a:effectLst>
+              </a:rPr>
+              <a:t>БД</a:t>
+            </a:r>
+          </a:p>
+        </p:txBody>
+      </p:sp>
+    </p:spTree>
+    <p:extLst>
+      <p:ext uri="{BB962C8B-B14F-4D97-AF65-F5344CB8AC3E}">
+        <p14:creationId xmlns:p14="http://schemas.microsoft.com/office/powerpoint/2010/main" val="2397518618"/>
+      </p:ext>
+    </p:extLst>
+  </p:cSld>
+  <p:clrMapOvr>
+    <a:masterClrMapping/>
+  </p:clrMapOvr>
+  <mc:AlternateContent xmlns:mc="http://schemas.openxmlformats.org/markup-compatibility/2006" xmlns:p14="http://schemas.microsoft.com/office/powerpoint/2010/main">
+    <mc:Choice Requires="p14">
+      <p:transition spd="slow" p14:dur="2000" advClick="0" advTm="5000"/>
+    </mc:Choice>
+    <mc:Fallback xmlns="">
+      <p:transition spd="slow" advClick="0" advTm="5000"/>
+    </mc:Fallback>
+  </mc:AlternateContent>
+  <p:timing>
+    <p:tnLst>
+      <p:par>
+        <p:cTn id="1" dur="indefinite" restart="never" nodeType="tmRoot">
+          <p:childTnLst>
+            <p:seq concurrent="1" nextAc="seek">
+              <p:cTn id="2" dur="indefinite" nodeType="mainSeq">
+                <p:childTnLst>
+                  <p:par>
+                    <p:cTn id="3" fill="hold">
+                      <p:stCondLst>
+                        <p:cond delay="indefinite"/>
+                      </p:stCondLst>
+                      <p:childTnLst>
+                        <p:par>
+                          <p:cTn id="4" fill="hold">
+                            <p:stCondLst>
+                              <p:cond delay="0"/>
+                            </p:stCondLst>
+                            <p:childTnLst>
+                              <p:par>
+                                <p:cTn id="5" presetID="1" presetClass="entr" presetSubtype="0" fill="hold" nodeType="clickEffect">
+                                  <p:stCondLst>
+                                    <p:cond delay="0"/>
+                                  </p:stCondLst>
+                                  <p:childTnLst>
+                                    <p:set>
+                                      <p:cBhvr>
+                                        <p:cTn id="6" dur="1" fill="hold">
+                                          <p:stCondLst>
+                                            <p:cond delay="0"/>
+                                          </p:stCondLst>
+                                        </p:cTn>
+                                        <p:tgtEl>
+                                          <p:spTgt spid="9"/>
+                                        </p:tgtEl>
+                                        <p:attrNameLst>
+                                          <p:attrName>style.visibility</p:attrName>
+                                        </p:attrNameLst>
+                                      </p:cBhvr>
+                                      <p:to>
+                                        <p:strVal val="visible"/>
+                                      </p:to>
+                                    </p:set>
+                                  </p:childTnLst>
+                                </p:cTn>
+                              </p:par>
+                            </p:childTnLst>
+                          </p:cTn>
+                        </p:par>
+                      </p:childTnLst>
+                    </p:cTn>
+                  </p:par>
+                  <p:par>
+                    <p:cTn id="7" fill="hold">
+                      <p:stCondLst>
+                        <p:cond delay="indefinite"/>
+                      </p:stCondLst>
+                      <p:childTnLst>
+                        <p:par>
+                          <p:cTn id="8" fill="hold">
+                            <p:stCondLst>
+                              <p:cond delay="0"/>
+                            </p:stCondLst>
+                            <p:childTnLst>
+                              <p:par>
+                                <p:cTn id="9" presetID="1" presetClass="entr" presetSubtype="0" fill="hold" grpId="0" nodeType="clickEffect">
+                                  <p:stCondLst>
+                                    <p:cond delay="0"/>
+                                  </p:stCondLst>
+                                  <p:childTnLst>
+                                    <p:set>
+                                      <p:cBhvr>
+                                        <p:cTn id="10" dur="1" fill="hold">
+                                          <p:stCondLst>
+                                            <p:cond delay="0"/>
+                                          </p:stCondLst>
+                                        </p:cTn>
+                                        <p:tgtEl>
+                                          <p:spTgt spid="8"/>
+                                        </p:tgtEl>
+                                        <p:attrNameLst>
+                                          <p:attrName>style.visibility</p:attrName>
+                                        </p:attrNameLst>
+                                      </p:cBhvr>
+                                      <p:to>
+                                        <p:strVal val="visible"/>
+                                      </p:to>
+                                    </p:set>
+                                  </p:childTnLst>
+                                </p:cTn>
+                              </p:par>
+                            </p:childTnLst>
+                          </p:cTn>
+                        </p:par>
+                      </p:childTnLst>
+                    </p:cTn>
+                  </p:par>
+                  <p:par>
+                    <p:cTn id="11" fill="hold">
+                      <p:stCondLst>
+                        <p:cond delay="indefinite"/>
+                      </p:stCondLst>
+                      <p:childTnLst>
+                        <p:par>
+                          <p:cTn id="12" fill="hold">
+                            <p:stCondLst>
+                              <p:cond delay="0"/>
+                            </p:stCondLst>
+                            <p:childTnLst>
+                              <p:par>
+                                <p:cTn id="13" presetID="1" presetClass="entr" presetSubtype="0" fill="hold" grpId="0" nodeType="clickEffect">
+                                  <p:stCondLst>
+                                    <p:cond delay="0"/>
+                                  </p:stCondLst>
+                                  <p:childTnLst>
+                                    <p:set>
+                                      <p:cBhvr>
+                                        <p:cTn id="14" dur="1" fill="hold">
+                                          <p:stCondLst>
+                                            <p:cond delay="0"/>
+                                          </p:stCondLst>
+                                        </p:cTn>
+                                        <p:tgtEl>
+                                          <p:spTgt spid="11"/>
+                                        </p:tgtEl>
+                                        <p:attrNameLst>
+                                          <p:attrName>style.visibility</p:attrName>
+                                        </p:attrNameLst>
+                                      </p:cBhvr>
+                                      <p:to>
+                                        <p:strVal val="visible"/>
+                                      </p:to>
+                                    </p:set>
+                                  </p:childTnLst>
+                                </p:cTn>
+                              </p:par>
+                            </p:childTnLst>
+                          </p:cTn>
+                        </p:par>
+                      </p:childTnLst>
+                    </p:cTn>
+                  </p:par>
+                  <p:par>
+                    <p:cTn id="15" fill="hold">
+                      <p:stCondLst>
+                        <p:cond delay="indefinite"/>
+                      </p:stCondLst>
+                      <p:childTnLst>
+                        <p:par>
+                          <p:cTn id="16" fill="hold">
+                            <p:stCondLst>
+                              <p:cond delay="0"/>
+                            </p:stCondLst>
+                            <p:childTnLst>
+                              <p:par>
+                                <p:cTn id="17" presetID="1" presetClass="entr" presetSubtype="0" fill="hold" nodeType="clickEffect">
+                                  <p:stCondLst>
+                                    <p:cond delay="0"/>
+                                  </p:stCondLst>
+                                  <p:childTnLst>
+                                    <p:set>
+                                      <p:cBhvr>
+                                        <p:cTn id="18" dur="1" fill="hold">
+                                          <p:stCondLst>
+                                            <p:cond delay="0"/>
+                                          </p:stCondLst>
+                                        </p:cTn>
+                                        <p:tgtEl>
+                                          <p:spTgt spid="5"/>
+                                        </p:tgtEl>
+                                        <p:attrNameLst>
+                                          <p:attrName>style.visibility</p:attrName>
+                                        </p:attrNameLst>
+                                      </p:cBhvr>
+                                      <p:to>
+                                        <p:strVal val="visible"/>
+                                      </p:to>
+                                    </p:set>
+                                  </p:childTnLst>
+                                </p:cTn>
+                              </p:par>
+                            </p:childTnLst>
+                          </p:cTn>
+                        </p:par>
+                      </p:childTnLst>
+                    </p:cTn>
+                  </p:par>
+                  <p:par>
+                    <p:cTn id="19" fill="hold">
+                      <p:stCondLst>
+                        <p:cond delay="indefinite"/>
+                      </p:stCondLst>
+                      <p:childTnLst>
+                        <p:par>
+                          <p:cTn id="20" fill="hold">
+                            <p:stCondLst>
+                              <p:cond delay="0"/>
+                            </p:stCondLst>
+                            <p:childTnLst>
+                              <p:par>
+                                <p:cTn id="21" presetID="1" presetClass="entr" presetSubtype="0" fill="hold" grpId="0" nodeType="clickEffect">
+                                  <p:stCondLst>
+                                    <p:cond delay="0"/>
+                                  </p:stCondLst>
+                                  <p:childTnLst>
+                                    <p:set>
+                                      <p:cBhvr>
+                                        <p:cTn id="22" dur="1" fill="hold">
+                                          <p:stCondLst>
+                                            <p:cond delay="0"/>
+                                          </p:stCondLst>
+                                        </p:cTn>
+                                        <p:tgtEl>
+                                          <p:spTgt spid="7"/>
+                                        </p:tgtEl>
+                                        <p:attrNameLst>
+                                          <p:attrName>style.visibility</p:attrName>
+                                        </p:attrNameLst>
+                                      </p:cBhvr>
+                                      <p:to>
+                                        <p:strVal val="visible"/>
+                                      </p:to>
+                                    </p:set>
+                                  </p:childTnLst>
+                                </p:cTn>
+                              </p:par>
+                            </p:childTnLst>
+                          </p:cTn>
+                        </p:par>
+                      </p:childTnLst>
+                    </p:cTn>
+                  </p:par>
+                </p:childTnLst>
+              </p:cTn>
+              <p:prevCondLst>
+                <p:cond evt="onPrev" delay="0">
+                  <p:tgtEl>
+                    <p:sldTgt/>
+                  </p:tgtEl>
+                </p:cond>
+              </p:prevCondLst>
+              <p:nextCondLst>
+                <p:cond evt="onNext" delay="0">
+                  <p:tgtEl>
+                    <p:sldTgt/>
+                  </p:tgtEl>
+                </p:cond>
+              </p:nextCondLst>
+            </p:seq>
+          </p:childTnLst>
+        </p:cTn>
+      </p:par>
+    </p:tnLst>
+    <p:bldLst>
+      <p:bldP spid="7" grpId="0" animBg="1"/>
+      <p:bldP spid="11" grpId="0" animBg="1"/>
+      <p:bldP spid="8" grpId="0" animBg="1"/>
+    </p:bldLst>
+  </p:timing>
+</p:sld>
+</file>
+
+<file path=ppt/slides/slide17.xml><?xml version="1.0" encoding="utf-8"?>
+<p:sld xmlns:a="http://schemas.openxmlformats.org/drawingml/2006/main" xmlns:r="http://schemas.openxmlformats.org/officeDocument/2006/relationships" xmlns:p="http://schemas.openxmlformats.org/presentationml/2006/main">
+  <p:cSld>
+    <p:spTree>
+      <p:nvGrpSpPr>
+        <p:cNvPr id="1" name=""/>
+        <p:cNvGrpSpPr/>
+        <p:nvPr/>
+      </p:nvGrpSpPr>
+      <p:grpSpPr>
+        <a:xfrm>
+          <a:off x="0" y="0"/>
+          <a:ext cx="0" cy="0"/>
+          <a:chOff x="0" y="0"/>
+          <a:chExt cx="0" cy="0"/>
+        </a:xfrm>
+      </p:grpSpPr>
+      <p:sp>
+        <p:nvSpPr>
+          <p:cNvPr id="4" name="Slide Subtitle">
+            <a:extLst>
+              <a:ext uri="{FF2B5EF4-FFF2-40B4-BE49-F238E27FC236}">
+                <a16:creationId xmlns:a16="http://schemas.microsoft.com/office/drawing/2014/main" id="{BEB5BB41-09D4-4E9F-8C80-EE8709171CB3}"/>
+              </a:ext>
+            </a:extLst>
+          </p:cNvPr>
+          <p:cNvSpPr>
+            <a:spLocks noGrp="1"/>
+          </p:cNvSpPr>
+          <p:nvPr>
+            <p:ph type="subTitle" sz="quarter" idx="11"/>
+          </p:nvPr>
+        </p:nvSpPr>
         <p:spPr>
           <a:xfrm>
             <a:off x="615108" y="5727084"/>
@@ -10853,7 +13420,7 @@
 </p:sld>
 </file>
 
-<file path=ppt/slides/slide14.xml><?xml version="1.0" encoding="utf-8"?>
+<file path=ppt/slides/slide18.xml><?xml version="1.0" encoding="utf-8"?>
 <p:sld xmlns:a="http://schemas.openxmlformats.org/drawingml/2006/main" xmlns:r="http://schemas.openxmlformats.org/officeDocument/2006/relationships" xmlns:p="http://schemas.openxmlformats.org/presentationml/2006/main">
   <p:cSld>
     <p:spTree>
@@ -10894,7 +13461,7 @@
             <a:fld id="{2BF067CD-8E6B-4360-9AA8-C5DF2A48A6D1}" type="slidenum">
               <a:rPr lang="en-US" noProof="0" smtClean="0"/>
               <a:pPr/>
-              <a:t>14</a:t>
+              <a:t>18</a:t>
             </a:fld>
             <a:endParaRPr lang="en-US" noProof="0" dirty="0"/>
           </a:p>
@@ -11296,7 +13863,7 @@
 </p:sld>
 </file>
 
-<file path=ppt/slides/slide15.xml><?xml version="1.0" encoding="utf-8"?>
+<file path=ppt/slides/slide19.xml><?xml version="1.0" encoding="utf-8"?>
 <p:sld xmlns:a="http://schemas.openxmlformats.org/drawingml/2006/main" xmlns:r="http://schemas.openxmlformats.org/officeDocument/2006/relationships" xmlns:p="http://schemas.openxmlformats.org/presentationml/2006/main">
   <p:cSld>
     <p:spTree>
@@ -11337,7 +13904,7 @@
             <a:fld id="{2BF067CD-8E6B-4360-9AA8-C5DF2A48A6D1}" type="slidenum">
               <a:rPr lang="en-US" noProof="0" smtClean="0"/>
               <a:pPr/>
-              <a:t>15</a:t>
+              <a:t>19</a:t>
             </a:fld>
             <a:endParaRPr lang="en-US" noProof="0" dirty="0"/>
           </a:p>
@@ -11498,2727 +14065,6 @@
 </p:sld>
 </file>
 
-<file path=ppt/slides/slide16.xml><?xml version="1.0" encoding="utf-8"?>
-<p:sld xmlns:a="http://schemas.openxmlformats.org/drawingml/2006/main" xmlns:r="http://schemas.openxmlformats.org/officeDocument/2006/relationships" xmlns:p="http://schemas.openxmlformats.org/presentationml/2006/main">
-  <p:cSld>
-    <p:spTree>
-      <p:nvGrpSpPr>
-        <p:cNvPr id="1" name=""/>
-        <p:cNvGrpSpPr/>
-        <p:nvPr/>
-      </p:nvGrpSpPr>
-      <p:grpSpPr>
-        <a:xfrm>
-          <a:off x="0" y="0"/>
-          <a:ext cx="0" cy="0"/>
-          <a:chOff x="0" y="0"/>
-          <a:chExt cx="0" cy="0"/>
-        </a:xfrm>
-      </p:grpSpPr>
-      <p:sp>
-        <p:nvSpPr>
-          <p:cNvPr id="2" name="Slide Number Placeholder 1">
-            <a:extLst>
-              <a:ext uri="{FF2B5EF4-FFF2-40B4-BE49-F238E27FC236}">
-                <a16:creationId xmlns:a16="http://schemas.microsoft.com/office/drawing/2014/main" id="{5DF32E4F-E2EF-31D2-89A4-597E31CBABA5}"/>
-              </a:ext>
-            </a:extLst>
-          </p:cNvPr>
-          <p:cNvSpPr>
-            <a:spLocks noGrp="1"/>
-          </p:cNvSpPr>
-          <p:nvPr>
-            <p:ph type="sldNum" sz="quarter" idx="5"/>
-          </p:nvPr>
-        </p:nvSpPr>
-        <p:spPr/>
-        <p:txBody>
-          <a:bodyPr/>
-          <a:lstStyle/>
-          <a:p>
-            <a:fld id="{2BF067CD-8E6B-4360-9AA8-C5DF2A48A6D1}" type="slidenum">
-              <a:rPr lang="en-US" noProof="0" smtClean="0"/>
-              <a:pPr/>
-              <a:t>16</a:t>
-            </a:fld>
-            <a:endParaRPr lang="en-US" noProof="0" dirty="0"/>
-          </a:p>
-        </p:txBody>
-      </p:sp>
-      <p:sp>
-        <p:nvSpPr>
-          <p:cNvPr id="3" name="Text Placeholder 2">
-            <a:extLst>
-              <a:ext uri="{FF2B5EF4-FFF2-40B4-BE49-F238E27FC236}">
-                <a16:creationId xmlns:a16="http://schemas.microsoft.com/office/drawing/2014/main" id="{98A95534-CDA4-8D4D-CB49-BAEE33A7F574}"/>
-              </a:ext>
-            </a:extLst>
-          </p:cNvPr>
-          <p:cNvSpPr>
-            <a:spLocks noGrp="1"/>
-          </p:cNvSpPr>
-          <p:nvPr>
-            <p:ph type="body" sz="quarter" idx="10"/>
-          </p:nvPr>
-        </p:nvSpPr>
-        <p:spPr>
-          <a:xfrm>
-            <a:off x="190402" y="1196125"/>
-            <a:ext cx="7525598" cy="5528766"/>
-          </a:xfrm>
-        </p:spPr>
-        <p:txBody>
-          <a:bodyPr/>
-          <a:lstStyle/>
-          <a:p>
-            <a:r>
-              <a:rPr lang="bg-BG" sz="3000" dirty="0"/>
-              <a:t>Свързваме се със сървъра</a:t>
-            </a:r>
-          </a:p>
-          <a:p>
-            <a:pPr lvl="1">
-              <a:tabLst>
-                <a:tab pos="4483100" algn="l"/>
-              </a:tabLst>
-            </a:pPr>
-            <a:r>
-              <a:rPr lang="en-US" sz="2800" b="1" dirty="0">
-                <a:solidFill>
-                  <a:schemeClr val="bg1"/>
-                </a:solidFill>
-              </a:rPr>
-              <a:t>Tools</a:t>
-            </a:r>
-            <a:r>
-              <a:rPr lang="en-US" sz="2800" dirty="0"/>
-              <a:t> → </a:t>
-            </a:r>
-            <a:r>
-              <a:rPr lang="en-US" sz="2800" b="1" dirty="0"/>
-              <a:t>[</a:t>
-            </a:r>
-            <a:r>
-              <a:rPr lang="en-US" sz="2800" b="1" dirty="0">
-                <a:solidFill>
-                  <a:schemeClr val="bg1"/>
-                </a:solidFill>
-              </a:rPr>
-              <a:t>Connect to Database</a:t>
-            </a:r>
-            <a:r>
-              <a:rPr lang="en-US" sz="2800" b="1" dirty="0"/>
-              <a:t>]</a:t>
-            </a:r>
-            <a:endParaRPr lang="bg-BG" sz="2800" b="1" dirty="0"/>
-          </a:p>
-          <a:p>
-            <a:r>
-              <a:rPr lang="bg-BG" sz="3000" dirty="0"/>
-              <a:t>Свързваме се с </a:t>
-            </a:r>
-            <a:r>
-              <a:rPr lang="bg-BG" sz="3000" b="1" dirty="0"/>
-              <a:t>локалната</a:t>
-            </a:r>
-            <a:r>
-              <a:rPr lang="bg-BG" sz="3000" dirty="0"/>
-              <a:t> ни </a:t>
-            </a:r>
-            <a:r>
-              <a:rPr lang="bg-BG" sz="3000" b="1" dirty="0"/>
-              <a:t>инстанция</a:t>
-            </a:r>
-            <a:r>
-              <a:rPr lang="bg-BG" sz="3000" dirty="0"/>
-              <a:t> на </a:t>
-            </a:r>
-            <a:r>
-              <a:rPr lang="en-US" sz="3000" b="1" dirty="0">
-                <a:solidFill>
-                  <a:schemeClr val="bg1"/>
-                </a:solidFill>
-              </a:rPr>
-              <a:t>SQL </a:t>
-            </a:r>
-            <a:r>
-              <a:rPr lang="bg-BG" sz="3000" b="1" dirty="0">
-                <a:solidFill>
-                  <a:schemeClr val="bg1"/>
-                </a:solidFill>
-              </a:rPr>
-              <a:t>сървъра</a:t>
-            </a:r>
-            <a:endParaRPr lang="en-US" sz="3000" b="1" dirty="0">
-              <a:solidFill>
-                <a:schemeClr val="bg1"/>
-              </a:solidFill>
-            </a:endParaRPr>
-          </a:p>
-          <a:p>
-            <a:r>
-              <a:rPr lang="bg-BG" sz="3000" dirty="0"/>
-              <a:t>Създаваме </a:t>
-            </a:r>
-            <a:r>
-              <a:rPr lang="bg-BG" sz="3000" b="1" dirty="0">
-                <a:solidFill>
-                  <a:schemeClr val="bg1"/>
-                </a:solidFill>
-              </a:rPr>
-              <a:t>база данни</a:t>
-            </a:r>
-          </a:p>
-          <a:p>
-            <a:pPr lvl="1"/>
-            <a:r>
-              <a:rPr lang="bg-BG" sz="2800" dirty="0"/>
-              <a:t>В полето </a:t>
-            </a:r>
-            <a:r>
-              <a:rPr lang="en-US" sz="2800" b="1" dirty="0"/>
-              <a:t>Select or enter a database name</a:t>
-            </a:r>
-            <a:r>
-              <a:rPr lang="bg-BG" sz="2800" dirty="0"/>
-              <a:t> задаваме </a:t>
-            </a:r>
-            <a:r>
-              <a:rPr lang="bg-BG" sz="2800" b="1" dirty="0">
-                <a:solidFill>
-                  <a:schemeClr val="bg1"/>
-                </a:solidFill>
-              </a:rPr>
-              <a:t>подходящо име</a:t>
-            </a:r>
-            <a:r>
-              <a:rPr lang="en-US" sz="2800" dirty="0"/>
-              <a:t>,</a:t>
-            </a:r>
-            <a:r>
-              <a:rPr lang="bg-BG" sz="2800" dirty="0"/>
-              <a:t> например</a:t>
-            </a:r>
-            <a:r>
-              <a:rPr lang="en-US" sz="2800" dirty="0"/>
-              <a:t> </a:t>
-            </a:r>
-            <a:r>
-              <a:rPr lang="bg-BG" sz="2800" dirty="0"/>
-              <a:t>"</a:t>
-            </a:r>
-            <a:r>
-              <a:rPr lang="en-US" sz="2800" b="1" dirty="0">
-                <a:solidFill>
-                  <a:schemeClr val="bg1"/>
-                </a:solidFill>
-                <a:latin typeface="Consolas" panose="020B0609020204030204" pitchFamily="49" charset="0"/>
-                <a:cs typeface="Consolas" panose="020B0609020204030204" pitchFamily="49" charset="0"/>
-              </a:rPr>
-              <a:t>StoreDb</a:t>
-            </a:r>
-            <a:r>
-              <a:rPr lang="bg-BG" sz="2800" dirty="0"/>
-              <a:t>”</a:t>
-            </a:r>
-            <a:endParaRPr lang="en-US" sz="2800" dirty="0"/>
-          </a:p>
-          <a:p>
-            <a:r>
-              <a:rPr lang="bg-BG" sz="3000" dirty="0"/>
-              <a:t>Тестваме връзката с </a:t>
-            </a:r>
-            <a:r>
-              <a:rPr lang="en-US" sz="3000" b="1" dirty="0"/>
-              <a:t>[</a:t>
-            </a:r>
-            <a:r>
-              <a:rPr lang="en-US" sz="3000" b="1" dirty="0">
-                <a:solidFill>
-                  <a:schemeClr val="bg1"/>
-                </a:solidFill>
-              </a:rPr>
-              <a:t>Test Connection</a:t>
-            </a:r>
-            <a:r>
-              <a:rPr lang="en-US" sz="3000" b="1" dirty="0"/>
-              <a:t>]</a:t>
-            </a:r>
-            <a:r>
-              <a:rPr lang="en-US" sz="3000" b="1" dirty="0">
-                <a:solidFill>
-                  <a:schemeClr val="bg1"/>
-                </a:solidFill>
-              </a:rPr>
-              <a:t> </a:t>
-            </a:r>
-            <a:r>
-              <a:rPr lang="bg-BG" sz="3000" dirty="0"/>
-              <a:t>и натискаме </a:t>
-            </a:r>
-            <a:r>
-              <a:rPr lang="en-US" sz="3000" b="1" dirty="0"/>
-              <a:t>[</a:t>
-            </a:r>
-            <a:r>
-              <a:rPr lang="en-US" sz="3000" b="1" dirty="0">
-                <a:solidFill>
-                  <a:schemeClr val="bg1"/>
-                </a:solidFill>
-              </a:rPr>
-              <a:t>OK</a:t>
-            </a:r>
-            <a:r>
-              <a:rPr lang="en-US" sz="3000" b="1" dirty="0"/>
-              <a:t>]</a:t>
-            </a:r>
-          </a:p>
-        </p:txBody>
-      </p:sp>
-      <p:sp>
-        <p:nvSpPr>
-          <p:cNvPr id="4" name="Title 3">
-            <a:extLst>
-              <a:ext uri="{FF2B5EF4-FFF2-40B4-BE49-F238E27FC236}">
-                <a16:creationId xmlns:a16="http://schemas.microsoft.com/office/drawing/2014/main" id="{AD3828FB-E08D-CB64-BD97-65FE8CABF479}"/>
-              </a:ext>
-            </a:extLst>
-          </p:cNvPr>
-          <p:cNvSpPr>
-            <a:spLocks noGrp="1"/>
-          </p:cNvSpPr>
-          <p:nvPr>
-            <p:ph type="title"/>
-          </p:nvPr>
-        </p:nvSpPr>
-        <p:spPr/>
-        <p:txBody>
-          <a:bodyPr>
-            <a:normAutofit fontScale="90000"/>
-          </a:bodyPr>
-          <a:lstStyle/>
-          <a:p>
-            <a:r>
-              <a:rPr lang="bg-BG" dirty="0"/>
-              <a:t>Свързване на сървър и конфигурация на връзка</a:t>
-            </a:r>
-            <a:endParaRPr lang="en-BG" dirty="0"/>
-          </a:p>
-        </p:txBody>
-      </p:sp>
-      <p:pic>
-        <p:nvPicPr>
-          <p:cNvPr id="6" name="Picture 5">
-            <a:extLst>
-              <a:ext uri="{FF2B5EF4-FFF2-40B4-BE49-F238E27FC236}">
-                <a16:creationId xmlns:a16="http://schemas.microsoft.com/office/drawing/2014/main" id="{BDF3CB0C-6EB1-10A0-4C8D-E62A70413729}"/>
-              </a:ext>
-            </a:extLst>
-          </p:cNvPr>
-          <p:cNvPicPr>
-            <a:picLocks noChangeAspect="1"/>
-          </p:cNvPicPr>
-          <p:nvPr/>
-        </p:nvPicPr>
-        <p:blipFill>
-          <a:blip r:embed="rId2">
-            <a:extLst>
-              <a:ext uri="{28A0092B-C50C-407E-A947-70E740481C1C}">
-                <a14:useLocalDpi xmlns:a14="http://schemas.microsoft.com/office/drawing/2010/main" val="0"/>
-              </a:ext>
-            </a:extLst>
-          </a:blip>
-          <a:stretch>
-            <a:fillRect/>
-          </a:stretch>
-        </p:blipFill>
-        <p:spPr>
-          <a:xfrm>
-            <a:off x="7574515" y="1215053"/>
-            <a:ext cx="3915000" cy="5291947"/>
-          </a:xfrm>
-          <a:prstGeom prst="rect">
-            <a:avLst/>
-          </a:prstGeom>
-          <a:ln>
-            <a:solidFill>
-              <a:schemeClr val="bg2">
-                <a:lumMod val="75000"/>
-              </a:schemeClr>
-            </a:solidFill>
-          </a:ln>
-        </p:spPr>
-      </p:pic>
-    </p:spTree>
-    <p:extLst>
-      <p:ext uri="{BB962C8B-B14F-4D97-AF65-F5344CB8AC3E}">
-        <p14:creationId xmlns:p14="http://schemas.microsoft.com/office/powerpoint/2010/main" val="123098562"/>
-      </p:ext>
-    </p:extLst>
-  </p:cSld>
-  <p:clrMapOvr>
-    <a:masterClrMapping/>
-  </p:clrMapOvr>
-  <mc:AlternateContent xmlns:mc="http://schemas.openxmlformats.org/markup-compatibility/2006" xmlns:p14="http://schemas.microsoft.com/office/powerpoint/2010/main">
-    <mc:Choice Requires="p14">
-      <p:transition spd="slow" p14:dur="2000" advClick="0" advTm="5000"/>
-    </mc:Choice>
-    <mc:Fallback xmlns="">
-      <p:transition spd="slow" advClick="0" advTm="5000"/>
-    </mc:Fallback>
-  </mc:AlternateContent>
-  <p:timing>
-    <p:tnLst>
-      <p:par>
-        <p:cTn id="1" dur="indefinite" restart="never" nodeType="tmRoot">
-          <p:childTnLst>
-            <p:seq concurrent="1" nextAc="seek">
-              <p:cTn id="2" dur="indefinite" nodeType="mainSeq">
-                <p:childTnLst>
-                  <p:par>
-                    <p:cTn id="3" fill="hold">
-                      <p:stCondLst>
-                        <p:cond delay="indefinite"/>
-                      </p:stCondLst>
-                      <p:childTnLst>
-                        <p:par>
-                          <p:cTn id="4" fill="hold">
-                            <p:stCondLst>
-                              <p:cond delay="0"/>
-                            </p:stCondLst>
-                            <p:childTnLst>
-                              <p:par>
-                                <p:cTn id="5" presetID="1" presetClass="entr" presetSubtype="0" fill="hold" nodeType="clickEffect">
-                                  <p:stCondLst>
-                                    <p:cond delay="0"/>
-                                  </p:stCondLst>
-                                  <p:childTnLst>
-                                    <p:set>
-                                      <p:cBhvr>
-                                        <p:cTn id="6" dur="1" fill="hold">
-                                          <p:stCondLst>
-                                            <p:cond delay="0"/>
-                                          </p:stCondLst>
-                                        </p:cTn>
-                                        <p:tgtEl>
-                                          <p:spTgt spid="3">
-                                            <p:txEl>
-                                              <p:pRg st="1" end="1"/>
-                                            </p:txEl>
-                                          </p:spTgt>
-                                        </p:tgtEl>
-                                        <p:attrNameLst>
-                                          <p:attrName>style.visibility</p:attrName>
-                                        </p:attrNameLst>
-                                      </p:cBhvr>
-                                      <p:to>
-                                        <p:strVal val="visible"/>
-                                      </p:to>
-                                    </p:set>
-                                  </p:childTnLst>
-                                </p:cTn>
-                              </p:par>
-                            </p:childTnLst>
-                          </p:cTn>
-                        </p:par>
-                      </p:childTnLst>
-                    </p:cTn>
-                  </p:par>
-                  <p:par>
-                    <p:cTn id="7" fill="hold">
-                      <p:stCondLst>
-                        <p:cond delay="indefinite"/>
-                      </p:stCondLst>
-                      <p:childTnLst>
-                        <p:par>
-                          <p:cTn id="8" fill="hold">
-                            <p:stCondLst>
-                              <p:cond delay="0"/>
-                            </p:stCondLst>
-                            <p:childTnLst>
-                              <p:par>
-                                <p:cTn id="9" presetID="1" presetClass="entr" presetSubtype="0" fill="hold" nodeType="clickEffect">
-                                  <p:stCondLst>
-                                    <p:cond delay="0"/>
-                                  </p:stCondLst>
-                                  <p:childTnLst>
-                                    <p:set>
-                                      <p:cBhvr>
-                                        <p:cTn id="10" dur="1" fill="hold">
-                                          <p:stCondLst>
-                                            <p:cond delay="0"/>
-                                          </p:stCondLst>
-                                        </p:cTn>
-                                        <p:tgtEl>
-                                          <p:spTgt spid="3">
-                                            <p:txEl>
-                                              <p:pRg st="2" end="2"/>
-                                            </p:txEl>
-                                          </p:spTgt>
-                                        </p:tgtEl>
-                                        <p:attrNameLst>
-                                          <p:attrName>style.visibility</p:attrName>
-                                        </p:attrNameLst>
-                                      </p:cBhvr>
-                                      <p:to>
-                                        <p:strVal val="visible"/>
-                                      </p:to>
-                                    </p:set>
-                                  </p:childTnLst>
-                                </p:cTn>
-                              </p:par>
-                            </p:childTnLst>
-                          </p:cTn>
-                        </p:par>
-                      </p:childTnLst>
-                    </p:cTn>
-                  </p:par>
-                  <p:par>
-                    <p:cTn id="11" fill="hold">
-                      <p:stCondLst>
-                        <p:cond delay="indefinite"/>
-                      </p:stCondLst>
-                      <p:childTnLst>
-                        <p:par>
-                          <p:cTn id="12" fill="hold">
-                            <p:stCondLst>
-                              <p:cond delay="0"/>
-                            </p:stCondLst>
-                            <p:childTnLst>
-                              <p:par>
-                                <p:cTn id="13" presetID="1" presetClass="entr" presetSubtype="0" fill="hold" nodeType="clickEffect">
-                                  <p:stCondLst>
-                                    <p:cond delay="0"/>
-                                  </p:stCondLst>
-                                  <p:childTnLst>
-                                    <p:set>
-                                      <p:cBhvr>
-                                        <p:cTn id="14" dur="1" fill="hold">
-                                          <p:stCondLst>
-                                            <p:cond delay="0"/>
-                                          </p:stCondLst>
-                                        </p:cTn>
-                                        <p:tgtEl>
-                                          <p:spTgt spid="3">
-                                            <p:txEl>
-                                              <p:pRg st="3" end="3"/>
-                                            </p:txEl>
-                                          </p:spTgt>
-                                        </p:tgtEl>
-                                        <p:attrNameLst>
-                                          <p:attrName>style.visibility</p:attrName>
-                                        </p:attrNameLst>
-                                      </p:cBhvr>
-                                      <p:to>
-                                        <p:strVal val="visible"/>
-                                      </p:to>
-                                    </p:set>
-                                  </p:childTnLst>
-                                </p:cTn>
-                              </p:par>
-                            </p:childTnLst>
-                          </p:cTn>
-                        </p:par>
-                      </p:childTnLst>
-                    </p:cTn>
-                  </p:par>
-                  <p:par>
-                    <p:cTn id="15" fill="hold">
-                      <p:stCondLst>
-                        <p:cond delay="indefinite"/>
-                      </p:stCondLst>
-                      <p:childTnLst>
-                        <p:par>
-                          <p:cTn id="16" fill="hold">
-                            <p:stCondLst>
-                              <p:cond delay="0"/>
-                            </p:stCondLst>
-                            <p:childTnLst>
-                              <p:par>
-                                <p:cTn id="17" presetID="1" presetClass="entr" presetSubtype="0" fill="hold" nodeType="clickEffect">
-                                  <p:stCondLst>
-                                    <p:cond delay="0"/>
-                                  </p:stCondLst>
-                                  <p:childTnLst>
-                                    <p:set>
-                                      <p:cBhvr>
-                                        <p:cTn id="18" dur="1" fill="hold">
-                                          <p:stCondLst>
-                                            <p:cond delay="0"/>
-                                          </p:stCondLst>
-                                        </p:cTn>
-                                        <p:tgtEl>
-                                          <p:spTgt spid="3">
-                                            <p:txEl>
-                                              <p:pRg st="4" end="4"/>
-                                            </p:txEl>
-                                          </p:spTgt>
-                                        </p:tgtEl>
-                                        <p:attrNameLst>
-                                          <p:attrName>style.visibility</p:attrName>
-                                        </p:attrNameLst>
-                                      </p:cBhvr>
-                                      <p:to>
-                                        <p:strVal val="visible"/>
-                                      </p:to>
-                                    </p:set>
-                                  </p:childTnLst>
-                                </p:cTn>
-                              </p:par>
-                            </p:childTnLst>
-                          </p:cTn>
-                        </p:par>
-                      </p:childTnLst>
-                    </p:cTn>
-                  </p:par>
-                  <p:par>
-                    <p:cTn id="19" fill="hold">
-                      <p:stCondLst>
-                        <p:cond delay="indefinite"/>
-                      </p:stCondLst>
-                      <p:childTnLst>
-                        <p:par>
-                          <p:cTn id="20" fill="hold">
-                            <p:stCondLst>
-                              <p:cond delay="0"/>
-                            </p:stCondLst>
-                            <p:childTnLst>
-                              <p:par>
-                                <p:cTn id="21" presetID="1" presetClass="entr" presetSubtype="0" fill="hold" nodeType="clickEffect">
-                                  <p:stCondLst>
-                                    <p:cond delay="0"/>
-                                  </p:stCondLst>
-                                  <p:childTnLst>
-                                    <p:set>
-                                      <p:cBhvr>
-                                        <p:cTn id="22" dur="1" fill="hold">
-                                          <p:stCondLst>
-                                            <p:cond delay="0"/>
-                                          </p:stCondLst>
-                                        </p:cTn>
-                                        <p:tgtEl>
-                                          <p:spTgt spid="3">
-                                            <p:txEl>
-                                              <p:pRg st="5" end="5"/>
-                                            </p:txEl>
-                                          </p:spTgt>
-                                        </p:tgtEl>
-                                        <p:attrNameLst>
-                                          <p:attrName>style.visibility</p:attrName>
-                                        </p:attrNameLst>
-                                      </p:cBhvr>
-                                      <p:to>
-                                        <p:strVal val="visible"/>
-                                      </p:to>
-                                    </p:set>
-                                  </p:childTnLst>
-                                </p:cTn>
-                              </p:par>
-                            </p:childTnLst>
-                          </p:cTn>
-                        </p:par>
-                      </p:childTnLst>
-                    </p:cTn>
-                  </p:par>
-                </p:childTnLst>
-              </p:cTn>
-              <p:prevCondLst>
-                <p:cond evt="onPrev" delay="0">
-                  <p:tgtEl>
-                    <p:sldTgt/>
-                  </p:tgtEl>
-                </p:cond>
-              </p:prevCondLst>
-              <p:nextCondLst>
-                <p:cond evt="onNext" delay="0">
-                  <p:tgtEl>
-                    <p:sldTgt/>
-                  </p:tgtEl>
-                </p:cond>
-              </p:nextCondLst>
-            </p:seq>
-          </p:childTnLst>
-        </p:cTn>
-      </p:par>
-    </p:tnLst>
-  </p:timing>
-</p:sld>
-</file>
-
-<file path=ppt/slides/slide17.xml><?xml version="1.0" encoding="utf-8"?>
-<p:sld xmlns:a="http://schemas.openxmlformats.org/drawingml/2006/main" xmlns:r="http://schemas.openxmlformats.org/officeDocument/2006/relationships" xmlns:p="http://schemas.openxmlformats.org/presentationml/2006/main">
-  <p:cSld>
-    <p:spTree>
-      <p:nvGrpSpPr>
-        <p:cNvPr id="1" name=""/>
-        <p:cNvGrpSpPr/>
-        <p:nvPr/>
-      </p:nvGrpSpPr>
-      <p:grpSpPr>
-        <a:xfrm>
-          <a:off x="0" y="0"/>
-          <a:ext cx="0" cy="0"/>
-          <a:chOff x="0" y="0"/>
-          <a:chExt cx="0" cy="0"/>
-        </a:xfrm>
-      </p:grpSpPr>
-      <p:sp>
-        <p:nvSpPr>
-          <p:cNvPr id="2" name="Slide Number Placeholder 1">
-            <a:extLst>
-              <a:ext uri="{FF2B5EF4-FFF2-40B4-BE49-F238E27FC236}">
-                <a16:creationId xmlns:a16="http://schemas.microsoft.com/office/drawing/2014/main" id="{5DF32E4F-E2EF-31D2-89A4-597E31CBABA5}"/>
-              </a:ext>
-            </a:extLst>
-          </p:cNvPr>
-          <p:cNvSpPr>
-            <a:spLocks noGrp="1"/>
-          </p:cNvSpPr>
-          <p:nvPr>
-            <p:ph type="sldNum" sz="quarter" idx="5"/>
-          </p:nvPr>
-        </p:nvSpPr>
-        <p:spPr/>
-        <p:txBody>
-          <a:bodyPr/>
-          <a:lstStyle/>
-          <a:p>
-            <a:fld id="{2BF067CD-8E6B-4360-9AA8-C5DF2A48A6D1}" type="slidenum">
-              <a:rPr lang="en-US" noProof="0" smtClean="0"/>
-              <a:pPr/>
-              <a:t>17</a:t>
-            </a:fld>
-            <a:endParaRPr lang="en-US" noProof="0" dirty="0"/>
-          </a:p>
-        </p:txBody>
-      </p:sp>
-      <p:sp>
-        <p:nvSpPr>
-          <p:cNvPr id="3" name="Text Placeholder 2">
-            <a:extLst>
-              <a:ext uri="{FF2B5EF4-FFF2-40B4-BE49-F238E27FC236}">
-                <a16:creationId xmlns:a16="http://schemas.microsoft.com/office/drawing/2014/main" id="{98A95534-CDA4-8D4D-CB49-BAEE33A7F574}"/>
-              </a:ext>
-            </a:extLst>
-          </p:cNvPr>
-          <p:cNvSpPr>
-            <a:spLocks noGrp="1"/>
-          </p:cNvSpPr>
-          <p:nvPr>
-            <p:ph type="body" sz="quarter" idx="10"/>
-          </p:nvPr>
-        </p:nvSpPr>
-        <p:spPr>
-          <a:xfrm>
-            <a:off x="190402" y="1196125"/>
-            <a:ext cx="7435598" cy="5528766"/>
-          </a:xfrm>
-        </p:spPr>
-        <p:txBody>
-          <a:bodyPr>
-            <a:normAutofit/>
-          </a:bodyPr>
-          <a:lstStyle/>
-          <a:p>
-            <a:r>
-              <a:rPr lang="bg-BG" sz="2800" dirty="0"/>
-              <a:t>Избираме да създадем </a:t>
-            </a:r>
-            <a:r>
-              <a:rPr lang="bg-BG" sz="2800" b="1" dirty="0">
-                <a:solidFill>
-                  <a:schemeClr val="bg1"/>
-                </a:solidFill>
-              </a:rPr>
-              <a:t>нова</a:t>
-            </a:r>
-            <a:r>
-              <a:rPr lang="bg-BG" sz="2800" dirty="0"/>
-              <a:t> база данни</a:t>
-            </a:r>
-          </a:p>
-          <a:p>
-            <a:r>
-              <a:rPr lang="bg-BG" sz="2800" dirty="0"/>
-              <a:t>В </a:t>
-            </a:r>
-            <a:r>
-              <a:rPr lang="en-US" sz="2800" b="1" dirty="0">
-                <a:solidFill>
-                  <a:schemeClr val="bg1"/>
-                </a:solidFill>
-              </a:rPr>
-              <a:t>Server Explorer</a:t>
-            </a:r>
-            <a:r>
-              <a:rPr lang="bg-BG" sz="2800" b="1" dirty="0">
-                <a:solidFill>
-                  <a:schemeClr val="bg1"/>
-                </a:solidFill>
-              </a:rPr>
-              <a:t> </a:t>
-            </a:r>
-            <a:r>
-              <a:rPr lang="en-US" sz="2800" dirty="0"/>
-              <a:t>→ </a:t>
-            </a:r>
-            <a:r>
-              <a:rPr lang="en-US" sz="2800" b="1" dirty="0">
-                <a:solidFill>
-                  <a:schemeClr val="bg1"/>
-                </a:solidFill>
-              </a:rPr>
-              <a:t>StoreDb</a:t>
-            </a:r>
-            <a:r>
-              <a:rPr lang="en-US" sz="2800" dirty="0"/>
-              <a:t> →</a:t>
-            </a:r>
-            <a:r>
-              <a:rPr lang="en-US" sz="2800" b="1" dirty="0">
-                <a:solidFill>
-                  <a:schemeClr val="bg1"/>
-                </a:solidFill>
-              </a:rPr>
-              <a:t> </a:t>
-            </a:r>
-            <a:r>
-              <a:rPr lang="en-US" sz="2800" b="1" dirty="0"/>
-              <a:t>[</a:t>
-            </a:r>
-            <a:r>
-              <a:rPr lang="en-US" sz="2800" b="1" dirty="0">
-                <a:solidFill>
-                  <a:schemeClr val="bg1"/>
-                </a:solidFill>
-              </a:rPr>
-              <a:t>New Query</a:t>
-            </a:r>
-            <a:r>
-              <a:rPr lang="en-US" sz="2800" b="1" dirty="0"/>
-              <a:t>]</a:t>
-            </a:r>
-          </a:p>
-          <a:p>
-            <a:r>
-              <a:rPr lang="bg-BG" sz="2800" dirty="0"/>
-              <a:t>Изпълняваме дадения </a:t>
-            </a:r>
-            <a:r>
-              <a:rPr lang="en-US" sz="2800" b="1" dirty="0">
-                <a:solidFill>
-                  <a:schemeClr val="bg1"/>
-                </a:solidFill>
-              </a:rPr>
-              <a:t>SQL </a:t>
-            </a:r>
-            <a:r>
-              <a:rPr lang="bg-BG" sz="2800" b="1" dirty="0">
-                <a:solidFill>
-                  <a:schemeClr val="bg1"/>
-                </a:solidFill>
-              </a:rPr>
-              <a:t>скрипт</a:t>
-            </a:r>
-          </a:p>
-        </p:txBody>
-      </p:sp>
-      <p:sp>
-        <p:nvSpPr>
-          <p:cNvPr id="4" name="Title 3">
-            <a:extLst>
-              <a:ext uri="{FF2B5EF4-FFF2-40B4-BE49-F238E27FC236}">
-                <a16:creationId xmlns:a16="http://schemas.microsoft.com/office/drawing/2014/main" id="{AD3828FB-E08D-CB64-BD97-65FE8CABF479}"/>
-              </a:ext>
-            </a:extLst>
-          </p:cNvPr>
-          <p:cNvSpPr>
-            <a:spLocks noGrp="1"/>
-          </p:cNvSpPr>
-          <p:nvPr>
-            <p:ph type="title"/>
-          </p:nvPr>
-        </p:nvSpPr>
-        <p:spPr/>
-        <p:txBody>
-          <a:bodyPr/>
-          <a:lstStyle/>
-          <a:p>
-            <a:r>
-              <a:rPr lang="bg-BG" dirty="0"/>
-              <a:t>Създаване и попълване на база данни</a:t>
-            </a:r>
-            <a:endParaRPr lang="en-BG" dirty="0"/>
-          </a:p>
-        </p:txBody>
-      </p:sp>
-      <p:sp>
-        <p:nvSpPr>
-          <p:cNvPr id="5" name="Text Placeholder 5">
-            <a:extLst>
-              <a:ext uri="{FF2B5EF4-FFF2-40B4-BE49-F238E27FC236}">
-                <a16:creationId xmlns:a16="http://schemas.microsoft.com/office/drawing/2014/main" id="{7F0D9CAD-D9BA-889C-C5EE-7E8DFDDC94FF}"/>
-              </a:ext>
-            </a:extLst>
-          </p:cNvPr>
-          <p:cNvSpPr txBox="1">
-            <a:spLocks/>
-          </p:cNvSpPr>
-          <p:nvPr/>
-        </p:nvSpPr>
-        <p:spPr>
-          <a:xfrm>
-            <a:off x="595027" y="3073817"/>
-            <a:ext cx="5500973" cy="3416320"/>
-          </a:xfrm>
-          <a:prstGeom prst="rect">
-            <a:avLst/>
-          </a:prstGeom>
-          <a:solidFill>
-            <a:schemeClr val="accent5">
-              <a:lumMod val="40000"/>
-              <a:lumOff val="60000"/>
-              <a:alpha val="15000"/>
-            </a:schemeClr>
-          </a:solidFill>
-          <a:ln w="12700">
-            <a:solidFill>
-              <a:schemeClr val="accent5">
-                <a:lumMod val="60000"/>
-                <a:lumOff val="40000"/>
-              </a:schemeClr>
-            </a:solidFill>
-          </a:ln>
-        </p:spPr>
-        <p:txBody>
-          <a:bodyPr wrap="square">
-            <a:spAutoFit/>
-          </a:bodyPr>
-          <a:lstStyle/>
-          <a:p>
-            <a:r>
-              <a:rPr lang="en-GB" b="1" dirty="0">
-                <a:latin typeface="Consolas" panose="020B0609020204030204" pitchFamily="49" charset="0"/>
-                <a:cs typeface="Consolas" panose="020B0609020204030204" pitchFamily="49" charset="0"/>
-              </a:rPr>
-              <a:t>CREATE TABLE Products (</a:t>
-            </a:r>
-          </a:p>
-          <a:p>
-            <a:r>
-              <a:rPr lang="en-GB" b="1" dirty="0">
-                <a:latin typeface="Consolas" panose="020B0609020204030204" pitchFamily="49" charset="0"/>
-                <a:cs typeface="Consolas" panose="020B0609020204030204" pitchFamily="49" charset="0"/>
-              </a:rPr>
-              <a:t>    Id INT PRIMARY KEY,</a:t>
-            </a:r>
-          </a:p>
-          <a:p>
-            <a:r>
-              <a:rPr lang="en-GB" b="1" dirty="0">
-                <a:latin typeface="Consolas" panose="020B0609020204030204" pitchFamily="49" charset="0"/>
-                <a:cs typeface="Consolas" panose="020B0609020204030204" pitchFamily="49" charset="0"/>
-              </a:rPr>
-              <a:t>    Name NVARCHAR(50),</a:t>
-            </a:r>
-          </a:p>
-          <a:p>
-            <a:r>
-              <a:rPr lang="en-GB" b="1" dirty="0">
-                <a:latin typeface="Consolas" panose="020B0609020204030204" pitchFamily="49" charset="0"/>
-                <a:cs typeface="Consolas" panose="020B0609020204030204" pitchFamily="49" charset="0"/>
-              </a:rPr>
-              <a:t>    Category NVARCHAR(50)</a:t>
-            </a:r>
-          </a:p>
-          <a:p>
-            <a:r>
-              <a:rPr lang="en-GB" b="1" dirty="0">
-                <a:latin typeface="Consolas" panose="020B0609020204030204" pitchFamily="49" charset="0"/>
-                <a:cs typeface="Consolas" panose="020B0609020204030204" pitchFamily="49" charset="0"/>
-              </a:rPr>
-              <a:t>);</a:t>
-            </a:r>
-            <a:br>
-              <a:rPr lang="en-GB" b="1" dirty="0">
-                <a:latin typeface="Consolas" panose="020B0609020204030204" pitchFamily="49" charset="0"/>
-                <a:cs typeface="Consolas" panose="020B0609020204030204" pitchFamily="49" charset="0"/>
-              </a:rPr>
-            </a:br>
-            <a:endParaRPr lang="en-GB" b="1" dirty="0">
-              <a:latin typeface="Consolas" panose="020B0609020204030204" pitchFamily="49" charset="0"/>
-              <a:cs typeface="Consolas" panose="020B0609020204030204" pitchFamily="49" charset="0"/>
-            </a:endParaRPr>
-          </a:p>
-          <a:p>
-            <a:r>
-              <a:rPr lang="en-GB" b="1" dirty="0">
-                <a:latin typeface="Consolas" panose="020B0609020204030204" pitchFamily="49" charset="0"/>
-                <a:cs typeface="Consolas" panose="020B0609020204030204" pitchFamily="49" charset="0"/>
-              </a:rPr>
-              <a:t>INSERT INTO Products (Id, Name, Category)</a:t>
-            </a:r>
-          </a:p>
-          <a:p>
-            <a:r>
-              <a:rPr lang="en-GB" b="1" dirty="0">
-                <a:latin typeface="Consolas" panose="020B0609020204030204" pitchFamily="49" charset="0"/>
-                <a:cs typeface="Consolas" panose="020B0609020204030204" pitchFamily="49" charset="0"/>
-              </a:rPr>
-              <a:t>VALUES</a:t>
-            </a:r>
-          </a:p>
-          <a:p>
-            <a:r>
-              <a:rPr lang="en-GB" b="1" dirty="0">
-                <a:latin typeface="Consolas" panose="020B0609020204030204" pitchFamily="49" charset="0"/>
-                <a:cs typeface="Consolas" panose="020B0609020204030204" pitchFamily="49" charset="0"/>
-              </a:rPr>
-              <a:t>    (1, N'</a:t>
-            </a:r>
-            <a:r>
-              <a:rPr lang="bg-BG" b="1" dirty="0">
-                <a:latin typeface="Consolas" panose="020B0609020204030204" pitchFamily="49" charset="0"/>
-                <a:cs typeface="Consolas" panose="020B0609020204030204" pitchFamily="49" charset="0"/>
-              </a:rPr>
-              <a:t>Лаптоп', </a:t>
-            </a:r>
-            <a:r>
-              <a:rPr lang="en-GB" b="1" dirty="0">
-                <a:latin typeface="Consolas" panose="020B0609020204030204" pitchFamily="49" charset="0"/>
-                <a:cs typeface="Consolas" panose="020B0609020204030204" pitchFamily="49" charset="0"/>
-              </a:rPr>
-              <a:t>N'</a:t>
-            </a:r>
-            <a:r>
-              <a:rPr lang="bg-BG" b="1" dirty="0">
-                <a:latin typeface="Consolas" panose="020B0609020204030204" pitchFamily="49" charset="0"/>
-                <a:cs typeface="Consolas" panose="020B0609020204030204" pitchFamily="49" charset="0"/>
-              </a:rPr>
-              <a:t>Електроника’),</a:t>
-            </a:r>
-          </a:p>
-          <a:p>
-            <a:r>
-              <a:rPr lang="en-US" b="1" dirty="0">
-                <a:latin typeface="Consolas" panose="020B0609020204030204" pitchFamily="49" charset="0"/>
-                <a:cs typeface="Consolas" panose="020B0609020204030204" pitchFamily="49" charset="0"/>
-              </a:rPr>
-              <a:t>    </a:t>
-            </a:r>
-            <a:r>
-              <a:rPr lang="bg-BG" b="1" dirty="0">
-                <a:latin typeface="Consolas" panose="020B0609020204030204" pitchFamily="49" charset="0"/>
-                <a:cs typeface="Consolas" panose="020B0609020204030204" pitchFamily="49" charset="0"/>
-              </a:rPr>
-              <a:t>(2, </a:t>
-            </a:r>
-            <a:r>
-              <a:rPr lang="en-GB" b="1" dirty="0">
-                <a:latin typeface="Consolas" panose="020B0609020204030204" pitchFamily="49" charset="0"/>
-                <a:cs typeface="Consolas" panose="020B0609020204030204" pitchFamily="49" charset="0"/>
-              </a:rPr>
-              <a:t>N'</a:t>
-            </a:r>
-            <a:r>
-              <a:rPr lang="bg-BG" b="1" dirty="0">
-                <a:latin typeface="Consolas" panose="020B0609020204030204" pitchFamily="49" charset="0"/>
-                <a:cs typeface="Consolas" panose="020B0609020204030204" pitchFamily="49" charset="0"/>
-              </a:rPr>
-              <a:t>Смартфон', </a:t>
-            </a:r>
-            <a:r>
-              <a:rPr lang="en-GB" b="1" dirty="0">
-                <a:latin typeface="Consolas" panose="020B0609020204030204" pitchFamily="49" charset="0"/>
-                <a:cs typeface="Consolas" panose="020B0609020204030204" pitchFamily="49" charset="0"/>
-              </a:rPr>
-              <a:t>N'</a:t>
-            </a:r>
-            <a:r>
-              <a:rPr lang="bg-BG" b="1" dirty="0">
-                <a:latin typeface="Consolas" panose="020B0609020204030204" pitchFamily="49" charset="0"/>
-                <a:cs typeface="Consolas" panose="020B0609020204030204" pitchFamily="49" charset="0"/>
-              </a:rPr>
-              <a:t>Електроника'),</a:t>
-            </a:r>
-          </a:p>
-          <a:p>
-            <a:r>
-              <a:rPr lang="bg-BG" b="1" dirty="0">
-                <a:latin typeface="Consolas" panose="020B0609020204030204" pitchFamily="49" charset="0"/>
-                <a:cs typeface="Consolas" panose="020B0609020204030204" pitchFamily="49" charset="0"/>
-              </a:rPr>
-              <a:t> </a:t>
-            </a:r>
-            <a:r>
-              <a:rPr lang="en-US" b="1" dirty="0">
-                <a:latin typeface="Consolas" panose="020B0609020204030204" pitchFamily="49" charset="0"/>
-                <a:cs typeface="Consolas" panose="020B0609020204030204" pitchFamily="49" charset="0"/>
-              </a:rPr>
-              <a:t>   </a:t>
-            </a:r>
-            <a:r>
-              <a:rPr lang="bg-BG" b="1" dirty="0">
-                <a:latin typeface="Consolas" panose="020B0609020204030204" pitchFamily="49" charset="0"/>
-                <a:cs typeface="Consolas" panose="020B0609020204030204" pitchFamily="49" charset="0"/>
-              </a:rPr>
-              <a:t>(3, </a:t>
-            </a:r>
-            <a:r>
-              <a:rPr lang="en-GB" b="1" dirty="0">
-                <a:latin typeface="Consolas" panose="020B0609020204030204" pitchFamily="49" charset="0"/>
-                <a:cs typeface="Consolas" panose="020B0609020204030204" pitchFamily="49" charset="0"/>
-              </a:rPr>
-              <a:t>N'</a:t>
-            </a:r>
-            <a:r>
-              <a:rPr lang="bg-BG" b="1" dirty="0">
-                <a:latin typeface="Consolas" panose="020B0609020204030204" pitchFamily="49" charset="0"/>
-                <a:cs typeface="Consolas" panose="020B0609020204030204" pitchFamily="49" charset="0"/>
-              </a:rPr>
-              <a:t>Бюро', </a:t>
-            </a:r>
-            <a:r>
-              <a:rPr lang="en-GB" b="1" dirty="0">
-                <a:latin typeface="Consolas" panose="020B0609020204030204" pitchFamily="49" charset="0"/>
-                <a:cs typeface="Consolas" panose="020B0609020204030204" pitchFamily="49" charset="0"/>
-              </a:rPr>
-              <a:t>N'</a:t>
-            </a:r>
-            <a:r>
-              <a:rPr lang="bg-BG" b="1" dirty="0">
-                <a:latin typeface="Consolas" panose="020B0609020204030204" pitchFamily="49" charset="0"/>
-                <a:cs typeface="Consolas" panose="020B0609020204030204" pitchFamily="49" charset="0"/>
-              </a:rPr>
-              <a:t>Мебели'),</a:t>
-            </a:r>
-          </a:p>
-          <a:p>
-            <a:r>
-              <a:rPr lang="en-GB" b="1" dirty="0">
-                <a:latin typeface="Consolas" panose="020B0609020204030204" pitchFamily="49" charset="0"/>
-                <a:cs typeface="Consolas" panose="020B0609020204030204" pitchFamily="49" charset="0"/>
-              </a:rPr>
-              <a:t>...</a:t>
-            </a:r>
-          </a:p>
-        </p:txBody>
-      </p:sp>
-      <p:pic>
-        <p:nvPicPr>
-          <p:cNvPr id="7" name="Picture 6">
-            <a:extLst>
-              <a:ext uri="{FF2B5EF4-FFF2-40B4-BE49-F238E27FC236}">
-                <a16:creationId xmlns:a16="http://schemas.microsoft.com/office/drawing/2014/main" id="{E89A5DED-27A8-DA6D-2A2C-0CFA9782999F}"/>
-              </a:ext>
-            </a:extLst>
-          </p:cNvPr>
-          <p:cNvPicPr>
-            <a:picLocks noChangeAspect="1"/>
-          </p:cNvPicPr>
-          <p:nvPr/>
-        </p:nvPicPr>
-        <p:blipFill>
-          <a:blip r:embed="rId3">
-            <a:extLst>
-              <a:ext uri="{28A0092B-C50C-407E-A947-70E740481C1C}">
-                <a14:useLocalDpi xmlns:a14="http://schemas.microsoft.com/office/drawing/2010/main" val="0"/>
-              </a:ext>
-            </a:extLst>
-          </a:blip>
-          <a:srcRect/>
-          <a:stretch/>
-        </p:blipFill>
-        <p:spPr>
-          <a:xfrm>
-            <a:off x="7882958" y="1269000"/>
-            <a:ext cx="3307229" cy="5433305"/>
-          </a:xfrm>
-          <a:prstGeom prst="rect">
-            <a:avLst/>
-          </a:prstGeom>
-          <a:ln>
-            <a:solidFill>
-              <a:schemeClr val="bg2">
-                <a:lumMod val="75000"/>
-              </a:schemeClr>
-            </a:solidFill>
-          </a:ln>
-        </p:spPr>
-      </p:pic>
-    </p:spTree>
-    <p:extLst>
-      <p:ext uri="{BB962C8B-B14F-4D97-AF65-F5344CB8AC3E}">
-        <p14:creationId xmlns:p14="http://schemas.microsoft.com/office/powerpoint/2010/main" val="3020896405"/>
-      </p:ext>
-    </p:extLst>
-  </p:cSld>
-  <p:clrMapOvr>
-    <a:masterClrMapping/>
-  </p:clrMapOvr>
-  <mc:AlternateContent xmlns:mc="http://schemas.openxmlformats.org/markup-compatibility/2006" xmlns:p14="http://schemas.microsoft.com/office/powerpoint/2010/main">
-    <mc:Choice Requires="p14">
-      <p:transition spd="slow" p14:dur="2000" advClick="0" advTm="5000"/>
-    </mc:Choice>
-    <mc:Fallback xmlns="">
-      <p:transition spd="slow" advClick="0" advTm="5000"/>
-    </mc:Fallback>
-  </mc:AlternateContent>
-  <p:timing>
-    <p:tnLst>
-      <p:par>
-        <p:cTn id="1" dur="indefinite" restart="never" nodeType="tmRoot">
-          <p:childTnLst>
-            <p:seq concurrent="1" nextAc="seek">
-              <p:cTn id="2" dur="indefinite" nodeType="mainSeq">
-                <p:childTnLst>
-                  <p:par>
-                    <p:cTn id="3" fill="hold">
-                      <p:stCondLst>
-                        <p:cond delay="indefinite"/>
-                      </p:stCondLst>
-                      <p:childTnLst>
-                        <p:par>
-                          <p:cTn id="4" fill="hold">
-                            <p:stCondLst>
-                              <p:cond delay="0"/>
-                            </p:stCondLst>
-                            <p:childTnLst>
-                              <p:par>
-                                <p:cTn id="5" presetID="1" presetClass="entr" presetSubtype="0" fill="hold" nodeType="clickEffect">
-                                  <p:stCondLst>
-                                    <p:cond delay="0"/>
-                                  </p:stCondLst>
-                                  <p:childTnLst>
-                                    <p:set>
-                                      <p:cBhvr>
-                                        <p:cTn id="6" dur="1" fill="hold">
-                                          <p:stCondLst>
-                                            <p:cond delay="0"/>
-                                          </p:stCondLst>
-                                        </p:cTn>
-                                        <p:tgtEl>
-                                          <p:spTgt spid="3">
-                                            <p:txEl>
-                                              <p:pRg st="1" end="1"/>
-                                            </p:txEl>
-                                          </p:spTgt>
-                                        </p:tgtEl>
-                                        <p:attrNameLst>
-                                          <p:attrName>style.visibility</p:attrName>
-                                        </p:attrNameLst>
-                                      </p:cBhvr>
-                                      <p:to>
-                                        <p:strVal val="visible"/>
-                                      </p:to>
-                                    </p:set>
-                                  </p:childTnLst>
-                                </p:cTn>
-                              </p:par>
-                            </p:childTnLst>
-                          </p:cTn>
-                        </p:par>
-                      </p:childTnLst>
-                    </p:cTn>
-                  </p:par>
-                  <p:par>
-                    <p:cTn id="7" fill="hold">
-                      <p:stCondLst>
-                        <p:cond delay="indefinite"/>
-                      </p:stCondLst>
-                      <p:childTnLst>
-                        <p:par>
-                          <p:cTn id="8" fill="hold">
-                            <p:stCondLst>
-                              <p:cond delay="0"/>
-                            </p:stCondLst>
-                            <p:childTnLst>
-                              <p:par>
-                                <p:cTn id="9" presetID="1" presetClass="entr" presetSubtype="0" fill="hold" nodeType="clickEffect">
-                                  <p:stCondLst>
-                                    <p:cond delay="0"/>
-                                  </p:stCondLst>
-                                  <p:childTnLst>
-                                    <p:set>
-                                      <p:cBhvr>
-                                        <p:cTn id="10" dur="1" fill="hold">
-                                          <p:stCondLst>
-                                            <p:cond delay="0"/>
-                                          </p:stCondLst>
-                                        </p:cTn>
-                                        <p:tgtEl>
-                                          <p:spTgt spid="3">
-                                            <p:txEl>
-                                              <p:pRg st="2" end="2"/>
-                                            </p:txEl>
-                                          </p:spTgt>
-                                        </p:tgtEl>
-                                        <p:attrNameLst>
-                                          <p:attrName>style.visibility</p:attrName>
-                                        </p:attrNameLst>
-                                      </p:cBhvr>
-                                      <p:to>
-                                        <p:strVal val="visible"/>
-                                      </p:to>
-                                    </p:set>
-                                  </p:childTnLst>
-                                </p:cTn>
-                              </p:par>
-                            </p:childTnLst>
-                          </p:cTn>
-                        </p:par>
-                      </p:childTnLst>
-                    </p:cTn>
-                  </p:par>
-                  <p:par>
-                    <p:cTn id="11" fill="hold">
-                      <p:stCondLst>
-                        <p:cond delay="indefinite"/>
-                      </p:stCondLst>
-                      <p:childTnLst>
-                        <p:par>
-                          <p:cTn id="12" fill="hold">
-                            <p:stCondLst>
-                              <p:cond delay="0"/>
-                            </p:stCondLst>
-                            <p:childTnLst>
-                              <p:par>
-                                <p:cTn id="13" presetID="1" presetClass="entr" presetSubtype="0" fill="hold" grpId="0" nodeType="clickEffect">
-                                  <p:stCondLst>
-                                    <p:cond delay="0"/>
-                                  </p:stCondLst>
-                                  <p:childTnLst>
-                                    <p:set>
-                                      <p:cBhvr>
-                                        <p:cTn id="14" dur="1" fill="hold">
-                                          <p:stCondLst>
-                                            <p:cond delay="0"/>
-                                          </p:stCondLst>
-                                        </p:cTn>
-                                        <p:tgtEl>
-                                          <p:spTgt spid="5"/>
-                                        </p:tgtEl>
-                                        <p:attrNameLst>
-                                          <p:attrName>style.visibility</p:attrName>
-                                        </p:attrNameLst>
-                                      </p:cBhvr>
-                                      <p:to>
-                                        <p:strVal val="visible"/>
-                                      </p:to>
-                                    </p:set>
-                                  </p:childTnLst>
-                                </p:cTn>
-                              </p:par>
-                            </p:childTnLst>
-                          </p:cTn>
-                        </p:par>
-                      </p:childTnLst>
-                    </p:cTn>
-                  </p:par>
-                </p:childTnLst>
-              </p:cTn>
-              <p:prevCondLst>
-                <p:cond evt="onPrev" delay="0">
-                  <p:tgtEl>
-                    <p:sldTgt/>
-                  </p:tgtEl>
-                </p:cond>
-              </p:prevCondLst>
-              <p:nextCondLst>
-                <p:cond evt="onNext" delay="0">
-                  <p:tgtEl>
-                    <p:sldTgt/>
-                  </p:tgtEl>
-                </p:cond>
-              </p:nextCondLst>
-            </p:seq>
-          </p:childTnLst>
-        </p:cTn>
-      </p:par>
-    </p:tnLst>
-    <p:bldLst>
-      <p:bldP spid="5" grpId="0" animBg="1"/>
-    </p:bldLst>
-  </p:timing>
-</p:sld>
-</file>
-
-<file path=ppt/slides/slide18.xml><?xml version="1.0" encoding="utf-8"?>
-<p:sld xmlns:a="http://schemas.openxmlformats.org/drawingml/2006/main" xmlns:r="http://schemas.openxmlformats.org/officeDocument/2006/relationships" xmlns:p="http://schemas.openxmlformats.org/presentationml/2006/main">
-  <p:cSld>
-    <p:spTree>
-      <p:nvGrpSpPr>
-        <p:cNvPr id="1" name=""/>
-        <p:cNvGrpSpPr/>
-        <p:nvPr/>
-      </p:nvGrpSpPr>
-      <p:grpSpPr>
-        <a:xfrm>
-          <a:off x="0" y="0"/>
-          <a:ext cx="0" cy="0"/>
-          <a:chOff x="0" y="0"/>
-          <a:chExt cx="0" cy="0"/>
-        </a:xfrm>
-      </p:grpSpPr>
-      <p:sp>
-        <p:nvSpPr>
-          <p:cNvPr id="2" name="Slide Number Placeholder 1">
-            <a:extLst>
-              <a:ext uri="{FF2B5EF4-FFF2-40B4-BE49-F238E27FC236}">
-                <a16:creationId xmlns:a16="http://schemas.microsoft.com/office/drawing/2014/main" id="{F3AF87FF-1318-696E-CC00-2C2B6621789F}"/>
-              </a:ext>
-            </a:extLst>
-          </p:cNvPr>
-          <p:cNvSpPr>
-            <a:spLocks noGrp="1"/>
-          </p:cNvSpPr>
-          <p:nvPr>
-            <p:ph type="sldNum" sz="quarter" idx="5"/>
-          </p:nvPr>
-        </p:nvSpPr>
-        <p:spPr/>
-        <p:txBody>
-          <a:bodyPr/>
-          <a:lstStyle/>
-          <a:p>
-            <a:fld id="{2BF067CD-8E6B-4360-9AA8-C5DF2A48A6D1}" type="slidenum">
-              <a:rPr lang="en-US" noProof="0" smtClean="0"/>
-              <a:pPr/>
-              <a:t>18</a:t>
-            </a:fld>
-            <a:endParaRPr lang="en-US" noProof="0" dirty="0"/>
-          </a:p>
-        </p:txBody>
-      </p:sp>
-      <p:sp>
-        <p:nvSpPr>
-          <p:cNvPr id="3" name="Text Placeholder 2">
-            <a:extLst>
-              <a:ext uri="{FF2B5EF4-FFF2-40B4-BE49-F238E27FC236}">
-                <a16:creationId xmlns:a16="http://schemas.microsoft.com/office/drawing/2014/main" id="{70810851-4790-2FC0-3F9D-A1CF7D2C9A2E}"/>
-              </a:ext>
-            </a:extLst>
-          </p:cNvPr>
-          <p:cNvSpPr>
-            <a:spLocks noGrp="1"/>
-          </p:cNvSpPr>
-          <p:nvPr>
-            <p:ph type="body" sz="quarter" idx="10"/>
-          </p:nvPr>
-        </p:nvSpPr>
-        <p:spPr/>
-        <p:txBody>
-          <a:bodyPr>
-            <a:normAutofit/>
-          </a:bodyPr>
-          <a:lstStyle/>
-          <a:p>
-            <a:r>
-              <a:rPr lang="bg-BG" sz="3200" dirty="0"/>
-              <a:t>Инсталираме нужните </a:t>
-            </a:r>
-            <a:r>
-              <a:rPr lang="en-US" sz="3200" b="1" dirty="0">
-                <a:solidFill>
-                  <a:schemeClr val="bg1"/>
-                </a:solidFill>
-              </a:rPr>
-              <a:t>EF Core </a:t>
-            </a:r>
-            <a:r>
-              <a:rPr lang="bg-BG" sz="3200" b="1" dirty="0">
-                <a:solidFill>
-                  <a:schemeClr val="bg1"/>
-                </a:solidFill>
-              </a:rPr>
-              <a:t>пакети</a:t>
-            </a:r>
-          </a:p>
-          <a:p>
-            <a:r>
-              <a:rPr lang="en-US" sz="3200" b="1" dirty="0">
-                <a:solidFill>
-                  <a:schemeClr val="bg1"/>
-                </a:solidFill>
-              </a:rPr>
-              <a:t>Tools</a:t>
-            </a:r>
-            <a:r>
-              <a:rPr lang="en-US" sz="3200" dirty="0"/>
-              <a:t> → </a:t>
-            </a:r>
-            <a:r>
-              <a:rPr lang="en-US" sz="3200" b="1" dirty="0">
-                <a:solidFill>
-                  <a:schemeClr val="bg1"/>
-                </a:solidFill>
-              </a:rPr>
-              <a:t>NuGet Package Manager </a:t>
-            </a:r>
-            <a:r>
-              <a:rPr lang="en-US" sz="3200" dirty="0"/>
-              <a:t>→ </a:t>
-            </a:r>
-            <a:r>
-              <a:rPr lang="en-US" sz="3200" b="1" dirty="0">
-                <a:solidFill>
-                  <a:schemeClr val="bg1"/>
-                </a:solidFill>
-              </a:rPr>
-              <a:t>Package Manager Console</a:t>
-            </a:r>
-          </a:p>
-          <a:p>
-            <a:endParaRPr lang="en-US" sz="3200" b="1" dirty="0">
-              <a:solidFill>
-                <a:schemeClr val="bg1"/>
-              </a:solidFill>
-            </a:endParaRPr>
-          </a:p>
-          <a:p>
-            <a:pPr marL="0" indent="0">
-              <a:buNone/>
-            </a:pPr>
-            <a:endParaRPr lang="en-US" sz="3200" b="1" dirty="0">
-              <a:solidFill>
-                <a:schemeClr val="bg1"/>
-              </a:solidFill>
-            </a:endParaRPr>
-          </a:p>
-          <a:p>
-            <a:r>
-              <a:rPr lang="bg-BG" sz="3200" dirty="0"/>
-              <a:t>Създаваме </a:t>
-            </a:r>
-            <a:r>
-              <a:rPr lang="en-US" sz="3200" b="1" dirty="0">
-                <a:solidFill>
-                  <a:schemeClr val="bg1"/>
-                </a:solidFill>
-              </a:rPr>
-              <a:t>EF </a:t>
-            </a:r>
-            <a:r>
-              <a:rPr lang="bg-BG" sz="3200" b="1" dirty="0">
-                <a:solidFill>
-                  <a:schemeClr val="bg1"/>
-                </a:solidFill>
-              </a:rPr>
-              <a:t>модели </a:t>
-            </a:r>
-            <a:r>
-              <a:rPr lang="bg-BG" sz="3200" dirty="0"/>
-              <a:t>по базата данни:</a:t>
-            </a:r>
-            <a:endParaRPr lang="en-BG" sz="3200" dirty="0"/>
-          </a:p>
-          <a:p>
-            <a:endParaRPr lang="en-BG" sz="3200" b="1" dirty="0">
-              <a:solidFill>
-                <a:schemeClr val="bg1"/>
-              </a:solidFill>
-            </a:endParaRPr>
-          </a:p>
-        </p:txBody>
-      </p:sp>
-      <p:sp>
-        <p:nvSpPr>
-          <p:cNvPr id="4" name="Title 3">
-            <a:extLst>
-              <a:ext uri="{FF2B5EF4-FFF2-40B4-BE49-F238E27FC236}">
-                <a16:creationId xmlns:a16="http://schemas.microsoft.com/office/drawing/2014/main" id="{A68D83C9-FB5D-2A19-030C-321D25436A47}"/>
-              </a:ext>
-            </a:extLst>
-          </p:cNvPr>
-          <p:cNvSpPr>
-            <a:spLocks noGrp="1"/>
-          </p:cNvSpPr>
-          <p:nvPr>
-            <p:ph type="title"/>
-          </p:nvPr>
-        </p:nvSpPr>
-        <p:spPr/>
-        <p:txBody>
-          <a:bodyPr>
-            <a:normAutofit/>
-          </a:bodyPr>
-          <a:lstStyle/>
-          <a:p>
-            <a:r>
-              <a:rPr lang="bg-BG" dirty="0"/>
-              <a:t>Инсталиране на </a:t>
-            </a:r>
-            <a:r>
-              <a:rPr lang="en-US" dirty="0"/>
-              <a:t>EF Core </a:t>
-            </a:r>
-            <a:r>
-              <a:rPr lang="bg-BG" dirty="0"/>
-              <a:t>пакети и </a:t>
-            </a:r>
-            <a:r>
-              <a:rPr lang="en-US" dirty="0"/>
-              <a:t>Scaffold</a:t>
-            </a:r>
-            <a:endParaRPr lang="en-BG" dirty="0"/>
-          </a:p>
-        </p:txBody>
-      </p:sp>
-      <p:sp>
-        <p:nvSpPr>
-          <p:cNvPr id="5" name="Text Placeholder 4">
-            <a:extLst>
-              <a:ext uri="{FF2B5EF4-FFF2-40B4-BE49-F238E27FC236}">
-                <a16:creationId xmlns:a16="http://schemas.microsoft.com/office/drawing/2014/main" id="{A443B2C0-86BC-D2B6-ADA2-7C9EB4C3C34C}"/>
-              </a:ext>
-            </a:extLst>
-          </p:cNvPr>
-          <p:cNvSpPr txBox="1">
-            <a:spLocks/>
-          </p:cNvSpPr>
-          <p:nvPr/>
-        </p:nvSpPr>
-        <p:spPr>
-          <a:xfrm>
-            <a:off x="606000" y="2523711"/>
-            <a:ext cx="11311114" cy="461545"/>
-          </a:xfrm>
-          <a:prstGeom prst="rect">
-            <a:avLst/>
-          </a:prstGeom>
-          <a:solidFill>
-            <a:schemeClr val="accent5">
-              <a:lumMod val="40000"/>
-              <a:lumOff val="60000"/>
-              <a:alpha val="15000"/>
-            </a:schemeClr>
-          </a:solidFill>
-          <a:ln w="12700">
-            <a:solidFill>
-              <a:schemeClr val="accent5">
-                <a:lumMod val="60000"/>
-                <a:lumOff val="40000"/>
-              </a:schemeClr>
-            </a:solidFill>
-          </a:ln>
-        </p:spPr>
-        <p:txBody>
-          <a:bodyPr wrap="square">
-            <a:spAutoFit/>
-          </a:bodyPr>
-          <a:lstStyle/>
-          <a:p>
-            <a:pPr>
-              <a:lnSpc>
-                <a:spcPct val="100000"/>
-              </a:lnSpc>
-            </a:pPr>
-            <a:r>
-              <a:rPr lang="en-US" sz="2399" b="1" noProof="1">
-                <a:latin typeface="Consolas" panose="020B0609020204030204" pitchFamily="49" charset="0"/>
-              </a:rPr>
-              <a:t>Install-Package Microsoft.EntityFrameworkCore.Tools</a:t>
-            </a:r>
-          </a:p>
-        </p:txBody>
-      </p:sp>
-      <p:sp>
-        <p:nvSpPr>
-          <p:cNvPr id="6" name="Text Placeholder 4">
-            <a:extLst>
-              <a:ext uri="{FF2B5EF4-FFF2-40B4-BE49-F238E27FC236}">
-                <a16:creationId xmlns:a16="http://schemas.microsoft.com/office/drawing/2014/main" id="{46EDBF80-DF00-037C-AB4E-F1F72A547D47}"/>
-              </a:ext>
-            </a:extLst>
-          </p:cNvPr>
-          <p:cNvSpPr txBox="1">
-            <a:spLocks/>
-          </p:cNvSpPr>
-          <p:nvPr/>
-        </p:nvSpPr>
-        <p:spPr>
-          <a:xfrm>
-            <a:off x="606000" y="3153547"/>
-            <a:ext cx="11311114" cy="461545"/>
-          </a:xfrm>
-          <a:prstGeom prst="rect">
-            <a:avLst/>
-          </a:prstGeom>
-          <a:solidFill>
-            <a:schemeClr val="accent5">
-              <a:lumMod val="40000"/>
-              <a:lumOff val="60000"/>
-              <a:alpha val="15000"/>
-            </a:schemeClr>
-          </a:solidFill>
-          <a:ln w="12700">
-            <a:solidFill>
-              <a:schemeClr val="accent5">
-                <a:lumMod val="60000"/>
-                <a:lumOff val="40000"/>
-              </a:schemeClr>
-            </a:solidFill>
-          </a:ln>
-        </p:spPr>
-        <p:txBody>
-          <a:bodyPr wrap="square">
-            <a:spAutoFit/>
-          </a:bodyPr>
-          <a:lstStyle/>
-          <a:p>
-            <a:pPr>
-              <a:lnSpc>
-                <a:spcPct val="100000"/>
-              </a:lnSpc>
-            </a:pPr>
-            <a:r>
-              <a:rPr lang="en-US" sz="2399" b="1" noProof="1">
-                <a:latin typeface="Consolas" panose="020B0609020204030204" pitchFamily="49" charset="0"/>
-              </a:rPr>
-              <a:t>Install-Package Microsoft.EntityFrameworkCore.SqlServer</a:t>
-            </a:r>
-          </a:p>
-        </p:txBody>
-      </p:sp>
-      <p:sp>
-        <p:nvSpPr>
-          <p:cNvPr id="9" name="Text Placeholder 4">
-            <a:extLst>
-              <a:ext uri="{FF2B5EF4-FFF2-40B4-BE49-F238E27FC236}">
-                <a16:creationId xmlns:a16="http://schemas.microsoft.com/office/drawing/2014/main" id="{5BA66875-6ED9-186B-E61A-B9002BD6A96E}"/>
-              </a:ext>
-            </a:extLst>
-          </p:cNvPr>
-          <p:cNvSpPr txBox="1">
-            <a:spLocks/>
-          </p:cNvSpPr>
-          <p:nvPr/>
-        </p:nvSpPr>
-        <p:spPr>
-          <a:xfrm>
-            <a:off x="628096" y="4547432"/>
-            <a:ext cx="11311114" cy="1015663"/>
-          </a:xfrm>
-          <a:prstGeom prst="rect">
-            <a:avLst/>
-          </a:prstGeom>
-          <a:solidFill>
-            <a:schemeClr val="accent5">
-              <a:lumMod val="40000"/>
-              <a:lumOff val="60000"/>
-              <a:alpha val="15000"/>
-            </a:schemeClr>
-          </a:solidFill>
-          <a:ln w="12700">
-            <a:solidFill>
-              <a:schemeClr val="accent5">
-                <a:lumMod val="60000"/>
-                <a:lumOff val="40000"/>
-              </a:schemeClr>
-            </a:solidFill>
-          </a:ln>
-        </p:spPr>
-        <p:txBody>
-          <a:bodyPr wrap="square">
-            <a:spAutoFit/>
-          </a:bodyPr>
-          <a:lstStyle/>
-          <a:p>
-            <a:pPr>
-              <a:lnSpc>
-                <a:spcPct val="100000"/>
-              </a:lnSpc>
-            </a:pPr>
-            <a:r>
-              <a:rPr lang="en-US" sz="2000" b="1" noProof="1">
-                <a:latin typeface="Consolas" panose="020B0609020204030204" pitchFamily="49" charset="0"/>
-              </a:rPr>
-              <a:t>Scaffold-DbContext -Connection "Server=(localdb)\MSSQLLocalDB;Database=StoreDb;Integrated Security=True;" -Provider Microsoft.EntityFrameworkCore.SqlServer -OutputDir Data/Models</a:t>
-            </a:r>
-          </a:p>
-        </p:txBody>
-      </p:sp>
-    </p:spTree>
-    <p:extLst>
-      <p:ext uri="{BB962C8B-B14F-4D97-AF65-F5344CB8AC3E}">
-        <p14:creationId xmlns:p14="http://schemas.microsoft.com/office/powerpoint/2010/main" val="3966053383"/>
-      </p:ext>
-    </p:extLst>
-  </p:cSld>
-  <p:clrMapOvr>
-    <a:masterClrMapping/>
-  </p:clrMapOvr>
-  <mc:AlternateContent xmlns:mc="http://schemas.openxmlformats.org/markup-compatibility/2006" xmlns:p14="http://schemas.microsoft.com/office/powerpoint/2010/main">
-    <mc:Choice Requires="p14">
-      <p:transition spd="slow" p14:dur="2000" advClick="0" advTm="5000"/>
-    </mc:Choice>
-    <mc:Fallback xmlns="">
-      <p:transition spd="slow" advClick="0" advTm="5000"/>
-    </mc:Fallback>
-  </mc:AlternateContent>
-  <p:timing>
-    <p:tnLst>
-      <p:par>
-        <p:cTn id="1" dur="indefinite" restart="never" nodeType="tmRoot">
-          <p:childTnLst>
-            <p:seq concurrent="1" nextAc="seek">
-              <p:cTn id="2" dur="indefinite" nodeType="mainSeq">
-                <p:childTnLst>
-                  <p:par>
-                    <p:cTn id="3" fill="hold">
-                      <p:stCondLst>
-                        <p:cond delay="indefinite"/>
-                      </p:stCondLst>
-                      <p:childTnLst>
-                        <p:par>
-                          <p:cTn id="4" fill="hold">
-                            <p:stCondLst>
-                              <p:cond delay="0"/>
-                            </p:stCondLst>
-                            <p:childTnLst>
-                              <p:par>
-                                <p:cTn id="5" presetID="1" presetClass="entr" presetSubtype="0" fill="hold" nodeType="clickEffect">
-                                  <p:stCondLst>
-                                    <p:cond delay="0"/>
-                                  </p:stCondLst>
-                                  <p:childTnLst>
-                                    <p:set>
-                                      <p:cBhvr>
-                                        <p:cTn id="6" dur="1" fill="hold">
-                                          <p:stCondLst>
-                                            <p:cond delay="0"/>
-                                          </p:stCondLst>
-                                        </p:cTn>
-                                        <p:tgtEl>
-                                          <p:spTgt spid="3">
-                                            <p:txEl>
-                                              <p:pRg st="1" end="1"/>
-                                            </p:txEl>
-                                          </p:spTgt>
-                                        </p:tgtEl>
-                                        <p:attrNameLst>
-                                          <p:attrName>style.visibility</p:attrName>
-                                        </p:attrNameLst>
-                                      </p:cBhvr>
-                                      <p:to>
-                                        <p:strVal val="visible"/>
-                                      </p:to>
-                                    </p:set>
-                                  </p:childTnLst>
-                                </p:cTn>
-                              </p:par>
-                            </p:childTnLst>
-                          </p:cTn>
-                        </p:par>
-                      </p:childTnLst>
-                    </p:cTn>
-                  </p:par>
-                  <p:par>
-                    <p:cTn id="7" fill="hold">
-                      <p:stCondLst>
-                        <p:cond delay="indefinite"/>
-                      </p:stCondLst>
-                      <p:childTnLst>
-                        <p:par>
-                          <p:cTn id="8" fill="hold">
-                            <p:stCondLst>
-                              <p:cond delay="0"/>
-                            </p:stCondLst>
-                            <p:childTnLst>
-                              <p:par>
-                                <p:cTn id="9" presetID="1" presetClass="entr" presetSubtype="0" fill="hold" grpId="0" nodeType="clickEffect">
-                                  <p:stCondLst>
-                                    <p:cond delay="0"/>
-                                  </p:stCondLst>
-                                  <p:childTnLst>
-                                    <p:set>
-                                      <p:cBhvr>
-                                        <p:cTn id="10" dur="1" fill="hold">
-                                          <p:stCondLst>
-                                            <p:cond delay="0"/>
-                                          </p:stCondLst>
-                                        </p:cTn>
-                                        <p:tgtEl>
-                                          <p:spTgt spid="5"/>
-                                        </p:tgtEl>
-                                        <p:attrNameLst>
-                                          <p:attrName>style.visibility</p:attrName>
-                                        </p:attrNameLst>
-                                      </p:cBhvr>
-                                      <p:to>
-                                        <p:strVal val="visible"/>
-                                      </p:to>
-                                    </p:set>
-                                  </p:childTnLst>
-                                </p:cTn>
-                              </p:par>
-                            </p:childTnLst>
-                          </p:cTn>
-                        </p:par>
-                      </p:childTnLst>
-                    </p:cTn>
-                  </p:par>
-                  <p:par>
-                    <p:cTn id="11" fill="hold">
-                      <p:stCondLst>
-                        <p:cond delay="indefinite"/>
-                      </p:stCondLst>
-                      <p:childTnLst>
-                        <p:par>
-                          <p:cTn id="12" fill="hold">
-                            <p:stCondLst>
-                              <p:cond delay="0"/>
-                            </p:stCondLst>
-                            <p:childTnLst>
-                              <p:par>
-                                <p:cTn id="13" presetID="1" presetClass="entr" presetSubtype="0" fill="hold" grpId="0" nodeType="clickEffect">
-                                  <p:stCondLst>
-                                    <p:cond delay="0"/>
-                                  </p:stCondLst>
-                                  <p:childTnLst>
-                                    <p:set>
-                                      <p:cBhvr>
-                                        <p:cTn id="14" dur="1" fill="hold">
-                                          <p:stCondLst>
-                                            <p:cond delay="0"/>
-                                          </p:stCondLst>
-                                        </p:cTn>
-                                        <p:tgtEl>
-                                          <p:spTgt spid="6"/>
-                                        </p:tgtEl>
-                                        <p:attrNameLst>
-                                          <p:attrName>style.visibility</p:attrName>
-                                        </p:attrNameLst>
-                                      </p:cBhvr>
-                                      <p:to>
-                                        <p:strVal val="visible"/>
-                                      </p:to>
-                                    </p:set>
-                                  </p:childTnLst>
-                                </p:cTn>
-                              </p:par>
-                            </p:childTnLst>
-                          </p:cTn>
-                        </p:par>
-                      </p:childTnLst>
-                    </p:cTn>
-                  </p:par>
-                  <p:par>
-                    <p:cTn id="15" fill="hold">
-                      <p:stCondLst>
-                        <p:cond delay="indefinite"/>
-                      </p:stCondLst>
-                      <p:childTnLst>
-                        <p:par>
-                          <p:cTn id="16" fill="hold">
-                            <p:stCondLst>
-                              <p:cond delay="0"/>
-                            </p:stCondLst>
-                            <p:childTnLst>
-                              <p:par>
-                                <p:cTn id="17" presetID="1" presetClass="entr" presetSubtype="0" fill="hold" nodeType="clickEffect">
-                                  <p:stCondLst>
-                                    <p:cond delay="0"/>
-                                  </p:stCondLst>
-                                  <p:childTnLst>
-                                    <p:set>
-                                      <p:cBhvr>
-                                        <p:cTn id="18" dur="1" fill="hold">
-                                          <p:stCondLst>
-                                            <p:cond delay="0"/>
-                                          </p:stCondLst>
-                                        </p:cTn>
-                                        <p:tgtEl>
-                                          <p:spTgt spid="3">
-                                            <p:txEl>
-                                              <p:pRg st="4" end="4"/>
-                                            </p:txEl>
-                                          </p:spTgt>
-                                        </p:tgtEl>
-                                        <p:attrNameLst>
-                                          <p:attrName>style.visibility</p:attrName>
-                                        </p:attrNameLst>
-                                      </p:cBhvr>
-                                      <p:to>
-                                        <p:strVal val="visible"/>
-                                      </p:to>
-                                    </p:set>
-                                  </p:childTnLst>
-                                </p:cTn>
-                              </p:par>
-                            </p:childTnLst>
-                          </p:cTn>
-                        </p:par>
-                      </p:childTnLst>
-                    </p:cTn>
-                  </p:par>
-                  <p:par>
-                    <p:cTn id="19" fill="hold">
-                      <p:stCondLst>
-                        <p:cond delay="indefinite"/>
-                      </p:stCondLst>
-                      <p:childTnLst>
-                        <p:par>
-                          <p:cTn id="20" fill="hold">
-                            <p:stCondLst>
-                              <p:cond delay="0"/>
-                            </p:stCondLst>
-                            <p:childTnLst>
-                              <p:par>
-                                <p:cTn id="21" presetID="1" presetClass="entr" presetSubtype="0" fill="hold" grpId="0" nodeType="clickEffect">
-                                  <p:stCondLst>
-                                    <p:cond delay="0"/>
-                                  </p:stCondLst>
-                                  <p:childTnLst>
-                                    <p:set>
-                                      <p:cBhvr>
-                                        <p:cTn id="22" dur="1" fill="hold">
-                                          <p:stCondLst>
-                                            <p:cond delay="0"/>
-                                          </p:stCondLst>
-                                        </p:cTn>
-                                        <p:tgtEl>
-                                          <p:spTgt spid="9"/>
-                                        </p:tgtEl>
-                                        <p:attrNameLst>
-                                          <p:attrName>style.visibility</p:attrName>
-                                        </p:attrNameLst>
-                                      </p:cBhvr>
-                                      <p:to>
-                                        <p:strVal val="visible"/>
-                                      </p:to>
-                                    </p:set>
-                                  </p:childTnLst>
-                                </p:cTn>
-                              </p:par>
-                            </p:childTnLst>
-                          </p:cTn>
-                        </p:par>
-                      </p:childTnLst>
-                    </p:cTn>
-                  </p:par>
-                </p:childTnLst>
-              </p:cTn>
-              <p:prevCondLst>
-                <p:cond evt="onPrev" delay="0">
-                  <p:tgtEl>
-                    <p:sldTgt/>
-                  </p:tgtEl>
-                </p:cond>
-              </p:prevCondLst>
-              <p:nextCondLst>
-                <p:cond evt="onNext" delay="0">
-                  <p:tgtEl>
-                    <p:sldTgt/>
-                  </p:tgtEl>
-                </p:cond>
-              </p:nextCondLst>
-            </p:seq>
-          </p:childTnLst>
-        </p:cTn>
-      </p:par>
-    </p:tnLst>
-    <p:bldLst>
-      <p:bldP spid="5" grpId="0" animBg="1"/>
-      <p:bldP spid="6" grpId="0" animBg="1"/>
-      <p:bldP spid="9" grpId="0" animBg="1"/>
-    </p:bldLst>
-  </p:timing>
-</p:sld>
-</file>
-
-<file path=ppt/slides/slide19.xml><?xml version="1.0" encoding="utf-8"?>
-<p:sld xmlns:a="http://schemas.openxmlformats.org/drawingml/2006/main" xmlns:r="http://schemas.openxmlformats.org/officeDocument/2006/relationships" xmlns:p="http://schemas.openxmlformats.org/presentationml/2006/main">
-  <p:cSld>
-    <p:spTree>
-      <p:nvGrpSpPr>
-        <p:cNvPr id="1" name=""/>
-        <p:cNvGrpSpPr/>
-        <p:nvPr/>
-      </p:nvGrpSpPr>
-      <p:grpSpPr>
-        <a:xfrm>
-          <a:off x="0" y="0"/>
-          <a:ext cx="0" cy="0"/>
-          <a:chOff x="0" y="0"/>
-          <a:chExt cx="0" cy="0"/>
-        </a:xfrm>
-      </p:grpSpPr>
-      <p:sp>
-        <p:nvSpPr>
-          <p:cNvPr id="2" name="Slide Number Placeholder 1">
-            <a:extLst>
-              <a:ext uri="{FF2B5EF4-FFF2-40B4-BE49-F238E27FC236}">
-                <a16:creationId xmlns:a16="http://schemas.microsoft.com/office/drawing/2014/main" id="{F3AF87FF-1318-696E-CC00-2C2B6621789F}"/>
-              </a:ext>
-            </a:extLst>
-          </p:cNvPr>
-          <p:cNvSpPr>
-            <a:spLocks noGrp="1"/>
-          </p:cNvSpPr>
-          <p:nvPr>
-            <p:ph type="sldNum" sz="quarter" idx="5"/>
-          </p:nvPr>
-        </p:nvSpPr>
-        <p:spPr/>
-        <p:txBody>
-          <a:bodyPr/>
-          <a:lstStyle/>
-          <a:p>
-            <a:fld id="{2BF067CD-8E6B-4360-9AA8-C5DF2A48A6D1}" type="slidenum">
-              <a:rPr lang="en-US" noProof="0" smtClean="0"/>
-              <a:pPr/>
-              <a:t>19</a:t>
-            </a:fld>
-            <a:endParaRPr lang="en-US" noProof="0" dirty="0"/>
-          </a:p>
-        </p:txBody>
-      </p:sp>
-      <p:sp>
-        <p:nvSpPr>
-          <p:cNvPr id="3" name="Text Placeholder 2">
-            <a:extLst>
-              <a:ext uri="{FF2B5EF4-FFF2-40B4-BE49-F238E27FC236}">
-                <a16:creationId xmlns:a16="http://schemas.microsoft.com/office/drawing/2014/main" id="{70810851-4790-2FC0-3F9D-A1CF7D2C9A2E}"/>
-              </a:ext>
-            </a:extLst>
-          </p:cNvPr>
-          <p:cNvSpPr>
-            <a:spLocks noGrp="1"/>
-          </p:cNvSpPr>
-          <p:nvPr>
-            <p:ph type="body" sz="quarter" idx="10"/>
-          </p:nvPr>
-        </p:nvSpPr>
-        <p:spPr/>
-        <p:txBody>
-          <a:bodyPr>
-            <a:normAutofit/>
-          </a:bodyPr>
-          <a:lstStyle/>
-          <a:p>
-            <a:r>
-              <a:rPr lang="bg-BG" sz="3400" dirty="0"/>
-              <a:t>Променяме </a:t>
-            </a:r>
-            <a:r>
-              <a:rPr lang="bg-BG" sz="3400" b="1" dirty="0"/>
-              <a:t>името</a:t>
-            </a:r>
-            <a:r>
-              <a:rPr lang="bg-BG" sz="3400" dirty="0"/>
-              <a:t> на</a:t>
-            </a:r>
-            <a:r>
-              <a:rPr lang="en-US" sz="3400" dirty="0"/>
-              <a:t> </a:t>
-            </a:r>
-            <a:r>
-              <a:rPr lang="bg-BG" sz="3400" dirty="0"/>
-              <a:t>формата</a:t>
-            </a:r>
-          </a:p>
-          <a:p>
-            <a:pPr lvl="1"/>
-            <a:r>
-              <a:rPr lang="bg-BG" sz="3200" dirty="0"/>
-              <a:t>"</a:t>
-            </a:r>
-            <a:r>
-              <a:rPr lang="en-US" sz="3200" b="1" dirty="0">
-                <a:solidFill>
-                  <a:schemeClr val="bg1"/>
-                </a:solidFill>
-                <a:latin typeface="Consolas" panose="020B0609020204030204" pitchFamily="49" charset="0"/>
-              </a:rPr>
-              <a:t>Form1</a:t>
-            </a:r>
-            <a:r>
-              <a:rPr lang="bg-BG" sz="3200" dirty="0"/>
-              <a:t>"</a:t>
-            </a:r>
-            <a:r>
-              <a:rPr lang="en-US" sz="3200" dirty="0"/>
-              <a:t> </a:t>
-            </a:r>
-            <a:r>
-              <a:rPr lang="en-US" sz="3200" dirty="0">
-                <a:sym typeface="Wingdings" panose="05000000000000000000" pitchFamily="2" charset="2"/>
-              </a:rPr>
-              <a:t> </a:t>
-            </a:r>
-            <a:r>
-              <a:rPr lang="bg-BG" sz="3200" dirty="0">
-                <a:sym typeface="Wingdings" panose="05000000000000000000" pitchFamily="2" charset="2"/>
-              </a:rPr>
-              <a:t>"</a:t>
-            </a:r>
-            <a:r>
-              <a:rPr lang="en-US" sz="3200" b="1" dirty="0">
-                <a:solidFill>
-                  <a:schemeClr val="bg1"/>
-                </a:solidFill>
-                <a:latin typeface="Consolas" panose="020B0609020204030204" pitchFamily="49" charset="0"/>
-                <a:sym typeface="Wingdings" panose="05000000000000000000" pitchFamily="2" charset="2"/>
-              </a:rPr>
-              <a:t>FormStoreProducts</a:t>
-            </a:r>
-            <a:r>
-              <a:rPr lang="bg-BG" sz="3200" dirty="0">
-                <a:sym typeface="Wingdings" panose="05000000000000000000" pitchFamily="2" charset="2"/>
-              </a:rPr>
-              <a:t>"</a:t>
-            </a:r>
-            <a:endParaRPr lang="en-BG" sz="3200" b="1" dirty="0">
-              <a:solidFill>
-                <a:schemeClr val="bg1"/>
-              </a:solidFill>
-              <a:sym typeface="Wingdings" panose="05000000000000000000" pitchFamily="2" charset="2"/>
-            </a:endParaRPr>
-          </a:p>
-          <a:p>
-            <a:r>
-              <a:rPr lang="bg-BG" sz="3400" dirty="0">
-                <a:sym typeface="Wingdings" panose="05000000000000000000" pitchFamily="2" charset="2"/>
-              </a:rPr>
-              <a:t>Променяме </a:t>
-            </a:r>
-            <a:r>
-              <a:rPr lang="bg-BG" sz="3400" b="1" dirty="0">
-                <a:sym typeface="Wingdings" panose="05000000000000000000" pitchFamily="2" charset="2"/>
-              </a:rPr>
-              <a:t>заглавието</a:t>
-            </a:r>
-            <a:r>
-              <a:rPr lang="bg-BG" sz="3400" dirty="0">
-                <a:sym typeface="Wingdings" panose="05000000000000000000" pitchFamily="2" charset="2"/>
-              </a:rPr>
-              <a:t> на формата</a:t>
-            </a:r>
-          </a:p>
-          <a:p>
-            <a:pPr lvl="1"/>
-            <a:r>
-              <a:rPr lang="bg-BG" sz="3200" dirty="0"/>
-              <a:t>"</a:t>
-            </a:r>
-            <a:r>
-              <a:rPr lang="en-US" sz="3200" b="1" dirty="0">
-                <a:solidFill>
-                  <a:schemeClr val="bg1"/>
-                </a:solidFill>
-                <a:latin typeface="Consolas" panose="020B0609020204030204" pitchFamily="49" charset="0"/>
-              </a:rPr>
-              <a:t>Form1</a:t>
-            </a:r>
-            <a:r>
-              <a:rPr lang="bg-BG" sz="3200" dirty="0"/>
-              <a:t>"</a:t>
-            </a:r>
-            <a:r>
-              <a:rPr lang="en-US" sz="3200" dirty="0"/>
-              <a:t> </a:t>
-            </a:r>
-            <a:r>
-              <a:rPr lang="en-US" sz="3200" dirty="0">
-                <a:sym typeface="Wingdings" panose="05000000000000000000" pitchFamily="2" charset="2"/>
-              </a:rPr>
-              <a:t> </a:t>
-            </a:r>
-            <a:r>
-              <a:rPr lang="bg-BG" sz="3200" dirty="0">
-                <a:sym typeface="Wingdings" panose="05000000000000000000" pitchFamily="2" charset="2"/>
-              </a:rPr>
-              <a:t>"</a:t>
-            </a:r>
-            <a:r>
-              <a:rPr lang="bg-BG" sz="3200" b="1" dirty="0">
-                <a:solidFill>
-                  <a:schemeClr val="bg1"/>
-                </a:solidFill>
-                <a:latin typeface="Consolas" panose="020B0609020204030204" pitchFamily="49" charset="0"/>
-                <a:sym typeface="Wingdings" panose="05000000000000000000" pitchFamily="2" charset="2"/>
-              </a:rPr>
-              <a:t>Продукти</a:t>
-            </a:r>
-            <a:r>
-              <a:rPr lang="bg-BG" sz="3200" dirty="0">
-                <a:sym typeface="Wingdings" panose="05000000000000000000" pitchFamily="2" charset="2"/>
-              </a:rPr>
-              <a:t>"</a:t>
-            </a:r>
-            <a:endParaRPr lang="en-BG" sz="3200" b="1" dirty="0">
-              <a:solidFill>
-                <a:schemeClr val="bg1"/>
-              </a:solidFill>
-              <a:sym typeface="Wingdings" panose="05000000000000000000" pitchFamily="2" charset="2"/>
-            </a:endParaRPr>
-          </a:p>
-        </p:txBody>
-      </p:sp>
-      <p:sp>
-        <p:nvSpPr>
-          <p:cNvPr id="4" name="Title 3">
-            <a:extLst>
-              <a:ext uri="{FF2B5EF4-FFF2-40B4-BE49-F238E27FC236}">
-                <a16:creationId xmlns:a16="http://schemas.microsoft.com/office/drawing/2014/main" id="{A68D83C9-FB5D-2A19-030C-321D25436A47}"/>
-              </a:ext>
-            </a:extLst>
-          </p:cNvPr>
-          <p:cNvSpPr>
-            <a:spLocks noGrp="1"/>
-          </p:cNvSpPr>
-          <p:nvPr>
-            <p:ph type="title"/>
-          </p:nvPr>
-        </p:nvSpPr>
-        <p:spPr/>
-        <p:txBody>
-          <a:bodyPr/>
-          <a:lstStyle/>
-          <a:p>
-            <a:r>
-              <a:rPr lang="bg-BG" dirty="0"/>
-              <a:t>Структура на проекта</a:t>
-            </a:r>
-            <a:endParaRPr lang="en-BG" dirty="0"/>
-          </a:p>
-        </p:txBody>
-      </p:sp>
-      <p:pic>
-        <p:nvPicPr>
-          <p:cNvPr id="7" name="Picture 6">
-            <a:extLst>
-              <a:ext uri="{FF2B5EF4-FFF2-40B4-BE49-F238E27FC236}">
-                <a16:creationId xmlns:a16="http://schemas.microsoft.com/office/drawing/2014/main" id="{B849A842-4594-9B88-46EC-1B8A990E7165}"/>
-              </a:ext>
-            </a:extLst>
-          </p:cNvPr>
-          <p:cNvPicPr>
-            <a:picLocks noChangeAspect="1"/>
-          </p:cNvPicPr>
-          <p:nvPr/>
-        </p:nvPicPr>
-        <p:blipFill>
-          <a:blip r:embed="rId3">
-            <a:extLst>
-              <a:ext uri="{28A0092B-C50C-407E-A947-70E740481C1C}">
-                <a14:useLocalDpi xmlns:a14="http://schemas.microsoft.com/office/drawing/2010/main" val="0"/>
-              </a:ext>
-            </a:extLst>
-          </a:blip>
-          <a:srcRect/>
-          <a:stretch/>
-        </p:blipFill>
-        <p:spPr>
-          <a:xfrm>
-            <a:off x="381000" y="4023463"/>
-            <a:ext cx="5071600" cy="2420537"/>
-          </a:xfrm>
-          <a:prstGeom prst="rect">
-            <a:avLst/>
-          </a:prstGeom>
-          <a:ln>
-            <a:solidFill>
-              <a:schemeClr val="bg2">
-                <a:lumMod val="75000"/>
-              </a:schemeClr>
-            </a:solidFill>
-          </a:ln>
-        </p:spPr>
-      </p:pic>
-      <p:pic>
-        <p:nvPicPr>
-          <p:cNvPr id="9" name="Picture 8">
-            <a:extLst>
-              <a:ext uri="{FF2B5EF4-FFF2-40B4-BE49-F238E27FC236}">
-                <a16:creationId xmlns:a16="http://schemas.microsoft.com/office/drawing/2014/main" id="{7458D44D-8FB1-B9AC-4BD2-B014BCFECF9E}"/>
-              </a:ext>
-            </a:extLst>
-          </p:cNvPr>
-          <p:cNvPicPr>
-            <a:picLocks noChangeAspect="1"/>
-          </p:cNvPicPr>
-          <p:nvPr/>
-        </p:nvPicPr>
-        <p:blipFill>
-          <a:blip r:embed="rId4">
-            <a:extLst>
-              <a:ext uri="{28A0092B-C50C-407E-A947-70E740481C1C}">
-                <a14:useLocalDpi xmlns:a14="http://schemas.microsoft.com/office/drawing/2010/main" val="0"/>
-              </a:ext>
-            </a:extLst>
-          </a:blip>
-          <a:srcRect/>
-          <a:stretch/>
-        </p:blipFill>
-        <p:spPr>
-          <a:xfrm>
-            <a:off x="6829399" y="4014934"/>
-            <a:ext cx="5071601" cy="2420537"/>
-          </a:xfrm>
-          <a:prstGeom prst="rect">
-            <a:avLst/>
-          </a:prstGeom>
-          <a:ln>
-            <a:solidFill>
-              <a:schemeClr val="bg2">
-                <a:lumMod val="75000"/>
-              </a:schemeClr>
-            </a:solidFill>
-          </a:ln>
-        </p:spPr>
-      </p:pic>
-      <p:sp>
-        <p:nvSpPr>
-          <p:cNvPr id="10" name="Arrow: Right 10">
-            <a:extLst>
-              <a:ext uri="{FF2B5EF4-FFF2-40B4-BE49-F238E27FC236}">
-                <a16:creationId xmlns:a16="http://schemas.microsoft.com/office/drawing/2014/main" id="{37BE1655-7A86-C9DE-468F-86B2D76EB6DB}"/>
-              </a:ext>
-            </a:extLst>
-          </p:cNvPr>
-          <p:cNvSpPr/>
-          <p:nvPr/>
-        </p:nvSpPr>
-        <p:spPr>
-          <a:xfrm>
-            <a:off x="5716715" y="4919432"/>
-            <a:ext cx="848568" cy="628597"/>
-          </a:xfrm>
-          <a:prstGeom prst="rightArrow">
-            <a:avLst/>
-          </a:prstGeom>
-          <a:solidFill>
-            <a:schemeClr val="tx1"/>
-          </a:solidFill>
-          <a:ln>
-            <a:solidFill>
-              <a:schemeClr val="tx1"/>
-            </a:solidFill>
-          </a:ln>
-        </p:spPr>
-        <p:style>
-          <a:lnRef idx="2">
-            <a:schemeClr val="accent1">
-              <a:shade val="50000"/>
-            </a:schemeClr>
-          </a:lnRef>
-          <a:fillRef idx="1">
-            <a:schemeClr val="accent1"/>
-          </a:fillRef>
-          <a:effectRef idx="0">
-            <a:schemeClr val="accent1"/>
-          </a:effectRef>
-          <a:fontRef idx="minor">
-            <a:schemeClr val="lt1"/>
-          </a:fontRef>
-        </p:style>
-        <p:txBody>
-          <a:bodyPr rtlCol="0" anchor="ctr"/>
-          <a:lstStyle/>
-          <a:p>
-            <a:pPr algn="ctr"/>
-            <a:endParaRPr lang="en-US" sz="2799"/>
-          </a:p>
-        </p:txBody>
-      </p:sp>
-    </p:spTree>
-    <p:extLst>
-      <p:ext uri="{BB962C8B-B14F-4D97-AF65-F5344CB8AC3E}">
-        <p14:creationId xmlns:p14="http://schemas.microsoft.com/office/powerpoint/2010/main" val="3261519991"/>
-      </p:ext>
-    </p:extLst>
-  </p:cSld>
-  <p:clrMapOvr>
-    <a:masterClrMapping/>
-  </p:clrMapOvr>
-  <mc:AlternateContent xmlns:mc="http://schemas.openxmlformats.org/markup-compatibility/2006" xmlns:p14="http://schemas.microsoft.com/office/powerpoint/2010/main">
-    <mc:Choice Requires="p14">
-      <p:transition spd="slow" p14:dur="2000" advClick="0" advTm="5000"/>
-    </mc:Choice>
-    <mc:Fallback xmlns="">
-      <p:transition spd="slow" advClick="0" advTm="5000"/>
-    </mc:Fallback>
-  </mc:AlternateContent>
-  <p:timing>
-    <p:tnLst>
-      <p:par>
-        <p:cTn id="1" dur="indefinite" restart="never" nodeType="tmRoot">
-          <p:childTnLst>
-            <p:seq concurrent="1" nextAc="seek">
-              <p:cTn id="2" dur="indefinite" nodeType="mainSeq">
-                <p:childTnLst>
-                  <p:par>
-                    <p:cTn id="3" fill="hold">
-                      <p:stCondLst>
-                        <p:cond delay="indefinite"/>
-                      </p:stCondLst>
-                      <p:childTnLst>
-                        <p:par>
-                          <p:cTn id="4" fill="hold">
-                            <p:stCondLst>
-                              <p:cond delay="0"/>
-                            </p:stCondLst>
-                            <p:childTnLst>
-                              <p:par>
-                                <p:cTn id="5" presetID="1" presetClass="entr" presetSubtype="0" fill="hold" nodeType="clickEffect">
-                                  <p:stCondLst>
-                                    <p:cond delay="0"/>
-                                  </p:stCondLst>
-                                  <p:childTnLst>
-                                    <p:set>
-                                      <p:cBhvr>
-                                        <p:cTn id="6" dur="1" fill="hold">
-                                          <p:stCondLst>
-                                            <p:cond delay="0"/>
-                                          </p:stCondLst>
-                                        </p:cTn>
-                                        <p:tgtEl>
-                                          <p:spTgt spid="3">
-                                            <p:txEl>
-                                              <p:pRg st="1" end="1"/>
-                                            </p:txEl>
-                                          </p:spTgt>
-                                        </p:tgtEl>
-                                        <p:attrNameLst>
-                                          <p:attrName>style.visibility</p:attrName>
-                                        </p:attrNameLst>
-                                      </p:cBhvr>
-                                      <p:to>
-                                        <p:strVal val="visible"/>
-                                      </p:to>
-                                    </p:set>
-                                  </p:childTnLst>
-                                </p:cTn>
-                              </p:par>
-                            </p:childTnLst>
-                          </p:cTn>
-                        </p:par>
-                      </p:childTnLst>
-                    </p:cTn>
-                  </p:par>
-                  <p:par>
-                    <p:cTn id="7" fill="hold">
-                      <p:stCondLst>
-                        <p:cond delay="indefinite"/>
-                      </p:stCondLst>
-                      <p:childTnLst>
-                        <p:par>
-                          <p:cTn id="8" fill="hold">
-                            <p:stCondLst>
-                              <p:cond delay="0"/>
-                            </p:stCondLst>
-                            <p:childTnLst>
-                              <p:par>
-                                <p:cTn id="9" presetID="1" presetClass="entr" presetSubtype="0" fill="hold" nodeType="clickEffect">
-                                  <p:stCondLst>
-                                    <p:cond delay="0"/>
-                                  </p:stCondLst>
-                                  <p:childTnLst>
-                                    <p:set>
-                                      <p:cBhvr>
-                                        <p:cTn id="10" dur="1" fill="hold">
-                                          <p:stCondLst>
-                                            <p:cond delay="0"/>
-                                          </p:stCondLst>
-                                        </p:cTn>
-                                        <p:tgtEl>
-                                          <p:spTgt spid="3">
-                                            <p:txEl>
-                                              <p:pRg st="2" end="2"/>
-                                            </p:txEl>
-                                          </p:spTgt>
-                                        </p:tgtEl>
-                                        <p:attrNameLst>
-                                          <p:attrName>style.visibility</p:attrName>
-                                        </p:attrNameLst>
-                                      </p:cBhvr>
-                                      <p:to>
-                                        <p:strVal val="visible"/>
-                                      </p:to>
-                                    </p:set>
-                                  </p:childTnLst>
-                                </p:cTn>
-                              </p:par>
-                            </p:childTnLst>
-                          </p:cTn>
-                        </p:par>
-                      </p:childTnLst>
-                    </p:cTn>
-                  </p:par>
-                  <p:par>
-                    <p:cTn id="11" fill="hold">
-                      <p:stCondLst>
-                        <p:cond delay="indefinite"/>
-                      </p:stCondLst>
-                      <p:childTnLst>
-                        <p:par>
-                          <p:cTn id="12" fill="hold">
-                            <p:stCondLst>
-                              <p:cond delay="0"/>
-                            </p:stCondLst>
-                            <p:childTnLst>
-                              <p:par>
-                                <p:cTn id="13" presetID="1" presetClass="entr" presetSubtype="0" fill="hold" nodeType="clickEffect">
-                                  <p:stCondLst>
-                                    <p:cond delay="0"/>
-                                  </p:stCondLst>
-                                  <p:childTnLst>
-                                    <p:set>
-                                      <p:cBhvr>
-                                        <p:cTn id="14" dur="1" fill="hold">
-                                          <p:stCondLst>
-                                            <p:cond delay="0"/>
-                                          </p:stCondLst>
-                                        </p:cTn>
-                                        <p:tgtEl>
-                                          <p:spTgt spid="3">
-                                            <p:txEl>
-                                              <p:pRg st="3" end="3"/>
-                                            </p:txEl>
-                                          </p:spTgt>
-                                        </p:tgtEl>
-                                        <p:attrNameLst>
-                                          <p:attrName>style.visibility</p:attrName>
-                                        </p:attrNameLst>
-                                      </p:cBhvr>
-                                      <p:to>
-                                        <p:strVal val="visible"/>
-                                      </p:to>
-                                    </p:set>
-                                  </p:childTnLst>
-                                </p:cTn>
-                              </p:par>
-                            </p:childTnLst>
-                          </p:cTn>
-                        </p:par>
-                      </p:childTnLst>
-                    </p:cTn>
-                  </p:par>
-                  <p:par>
-                    <p:cTn id="15" fill="hold">
-                      <p:stCondLst>
-                        <p:cond delay="indefinite"/>
-                      </p:stCondLst>
-                      <p:childTnLst>
-                        <p:par>
-                          <p:cTn id="16" fill="hold">
-                            <p:stCondLst>
-                              <p:cond delay="0"/>
-                            </p:stCondLst>
-                            <p:childTnLst>
-                              <p:par>
-                                <p:cTn id="17" presetID="1" presetClass="entr" presetSubtype="0" fill="hold" grpId="0" nodeType="clickEffect">
-                                  <p:stCondLst>
-                                    <p:cond delay="0"/>
-                                  </p:stCondLst>
-                                  <p:childTnLst>
-                                    <p:set>
-                                      <p:cBhvr>
-                                        <p:cTn id="18" dur="1" fill="hold">
-                                          <p:stCondLst>
-                                            <p:cond delay="0"/>
-                                          </p:stCondLst>
-                                        </p:cTn>
-                                        <p:tgtEl>
-                                          <p:spTgt spid="10"/>
-                                        </p:tgtEl>
-                                        <p:attrNameLst>
-                                          <p:attrName>style.visibility</p:attrName>
-                                        </p:attrNameLst>
-                                      </p:cBhvr>
-                                      <p:to>
-                                        <p:strVal val="visible"/>
-                                      </p:to>
-                                    </p:set>
-                                  </p:childTnLst>
-                                </p:cTn>
-                              </p:par>
-                            </p:childTnLst>
-                          </p:cTn>
-                        </p:par>
-                      </p:childTnLst>
-                    </p:cTn>
-                  </p:par>
-                  <p:par>
-                    <p:cTn id="19" fill="hold">
-                      <p:stCondLst>
-                        <p:cond delay="indefinite"/>
-                      </p:stCondLst>
-                      <p:childTnLst>
-                        <p:par>
-                          <p:cTn id="20" fill="hold">
-                            <p:stCondLst>
-                              <p:cond delay="0"/>
-                            </p:stCondLst>
-                            <p:childTnLst>
-                              <p:par>
-                                <p:cTn id="21" presetID="1" presetClass="entr" presetSubtype="0" fill="hold" nodeType="clickEffect">
-                                  <p:stCondLst>
-                                    <p:cond delay="0"/>
-                                  </p:stCondLst>
-                                  <p:childTnLst>
-                                    <p:set>
-                                      <p:cBhvr>
-                                        <p:cTn id="22" dur="1" fill="hold">
-                                          <p:stCondLst>
-                                            <p:cond delay="0"/>
-                                          </p:stCondLst>
-                                        </p:cTn>
-                                        <p:tgtEl>
-                                          <p:spTgt spid="9"/>
-                                        </p:tgtEl>
-                                        <p:attrNameLst>
-                                          <p:attrName>style.visibility</p:attrName>
-                                        </p:attrNameLst>
-                                      </p:cBhvr>
-                                      <p:to>
-                                        <p:strVal val="visible"/>
-                                      </p:to>
-                                    </p:set>
-                                  </p:childTnLst>
-                                </p:cTn>
-                              </p:par>
-                            </p:childTnLst>
-                          </p:cTn>
-                        </p:par>
-                      </p:childTnLst>
-                    </p:cTn>
-                  </p:par>
-                </p:childTnLst>
-              </p:cTn>
-              <p:prevCondLst>
-                <p:cond evt="onPrev" delay="0">
-                  <p:tgtEl>
-                    <p:sldTgt/>
-                  </p:tgtEl>
-                </p:cond>
-              </p:prevCondLst>
-              <p:nextCondLst>
-                <p:cond evt="onNext" delay="0">
-                  <p:tgtEl>
-                    <p:sldTgt/>
-                  </p:tgtEl>
-                </p:cond>
-              </p:nextCondLst>
-            </p:seq>
-          </p:childTnLst>
-        </p:cTn>
-      </p:par>
-    </p:tnLst>
-    <p:bldLst>
-      <p:bldP spid="10" grpId="0" animBg="1"/>
-    </p:bldLst>
-  </p:timing>
-  <p:extLst>
-    <p:ext uri="{6950BFC3-D8DA-4A85-94F7-54DA5524770B}">
-      <p188:commentRel xmlns:p188="http://schemas.microsoft.com/office/powerpoint/2018/8/main" r:id="rId2"/>
-    </p:ext>
-  </p:extLst>
-</p:sld>
-</file>
-
 <file path=ppt/slides/slide2.xml><?xml version="1.0" encoding="utf-8"?>
 <p:sld xmlns:a="http://schemas.openxmlformats.org/drawingml/2006/main" xmlns:r="http://schemas.openxmlformats.org/officeDocument/2006/relationships" xmlns:p="http://schemas.openxmlformats.org/presentationml/2006/main">
   <p:cSld>
@@ -14384,7 +14230,7 @@
         </p:spPr>
         <p:txBody>
           <a:bodyPr>
-            <a:normAutofit/>
+            <a:normAutofit fontScale="92500" lnSpcReduction="20000"/>
           </a:bodyPr>
           <a:lstStyle/>
           <a:p>
@@ -14528,6 +14374,39 @@
             <a:r>
               <a:rPr lang="bg-BG" sz="3200" b="1" dirty="0"/>
               <a:t>използване</a:t>
+            </a:r>
+          </a:p>
+          <a:p>
+            <a:r>
+              <a:rPr lang="bg-BG" sz="3400" dirty="0"/>
+              <a:t>Какво е </a:t>
+            </a:r>
+            <a:r>
+              <a:rPr lang="en-US" sz="3400" b="1" dirty="0">
+                <a:solidFill>
+                  <a:schemeClr val="bg1"/>
+                </a:solidFill>
+              </a:rPr>
+              <a:t>BindingSource</a:t>
+            </a:r>
+            <a:r>
+              <a:rPr lang="en-US" sz="3400" dirty="0"/>
+              <a:t>?</a:t>
+            </a:r>
+          </a:p>
+          <a:p>
+            <a:pPr lvl="1"/>
+            <a:r>
+              <a:rPr lang="bg-BG" sz="3200" b="1" dirty="0"/>
+              <a:t>Описание</a:t>
+            </a:r>
+            <a:r>
+              <a:rPr lang="bg-BG" sz="3200" dirty="0"/>
+              <a:t>, използване с </a:t>
+            </a:r>
+            <a:r>
+              <a:rPr lang="en-US" sz="3200" b="1" dirty="0"/>
+              <a:t>DataGridView</a:t>
             </a:r>
           </a:p>
           <a:p>
@@ -14907,6 +14786,104 @@
                       </p:childTnLst>
                     </p:cTn>
                   </p:par>
+                  <p:par>
+                    <p:cTn id="27" fill="hold">
+                      <p:stCondLst>
+                        <p:cond delay="indefinite"/>
+                      </p:stCondLst>
+                      <p:childTnLst>
+                        <p:par>
+                          <p:cTn id="28" fill="hold">
+                            <p:stCondLst>
+                              <p:cond delay="0"/>
+                            </p:stCondLst>
+                            <p:childTnLst>
+                              <p:par>
+                                <p:cTn id="29" presetID="1" presetClass="entr" presetSubtype="0" fill="hold" nodeType="clickEffect">
+                                  <p:stCondLst>
+                                    <p:cond delay="0"/>
+                                  </p:stCondLst>
+                                  <p:childTnLst>
+                                    <p:set>
+                                      <p:cBhvr>
+                                        <p:cTn id="30" dur="1" fill="hold">
+                                          <p:stCondLst>
+                                            <p:cond delay="0"/>
+                                          </p:stCondLst>
+                                        </p:cTn>
+                                        <p:tgtEl>
+                                          <p:spTgt spid="444419">
+                                            <p:txEl>
+                                              <p:pRg st="7" end="7"/>
+                                            </p:txEl>
+                                          </p:spTgt>
+                                        </p:tgtEl>
+                                        <p:attrNameLst>
+                                          <p:attrName>style.visibility</p:attrName>
+                                        </p:attrNameLst>
+                                      </p:cBhvr>
+                                      <p:to>
+                                        <p:strVal val="visible"/>
+                                      </p:to>
+                                    </p:set>
+                                  </p:childTnLst>
+                                </p:cTn>
+                              </p:par>
+                            </p:childTnLst>
+                          </p:cTn>
+                        </p:par>
+                      </p:childTnLst>
+                    </p:cTn>
+                  </p:par>
+                  <p:par>
+                    <p:cTn id="31" fill="hold">
+                      <p:stCondLst>
+                        <p:cond delay="indefinite"/>
+                      </p:stCondLst>
+                      <p:childTnLst>
+                        <p:par>
+                          <p:cTn id="32" fill="hold">
+                            <p:stCondLst>
+                              <p:cond delay="0"/>
+                            </p:stCondLst>
+                            <p:childTnLst>
+                              <p:par>
+                                <p:cTn id="33" presetID="1" presetClass="entr" presetSubtype="0" fill="hold" nodeType="clickEffect">
+                                  <p:stCondLst>
+                                    <p:cond delay="0"/>
+                                  </p:stCondLst>
+                                  <p:childTnLst>
+                                    <p:set>
+                                      <p:cBhvr>
+                                        <p:cTn id="34" dur="1" fill="hold">
+                                          <p:stCondLst>
+                                            <p:cond delay="0"/>
+                                          </p:stCondLst>
+                                        </p:cTn>
+                                        <p:tgtEl>
+                                          <p:spTgt spid="444419">
+                                            <p:txEl>
+                                              <p:pRg st="8" end="8"/>
+                                            </p:txEl>
+                                          </p:spTgt>
+                                        </p:tgtEl>
+                                        <p:attrNameLst>
+                                          <p:attrName>style.visibility</p:attrName>
+                                        </p:attrNameLst>
+                                      </p:cBhvr>
+                                      <p:to>
+                                        <p:strVal val="visible"/>
+                                      </p:to>
+                                    </p:set>
+                                  </p:childTnLst>
+                                </p:cTn>
+                              </p:par>
+                            </p:childTnLst>
+                          </p:cTn>
+                        </p:par>
+                      </p:childTnLst>
+                    </p:cTn>
+                  </p:par>
                 </p:childTnLst>
               </p:cTn>
               <p:prevCondLst>
@@ -14954,7 +14931,7 @@
           <p:cNvPr id="2" name="Slide Number Placeholder 1">
             <a:extLst>
               <a:ext uri="{FF2B5EF4-FFF2-40B4-BE49-F238E27FC236}">
-                <a16:creationId xmlns:a16="http://schemas.microsoft.com/office/drawing/2014/main" id="{94B71CD6-5548-0FED-8EAB-4D71CF31606C}"/>
+                <a16:creationId xmlns:a16="http://schemas.microsoft.com/office/drawing/2014/main" id="{5DF32E4F-E2EF-31D2-89A4-597E31CBABA5}"/>
               </a:ext>
             </a:extLst>
           </p:cNvPr>
@@ -14974,6 +14951,2727 @@
               <a:rPr lang="en-US" noProof="0" smtClean="0"/>
               <a:pPr/>
               <a:t>20</a:t>
+            </a:fld>
+            <a:endParaRPr lang="en-US" noProof="0" dirty="0"/>
+          </a:p>
+        </p:txBody>
+      </p:sp>
+      <p:sp>
+        <p:nvSpPr>
+          <p:cNvPr id="3" name="Text Placeholder 2">
+            <a:extLst>
+              <a:ext uri="{FF2B5EF4-FFF2-40B4-BE49-F238E27FC236}">
+                <a16:creationId xmlns:a16="http://schemas.microsoft.com/office/drawing/2014/main" id="{98A95534-CDA4-8D4D-CB49-BAEE33A7F574}"/>
+              </a:ext>
+            </a:extLst>
+          </p:cNvPr>
+          <p:cNvSpPr>
+            <a:spLocks noGrp="1"/>
+          </p:cNvSpPr>
+          <p:nvPr>
+            <p:ph type="body" sz="quarter" idx="10"/>
+          </p:nvPr>
+        </p:nvSpPr>
+        <p:spPr>
+          <a:xfrm>
+            <a:off x="190402" y="1196125"/>
+            <a:ext cx="7525598" cy="5528766"/>
+          </a:xfrm>
+        </p:spPr>
+        <p:txBody>
+          <a:bodyPr/>
+          <a:lstStyle/>
+          <a:p>
+            <a:r>
+              <a:rPr lang="bg-BG" sz="3000" dirty="0"/>
+              <a:t>Свързваме се със сървъра</a:t>
+            </a:r>
+          </a:p>
+          <a:p>
+            <a:pPr lvl="1">
+              <a:tabLst>
+                <a:tab pos="4483100" algn="l"/>
+              </a:tabLst>
+            </a:pPr>
+            <a:r>
+              <a:rPr lang="en-US" sz="2800" b="1" dirty="0">
+                <a:solidFill>
+                  <a:schemeClr val="bg1"/>
+                </a:solidFill>
+              </a:rPr>
+              <a:t>Tools</a:t>
+            </a:r>
+            <a:r>
+              <a:rPr lang="en-US" sz="2800" dirty="0"/>
+              <a:t> → </a:t>
+            </a:r>
+            <a:r>
+              <a:rPr lang="en-US" sz="2800" b="1" dirty="0"/>
+              <a:t>[</a:t>
+            </a:r>
+            <a:r>
+              <a:rPr lang="en-US" sz="2800" b="1" dirty="0">
+                <a:solidFill>
+                  <a:schemeClr val="bg1"/>
+                </a:solidFill>
+              </a:rPr>
+              <a:t>Connect to Database</a:t>
+            </a:r>
+            <a:r>
+              <a:rPr lang="en-US" sz="2800" b="1" dirty="0"/>
+              <a:t>]</a:t>
+            </a:r>
+            <a:endParaRPr lang="bg-BG" sz="2800" b="1" dirty="0"/>
+          </a:p>
+          <a:p>
+            <a:r>
+              <a:rPr lang="bg-BG" sz="3000" dirty="0"/>
+              <a:t>Свързваме се с </a:t>
+            </a:r>
+            <a:r>
+              <a:rPr lang="bg-BG" sz="3000" b="1" dirty="0"/>
+              <a:t>локалната</a:t>
+            </a:r>
+            <a:r>
+              <a:rPr lang="bg-BG" sz="3000" dirty="0"/>
+              <a:t> ни </a:t>
+            </a:r>
+            <a:r>
+              <a:rPr lang="bg-BG" sz="3000" b="1" dirty="0"/>
+              <a:t>инстанция</a:t>
+            </a:r>
+            <a:r>
+              <a:rPr lang="bg-BG" sz="3000" dirty="0"/>
+              <a:t> на </a:t>
+            </a:r>
+            <a:r>
+              <a:rPr lang="en-US" sz="3000" b="1" dirty="0">
+                <a:solidFill>
+                  <a:schemeClr val="bg1"/>
+                </a:solidFill>
+              </a:rPr>
+              <a:t>SQL </a:t>
+            </a:r>
+            <a:r>
+              <a:rPr lang="bg-BG" sz="3000" b="1" dirty="0">
+                <a:solidFill>
+                  <a:schemeClr val="bg1"/>
+                </a:solidFill>
+              </a:rPr>
+              <a:t>сървъра</a:t>
+            </a:r>
+            <a:endParaRPr lang="en-US" sz="3000" b="1" dirty="0">
+              <a:solidFill>
+                <a:schemeClr val="bg1"/>
+              </a:solidFill>
+            </a:endParaRPr>
+          </a:p>
+          <a:p>
+            <a:r>
+              <a:rPr lang="bg-BG" sz="3000" dirty="0"/>
+              <a:t>Създаваме </a:t>
+            </a:r>
+            <a:r>
+              <a:rPr lang="bg-BG" sz="3000" b="1" dirty="0">
+                <a:solidFill>
+                  <a:schemeClr val="bg1"/>
+                </a:solidFill>
+              </a:rPr>
+              <a:t>база данни</a:t>
+            </a:r>
+          </a:p>
+          <a:p>
+            <a:pPr lvl="1"/>
+            <a:r>
+              <a:rPr lang="bg-BG" sz="2800" dirty="0"/>
+              <a:t>В полето </a:t>
+            </a:r>
+            <a:r>
+              <a:rPr lang="en-US" sz="2800" b="1" dirty="0"/>
+              <a:t>Select or enter a database name</a:t>
+            </a:r>
+            <a:r>
+              <a:rPr lang="bg-BG" sz="2800" dirty="0"/>
+              <a:t> задаваме </a:t>
+            </a:r>
+            <a:r>
+              <a:rPr lang="bg-BG" sz="2800" b="1" dirty="0">
+                <a:solidFill>
+                  <a:schemeClr val="bg1"/>
+                </a:solidFill>
+              </a:rPr>
+              <a:t>подходящо име</a:t>
+            </a:r>
+            <a:r>
+              <a:rPr lang="en-US" sz="2800" dirty="0"/>
+              <a:t>,</a:t>
+            </a:r>
+            <a:r>
+              <a:rPr lang="bg-BG" sz="2800" dirty="0"/>
+              <a:t> например</a:t>
+            </a:r>
+            <a:r>
+              <a:rPr lang="en-US" sz="2800" dirty="0"/>
+              <a:t> </a:t>
+            </a:r>
+            <a:r>
+              <a:rPr lang="bg-BG" sz="2800" dirty="0"/>
+              <a:t>"</a:t>
+            </a:r>
+            <a:r>
+              <a:rPr lang="en-US" sz="2800" b="1" dirty="0">
+                <a:solidFill>
+                  <a:schemeClr val="bg1"/>
+                </a:solidFill>
+                <a:latin typeface="Consolas" panose="020B0609020204030204" pitchFamily="49" charset="0"/>
+                <a:cs typeface="Consolas" panose="020B0609020204030204" pitchFamily="49" charset="0"/>
+              </a:rPr>
+              <a:t>StoreDb</a:t>
+            </a:r>
+            <a:r>
+              <a:rPr lang="bg-BG" sz="2800" dirty="0"/>
+              <a:t>”</a:t>
+            </a:r>
+            <a:endParaRPr lang="en-US" sz="2800" dirty="0"/>
+          </a:p>
+          <a:p>
+            <a:r>
+              <a:rPr lang="bg-BG" sz="3000" dirty="0"/>
+              <a:t>Тестваме връзката с </a:t>
+            </a:r>
+            <a:r>
+              <a:rPr lang="en-US" sz="3000" b="1" dirty="0"/>
+              <a:t>[</a:t>
+            </a:r>
+            <a:r>
+              <a:rPr lang="en-US" sz="3000" b="1" dirty="0">
+                <a:solidFill>
+                  <a:schemeClr val="bg1"/>
+                </a:solidFill>
+              </a:rPr>
+              <a:t>Test Connection</a:t>
+            </a:r>
+            <a:r>
+              <a:rPr lang="en-US" sz="3000" b="1" dirty="0"/>
+              <a:t>]</a:t>
+            </a:r>
+            <a:r>
+              <a:rPr lang="en-US" sz="3000" b="1" dirty="0">
+                <a:solidFill>
+                  <a:schemeClr val="bg1"/>
+                </a:solidFill>
+              </a:rPr>
+              <a:t> </a:t>
+            </a:r>
+            <a:r>
+              <a:rPr lang="bg-BG" sz="3000" dirty="0"/>
+              <a:t>и натискаме </a:t>
+            </a:r>
+            <a:r>
+              <a:rPr lang="en-US" sz="3000" b="1" dirty="0"/>
+              <a:t>[</a:t>
+            </a:r>
+            <a:r>
+              <a:rPr lang="en-US" sz="3000" b="1" dirty="0">
+                <a:solidFill>
+                  <a:schemeClr val="bg1"/>
+                </a:solidFill>
+              </a:rPr>
+              <a:t>OK</a:t>
+            </a:r>
+            <a:r>
+              <a:rPr lang="en-US" sz="3000" b="1" dirty="0"/>
+              <a:t>]</a:t>
+            </a:r>
+          </a:p>
+        </p:txBody>
+      </p:sp>
+      <p:sp>
+        <p:nvSpPr>
+          <p:cNvPr id="4" name="Title 3">
+            <a:extLst>
+              <a:ext uri="{FF2B5EF4-FFF2-40B4-BE49-F238E27FC236}">
+                <a16:creationId xmlns:a16="http://schemas.microsoft.com/office/drawing/2014/main" id="{AD3828FB-E08D-CB64-BD97-65FE8CABF479}"/>
+              </a:ext>
+            </a:extLst>
+          </p:cNvPr>
+          <p:cNvSpPr>
+            <a:spLocks noGrp="1"/>
+          </p:cNvSpPr>
+          <p:nvPr>
+            <p:ph type="title"/>
+          </p:nvPr>
+        </p:nvSpPr>
+        <p:spPr/>
+        <p:txBody>
+          <a:bodyPr>
+            <a:normAutofit fontScale="90000"/>
+          </a:bodyPr>
+          <a:lstStyle/>
+          <a:p>
+            <a:r>
+              <a:rPr lang="bg-BG" dirty="0"/>
+              <a:t>Свързване на сървър и конфигурация на връзка</a:t>
+            </a:r>
+            <a:endParaRPr lang="en-BG" dirty="0"/>
+          </a:p>
+        </p:txBody>
+      </p:sp>
+      <p:pic>
+        <p:nvPicPr>
+          <p:cNvPr id="6" name="Picture 5">
+            <a:extLst>
+              <a:ext uri="{FF2B5EF4-FFF2-40B4-BE49-F238E27FC236}">
+                <a16:creationId xmlns:a16="http://schemas.microsoft.com/office/drawing/2014/main" id="{BDF3CB0C-6EB1-10A0-4C8D-E62A70413729}"/>
+              </a:ext>
+            </a:extLst>
+          </p:cNvPr>
+          <p:cNvPicPr>
+            <a:picLocks noChangeAspect="1"/>
+          </p:cNvPicPr>
+          <p:nvPr/>
+        </p:nvPicPr>
+        <p:blipFill>
+          <a:blip r:embed="rId2">
+            <a:extLst>
+              <a:ext uri="{28A0092B-C50C-407E-A947-70E740481C1C}">
+                <a14:useLocalDpi xmlns:a14="http://schemas.microsoft.com/office/drawing/2010/main" val="0"/>
+              </a:ext>
+            </a:extLst>
+          </a:blip>
+          <a:stretch>
+            <a:fillRect/>
+          </a:stretch>
+        </p:blipFill>
+        <p:spPr>
+          <a:xfrm>
+            <a:off x="7574515" y="1215053"/>
+            <a:ext cx="3915000" cy="5291947"/>
+          </a:xfrm>
+          <a:prstGeom prst="rect">
+            <a:avLst/>
+          </a:prstGeom>
+          <a:ln>
+            <a:solidFill>
+              <a:schemeClr val="bg2">
+                <a:lumMod val="75000"/>
+              </a:schemeClr>
+            </a:solidFill>
+          </a:ln>
+        </p:spPr>
+      </p:pic>
+    </p:spTree>
+    <p:extLst>
+      <p:ext uri="{BB962C8B-B14F-4D97-AF65-F5344CB8AC3E}">
+        <p14:creationId xmlns:p14="http://schemas.microsoft.com/office/powerpoint/2010/main" val="123098562"/>
+      </p:ext>
+    </p:extLst>
+  </p:cSld>
+  <p:clrMapOvr>
+    <a:masterClrMapping/>
+  </p:clrMapOvr>
+  <mc:AlternateContent xmlns:mc="http://schemas.openxmlformats.org/markup-compatibility/2006" xmlns:p14="http://schemas.microsoft.com/office/powerpoint/2010/main">
+    <mc:Choice Requires="p14">
+      <p:transition spd="slow" p14:dur="2000" advClick="0" advTm="5000"/>
+    </mc:Choice>
+    <mc:Fallback xmlns="">
+      <p:transition spd="slow" advClick="0" advTm="5000"/>
+    </mc:Fallback>
+  </mc:AlternateContent>
+  <p:timing>
+    <p:tnLst>
+      <p:par>
+        <p:cTn id="1" dur="indefinite" restart="never" nodeType="tmRoot">
+          <p:childTnLst>
+            <p:seq concurrent="1" nextAc="seek">
+              <p:cTn id="2" dur="indefinite" nodeType="mainSeq">
+                <p:childTnLst>
+                  <p:par>
+                    <p:cTn id="3" fill="hold">
+                      <p:stCondLst>
+                        <p:cond delay="indefinite"/>
+                      </p:stCondLst>
+                      <p:childTnLst>
+                        <p:par>
+                          <p:cTn id="4" fill="hold">
+                            <p:stCondLst>
+                              <p:cond delay="0"/>
+                            </p:stCondLst>
+                            <p:childTnLst>
+                              <p:par>
+                                <p:cTn id="5" presetID="1" presetClass="entr" presetSubtype="0" fill="hold" nodeType="clickEffect">
+                                  <p:stCondLst>
+                                    <p:cond delay="0"/>
+                                  </p:stCondLst>
+                                  <p:childTnLst>
+                                    <p:set>
+                                      <p:cBhvr>
+                                        <p:cTn id="6" dur="1" fill="hold">
+                                          <p:stCondLst>
+                                            <p:cond delay="0"/>
+                                          </p:stCondLst>
+                                        </p:cTn>
+                                        <p:tgtEl>
+                                          <p:spTgt spid="3">
+                                            <p:txEl>
+                                              <p:pRg st="1" end="1"/>
+                                            </p:txEl>
+                                          </p:spTgt>
+                                        </p:tgtEl>
+                                        <p:attrNameLst>
+                                          <p:attrName>style.visibility</p:attrName>
+                                        </p:attrNameLst>
+                                      </p:cBhvr>
+                                      <p:to>
+                                        <p:strVal val="visible"/>
+                                      </p:to>
+                                    </p:set>
+                                  </p:childTnLst>
+                                </p:cTn>
+                              </p:par>
+                            </p:childTnLst>
+                          </p:cTn>
+                        </p:par>
+                      </p:childTnLst>
+                    </p:cTn>
+                  </p:par>
+                  <p:par>
+                    <p:cTn id="7" fill="hold">
+                      <p:stCondLst>
+                        <p:cond delay="indefinite"/>
+                      </p:stCondLst>
+                      <p:childTnLst>
+                        <p:par>
+                          <p:cTn id="8" fill="hold">
+                            <p:stCondLst>
+                              <p:cond delay="0"/>
+                            </p:stCondLst>
+                            <p:childTnLst>
+                              <p:par>
+                                <p:cTn id="9" presetID="1" presetClass="entr" presetSubtype="0" fill="hold" nodeType="clickEffect">
+                                  <p:stCondLst>
+                                    <p:cond delay="0"/>
+                                  </p:stCondLst>
+                                  <p:childTnLst>
+                                    <p:set>
+                                      <p:cBhvr>
+                                        <p:cTn id="10" dur="1" fill="hold">
+                                          <p:stCondLst>
+                                            <p:cond delay="0"/>
+                                          </p:stCondLst>
+                                        </p:cTn>
+                                        <p:tgtEl>
+                                          <p:spTgt spid="3">
+                                            <p:txEl>
+                                              <p:pRg st="2" end="2"/>
+                                            </p:txEl>
+                                          </p:spTgt>
+                                        </p:tgtEl>
+                                        <p:attrNameLst>
+                                          <p:attrName>style.visibility</p:attrName>
+                                        </p:attrNameLst>
+                                      </p:cBhvr>
+                                      <p:to>
+                                        <p:strVal val="visible"/>
+                                      </p:to>
+                                    </p:set>
+                                  </p:childTnLst>
+                                </p:cTn>
+                              </p:par>
+                            </p:childTnLst>
+                          </p:cTn>
+                        </p:par>
+                      </p:childTnLst>
+                    </p:cTn>
+                  </p:par>
+                  <p:par>
+                    <p:cTn id="11" fill="hold">
+                      <p:stCondLst>
+                        <p:cond delay="indefinite"/>
+                      </p:stCondLst>
+                      <p:childTnLst>
+                        <p:par>
+                          <p:cTn id="12" fill="hold">
+                            <p:stCondLst>
+                              <p:cond delay="0"/>
+                            </p:stCondLst>
+                            <p:childTnLst>
+                              <p:par>
+                                <p:cTn id="13" presetID="1" presetClass="entr" presetSubtype="0" fill="hold" nodeType="clickEffect">
+                                  <p:stCondLst>
+                                    <p:cond delay="0"/>
+                                  </p:stCondLst>
+                                  <p:childTnLst>
+                                    <p:set>
+                                      <p:cBhvr>
+                                        <p:cTn id="14" dur="1" fill="hold">
+                                          <p:stCondLst>
+                                            <p:cond delay="0"/>
+                                          </p:stCondLst>
+                                        </p:cTn>
+                                        <p:tgtEl>
+                                          <p:spTgt spid="3">
+                                            <p:txEl>
+                                              <p:pRg st="3" end="3"/>
+                                            </p:txEl>
+                                          </p:spTgt>
+                                        </p:tgtEl>
+                                        <p:attrNameLst>
+                                          <p:attrName>style.visibility</p:attrName>
+                                        </p:attrNameLst>
+                                      </p:cBhvr>
+                                      <p:to>
+                                        <p:strVal val="visible"/>
+                                      </p:to>
+                                    </p:set>
+                                  </p:childTnLst>
+                                </p:cTn>
+                              </p:par>
+                            </p:childTnLst>
+                          </p:cTn>
+                        </p:par>
+                      </p:childTnLst>
+                    </p:cTn>
+                  </p:par>
+                  <p:par>
+                    <p:cTn id="15" fill="hold">
+                      <p:stCondLst>
+                        <p:cond delay="indefinite"/>
+                      </p:stCondLst>
+                      <p:childTnLst>
+                        <p:par>
+                          <p:cTn id="16" fill="hold">
+                            <p:stCondLst>
+                              <p:cond delay="0"/>
+                            </p:stCondLst>
+                            <p:childTnLst>
+                              <p:par>
+                                <p:cTn id="17" presetID="1" presetClass="entr" presetSubtype="0" fill="hold" nodeType="clickEffect">
+                                  <p:stCondLst>
+                                    <p:cond delay="0"/>
+                                  </p:stCondLst>
+                                  <p:childTnLst>
+                                    <p:set>
+                                      <p:cBhvr>
+                                        <p:cTn id="18" dur="1" fill="hold">
+                                          <p:stCondLst>
+                                            <p:cond delay="0"/>
+                                          </p:stCondLst>
+                                        </p:cTn>
+                                        <p:tgtEl>
+                                          <p:spTgt spid="3">
+                                            <p:txEl>
+                                              <p:pRg st="4" end="4"/>
+                                            </p:txEl>
+                                          </p:spTgt>
+                                        </p:tgtEl>
+                                        <p:attrNameLst>
+                                          <p:attrName>style.visibility</p:attrName>
+                                        </p:attrNameLst>
+                                      </p:cBhvr>
+                                      <p:to>
+                                        <p:strVal val="visible"/>
+                                      </p:to>
+                                    </p:set>
+                                  </p:childTnLst>
+                                </p:cTn>
+                              </p:par>
+                            </p:childTnLst>
+                          </p:cTn>
+                        </p:par>
+                      </p:childTnLst>
+                    </p:cTn>
+                  </p:par>
+                  <p:par>
+                    <p:cTn id="19" fill="hold">
+                      <p:stCondLst>
+                        <p:cond delay="indefinite"/>
+                      </p:stCondLst>
+                      <p:childTnLst>
+                        <p:par>
+                          <p:cTn id="20" fill="hold">
+                            <p:stCondLst>
+                              <p:cond delay="0"/>
+                            </p:stCondLst>
+                            <p:childTnLst>
+                              <p:par>
+                                <p:cTn id="21" presetID="1" presetClass="entr" presetSubtype="0" fill="hold" nodeType="clickEffect">
+                                  <p:stCondLst>
+                                    <p:cond delay="0"/>
+                                  </p:stCondLst>
+                                  <p:childTnLst>
+                                    <p:set>
+                                      <p:cBhvr>
+                                        <p:cTn id="22" dur="1" fill="hold">
+                                          <p:stCondLst>
+                                            <p:cond delay="0"/>
+                                          </p:stCondLst>
+                                        </p:cTn>
+                                        <p:tgtEl>
+                                          <p:spTgt spid="3">
+                                            <p:txEl>
+                                              <p:pRg st="5" end="5"/>
+                                            </p:txEl>
+                                          </p:spTgt>
+                                        </p:tgtEl>
+                                        <p:attrNameLst>
+                                          <p:attrName>style.visibility</p:attrName>
+                                        </p:attrNameLst>
+                                      </p:cBhvr>
+                                      <p:to>
+                                        <p:strVal val="visible"/>
+                                      </p:to>
+                                    </p:set>
+                                  </p:childTnLst>
+                                </p:cTn>
+                              </p:par>
+                            </p:childTnLst>
+                          </p:cTn>
+                        </p:par>
+                      </p:childTnLst>
+                    </p:cTn>
+                  </p:par>
+                </p:childTnLst>
+              </p:cTn>
+              <p:prevCondLst>
+                <p:cond evt="onPrev" delay="0">
+                  <p:tgtEl>
+                    <p:sldTgt/>
+                  </p:tgtEl>
+                </p:cond>
+              </p:prevCondLst>
+              <p:nextCondLst>
+                <p:cond evt="onNext" delay="0">
+                  <p:tgtEl>
+                    <p:sldTgt/>
+                  </p:tgtEl>
+                </p:cond>
+              </p:nextCondLst>
+            </p:seq>
+          </p:childTnLst>
+        </p:cTn>
+      </p:par>
+    </p:tnLst>
+  </p:timing>
+</p:sld>
+</file>
+
+<file path=ppt/slides/slide21.xml><?xml version="1.0" encoding="utf-8"?>
+<p:sld xmlns:a="http://schemas.openxmlformats.org/drawingml/2006/main" xmlns:r="http://schemas.openxmlformats.org/officeDocument/2006/relationships" xmlns:p="http://schemas.openxmlformats.org/presentationml/2006/main">
+  <p:cSld>
+    <p:spTree>
+      <p:nvGrpSpPr>
+        <p:cNvPr id="1" name=""/>
+        <p:cNvGrpSpPr/>
+        <p:nvPr/>
+      </p:nvGrpSpPr>
+      <p:grpSpPr>
+        <a:xfrm>
+          <a:off x="0" y="0"/>
+          <a:ext cx="0" cy="0"/>
+          <a:chOff x="0" y="0"/>
+          <a:chExt cx="0" cy="0"/>
+        </a:xfrm>
+      </p:grpSpPr>
+      <p:sp>
+        <p:nvSpPr>
+          <p:cNvPr id="2" name="Slide Number Placeholder 1">
+            <a:extLst>
+              <a:ext uri="{FF2B5EF4-FFF2-40B4-BE49-F238E27FC236}">
+                <a16:creationId xmlns:a16="http://schemas.microsoft.com/office/drawing/2014/main" id="{5DF32E4F-E2EF-31D2-89A4-597E31CBABA5}"/>
+              </a:ext>
+            </a:extLst>
+          </p:cNvPr>
+          <p:cNvSpPr>
+            <a:spLocks noGrp="1"/>
+          </p:cNvSpPr>
+          <p:nvPr>
+            <p:ph type="sldNum" sz="quarter" idx="5"/>
+          </p:nvPr>
+        </p:nvSpPr>
+        <p:spPr/>
+        <p:txBody>
+          <a:bodyPr/>
+          <a:lstStyle/>
+          <a:p>
+            <a:fld id="{2BF067CD-8E6B-4360-9AA8-C5DF2A48A6D1}" type="slidenum">
+              <a:rPr lang="en-US" noProof="0" smtClean="0"/>
+              <a:pPr/>
+              <a:t>21</a:t>
+            </a:fld>
+            <a:endParaRPr lang="en-US" noProof="0" dirty="0"/>
+          </a:p>
+        </p:txBody>
+      </p:sp>
+      <p:sp>
+        <p:nvSpPr>
+          <p:cNvPr id="3" name="Text Placeholder 2">
+            <a:extLst>
+              <a:ext uri="{FF2B5EF4-FFF2-40B4-BE49-F238E27FC236}">
+                <a16:creationId xmlns:a16="http://schemas.microsoft.com/office/drawing/2014/main" id="{98A95534-CDA4-8D4D-CB49-BAEE33A7F574}"/>
+              </a:ext>
+            </a:extLst>
+          </p:cNvPr>
+          <p:cNvSpPr>
+            <a:spLocks noGrp="1"/>
+          </p:cNvSpPr>
+          <p:nvPr>
+            <p:ph type="body" sz="quarter" idx="10"/>
+          </p:nvPr>
+        </p:nvSpPr>
+        <p:spPr>
+          <a:xfrm>
+            <a:off x="190402" y="1196125"/>
+            <a:ext cx="7435598" cy="5528766"/>
+          </a:xfrm>
+        </p:spPr>
+        <p:txBody>
+          <a:bodyPr>
+            <a:normAutofit/>
+          </a:bodyPr>
+          <a:lstStyle/>
+          <a:p>
+            <a:r>
+              <a:rPr lang="bg-BG" sz="2800" dirty="0"/>
+              <a:t>Избираме да създадем </a:t>
+            </a:r>
+            <a:r>
+              <a:rPr lang="bg-BG" sz="2800" b="1" dirty="0">
+                <a:solidFill>
+                  <a:schemeClr val="bg1"/>
+                </a:solidFill>
+              </a:rPr>
+              <a:t>нова</a:t>
+            </a:r>
+            <a:r>
+              <a:rPr lang="bg-BG" sz="2800" dirty="0"/>
+              <a:t> база данни</a:t>
+            </a:r>
+          </a:p>
+          <a:p>
+            <a:r>
+              <a:rPr lang="bg-BG" sz="2800" dirty="0"/>
+              <a:t>В </a:t>
+            </a:r>
+            <a:r>
+              <a:rPr lang="en-US" sz="2800" b="1" dirty="0">
+                <a:solidFill>
+                  <a:schemeClr val="bg1"/>
+                </a:solidFill>
+              </a:rPr>
+              <a:t>Server Explorer</a:t>
+            </a:r>
+            <a:r>
+              <a:rPr lang="bg-BG" sz="2800" b="1" dirty="0">
+                <a:solidFill>
+                  <a:schemeClr val="bg1"/>
+                </a:solidFill>
+              </a:rPr>
+              <a:t> </a:t>
+            </a:r>
+            <a:r>
+              <a:rPr lang="en-US" sz="2800" dirty="0"/>
+              <a:t>→ </a:t>
+            </a:r>
+            <a:r>
+              <a:rPr lang="en-US" sz="2800" b="1" dirty="0">
+                <a:solidFill>
+                  <a:schemeClr val="bg1"/>
+                </a:solidFill>
+              </a:rPr>
+              <a:t>StoreDb</a:t>
+            </a:r>
+            <a:r>
+              <a:rPr lang="en-US" sz="2800" dirty="0"/>
+              <a:t> →</a:t>
+            </a:r>
+            <a:r>
+              <a:rPr lang="en-US" sz="2800" b="1" dirty="0">
+                <a:solidFill>
+                  <a:schemeClr val="bg1"/>
+                </a:solidFill>
+              </a:rPr>
+              <a:t> </a:t>
+            </a:r>
+            <a:r>
+              <a:rPr lang="en-US" sz="2800" b="1" dirty="0"/>
+              <a:t>[</a:t>
+            </a:r>
+            <a:r>
+              <a:rPr lang="en-US" sz="2800" b="1" dirty="0">
+                <a:solidFill>
+                  <a:schemeClr val="bg1"/>
+                </a:solidFill>
+              </a:rPr>
+              <a:t>New Query</a:t>
+            </a:r>
+            <a:r>
+              <a:rPr lang="en-US" sz="2800" b="1" dirty="0"/>
+              <a:t>]</a:t>
+            </a:r>
+          </a:p>
+          <a:p>
+            <a:r>
+              <a:rPr lang="bg-BG" sz="2800" dirty="0"/>
+              <a:t>Изпълняваме дадения </a:t>
+            </a:r>
+            <a:r>
+              <a:rPr lang="en-US" sz="2800" b="1" dirty="0">
+                <a:solidFill>
+                  <a:schemeClr val="bg1"/>
+                </a:solidFill>
+              </a:rPr>
+              <a:t>SQL </a:t>
+            </a:r>
+            <a:r>
+              <a:rPr lang="bg-BG" sz="2800" b="1" dirty="0">
+                <a:solidFill>
+                  <a:schemeClr val="bg1"/>
+                </a:solidFill>
+              </a:rPr>
+              <a:t>скрипт</a:t>
+            </a:r>
+          </a:p>
+        </p:txBody>
+      </p:sp>
+      <p:sp>
+        <p:nvSpPr>
+          <p:cNvPr id="4" name="Title 3">
+            <a:extLst>
+              <a:ext uri="{FF2B5EF4-FFF2-40B4-BE49-F238E27FC236}">
+                <a16:creationId xmlns:a16="http://schemas.microsoft.com/office/drawing/2014/main" id="{AD3828FB-E08D-CB64-BD97-65FE8CABF479}"/>
+              </a:ext>
+            </a:extLst>
+          </p:cNvPr>
+          <p:cNvSpPr>
+            <a:spLocks noGrp="1"/>
+          </p:cNvSpPr>
+          <p:nvPr>
+            <p:ph type="title"/>
+          </p:nvPr>
+        </p:nvSpPr>
+        <p:spPr/>
+        <p:txBody>
+          <a:bodyPr/>
+          <a:lstStyle/>
+          <a:p>
+            <a:r>
+              <a:rPr lang="bg-BG" dirty="0"/>
+              <a:t>Създаване и попълване на база данни</a:t>
+            </a:r>
+            <a:endParaRPr lang="en-BG" dirty="0"/>
+          </a:p>
+        </p:txBody>
+      </p:sp>
+      <p:sp>
+        <p:nvSpPr>
+          <p:cNvPr id="5" name="Text Placeholder 5">
+            <a:extLst>
+              <a:ext uri="{FF2B5EF4-FFF2-40B4-BE49-F238E27FC236}">
+                <a16:creationId xmlns:a16="http://schemas.microsoft.com/office/drawing/2014/main" id="{7F0D9CAD-D9BA-889C-C5EE-7E8DFDDC94FF}"/>
+              </a:ext>
+            </a:extLst>
+          </p:cNvPr>
+          <p:cNvSpPr txBox="1">
+            <a:spLocks/>
+          </p:cNvSpPr>
+          <p:nvPr/>
+        </p:nvSpPr>
+        <p:spPr>
+          <a:xfrm>
+            <a:off x="595027" y="3073817"/>
+            <a:ext cx="5500973" cy="3416320"/>
+          </a:xfrm>
+          <a:prstGeom prst="rect">
+            <a:avLst/>
+          </a:prstGeom>
+          <a:solidFill>
+            <a:schemeClr val="accent5">
+              <a:lumMod val="40000"/>
+              <a:lumOff val="60000"/>
+              <a:alpha val="15000"/>
+            </a:schemeClr>
+          </a:solidFill>
+          <a:ln w="12700">
+            <a:solidFill>
+              <a:schemeClr val="accent5">
+                <a:lumMod val="60000"/>
+                <a:lumOff val="40000"/>
+              </a:schemeClr>
+            </a:solidFill>
+          </a:ln>
+        </p:spPr>
+        <p:txBody>
+          <a:bodyPr wrap="square">
+            <a:spAutoFit/>
+          </a:bodyPr>
+          <a:lstStyle/>
+          <a:p>
+            <a:r>
+              <a:rPr lang="en-GB" b="1" dirty="0">
+                <a:latin typeface="Consolas" panose="020B0609020204030204" pitchFamily="49" charset="0"/>
+                <a:cs typeface="Consolas" panose="020B0609020204030204" pitchFamily="49" charset="0"/>
+              </a:rPr>
+              <a:t>CREATE TABLE Products (</a:t>
+            </a:r>
+          </a:p>
+          <a:p>
+            <a:r>
+              <a:rPr lang="en-GB" b="1" dirty="0">
+                <a:latin typeface="Consolas" panose="020B0609020204030204" pitchFamily="49" charset="0"/>
+                <a:cs typeface="Consolas" panose="020B0609020204030204" pitchFamily="49" charset="0"/>
+              </a:rPr>
+              <a:t>    Id INT PRIMARY KEY,</a:t>
+            </a:r>
+          </a:p>
+          <a:p>
+            <a:r>
+              <a:rPr lang="en-GB" b="1" dirty="0">
+                <a:latin typeface="Consolas" panose="020B0609020204030204" pitchFamily="49" charset="0"/>
+                <a:cs typeface="Consolas" panose="020B0609020204030204" pitchFamily="49" charset="0"/>
+              </a:rPr>
+              <a:t>    Name NVARCHAR(50),</a:t>
+            </a:r>
+          </a:p>
+          <a:p>
+            <a:r>
+              <a:rPr lang="en-GB" b="1" dirty="0">
+                <a:latin typeface="Consolas" panose="020B0609020204030204" pitchFamily="49" charset="0"/>
+                <a:cs typeface="Consolas" panose="020B0609020204030204" pitchFamily="49" charset="0"/>
+              </a:rPr>
+              <a:t>    Category NVARCHAR(50)</a:t>
+            </a:r>
+          </a:p>
+          <a:p>
+            <a:r>
+              <a:rPr lang="en-GB" b="1" dirty="0">
+                <a:latin typeface="Consolas" panose="020B0609020204030204" pitchFamily="49" charset="0"/>
+                <a:cs typeface="Consolas" panose="020B0609020204030204" pitchFamily="49" charset="0"/>
+              </a:rPr>
+              <a:t>);</a:t>
+            </a:r>
+            <a:br>
+              <a:rPr lang="en-GB" b="1" dirty="0">
+                <a:latin typeface="Consolas" panose="020B0609020204030204" pitchFamily="49" charset="0"/>
+                <a:cs typeface="Consolas" panose="020B0609020204030204" pitchFamily="49" charset="0"/>
+              </a:rPr>
+            </a:br>
+            <a:endParaRPr lang="en-GB" b="1" dirty="0">
+              <a:latin typeface="Consolas" panose="020B0609020204030204" pitchFamily="49" charset="0"/>
+              <a:cs typeface="Consolas" panose="020B0609020204030204" pitchFamily="49" charset="0"/>
+            </a:endParaRPr>
+          </a:p>
+          <a:p>
+            <a:r>
+              <a:rPr lang="en-GB" b="1" dirty="0">
+                <a:latin typeface="Consolas" panose="020B0609020204030204" pitchFamily="49" charset="0"/>
+                <a:cs typeface="Consolas" panose="020B0609020204030204" pitchFamily="49" charset="0"/>
+              </a:rPr>
+              <a:t>INSERT INTO Products (Id, Name, Category)</a:t>
+            </a:r>
+          </a:p>
+          <a:p>
+            <a:r>
+              <a:rPr lang="en-GB" b="1" dirty="0">
+                <a:latin typeface="Consolas" panose="020B0609020204030204" pitchFamily="49" charset="0"/>
+                <a:cs typeface="Consolas" panose="020B0609020204030204" pitchFamily="49" charset="0"/>
+              </a:rPr>
+              <a:t>VALUES</a:t>
+            </a:r>
+          </a:p>
+          <a:p>
+            <a:r>
+              <a:rPr lang="en-GB" b="1" dirty="0">
+                <a:latin typeface="Consolas" panose="020B0609020204030204" pitchFamily="49" charset="0"/>
+                <a:cs typeface="Consolas" panose="020B0609020204030204" pitchFamily="49" charset="0"/>
+              </a:rPr>
+              <a:t>    (1, N'</a:t>
+            </a:r>
+            <a:r>
+              <a:rPr lang="bg-BG" b="1" dirty="0">
+                <a:latin typeface="Consolas" panose="020B0609020204030204" pitchFamily="49" charset="0"/>
+                <a:cs typeface="Consolas" panose="020B0609020204030204" pitchFamily="49" charset="0"/>
+              </a:rPr>
+              <a:t>Лаптоп', </a:t>
+            </a:r>
+            <a:r>
+              <a:rPr lang="en-GB" b="1" dirty="0">
+                <a:latin typeface="Consolas" panose="020B0609020204030204" pitchFamily="49" charset="0"/>
+                <a:cs typeface="Consolas" panose="020B0609020204030204" pitchFamily="49" charset="0"/>
+              </a:rPr>
+              <a:t>N'</a:t>
+            </a:r>
+            <a:r>
+              <a:rPr lang="bg-BG" b="1" dirty="0">
+                <a:latin typeface="Consolas" panose="020B0609020204030204" pitchFamily="49" charset="0"/>
+                <a:cs typeface="Consolas" panose="020B0609020204030204" pitchFamily="49" charset="0"/>
+              </a:rPr>
+              <a:t>Електроника’),</a:t>
+            </a:r>
+          </a:p>
+          <a:p>
+            <a:r>
+              <a:rPr lang="en-US" b="1" dirty="0">
+                <a:latin typeface="Consolas" panose="020B0609020204030204" pitchFamily="49" charset="0"/>
+                <a:cs typeface="Consolas" panose="020B0609020204030204" pitchFamily="49" charset="0"/>
+              </a:rPr>
+              <a:t>    </a:t>
+            </a:r>
+            <a:r>
+              <a:rPr lang="bg-BG" b="1" dirty="0">
+                <a:latin typeface="Consolas" panose="020B0609020204030204" pitchFamily="49" charset="0"/>
+                <a:cs typeface="Consolas" panose="020B0609020204030204" pitchFamily="49" charset="0"/>
+              </a:rPr>
+              <a:t>(2, </a:t>
+            </a:r>
+            <a:r>
+              <a:rPr lang="en-GB" b="1" dirty="0">
+                <a:latin typeface="Consolas" panose="020B0609020204030204" pitchFamily="49" charset="0"/>
+                <a:cs typeface="Consolas" panose="020B0609020204030204" pitchFamily="49" charset="0"/>
+              </a:rPr>
+              <a:t>N'</a:t>
+            </a:r>
+            <a:r>
+              <a:rPr lang="bg-BG" b="1" dirty="0">
+                <a:latin typeface="Consolas" panose="020B0609020204030204" pitchFamily="49" charset="0"/>
+                <a:cs typeface="Consolas" panose="020B0609020204030204" pitchFamily="49" charset="0"/>
+              </a:rPr>
+              <a:t>Смартфон', </a:t>
+            </a:r>
+            <a:r>
+              <a:rPr lang="en-GB" b="1" dirty="0">
+                <a:latin typeface="Consolas" panose="020B0609020204030204" pitchFamily="49" charset="0"/>
+                <a:cs typeface="Consolas" panose="020B0609020204030204" pitchFamily="49" charset="0"/>
+              </a:rPr>
+              <a:t>N'</a:t>
+            </a:r>
+            <a:r>
+              <a:rPr lang="bg-BG" b="1" dirty="0">
+                <a:latin typeface="Consolas" panose="020B0609020204030204" pitchFamily="49" charset="0"/>
+                <a:cs typeface="Consolas" panose="020B0609020204030204" pitchFamily="49" charset="0"/>
+              </a:rPr>
+              <a:t>Електроника'),</a:t>
+            </a:r>
+          </a:p>
+          <a:p>
+            <a:r>
+              <a:rPr lang="bg-BG" b="1" dirty="0">
+                <a:latin typeface="Consolas" panose="020B0609020204030204" pitchFamily="49" charset="0"/>
+                <a:cs typeface="Consolas" panose="020B0609020204030204" pitchFamily="49" charset="0"/>
+              </a:rPr>
+              <a:t> </a:t>
+            </a:r>
+            <a:r>
+              <a:rPr lang="en-US" b="1" dirty="0">
+                <a:latin typeface="Consolas" panose="020B0609020204030204" pitchFamily="49" charset="0"/>
+                <a:cs typeface="Consolas" panose="020B0609020204030204" pitchFamily="49" charset="0"/>
+              </a:rPr>
+              <a:t>   </a:t>
+            </a:r>
+            <a:r>
+              <a:rPr lang="bg-BG" b="1" dirty="0">
+                <a:latin typeface="Consolas" panose="020B0609020204030204" pitchFamily="49" charset="0"/>
+                <a:cs typeface="Consolas" panose="020B0609020204030204" pitchFamily="49" charset="0"/>
+              </a:rPr>
+              <a:t>(3, </a:t>
+            </a:r>
+            <a:r>
+              <a:rPr lang="en-GB" b="1" dirty="0">
+                <a:latin typeface="Consolas" panose="020B0609020204030204" pitchFamily="49" charset="0"/>
+                <a:cs typeface="Consolas" panose="020B0609020204030204" pitchFamily="49" charset="0"/>
+              </a:rPr>
+              <a:t>N'</a:t>
+            </a:r>
+            <a:r>
+              <a:rPr lang="bg-BG" b="1" dirty="0">
+                <a:latin typeface="Consolas" panose="020B0609020204030204" pitchFamily="49" charset="0"/>
+                <a:cs typeface="Consolas" panose="020B0609020204030204" pitchFamily="49" charset="0"/>
+              </a:rPr>
+              <a:t>Бюро', </a:t>
+            </a:r>
+            <a:r>
+              <a:rPr lang="en-GB" b="1" dirty="0">
+                <a:latin typeface="Consolas" panose="020B0609020204030204" pitchFamily="49" charset="0"/>
+                <a:cs typeface="Consolas" panose="020B0609020204030204" pitchFamily="49" charset="0"/>
+              </a:rPr>
+              <a:t>N'</a:t>
+            </a:r>
+            <a:r>
+              <a:rPr lang="bg-BG" b="1" dirty="0">
+                <a:latin typeface="Consolas" panose="020B0609020204030204" pitchFamily="49" charset="0"/>
+                <a:cs typeface="Consolas" panose="020B0609020204030204" pitchFamily="49" charset="0"/>
+              </a:rPr>
+              <a:t>Мебели'),</a:t>
+            </a:r>
+          </a:p>
+          <a:p>
+            <a:r>
+              <a:rPr lang="en-GB" b="1" dirty="0">
+                <a:latin typeface="Consolas" panose="020B0609020204030204" pitchFamily="49" charset="0"/>
+                <a:cs typeface="Consolas" panose="020B0609020204030204" pitchFamily="49" charset="0"/>
+              </a:rPr>
+              <a:t>...</a:t>
+            </a:r>
+          </a:p>
+        </p:txBody>
+      </p:sp>
+      <p:pic>
+        <p:nvPicPr>
+          <p:cNvPr id="7" name="Picture 6">
+            <a:extLst>
+              <a:ext uri="{FF2B5EF4-FFF2-40B4-BE49-F238E27FC236}">
+                <a16:creationId xmlns:a16="http://schemas.microsoft.com/office/drawing/2014/main" id="{E89A5DED-27A8-DA6D-2A2C-0CFA9782999F}"/>
+              </a:ext>
+            </a:extLst>
+          </p:cNvPr>
+          <p:cNvPicPr>
+            <a:picLocks noChangeAspect="1"/>
+          </p:cNvPicPr>
+          <p:nvPr/>
+        </p:nvPicPr>
+        <p:blipFill>
+          <a:blip r:embed="rId3">
+            <a:extLst>
+              <a:ext uri="{28A0092B-C50C-407E-A947-70E740481C1C}">
+                <a14:useLocalDpi xmlns:a14="http://schemas.microsoft.com/office/drawing/2010/main" val="0"/>
+              </a:ext>
+            </a:extLst>
+          </a:blip>
+          <a:srcRect/>
+          <a:stretch/>
+        </p:blipFill>
+        <p:spPr>
+          <a:xfrm>
+            <a:off x="7882958" y="1269000"/>
+            <a:ext cx="3307229" cy="5433305"/>
+          </a:xfrm>
+          <a:prstGeom prst="rect">
+            <a:avLst/>
+          </a:prstGeom>
+          <a:ln>
+            <a:solidFill>
+              <a:schemeClr val="bg2">
+                <a:lumMod val="75000"/>
+              </a:schemeClr>
+            </a:solidFill>
+          </a:ln>
+        </p:spPr>
+      </p:pic>
+    </p:spTree>
+    <p:extLst>
+      <p:ext uri="{BB962C8B-B14F-4D97-AF65-F5344CB8AC3E}">
+        <p14:creationId xmlns:p14="http://schemas.microsoft.com/office/powerpoint/2010/main" val="3020896405"/>
+      </p:ext>
+    </p:extLst>
+  </p:cSld>
+  <p:clrMapOvr>
+    <a:masterClrMapping/>
+  </p:clrMapOvr>
+  <mc:AlternateContent xmlns:mc="http://schemas.openxmlformats.org/markup-compatibility/2006" xmlns:p14="http://schemas.microsoft.com/office/powerpoint/2010/main">
+    <mc:Choice Requires="p14">
+      <p:transition spd="slow" p14:dur="2000" advClick="0" advTm="5000"/>
+    </mc:Choice>
+    <mc:Fallback xmlns="">
+      <p:transition spd="slow" advClick="0" advTm="5000"/>
+    </mc:Fallback>
+  </mc:AlternateContent>
+  <p:timing>
+    <p:tnLst>
+      <p:par>
+        <p:cTn id="1" dur="indefinite" restart="never" nodeType="tmRoot">
+          <p:childTnLst>
+            <p:seq concurrent="1" nextAc="seek">
+              <p:cTn id="2" dur="indefinite" nodeType="mainSeq">
+                <p:childTnLst>
+                  <p:par>
+                    <p:cTn id="3" fill="hold">
+                      <p:stCondLst>
+                        <p:cond delay="indefinite"/>
+                      </p:stCondLst>
+                      <p:childTnLst>
+                        <p:par>
+                          <p:cTn id="4" fill="hold">
+                            <p:stCondLst>
+                              <p:cond delay="0"/>
+                            </p:stCondLst>
+                            <p:childTnLst>
+                              <p:par>
+                                <p:cTn id="5" presetID="1" presetClass="entr" presetSubtype="0" fill="hold" nodeType="clickEffect">
+                                  <p:stCondLst>
+                                    <p:cond delay="0"/>
+                                  </p:stCondLst>
+                                  <p:childTnLst>
+                                    <p:set>
+                                      <p:cBhvr>
+                                        <p:cTn id="6" dur="1" fill="hold">
+                                          <p:stCondLst>
+                                            <p:cond delay="0"/>
+                                          </p:stCondLst>
+                                        </p:cTn>
+                                        <p:tgtEl>
+                                          <p:spTgt spid="3">
+                                            <p:txEl>
+                                              <p:pRg st="1" end="1"/>
+                                            </p:txEl>
+                                          </p:spTgt>
+                                        </p:tgtEl>
+                                        <p:attrNameLst>
+                                          <p:attrName>style.visibility</p:attrName>
+                                        </p:attrNameLst>
+                                      </p:cBhvr>
+                                      <p:to>
+                                        <p:strVal val="visible"/>
+                                      </p:to>
+                                    </p:set>
+                                  </p:childTnLst>
+                                </p:cTn>
+                              </p:par>
+                            </p:childTnLst>
+                          </p:cTn>
+                        </p:par>
+                      </p:childTnLst>
+                    </p:cTn>
+                  </p:par>
+                  <p:par>
+                    <p:cTn id="7" fill="hold">
+                      <p:stCondLst>
+                        <p:cond delay="indefinite"/>
+                      </p:stCondLst>
+                      <p:childTnLst>
+                        <p:par>
+                          <p:cTn id="8" fill="hold">
+                            <p:stCondLst>
+                              <p:cond delay="0"/>
+                            </p:stCondLst>
+                            <p:childTnLst>
+                              <p:par>
+                                <p:cTn id="9" presetID="1" presetClass="entr" presetSubtype="0" fill="hold" nodeType="clickEffect">
+                                  <p:stCondLst>
+                                    <p:cond delay="0"/>
+                                  </p:stCondLst>
+                                  <p:childTnLst>
+                                    <p:set>
+                                      <p:cBhvr>
+                                        <p:cTn id="10" dur="1" fill="hold">
+                                          <p:stCondLst>
+                                            <p:cond delay="0"/>
+                                          </p:stCondLst>
+                                        </p:cTn>
+                                        <p:tgtEl>
+                                          <p:spTgt spid="3">
+                                            <p:txEl>
+                                              <p:pRg st="2" end="2"/>
+                                            </p:txEl>
+                                          </p:spTgt>
+                                        </p:tgtEl>
+                                        <p:attrNameLst>
+                                          <p:attrName>style.visibility</p:attrName>
+                                        </p:attrNameLst>
+                                      </p:cBhvr>
+                                      <p:to>
+                                        <p:strVal val="visible"/>
+                                      </p:to>
+                                    </p:set>
+                                  </p:childTnLst>
+                                </p:cTn>
+                              </p:par>
+                            </p:childTnLst>
+                          </p:cTn>
+                        </p:par>
+                      </p:childTnLst>
+                    </p:cTn>
+                  </p:par>
+                  <p:par>
+                    <p:cTn id="11" fill="hold">
+                      <p:stCondLst>
+                        <p:cond delay="indefinite"/>
+                      </p:stCondLst>
+                      <p:childTnLst>
+                        <p:par>
+                          <p:cTn id="12" fill="hold">
+                            <p:stCondLst>
+                              <p:cond delay="0"/>
+                            </p:stCondLst>
+                            <p:childTnLst>
+                              <p:par>
+                                <p:cTn id="13" presetID="1" presetClass="entr" presetSubtype="0" fill="hold" grpId="0" nodeType="clickEffect">
+                                  <p:stCondLst>
+                                    <p:cond delay="0"/>
+                                  </p:stCondLst>
+                                  <p:childTnLst>
+                                    <p:set>
+                                      <p:cBhvr>
+                                        <p:cTn id="14" dur="1" fill="hold">
+                                          <p:stCondLst>
+                                            <p:cond delay="0"/>
+                                          </p:stCondLst>
+                                        </p:cTn>
+                                        <p:tgtEl>
+                                          <p:spTgt spid="5"/>
+                                        </p:tgtEl>
+                                        <p:attrNameLst>
+                                          <p:attrName>style.visibility</p:attrName>
+                                        </p:attrNameLst>
+                                      </p:cBhvr>
+                                      <p:to>
+                                        <p:strVal val="visible"/>
+                                      </p:to>
+                                    </p:set>
+                                  </p:childTnLst>
+                                </p:cTn>
+                              </p:par>
+                            </p:childTnLst>
+                          </p:cTn>
+                        </p:par>
+                      </p:childTnLst>
+                    </p:cTn>
+                  </p:par>
+                </p:childTnLst>
+              </p:cTn>
+              <p:prevCondLst>
+                <p:cond evt="onPrev" delay="0">
+                  <p:tgtEl>
+                    <p:sldTgt/>
+                  </p:tgtEl>
+                </p:cond>
+              </p:prevCondLst>
+              <p:nextCondLst>
+                <p:cond evt="onNext" delay="0">
+                  <p:tgtEl>
+                    <p:sldTgt/>
+                  </p:tgtEl>
+                </p:cond>
+              </p:nextCondLst>
+            </p:seq>
+          </p:childTnLst>
+        </p:cTn>
+      </p:par>
+    </p:tnLst>
+    <p:bldLst>
+      <p:bldP spid="5" grpId="0" animBg="1"/>
+    </p:bldLst>
+  </p:timing>
+</p:sld>
+</file>
+
+<file path=ppt/slides/slide22.xml><?xml version="1.0" encoding="utf-8"?>
+<p:sld xmlns:a="http://schemas.openxmlformats.org/drawingml/2006/main" xmlns:r="http://schemas.openxmlformats.org/officeDocument/2006/relationships" xmlns:p="http://schemas.openxmlformats.org/presentationml/2006/main">
+  <p:cSld>
+    <p:spTree>
+      <p:nvGrpSpPr>
+        <p:cNvPr id="1" name=""/>
+        <p:cNvGrpSpPr/>
+        <p:nvPr/>
+      </p:nvGrpSpPr>
+      <p:grpSpPr>
+        <a:xfrm>
+          <a:off x="0" y="0"/>
+          <a:ext cx="0" cy="0"/>
+          <a:chOff x="0" y="0"/>
+          <a:chExt cx="0" cy="0"/>
+        </a:xfrm>
+      </p:grpSpPr>
+      <p:sp>
+        <p:nvSpPr>
+          <p:cNvPr id="2" name="Slide Number Placeholder 1">
+            <a:extLst>
+              <a:ext uri="{FF2B5EF4-FFF2-40B4-BE49-F238E27FC236}">
+                <a16:creationId xmlns:a16="http://schemas.microsoft.com/office/drawing/2014/main" id="{F3AF87FF-1318-696E-CC00-2C2B6621789F}"/>
+              </a:ext>
+            </a:extLst>
+          </p:cNvPr>
+          <p:cNvSpPr>
+            <a:spLocks noGrp="1"/>
+          </p:cNvSpPr>
+          <p:nvPr>
+            <p:ph type="sldNum" sz="quarter" idx="5"/>
+          </p:nvPr>
+        </p:nvSpPr>
+        <p:spPr/>
+        <p:txBody>
+          <a:bodyPr/>
+          <a:lstStyle/>
+          <a:p>
+            <a:fld id="{2BF067CD-8E6B-4360-9AA8-C5DF2A48A6D1}" type="slidenum">
+              <a:rPr lang="en-US" noProof="0" smtClean="0"/>
+              <a:pPr/>
+              <a:t>22</a:t>
+            </a:fld>
+            <a:endParaRPr lang="en-US" noProof="0" dirty="0"/>
+          </a:p>
+        </p:txBody>
+      </p:sp>
+      <p:sp>
+        <p:nvSpPr>
+          <p:cNvPr id="3" name="Text Placeholder 2">
+            <a:extLst>
+              <a:ext uri="{FF2B5EF4-FFF2-40B4-BE49-F238E27FC236}">
+                <a16:creationId xmlns:a16="http://schemas.microsoft.com/office/drawing/2014/main" id="{70810851-4790-2FC0-3F9D-A1CF7D2C9A2E}"/>
+              </a:ext>
+            </a:extLst>
+          </p:cNvPr>
+          <p:cNvSpPr>
+            <a:spLocks noGrp="1"/>
+          </p:cNvSpPr>
+          <p:nvPr>
+            <p:ph type="body" sz="quarter" idx="10"/>
+          </p:nvPr>
+        </p:nvSpPr>
+        <p:spPr/>
+        <p:txBody>
+          <a:bodyPr>
+            <a:normAutofit/>
+          </a:bodyPr>
+          <a:lstStyle/>
+          <a:p>
+            <a:r>
+              <a:rPr lang="bg-BG" sz="3200" dirty="0"/>
+              <a:t>Инсталираме нужните </a:t>
+            </a:r>
+            <a:r>
+              <a:rPr lang="en-US" sz="3200" b="1" dirty="0">
+                <a:solidFill>
+                  <a:schemeClr val="bg1"/>
+                </a:solidFill>
+              </a:rPr>
+              <a:t>EF Core </a:t>
+            </a:r>
+            <a:r>
+              <a:rPr lang="bg-BG" sz="3200" b="1" dirty="0">
+                <a:solidFill>
+                  <a:schemeClr val="bg1"/>
+                </a:solidFill>
+              </a:rPr>
+              <a:t>пакети</a:t>
+            </a:r>
+          </a:p>
+          <a:p>
+            <a:r>
+              <a:rPr lang="en-US" sz="3200" b="1" dirty="0">
+                <a:solidFill>
+                  <a:schemeClr val="bg1"/>
+                </a:solidFill>
+              </a:rPr>
+              <a:t>Tools</a:t>
+            </a:r>
+            <a:r>
+              <a:rPr lang="en-US" sz="3200" dirty="0"/>
+              <a:t> → </a:t>
+            </a:r>
+            <a:r>
+              <a:rPr lang="en-US" sz="3200" b="1" dirty="0">
+                <a:solidFill>
+                  <a:schemeClr val="bg1"/>
+                </a:solidFill>
+              </a:rPr>
+              <a:t>NuGet Package Manager </a:t>
+            </a:r>
+            <a:r>
+              <a:rPr lang="en-US" sz="3200" dirty="0"/>
+              <a:t>→ </a:t>
+            </a:r>
+            <a:r>
+              <a:rPr lang="en-US" sz="3200" b="1" dirty="0">
+                <a:solidFill>
+                  <a:schemeClr val="bg1"/>
+                </a:solidFill>
+              </a:rPr>
+              <a:t>Package Manager Console</a:t>
+            </a:r>
+          </a:p>
+          <a:p>
+            <a:endParaRPr lang="en-US" sz="3200" b="1" dirty="0">
+              <a:solidFill>
+                <a:schemeClr val="bg1"/>
+              </a:solidFill>
+            </a:endParaRPr>
+          </a:p>
+          <a:p>
+            <a:pPr marL="0" indent="0">
+              <a:buNone/>
+            </a:pPr>
+            <a:endParaRPr lang="en-US" sz="3200" b="1" dirty="0">
+              <a:solidFill>
+                <a:schemeClr val="bg1"/>
+              </a:solidFill>
+            </a:endParaRPr>
+          </a:p>
+          <a:p>
+            <a:r>
+              <a:rPr lang="bg-BG" sz="3200" dirty="0"/>
+              <a:t>Създаваме </a:t>
+            </a:r>
+            <a:r>
+              <a:rPr lang="en-US" sz="3200" b="1" dirty="0">
+                <a:solidFill>
+                  <a:schemeClr val="bg1"/>
+                </a:solidFill>
+              </a:rPr>
+              <a:t>EF </a:t>
+            </a:r>
+            <a:r>
+              <a:rPr lang="bg-BG" sz="3200" b="1" dirty="0">
+                <a:solidFill>
+                  <a:schemeClr val="bg1"/>
+                </a:solidFill>
+              </a:rPr>
+              <a:t>модели </a:t>
+            </a:r>
+            <a:r>
+              <a:rPr lang="bg-BG" sz="3200" dirty="0"/>
+              <a:t>по базата данни:</a:t>
+            </a:r>
+            <a:endParaRPr lang="en-BG" sz="3200" dirty="0"/>
+          </a:p>
+          <a:p>
+            <a:endParaRPr lang="en-BG" sz="3200" b="1" dirty="0">
+              <a:solidFill>
+                <a:schemeClr val="bg1"/>
+              </a:solidFill>
+            </a:endParaRPr>
+          </a:p>
+        </p:txBody>
+      </p:sp>
+      <p:sp>
+        <p:nvSpPr>
+          <p:cNvPr id="4" name="Title 3">
+            <a:extLst>
+              <a:ext uri="{FF2B5EF4-FFF2-40B4-BE49-F238E27FC236}">
+                <a16:creationId xmlns:a16="http://schemas.microsoft.com/office/drawing/2014/main" id="{A68D83C9-FB5D-2A19-030C-321D25436A47}"/>
+              </a:ext>
+            </a:extLst>
+          </p:cNvPr>
+          <p:cNvSpPr>
+            <a:spLocks noGrp="1"/>
+          </p:cNvSpPr>
+          <p:nvPr>
+            <p:ph type="title"/>
+          </p:nvPr>
+        </p:nvSpPr>
+        <p:spPr/>
+        <p:txBody>
+          <a:bodyPr>
+            <a:normAutofit/>
+          </a:bodyPr>
+          <a:lstStyle/>
+          <a:p>
+            <a:r>
+              <a:rPr lang="bg-BG" dirty="0"/>
+              <a:t>Инсталиране на </a:t>
+            </a:r>
+            <a:r>
+              <a:rPr lang="en-US" dirty="0"/>
+              <a:t>EF Core </a:t>
+            </a:r>
+            <a:r>
+              <a:rPr lang="bg-BG" dirty="0"/>
+              <a:t>пакети и </a:t>
+            </a:r>
+            <a:r>
+              <a:rPr lang="en-US" dirty="0"/>
+              <a:t>Scaffold</a:t>
+            </a:r>
+            <a:endParaRPr lang="en-BG" dirty="0"/>
+          </a:p>
+        </p:txBody>
+      </p:sp>
+      <p:sp>
+        <p:nvSpPr>
+          <p:cNvPr id="5" name="Text Placeholder 4">
+            <a:extLst>
+              <a:ext uri="{FF2B5EF4-FFF2-40B4-BE49-F238E27FC236}">
+                <a16:creationId xmlns:a16="http://schemas.microsoft.com/office/drawing/2014/main" id="{A443B2C0-86BC-D2B6-ADA2-7C9EB4C3C34C}"/>
+              </a:ext>
+            </a:extLst>
+          </p:cNvPr>
+          <p:cNvSpPr txBox="1">
+            <a:spLocks/>
+          </p:cNvSpPr>
+          <p:nvPr/>
+        </p:nvSpPr>
+        <p:spPr>
+          <a:xfrm>
+            <a:off x="606000" y="2523711"/>
+            <a:ext cx="11311114" cy="461545"/>
+          </a:xfrm>
+          <a:prstGeom prst="rect">
+            <a:avLst/>
+          </a:prstGeom>
+          <a:solidFill>
+            <a:schemeClr val="accent5">
+              <a:lumMod val="40000"/>
+              <a:lumOff val="60000"/>
+              <a:alpha val="15000"/>
+            </a:schemeClr>
+          </a:solidFill>
+          <a:ln w="12700">
+            <a:solidFill>
+              <a:schemeClr val="accent5">
+                <a:lumMod val="60000"/>
+                <a:lumOff val="40000"/>
+              </a:schemeClr>
+            </a:solidFill>
+          </a:ln>
+        </p:spPr>
+        <p:txBody>
+          <a:bodyPr wrap="square">
+            <a:spAutoFit/>
+          </a:bodyPr>
+          <a:lstStyle/>
+          <a:p>
+            <a:pPr>
+              <a:lnSpc>
+                <a:spcPct val="100000"/>
+              </a:lnSpc>
+            </a:pPr>
+            <a:r>
+              <a:rPr lang="en-US" sz="2399" b="1" noProof="1">
+                <a:latin typeface="Consolas" panose="020B0609020204030204" pitchFamily="49" charset="0"/>
+              </a:rPr>
+              <a:t>Install-Package Microsoft.EntityFrameworkCore.Tools</a:t>
+            </a:r>
+          </a:p>
+        </p:txBody>
+      </p:sp>
+      <p:sp>
+        <p:nvSpPr>
+          <p:cNvPr id="6" name="Text Placeholder 4">
+            <a:extLst>
+              <a:ext uri="{FF2B5EF4-FFF2-40B4-BE49-F238E27FC236}">
+                <a16:creationId xmlns:a16="http://schemas.microsoft.com/office/drawing/2014/main" id="{46EDBF80-DF00-037C-AB4E-F1F72A547D47}"/>
+              </a:ext>
+            </a:extLst>
+          </p:cNvPr>
+          <p:cNvSpPr txBox="1">
+            <a:spLocks/>
+          </p:cNvSpPr>
+          <p:nvPr/>
+        </p:nvSpPr>
+        <p:spPr>
+          <a:xfrm>
+            <a:off x="606000" y="3153547"/>
+            <a:ext cx="11311114" cy="461545"/>
+          </a:xfrm>
+          <a:prstGeom prst="rect">
+            <a:avLst/>
+          </a:prstGeom>
+          <a:solidFill>
+            <a:schemeClr val="accent5">
+              <a:lumMod val="40000"/>
+              <a:lumOff val="60000"/>
+              <a:alpha val="15000"/>
+            </a:schemeClr>
+          </a:solidFill>
+          <a:ln w="12700">
+            <a:solidFill>
+              <a:schemeClr val="accent5">
+                <a:lumMod val="60000"/>
+                <a:lumOff val="40000"/>
+              </a:schemeClr>
+            </a:solidFill>
+          </a:ln>
+        </p:spPr>
+        <p:txBody>
+          <a:bodyPr wrap="square">
+            <a:spAutoFit/>
+          </a:bodyPr>
+          <a:lstStyle/>
+          <a:p>
+            <a:pPr>
+              <a:lnSpc>
+                <a:spcPct val="100000"/>
+              </a:lnSpc>
+            </a:pPr>
+            <a:r>
+              <a:rPr lang="en-US" sz="2399" b="1" noProof="1">
+                <a:latin typeface="Consolas" panose="020B0609020204030204" pitchFamily="49" charset="0"/>
+              </a:rPr>
+              <a:t>Install-Package Microsoft.EntityFrameworkCore.SqlServer</a:t>
+            </a:r>
+          </a:p>
+        </p:txBody>
+      </p:sp>
+      <p:sp>
+        <p:nvSpPr>
+          <p:cNvPr id="9" name="Text Placeholder 4">
+            <a:extLst>
+              <a:ext uri="{FF2B5EF4-FFF2-40B4-BE49-F238E27FC236}">
+                <a16:creationId xmlns:a16="http://schemas.microsoft.com/office/drawing/2014/main" id="{5BA66875-6ED9-186B-E61A-B9002BD6A96E}"/>
+              </a:ext>
+            </a:extLst>
+          </p:cNvPr>
+          <p:cNvSpPr txBox="1">
+            <a:spLocks/>
+          </p:cNvSpPr>
+          <p:nvPr/>
+        </p:nvSpPr>
+        <p:spPr>
+          <a:xfrm>
+            <a:off x="628096" y="4547432"/>
+            <a:ext cx="11311114" cy="1015663"/>
+          </a:xfrm>
+          <a:prstGeom prst="rect">
+            <a:avLst/>
+          </a:prstGeom>
+          <a:solidFill>
+            <a:schemeClr val="accent5">
+              <a:lumMod val="40000"/>
+              <a:lumOff val="60000"/>
+              <a:alpha val="15000"/>
+            </a:schemeClr>
+          </a:solidFill>
+          <a:ln w="12700">
+            <a:solidFill>
+              <a:schemeClr val="accent5">
+                <a:lumMod val="60000"/>
+                <a:lumOff val="40000"/>
+              </a:schemeClr>
+            </a:solidFill>
+          </a:ln>
+        </p:spPr>
+        <p:txBody>
+          <a:bodyPr wrap="square">
+            <a:spAutoFit/>
+          </a:bodyPr>
+          <a:lstStyle/>
+          <a:p>
+            <a:pPr>
+              <a:lnSpc>
+                <a:spcPct val="100000"/>
+              </a:lnSpc>
+            </a:pPr>
+            <a:r>
+              <a:rPr lang="en-US" sz="2000" b="1" noProof="1">
+                <a:latin typeface="Consolas" panose="020B0609020204030204" pitchFamily="49" charset="0"/>
+              </a:rPr>
+              <a:t>Scaffold-DbContext -Connection "Server=(localdb)\MSSQLLocalDB;Database=StoreDb;Integrated Security=True;" -Provider Microsoft.EntityFrameworkCore.SqlServer -OutputDir Data/Models</a:t>
+            </a:r>
+          </a:p>
+        </p:txBody>
+      </p:sp>
+    </p:spTree>
+    <p:extLst>
+      <p:ext uri="{BB962C8B-B14F-4D97-AF65-F5344CB8AC3E}">
+        <p14:creationId xmlns:p14="http://schemas.microsoft.com/office/powerpoint/2010/main" val="3966053383"/>
+      </p:ext>
+    </p:extLst>
+  </p:cSld>
+  <p:clrMapOvr>
+    <a:masterClrMapping/>
+  </p:clrMapOvr>
+  <mc:AlternateContent xmlns:mc="http://schemas.openxmlformats.org/markup-compatibility/2006" xmlns:p14="http://schemas.microsoft.com/office/powerpoint/2010/main">
+    <mc:Choice Requires="p14">
+      <p:transition spd="slow" p14:dur="2000" advClick="0" advTm="5000"/>
+    </mc:Choice>
+    <mc:Fallback xmlns="">
+      <p:transition spd="slow" advClick="0" advTm="5000"/>
+    </mc:Fallback>
+  </mc:AlternateContent>
+  <p:timing>
+    <p:tnLst>
+      <p:par>
+        <p:cTn id="1" dur="indefinite" restart="never" nodeType="tmRoot">
+          <p:childTnLst>
+            <p:seq concurrent="1" nextAc="seek">
+              <p:cTn id="2" dur="indefinite" nodeType="mainSeq">
+                <p:childTnLst>
+                  <p:par>
+                    <p:cTn id="3" fill="hold">
+                      <p:stCondLst>
+                        <p:cond delay="indefinite"/>
+                      </p:stCondLst>
+                      <p:childTnLst>
+                        <p:par>
+                          <p:cTn id="4" fill="hold">
+                            <p:stCondLst>
+                              <p:cond delay="0"/>
+                            </p:stCondLst>
+                            <p:childTnLst>
+                              <p:par>
+                                <p:cTn id="5" presetID="1" presetClass="entr" presetSubtype="0" fill="hold" nodeType="clickEffect">
+                                  <p:stCondLst>
+                                    <p:cond delay="0"/>
+                                  </p:stCondLst>
+                                  <p:childTnLst>
+                                    <p:set>
+                                      <p:cBhvr>
+                                        <p:cTn id="6" dur="1" fill="hold">
+                                          <p:stCondLst>
+                                            <p:cond delay="0"/>
+                                          </p:stCondLst>
+                                        </p:cTn>
+                                        <p:tgtEl>
+                                          <p:spTgt spid="3">
+                                            <p:txEl>
+                                              <p:pRg st="1" end="1"/>
+                                            </p:txEl>
+                                          </p:spTgt>
+                                        </p:tgtEl>
+                                        <p:attrNameLst>
+                                          <p:attrName>style.visibility</p:attrName>
+                                        </p:attrNameLst>
+                                      </p:cBhvr>
+                                      <p:to>
+                                        <p:strVal val="visible"/>
+                                      </p:to>
+                                    </p:set>
+                                  </p:childTnLst>
+                                </p:cTn>
+                              </p:par>
+                            </p:childTnLst>
+                          </p:cTn>
+                        </p:par>
+                      </p:childTnLst>
+                    </p:cTn>
+                  </p:par>
+                  <p:par>
+                    <p:cTn id="7" fill="hold">
+                      <p:stCondLst>
+                        <p:cond delay="indefinite"/>
+                      </p:stCondLst>
+                      <p:childTnLst>
+                        <p:par>
+                          <p:cTn id="8" fill="hold">
+                            <p:stCondLst>
+                              <p:cond delay="0"/>
+                            </p:stCondLst>
+                            <p:childTnLst>
+                              <p:par>
+                                <p:cTn id="9" presetID="1" presetClass="entr" presetSubtype="0" fill="hold" grpId="0" nodeType="clickEffect">
+                                  <p:stCondLst>
+                                    <p:cond delay="0"/>
+                                  </p:stCondLst>
+                                  <p:childTnLst>
+                                    <p:set>
+                                      <p:cBhvr>
+                                        <p:cTn id="10" dur="1" fill="hold">
+                                          <p:stCondLst>
+                                            <p:cond delay="0"/>
+                                          </p:stCondLst>
+                                        </p:cTn>
+                                        <p:tgtEl>
+                                          <p:spTgt spid="5"/>
+                                        </p:tgtEl>
+                                        <p:attrNameLst>
+                                          <p:attrName>style.visibility</p:attrName>
+                                        </p:attrNameLst>
+                                      </p:cBhvr>
+                                      <p:to>
+                                        <p:strVal val="visible"/>
+                                      </p:to>
+                                    </p:set>
+                                  </p:childTnLst>
+                                </p:cTn>
+                              </p:par>
+                            </p:childTnLst>
+                          </p:cTn>
+                        </p:par>
+                      </p:childTnLst>
+                    </p:cTn>
+                  </p:par>
+                  <p:par>
+                    <p:cTn id="11" fill="hold">
+                      <p:stCondLst>
+                        <p:cond delay="indefinite"/>
+                      </p:stCondLst>
+                      <p:childTnLst>
+                        <p:par>
+                          <p:cTn id="12" fill="hold">
+                            <p:stCondLst>
+                              <p:cond delay="0"/>
+                            </p:stCondLst>
+                            <p:childTnLst>
+                              <p:par>
+                                <p:cTn id="13" presetID="1" presetClass="entr" presetSubtype="0" fill="hold" grpId="0" nodeType="clickEffect">
+                                  <p:stCondLst>
+                                    <p:cond delay="0"/>
+                                  </p:stCondLst>
+                                  <p:childTnLst>
+                                    <p:set>
+                                      <p:cBhvr>
+                                        <p:cTn id="14" dur="1" fill="hold">
+                                          <p:stCondLst>
+                                            <p:cond delay="0"/>
+                                          </p:stCondLst>
+                                        </p:cTn>
+                                        <p:tgtEl>
+                                          <p:spTgt spid="6"/>
+                                        </p:tgtEl>
+                                        <p:attrNameLst>
+                                          <p:attrName>style.visibility</p:attrName>
+                                        </p:attrNameLst>
+                                      </p:cBhvr>
+                                      <p:to>
+                                        <p:strVal val="visible"/>
+                                      </p:to>
+                                    </p:set>
+                                  </p:childTnLst>
+                                </p:cTn>
+                              </p:par>
+                            </p:childTnLst>
+                          </p:cTn>
+                        </p:par>
+                      </p:childTnLst>
+                    </p:cTn>
+                  </p:par>
+                  <p:par>
+                    <p:cTn id="15" fill="hold">
+                      <p:stCondLst>
+                        <p:cond delay="indefinite"/>
+                      </p:stCondLst>
+                      <p:childTnLst>
+                        <p:par>
+                          <p:cTn id="16" fill="hold">
+                            <p:stCondLst>
+                              <p:cond delay="0"/>
+                            </p:stCondLst>
+                            <p:childTnLst>
+                              <p:par>
+                                <p:cTn id="17" presetID="1" presetClass="entr" presetSubtype="0" fill="hold" nodeType="clickEffect">
+                                  <p:stCondLst>
+                                    <p:cond delay="0"/>
+                                  </p:stCondLst>
+                                  <p:childTnLst>
+                                    <p:set>
+                                      <p:cBhvr>
+                                        <p:cTn id="18" dur="1" fill="hold">
+                                          <p:stCondLst>
+                                            <p:cond delay="0"/>
+                                          </p:stCondLst>
+                                        </p:cTn>
+                                        <p:tgtEl>
+                                          <p:spTgt spid="3">
+                                            <p:txEl>
+                                              <p:pRg st="4" end="4"/>
+                                            </p:txEl>
+                                          </p:spTgt>
+                                        </p:tgtEl>
+                                        <p:attrNameLst>
+                                          <p:attrName>style.visibility</p:attrName>
+                                        </p:attrNameLst>
+                                      </p:cBhvr>
+                                      <p:to>
+                                        <p:strVal val="visible"/>
+                                      </p:to>
+                                    </p:set>
+                                  </p:childTnLst>
+                                </p:cTn>
+                              </p:par>
+                            </p:childTnLst>
+                          </p:cTn>
+                        </p:par>
+                      </p:childTnLst>
+                    </p:cTn>
+                  </p:par>
+                  <p:par>
+                    <p:cTn id="19" fill="hold">
+                      <p:stCondLst>
+                        <p:cond delay="indefinite"/>
+                      </p:stCondLst>
+                      <p:childTnLst>
+                        <p:par>
+                          <p:cTn id="20" fill="hold">
+                            <p:stCondLst>
+                              <p:cond delay="0"/>
+                            </p:stCondLst>
+                            <p:childTnLst>
+                              <p:par>
+                                <p:cTn id="21" presetID="1" presetClass="entr" presetSubtype="0" fill="hold" grpId="0" nodeType="clickEffect">
+                                  <p:stCondLst>
+                                    <p:cond delay="0"/>
+                                  </p:stCondLst>
+                                  <p:childTnLst>
+                                    <p:set>
+                                      <p:cBhvr>
+                                        <p:cTn id="22" dur="1" fill="hold">
+                                          <p:stCondLst>
+                                            <p:cond delay="0"/>
+                                          </p:stCondLst>
+                                        </p:cTn>
+                                        <p:tgtEl>
+                                          <p:spTgt spid="9"/>
+                                        </p:tgtEl>
+                                        <p:attrNameLst>
+                                          <p:attrName>style.visibility</p:attrName>
+                                        </p:attrNameLst>
+                                      </p:cBhvr>
+                                      <p:to>
+                                        <p:strVal val="visible"/>
+                                      </p:to>
+                                    </p:set>
+                                  </p:childTnLst>
+                                </p:cTn>
+                              </p:par>
+                            </p:childTnLst>
+                          </p:cTn>
+                        </p:par>
+                      </p:childTnLst>
+                    </p:cTn>
+                  </p:par>
+                </p:childTnLst>
+              </p:cTn>
+              <p:prevCondLst>
+                <p:cond evt="onPrev" delay="0">
+                  <p:tgtEl>
+                    <p:sldTgt/>
+                  </p:tgtEl>
+                </p:cond>
+              </p:prevCondLst>
+              <p:nextCondLst>
+                <p:cond evt="onNext" delay="0">
+                  <p:tgtEl>
+                    <p:sldTgt/>
+                  </p:tgtEl>
+                </p:cond>
+              </p:nextCondLst>
+            </p:seq>
+          </p:childTnLst>
+        </p:cTn>
+      </p:par>
+    </p:tnLst>
+    <p:bldLst>
+      <p:bldP spid="5" grpId="0" animBg="1"/>
+      <p:bldP spid="6" grpId="0" animBg="1"/>
+      <p:bldP spid="9" grpId="0" animBg="1"/>
+    </p:bldLst>
+  </p:timing>
+</p:sld>
+</file>
+
+<file path=ppt/slides/slide23.xml><?xml version="1.0" encoding="utf-8"?>
+<p:sld xmlns:a="http://schemas.openxmlformats.org/drawingml/2006/main" xmlns:r="http://schemas.openxmlformats.org/officeDocument/2006/relationships" xmlns:p="http://schemas.openxmlformats.org/presentationml/2006/main">
+  <p:cSld>
+    <p:spTree>
+      <p:nvGrpSpPr>
+        <p:cNvPr id="1" name=""/>
+        <p:cNvGrpSpPr/>
+        <p:nvPr/>
+      </p:nvGrpSpPr>
+      <p:grpSpPr>
+        <a:xfrm>
+          <a:off x="0" y="0"/>
+          <a:ext cx="0" cy="0"/>
+          <a:chOff x="0" y="0"/>
+          <a:chExt cx="0" cy="0"/>
+        </a:xfrm>
+      </p:grpSpPr>
+      <p:sp>
+        <p:nvSpPr>
+          <p:cNvPr id="2" name="Slide Number Placeholder 1">
+            <a:extLst>
+              <a:ext uri="{FF2B5EF4-FFF2-40B4-BE49-F238E27FC236}">
+                <a16:creationId xmlns:a16="http://schemas.microsoft.com/office/drawing/2014/main" id="{F3AF87FF-1318-696E-CC00-2C2B6621789F}"/>
+              </a:ext>
+            </a:extLst>
+          </p:cNvPr>
+          <p:cNvSpPr>
+            <a:spLocks noGrp="1"/>
+          </p:cNvSpPr>
+          <p:nvPr>
+            <p:ph type="sldNum" sz="quarter" idx="5"/>
+          </p:nvPr>
+        </p:nvSpPr>
+        <p:spPr/>
+        <p:txBody>
+          <a:bodyPr/>
+          <a:lstStyle/>
+          <a:p>
+            <a:fld id="{2BF067CD-8E6B-4360-9AA8-C5DF2A48A6D1}" type="slidenum">
+              <a:rPr lang="en-US" noProof="0" smtClean="0"/>
+              <a:pPr/>
+              <a:t>23</a:t>
+            </a:fld>
+            <a:endParaRPr lang="en-US" noProof="0" dirty="0"/>
+          </a:p>
+        </p:txBody>
+      </p:sp>
+      <p:sp>
+        <p:nvSpPr>
+          <p:cNvPr id="3" name="Text Placeholder 2">
+            <a:extLst>
+              <a:ext uri="{FF2B5EF4-FFF2-40B4-BE49-F238E27FC236}">
+                <a16:creationId xmlns:a16="http://schemas.microsoft.com/office/drawing/2014/main" id="{70810851-4790-2FC0-3F9D-A1CF7D2C9A2E}"/>
+              </a:ext>
+            </a:extLst>
+          </p:cNvPr>
+          <p:cNvSpPr>
+            <a:spLocks noGrp="1"/>
+          </p:cNvSpPr>
+          <p:nvPr>
+            <p:ph type="body" sz="quarter" idx="10"/>
+          </p:nvPr>
+        </p:nvSpPr>
+        <p:spPr/>
+        <p:txBody>
+          <a:bodyPr>
+            <a:normAutofit/>
+          </a:bodyPr>
+          <a:lstStyle/>
+          <a:p>
+            <a:r>
+              <a:rPr lang="bg-BG" sz="3400" dirty="0"/>
+              <a:t>Променяме </a:t>
+            </a:r>
+            <a:r>
+              <a:rPr lang="bg-BG" sz="3400" b="1" dirty="0"/>
+              <a:t>името</a:t>
+            </a:r>
+            <a:r>
+              <a:rPr lang="bg-BG" sz="3400" dirty="0"/>
+              <a:t> на</a:t>
+            </a:r>
+            <a:r>
+              <a:rPr lang="en-US" sz="3400" dirty="0"/>
+              <a:t> </a:t>
+            </a:r>
+            <a:r>
+              <a:rPr lang="bg-BG" sz="3400" dirty="0"/>
+              <a:t>формата</a:t>
+            </a:r>
+          </a:p>
+          <a:p>
+            <a:pPr lvl="1"/>
+            <a:r>
+              <a:rPr lang="bg-BG" sz="3200" dirty="0"/>
+              <a:t>"</a:t>
+            </a:r>
+            <a:r>
+              <a:rPr lang="en-US" sz="3200" b="1" dirty="0">
+                <a:solidFill>
+                  <a:schemeClr val="bg1"/>
+                </a:solidFill>
+                <a:latin typeface="Consolas" panose="020B0609020204030204" pitchFamily="49" charset="0"/>
+              </a:rPr>
+              <a:t>Form1</a:t>
+            </a:r>
+            <a:r>
+              <a:rPr lang="bg-BG" sz="3200" dirty="0"/>
+              <a:t>"</a:t>
+            </a:r>
+            <a:r>
+              <a:rPr lang="en-US" sz="3200" dirty="0"/>
+              <a:t> </a:t>
+            </a:r>
+            <a:r>
+              <a:rPr lang="en-US" sz="3200" dirty="0">
+                <a:sym typeface="Wingdings" panose="05000000000000000000" pitchFamily="2" charset="2"/>
+              </a:rPr>
+              <a:t> </a:t>
+            </a:r>
+            <a:r>
+              <a:rPr lang="bg-BG" sz="3200" dirty="0">
+                <a:sym typeface="Wingdings" panose="05000000000000000000" pitchFamily="2" charset="2"/>
+              </a:rPr>
+              <a:t>"</a:t>
+            </a:r>
+            <a:r>
+              <a:rPr lang="en-US" sz="3200" b="1" dirty="0">
+                <a:solidFill>
+                  <a:schemeClr val="bg1"/>
+                </a:solidFill>
+                <a:latin typeface="Consolas" panose="020B0609020204030204" pitchFamily="49" charset="0"/>
+                <a:sym typeface="Wingdings" panose="05000000000000000000" pitchFamily="2" charset="2"/>
+              </a:rPr>
+              <a:t>FormStoreProducts</a:t>
+            </a:r>
+            <a:r>
+              <a:rPr lang="bg-BG" sz="3200" dirty="0">
+                <a:sym typeface="Wingdings" panose="05000000000000000000" pitchFamily="2" charset="2"/>
+              </a:rPr>
+              <a:t>"</a:t>
+            </a:r>
+            <a:endParaRPr lang="en-BG" sz="3200" b="1" dirty="0">
+              <a:solidFill>
+                <a:schemeClr val="bg1"/>
+              </a:solidFill>
+              <a:sym typeface="Wingdings" panose="05000000000000000000" pitchFamily="2" charset="2"/>
+            </a:endParaRPr>
+          </a:p>
+          <a:p>
+            <a:r>
+              <a:rPr lang="bg-BG" sz="3400" dirty="0">
+                <a:sym typeface="Wingdings" panose="05000000000000000000" pitchFamily="2" charset="2"/>
+              </a:rPr>
+              <a:t>Променяме </a:t>
+            </a:r>
+            <a:r>
+              <a:rPr lang="bg-BG" sz="3400" b="1" dirty="0">
+                <a:sym typeface="Wingdings" panose="05000000000000000000" pitchFamily="2" charset="2"/>
+              </a:rPr>
+              <a:t>заглавието</a:t>
+            </a:r>
+            <a:r>
+              <a:rPr lang="bg-BG" sz="3400" dirty="0">
+                <a:sym typeface="Wingdings" panose="05000000000000000000" pitchFamily="2" charset="2"/>
+              </a:rPr>
+              <a:t> на формата</a:t>
+            </a:r>
+          </a:p>
+          <a:p>
+            <a:pPr lvl="1"/>
+            <a:r>
+              <a:rPr lang="bg-BG" sz="3200" dirty="0"/>
+              <a:t>"</a:t>
+            </a:r>
+            <a:r>
+              <a:rPr lang="en-US" sz="3200" b="1" dirty="0">
+                <a:solidFill>
+                  <a:schemeClr val="bg1"/>
+                </a:solidFill>
+                <a:latin typeface="Consolas" panose="020B0609020204030204" pitchFamily="49" charset="0"/>
+              </a:rPr>
+              <a:t>Form1</a:t>
+            </a:r>
+            <a:r>
+              <a:rPr lang="bg-BG" sz="3200" dirty="0"/>
+              <a:t>"</a:t>
+            </a:r>
+            <a:r>
+              <a:rPr lang="en-US" sz="3200" dirty="0"/>
+              <a:t> </a:t>
+            </a:r>
+            <a:r>
+              <a:rPr lang="en-US" sz="3200" dirty="0">
+                <a:sym typeface="Wingdings" panose="05000000000000000000" pitchFamily="2" charset="2"/>
+              </a:rPr>
+              <a:t> </a:t>
+            </a:r>
+            <a:r>
+              <a:rPr lang="bg-BG" sz="3200" dirty="0">
+                <a:sym typeface="Wingdings" panose="05000000000000000000" pitchFamily="2" charset="2"/>
+              </a:rPr>
+              <a:t>"</a:t>
+            </a:r>
+            <a:r>
+              <a:rPr lang="bg-BG" sz="3200" b="1" dirty="0">
+                <a:solidFill>
+                  <a:schemeClr val="bg1"/>
+                </a:solidFill>
+                <a:latin typeface="Consolas" panose="020B0609020204030204" pitchFamily="49" charset="0"/>
+                <a:sym typeface="Wingdings" panose="05000000000000000000" pitchFamily="2" charset="2"/>
+              </a:rPr>
+              <a:t>Продукти</a:t>
+            </a:r>
+            <a:r>
+              <a:rPr lang="bg-BG" sz="3200" dirty="0">
+                <a:sym typeface="Wingdings" panose="05000000000000000000" pitchFamily="2" charset="2"/>
+              </a:rPr>
+              <a:t>"</a:t>
+            </a:r>
+            <a:endParaRPr lang="en-BG" sz="3200" b="1" dirty="0">
+              <a:solidFill>
+                <a:schemeClr val="bg1"/>
+              </a:solidFill>
+              <a:sym typeface="Wingdings" panose="05000000000000000000" pitchFamily="2" charset="2"/>
+            </a:endParaRPr>
+          </a:p>
+        </p:txBody>
+      </p:sp>
+      <p:sp>
+        <p:nvSpPr>
+          <p:cNvPr id="4" name="Title 3">
+            <a:extLst>
+              <a:ext uri="{FF2B5EF4-FFF2-40B4-BE49-F238E27FC236}">
+                <a16:creationId xmlns:a16="http://schemas.microsoft.com/office/drawing/2014/main" id="{A68D83C9-FB5D-2A19-030C-321D25436A47}"/>
+              </a:ext>
+            </a:extLst>
+          </p:cNvPr>
+          <p:cNvSpPr>
+            <a:spLocks noGrp="1"/>
+          </p:cNvSpPr>
+          <p:nvPr>
+            <p:ph type="title"/>
+          </p:nvPr>
+        </p:nvSpPr>
+        <p:spPr/>
+        <p:txBody>
+          <a:bodyPr/>
+          <a:lstStyle/>
+          <a:p>
+            <a:r>
+              <a:rPr lang="bg-BG" dirty="0"/>
+              <a:t>Структура на проекта</a:t>
+            </a:r>
+            <a:endParaRPr lang="en-BG" dirty="0"/>
+          </a:p>
+        </p:txBody>
+      </p:sp>
+      <p:pic>
+        <p:nvPicPr>
+          <p:cNvPr id="7" name="Picture 6">
+            <a:extLst>
+              <a:ext uri="{FF2B5EF4-FFF2-40B4-BE49-F238E27FC236}">
+                <a16:creationId xmlns:a16="http://schemas.microsoft.com/office/drawing/2014/main" id="{B849A842-4594-9B88-46EC-1B8A990E7165}"/>
+              </a:ext>
+            </a:extLst>
+          </p:cNvPr>
+          <p:cNvPicPr>
+            <a:picLocks noChangeAspect="1"/>
+          </p:cNvPicPr>
+          <p:nvPr/>
+        </p:nvPicPr>
+        <p:blipFill>
+          <a:blip r:embed="rId3">
+            <a:extLst>
+              <a:ext uri="{28A0092B-C50C-407E-A947-70E740481C1C}">
+                <a14:useLocalDpi xmlns:a14="http://schemas.microsoft.com/office/drawing/2010/main" val="0"/>
+              </a:ext>
+            </a:extLst>
+          </a:blip>
+          <a:srcRect/>
+          <a:stretch/>
+        </p:blipFill>
+        <p:spPr>
+          <a:xfrm>
+            <a:off x="381000" y="4023463"/>
+            <a:ext cx="5071600" cy="2420537"/>
+          </a:xfrm>
+          <a:prstGeom prst="rect">
+            <a:avLst/>
+          </a:prstGeom>
+          <a:ln>
+            <a:solidFill>
+              <a:schemeClr val="bg2">
+                <a:lumMod val="75000"/>
+              </a:schemeClr>
+            </a:solidFill>
+          </a:ln>
+        </p:spPr>
+      </p:pic>
+      <p:pic>
+        <p:nvPicPr>
+          <p:cNvPr id="9" name="Picture 8">
+            <a:extLst>
+              <a:ext uri="{FF2B5EF4-FFF2-40B4-BE49-F238E27FC236}">
+                <a16:creationId xmlns:a16="http://schemas.microsoft.com/office/drawing/2014/main" id="{7458D44D-8FB1-B9AC-4BD2-B014BCFECF9E}"/>
+              </a:ext>
+            </a:extLst>
+          </p:cNvPr>
+          <p:cNvPicPr>
+            <a:picLocks noChangeAspect="1"/>
+          </p:cNvPicPr>
+          <p:nvPr/>
+        </p:nvPicPr>
+        <p:blipFill>
+          <a:blip r:embed="rId4">
+            <a:extLst>
+              <a:ext uri="{28A0092B-C50C-407E-A947-70E740481C1C}">
+                <a14:useLocalDpi xmlns:a14="http://schemas.microsoft.com/office/drawing/2010/main" val="0"/>
+              </a:ext>
+            </a:extLst>
+          </a:blip>
+          <a:srcRect/>
+          <a:stretch/>
+        </p:blipFill>
+        <p:spPr>
+          <a:xfrm>
+            <a:off x="6829399" y="4014934"/>
+            <a:ext cx="5071601" cy="2420537"/>
+          </a:xfrm>
+          <a:prstGeom prst="rect">
+            <a:avLst/>
+          </a:prstGeom>
+          <a:ln>
+            <a:solidFill>
+              <a:schemeClr val="bg2">
+                <a:lumMod val="75000"/>
+              </a:schemeClr>
+            </a:solidFill>
+          </a:ln>
+        </p:spPr>
+      </p:pic>
+      <p:sp>
+        <p:nvSpPr>
+          <p:cNvPr id="10" name="Arrow: Right 10">
+            <a:extLst>
+              <a:ext uri="{FF2B5EF4-FFF2-40B4-BE49-F238E27FC236}">
+                <a16:creationId xmlns:a16="http://schemas.microsoft.com/office/drawing/2014/main" id="{37BE1655-7A86-C9DE-468F-86B2D76EB6DB}"/>
+              </a:ext>
+            </a:extLst>
+          </p:cNvPr>
+          <p:cNvSpPr/>
+          <p:nvPr/>
+        </p:nvSpPr>
+        <p:spPr>
+          <a:xfrm>
+            <a:off x="5716715" y="4919432"/>
+            <a:ext cx="848568" cy="628597"/>
+          </a:xfrm>
+          <a:prstGeom prst="rightArrow">
+            <a:avLst/>
+          </a:prstGeom>
+          <a:solidFill>
+            <a:schemeClr val="tx1"/>
+          </a:solidFill>
+          <a:ln>
+            <a:solidFill>
+              <a:schemeClr val="tx1"/>
+            </a:solidFill>
+          </a:ln>
+        </p:spPr>
+        <p:style>
+          <a:lnRef idx="2">
+            <a:schemeClr val="accent1">
+              <a:shade val="50000"/>
+            </a:schemeClr>
+          </a:lnRef>
+          <a:fillRef idx="1">
+            <a:schemeClr val="accent1"/>
+          </a:fillRef>
+          <a:effectRef idx="0">
+            <a:schemeClr val="accent1"/>
+          </a:effectRef>
+          <a:fontRef idx="minor">
+            <a:schemeClr val="lt1"/>
+          </a:fontRef>
+        </p:style>
+        <p:txBody>
+          <a:bodyPr rtlCol="0" anchor="ctr"/>
+          <a:lstStyle/>
+          <a:p>
+            <a:pPr algn="ctr"/>
+            <a:endParaRPr lang="en-US" sz="2799"/>
+          </a:p>
+        </p:txBody>
+      </p:sp>
+    </p:spTree>
+    <p:extLst>
+      <p:ext uri="{BB962C8B-B14F-4D97-AF65-F5344CB8AC3E}">
+        <p14:creationId xmlns:p14="http://schemas.microsoft.com/office/powerpoint/2010/main" val="3261519991"/>
+      </p:ext>
+    </p:extLst>
+  </p:cSld>
+  <p:clrMapOvr>
+    <a:masterClrMapping/>
+  </p:clrMapOvr>
+  <mc:AlternateContent xmlns:mc="http://schemas.openxmlformats.org/markup-compatibility/2006" xmlns:p14="http://schemas.microsoft.com/office/powerpoint/2010/main">
+    <mc:Choice Requires="p14">
+      <p:transition spd="slow" p14:dur="2000" advClick="0" advTm="5000"/>
+    </mc:Choice>
+    <mc:Fallback xmlns="">
+      <p:transition spd="slow" advClick="0" advTm="5000"/>
+    </mc:Fallback>
+  </mc:AlternateContent>
+  <p:timing>
+    <p:tnLst>
+      <p:par>
+        <p:cTn id="1" dur="indefinite" restart="never" nodeType="tmRoot">
+          <p:childTnLst>
+            <p:seq concurrent="1" nextAc="seek">
+              <p:cTn id="2" dur="indefinite" nodeType="mainSeq">
+                <p:childTnLst>
+                  <p:par>
+                    <p:cTn id="3" fill="hold">
+                      <p:stCondLst>
+                        <p:cond delay="indefinite"/>
+                      </p:stCondLst>
+                      <p:childTnLst>
+                        <p:par>
+                          <p:cTn id="4" fill="hold">
+                            <p:stCondLst>
+                              <p:cond delay="0"/>
+                            </p:stCondLst>
+                            <p:childTnLst>
+                              <p:par>
+                                <p:cTn id="5" presetID="1" presetClass="entr" presetSubtype="0" fill="hold" nodeType="clickEffect">
+                                  <p:stCondLst>
+                                    <p:cond delay="0"/>
+                                  </p:stCondLst>
+                                  <p:childTnLst>
+                                    <p:set>
+                                      <p:cBhvr>
+                                        <p:cTn id="6" dur="1" fill="hold">
+                                          <p:stCondLst>
+                                            <p:cond delay="0"/>
+                                          </p:stCondLst>
+                                        </p:cTn>
+                                        <p:tgtEl>
+                                          <p:spTgt spid="3">
+                                            <p:txEl>
+                                              <p:pRg st="1" end="1"/>
+                                            </p:txEl>
+                                          </p:spTgt>
+                                        </p:tgtEl>
+                                        <p:attrNameLst>
+                                          <p:attrName>style.visibility</p:attrName>
+                                        </p:attrNameLst>
+                                      </p:cBhvr>
+                                      <p:to>
+                                        <p:strVal val="visible"/>
+                                      </p:to>
+                                    </p:set>
+                                  </p:childTnLst>
+                                </p:cTn>
+                              </p:par>
+                            </p:childTnLst>
+                          </p:cTn>
+                        </p:par>
+                      </p:childTnLst>
+                    </p:cTn>
+                  </p:par>
+                  <p:par>
+                    <p:cTn id="7" fill="hold">
+                      <p:stCondLst>
+                        <p:cond delay="indefinite"/>
+                      </p:stCondLst>
+                      <p:childTnLst>
+                        <p:par>
+                          <p:cTn id="8" fill="hold">
+                            <p:stCondLst>
+                              <p:cond delay="0"/>
+                            </p:stCondLst>
+                            <p:childTnLst>
+                              <p:par>
+                                <p:cTn id="9" presetID="1" presetClass="entr" presetSubtype="0" fill="hold" nodeType="clickEffect">
+                                  <p:stCondLst>
+                                    <p:cond delay="0"/>
+                                  </p:stCondLst>
+                                  <p:childTnLst>
+                                    <p:set>
+                                      <p:cBhvr>
+                                        <p:cTn id="10" dur="1" fill="hold">
+                                          <p:stCondLst>
+                                            <p:cond delay="0"/>
+                                          </p:stCondLst>
+                                        </p:cTn>
+                                        <p:tgtEl>
+                                          <p:spTgt spid="3">
+                                            <p:txEl>
+                                              <p:pRg st="2" end="2"/>
+                                            </p:txEl>
+                                          </p:spTgt>
+                                        </p:tgtEl>
+                                        <p:attrNameLst>
+                                          <p:attrName>style.visibility</p:attrName>
+                                        </p:attrNameLst>
+                                      </p:cBhvr>
+                                      <p:to>
+                                        <p:strVal val="visible"/>
+                                      </p:to>
+                                    </p:set>
+                                  </p:childTnLst>
+                                </p:cTn>
+                              </p:par>
+                            </p:childTnLst>
+                          </p:cTn>
+                        </p:par>
+                      </p:childTnLst>
+                    </p:cTn>
+                  </p:par>
+                  <p:par>
+                    <p:cTn id="11" fill="hold">
+                      <p:stCondLst>
+                        <p:cond delay="indefinite"/>
+                      </p:stCondLst>
+                      <p:childTnLst>
+                        <p:par>
+                          <p:cTn id="12" fill="hold">
+                            <p:stCondLst>
+                              <p:cond delay="0"/>
+                            </p:stCondLst>
+                            <p:childTnLst>
+                              <p:par>
+                                <p:cTn id="13" presetID="1" presetClass="entr" presetSubtype="0" fill="hold" nodeType="clickEffect">
+                                  <p:stCondLst>
+                                    <p:cond delay="0"/>
+                                  </p:stCondLst>
+                                  <p:childTnLst>
+                                    <p:set>
+                                      <p:cBhvr>
+                                        <p:cTn id="14" dur="1" fill="hold">
+                                          <p:stCondLst>
+                                            <p:cond delay="0"/>
+                                          </p:stCondLst>
+                                        </p:cTn>
+                                        <p:tgtEl>
+                                          <p:spTgt spid="3">
+                                            <p:txEl>
+                                              <p:pRg st="3" end="3"/>
+                                            </p:txEl>
+                                          </p:spTgt>
+                                        </p:tgtEl>
+                                        <p:attrNameLst>
+                                          <p:attrName>style.visibility</p:attrName>
+                                        </p:attrNameLst>
+                                      </p:cBhvr>
+                                      <p:to>
+                                        <p:strVal val="visible"/>
+                                      </p:to>
+                                    </p:set>
+                                  </p:childTnLst>
+                                </p:cTn>
+                              </p:par>
+                            </p:childTnLst>
+                          </p:cTn>
+                        </p:par>
+                      </p:childTnLst>
+                    </p:cTn>
+                  </p:par>
+                  <p:par>
+                    <p:cTn id="15" fill="hold">
+                      <p:stCondLst>
+                        <p:cond delay="indefinite"/>
+                      </p:stCondLst>
+                      <p:childTnLst>
+                        <p:par>
+                          <p:cTn id="16" fill="hold">
+                            <p:stCondLst>
+                              <p:cond delay="0"/>
+                            </p:stCondLst>
+                            <p:childTnLst>
+                              <p:par>
+                                <p:cTn id="17" presetID="1" presetClass="entr" presetSubtype="0" fill="hold" grpId="0" nodeType="clickEffect">
+                                  <p:stCondLst>
+                                    <p:cond delay="0"/>
+                                  </p:stCondLst>
+                                  <p:childTnLst>
+                                    <p:set>
+                                      <p:cBhvr>
+                                        <p:cTn id="18" dur="1" fill="hold">
+                                          <p:stCondLst>
+                                            <p:cond delay="0"/>
+                                          </p:stCondLst>
+                                        </p:cTn>
+                                        <p:tgtEl>
+                                          <p:spTgt spid="10"/>
+                                        </p:tgtEl>
+                                        <p:attrNameLst>
+                                          <p:attrName>style.visibility</p:attrName>
+                                        </p:attrNameLst>
+                                      </p:cBhvr>
+                                      <p:to>
+                                        <p:strVal val="visible"/>
+                                      </p:to>
+                                    </p:set>
+                                  </p:childTnLst>
+                                </p:cTn>
+                              </p:par>
+                            </p:childTnLst>
+                          </p:cTn>
+                        </p:par>
+                      </p:childTnLst>
+                    </p:cTn>
+                  </p:par>
+                  <p:par>
+                    <p:cTn id="19" fill="hold">
+                      <p:stCondLst>
+                        <p:cond delay="indefinite"/>
+                      </p:stCondLst>
+                      <p:childTnLst>
+                        <p:par>
+                          <p:cTn id="20" fill="hold">
+                            <p:stCondLst>
+                              <p:cond delay="0"/>
+                            </p:stCondLst>
+                            <p:childTnLst>
+                              <p:par>
+                                <p:cTn id="21" presetID="1" presetClass="entr" presetSubtype="0" fill="hold" nodeType="clickEffect">
+                                  <p:stCondLst>
+                                    <p:cond delay="0"/>
+                                  </p:stCondLst>
+                                  <p:childTnLst>
+                                    <p:set>
+                                      <p:cBhvr>
+                                        <p:cTn id="22" dur="1" fill="hold">
+                                          <p:stCondLst>
+                                            <p:cond delay="0"/>
+                                          </p:stCondLst>
+                                        </p:cTn>
+                                        <p:tgtEl>
+                                          <p:spTgt spid="9"/>
+                                        </p:tgtEl>
+                                        <p:attrNameLst>
+                                          <p:attrName>style.visibility</p:attrName>
+                                        </p:attrNameLst>
+                                      </p:cBhvr>
+                                      <p:to>
+                                        <p:strVal val="visible"/>
+                                      </p:to>
+                                    </p:set>
+                                  </p:childTnLst>
+                                </p:cTn>
+                              </p:par>
+                            </p:childTnLst>
+                          </p:cTn>
+                        </p:par>
+                      </p:childTnLst>
+                    </p:cTn>
+                  </p:par>
+                </p:childTnLst>
+              </p:cTn>
+              <p:prevCondLst>
+                <p:cond evt="onPrev" delay="0">
+                  <p:tgtEl>
+                    <p:sldTgt/>
+                  </p:tgtEl>
+                </p:cond>
+              </p:prevCondLst>
+              <p:nextCondLst>
+                <p:cond evt="onNext" delay="0">
+                  <p:tgtEl>
+                    <p:sldTgt/>
+                  </p:tgtEl>
+                </p:cond>
+              </p:nextCondLst>
+            </p:seq>
+          </p:childTnLst>
+        </p:cTn>
+      </p:par>
+    </p:tnLst>
+    <p:bldLst>
+      <p:bldP spid="10" grpId="0" animBg="1"/>
+    </p:bldLst>
+  </p:timing>
+  <p:extLst>
+    <p:ext uri="{6950BFC3-D8DA-4A85-94F7-54DA5524770B}">
+      <p188:commentRel xmlns:p188="http://schemas.microsoft.com/office/powerpoint/2018/8/main" r:id="rId2"/>
+    </p:ext>
+  </p:extLst>
+</p:sld>
+</file>
+
+<file path=ppt/slides/slide24.xml><?xml version="1.0" encoding="utf-8"?>
+<p:sld xmlns:a="http://schemas.openxmlformats.org/drawingml/2006/main" xmlns:r="http://schemas.openxmlformats.org/officeDocument/2006/relationships" xmlns:p="http://schemas.openxmlformats.org/presentationml/2006/main">
+  <p:cSld>
+    <p:spTree>
+      <p:nvGrpSpPr>
+        <p:cNvPr id="1" name=""/>
+        <p:cNvGrpSpPr/>
+        <p:nvPr/>
+      </p:nvGrpSpPr>
+      <p:grpSpPr>
+        <a:xfrm>
+          <a:off x="0" y="0"/>
+          <a:ext cx="0" cy="0"/>
+          <a:chOff x="0" y="0"/>
+          <a:chExt cx="0" cy="0"/>
+        </a:xfrm>
+      </p:grpSpPr>
+      <p:sp>
+        <p:nvSpPr>
+          <p:cNvPr id="2" name="Slide Number Placeholder 1">
+            <a:extLst>
+              <a:ext uri="{FF2B5EF4-FFF2-40B4-BE49-F238E27FC236}">
+                <a16:creationId xmlns:a16="http://schemas.microsoft.com/office/drawing/2014/main" id="{94B71CD6-5548-0FED-8EAB-4D71CF31606C}"/>
+              </a:ext>
+            </a:extLst>
+          </p:cNvPr>
+          <p:cNvSpPr>
+            <a:spLocks noGrp="1"/>
+          </p:cNvSpPr>
+          <p:nvPr>
+            <p:ph type="sldNum" sz="quarter" idx="5"/>
+          </p:nvPr>
+        </p:nvSpPr>
+        <p:spPr/>
+        <p:txBody>
+          <a:bodyPr/>
+          <a:lstStyle/>
+          <a:p>
+            <a:fld id="{2BF067CD-8E6B-4360-9AA8-C5DF2A48A6D1}" type="slidenum">
+              <a:rPr lang="en-US" noProof="0" smtClean="0"/>
+              <a:pPr/>
+              <a:t>24</a:t>
             </a:fld>
             <a:endParaRPr lang="en-US" noProof="0" dirty="0"/>
           </a:p>
@@ -15154,7 +17852,7 @@
 </p:sld>
 </file>
 
-<file path=ppt/slides/slide21.xml><?xml version="1.0" encoding="utf-8"?>
+<file path=ppt/slides/slide25.xml><?xml version="1.0" encoding="utf-8"?>
 <p:sld xmlns:a="http://schemas.openxmlformats.org/drawingml/2006/main" xmlns:r="http://schemas.openxmlformats.org/officeDocument/2006/relationships" xmlns:p="http://schemas.openxmlformats.org/presentationml/2006/main">
   <p:cSld>
     <p:spTree>
@@ -15195,7 +17893,7 @@
             <a:fld id="{2BF067CD-8E6B-4360-9AA8-C5DF2A48A6D1}" type="slidenum">
               <a:rPr lang="en-US" noProof="0" smtClean="0"/>
               <a:pPr/>
-              <a:t>21</a:t>
+              <a:t>25</a:t>
             </a:fld>
             <a:endParaRPr lang="en-US" noProof="0" dirty="0"/>
           </a:p>
@@ -15650,7 +18348,7 @@
 </p:sld>
 </file>
 
-<file path=ppt/slides/slide22.xml><?xml version="1.0" encoding="utf-8"?>
+<file path=ppt/slides/slide26.xml><?xml version="1.0" encoding="utf-8"?>
 <p:sld xmlns:a="http://schemas.openxmlformats.org/drawingml/2006/main" xmlns:r="http://schemas.openxmlformats.org/officeDocument/2006/relationships" xmlns:p="http://schemas.openxmlformats.org/presentationml/2006/main">
   <p:cSld>
     <p:spTree>
@@ -15691,7 +18389,7 @@
             <a:fld id="{2BF067CD-8E6B-4360-9AA8-C5DF2A48A6D1}" type="slidenum">
               <a:rPr lang="en-US" noProof="0" smtClean="0"/>
               <a:pPr/>
-              <a:t>22</a:t>
+              <a:t>26</a:t>
             </a:fld>
             <a:endParaRPr lang="en-US" noProof="0" dirty="0"/>
           </a:p>
@@ -16523,7 +19221,7 @@
 </p:sld>
 </file>
 
-<file path=ppt/slides/slide23.xml><?xml version="1.0" encoding="utf-8"?>
+<file path=ppt/slides/slide27.xml><?xml version="1.0" encoding="utf-8"?>
 <p:sld xmlns:a="http://schemas.openxmlformats.org/drawingml/2006/main" xmlns:r="http://schemas.openxmlformats.org/officeDocument/2006/relationships" xmlns:p="http://schemas.openxmlformats.org/presentationml/2006/main">
   <p:cSld>
     <p:spTree>
@@ -16564,7 +19262,7 @@
             <a:fld id="{2BF067CD-8E6B-4360-9AA8-C5DF2A48A6D1}" type="slidenum">
               <a:rPr lang="en-US" noProof="0" smtClean="0"/>
               <a:pPr/>
-              <a:t>23</a:t>
+              <a:t>27</a:t>
             </a:fld>
             <a:endParaRPr lang="en-US" noProof="0" dirty="0"/>
           </a:p>
@@ -17252,7 +19950,7 @@
 </p:sld>
 </file>
 
-<file path=ppt/slides/slide24.xml><?xml version="1.0" encoding="utf-8"?>
+<file path=ppt/slides/slide28.xml><?xml version="1.0" encoding="utf-8"?>
 <p:sld xmlns:a="http://schemas.openxmlformats.org/drawingml/2006/main" xmlns:r="http://schemas.openxmlformats.org/officeDocument/2006/relationships" xmlns:p="http://schemas.openxmlformats.org/presentationml/2006/main">
   <p:cSld>
     <p:spTree>
@@ -17293,7 +19991,7 @@
             <a:fld id="{2BF067CD-8E6B-4360-9AA8-C5DF2A48A6D1}" type="slidenum">
               <a:rPr lang="en-US" noProof="0" smtClean="0"/>
               <a:pPr/>
-              <a:t>24</a:t>
+              <a:t>28</a:t>
             </a:fld>
             <a:endParaRPr lang="en-US" noProof="0" dirty="0"/>
           </a:p>
@@ -17864,7 +20562,7 @@
 </p:sld>
 </file>
 
-<file path=ppt/slides/slide25.xml><?xml version="1.0" encoding="utf-8"?>
+<file path=ppt/slides/slide29.xml><?xml version="1.0" encoding="utf-8"?>
 <p:sld xmlns:a="http://schemas.openxmlformats.org/drawingml/2006/main" xmlns:r="http://schemas.openxmlformats.org/officeDocument/2006/relationships" xmlns:p="http://schemas.openxmlformats.org/presentationml/2006/main">
   <p:cSld>
     <p:spTree>
@@ -17905,7 +20603,7 @@
             <a:fld id="{2BF067CD-8E6B-4360-9AA8-C5DF2A48A6D1}" type="slidenum">
               <a:rPr lang="en-US" noProof="0" smtClean="0"/>
               <a:pPr/>
-              <a:t>25</a:t>
+              <a:t>29</a:t>
             </a:fld>
             <a:endParaRPr lang="en-US" noProof="0" dirty="0"/>
           </a:p>
@@ -18280,7 +20978,146 @@
 </p:sld>
 </file>
 
-<file path=ppt/slides/slide26.xml><?xml version="1.0" encoding="utf-8"?>
+<file path=ppt/slides/slide3.xml><?xml version="1.0" encoding="utf-8"?>
+<p:sld xmlns:a="http://schemas.openxmlformats.org/drawingml/2006/main" xmlns:r="http://schemas.openxmlformats.org/officeDocument/2006/relationships" xmlns:p="http://schemas.openxmlformats.org/presentationml/2006/main">
+  <p:cSld>
+    <p:spTree>
+      <p:nvGrpSpPr>
+        <p:cNvPr id="1" name=""/>
+        <p:cNvGrpSpPr/>
+        <p:nvPr/>
+      </p:nvGrpSpPr>
+      <p:grpSpPr>
+        <a:xfrm>
+          <a:off x="0" y="0"/>
+          <a:ext cx="0" cy="0"/>
+          <a:chOff x="0" y="0"/>
+          <a:chExt cx="0" cy="0"/>
+        </a:xfrm>
+      </p:grpSpPr>
+      <p:sp>
+        <p:nvSpPr>
+          <p:cNvPr id="4" name="Slide Subtitle">
+            <a:extLst>
+              <a:ext uri="{FF2B5EF4-FFF2-40B4-BE49-F238E27FC236}">
+                <a16:creationId xmlns:a16="http://schemas.microsoft.com/office/drawing/2014/main" id="{BEB5BB41-09D4-4E9F-8C80-EE8709171CB3}"/>
+              </a:ext>
+            </a:extLst>
+          </p:cNvPr>
+          <p:cNvSpPr>
+            <a:spLocks noGrp="1"/>
+          </p:cNvSpPr>
+          <p:nvPr>
+            <p:ph type="subTitle" sz="quarter" idx="11"/>
+          </p:nvPr>
+        </p:nvSpPr>
+        <p:spPr/>
+        <p:txBody>
+          <a:bodyPr/>
+          <a:lstStyle/>
+          <a:p>
+            <a:r>
+              <a:rPr lang="bg-BG" dirty="0"/>
+              <a:t>Извличане на съдържание от таблица от БД</a:t>
+            </a:r>
+          </a:p>
+        </p:txBody>
+      </p:sp>
+      <p:sp>
+        <p:nvSpPr>
+          <p:cNvPr id="6" name="Slide Title">
+            <a:extLst>
+              <a:ext uri="{FF2B5EF4-FFF2-40B4-BE49-F238E27FC236}">
+                <a16:creationId xmlns:a16="http://schemas.microsoft.com/office/drawing/2014/main" id="{028D9EA3-B5E0-4F17-9467-4BE3C280DA68}"/>
+              </a:ext>
+            </a:extLst>
+          </p:cNvPr>
+          <p:cNvSpPr>
+            <a:spLocks noGrp="1"/>
+          </p:cNvSpPr>
+          <p:nvPr>
+            <p:ph type="title" sz="quarter" idx="10"/>
+          </p:nvPr>
+        </p:nvSpPr>
+        <p:spPr>
+          <a:xfrm>
+            <a:off x="475553" y="4734000"/>
+            <a:ext cx="11240891" cy="768084"/>
+          </a:xfrm>
+        </p:spPr>
+        <p:txBody>
+          <a:bodyPr/>
+          <a:lstStyle/>
+          <a:p>
+            <a:r>
+              <a:rPr lang="bg-BG" sz="4800" dirty="0"/>
+              <a:t>Визуализация на данни в </a:t>
+            </a:r>
+            <a:r>
+              <a:rPr lang="en-US" sz="4800" dirty="0"/>
+              <a:t>Windows Forms</a:t>
+            </a:r>
+          </a:p>
+        </p:txBody>
+      </p:sp>
+      <p:pic>
+        <p:nvPicPr>
+          <p:cNvPr id="7" name="Picture 6">
+            <a:extLst>
+              <a:ext uri="{FF2B5EF4-FFF2-40B4-BE49-F238E27FC236}">
+                <a16:creationId xmlns:a16="http://schemas.microsoft.com/office/drawing/2014/main" id="{5CC01025-C143-3AE8-DB39-D3730A2A7E49}"/>
+              </a:ext>
+            </a:extLst>
+          </p:cNvPr>
+          <p:cNvPicPr>
+            <a:picLocks noChangeAspect="1"/>
+          </p:cNvPicPr>
+          <p:nvPr/>
+        </p:nvPicPr>
+        <p:blipFill>
+          <a:blip r:embed="rId3">
+            <a:extLst>
+              <a:ext uri="{28A0092B-C50C-407E-A947-70E740481C1C}">
+                <a14:useLocalDpi xmlns:a14="http://schemas.microsoft.com/office/drawing/2010/main" val="0"/>
+              </a:ext>
+            </a:extLst>
+          </a:blip>
+          <a:stretch>
+            <a:fillRect/>
+          </a:stretch>
+        </p:blipFill>
+        <p:spPr>
+          <a:xfrm>
+            <a:off x="4770255" y="1777703"/>
+            <a:ext cx="2651489" cy="1731202"/>
+          </a:xfrm>
+          <a:prstGeom prst="rect">
+            <a:avLst/>
+          </a:prstGeom>
+        </p:spPr>
+      </p:pic>
+    </p:spTree>
+    <p:extLst>
+      <p:ext uri="{BB962C8B-B14F-4D97-AF65-F5344CB8AC3E}">
+        <p14:creationId xmlns:p14="http://schemas.microsoft.com/office/powerpoint/2010/main" val="882194472"/>
+      </p:ext>
+    </p:extLst>
+  </p:cSld>
+  <p:clrMapOvr>
+    <a:masterClrMapping/>
+  </p:clrMapOvr>
+  <mc:AlternateContent xmlns:mc="http://schemas.openxmlformats.org/markup-compatibility/2006" xmlns:p14="http://schemas.microsoft.com/office/powerpoint/2010/main">
+    <mc:Choice Requires="p14">
+      <p:transition spd="slow" p14:dur="2000" advClick="0" advTm="5000"/>
+    </mc:Choice>
+    <mc:Fallback xmlns="">
+      <p:transition spd="slow" advClick="0" advTm="5000"/>
+    </mc:Fallback>
+  </mc:AlternateContent>
+</p:sld>
+</file>
+
+<file path=ppt/slides/slide30.xml><?xml version="1.0" encoding="utf-8"?>
 <p:sld xmlns:a="http://schemas.openxmlformats.org/drawingml/2006/main" xmlns:r="http://schemas.openxmlformats.org/officeDocument/2006/relationships" xmlns:p="http://schemas.openxmlformats.org/presentationml/2006/main">
   <p:cSld>
     <p:spTree>
@@ -18321,7 +21158,7 @@
             <a:fld id="{2BF067CD-8E6B-4360-9AA8-C5DF2A48A6D1}" type="slidenum">
               <a:rPr lang="en-US" noProof="0" smtClean="0"/>
               <a:pPr/>
-              <a:t>26</a:t>
+              <a:t>30</a:t>
             </a:fld>
             <a:endParaRPr lang="en-US" noProof="0" dirty="0"/>
           </a:p>
@@ -18841,7 +21678,7 @@
 </p:sld>
 </file>
 
-<file path=ppt/slides/slide27.xml><?xml version="1.0" encoding="utf-8"?>
+<file path=ppt/slides/slide31.xml><?xml version="1.0" encoding="utf-8"?>
 <p:sld xmlns:a="http://schemas.openxmlformats.org/drawingml/2006/main" xmlns:r="http://schemas.openxmlformats.org/officeDocument/2006/relationships" xmlns:p="http://schemas.openxmlformats.org/presentationml/2006/main">
   <p:cSld>
     <p:spTree>
@@ -18882,7 +21719,7 @@
             <a:fld id="{2BF067CD-8E6B-4360-9AA8-C5DF2A48A6D1}" type="slidenum">
               <a:rPr lang="en-US" noProof="0" smtClean="0"/>
               <a:pPr/>
-              <a:t>27</a:t>
+              <a:t>31</a:t>
             </a:fld>
             <a:endParaRPr lang="en-US" noProof="0" dirty="0"/>
           </a:p>
@@ -19470,7 +22307,7 @@
 </p:sld>
 </file>
 
-<file path=ppt/slides/slide28.xml><?xml version="1.0" encoding="utf-8"?>
+<file path=ppt/slides/slide32.xml><?xml version="1.0" encoding="utf-8"?>
 <p:sld xmlns:a="http://schemas.openxmlformats.org/drawingml/2006/main" xmlns:r="http://schemas.openxmlformats.org/officeDocument/2006/relationships" xmlns:p="http://schemas.openxmlformats.org/presentationml/2006/main">
   <p:cSld>
     <p:spTree>
@@ -19511,7 +22348,7 @@
             <a:fld id="{2BF067CD-8E6B-4360-9AA8-C5DF2A48A6D1}" type="slidenum">
               <a:rPr lang="en-US" noProof="0" smtClean="0"/>
               <a:pPr/>
-              <a:t>28</a:t>
+              <a:t>32</a:t>
             </a:fld>
             <a:endParaRPr lang="en-US" noProof="0" dirty="0"/>
           </a:p>
@@ -20009,7 +22846,7 @@
 </p:sld>
 </file>
 
-<file path=ppt/slides/slide29.xml><?xml version="1.0" encoding="utf-8"?>
+<file path=ppt/slides/slide33.xml><?xml version="1.0" encoding="utf-8"?>
 <p:sld xmlns:a="http://schemas.openxmlformats.org/drawingml/2006/main" xmlns:r="http://schemas.openxmlformats.org/officeDocument/2006/relationships" xmlns:p="http://schemas.openxmlformats.org/presentationml/2006/main">
   <p:cSld>
     <p:spTree>
@@ -20050,7 +22887,7 @@
             <a:fld id="{2BF067CD-8E6B-4360-9AA8-C5DF2A48A6D1}" type="slidenum">
               <a:rPr lang="en-US" noProof="0" smtClean="0"/>
               <a:pPr/>
-              <a:t>29</a:t>
+              <a:t>33</a:t>
             </a:fld>
             <a:endParaRPr lang="en-US" noProof="0" dirty="0"/>
           </a:p>
@@ -20648,146 +23485,7 @@
 </p:sld>
 </file>
 
-<file path=ppt/slides/slide3.xml><?xml version="1.0" encoding="utf-8"?>
-<p:sld xmlns:a="http://schemas.openxmlformats.org/drawingml/2006/main" xmlns:r="http://schemas.openxmlformats.org/officeDocument/2006/relationships" xmlns:p="http://schemas.openxmlformats.org/presentationml/2006/main">
-  <p:cSld>
-    <p:spTree>
-      <p:nvGrpSpPr>
-        <p:cNvPr id="1" name=""/>
-        <p:cNvGrpSpPr/>
-        <p:nvPr/>
-      </p:nvGrpSpPr>
-      <p:grpSpPr>
-        <a:xfrm>
-          <a:off x="0" y="0"/>
-          <a:ext cx="0" cy="0"/>
-          <a:chOff x="0" y="0"/>
-          <a:chExt cx="0" cy="0"/>
-        </a:xfrm>
-      </p:grpSpPr>
-      <p:sp>
-        <p:nvSpPr>
-          <p:cNvPr id="4" name="Slide Subtitle">
-            <a:extLst>
-              <a:ext uri="{FF2B5EF4-FFF2-40B4-BE49-F238E27FC236}">
-                <a16:creationId xmlns:a16="http://schemas.microsoft.com/office/drawing/2014/main" id="{BEB5BB41-09D4-4E9F-8C80-EE8709171CB3}"/>
-              </a:ext>
-            </a:extLst>
-          </p:cNvPr>
-          <p:cNvSpPr>
-            <a:spLocks noGrp="1"/>
-          </p:cNvSpPr>
-          <p:nvPr>
-            <p:ph type="subTitle" sz="quarter" idx="11"/>
-          </p:nvPr>
-        </p:nvSpPr>
-        <p:spPr/>
-        <p:txBody>
-          <a:bodyPr/>
-          <a:lstStyle/>
-          <a:p>
-            <a:r>
-              <a:rPr lang="bg-BG" dirty="0"/>
-              <a:t>Извличане на съдържание от таблица от БД</a:t>
-            </a:r>
-          </a:p>
-        </p:txBody>
-      </p:sp>
-      <p:sp>
-        <p:nvSpPr>
-          <p:cNvPr id="6" name="Slide Title">
-            <a:extLst>
-              <a:ext uri="{FF2B5EF4-FFF2-40B4-BE49-F238E27FC236}">
-                <a16:creationId xmlns:a16="http://schemas.microsoft.com/office/drawing/2014/main" id="{028D9EA3-B5E0-4F17-9467-4BE3C280DA68}"/>
-              </a:ext>
-            </a:extLst>
-          </p:cNvPr>
-          <p:cNvSpPr>
-            <a:spLocks noGrp="1"/>
-          </p:cNvSpPr>
-          <p:nvPr>
-            <p:ph type="title" sz="quarter" idx="10"/>
-          </p:nvPr>
-        </p:nvSpPr>
-        <p:spPr>
-          <a:xfrm>
-            <a:off x="475553" y="4734000"/>
-            <a:ext cx="11240891" cy="768084"/>
-          </a:xfrm>
-        </p:spPr>
-        <p:txBody>
-          <a:bodyPr/>
-          <a:lstStyle/>
-          <a:p>
-            <a:r>
-              <a:rPr lang="bg-BG" sz="4800" dirty="0"/>
-              <a:t>Визуализация на данни в </a:t>
-            </a:r>
-            <a:r>
-              <a:rPr lang="en-US" sz="4800" dirty="0"/>
-              <a:t>Windows Forms</a:t>
-            </a:r>
-          </a:p>
-        </p:txBody>
-      </p:sp>
-      <p:pic>
-        <p:nvPicPr>
-          <p:cNvPr id="7" name="Picture 6">
-            <a:extLst>
-              <a:ext uri="{FF2B5EF4-FFF2-40B4-BE49-F238E27FC236}">
-                <a16:creationId xmlns:a16="http://schemas.microsoft.com/office/drawing/2014/main" id="{5CC01025-C143-3AE8-DB39-D3730A2A7E49}"/>
-              </a:ext>
-            </a:extLst>
-          </p:cNvPr>
-          <p:cNvPicPr>
-            <a:picLocks noChangeAspect="1"/>
-          </p:cNvPicPr>
-          <p:nvPr/>
-        </p:nvPicPr>
-        <p:blipFill>
-          <a:blip r:embed="rId3">
-            <a:extLst>
-              <a:ext uri="{28A0092B-C50C-407E-A947-70E740481C1C}">
-                <a14:useLocalDpi xmlns:a14="http://schemas.microsoft.com/office/drawing/2010/main" val="0"/>
-              </a:ext>
-            </a:extLst>
-          </a:blip>
-          <a:stretch>
-            <a:fillRect/>
-          </a:stretch>
-        </p:blipFill>
-        <p:spPr>
-          <a:xfrm>
-            <a:off x="4770255" y="1777703"/>
-            <a:ext cx="2651489" cy="1731202"/>
-          </a:xfrm>
-          <a:prstGeom prst="rect">
-            <a:avLst/>
-          </a:prstGeom>
-        </p:spPr>
-      </p:pic>
-    </p:spTree>
-    <p:extLst>
-      <p:ext uri="{BB962C8B-B14F-4D97-AF65-F5344CB8AC3E}">
-        <p14:creationId xmlns:p14="http://schemas.microsoft.com/office/powerpoint/2010/main" val="882194472"/>
-      </p:ext>
-    </p:extLst>
-  </p:cSld>
-  <p:clrMapOvr>
-    <a:masterClrMapping/>
-  </p:clrMapOvr>
-  <mc:AlternateContent xmlns:mc="http://schemas.openxmlformats.org/markup-compatibility/2006" xmlns:p14="http://schemas.microsoft.com/office/powerpoint/2010/main">
-    <mc:Choice Requires="p14">
-      <p:transition spd="slow" p14:dur="2000" advClick="0" advTm="5000"/>
-    </mc:Choice>
-    <mc:Fallback xmlns="">
-      <p:transition spd="slow" advClick="0" advTm="5000"/>
-    </mc:Fallback>
-  </mc:AlternateContent>
-</p:sld>
-</file>
-
-<file path=ppt/slides/slide30.xml><?xml version="1.0" encoding="utf-8"?>
+<file path=ppt/slides/slide34.xml><?xml version="1.0" encoding="utf-8"?>
 <p:sld xmlns:a="http://schemas.openxmlformats.org/drawingml/2006/main" xmlns:r="http://schemas.openxmlformats.org/officeDocument/2006/relationships" xmlns:p="http://schemas.openxmlformats.org/presentationml/2006/main">
   <p:cSld>
     <p:spTree>
@@ -20828,7 +23526,7 @@
             <a:fld id="{2BF067CD-8E6B-4360-9AA8-C5DF2A48A6D1}" type="slidenum">
               <a:rPr lang="en-US" noProof="0" smtClean="0"/>
               <a:pPr/>
-              <a:t>30</a:t>
+              <a:t>34</a:t>
             </a:fld>
             <a:endParaRPr lang="en-US" noProof="0" dirty="0"/>
           </a:p>
@@ -21202,7 +23900,7 @@
 </p:sld>
 </file>
 
-<file path=ppt/slides/slide31.xml><?xml version="1.0" encoding="utf-8"?>
+<file path=ppt/slides/slide35.xml><?xml version="1.0" encoding="utf-8"?>
 <p:sld xmlns:a="http://schemas.openxmlformats.org/drawingml/2006/main" xmlns:r="http://schemas.openxmlformats.org/officeDocument/2006/relationships" xmlns:p="http://schemas.openxmlformats.org/presentationml/2006/main">
   <p:cSld>
     <p:spTree>
@@ -21439,7 +24137,7 @@
         </p:spPr>
         <p:txBody>
           <a:bodyPr>
-            <a:normAutofit fontScale="85000" lnSpcReduction="20000"/>
+            <a:normAutofit fontScale="62500" lnSpcReduction="20000"/>
           </a:bodyPr>
           <a:lstStyle>
             <a:lvl1pPr marL="514350" indent="-514350">
@@ -21910,6 +24608,58 @@
                 </a:solidFill>
               </a:rPr>
               <a:t>таблични данни</a:t>
+            </a:r>
+            <a:endParaRPr lang="en-US" sz="3000" b="1" dirty="0">
+              <a:solidFill>
+                <a:schemeClr val="accent1">
+                  <a:lumMod val="60000"/>
+                  <a:lumOff val="40000"/>
+                </a:schemeClr>
+              </a:solidFill>
+            </a:endParaRPr>
+          </a:p>
+          <a:p>
+            <a:pPr marL="360363" indent="-360363" fontAlgn="base">
+              <a:buClr>
+                <a:schemeClr val="bg2"/>
+              </a:buClr>
+            </a:pPr>
+            <a:r>
+              <a:rPr lang="en-US" sz="3200" b="1" dirty="0">
+                <a:solidFill>
+                  <a:schemeClr val="accent1">
+                    <a:lumMod val="60000"/>
+                    <a:lumOff val="40000"/>
+                  </a:schemeClr>
+                </a:solidFill>
+              </a:rPr>
+              <a:t>BindingSource</a:t>
+            </a:r>
+          </a:p>
+          <a:p>
+            <a:pPr marL="969948" lvl="1" indent="-360363" fontAlgn="base">
+              <a:buClr>
+                <a:schemeClr val="bg2"/>
+              </a:buClr>
+            </a:pPr>
+            <a:r>
+              <a:rPr lang="bg-BG" sz="3000" b="1" dirty="0">
+                <a:solidFill>
+                  <a:schemeClr val="accent1">
+                    <a:lumMod val="60000"/>
+                    <a:lumOff val="40000"/>
+                  </a:schemeClr>
+                </a:solidFill>
+              </a:rPr>
+              <a:t>Междинен обект</a:t>
+            </a:r>
+            <a:r>
+              <a:rPr lang="bg-BG" sz="3000" b="1" dirty="0">
+                <a:solidFill>
+                  <a:schemeClr val="bg2"/>
+                </a:solidFill>
+              </a:rPr>
+              <a:t>, свързващ БД с визуална контрола</a:t>
             </a:r>
           </a:p>
         </p:txBody>
@@ -21975,7 +24725,7 @@
             <a:fld id="{2BF067CD-8E6B-4360-9AA8-C5DF2A48A6D1}" type="slidenum">
               <a:rPr lang="en-US" noProof="0" smtClean="0"/>
               <a:pPr/>
-              <a:t>31</a:t>
+              <a:t>35</a:t>
             </a:fld>
             <a:endParaRPr lang="en-US" noProof="0" dirty="0"/>
           </a:p>
@@ -22430,6 +25180,104 @@
                       </p:childTnLst>
                     </p:cTn>
                   </p:par>
+                  <p:par>
+                    <p:cTn id="37" fill="hold">
+                      <p:stCondLst>
+                        <p:cond delay="indefinite"/>
+                      </p:stCondLst>
+                      <p:childTnLst>
+                        <p:par>
+                          <p:cTn id="38" fill="hold">
+                            <p:stCondLst>
+                              <p:cond delay="0"/>
+                            </p:stCondLst>
+                            <p:childTnLst>
+                              <p:par>
+                                <p:cTn id="39" presetID="1" presetClass="entr" presetSubtype="0" fill="hold" nodeType="clickEffect">
+                                  <p:stCondLst>
+                                    <p:cond delay="0"/>
+                                  </p:stCondLst>
+                                  <p:childTnLst>
+                                    <p:set>
+                                      <p:cBhvr>
+                                        <p:cTn id="40" dur="1" fill="hold">
+                                          <p:stCondLst>
+                                            <p:cond delay="0"/>
+                                          </p:stCondLst>
+                                        </p:cTn>
+                                        <p:tgtEl>
+                                          <p:spTgt spid="14">
+                                            <p:txEl>
+                                              <p:pRg st="10" end="10"/>
+                                            </p:txEl>
+                                          </p:spTgt>
+                                        </p:tgtEl>
+                                        <p:attrNameLst>
+                                          <p:attrName>style.visibility</p:attrName>
+                                        </p:attrNameLst>
+                                      </p:cBhvr>
+                                      <p:to>
+                                        <p:strVal val="visible"/>
+                                      </p:to>
+                                    </p:set>
+                                  </p:childTnLst>
+                                </p:cTn>
+                              </p:par>
+                            </p:childTnLst>
+                          </p:cTn>
+                        </p:par>
+                      </p:childTnLst>
+                    </p:cTn>
+                  </p:par>
+                  <p:par>
+                    <p:cTn id="41" fill="hold">
+                      <p:stCondLst>
+                        <p:cond delay="indefinite"/>
+                      </p:stCondLst>
+                      <p:childTnLst>
+                        <p:par>
+                          <p:cTn id="42" fill="hold">
+                            <p:stCondLst>
+                              <p:cond delay="0"/>
+                            </p:stCondLst>
+                            <p:childTnLst>
+                              <p:par>
+                                <p:cTn id="43" presetID="1" presetClass="entr" presetSubtype="0" fill="hold" nodeType="clickEffect">
+                                  <p:stCondLst>
+                                    <p:cond delay="0"/>
+                                  </p:stCondLst>
+                                  <p:childTnLst>
+                                    <p:set>
+                                      <p:cBhvr>
+                                        <p:cTn id="44" dur="1" fill="hold">
+                                          <p:stCondLst>
+                                            <p:cond delay="0"/>
+                                          </p:stCondLst>
+                                        </p:cTn>
+                                        <p:tgtEl>
+                                          <p:spTgt spid="14">
+                                            <p:txEl>
+                                              <p:pRg st="11" end="11"/>
+                                            </p:txEl>
+                                          </p:spTgt>
+                                        </p:tgtEl>
+                                        <p:attrNameLst>
+                                          <p:attrName>style.visibility</p:attrName>
+                                        </p:attrNameLst>
+                                      </p:cBhvr>
+                                      <p:to>
+                                        <p:strVal val="visible"/>
+                                      </p:to>
+                                    </p:set>
+                                  </p:childTnLst>
+                                </p:cTn>
+                              </p:par>
+                            </p:childTnLst>
+                          </p:cTn>
+                        </p:par>
+                      </p:childTnLst>
+                    </p:cTn>
+                  </p:par>
                 </p:childTnLst>
               </p:cTn>
               <p:prevCondLst>
@@ -22455,7 +25303,7 @@
 </p:sld>
 </file>
 
-<file path=ppt/slides/slide32.xml><?xml version="1.0" encoding="utf-8"?>
+<file path=ppt/slides/slide36.xml><?xml version="1.0" encoding="utf-8"?>
 <p:sld xmlns:a="http://schemas.openxmlformats.org/drawingml/2006/main" xmlns:r="http://schemas.openxmlformats.org/officeDocument/2006/relationships" xmlns:p="http://schemas.openxmlformats.org/presentationml/2006/main">
   <p:cSld>
     <p:spTree>
@@ -22645,7 +25493,7 @@
 </p:sld>
 </file>
 
-<file path=ppt/slides/slide33.xml><?xml version="1.0" encoding="utf-8"?>
+<file path=ppt/slides/slide37.xml><?xml version="1.0" encoding="utf-8"?>
 <p:sld xmlns:a="http://schemas.openxmlformats.org/drawingml/2006/main" xmlns:r="http://schemas.openxmlformats.org/officeDocument/2006/relationships" xmlns:p="http://schemas.openxmlformats.org/presentationml/2006/main" show="0">
   <p:cSld>
     <p:spTree>
@@ -22698,7 +25546,7 @@
             <a:fld id="{2BF067CD-8E6B-4360-9AA8-C5DF2A48A6D1}" type="slidenum">
               <a:rPr lang="en-US" smtClean="0"/>
               <a:pPr/>
-              <a:t>33</a:t>
+              <a:t>37</a:t>
             </a:fld>
             <a:endParaRPr lang="en-US" dirty="0"/>
           </a:p>
@@ -23017,11 +25865,11 @@
   <p:clrMapOvr>
     <a:masterClrMapping/>
   </p:clrMapOvr>
-  <mc:AlternateContent xmlns:mc="http://schemas.openxmlformats.org/markup-compatibility/2006">
-    <mc:Choice xmlns:p14="http://schemas.microsoft.com/office/powerpoint/2010/main" Requires="p14">
+  <mc:AlternateContent xmlns:mc="http://schemas.openxmlformats.org/markup-compatibility/2006" xmlns:p14="http://schemas.microsoft.com/office/powerpoint/2010/main">
+    <mc:Choice Requires="p14">
       <p:transition spd="slow" p14:dur="2000" advClick="0" advTm="5000"/>
     </mc:Choice>
-    <mc:Fallback>
+    <mc:Fallback xmlns="">
       <p:transition spd="slow" advClick="0" advTm="5000"/>
     </mc:Fallback>
   </mc:AlternateContent>

--- a/Courses/Software-Sciences/Module-4-Information-Systems-New/05-Connecting-Windows-Forms-with-database/05-Connecting-Windows-Forms-with-database.pptx
+++ b/Courses/Software-Sciences/Module-4-Information-Systems-New/05-Connecting-Windows-Forms-with-database/05-Connecting-Windows-Forms-with-database.pptx
@@ -518,7 +518,7 @@
           <a:p>
             <a:fld id="{4E087215-0C8F-4762-A664-737A353EC9A4}" type="datetimeFigureOut">
               <a:rPr lang="bg-BG" smtClean="0"/>
-              <a:t>16.09.24 г.</a:t>
+              <a:t>17.09.24 г.</a:t>
             </a:fld>
             <a:endParaRPr lang="bg-BG"/>
           </a:p>
@@ -714,7 +714,7 @@
           <a:p>
             <a:fld id="{72D84649-876A-46C9-8472-14CB09C070D8}" type="datetimeFigureOut">
               <a:rPr lang="en-US" smtClean="0"/>
-              <a:t>9/16/24</a:t>
+              <a:t>9/17/24</a:t>
             </a:fld>
             <a:endParaRPr lang="en-US"/>
           </a:p>
@@ -22577,7 +22577,24 @@
                 <a:latin typeface="Consolas" panose="020B0609020204030204" pitchFamily="49" charset="0"/>
                 <a:cs typeface="Consolas" panose="020B0609020204030204" pitchFamily="49" charset="0"/>
               </a:rPr>
-              <a:t>private Product[] LoadProductsFromDb()</a:t>
+              <a:t>private Product[] </a:t>
+            </a:r>
+            <a:r>
+              <a:rPr lang="en-GB" b="1" dirty="0">
+                <a:solidFill>
+                  <a:schemeClr val="bg1"/>
+                </a:solidFill>
+                <a:latin typeface="Consolas" panose="020B0609020204030204" pitchFamily="49" charset="0"/>
+                <a:cs typeface="Consolas" panose="020B0609020204030204" pitchFamily="49" charset="0"/>
+              </a:rPr>
+              <a:t>LoadProductsFromDb</a:t>
+            </a:r>
+            <a:r>
+              <a:rPr lang="en-GB" b="1" dirty="0">
+                <a:latin typeface="Consolas" panose="020B0609020204030204" pitchFamily="49" charset="0"/>
+                <a:cs typeface="Consolas" panose="020B0609020204030204" pitchFamily="49" charset="0"/>
+              </a:rPr>
+              <a:t>()</a:t>
             </a:r>
           </a:p>
           <a:p>
@@ -22630,7 +22647,24 @@
                 <a:latin typeface="Consolas" panose="020B0609020204030204" pitchFamily="49" charset="0"/>
                 <a:cs typeface="Consolas" panose="020B0609020204030204" pitchFamily="49" charset="0"/>
               </a:rPr>
-              <a:t>        return db.Products.ToArray();</a:t>
+              <a:t>        return db.</a:t>
+            </a:r>
+            <a:r>
+              <a:rPr lang="en-GB" b="1" dirty="0">
+                <a:solidFill>
+                  <a:schemeClr val="bg1"/>
+                </a:solidFill>
+                <a:latin typeface="Consolas" panose="020B0609020204030204" pitchFamily="49" charset="0"/>
+                <a:cs typeface="Consolas" panose="020B0609020204030204" pitchFamily="49" charset="0"/>
+              </a:rPr>
+              <a:t>Products</a:t>
+            </a:r>
+            <a:r>
+              <a:rPr lang="en-GB" b="1" dirty="0">
+                <a:latin typeface="Consolas" panose="020B0609020204030204" pitchFamily="49" charset="0"/>
+                <a:cs typeface="Consolas" panose="020B0609020204030204" pitchFamily="49" charset="0"/>
+              </a:rPr>
+              <a:t>.ToArray();</a:t>
             </a:r>
           </a:p>
           <a:p>
@@ -23101,7 +23135,24 @@
                 <a:latin typeface="Consolas" panose="020B0609020204030204" pitchFamily="49" charset="0"/>
                 <a:cs typeface="Consolas" panose="020B0609020204030204" pitchFamily="49" charset="0"/>
               </a:rPr>
-              <a:t>private void ReloadProducts()</a:t>
+              <a:t>private void </a:t>
+            </a:r>
+            <a:r>
+              <a:rPr lang="en-GB" sz="2000" b="1" dirty="0">
+                <a:solidFill>
+                  <a:schemeClr val="bg1"/>
+                </a:solidFill>
+                <a:latin typeface="Consolas" panose="020B0609020204030204" pitchFamily="49" charset="0"/>
+                <a:cs typeface="Consolas" panose="020B0609020204030204" pitchFamily="49" charset="0"/>
+              </a:rPr>
+              <a:t>ReloadProducts</a:t>
+            </a:r>
+            <a:r>
+              <a:rPr lang="en-GB" sz="2000" b="1" dirty="0">
+                <a:latin typeface="Consolas" panose="020B0609020204030204" pitchFamily="49" charset="0"/>
+                <a:cs typeface="Consolas" panose="020B0609020204030204" pitchFamily="49" charset="0"/>
+              </a:rPr>
+              <a:t>()</a:t>
             </a:r>
           </a:p>
           <a:p>
@@ -23242,7 +23293,24 @@
                 <a:latin typeface="Consolas" panose="020B0609020204030204" pitchFamily="49" charset="0"/>
                 <a:cs typeface="Consolas" panose="020B0609020204030204" pitchFamily="49" charset="0"/>
               </a:rPr>
-              <a:t> private void FormStoreProducts_Load(object sender, EventArgs e)</a:t>
+              <a:t> private void </a:t>
+            </a:r>
+            <a:r>
+              <a:rPr lang="en-GB" sz="2000" b="1" dirty="0">
+                <a:solidFill>
+                  <a:schemeClr val="bg1"/>
+                </a:solidFill>
+                <a:latin typeface="Consolas" panose="020B0609020204030204" pitchFamily="49" charset="0"/>
+                <a:cs typeface="Consolas" panose="020B0609020204030204" pitchFamily="49" charset="0"/>
+              </a:rPr>
+              <a:t>FormStoreProducts_Load</a:t>
+            </a:r>
+            <a:r>
+              <a:rPr lang="en-GB" sz="2000" b="1" dirty="0">
+                <a:latin typeface="Consolas" panose="020B0609020204030204" pitchFamily="49" charset="0"/>
+                <a:cs typeface="Consolas" panose="020B0609020204030204" pitchFamily="49" charset="0"/>
+              </a:rPr>
+              <a:t>(object sender, EventArgs e)</a:t>
             </a:r>
           </a:p>
           <a:p>

--- a/Courses/Software-Sciences/Module-4-Information-Systems-New/05-Connecting-Windows-Forms-with-database/05-Connecting-Windows-Forms-with-database.pptx
+++ b/Courses/Software-Sciences/Module-4-Information-Systems-New/05-Connecting-Windows-Forms-with-database/05-Connecting-Windows-Forms-with-database.pptx
@@ -518,7 +518,7 @@
           <a:p>
             <a:fld id="{4E087215-0C8F-4762-A664-737A353EC9A4}" type="datetimeFigureOut">
               <a:rPr lang="bg-BG" smtClean="0"/>
-              <a:t>17.09.24 г.</a:t>
+              <a:t>29.09.24 г.</a:t>
             </a:fld>
             <a:endParaRPr lang="bg-BG"/>
           </a:p>
@@ -714,7 +714,7 @@
           <a:p>
             <a:fld id="{72D84649-876A-46C9-8472-14CB09C070D8}" type="datetimeFigureOut">
               <a:rPr lang="en-US" smtClean="0"/>
-              <a:t>9/17/24</a:t>
+              <a:t>9/29/24</a:t>
             </a:fld>
             <a:endParaRPr lang="en-US"/>
           </a:p>
@@ -12597,6 +12597,13 @@
           <a:prstGeom prst="rect">
             <a:avLst/>
           </a:prstGeom>
+          <a:ln>
+            <a:solidFill>
+              <a:schemeClr val="bg2">
+                <a:lumMod val="75000"/>
+              </a:schemeClr>
+            </a:solidFill>
+          </a:ln>
         </p:spPr>
       </p:pic>
       <p:sp>
@@ -26865,7 +26872,10 @@
             </a:r>
             <a:endParaRPr lang="en-BG" sz="2600" b="1" dirty="0">
               <a:solidFill>
-                <a:schemeClr val="bg2"/>
+                <a:schemeClr val="accent1">
+                  <a:lumMod val="60000"/>
+                  <a:lumOff val="40000"/>
+                </a:schemeClr>
               </a:solidFill>
               <a:effectLst>
                 <a:outerShdw blurRad="38100" dist="38100" dir="2700000" algn="tl">
@@ -27288,7 +27298,10 @@
             </a:r>
             <a:endParaRPr lang="en-BG" sz="2600" b="1" dirty="0">
               <a:solidFill>
-                <a:schemeClr val="bg2"/>
+                <a:schemeClr val="accent1">
+                  <a:lumMod val="60000"/>
+                  <a:lumOff val="40000"/>
+                </a:schemeClr>
               </a:solidFill>
               <a:effectLst>
                 <a:outerShdw blurRad="38100" dist="38100" dir="2700000" algn="tl">

--- a/Courses/Software-Sciences/Module-4-Information-Systems-New/05-Connecting-Windows-Forms-with-database/05-Connecting-Windows-Forms-with-database.pptx
+++ b/Courses/Software-Sciences/Module-4-Information-Systems-New/05-Connecting-Windows-Forms-with-database/05-Connecting-Windows-Forms-with-database.pptx
@@ -28408,15 +28408,33 @@
                                   </p:childTnLst>
                                 </p:cTn>
                               </p:par>
+                            </p:childTnLst>
+                          </p:cTn>
+                        </p:par>
+                      </p:childTnLst>
+                    </p:cTn>
+                  </p:par>
+                  <p:par>
+                    <p:cTn id="27" fill="hold">
+                      <p:stCondLst>
+                        <p:cond delay="indefinite"/>
+                      </p:stCondLst>
+                      <p:childTnLst>
+                        <p:par>
+                          <p:cTn id="28" fill="hold">
+                            <p:stCondLst>
+                              <p:cond delay="0"/>
+                            </p:stCondLst>
+                            <p:childTnLst>
                               <p:par>
-                                <p:cTn id="27" presetID="1" presetClass="entr" presetSubtype="0" fill="hold" nodeType="withEffect">
+                                <p:cTn id="29" presetID="1" presetClass="entr" presetSubtype="0" fill="hold" nodeType="clickEffect">
                                   <p:stCondLst>
                                     <p:cond delay="0"/>
                                   </p:stCondLst>
                                   <p:childTnLst>
                                     <p:set>
                                       <p:cBhvr>
-                                        <p:cTn id="28" dur="1" fill="hold">
+                                        <p:cTn id="30" dur="1" fill="hold">
                                           <p:stCondLst>
                                             <p:cond delay="0"/>
                                           </p:stCondLst>

--- a/Courses/Software-Sciences/Module-4-Information-Systems-New/05-Connecting-Windows-Forms-with-database/05-Connecting-Windows-Forms-with-database.pptx
+++ b/Courses/Software-Sciences/Module-4-Information-Systems-New/05-Connecting-Windows-Forms-with-database/05-Connecting-Windows-Forms-with-database.pptx
@@ -240,190 +240,6 @@
 </p188:authorLst>
 </file>
 
-<file path=ppt/comments/modernComment_2D0_C266D877.xml><?xml version="1.0" encoding="utf-8"?>
-<p188:cmLst xmlns:a="http://schemas.openxmlformats.org/drawingml/2006/main" xmlns:r="http://schemas.openxmlformats.org/officeDocument/2006/relationships" xmlns:p188="http://schemas.microsoft.com/office/powerpoint/2018/8/main">
-  <p188:cm id="{4890F825-849F-B34B-8A7F-0733C134D3DC}" authorId="{61328A60-1351-1658-BC09-0F9214BEF0FD}" created="2024-05-27T11:44:35.585">
-    <ac:txMkLst xmlns:ac="http://schemas.microsoft.com/office/drawing/2013/main/command">
-      <pc:docMk xmlns:pc="http://schemas.microsoft.com/office/powerpoint/2013/main/command"/>
-      <pc:sldMk xmlns:pc="http://schemas.microsoft.com/office/powerpoint/2013/main/command" cId="3261519991" sldId="720"/>
-      <ac:spMk id="3" creationId="{70810851-4790-2FC0-3F9D-A1CF7D2C9A2E}"/>
-      <ac:txMk cp="57" len="52">
-        <ac:context len="110" hash="3623045640"/>
-      </ac:txMk>
-    </ac:txMkLst>
-    <p188:pos x="7162898" y="1762975"/>
-    <p188:replyLst>
-      <p188:reply id="{0B1A9695-0033-904C-8E31-BCA69A6C1B6C}" authorId="{B24AAD53-8AA6-8321-73F3-FE25FD6B3B5A}" created="2024-06-12T07:04:59.083">
-        <p188:txBody>
-          <a:bodyPr/>
-          <a:lstStyle/>
-          <a:p>
-            <a:r>
-              <a:rPr lang="en-BG"/>
-              <a:t>Done</a:t>
-            </a:r>
-          </a:p>
-        </p188:txBody>
-      </p188:reply>
-    </p188:replyLst>
-    <p188:txBody>
-      <a:bodyPr/>
-      <a:lstStyle/>
-      <a:p>
-        <a:r>
-          <a:rPr lang="bg-BG"/>
-          <a:t>TODO: да се добави скрийншот с обновеното заглавие (с анимация)</a:t>
-        </a:r>
-      </a:p>
-    </p188:txBody>
-  </p188:cm>
-</p188:cmLst>
-</file>
-
-<file path=ppt/comments/modernComment_2D6_990945AD.xml><?xml version="1.0" encoding="utf-8"?>
-<p188:cmLst xmlns:a="http://schemas.openxmlformats.org/drawingml/2006/main" xmlns:r="http://schemas.openxmlformats.org/officeDocument/2006/relationships" xmlns:p188="http://schemas.microsoft.com/office/powerpoint/2018/8/main">
-  <p188:cm id="{40849A10-F07A-5641-BFC5-1E2739713D97}" authorId="{61328A60-1351-1658-BC09-0F9214BEF0FD}" created="2024-06-18T09:51:21.739">
-    <ac:deMkLst xmlns:ac="http://schemas.microsoft.com/office/drawing/2013/main/command">
-      <pc:docMk xmlns:pc="http://schemas.microsoft.com/office/powerpoint/2013/main/command"/>
-      <pc:sldMk xmlns:pc="http://schemas.microsoft.com/office/powerpoint/2013/main/command" cId="2567521709" sldId="726"/>
-      <ac:picMk id="5" creationId="{1DC22179-341D-F5D9-D839-AA8EC5ED988F}"/>
-    </ac:deMkLst>
-    <p188:replyLst>
-      <p188:reply id="{C69FD7EA-5B6D-3B4A-A2C2-100163281CE2}" authorId="{B24AAD53-8AA6-8321-73F3-FE25FD6B3B5A}" created="2024-06-19T11:47:27.901">
-        <p188:txBody>
-          <a:bodyPr/>
-          <a:lstStyle/>
-          <a:p>
-            <a:r>
-              <a:rPr lang="en-BG"/>
-              <a:t>Done</a:t>
-            </a:r>
-          </a:p>
-        </p188:txBody>
-      </p188:reply>
-    </p188:replyLst>
-    <p188:txBody>
-      <a:bodyPr/>
-      <a:lstStyle/>
-      <a:p>
-        <a:r>
-          <a:rPr lang="bg-BG"/>
-          <a:t>Това също може да се анимира, за да се виждат по-ясно отделните стъпки</a:t>
-        </a:r>
-      </a:p>
-    </p188:txBody>
-  </p188:cm>
-</p188:cmLst>
-</file>
-
-<file path=ppt/comments/modernComment_2E1_BD5714C8.xml><?xml version="1.0" encoding="utf-8"?>
-<p188:cmLst xmlns:a="http://schemas.openxmlformats.org/drawingml/2006/main" xmlns:r="http://schemas.openxmlformats.org/officeDocument/2006/relationships" xmlns:p188="http://schemas.microsoft.com/office/powerpoint/2018/8/main">
-  <p188:cm id="{99EDE415-78C5-174C-B01B-6225A85FA7D0}" authorId="{61328A60-1351-1658-BC09-0F9214BEF0FD}" created="2024-06-18T09:42:44.225">
-    <ac:deMkLst xmlns:ac="http://schemas.microsoft.com/office/drawing/2013/main/command">
-      <pc:docMk xmlns:pc="http://schemas.microsoft.com/office/powerpoint/2013/main/command"/>
-      <pc:sldMk xmlns:pc="http://schemas.microsoft.com/office/powerpoint/2013/main/command" cId="3714366085" sldId="737"/>
-      <ac:picMk id="6" creationId="{FF204932-6255-376F-6310-18B4D4461BB6}"/>
-    </ac:deMkLst>
-    <p188:replyLst>
-      <p188:reply id="{DE53B0D2-4C99-1946-9978-D0D8EDD7D00C}" authorId="{B24AAD53-8AA6-8321-73F3-FE25FD6B3B5A}" created="2024-06-19T11:17:59.748">
-        <p188:txBody>
-          <a:bodyPr/>
-          <a:lstStyle/>
-          <a:p>
-            <a:r>
-              <a:rPr lang="en-BG"/>
-              <a:t>Done</a:t>
-            </a:r>
-          </a:p>
-        </p188:txBody>
-      </p188:reply>
-    </p188:replyLst>
-    <p188:txBody>
-      <a:bodyPr/>
-      <a:lstStyle/>
-      <a:p>
-        <a:r>
-          <a:rPr lang="bg-BG"/>
-          <a:t>Да се анимира това изображение</a:t>
-        </a:r>
-      </a:p>
-    </p188:txBody>
-  </p188:cm>
-</p188:cmLst>
-</file>
-
-<file path=ppt/comments/modernComment_2E3_568CD61.xml><?xml version="1.0" encoding="utf-8"?>
-<p188:cmLst xmlns:a="http://schemas.openxmlformats.org/drawingml/2006/main" xmlns:r="http://schemas.openxmlformats.org/officeDocument/2006/relationships" xmlns:p188="http://schemas.microsoft.com/office/powerpoint/2018/8/main">
-  <p188:cm id="{B0703912-1320-FC44-A737-6F2449F4F063}" authorId="{61328A60-1351-1658-BC09-0F9214BEF0FD}" created="2024-05-27T11:35:22.682">
-    <ac:deMkLst xmlns:ac="http://schemas.microsoft.com/office/drawing/2013/main/command">
-      <pc:docMk xmlns:pc="http://schemas.microsoft.com/office/powerpoint/2013/main/command"/>
-      <pc:sldMk xmlns:pc="http://schemas.microsoft.com/office/powerpoint/2013/main/command" cId="90754401" sldId="739"/>
-      <ac:picMk id="6" creationId="{ED5D60A6-0690-7D20-9A2E-60F26F6905E0}"/>
-    </ac:deMkLst>
-    <p188:replyLst>
-      <p188:reply id="{37DA1E3A-EB66-CF4F-A050-E2FED7C49796}" authorId="{B24AAD53-8AA6-8321-73F3-FE25FD6B3B5A}" created="2024-06-12T06:56:01.974">
-        <p188:txBody>
-          <a:bodyPr/>
-          <a:lstStyle/>
-          <a:p>
-            <a:r>
-              <a:rPr lang="en-BG"/>
-              <a:t>Done
-</a:t>
-            </a:r>
-          </a:p>
-        </p188:txBody>
-      </p188:reply>
-    </p188:replyLst>
-    <p188:txBody>
-      <a:bodyPr/>
-      <a:lstStyle/>
-      <a:p>
-        <a:r>
-          <a:rPr lang="bg-BG"/>
-          <a:t>TODO: update screenshot</a:t>
-        </a:r>
-      </a:p>
-    </p188:txBody>
-  </p188:cm>
-  <p188:cm id="{351D8F2F-77AF-6A4A-9F0C-785576FFF2D8}" authorId="{61328A60-1351-1658-BC09-0F9214BEF0FD}" created="2024-06-18T09:15:28.554">
-    <ac:txMkLst xmlns:ac="http://schemas.microsoft.com/office/drawing/2013/main/command">
-      <pc:docMk xmlns:pc="http://schemas.microsoft.com/office/powerpoint/2013/main/command"/>
-      <pc:sldMk xmlns:pc="http://schemas.microsoft.com/office/powerpoint/2013/main/command" cId="90754401" sldId="739"/>
-      <ac:spMk id="7" creationId="{AE33DC17-E194-3CF4-0140-D6B38246823E}"/>
-      <ac:txMk cp="0" len="25">
-        <ac:context len="26" hash="2945733635"/>
-      </ac:txMk>
-    </ac:txMkLst>
-    <p188:pos x="4677651" y="2088000"/>
-    <p188:replyLst>
-      <p188:reply id="{1CC75F5C-B6F0-314B-900A-54160FF7F530}" authorId="{B24AAD53-8AA6-8321-73F3-FE25FD6B3B5A}" created="2024-06-19T11:47:52.628">
-        <p188:txBody>
-          <a:bodyPr/>
-          <a:lstStyle/>
-          <a:p>
-            <a:r>
-              <a:rPr lang="en-BG"/>
-              <a:t>Done</a:t>
-            </a:r>
-          </a:p>
-        </p188:txBody>
-      </p188:reply>
-    </p188:replyLst>
-    <p188:txBody>
-      <a:bodyPr/>
-      <a:lstStyle/>
-      <a:p>
-        <a:r>
-          <a:rPr lang="bg-BG"/>
-          <a:t>Да се уточни как разбираме къде имаме просто и къде сложно свързване - какви са тези контроли?</a:t>
-        </a:r>
-      </a:p>
-    </p188:txBody>
-  </p188:cm>
-</p188:cmLst>
-</file>
-
 <file path=ppt/handoutMasters/handoutMaster1.xml><?xml version="1.0" encoding="utf-8"?>
 <p:handoutMaster xmlns:a="http://schemas.openxmlformats.org/drawingml/2006/main" xmlns:r="http://schemas.openxmlformats.org/officeDocument/2006/relationships" xmlns:p="http://schemas.openxmlformats.org/presentationml/2006/main">
   <p:cSld>
@@ -518,7 +334,7 @@
           <a:p>
             <a:fld id="{4E087215-0C8F-4762-A664-737A353EC9A4}" type="datetimeFigureOut">
               <a:rPr lang="bg-BG" smtClean="0"/>
-              <a:t>29.09.24 г.</a:t>
+              <a:t>30.09.24 г.</a:t>
             </a:fld>
             <a:endParaRPr lang="bg-BG"/>
           </a:p>
@@ -714,7 +530,7 @@
           <a:p>
             <a:fld id="{72D84649-876A-46C9-8472-14CB09C070D8}" type="datetimeFigureOut">
               <a:rPr lang="en-US" smtClean="0"/>
-              <a:t>9/29/24</a:t>
+              <a:t>9/30/24</a:t>
             </a:fld>
             <a:endParaRPr lang="en-US"/>
           </a:p>
@@ -10194,7 +10010,7 @@
           <p:nvPr/>
         </p:nvPicPr>
         <p:blipFill>
-          <a:blip r:embed="rId3">
+          <a:blip r:embed="rId2">
             <a:extLst>
               <a:ext uri="{28A0092B-C50C-407E-A947-70E740481C1C}">
                 <a14:useLocalDpi xmlns:a14="http://schemas.microsoft.com/office/drawing/2010/main" val="0"/>
@@ -10352,7 +10168,7 @@
           <p:nvPr/>
         </p:nvPicPr>
         <p:blipFill>
-          <a:blip r:embed="rId4">
+          <a:blip r:embed="rId3">
             <a:extLst>
               <a:ext uri="{28A0092B-C50C-407E-A947-70E740481C1C}">
                 <a14:useLocalDpi xmlns:a14="http://schemas.microsoft.com/office/drawing/2010/main" val="0"/>
@@ -10395,7 +10211,7 @@
           <p:nvPr/>
         </p:nvPicPr>
         <p:blipFill>
-          <a:blip r:embed="rId5">
+          <a:blip r:embed="rId4">
             <a:extLst>
               <a:ext uri="{28A0092B-C50C-407E-A947-70E740481C1C}">
                 <a14:useLocalDpi xmlns:a14="http://schemas.microsoft.com/office/drawing/2010/main" val="0"/>
@@ -10438,7 +10254,7 @@
           <p:nvPr/>
         </p:nvPicPr>
         <p:blipFill>
-          <a:blip r:embed="rId6">
+          <a:blip r:embed="rId5">
             <a:extLst>
               <a:ext uri="{28A0092B-C50C-407E-A947-70E740481C1C}">
                 <a14:useLocalDpi xmlns:a14="http://schemas.microsoft.com/office/drawing/2010/main" val="0"/>
@@ -10933,11 +10749,6 @@
       <p:bldP spid="19" grpId="0" animBg="1"/>
     </p:bldLst>
   </p:timing>
-  <p:extLst>
-    <p:ext uri="{6950BFC3-D8DA-4A85-94F7-54DA5524770B}">
-      <p188:commentRel xmlns:p188="http://schemas.microsoft.com/office/powerpoint/2018/8/main" r:id="rId2"/>
-    </p:ext>
-  </p:extLst>
 </p:sld>
 </file>
 
@@ -17218,7 +17029,7 @@
           <p:nvPr/>
         </p:nvPicPr>
         <p:blipFill>
-          <a:blip r:embed="rId3">
+          <a:blip r:embed="rId2">
             <a:extLst>
               <a:ext uri="{28A0092B-C50C-407E-A947-70E740481C1C}">
                 <a14:useLocalDpi xmlns:a14="http://schemas.microsoft.com/office/drawing/2010/main" val="0"/>
@@ -17260,7 +17071,7 @@
           <p:nvPr/>
         </p:nvPicPr>
         <p:blipFill>
-          <a:blip r:embed="rId4">
+          <a:blip r:embed="rId3">
             <a:extLst>
               <a:ext uri="{28A0092B-C50C-407E-A947-70E740481C1C}">
                 <a14:useLocalDpi xmlns:a14="http://schemas.microsoft.com/office/drawing/2010/main" val="0"/>
@@ -17629,11 +17440,6 @@
       <p:bldP spid="10" grpId="0" animBg="1"/>
     </p:bldLst>
   </p:timing>
-  <p:extLst>
-    <p:ext uri="{6950BFC3-D8DA-4A85-94F7-54DA5524770B}">
-      <p188:commentRel xmlns:p188="http://schemas.microsoft.com/office/powerpoint/2018/8/main" r:id="rId2"/>
-    </p:ext>
-  </p:extLst>
 </p:sld>
 </file>
 
@@ -18605,7 +18411,7 @@
           <p:nvPr/>
         </p:nvPicPr>
         <p:blipFill>
-          <a:blip r:embed="rId3">
+          <a:blip r:embed="rId2">
             <a:extLst>
               <a:ext uri="{28A0092B-C50C-407E-A947-70E740481C1C}">
                 <a14:useLocalDpi xmlns:a14="http://schemas.microsoft.com/office/drawing/2010/main" val="0"/>
@@ -18648,7 +18454,7 @@
           <p:nvPr/>
         </p:nvPicPr>
         <p:blipFill>
-          <a:blip r:embed="rId4">
+          <a:blip r:embed="rId3">
             <a:extLst>
               <a:ext uri="{28A0092B-C50C-407E-A947-70E740481C1C}">
                 <a14:useLocalDpi xmlns:a14="http://schemas.microsoft.com/office/drawing/2010/main" val="0"/>
@@ -18691,7 +18497,7 @@
           <p:nvPr/>
         </p:nvPicPr>
         <p:blipFill>
-          <a:blip r:embed="rId5">
+          <a:blip r:embed="rId4">
             <a:extLst>
               <a:ext uri="{28A0092B-C50C-407E-A947-70E740481C1C}">
                 <a14:useLocalDpi xmlns:a14="http://schemas.microsoft.com/office/drawing/2010/main" val="0"/>
@@ -18734,7 +18540,7 @@
           <p:nvPr/>
         </p:nvPicPr>
         <p:blipFill>
-          <a:blip r:embed="rId6">
+          <a:blip r:embed="rId5">
             <a:extLst>
               <a:ext uri="{28A0092B-C50C-407E-A947-70E740481C1C}">
                 <a14:useLocalDpi xmlns:a14="http://schemas.microsoft.com/office/drawing/2010/main" val="0"/>
@@ -19220,11 +19026,6 @@
       <p:bldP spid="6" grpId="0" animBg="1"/>
     </p:bldLst>
   </p:timing>
-  <p:extLst>
-    <p:ext uri="{6950BFC3-D8DA-4A85-94F7-54DA5524770B}">
-      <p188:commentRel xmlns:p188="http://schemas.microsoft.com/office/powerpoint/2018/8/main" r:id="rId2"/>
-    </p:ext>
-  </p:extLst>
 </p:sld>
 </file>
 
@@ -28591,7 +28392,7 @@
           <p:nvPr/>
         </p:nvPicPr>
         <p:blipFill rotWithShape="1">
-          <a:blip r:embed="rId3">
+          <a:blip r:embed="rId2">
             <a:extLst>
               <a:ext uri="{28A0092B-C50C-407E-A947-70E740481C1C}">
                 <a14:useLocalDpi xmlns:a14="http://schemas.microsoft.com/office/drawing/2010/main" val="0"/>
@@ -29304,11 +29105,6 @@
       <p:bldP spid="8" grpId="0" animBg="1"/>
     </p:bldLst>
   </p:timing>
-  <p:extLst>
-    <p:ext uri="{6950BFC3-D8DA-4A85-94F7-54DA5524770B}">
-      <p188:commentRel xmlns:p188="http://schemas.microsoft.com/office/powerpoint/2018/8/main" r:id="rId2"/>
-    </p:ext>
-  </p:extLst>
 </p:sld>
 </file>
 

--- a/Courses/Software-Sciences/Module-4-Information-Systems-New/05-Connecting-Windows-Forms-with-database/05-Connecting-Windows-Forms-with-database.pptx
+++ b/Courses/Software-Sciences/Module-4-Information-Systems-New/05-Connecting-Windows-Forms-with-database/05-Connecting-Windows-Forms-with-database.pptx
@@ -240,6 +240,32 @@
 </p188:authorLst>
 </file>
 
+<file path=ppt/commentAuthors.xml><?xml version="1.0" encoding="utf-8"?>
+<p:cmAuthorLst xmlns:a="http://schemas.openxmlformats.org/drawingml/2006/main" xmlns:r="http://schemas.openxmlformats.org/officeDocument/2006/relationships" xmlns:p="http://schemas.openxmlformats.org/presentationml/2006/main">
+  <p:cmAuthor id="1" name="PC" initials="P" lastIdx="1" clrIdx="0">
+    <p:extLst>
+      <p:ext uri="{19B8F6BF-5375-455C-9EA6-DF929625EA0E}">
+        <p15:presenceInfo xmlns:p15="http://schemas.microsoft.com/office/powerpoint/2012/main" userId="PC" providerId="None"/>
+      </p:ext>
+    </p:extLst>
+  </p:cmAuthor>
+</p:cmAuthorLst>
+</file>
+
+<file path=ppt/comments/comment1.xml><?xml version="1.0" encoding="utf-8"?>
+<p:cmLst xmlns:a="http://schemas.openxmlformats.org/drawingml/2006/main" xmlns:r="http://schemas.openxmlformats.org/officeDocument/2006/relationships" xmlns:p="http://schemas.openxmlformats.org/presentationml/2006/main">
+  <p:cm authorId="1" dt="2024-10-02T18:48:08.042" idx="1">
+    <p:pos x="10" y="10"/>
+    <p:text>Не е препоръчително снимките на заглавните слайдове да са черни. По-добре е да са бели :). Можеш да просто да invert-неш цвета на снимката</p:text>
+    <p:extLst>
+      <p:ext uri="{C676402C-5697-4E1C-873F-D02D1690AC5C}">
+        <p15:threadingInfo xmlns:p15="http://schemas.microsoft.com/office/powerpoint/2012/main" timeZoneBias="-180"/>
+      </p:ext>
+    </p:extLst>
+  </p:cm>
+</p:cmLst>
+</file>
+
 <file path=ppt/handoutMasters/handoutMaster1.xml><?xml version="1.0" encoding="utf-8"?>
 <p:handoutMaster xmlns:a="http://schemas.openxmlformats.org/drawingml/2006/main" xmlns:r="http://schemas.openxmlformats.org/officeDocument/2006/relationships" xmlns:p="http://schemas.openxmlformats.org/presentationml/2006/main">
   <p:cSld>
@@ -334,7 +360,7 @@
           <a:p>
             <a:fld id="{4E087215-0C8F-4762-A664-737A353EC9A4}" type="datetimeFigureOut">
               <a:rPr lang="bg-BG" smtClean="0"/>
-              <a:t>30.09.24 г.</a:t>
+              <a:t>2.10.2024 г.</a:t>
             </a:fld>
             <a:endParaRPr lang="bg-BG"/>
           </a:p>
@@ -530,7 +556,7 @@
           <a:p>
             <a:fld id="{72D84649-876A-46C9-8472-14CB09C070D8}" type="datetimeFigureOut">
               <a:rPr lang="en-US" smtClean="0"/>
-              <a:t>9/30/24</a:t>
+              <a:t>10/2/2024</a:t>
             </a:fld>
             <a:endParaRPr lang="en-US"/>
           </a:p>
@@ -8268,7 +8294,7 @@
           <p:nvPr/>
         </p:nvPicPr>
         <p:blipFill>
-          <a:blip r:embed="rId5">
+          <a:blip r:embed="rId5" cstate="hqprint">
             <a:extLst>
               <a:ext uri="{28A0092B-C50C-407E-A947-70E740481C1C}">
                 <a14:useLocalDpi xmlns:a14="http://schemas.microsoft.com/office/drawing/2010/main" val="0"/>
@@ -8316,6 +8342,13 @@
       <p:transition spd="slow" advClick="0" advTm="5000"/>
     </mc:Fallback>
   </mc:AlternateContent>
+  <p:timing>
+    <p:tnLst>
+      <p:par>
+        <p:cTn id="1" dur="indefinite" restart="never" nodeType="tmRoot"/>
+      </p:par>
+    </p:tnLst>
+  </p:timing>
 </p:sld>
 </file>
 
@@ -8644,7 +8677,7 @@
           <p:nvPr/>
         </p:nvPicPr>
         <p:blipFill>
-          <a:blip r:embed="rId2">
+          <a:blip r:embed="rId2" cstate="hqprint">
             <a:extLst>
               <a:ext uri="{28A0092B-C50C-407E-A947-70E740481C1C}">
                 <a14:useLocalDpi xmlns:a14="http://schemas.microsoft.com/office/drawing/2010/main" val="0"/>
@@ -10673,33 +10706,15 @@
                                   </p:childTnLst>
                                 </p:cTn>
                               </p:par>
-                            </p:childTnLst>
-                          </p:cTn>
-                        </p:par>
-                      </p:childTnLst>
-                    </p:cTn>
-                  </p:par>
-                  <p:par>
-                    <p:cTn id="33" fill="hold">
-                      <p:stCondLst>
-                        <p:cond delay="indefinite"/>
-                      </p:stCondLst>
-                      <p:childTnLst>
-                        <p:par>
-                          <p:cTn id="34" fill="hold">
-                            <p:stCondLst>
-                              <p:cond delay="0"/>
-                            </p:stCondLst>
-                            <p:childTnLst>
                               <p:par>
-                                <p:cTn id="35" presetID="1" presetClass="entr" presetSubtype="0" fill="hold" nodeType="clickEffect">
+                                <p:cTn id="33" presetID="1" presetClass="entr" presetSubtype="0" fill="hold" nodeType="withEffect">
                                   <p:stCondLst>
                                     <p:cond delay="0"/>
                                   </p:stCondLst>
                                   <p:childTnLst>
                                     <p:set>
                                       <p:cBhvr>
-                                        <p:cTn id="36" dur="1" fill="hold">
+                                        <p:cTn id="34" dur="1" fill="hold">
                                           <p:stCondLst>
                                             <p:cond delay="0"/>
                                           </p:stCondLst>
@@ -10844,7 +10859,7 @@
           <p:nvPr/>
         </p:nvPicPr>
         <p:blipFill>
-          <a:blip r:embed="rId3">
+          <a:blip r:embed="rId3" cstate="hqprint">
             <a:extLst>
               <a:ext uri="{28A0092B-C50C-407E-A947-70E740481C1C}">
                 <a14:useLocalDpi xmlns:a14="http://schemas.microsoft.com/office/drawing/2010/main" val="0"/>
@@ -10883,6 +10898,13 @@
       <p:transition spd="slow" advClick="0" advTm="5000"/>
     </mc:Fallback>
   </mc:AlternateContent>
+  <p:timing>
+    <p:tnLst>
+      <p:par>
+        <p:cTn id="1" dur="indefinite" restart="never" nodeType="tmRoot"/>
+      </p:par>
+    </p:tnLst>
+  </p:timing>
 </p:sld>
 </file>
 
@@ -13235,6 +13257,13 @@
       <p:transition spd="slow" advClick="0" advTm="5000"/>
     </mc:Fallback>
   </mc:AlternateContent>
+  <p:timing>
+    <p:tnLst>
+      <p:par>
+        <p:cTn id="1" dur="indefinite" restart="never" nodeType="tmRoot"/>
+      </p:par>
+    </p:tnLst>
+  </p:timing>
 </p:sld>
 </file>
 
@@ -13880,6 +13909,13 @@
       <p:transition spd="slow" advClick="0" advTm="5000"/>
     </mc:Fallback>
   </mc:AlternateContent>
+  <p:timing>
+    <p:tnLst>
+      <p:par>
+        <p:cTn id="1" dur="indefinite" restart="never" nodeType="tmRoot"/>
+      </p:par>
+    </p:tnLst>
+  </p:timing>
 </p:sld>
 </file>
 
@@ -17662,6 +17698,13 @@
       <p:transition spd="slow" advClick="0" advTm="5000"/>
     </mc:Fallback>
   </mc:AlternateContent>
+  <p:timing>
+    <p:tnLst>
+      <p:par>
+        <p:cTn id="1" dur="indefinite" restart="never" nodeType="tmRoot"/>
+      </p:par>
+    </p:tnLst>
+  </p:timing>
 </p:sld>
 </file>
 
@@ -20883,7 +20926,7 @@
           <p:nvPr/>
         </p:nvPicPr>
         <p:blipFill>
-          <a:blip r:embed="rId3">
+          <a:blip r:embed="rId3" cstate="hqprint">
             <a:extLst>
               <a:ext uri="{28A0092B-C50C-407E-A947-70E740481C1C}">
                 <a14:useLocalDpi xmlns:a14="http://schemas.microsoft.com/office/drawing/2010/main" val="0"/>
@@ -20922,6 +20965,13 @@
       <p:transition spd="slow" advClick="0" advTm="5000"/>
     </mc:Fallback>
   </mc:AlternateContent>
+  <p:timing>
+    <p:tnLst>
+      <p:par>
+        <p:cTn id="1" dur="indefinite" restart="never" nodeType="tmRoot"/>
+      </p:par>
+    </p:tnLst>
+  </p:timing>
 </p:sld>
 </file>
 
@@ -22039,33 +22089,15 @@
                                   </p:childTnLst>
                                 </p:cTn>
                               </p:par>
-                            </p:childTnLst>
-                          </p:cTn>
-                        </p:par>
-                      </p:childTnLst>
-                    </p:cTn>
-                  </p:par>
-                  <p:par>
-                    <p:cTn id="19" fill="hold">
-                      <p:stCondLst>
-                        <p:cond delay="indefinite"/>
-                      </p:stCondLst>
-                      <p:childTnLst>
-                        <p:par>
-                          <p:cTn id="20" fill="hold">
-                            <p:stCondLst>
-                              <p:cond delay="0"/>
-                            </p:stCondLst>
-                            <p:childTnLst>
                               <p:par>
-                                <p:cTn id="21" presetID="1" presetClass="entr" presetSubtype="0" fill="hold" nodeType="clickEffect">
+                                <p:cTn id="19" presetID="1" presetClass="entr" presetSubtype="0" fill="hold" nodeType="withEffect">
                                   <p:stCondLst>
                                     <p:cond delay="0"/>
                                   </p:stCondLst>
                                   <p:childTnLst>
                                     <p:set>
                                       <p:cBhvr>
-                                        <p:cTn id="22" dur="1" fill="hold">
+                                        <p:cTn id="20" dur="1" fill="hold">
                                           <p:stCondLst>
                                             <p:cond delay="0"/>
                                           </p:stCondLst>
@@ -25293,7 +25325,7 @@
                 <a:hlinkClick r:id="rId3">
                   <a:extLst>
                     <a:ext uri="{A12FA001-AC4F-418D-AE19-62706E023703}">
-                      <ahyp:hlinkClr xmlns:ahyp="http://schemas.microsoft.com/office/drawing/2018/hyperlinkcolor" val="tx"/>
+                      <ahyp:hlinkClr xmlns:ahyp="http://schemas.microsoft.com/office/drawing/2018/hyperlinkcolor" xmlns="" val="tx"/>
                     </a:ext>
                   </a:extLst>
                 </a:hlinkClick>
@@ -25366,6 +25398,13 @@
       <p:transition spd="slow" advClick="0" advTm="5000"/>
     </mc:Fallback>
   </mc:AlternateContent>
+  <p:timing>
+    <p:tnLst>
+      <p:par>
+        <p:cTn id="1" dur="indefinite" restart="never" nodeType="tmRoot"/>
+      </p:par>
+    </p:tnLst>
+  </p:timing>
 </p:sld>
 </file>
 
@@ -28659,8 +28698,8 @@
         </p:nvSpPr>
         <p:spPr bwMode="auto">
           <a:xfrm>
-            <a:off x="929152" y="5999968"/>
-            <a:ext cx="4396551" cy="533648"/>
+            <a:off x="2181000" y="5999968"/>
+            <a:ext cx="3144703" cy="533648"/>
           </a:xfrm>
           <a:prstGeom prst="wedgeRoundRectCallout">
             <a:avLst>
@@ -28772,8 +28811,8 @@
         </p:nvSpPr>
         <p:spPr bwMode="auto">
           <a:xfrm>
-            <a:off x="1056000" y="3192624"/>
-            <a:ext cx="4510845" cy="530182"/>
+            <a:off x="2586000" y="3192624"/>
+            <a:ext cx="2890845" cy="530182"/>
           </a:xfrm>
           <a:prstGeom prst="wedgeRoundRectCallout">
             <a:avLst>
@@ -29196,7 +29235,7 @@
           <p:nvPr/>
         </p:nvPicPr>
         <p:blipFill>
-          <a:blip r:embed="rId3">
+          <a:blip r:embed="rId3" cstate="hqprint">
             <a:extLst>
               <a:ext uri="{28A0092B-C50C-407E-A947-70E740481C1C}">
                 <a14:useLocalDpi xmlns:a14="http://schemas.microsoft.com/office/drawing/2010/main" val="0"/>
@@ -29235,6 +29274,13 @@
       <p:transition spd="slow" advClick="0" advTm="5000"/>
     </mc:Fallback>
   </mc:AlternateContent>
+  <p:timing>
+    <p:tnLst>
+      <p:par>
+        <p:cTn id="1" dur="indefinite" restart="never" nodeType="tmRoot"/>
+      </p:par>
+    </p:tnLst>
+  </p:timing>
 </p:sld>
 </file>
 

--- a/Courses/Software-Sciences/Module-4-Information-Systems-New/05-Connecting-Windows-Forms-with-database/05-Connecting-Windows-Forms-with-database.pptx
+++ b/Courses/Software-Sciences/Module-4-Information-Systems-New/05-Connecting-Windows-Forms-with-database/05-Connecting-Windows-Forms-with-database.pptx
@@ -252,20 +252,6 @@
 </p:cmAuthorLst>
 </file>
 
-<file path=ppt/comments/comment1.xml><?xml version="1.0" encoding="utf-8"?>
-<p:cmLst xmlns:a="http://schemas.openxmlformats.org/drawingml/2006/main" xmlns:r="http://schemas.openxmlformats.org/officeDocument/2006/relationships" xmlns:p="http://schemas.openxmlformats.org/presentationml/2006/main">
-  <p:cm authorId="1" dt="2024-10-02T18:48:08.042" idx="1">
-    <p:pos x="10" y="10"/>
-    <p:text>Не е препоръчително снимките на заглавните слайдове да са черни. По-добре е да са бели :). Можеш да просто да invert-неш цвета на снимката</p:text>
-    <p:extLst>
-      <p:ext uri="{C676402C-5697-4E1C-873F-D02D1690AC5C}">
-        <p15:threadingInfo xmlns:p15="http://schemas.microsoft.com/office/powerpoint/2012/main" timeZoneBias="-180"/>
-      </p:ext>
-    </p:extLst>
-  </p:cm>
-</p:cmLst>
-</file>
-
 <file path=ppt/handoutMasters/handoutMaster1.xml><?xml version="1.0" encoding="utf-8"?>
 <p:handoutMaster xmlns:a="http://schemas.openxmlformats.org/drawingml/2006/main" xmlns:r="http://schemas.openxmlformats.org/officeDocument/2006/relationships" xmlns:p="http://schemas.openxmlformats.org/presentationml/2006/main">
   <p:cSld>
@@ -360,7 +346,7 @@
           <a:p>
             <a:fld id="{4E087215-0C8F-4762-A664-737A353EC9A4}" type="datetimeFigureOut">
               <a:rPr lang="bg-BG" smtClean="0"/>
-              <a:t>2.10.2024 г.</a:t>
+              <a:t>3.10.24 г.</a:t>
             </a:fld>
             <a:endParaRPr lang="bg-BG"/>
           </a:p>
@@ -556,7 +542,7 @@
           <a:p>
             <a:fld id="{72D84649-876A-46C9-8472-14CB09C070D8}" type="datetimeFigureOut">
               <a:rPr lang="en-US" smtClean="0"/>
-              <a:t>10/2/2024</a:t>
+              <a:t>10/3/24</a:t>
             </a:fld>
             <a:endParaRPr lang="en-US"/>
           </a:p>
@@ -8342,13 +8328,6 @@
       <p:transition spd="slow" advClick="0" advTm="5000"/>
     </mc:Fallback>
   </mc:AlternateContent>
-  <p:timing>
-    <p:tnLst>
-      <p:par>
-        <p:cTn id="1" dur="indefinite" restart="never" nodeType="tmRoot"/>
-      </p:par>
-    </p:tnLst>
-  </p:timing>
 </p:sld>
 </file>
 
@@ -10859,21 +10838,20 @@
           <p:nvPr/>
         </p:nvPicPr>
         <p:blipFill>
-          <a:blip r:embed="rId3" cstate="hqprint">
+          <a:blip r:embed="rId3">
             <a:extLst>
               <a:ext uri="{28A0092B-C50C-407E-A947-70E740481C1C}">
                 <a14:useLocalDpi xmlns:a14="http://schemas.microsoft.com/office/drawing/2010/main" val="0"/>
               </a:ext>
             </a:extLst>
           </a:blip>
-          <a:stretch>
-            <a:fillRect/>
-          </a:stretch>
+          <a:srcRect/>
+          <a:stretch/>
         </p:blipFill>
         <p:spPr>
           <a:xfrm>
-            <a:off x="4858500" y="1385091"/>
-            <a:ext cx="2475000" cy="2480815"/>
+            <a:off x="4807073" y="1379815"/>
+            <a:ext cx="2577853" cy="2583909"/>
           </a:xfrm>
           <a:prstGeom prst="rect">
             <a:avLst/>
@@ -10898,13 +10876,6 @@
       <p:transition spd="slow" advClick="0" advTm="5000"/>
     </mc:Fallback>
   </mc:AlternateContent>
-  <p:timing>
-    <p:tnLst>
-      <p:par>
-        <p:cTn id="1" dur="indefinite" restart="never" nodeType="tmRoot"/>
-      </p:par>
-    </p:tnLst>
-  </p:timing>
 </p:sld>
 </file>
 
@@ -13257,13 +13228,6 @@
       <p:transition spd="slow" advClick="0" advTm="5000"/>
     </mc:Fallback>
   </mc:AlternateContent>
-  <p:timing>
-    <p:tnLst>
-      <p:par>
-        <p:cTn id="1" dur="indefinite" restart="never" nodeType="tmRoot"/>
-      </p:par>
-    </p:tnLst>
-  </p:timing>
 </p:sld>
 </file>
 
@@ -13909,13 +13873,6 @@
       <p:transition spd="slow" advClick="0" advTm="5000"/>
     </mc:Fallback>
   </mc:AlternateContent>
-  <p:timing>
-    <p:tnLst>
-      <p:par>
-        <p:cTn id="1" dur="indefinite" restart="never" nodeType="tmRoot"/>
-      </p:par>
-    </p:tnLst>
-  </p:timing>
 </p:sld>
 </file>
 
@@ -17698,13 +17655,6 @@
       <p:transition spd="slow" advClick="0" advTm="5000"/>
     </mc:Fallback>
   </mc:AlternateContent>
-  <p:timing>
-    <p:tnLst>
-      <p:par>
-        <p:cTn id="1" dur="indefinite" restart="never" nodeType="tmRoot"/>
-      </p:par>
-    </p:tnLst>
-  </p:timing>
 </p:sld>
 </file>
 
@@ -20965,13 +20915,6 @@
       <p:transition spd="slow" advClick="0" advTm="5000"/>
     </mc:Fallback>
   </mc:AlternateContent>
-  <p:timing>
-    <p:tnLst>
-      <p:par>
-        <p:cTn id="1" dur="indefinite" restart="never" nodeType="tmRoot"/>
-      </p:par>
-    </p:tnLst>
-  </p:timing>
 </p:sld>
 </file>
 
@@ -25325,7 +25268,7 @@
                 <a:hlinkClick r:id="rId3">
                   <a:extLst>
                     <a:ext uri="{A12FA001-AC4F-418D-AE19-62706E023703}">
-                      <ahyp:hlinkClr xmlns:ahyp="http://schemas.microsoft.com/office/drawing/2018/hyperlinkcolor" xmlns="" val="tx"/>
+                      <ahyp:hlinkClr xmlns:ahyp="http://schemas.microsoft.com/office/drawing/2018/hyperlinkcolor" val="tx"/>
                     </a:ext>
                   </a:extLst>
                 </a:hlinkClick>
@@ -25398,13 +25341,6 @@
       <p:transition spd="slow" advClick="0" advTm="5000"/>
     </mc:Fallback>
   </mc:AlternateContent>
-  <p:timing>
-    <p:tnLst>
-      <p:par>
-        <p:cTn id="1" dur="indefinite" restart="never" nodeType="tmRoot"/>
-      </p:par>
-    </p:tnLst>
-  </p:timing>
 </p:sld>
 </file>
 
@@ -29274,13 +29210,6 @@
       <p:transition spd="slow" advClick="0" advTm="5000"/>
     </mc:Fallback>
   </mc:AlternateContent>
-  <p:timing>
-    <p:tnLst>
-      <p:par>
-        <p:cTn id="1" dur="indefinite" restart="never" nodeType="tmRoot"/>
-      </p:par>
-    </p:tnLst>
-  </p:timing>
 </p:sld>
 </file>
 

--- a/Courses/Software-Sciences/Module-4-Information-Systems-New/05-Connecting-Windows-Forms-with-database/05-Connecting-Windows-Forms-with-database.pptx
+++ b/Courses/Software-Sciences/Module-4-Information-Systems-New/05-Connecting-Windows-Forms-with-database/05-Connecting-Windows-Forms-with-database.pptx
@@ -173,7 +173,7 @@
             <p14:sldId id="737"/>
           </p14:sldIdLst>
         </p14:section>
-        <p14:section name="Какво е BindingSource?" id="{AFC16A30-BF7E-814F-B666-1FF65A35CC5C}">
+        <p14:section name="BindingSource" id="{AFC16A30-BF7E-814F-B666-1FF65A35CC5C}">
           <p14:sldIdLst>
             <p14:sldId id="746"/>
             <p14:sldId id="750"/>
@@ -14144,10 +14144,6 @@
           </a:p>
           <a:p>
             <a:r>
-              <a:rPr lang="bg-BG" sz="3400" dirty="0"/>
-              <a:t>Какво е </a:t>
-            </a:r>
-            <a:r>
               <a:rPr lang="en-US" sz="3400" dirty="0"/>
               <a:t>​</a:t>
             </a:r>
@@ -14159,10 +14155,7 @@
               </a:rPr>
               <a:t>DataGridView</a:t>
             </a:r>
-            <a:r>
-              <a:rPr lang="bg-BG" sz="3400" dirty="0"/>
-              <a:t>?</a:t>
-            </a:r>
+            <a:endParaRPr lang="bg-BG" sz="3400" dirty="0"/>
           </a:p>
           <a:p>
             <a:pPr lvl="1"/>
@@ -14189,8 +14182,8 @@
           </a:p>
           <a:p>
             <a:r>
-              <a:rPr lang="bg-BG" sz="3400" dirty="0"/>
-              <a:t>Какво е </a:t>
+              <a:rPr lang="en-US" sz="3400" dirty="0"/>
+              <a:t>​</a:t>
             </a:r>
             <a:r>
               <a:rPr lang="en-US" sz="3400" b="1" dirty="0">
@@ -14200,10 +14193,7 @@
               </a:rPr>
               <a:t>BindingSource</a:t>
             </a:r>
-            <a:r>
-              <a:rPr lang="en-US" sz="3400" dirty="0"/>
-              <a:t>?</a:t>
-            </a:r>
+            <a:endParaRPr lang="en-US" sz="3400" dirty="0"/>
           </a:p>
           <a:p>
             <a:pPr lvl="1"/>

--- a/Courses/Software-Sciences/Module-4-Information-Systems-New/05-Connecting-Windows-Forms-with-database/05-Connecting-Windows-Forms-with-database.pptx
+++ b/Courses/Software-Sciences/Module-4-Information-Systems-New/05-Connecting-Windows-Forms-with-database/05-Connecting-Windows-Forms-with-database.pptx
@@ -346,7 +346,7 @@
           <a:p>
             <a:fld id="{4E087215-0C8F-4762-A664-737A353EC9A4}" type="datetimeFigureOut">
               <a:rPr lang="bg-BG" smtClean="0"/>
-              <a:t>3.10.24 г.</a:t>
+              <a:t>20.11.24 г.</a:t>
             </a:fld>
             <a:endParaRPr lang="bg-BG"/>
           </a:p>
@@ -542,7 +542,7 @@
           <a:p>
             <a:fld id="{72D84649-876A-46C9-8472-14CB09C070D8}" type="datetimeFigureOut">
               <a:rPr lang="en-US" smtClean="0"/>
-              <a:t>10/3/24</a:t>
+              <a:t>11/20/24</a:t>
             </a:fld>
             <a:endParaRPr lang="en-US"/>
           </a:p>

--- a/Courses/Software-Sciences/Module-4-Information-Systems-New/05-Connecting-Windows-Forms-with-database/05-Connecting-Windows-Forms-with-database.pptx
+++ b/Courses/Software-Sciences/Module-4-Information-Systems-New/05-Connecting-Windows-Forms-with-database/05-Connecting-Windows-Forms-with-database.pptx
@@ -346,7 +346,7 @@
           <a:p>
             <a:fld id="{4E087215-0C8F-4762-A664-737A353EC9A4}" type="datetimeFigureOut">
               <a:rPr lang="bg-BG" smtClean="0"/>
-              <a:t>20.11.24 г.</a:t>
+              <a:t>17.12.24 г.</a:t>
             </a:fld>
             <a:endParaRPr lang="bg-BG"/>
           </a:p>
@@ -542,7 +542,7 @@
           <a:p>
             <a:fld id="{72D84649-876A-46C9-8472-14CB09C070D8}" type="datetimeFigureOut">
               <a:rPr lang="en-US" smtClean="0"/>
-              <a:t>11/20/24</a:t>
+              <a:t>12/17/24</a:t>
             </a:fld>
             <a:endParaRPr lang="en-US"/>
           </a:p>
@@ -22350,7 +22350,7 @@
                 <a:latin typeface="Consolas" panose="020B0609020204030204" pitchFamily="49" charset="0"/>
                 <a:cs typeface="Consolas" panose="020B0609020204030204" pitchFamily="49" charset="0"/>
               </a:rPr>
-              <a:t>private Product[] </a:t>
+              <a:t>private List&lt;Product&gt; </a:t>
             </a:r>
             <a:r>
               <a:rPr lang="en-GB" b="1" dirty="0">
@@ -22420,10 +22420,17 @@
                 <a:latin typeface="Consolas" panose="020B0609020204030204" pitchFamily="49" charset="0"/>
                 <a:cs typeface="Consolas" panose="020B0609020204030204" pitchFamily="49" charset="0"/>
               </a:rPr>
-              <a:t>        return db.</a:t>
-            </a:r>
-            <a:r>
-              <a:rPr lang="en-GB" b="1" dirty="0">
+              <a:t>        return </a:t>
+            </a:r>
+            <a:r>
+              <a:rPr lang="en-GB" b="1" dirty="0" err="1">
+                <a:latin typeface="Consolas" panose="020B0609020204030204" pitchFamily="49" charset="0"/>
+                <a:cs typeface="Consolas" panose="020B0609020204030204" pitchFamily="49" charset="0"/>
+              </a:rPr>
+              <a:t>db.</a:t>
+            </a:r>
+            <a:r>
+              <a:rPr lang="en-GB" b="1" dirty="0" err="1">
                 <a:solidFill>
                   <a:schemeClr val="bg1"/>
                 </a:solidFill>
@@ -22433,11 +22440,18 @@
               <a:t>Products</a:t>
             </a:r>
             <a:r>
+              <a:rPr lang="en-GB" b="1" dirty="0" err="1">
+                <a:latin typeface="Consolas" panose="020B0609020204030204" pitchFamily="49" charset="0"/>
+                <a:cs typeface="Consolas" panose="020B0609020204030204" pitchFamily="49" charset="0"/>
+              </a:rPr>
+              <a:t>.ToList</a:t>
+            </a:r>
+            <a:r>
               <a:rPr lang="en-GB" b="1" dirty="0">
                 <a:latin typeface="Consolas" panose="020B0609020204030204" pitchFamily="49" charset="0"/>
                 <a:cs typeface="Consolas" panose="020B0609020204030204" pitchFamily="49" charset="0"/>
               </a:rPr>
-              <a:t>.ToArray();</a:t>
+              <a:t>();</a:t>
             </a:r>
           </a:p>
           <a:p>

--- a/Courses/Software-Sciences/Module-4-Information-Systems-New/05-Connecting-Windows-Forms-with-database/05-Connecting-Windows-Forms-with-database.pptx
+++ b/Courses/Software-Sciences/Module-4-Information-Systems-New/05-Connecting-Windows-Forms-with-database/05-Connecting-Windows-Forms-with-database.pptx
@@ -346,7 +346,7 @@
           <a:p>
             <a:fld id="{4E087215-0C8F-4762-A664-737A353EC9A4}" type="datetimeFigureOut">
               <a:rPr lang="bg-BG" smtClean="0"/>
-              <a:t>17.12.24 г.</a:t>
+              <a:t>19.12.24 г.</a:t>
             </a:fld>
             <a:endParaRPr lang="bg-BG"/>
           </a:p>
@@ -542,7 +542,7 @@
           <a:p>
             <a:fld id="{72D84649-876A-46C9-8472-14CB09C070D8}" type="datetimeFigureOut">
               <a:rPr lang="en-US" smtClean="0"/>
-              <a:t>12/17/24</a:t>
+              <a:t>12/19/24</a:t>
             </a:fld>
             <a:endParaRPr lang="en-US"/>
           </a:p>
@@ -15423,7 +15423,7 @@
         <p:spPr>
           <a:xfrm>
             <a:off x="190402" y="1196125"/>
-            <a:ext cx="7435598" cy="5528766"/>
+            <a:ext cx="7795598" cy="5528766"/>
           </a:xfrm>
         </p:spPr>
         <p:txBody>
@@ -15433,11 +15433,11 @@
           <a:lstStyle/>
           <a:p>
             <a:r>
-              <a:rPr lang="bg-BG" sz="2800" dirty="0"/>
+              <a:rPr lang="bg-BG" sz="3000" dirty="0"/>
               <a:t>Избираме да създадем </a:t>
             </a:r>
             <a:r>
-              <a:rPr lang="bg-BG" sz="2800" b="1" dirty="0">
+              <a:rPr lang="bg-BG" sz="3000" b="1" dirty="0">
                 <a:solidFill>
                   <a:schemeClr val="bg1"/>
                 </a:solidFill>
@@ -15445,17 +15445,17 @@
               <a:t>нова</a:t>
             </a:r>
             <a:r>
-              <a:rPr lang="bg-BG" sz="2800" dirty="0"/>
+              <a:rPr lang="bg-BG" sz="3000" dirty="0"/>
               <a:t> база данни</a:t>
             </a:r>
           </a:p>
           <a:p>
             <a:r>
-              <a:rPr lang="bg-BG" sz="2800" dirty="0"/>
+              <a:rPr lang="bg-BG" sz="3000" dirty="0"/>
               <a:t>В </a:t>
             </a:r>
             <a:r>
-              <a:rPr lang="en-US" sz="2800" b="1" dirty="0">
+              <a:rPr lang="en-US" sz="3000" b="1" dirty="0">
                 <a:solidFill>
                   <a:schemeClr val="bg1"/>
                 </a:solidFill>
@@ -15463,7 +15463,7 @@
               <a:t>Server Explorer</a:t>
             </a:r>
             <a:r>
-              <a:rPr lang="bg-BG" sz="2800" b="1" dirty="0">
+              <a:rPr lang="bg-BG" sz="3000" b="1" dirty="0">
                 <a:solidFill>
                   <a:schemeClr val="bg1"/>
                 </a:solidFill>
@@ -15471,11 +15471,11 @@
               <a:t> </a:t>
             </a:r>
             <a:r>
-              <a:rPr lang="en-US" sz="2800" dirty="0"/>
+              <a:rPr lang="en-US" sz="3000" dirty="0"/>
               <a:t>→ </a:t>
             </a:r>
             <a:r>
-              <a:rPr lang="en-US" sz="2800" b="1" dirty="0">
+              <a:rPr lang="en-US" sz="3000" b="1" dirty="0">
                 <a:solidFill>
                   <a:schemeClr val="bg1"/>
                 </a:solidFill>
@@ -15483,11 +15483,11 @@
               <a:t>StoreDb</a:t>
             </a:r>
             <a:r>
-              <a:rPr lang="en-US" sz="2800" dirty="0"/>
+              <a:rPr lang="en-US" sz="3000" dirty="0"/>
               <a:t> →</a:t>
             </a:r>
             <a:r>
-              <a:rPr lang="en-US" sz="2800" b="1" dirty="0">
+              <a:rPr lang="en-US" sz="3000" b="1" dirty="0">
                 <a:solidFill>
                   <a:schemeClr val="bg1"/>
                 </a:solidFill>
@@ -15495,11 +15495,11 @@
               <a:t> </a:t>
             </a:r>
             <a:r>
-              <a:rPr lang="en-US" sz="2800" b="1" dirty="0"/>
+              <a:rPr lang="en-US" sz="3000" b="1" dirty="0"/>
               <a:t>[</a:t>
             </a:r>
             <a:r>
-              <a:rPr lang="en-US" sz="2800" b="1" dirty="0">
+              <a:rPr lang="en-US" sz="3000" b="1" dirty="0">
                 <a:solidFill>
                   <a:schemeClr val="bg1"/>
                 </a:solidFill>
@@ -15507,17 +15507,17 @@
               <a:t>New Query</a:t>
             </a:r>
             <a:r>
-              <a:rPr lang="en-US" sz="2800" b="1" dirty="0"/>
+              <a:rPr lang="en-US" sz="3000" b="1" dirty="0"/>
               <a:t>]</a:t>
             </a:r>
           </a:p>
           <a:p>
             <a:r>
-              <a:rPr lang="bg-BG" sz="2800" dirty="0"/>
+              <a:rPr lang="bg-BG" sz="3000" dirty="0"/>
               <a:t>Изпълняваме дадения </a:t>
             </a:r>
             <a:r>
-              <a:rPr lang="en-US" sz="2800" b="1" dirty="0">
+              <a:rPr lang="en-US" sz="3000" b="1" dirty="0">
                 <a:solidFill>
                   <a:schemeClr val="bg1"/>
                 </a:solidFill>
@@ -15525,7 +15525,7 @@
               <a:t>SQL </a:t>
             </a:r>
             <a:r>
-              <a:rPr lang="bg-BG" sz="2800" b="1" dirty="0">
+              <a:rPr lang="bg-BG" sz="3000" b="1" dirty="0">
                 <a:solidFill>
                   <a:schemeClr val="bg1"/>
                 </a:solidFill>
@@ -16208,7 +16208,7 @@
                   <a:schemeClr val="bg1"/>
                 </a:solidFill>
               </a:rPr>
-              <a:t>EF </a:t>
+              <a:t>EF Core </a:t>
             </a:r>
             <a:r>
               <a:rPr lang="bg-BG" sz="3200" b="1" dirty="0">
@@ -18213,7 +18213,7 @@
           <a:lstStyle/>
           <a:p>
             <a:r>
-              <a:rPr lang="bg-BG" sz="2800" b="1" dirty="0">
+              <a:rPr lang="bg-BG" sz="3000" b="1" dirty="0">
                 <a:solidFill>
                   <a:schemeClr val="bg1"/>
                 </a:solidFill>
@@ -18221,19 +18221,19 @@
               <a:t>Билдваме</a:t>
             </a:r>
             <a:r>
-              <a:rPr lang="bg-BG" sz="2800" dirty="0"/>
+              <a:rPr lang="bg-BG" sz="3000" dirty="0"/>
               <a:t> проекта</a:t>
             </a:r>
             <a:r>
-              <a:rPr lang="en-US" sz="2800" dirty="0"/>
+              <a:rPr lang="en-US" sz="3000" dirty="0"/>
               <a:t> </a:t>
             </a:r>
             <a:r>
-              <a:rPr lang="en-US" sz="2800" b="1" dirty="0"/>
+              <a:rPr lang="en-US" sz="3000" b="1" dirty="0"/>
               <a:t>[</a:t>
             </a:r>
             <a:r>
-              <a:rPr lang="en-US" sz="2800" b="1" dirty="0">
+              <a:rPr lang="en-US" sz="3000" b="1" dirty="0">
                 <a:solidFill>
                   <a:schemeClr val="bg1"/>
                 </a:solidFill>
@@ -18241,15 +18241,15 @@
               <a:t>Ctrl + Shift + B</a:t>
             </a:r>
             <a:r>
-              <a:rPr lang="en-US" sz="2800" b="1" dirty="0"/>
+              <a:rPr lang="en-US" sz="3000" b="1" dirty="0"/>
               <a:t>]</a:t>
             </a:r>
             <a:r>
-              <a:rPr lang="en-US" sz="2800" dirty="0"/>
+              <a:rPr lang="en-US" sz="3000" dirty="0"/>
               <a:t>,</a:t>
             </a:r>
             <a:r>
-              <a:rPr lang="en-US" sz="2800" dirty="0">
+              <a:rPr lang="en-US" sz="3000" dirty="0">
                 <a:solidFill>
                   <a:schemeClr val="bg1"/>
                 </a:solidFill>
@@ -18257,18 +18257,18 @@
               <a:t> </a:t>
             </a:r>
             <a:r>
-              <a:rPr lang="bg-BG" sz="2800" dirty="0"/>
+              <a:rPr lang="bg-BG" sz="3000" dirty="0"/>
               <a:t>за да заредим моделите</a:t>
             </a:r>
-            <a:endParaRPr lang="bg-BG" sz="2800" b="1" dirty="0"/>
-          </a:p>
-          <a:p>
-            <a:r>
-              <a:rPr lang="bg-BG" sz="2800" dirty="0"/>
+            <a:endParaRPr lang="bg-BG" sz="3000" b="1" dirty="0"/>
+          </a:p>
+          <a:p>
+            <a:r>
+              <a:rPr lang="bg-BG" sz="3000" dirty="0"/>
               <a:t>Кликаме на </a:t>
             </a:r>
             <a:r>
-              <a:rPr lang="en-US" sz="2800" b="1" dirty="0">
+              <a:rPr lang="en-US" sz="3000" b="1" dirty="0">
                 <a:solidFill>
                   <a:schemeClr val="bg1"/>
                 </a:solidFill>
@@ -18276,41 +18276,41 @@
               <a:t>action</a:t>
             </a:r>
             <a:r>
-              <a:rPr lang="en-US" sz="2800" dirty="0"/>
+              <a:rPr lang="en-US" sz="3000" dirty="0"/>
               <a:t> </a:t>
             </a:r>
             <a:r>
-              <a:rPr lang="bg-BG" sz="2800" dirty="0"/>
+              <a:rPr lang="bg-BG" sz="3000" dirty="0"/>
               <a:t>бутона в </a:t>
             </a:r>
             <a:r>
-              <a:rPr lang="bg-BG" sz="2800" b="1" dirty="0"/>
+              <a:rPr lang="bg-BG" sz="3000" b="1" dirty="0"/>
               <a:t>горния десен ъгъл </a:t>
             </a:r>
             <a:r>
-              <a:rPr lang="bg-BG" sz="2800" dirty="0"/>
+              <a:rPr lang="bg-BG" sz="3000" dirty="0"/>
               <a:t>на </a:t>
             </a:r>
             <a:r>
-              <a:rPr lang="bg-BG" sz="2800" b="1" dirty="0"/>
+              <a:rPr lang="bg-BG" sz="3000" b="1" dirty="0"/>
               <a:t>контролата</a:t>
             </a:r>
           </a:p>
           <a:p>
             <a:r>
-              <a:rPr lang="bg-BG" sz="2800" dirty="0"/>
+              <a:rPr lang="bg-BG" sz="3000" dirty="0"/>
               <a:t>Избираме</a:t>
             </a:r>
             <a:r>
-              <a:rPr lang="bg-BG" sz="2800" b="1" dirty="0"/>
+              <a:rPr lang="bg-BG" sz="3000" b="1" dirty="0"/>
               <a:t> </a:t>
             </a:r>
             <a:r>
-              <a:rPr lang="en-US" sz="2800" b="1" dirty="0"/>
+              <a:rPr lang="en-US" sz="3000" b="1" dirty="0"/>
               <a:t>[</a:t>
             </a:r>
             <a:r>
-              <a:rPr lang="en-US" sz="2800" b="1" dirty="0">
+              <a:rPr lang="en-US" sz="3000" b="1" dirty="0">
                 <a:solidFill>
                   <a:schemeClr val="bg1"/>
                 </a:solidFill>
@@ -18318,21 +18318,21 @@
               <a:t>Choose Data Source</a:t>
             </a:r>
             <a:r>
-              <a:rPr lang="en-US" sz="2800" b="1" dirty="0"/>
+              <a:rPr lang="en-US" sz="3000" b="1" dirty="0"/>
               <a:t>]</a:t>
             </a:r>
           </a:p>
           <a:p>
             <a:r>
-              <a:rPr lang="bg-BG" sz="2800" dirty="0"/>
+              <a:rPr lang="bg-BG" sz="3000" dirty="0"/>
               <a:t>Натискаме върху </a:t>
             </a:r>
             <a:r>
-              <a:rPr lang="en-US" sz="2800" b="1" dirty="0"/>
+              <a:rPr lang="en-US" sz="3000" b="1" dirty="0"/>
               <a:t>[</a:t>
             </a:r>
             <a:r>
-              <a:rPr lang="en-US" sz="2800" b="1" dirty="0">
+              <a:rPr lang="en-US" sz="3000" b="1" dirty="0">
                 <a:solidFill>
                   <a:schemeClr val="bg1"/>
                 </a:solidFill>
@@ -18340,10 +18340,10 @@
               <a:t>Add new Object</a:t>
             </a:r>
             <a:r>
-              <a:rPr lang="en-US" sz="2800" b="1" dirty="0"/>
+              <a:rPr lang="en-US" sz="3000" b="1" dirty="0"/>
               <a:t>]</a:t>
             </a:r>
-            <a:endParaRPr lang="bg-BG" sz="2800" b="1" dirty="0"/>
+            <a:endParaRPr lang="bg-BG" sz="3000" b="1" dirty="0"/>
           </a:p>
           <a:p>
             <a:endParaRPr lang="en-BG" dirty="0"/>
@@ -20982,11 +20982,11 @@
               </a:tabLst>
             </a:pPr>
             <a:r>
-              <a:rPr lang="bg-BG" sz="2600" dirty="0"/>
+              <a:rPr lang="bg-BG" sz="2800" dirty="0"/>
               <a:t>Закачаме </a:t>
             </a:r>
             <a:r>
-              <a:rPr lang="bg-BG" sz="2600" b="1" dirty="0">
+              <a:rPr lang="bg-BG" sz="2800" b="1" dirty="0">
                 <a:solidFill>
                   <a:schemeClr val="bg1"/>
                 </a:solidFill>
@@ -20994,11 +20994,11 @@
               <a:t>контролата</a:t>
             </a:r>
             <a:r>
-              <a:rPr lang="bg-BG" sz="2600" dirty="0"/>
+              <a:rPr lang="bg-BG" sz="2800" dirty="0"/>
               <a:t> към </a:t>
             </a:r>
             <a:r>
-              <a:rPr lang="bg-BG" sz="2600" b="1" dirty="0">
+              <a:rPr lang="bg-BG" sz="2800" b="1" dirty="0">
                 <a:solidFill>
                   <a:schemeClr val="bg1"/>
                 </a:solidFill>
@@ -21176,7 +21176,7 @@
         </p:nvSpPr>
         <p:spPr>
           <a:xfrm>
-            <a:off x="6176058" y="1196125"/>
+            <a:off x="6095998" y="1216510"/>
             <a:ext cx="5832439" cy="495392"/>
           </a:xfrm>
           <a:prstGeom prst="rect">
@@ -21185,7 +21185,7 @@
         </p:spPr>
         <p:txBody>
           <a:bodyPr vert="horz" lIns="108000" tIns="36000" rIns="108000" bIns="36000" rtlCol="0">
-            <a:normAutofit/>
+            <a:noAutofit/>
           </a:bodyPr>
           <a:lstStyle>
             <a:lvl1pPr marL="360363" indent="-360363" defTabSz="1218438">
@@ -21311,11 +21311,11 @@
           </a:lstStyle>
           <a:p>
             <a:r>
-              <a:rPr lang="bg-BG" dirty="0"/>
+              <a:rPr lang="bg-BG" sz="2800" dirty="0"/>
               <a:t>Променяме </a:t>
             </a:r>
             <a:r>
-              <a:rPr lang="bg-BG" b="1" dirty="0">
+              <a:rPr lang="bg-BG" sz="2800" b="1" dirty="0">
                 <a:solidFill>
                   <a:schemeClr val="bg1"/>
                 </a:solidFill>
@@ -22420,17 +22420,10 @@
                 <a:latin typeface="Consolas" panose="020B0609020204030204" pitchFamily="49" charset="0"/>
                 <a:cs typeface="Consolas" panose="020B0609020204030204" pitchFamily="49" charset="0"/>
               </a:rPr>
-              <a:t>        return </a:t>
-            </a:r>
-            <a:r>
-              <a:rPr lang="en-GB" b="1" dirty="0" err="1">
-                <a:latin typeface="Consolas" panose="020B0609020204030204" pitchFamily="49" charset="0"/>
-                <a:cs typeface="Consolas" panose="020B0609020204030204" pitchFamily="49" charset="0"/>
-              </a:rPr>
-              <a:t>db.</a:t>
-            </a:r>
-            <a:r>
-              <a:rPr lang="en-GB" b="1" dirty="0" err="1">
+              <a:t>        return db.</a:t>
+            </a:r>
+            <a:r>
+              <a:rPr lang="en-GB" b="1" dirty="0">
                 <a:solidFill>
                   <a:schemeClr val="bg1"/>
                 </a:solidFill>
@@ -22440,18 +22433,11 @@
               <a:t>Products</a:t>
             </a:r>
             <a:r>
-              <a:rPr lang="en-GB" b="1" dirty="0" err="1">
-                <a:latin typeface="Consolas" panose="020B0609020204030204" pitchFamily="49" charset="0"/>
-                <a:cs typeface="Consolas" panose="020B0609020204030204" pitchFamily="49" charset="0"/>
-              </a:rPr>
-              <a:t>.ToList</a:t>
-            </a:r>
-            <a:r>
               <a:rPr lang="en-GB" b="1" dirty="0">
                 <a:latin typeface="Consolas" panose="020B0609020204030204" pitchFamily="49" charset="0"/>
                 <a:cs typeface="Consolas" panose="020B0609020204030204" pitchFamily="49" charset="0"/>
               </a:rPr>
-              <a:t>();</a:t>
+              <a:t>.ToList();</a:t>
             </a:r>
           </a:p>
           <a:p>
@@ -22799,7 +22785,7 @@
             <a:endParaRPr lang="bg-BG" dirty="0"/>
           </a:p>
           <a:p>
-            <a:endParaRPr lang="bg-BG" sz="3000" dirty="0"/>
+            <a:endParaRPr lang="bg-BG" sz="1000" dirty="0"/>
           </a:p>
           <a:p>
             <a:r>
@@ -23047,7 +23033,7 @@
         </p:nvSpPr>
         <p:spPr>
           <a:xfrm>
-            <a:off x="606000" y="4599000"/>
+            <a:off x="606000" y="4154883"/>
             <a:ext cx="11147030" cy="1323439"/>
           </a:xfrm>
           <a:prstGeom prst="rect">
@@ -23992,7 +23978,7 @@
         </p:spPr>
         <p:txBody>
           <a:bodyPr>
-            <a:normAutofit fontScale="62500" lnSpcReduction="20000"/>
+            <a:normAutofit fontScale="92500" lnSpcReduction="20000"/>
           </a:bodyPr>
           <a:lstStyle>
             <a:lvl1pPr marL="514350" indent="-514350">
@@ -24048,7 +24034,7 @@
               </a:buClr>
             </a:pPr>
             <a:r>
-              <a:rPr lang="bg-BG" sz="3200" b="1" dirty="0">
+              <a:rPr lang="en-US" sz="3200" b="1" dirty="0">
                 <a:solidFill>
                   <a:schemeClr val="accent1">
                     <a:lumMod val="60000"/>
@@ -24056,18 +24042,18 @@
                   </a:schemeClr>
                 </a:solidFill>
               </a:rPr>
-              <a:t>Визуализация</a:t>
-            </a:r>
-            <a:r>
-              <a:rPr lang="bg-BG" sz="3200" dirty="0">
+              <a:t>Data Binding </a:t>
+            </a:r>
+            <a:r>
+              <a:rPr lang="en-US" sz="3200" dirty="0">
                 <a:solidFill>
                   <a:schemeClr val="bg2"/>
                 </a:solidFill>
               </a:rPr>
-              <a:t> на </a:t>
-            </a:r>
-            <a:r>
-              <a:rPr lang="bg-BG" sz="3200" b="1" dirty="0">
+              <a:t>==</a:t>
+            </a:r>
+            <a:r>
+              <a:rPr lang="en-US" sz="3200" b="1" dirty="0">
                 <a:solidFill>
                   <a:schemeClr val="accent1">
                     <a:lumMod val="60000"/>
@@ -24075,6 +24061,30 @@
                   </a:schemeClr>
                 </a:solidFill>
               </a:rPr>
+              <a:t> </a:t>
+            </a:r>
+            <a:r>
+              <a:rPr lang="bg-BG" sz="3200" b="1" dirty="0">
+                <a:solidFill>
+                  <a:schemeClr val="bg2"/>
+                </a:solidFill>
+              </a:rPr>
+              <a:t>динамично извличане </a:t>
+            </a:r>
+            <a:r>
+              <a:rPr lang="bg-BG" sz="3200" dirty="0">
+                <a:solidFill>
+                  <a:schemeClr val="bg2"/>
+                </a:solidFill>
+              </a:rPr>
+              <a:t>на </a:t>
+            </a:r>
+            <a:r>
+              <a:rPr lang="bg-BG" sz="3200" b="1" dirty="0">
+                <a:solidFill>
+                  <a:schemeClr val="bg2"/>
+                </a:solidFill>
+              </a:rPr>
               <a:t>данни</a:t>
             </a:r>
             <a:r>
@@ -24083,21 +24093,25 @@
                   <a:schemeClr val="bg2"/>
                 </a:solidFill>
               </a:rPr>
-              <a:t> в </a:t>
-            </a:r>
-            <a:r>
-              <a:rPr lang="en-US" sz="3200" b="1" dirty="0"/>
-              <a:t>Windows Forms</a:t>
-            </a:r>
-          </a:p>
-          <a:p>
-            <a:pPr marL="969948" lvl="1" indent="-360363" fontAlgn="base">
+              <a:t> от </a:t>
+            </a:r>
+            <a:r>
+              <a:rPr lang="bg-BG" sz="3200" b="1" dirty="0">
+                <a:solidFill>
+                  <a:schemeClr val="bg2"/>
+                </a:solidFill>
+              </a:rPr>
+              <a:t>източник</a:t>
+            </a:r>
+          </a:p>
+          <a:p>
+            <a:pPr marL="360363" indent="-360363" fontAlgn="base">
               <a:buClr>
                 <a:schemeClr val="bg2"/>
               </a:buClr>
             </a:pPr>
             <a:r>
-              <a:rPr lang="en-US" sz="3000" b="1" dirty="0">
+              <a:rPr lang="bg-BG" sz="3200" b="1" dirty="0">
                 <a:solidFill>
                   <a:schemeClr val="accent1">
                     <a:lumMod val="60000"/>
@@ -24105,49 +24119,42 @@
                   </a:schemeClr>
                 </a:solidFill>
               </a:rPr>
-              <a:t>Data Binding</a:t>
-            </a:r>
-            <a:endParaRPr lang="bg-BG" sz="3000" b="1" dirty="0">
-              <a:solidFill>
-                <a:schemeClr val="accent1">
-                  <a:lumMod val="60000"/>
-                  <a:lumOff val="40000"/>
-                </a:schemeClr>
-              </a:solidFill>
-            </a:endParaRPr>
-          </a:p>
-          <a:p>
-            <a:pPr marL="1579533" lvl="2" indent="-360363" fontAlgn="base">
-              <a:buClr>
-                <a:schemeClr val="bg2"/>
-              </a:buClr>
-            </a:pPr>
-            <a:r>
-              <a:rPr lang="bg-BG" sz="2800" b="1" dirty="0">
+              <a:t>Източници</a:t>
+            </a:r>
+            <a:r>
+              <a:rPr lang="bg-BG" sz="3200" dirty="0">
                 <a:solidFill>
                   <a:schemeClr val="bg2"/>
                 </a:solidFill>
               </a:rPr>
-              <a:t>Динамично извличане </a:t>
-            </a:r>
-            <a:r>
-              <a:rPr lang="bg-BG" sz="2800" dirty="0">
+              <a:t> на данни </a:t>
+            </a:r>
+            <a:r>
+              <a:rPr lang="en-US" sz="3200" dirty="0">
                 <a:solidFill>
                   <a:schemeClr val="bg2"/>
                 </a:solidFill>
               </a:rPr>
-              <a:t>на </a:t>
-            </a:r>
-            <a:r>
-              <a:rPr lang="bg-BG" sz="2800" b="1" dirty="0">
+              <a:t>== </a:t>
+            </a:r>
+            <a:r>
+              <a:rPr lang="bg-BG" sz="3200" dirty="0">
                 <a:solidFill>
                   <a:schemeClr val="bg2"/>
                 </a:solidFill>
               </a:rPr>
-              <a:t>данни</a:t>
-            </a:r>
-            <a:r>
-              <a:rPr lang="bg-BG" sz="2800" dirty="0">
+              <a:t>всеки </a:t>
+            </a:r>
+            <a:r>
+              <a:rPr lang="bg-BG" sz="3200" b="1" dirty="0">
+                <a:solidFill>
+                  <a:schemeClr val="bg2"/>
+                </a:solidFill>
+              </a:rPr>
+              <a:t>обект</a:t>
+            </a:r>
+            <a:r>
+              <a:rPr lang="bg-BG" sz="3200" dirty="0">
                 <a:solidFill>
                   <a:schemeClr val="bg2"/>
                 </a:solidFill>
@@ -24155,109 +24162,52 @@
               <a:t> от </a:t>
             </a:r>
             <a:r>
-              <a:rPr lang="bg-BG" sz="2800" b="1" dirty="0">
+              <a:rPr lang="bg-BG" sz="3200" b="1" dirty="0">
                 <a:solidFill>
                   <a:schemeClr val="bg2"/>
                 </a:solidFill>
               </a:rPr>
-              <a:t>източник</a:t>
-            </a:r>
-          </a:p>
-          <a:p>
-            <a:pPr marL="969948" lvl="1" indent="-360363" fontAlgn="base">
-              <a:buClr>
-                <a:schemeClr val="bg2"/>
-              </a:buClr>
-            </a:pPr>
-            <a:r>
-              <a:rPr lang="bg-BG" sz="3000" b="1" dirty="0">
+              <a:t>клас</a:t>
+            </a:r>
+            <a:r>
+              <a:rPr lang="bg-BG" sz="3200" dirty="0">
+                <a:solidFill>
+                  <a:schemeClr val="bg2"/>
+                </a:solidFill>
+              </a:rPr>
+              <a:t>, </a:t>
+            </a:r>
+            <a:r>
+              <a:rPr lang="bg-BG" sz="3200" b="1" dirty="0">
+                <a:solidFill>
+                  <a:schemeClr val="bg2"/>
+                </a:solidFill>
+              </a:rPr>
+              <a:t>имплементиращ</a:t>
+            </a:r>
+            <a:r>
+              <a:rPr lang="bg-BG" sz="3200" dirty="0">
+                <a:solidFill>
+                  <a:schemeClr val="bg2"/>
+                </a:solidFill>
+              </a:rPr>
+              <a:t> интерфейса </a:t>
+            </a:r>
+            <a:r>
+              <a:rPr lang="en-US" sz="3200" b="1" dirty="0">
                 <a:solidFill>
                   <a:schemeClr val="accent1">
                     <a:lumMod val="60000"/>
                     <a:lumOff val="40000"/>
                   </a:schemeClr>
                 </a:solidFill>
+                <a:latin typeface="Consolas" panose="020B0609020204030204" pitchFamily="49" charset="0"/>
+                <a:cs typeface="Consolas" panose="020B0609020204030204" pitchFamily="49" charset="0"/>
               </a:rPr>
-              <a:t>Източници</a:t>
-            </a:r>
-            <a:r>
-              <a:rPr lang="bg-BG" sz="3000" dirty="0">
-                <a:solidFill>
-                  <a:schemeClr val="bg2"/>
-                </a:solidFill>
-              </a:rPr>
-              <a:t> на данни</a:t>
-            </a:r>
-            <a:endParaRPr lang="en-US" sz="3000" dirty="0">
-              <a:solidFill>
-                <a:schemeClr val="bg2"/>
-              </a:solidFill>
-            </a:endParaRPr>
-          </a:p>
-          <a:p>
-            <a:pPr marL="1579533" lvl="2" indent="-360363" fontAlgn="base">
-              <a:buClr>
-                <a:schemeClr val="bg2"/>
-              </a:buClr>
-            </a:pPr>
-            <a:r>
-              <a:rPr lang="bg-BG" sz="2800" dirty="0">
-                <a:solidFill>
-                  <a:schemeClr val="bg2"/>
-                </a:solidFill>
-              </a:rPr>
-              <a:t>Всеки </a:t>
-            </a:r>
-            <a:r>
-              <a:rPr lang="bg-BG" sz="2800" b="1" dirty="0">
-                <a:solidFill>
-                  <a:schemeClr val="bg2"/>
-                </a:solidFill>
-              </a:rPr>
-              <a:t>обект</a:t>
-            </a:r>
-            <a:r>
-              <a:rPr lang="bg-BG" sz="2800" dirty="0">
-                <a:solidFill>
-                  <a:schemeClr val="bg2"/>
-                </a:solidFill>
-              </a:rPr>
-              <a:t> от </a:t>
-            </a:r>
-            <a:r>
-              <a:rPr lang="bg-BG" sz="2800" b="1" dirty="0">
-                <a:solidFill>
-                  <a:schemeClr val="bg2"/>
-                </a:solidFill>
-              </a:rPr>
-              <a:t>клас</a:t>
-            </a:r>
-            <a:r>
-              <a:rPr lang="bg-BG" sz="2800" dirty="0">
-                <a:solidFill>
-                  <a:schemeClr val="bg2"/>
-                </a:solidFill>
-              </a:rPr>
-              <a:t>, </a:t>
-            </a:r>
-            <a:r>
-              <a:rPr lang="bg-BG" sz="2800" b="1" dirty="0">
-                <a:solidFill>
-                  <a:schemeClr val="bg2"/>
-                </a:solidFill>
-              </a:rPr>
-              <a:t>имплементиращ</a:t>
-            </a:r>
-            <a:r>
-              <a:rPr lang="bg-BG" sz="2800" dirty="0">
-                <a:solidFill>
-                  <a:schemeClr val="bg2"/>
-                </a:solidFill>
-              </a:rPr>
-              <a:t> интерфейса </a:t>
-            </a:r>
-            <a:r>
-              <a:rPr lang="en-US" sz="2800" b="1" dirty="0">
+              <a:t>I</a:t>
+            </a:r>
+            <a:r>
+              <a:rPr lang="bg-BG" sz="3200" b="1" dirty="0">
                 <a:solidFill>
                   <a:schemeClr val="accent1">
                     <a:lumMod val="60000"/>
@@ -24267,10 +24217,10 @@
                 <a:latin typeface="Consolas" panose="020B0609020204030204" pitchFamily="49" charset="0"/>
                 <a:cs typeface="Consolas" panose="020B0609020204030204" pitchFamily="49" charset="0"/>
               </a:rPr>
-              <a:t>I</a:t>
-            </a:r>
-            <a:r>
-              <a:rPr lang="bg-BG" sz="2800" b="1" dirty="0">
+              <a:t>C</a:t>
+            </a:r>
+            <a:r>
+              <a:rPr lang="en-US" sz="3200" b="1" dirty="0">
                 <a:solidFill>
                   <a:schemeClr val="accent1">
                     <a:lumMod val="60000"/>
@@ -24280,22 +24230,9 @@
                 <a:latin typeface="Consolas" panose="020B0609020204030204" pitchFamily="49" charset="0"/>
                 <a:cs typeface="Consolas" panose="020B0609020204030204" pitchFamily="49" charset="0"/>
               </a:rPr>
-              <a:t>C</a:t>
-            </a:r>
-            <a:r>
-              <a:rPr lang="en-US" sz="2800" b="1" dirty="0">
-                <a:solidFill>
-                  <a:schemeClr val="accent1">
-                    <a:lumMod val="60000"/>
-                    <a:lumOff val="40000"/>
-                  </a:schemeClr>
-                </a:solidFill>
-                <a:latin typeface="Consolas" panose="020B0609020204030204" pitchFamily="49" charset="0"/>
-                <a:cs typeface="Consolas" panose="020B0609020204030204" pitchFamily="49" charset="0"/>
-              </a:rPr>
               <a:t>ollection</a:t>
             </a:r>
-            <a:endParaRPr lang="bg-BG" sz="2800" b="1" dirty="0">
+            <a:endParaRPr lang="bg-BG" sz="3200" b="1" dirty="0">
               <a:solidFill>
                 <a:schemeClr val="accent1">
                   <a:lumMod val="60000"/>
@@ -24307,6 +24244,40 @@
             </a:endParaRPr>
           </a:p>
           <a:p>
+            <a:pPr marL="360363" indent="-360363" fontAlgn="base">
+              <a:buClr>
+                <a:schemeClr val="bg2"/>
+              </a:buClr>
+            </a:pPr>
+            <a:r>
+              <a:rPr lang="bg-BG" sz="3200" b="1" dirty="0">
+                <a:solidFill>
+                  <a:schemeClr val="accent1">
+                    <a:lumMod val="60000"/>
+                    <a:lumOff val="40000"/>
+                  </a:schemeClr>
+                </a:solidFill>
+              </a:rPr>
+              <a:t>Видове</a:t>
+            </a:r>
+            <a:r>
+              <a:rPr lang="bg-BG" sz="3200" dirty="0">
+                <a:solidFill>
+                  <a:schemeClr val="bg2"/>
+                </a:solidFill>
+              </a:rPr>
+              <a:t> </a:t>
+            </a:r>
+            <a:r>
+              <a:rPr lang="en-US" sz="3200" b="1" dirty="0">
+                <a:solidFill>
+                  <a:schemeClr val="bg2"/>
+                </a:solidFill>
+              </a:rPr>
+              <a:t>Data Binding</a:t>
+            </a:r>
+          </a:p>
+          <a:p>
             <a:pPr marL="969948" lvl="1" indent="-360363" fontAlgn="base">
               <a:buClr>
                 <a:schemeClr val="bg2"/>
@@ -24321,7 +24292,7 @@
                   </a:schemeClr>
                 </a:solidFill>
               </a:rPr>
-              <a:t>Видове</a:t>
+              <a:t>Просто</a:t>
             </a:r>
             <a:r>
               <a:rPr lang="bg-BG" sz="3000" dirty="0">
@@ -24329,25 +24300,17 @@
                   <a:schemeClr val="bg2"/>
                 </a:solidFill>
               </a:rPr>
-              <a:t> </a:t>
-            </a:r>
-            <a:r>
-              <a:rPr lang="en-US" sz="3000" b="1" dirty="0">
-                <a:solidFill>
-                  <a:schemeClr val="bg2"/>
-                </a:solidFill>
-              </a:rPr>
-              <a:t>Data Binding</a:t>
-            </a:r>
-          </a:p>
-          <a:p>
-            <a:pPr marL="1579533" lvl="2" indent="-360363" fontAlgn="base">
+              <a:t> свързване</a:t>
+            </a:r>
+          </a:p>
+          <a:p>
+            <a:pPr marL="969948" lvl="1" indent="-360363" fontAlgn="base">
               <a:buClr>
                 <a:schemeClr val="bg2"/>
               </a:buClr>
             </a:pPr>
             <a:r>
-              <a:rPr lang="bg-BG" sz="2800" b="1" dirty="0">
+              <a:rPr lang="bg-BG" sz="3000" b="1" dirty="0">
                 <a:solidFill>
                   <a:schemeClr val="accent1">
                     <a:lumMod val="60000"/>
@@ -24355,43 +24318,17 @@
                   </a:schemeClr>
                 </a:solidFill>
               </a:rPr>
-              <a:t>Просто</a:t>
-            </a:r>
-            <a:r>
-              <a:rPr lang="bg-BG" sz="2800" dirty="0">
+              <a:t>Сложно</a:t>
+            </a:r>
+            <a:r>
+              <a:rPr lang="bg-BG" sz="3000" dirty="0">
                 <a:solidFill>
                   <a:schemeClr val="bg2"/>
                 </a:solidFill>
               </a:rPr>
               <a:t> свързване</a:t>
             </a:r>
-          </a:p>
-          <a:p>
-            <a:pPr marL="1579533" lvl="2" indent="-360363" fontAlgn="base">
-              <a:buClr>
-                <a:schemeClr val="bg2"/>
-              </a:buClr>
-            </a:pPr>
-            <a:r>
-              <a:rPr lang="bg-BG" sz="2800" b="1" dirty="0">
-                <a:solidFill>
-                  <a:schemeClr val="accent1">
-                    <a:lumMod val="60000"/>
-                    <a:lumOff val="40000"/>
-                  </a:schemeClr>
-                </a:solidFill>
-              </a:rPr>
-              <a:t>Сложно</a:t>
-            </a:r>
-            <a:r>
-              <a:rPr lang="bg-BG" sz="2800" dirty="0">
-                <a:solidFill>
-                  <a:schemeClr val="bg2"/>
-                </a:solidFill>
-              </a:rPr>
-              <a:t> свързване</a:t>
-            </a:r>
-            <a:endParaRPr lang="en-US" sz="2800" dirty="0">
+            <a:endParaRPr lang="en-US" sz="3000" dirty="0">
               <a:solidFill>
                 <a:schemeClr val="bg2"/>
               </a:solidFill>
@@ -24414,7 +24351,72 @@
               </a:rPr>
               <a:t>DataGridView</a:t>
             </a:r>
-            <a:endParaRPr lang="bg-BG" sz="3200" b="1" dirty="0">
+            <a:r>
+              <a:rPr lang="bg-BG" sz="3200" b="1" dirty="0">
+                <a:solidFill>
+                  <a:schemeClr val="accent1">
+                    <a:lumMod val="60000"/>
+                    <a:lumOff val="40000"/>
+                  </a:schemeClr>
+                </a:solidFill>
+              </a:rPr>
+              <a:t> </a:t>
+            </a:r>
+            <a:r>
+              <a:rPr lang="en-US" sz="3200" dirty="0"/>
+              <a:t>==</a:t>
+            </a:r>
+            <a:r>
+              <a:rPr lang="en-US" sz="3200" b="1" dirty="0">
+                <a:solidFill>
+                  <a:schemeClr val="accent1">
+                    <a:lumMod val="60000"/>
+                    <a:lumOff val="40000"/>
+                  </a:schemeClr>
+                </a:solidFill>
+              </a:rPr>
+              <a:t> </a:t>
+            </a:r>
+            <a:r>
+              <a:rPr lang="bg-BG" sz="3200" dirty="0"/>
+              <a:t>к</a:t>
+            </a:r>
+            <a:r>
+              <a:rPr lang="bg-BG" sz="3200" dirty="0">
+                <a:solidFill>
+                  <a:schemeClr val="bg2"/>
+                </a:solidFill>
+              </a:rPr>
+              <a:t>онтрола, </a:t>
+            </a:r>
+            <a:r>
+              <a:rPr lang="bg-BG" sz="3200" b="1" dirty="0">
+                <a:solidFill>
+                  <a:schemeClr val="bg2"/>
+                </a:solidFill>
+              </a:rPr>
+              <a:t>визуализираща</a:t>
+            </a:r>
+            <a:r>
+              <a:rPr lang="bg-BG" sz="3200" dirty="0">
+                <a:solidFill>
+                  <a:schemeClr val="bg2"/>
+                </a:solidFill>
+              </a:rPr>
+              <a:t> </a:t>
+            </a:r>
+            <a:r>
+              <a:rPr lang="bg-BG" sz="3200" b="1" dirty="0">
+                <a:solidFill>
+                  <a:schemeClr val="accent1">
+                    <a:lumMod val="60000"/>
+                    <a:lumOff val="40000"/>
+                  </a:schemeClr>
+                </a:solidFill>
+              </a:rPr>
+              <a:t>таблични данни</a:t>
+            </a:r>
+            <a:endParaRPr lang="en-US" sz="3200" b="1" dirty="0">
               <a:solidFill>
                 <a:schemeClr val="accent1">
                   <a:lumMod val="60000"/>
@@ -24424,56 +24426,6 @@
             </a:endParaRPr>
           </a:p>
           <a:p>
-            <a:pPr marL="969948" lvl="1" indent="-360363" fontAlgn="base">
-              <a:buClr>
-                <a:schemeClr val="bg2"/>
-              </a:buClr>
-            </a:pPr>
-            <a:r>
-              <a:rPr lang="bg-BG" sz="3000" dirty="0">
-                <a:solidFill>
-                  <a:schemeClr val="bg2"/>
-                </a:solidFill>
-              </a:rPr>
-              <a:t>Контрола, </a:t>
-            </a:r>
-            <a:r>
-              <a:rPr lang="bg-BG" sz="3000" b="1" dirty="0">
-                <a:solidFill>
-                  <a:schemeClr val="bg2"/>
-                </a:solidFill>
-              </a:rPr>
-              <a:t>визуализираща</a:t>
-            </a:r>
-            <a:r>
-              <a:rPr lang="bg-BG" sz="3000" dirty="0">
-                <a:solidFill>
-                  <a:schemeClr val="bg2"/>
-                </a:solidFill>
-              </a:rPr>
-              <a:t> </a:t>
-            </a:r>
-            <a:r>
-              <a:rPr lang="bg-BG" sz="3000" b="1" dirty="0">
-                <a:solidFill>
-                  <a:schemeClr val="accent1">
-                    <a:lumMod val="60000"/>
-                    <a:lumOff val="40000"/>
-                  </a:schemeClr>
-                </a:solidFill>
-              </a:rPr>
-              <a:t>таблични данни</a:t>
-            </a:r>
-            <a:endParaRPr lang="en-US" sz="3000" b="1" dirty="0">
-              <a:solidFill>
-                <a:schemeClr val="accent1">
-                  <a:lumMod val="60000"/>
-                  <a:lumOff val="40000"/>
-                </a:schemeClr>
-              </a:solidFill>
-            </a:endParaRPr>
-          </a:p>
-          <a:p>
             <a:pPr marL="360363" indent="-360363" fontAlgn="base">
               <a:buClr>
                 <a:schemeClr val="bg2"/>
@@ -24490,15 +24442,8 @@
               </a:rPr>
               <a:t>BindingSource</a:t>
             </a:r>
-          </a:p>
-          <a:p>
-            <a:pPr marL="969948" lvl="1" indent="-360363" fontAlgn="base">
-              <a:buClr>
-                <a:schemeClr val="bg2"/>
-              </a:buClr>
-            </a:pPr>
-            <a:r>
-              <a:rPr lang="bg-BG" sz="3000" b="1" dirty="0">
+            <a:r>
+              <a:rPr lang="bg-BG" sz="3200" b="1" dirty="0">
                 <a:solidFill>
                   <a:schemeClr val="accent1">
                     <a:lumMod val="60000"/>
@@ -24506,10 +24451,36 @@
                   </a:schemeClr>
                 </a:solidFill>
               </a:rPr>
-              <a:t>Междинен обект</a:t>
-            </a:r>
-            <a:r>
-              <a:rPr lang="bg-BG" sz="3000" b="1" dirty="0">
+              <a:t> </a:t>
+            </a:r>
+            <a:r>
+              <a:rPr lang="en-US" sz="3200" dirty="0"/>
+              <a:t>==</a:t>
+            </a:r>
+            <a:r>
+              <a:rPr lang="en-US" sz="3200" b="1" dirty="0">
+                <a:solidFill>
+                  <a:schemeClr val="accent1">
+                    <a:lumMod val="60000"/>
+                    <a:lumOff val="40000"/>
+                  </a:schemeClr>
+                </a:solidFill>
+              </a:rPr>
+              <a:t> </a:t>
+            </a:r>
+            <a:r>
+              <a:rPr lang="bg-BG" sz="3200" b="1" dirty="0">
+                <a:solidFill>
+                  <a:schemeClr val="accent1">
+                    <a:lumMod val="60000"/>
+                    <a:lumOff val="40000"/>
+                  </a:schemeClr>
+                </a:solidFill>
+              </a:rPr>
+              <a:t>междинен обект</a:t>
+            </a:r>
+            <a:r>
+              <a:rPr lang="bg-BG" sz="3200" b="1" dirty="0">
                 <a:solidFill>
                   <a:schemeClr val="bg2"/>
                 </a:solidFill>
@@ -24753,33 +24724,15 @@
                                   </p:childTnLst>
                                 </p:cTn>
                               </p:par>
-                            </p:childTnLst>
-                          </p:cTn>
-                        </p:par>
-                      </p:childTnLst>
-                    </p:cTn>
-                  </p:par>
-                  <p:par>
-                    <p:cTn id="15" fill="hold">
-                      <p:stCondLst>
-                        <p:cond delay="indefinite"/>
-                      </p:stCondLst>
-                      <p:childTnLst>
-                        <p:par>
-                          <p:cTn id="16" fill="hold">
-                            <p:stCondLst>
-                              <p:cond delay="0"/>
-                            </p:stCondLst>
-                            <p:childTnLst>
                               <p:par>
-                                <p:cTn id="17" presetID="1" presetClass="entr" presetSubtype="0" fill="hold" nodeType="clickEffect">
+                                <p:cTn id="15" presetID="1" presetClass="entr" presetSubtype="0" fill="hold" nodeType="withEffect">
                                   <p:stCondLst>
                                     <p:cond delay="0"/>
                                   </p:stCondLst>
                                   <p:childTnLst>
                                     <p:set>
                                       <p:cBhvr>
-                                        <p:cTn id="18" dur="1" fill="hold">
+                                        <p:cTn id="16" dur="1" fill="hold">
                                           <p:stCondLst>
                                             <p:cond delay="0"/>
                                           </p:stCondLst>
@@ -24809,26 +24762,26 @@
                     </p:cTn>
                   </p:par>
                   <p:par>
-                    <p:cTn id="19" fill="hold">
+                    <p:cTn id="17" fill="hold">
                       <p:stCondLst>
                         <p:cond delay="indefinite"/>
                       </p:stCondLst>
                       <p:childTnLst>
                         <p:par>
-                          <p:cTn id="20" fill="hold">
+                          <p:cTn id="18" fill="hold">
                             <p:stCondLst>
                               <p:cond delay="0"/>
                             </p:stCondLst>
                             <p:childTnLst>
                               <p:par>
-                                <p:cTn id="21" presetID="1" presetClass="entr" presetSubtype="0" fill="hold" nodeType="clickEffect">
+                                <p:cTn id="19" presetID="1" presetClass="entr" presetSubtype="0" fill="hold" nodeType="clickEffect">
                                   <p:stCondLst>
                                     <p:cond delay="0"/>
                                   </p:stCondLst>
                                   <p:childTnLst>
                                     <p:set>
                                       <p:cBhvr>
-                                        <p:cTn id="22" dur="1" fill="hold">
+                                        <p:cTn id="20" dur="1" fill="hold">
                                           <p:stCondLst>
                                             <p:cond delay="0"/>
                                           </p:stCondLst>
@@ -24858,26 +24811,26 @@
                     </p:cTn>
                   </p:par>
                   <p:par>
-                    <p:cTn id="23" fill="hold">
+                    <p:cTn id="21" fill="hold">
                       <p:stCondLst>
                         <p:cond delay="indefinite"/>
                       </p:stCondLst>
                       <p:childTnLst>
                         <p:par>
-                          <p:cTn id="24" fill="hold">
+                          <p:cTn id="22" fill="hold">
                             <p:stCondLst>
                               <p:cond delay="0"/>
                             </p:stCondLst>
                             <p:childTnLst>
                               <p:par>
-                                <p:cTn id="25" presetID="1" presetClass="entr" presetSubtype="0" fill="hold" nodeType="clickEffect">
+                                <p:cTn id="23" presetID="1" presetClass="entr" presetSubtype="0" fill="hold" nodeType="clickEffect">
                                   <p:stCondLst>
                                     <p:cond delay="0"/>
                                   </p:stCondLst>
                                   <p:childTnLst>
                                     <p:set>
                                       <p:cBhvr>
-                                        <p:cTn id="26" dur="1" fill="hold">
+                                        <p:cTn id="24" dur="1" fill="hold">
                                           <p:stCondLst>
                                             <p:cond delay="0"/>
                                           </p:stCondLst>
@@ -24886,233 +24839,6 @@
                                           <p:spTgt spid="14">
                                             <p:txEl>
                                               <p:pRg st="6" end="6"/>
-                                            </p:txEl>
-                                          </p:spTgt>
-                                        </p:tgtEl>
-                                        <p:attrNameLst>
-                                          <p:attrName>style.visibility</p:attrName>
-                                        </p:attrNameLst>
-                                      </p:cBhvr>
-                                      <p:to>
-                                        <p:strVal val="visible"/>
-                                      </p:to>
-                                    </p:set>
-                                  </p:childTnLst>
-                                </p:cTn>
-                              </p:par>
-                              <p:par>
-                                <p:cTn id="27" presetID="1" presetClass="entr" presetSubtype="0" fill="hold" nodeType="withEffect">
-                                  <p:stCondLst>
-                                    <p:cond delay="0"/>
-                                  </p:stCondLst>
-                                  <p:childTnLst>
-                                    <p:set>
-                                      <p:cBhvr>
-                                        <p:cTn id="28" dur="1" fill="hold">
-                                          <p:stCondLst>
-                                            <p:cond delay="0"/>
-                                          </p:stCondLst>
-                                        </p:cTn>
-                                        <p:tgtEl>
-                                          <p:spTgt spid="14">
-                                            <p:txEl>
-                                              <p:pRg st="7" end="7"/>
-                                            </p:txEl>
-                                          </p:spTgt>
-                                        </p:tgtEl>
-                                        <p:attrNameLst>
-                                          <p:attrName>style.visibility</p:attrName>
-                                        </p:attrNameLst>
-                                      </p:cBhvr>
-                                      <p:to>
-                                        <p:strVal val="visible"/>
-                                      </p:to>
-                                    </p:set>
-                                  </p:childTnLst>
-                                </p:cTn>
-                              </p:par>
-                            </p:childTnLst>
-                          </p:cTn>
-                        </p:par>
-                      </p:childTnLst>
-                    </p:cTn>
-                  </p:par>
-                  <p:par>
-                    <p:cTn id="29" fill="hold">
-                      <p:stCondLst>
-                        <p:cond delay="indefinite"/>
-                      </p:stCondLst>
-                      <p:childTnLst>
-                        <p:par>
-                          <p:cTn id="30" fill="hold">
-                            <p:stCondLst>
-                              <p:cond delay="0"/>
-                            </p:stCondLst>
-                            <p:childTnLst>
-                              <p:par>
-                                <p:cTn id="31" presetID="1" presetClass="entr" presetSubtype="0" fill="hold" nodeType="clickEffect">
-                                  <p:stCondLst>
-                                    <p:cond delay="0"/>
-                                  </p:stCondLst>
-                                  <p:childTnLst>
-                                    <p:set>
-                                      <p:cBhvr>
-                                        <p:cTn id="32" dur="1" fill="hold">
-                                          <p:stCondLst>
-                                            <p:cond delay="0"/>
-                                          </p:stCondLst>
-                                        </p:cTn>
-                                        <p:tgtEl>
-                                          <p:spTgt spid="14">
-                                            <p:txEl>
-                                              <p:pRg st="8" end="8"/>
-                                            </p:txEl>
-                                          </p:spTgt>
-                                        </p:tgtEl>
-                                        <p:attrNameLst>
-                                          <p:attrName>style.visibility</p:attrName>
-                                        </p:attrNameLst>
-                                      </p:cBhvr>
-                                      <p:to>
-                                        <p:strVal val="visible"/>
-                                      </p:to>
-                                    </p:set>
-                                  </p:childTnLst>
-                                </p:cTn>
-                              </p:par>
-                            </p:childTnLst>
-                          </p:cTn>
-                        </p:par>
-                      </p:childTnLst>
-                    </p:cTn>
-                  </p:par>
-                  <p:par>
-                    <p:cTn id="33" fill="hold">
-                      <p:stCondLst>
-                        <p:cond delay="indefinite"/>
-                      </p:stCondLst>
-                      <p:childTnLst>
-                        <p:par>
-                          <p:cTn id="34" fill="hold">
-                            <p:stCondLst>
-                              <p:cond delay="0"/>
-                            </p:stCondLst>
-                            <p:childTnLst>
-                              <p:par>
-                                <p:cTn id="35" presetID="1" presetClass="entr" presetSubtype="0" fill="hold" nodeType="clickEffect">
-                                  <p:stCondLst>
-                                    <p:cond delay="0"/>
-                                  </p:stCondLst>
-                                  <p:childTnLst>
-                                    <p:set>
-                                      <p:cBhvr>
-                                        <p:cTn id="36" dur="1" fill="hold">
-                                          <p:stCondLst>
-                                            <p:cond delay="0"/>
-                                          </p:stCondLst>
-                                        </p:cTn>
-                                        <p:tgtEl>
-                                          <p:spTgt spid="14">
-                                            <p:txEl>
-                                              <p:pRg st="9" end="9"/>
-                                            </p:txEl>
-                                          </p:spTgt>
-                                        </p:tgtEl>
-                                        <p:attrNameLst>
-                                          <p:attrName>style.visibility</p:attrName>
-                                        </p:attrNameLst>
-                                      </p:cBhvr>
-                                      <p:to>
-                                        <p:strVal val="visible"/>
-                                      </p:to>
-                                    </p:set>
-                                  </p:childTnLst>
-                                </p:cTn>
-                              </p:par>
-                            </p:childTnLst>
-                          </p:cTn>
-                        </p:par>
-                      </p:childTnLst>
-                    </p:cTn>
-                  </p:par>
-                  <p:par>
-                    <p:cTn id="37" fill="hold">
-                      <p:stCondLst>
-                        <p:cond delay="indefinite"/>
-                      </p:stCondLst>
-                      <p:childTnLst>
-                        <p:par>
-                          <p:cTn id="38" fill="hold">
-                            <p:stCondLst>
-                              <p:cond delay="0"/>
-                            </p:stCondLst>
-                            <p:childTnLst>
-                              <p:par>
-                                <p:cTn id="39" presetID="1" presetClass="entr" presetSubtype="0" fill="hold" nodeType="clickEffect">
-                                  <p:stCondLst>
-                                    <p:cond delay="0"/>
-                                  </p:stCondLst>
-                                  <p:childTnLst>
-                                    <p:set>
-                                      <p:cBhvr>
-                                        <p:cTn id="40" dur="1" fill="hold">
-                                          <p:stCondLst>
-                                            <p:cond delay="0"/>
-                                          </p:stCondLst>
-                                        </p:cTn>
-                                        <p:tgtEl>
-                                          <p:spTgt spid="14">
-                                            <p:txEl>
-                                              <p:pRg st="10" end="10"/>
-                                            </p:txEl>
-                                          </p:spTgt>
-                                        </p:tgtEl>
-                                        <p:attrNameLst>
-                                          <p:attrName>style.visibility</p:attrName>
-                                        </p:attrNameLst>
-                                      </p:cBhvr>
-                                      <p:to>
-                                        <p:strVal val="visible"/>
-                                      </p:to>
-                                    </p:set>
-                                  </p:childTnLst>
-                                </p:cTn>
-                              </p:par>
-                            </p:childTnLst>
-                          </p:cTn>
-                        </p:par>
-                      </p:childTnLst>
-                    </p:cTn>
-                  </p:par>
-                  <p:par>
-                    <p:cTn id="41" fill="hold">
-                      <p:stCondLst>
-                        <p:cond delay="indefinite"/>
-                      </p:stCondLst>
-                      <p:childTnLst>
-                        <p:par>
-                          <p:cTn id="42" fill="hold">
-                            <p:stCondLst>
-                              <p:cond delay="0"/>
-                            </p:stCondLst>
-                            <p:childTnLst>
-                              <p:par>
-                                <p:cTn id="43" presetID="1" presetClass="entr" presetSubtype="0" fill="hold" nodeType="clickEffect">
-                                  <p:stCondLst>
-                                    <p:cond delay="0"/>
-                                  </p:stCondLst>
-                                  <p:childTnLst>
-                                    <p:set>
-                                      <p:cBhvr>
-                                        <p:cTn id="44" dur="1" fill="hold">
-                                          <p:stCondLst>
-                                            <p:cond delay="0"/>
-                                          </p:stCondLst>
-                                        </p:cTn>
-                                        <p:tgtEl>
-                                          <p:spTgt spid="14">
-                                            <p:txEl>
-                                              <p:pRg st="11" end="11"/>
                                             </p:txEl>
                                           </p:spTgt>
                                         </p:tgtEl>

--- a/Courses/Software-Sciences/Module-4-Information-Systems-New/05-Connecting-Windows-Forms-with-database/05-Connecting-Windows-Forms-with-database.pptx
+++ b/Courses/Software-Sciences/Module-4-Information-Systems-New/05-Connecting-Windows-Forms-with-database/05-Connecting-Windows-Forms-with-database.pptx
@@ -346,7 +346,7 @@
           <a:p>
             <a:fld id="{4E087215-0C8F-4762-A664-737A353EC9A4}" type="datetimeFigureOut">
               <a:rPr lang="bg-BG" smtClean="0"/>
-              <a:t>19.12.24 г.</a:t>
+              <a:t>23.12.2024 г.</a:t>
             </a:fld>
             <a:endParaRPr lang="bg-BG"/>
           </a:p>
@@ -542,7 +542,7 @@
           <a:p>
             <a:fld id="{72D84649-876A-46C9-8472-14CB09C070D8}" type="datetimeFigureOut">
               <a:rPr lang="en-US" smtClean="0"/>
-              <a:t>12/19/24</a:t>
+              <a:t>12/23/2024</a:t>
             </a:fld>
             <a:endParaRPr lang="en-US"/>
           </a:p>
@@ -9257,8 +9257,8 @@
         </p:blipFill>
         <p:spPr>
           <a:xfrm>
-            <a:off x="5202289" y="3080480"/>
-            <a:ext cx="2516540" cy="2911291"/>
+            <a:off x="5326801" y="2889000"/>
+            <a:ext cx="2720607" cy="3147368"/>
           </a:xfrm>
           <a:prstGeom prst="rect">
             <a:avLst/>
@@ -9300,8 +9300,8 @@
         </p:blipFill>
         <p:spPr>
           <a:xfrm>
-            <a:off x="8523791" y="3415074"/>
-            <a:ext cx="3107209" cy="2004651"/>
+            <a:off x="8905169" y="3561660"/>
+            <a:ext cx="3020835" cy="1948926"/>
           </a:xfrm>
           <a:prstGeom prst="rect">
             <a:avLst/>
@@ -9342,7 +9342,7 @@
         </p:blipFill>
         <p:spPr>
           <a:xfrm>
-            <a:off x="259350" y="3458986"/>
+            <a:off x="255217" y="3465695"/>
             <a:ext cx="4213823" cy="2140859"/>
           </a:xfrm>
           <a:prstGeom prst="rect">
@@ -9371,8 +9371,8 @@
         </p:nvSpPr>
         <p:spPr>
           <a:xfrm>
-            <a:off x="4549019" y="4288653"/>
-            <a:ext cx="653270" cy="471832"/>
+            <a:off x="4664430" y="4358450"/>
+            <a:ext cx="466981" cy="355347"/>
           </a:xfrm>
           <a:prstGeom prst="rightArrow">
             <a:avLst/>
@@ -9425,8 +9425,8 @@
         </p:nvSpPr>
         <p:spPr>
           <a:xfrm>
-            <a:off x="7794675" y="4300209"/>
-            <a:ext cx="653270" cy="471832"/>
+            <a:off x="8242798" y="4339416"/>
+            <a:ext cx="466981" cy="393414"/>
           </a:xfrm>
           <a:prstGeom prst="rightArrow">
             <a:avLst/>
@@ -17612,8 +17612,8 @@
         </p:blipFill>
         <p:spPr>
           <a:xfrm>
-            <a:off x="651000" y="1989000"/>
-            <a:ext cx="3555000" cy="1826199"/>
+            <a:off x="650999" y="1989000"/>
+            <a:ext cx="4555199" cy="2340000"/>
           </a:xfrm>
           <a:prstGeom prst="rect">
             <a:avLst/>
@@ -20000,7 +20000,7 @@
         </p:blipFill>
         <p:spPr>
           <a:xfrm>
-            <a:off x="725946" y="3437755"/>
+            <a:off x="725946" y="3499621"/>
             <a:ext cx="4535944" cy="2862489"/>
           </a:xfrm>
           <a:prstGeom prst="rect">
@@ -20042,7 +20042,7 @@
         </p:blipFill>
         <p:spPr>
           <a:xfrm>
-            <a:off x="6912744" y="3113997"/>
+            <a:off x="6912744" y="3175863"/>
             <a:ext cx="4565593" cy="3403137"/>
           </a:xfrm>
           <a:prstGeom prst="rect">
@@ -20071,7 +20071,7 @@
         </p:nvSpPr>
         <p:spPr>
           <a:xfrm>
-            <a:off x="5664120" y="4523066"/>
+            <a:off x="5664120" y="4584932"/>
             <a:ext cx="834110" cy="585000"/>
           </a:xfrm>
           <a:prstGeom prst="rightArrow">
@@ -20514,7 +20514,7 @@
         </p:blipFill>
         <p:spPr>
           <a:xfrm>
-            <a:off x="6623540" y="1955384"/>
+            <a:off x="6623540" y="2034000"/>
             <a:ext cx="5259647" cy="3575321"/>
           </a:xfrm>
           <a:prstGeom prst="rect">
@@ -20556,7 +20556,7 @@
         </p:blipFill>
         <p:spPr>
           <a:xfrm>
-            <a:off x="341906" y="1955384"/>
+            <a:off x="341906" y="2034000"/>
             <a:ext cx="5259559" cy="3575259"/>
           </a:xfrm>
           <a:prstGeom prst="rect">
@@ -20585,7 +20585,7 @@
         </p:nvSpPr>
         <p:spPr>
           <a:xfrm>
-            <a:off x="5695447" y="3375508"/>
+            <a:off x="5695447" y="3454124"/>
             <a:ext cx="834110" cy="585000"/>
           </a:xfrm>
           <a:prstGeom prst="rightArrow">
@@ -23528,8 +23528,8 @@
         </p:blipFill>
         <p:spPr>
           <a:xfrm>
-            <a:off x="883080" y="1976844"/>
-            <a:ext cx="6213254" cy="4175360"/>
+            <a:off x="705838" y="1944000"/>
+            <a:ext cx="6580505" cy="4422156"/>
           </a:xfrm>
           <a:prstGeom prst="rect">
             <a:avLst/>
@@ -23557,8 +23557,8 @@
         </p:nvSpPr>
         <p:spPr>
           <a:xfrm>
-            <a:off x="7322074" y="3552012"/>
-            <a:ext cx="1048167" cy="816992"/>
+            <a:off x="7602103" y="3969000"/>
+            <a:ext cx="678119" cy="506988"/>
           </a:xfrm>
           <a:prstGeom prst="rightArrow">
             <a:avLst/>
@@ -24724,15 +24724,33 @@
                                   </p:childTnLst>
                                 </p:cTn>
                               </p:par>
+                            </p:childTnLst>
+                          </p:cTn>
+                        </p:par>
+                      </p:childTnLst>
+                    </p:cTn>
+                  </p:par>
+                  <p:par>
+                    <p:cTn id="15" fill="hold">
+                      <p:stCondLst>
+                        <p:cond delay="indefinite"/>
+                      </p:stCondLst>
+                      <p:childTnLst>
+                        <p:par>
+                          <p:cTn id="16" fill="hold">
+                            <p:stCondLst>
+                              <p:cond delay="0"/>
+                            </p:stCondLst>
+                            <p:childTnLst>
                               <p:par>
-                                <p:cTn id="15" presetID="1" presetClass="entr" presetSubtype="0" fill="hold" nodeType="withEffect">
+                                <p:cTn id="17" presetID="1" presetClass="entr" presetSubtype="0" fill="hold" nodeType="clickEffect">
                                   <p:stCondLst>
                                     <p:cond delay="0"/>
                                   </p:stCondLst>
                                   <p:childTnLst>
                                     <p:set>
                                       <p:cBhvr>
-                                        <p:cTn id="16" dur="1" fill="hold">
+                                        <p:cTn id="18" dur="1" fill="hold">
                                           <p:stCondLst>
                                             <p:cond delay="0"/>
                                           </p:stCondLst>
@@ -24762,26 +24780,26 @@
                     </p:cTn>
                   </p:par>
                   <p:par>
-                    <p:cTn id="17" fill="hold">
+                    <p:cTn id="19" fill="hold">
                       <p:stCondLst>
                         <p:cond delay="indefinite"/>
                       </p:stCondLst>
                       <p:childTnLst>
                         <p:par>
-                          <p:cTn id="18" fill="hold">
+                          <p:cTn id="20" fill="hold">
                             <p:stCondLst>
                               <p:cond delay="0"/>
                             </p:stCondLst>
                             <p:childTnLst>
                               <p:par>
-                                <p:cTn id="19" presetID="1" presetClass="entr" presetSubtype="0" fill="hold" nodeType="clickEffect">
+                                <p:cTn id="21" presetID="1" presetClass="entr" presetSubtype="0" fill="hold" nodeType="clickEffect">
                                   <p:stCondLst>
                                     <p:cond delay="0"/>
                                   </p:stCondLst>
                                   <p:childTnLst>
                                     <p:set>
                                       <p:cBhvr>
-                                        <p:cTn id="20" dur="1" fill="hold">
+                                        <p:cTn id="22" dur="1" fill="hold">
                                           <p:stCondLst>
                                             <p:cond delay="0"/>
                                           </p:stCondLst>
@@ -24811,26 +24829,26 @@
                     </p:cTn>
                   </p:par>
                   <p:par>
-                    <p:cTn id="21" fill="hold">
+                    <p:cTn id="23" fill="hold">
                       <p:stCondLst>
                         <p:cond delay="indefinite"/>
                       </p:stCondLst>
                       <p:childTnLst>
                         <p:par>
-                          <p:cTn id="22" fill="hold">
+                          <p:cTn id="24" fill="hold">
                             <p:stCondLst>
                               <p:cond delay="0"/>
                             </p:stCondLst>
                             <p:childTnLst>
                               <p:par>
-                                <p:cTn id="23" presetID="1" presetClass="entr" presetSubtype="0" fill="hold" nodeType="clickEffect">
+                                <p:cTn id="25" presetID="1" presetClass="entr" presetSubtype="0" fill="hold" nodeType="clickEffect">
                                   <p:stCondLst>
                                     <p:cond delay="0"/>
                                   </p:stCondLst>
                                   <p:childTnLst>
                                     <p:set>
                                       <p:cBhvr>
-                                        <p:cTn id="24" dur="1" fill="hold">
+                                        <p:cTn id="26" dur="1" fill="hold">
                                           <p:stCondLst>
                                             <p:cond delay="0"/>
                                           </p:stCondLst>
